--- a/GIT-moi-tout.pptx
+++ b/GIT-moi-tout.pptx
@@ -60,7 +60,7 @@
       </p:grpSpPr>
       <p:sp>
         <p:nvSpPr>
-          <p:cNvPr id="26" name="PlaceHolder 1"/>
+          <p:cNvPr id="23" name="PlaceHolder 1"/>
           <p:cNvSpPr>
             <a:spLocks noGrp="1"/>
           </p:cNvSpPr>
@@ -70,8 +70,8 @@
         </p:nvSpPr>
         <p:spPr>
           <a:xfrm>
-            <a:off x="838080" y="365040"/>
-            <a:ext cx="10515240" cy="1325160"/>
+            <a:off x="609480" y="273600"/>
+            <a:ext cx="10972440" cy="1144800"/>
           </a:xfrm>
           <a:prstGeom prst="rect">
             <a:avLst/>
@@ -82,18 +82,16 @@
             <a:spAutoFit/>
           </a:bodyPr>
           <a:p>
-            <a:endParaRPr b="0" lang="fr-FR" sz="1800" spc="-1" strike="noStrike">
-              <a:solidFill>
-                <a:srgbClr val="000000"/>
-              </a:solidFill>
-              <a:latin typeface="Calibri"/>
-            </a:endParaRPr>
-          </a:p>
-        </p:txBody>
-      </p:sp>
-      <p:sp>
-        <p:nvSpPr>
-          <p:cNvPr id="27" name="PlaceHolder 2"/>
+            <a:pPr algn="ctr"/>
+            <a:endParaRPr b="0" lang="fr-FR" sz="4400" spc="-1" strike="noStrike">
+              <a:latin typeface="Arial"/>
+            </a:endParaRPr>
+          </a:p>
+        </p:txBody>
+      </p:sp>
+      <p:sp>
+        <p:nvSpPr>
+          <p:cNvPr id="24" name="PlaceHolder 2"/>
           <p:cNvSpPr>
             <a:spLocks noGrp="1"/>
           </p:cNvSpPr>
@@ -103,8 +101,8 @@
         </p:nvSpPr>
         <p:spPr>
           <a:xfrm>
-            <a:off x="838080" y="1825560"/>
-            <a:ext cx="10515240" cy="2075040"/>
+            <a:off x="609480" y="1604520"/>
+            <a:ext cx="10972440" cy="1896840"/>
           </a:xfrm>
           <a:prstGeom prst="rect">
             <a:avLst/>
@@ -115,18 +113,15 @@
             <a:normAutofit/>
           </a:bodyPr>
           <a:p>
-            <a:endParaRPr b="0" lang="fr-FR" sz="2800" spc="-1" strike="noStrike">
-              <a:solidFill>
-                <a:srgbClr val="000000"/>
-              </a:solidFill>
-              <a:latin typeface="Calibri"/>
-            </a:endParaRPr>
-          </a:p>
-        </p:txBody>
-      </p:sp>
-      <p:sp>
-        <p:nvSpPr>
-          <p:cNvPr id="28" name="PlaceHolder 3"/>
+            <a:endParaRPr b="0" lang="fr-FR" sz="3200" spc="-1" strike="noStrike">
+              <a:latin typeface="Arial"/>
+            </a:endParaRPr>
+          </a:p>
+        </p:txBody>
+      </p:sp>
+      <p:sp>
+        <p:nvSpPr>
+          <p:cNvPr id="25" name="PlaceHolder 3"/>
           <p:cNvSpPr>
             <a:spLocks noGrp="1"/>
           </p:cNvSpPr>
@@ -136,8 +131,8 @@
         </p:nvSpPr>
         <p:spPr>
           <a:xfrm>
-            <a:off x="838080" y="4098240"/>
-            <a:ext cx="10515240" cy="2075040"/>
+            <a:off x="609480" y="3682080"/>
+            <a:ext cx="10972440" cy="1896840"/>
           </a:xfrm>
           <a:prstGeom prst="rect">
             <a:avLst/>
@@ -148,11 +143,8 @@
             <a:normAutofit/>
           </a:bodyPr>
           <a:p>
-            <a:endParaRPr b="0" lang="fr-FR" sz="2800" spc="-1" strike="noStrike">
-              <a:solidFill>
-                <a:srgbClr val="000000"/>
-              </a:solidFill>
-              <a:latin typeface="Calibri"/>
+            <a:endParaRPr b="0" lang="fr-FR" sz="3200" spc="-1" strike="noStrike">
+              <a:latin typeface="Arial"/>
             </a:endParaRPr>
           </a:p>
         </p:txBody>
@@ -181,7 +173,7 @@
       </p:grpSpPr>
       <p:sp>
         <p:nvSpPr>
-          <p:cNvPr id="29" name="PlaceHolder 1"/>
+          <p:cNvPr id="26" name="PlaceHolder 1"/>
           <p:cNvSpPr>
             <a:spLocks noGrp="1"/>
           </p:cNvSpPr>
@@ -191,8 +183,8 @@
         </p:nvSpPr>
         <p:spPr>
           <a:xfrm>
-            <a:off x="838080" y="365040"/>
-            <a:ext cx="10515240" cy="1325160"/>
+            <a:off x="609480" y="273600"/>
+            <a:ext cx="10972440" cy="1144800"/>
           </a:xfrm>
           <a:prstGeom prst="rect">
             <a:avLst/>
@@ -203,18 +195,16 @@
             <a:spAutoFit/>
           </a:bodyPr>
           <a:p>
-            <a:endParaRPr b="0" lang="fr-FR" sz="1800" spc="-1" strike="noStrike">
-              <a:solidFill>
-                <a:srgbClr val="000000"/>
-              </a:solidFill>
-              <a:latin typeface="Calibri"/>
-            </a:endParaRPr>
-          </a:p>
-        </p:txBody>
-      </p:sp>
-      <p:sp>
-        <p:nvSpPr>
-          <p:cNvPr id="30" name="PlaceHolder 2"/>
+            <a:pPr algn="ctr"/>
+            <a:endParaRPr b="0" lang="fr-FR" sz="4400" spc="-1" strike="noStrike">
+              <a:latin typeface="Arial"/>
+            </a:endParaRPr>
+          </a:p>
+        </p:txBody>
+      </p:sp>
+      <p:sp>
+        <p:nvSpPr>
+          <p:cNvPr id="27" name="PlaceHolder 2"/>
           <p:cNvSpPr>
             <a:spLocks noGrp="1"/>
           </p:cNvSpPr>
@@ -224,8 +214,8 @@
         </p:nvSpPr>
         <p:spPr>
           <a:xfrm>
-            <a:off x="838080" y="1825560"/>
-            <a:ext cx="5131080" cy="2075040"/>
+            <a:off x="609480" y="1604520"/>
+            <a:ext cx="5354280" cy="1896840"/>
           </a:xfrm>
           <a:prstGeom prst="rect">
             <a:avLst/>
@@ -236,18 +226,15 @@
             <a:normAutofit/>
           </a:bodyPr>
           <a:p>
-            <a:endParaRPr b="0" lang="fr-FR" sz="2800" spc="-1" strike="noStrike">
-              <a:solidFill>
-                <a:srgbClr val="000000"/>
-              </a:solidFill>
-              <a:latin typeface="Calibri"/>
-            </a:endParaRPr>
-          </a:p>
-        </p:txBody>
-      </p:sp>
-      <p:sp>
-        <p:nvSpPr>
-          <p:cNvPr id="31" name="PlaceHolder 3"/>
+            <a:endParaRPr b="0" lang="fr-FR" sz="3200" spc="-1" strike="noStrike">
+              <a:latin typeface="Arial"/>
+            </a:endParaRPr>
+          </a:p>
+        </p:txBody>
+      </p:sp>
+      <p:sp>
+        <p:nvSpPr>
+          <p:cNvPr id="28" name="PlaceHolder 3"/>
           <p:cNvSpPr>
             <a:spLocks noGrp="1"/>
           </p:cNvSpPr>
@@ -257,8 +244,8 @@
         </p:nvSpPr>
         <p:spPr>
           <a:xfrm>
-            <a:off x="6226200" y="1825560"/>
-            <a:ext cx="5131080" cy="2075040"/>
+            <a:off x="6231960" y="1604520"/>
+            <a:ext cx="5354280" cy="1896840"/>
           </a:xfrm>
           <a:prstGeom prst="rect">
             <a:avLst/>
@@ -269,18 +256,15 @@
             <a:normAutofit/>
           </a:bodyPr>
           <a:p>
-            <a:endParaRPr b="0" lang="fr-FR" sz="2800" spc="-1" strike="noStrike">
-              <a:solidFill>
-                <a:srgbClr val="000000"/>
-              </a:solidFill>
-              <a:latin typeface="Calibri"/>
-            </a:endParaRPr>
-          </a:p>
-        </p:txBody>
-      </p:sp>
-      <p:sp>
-        <p:nvSpPr>
-          <p:cNvPr id="32" name="PlaceHolder 4"/>
+            <a:endParaRPr b="0" lang="fr-FR" sz="3200" spc="-1" strike="noStrike">
+              <a:latin typeface="Arial"/>
+            </a:endParaRPr>
+          </a:p>
+        </p:txBody>
+      </p:sp>
+      <p:sp>
+        <p:nvSpPr>
+          <p:cNvPr id="29" name="PlaceHolder 4"/>
           <p:cNvSpPr>
             <a:spLocks noGrp="1"/>
           </p:cNvSpPr>
@@ -290,8 +274,8 @@
         </p:nvSpPr>
         <p:spPr>
           <a:xfrm>
-            <a:off x="838080" y="4098240"/>
-            <a:ext cx="5131080" cy="2075040"/>
+            <a:off x="609480" y="3682080"/>
+            <a:ext cx="5354280" cy="1896840"/>
           </a:xfrm>
           <a:prstGeom prst="rect">
             <a:avLst/>
@@ -302,18 +286,15 @@
             <a:normAutofit/>
           </a:bodyPr>
           <a:p>
-            <a:endParaRPr b="0" lang="fr-FR" sz="2800" spc="-1" strike="noStrike">
-              <a:solidFill>
-                <a:srgbClr val="000000"/>
-              </a:solidFill>
-              <a:latin typeface="Calibri"/>
-            </a:endParaRPr>
-          </a:p>
-        </p:txBody>
-      </p:sp>
-      <p:sp>
-        <p:nvSpPr>
-          <p:cNvPr id="33" name="PlaceHolder 5"/>
+            <a:endParaRPr b="0" lang="fr-FR" sz="3200" spc="-1" strike="noStrike">
+              <a:latin typeface="Arial"/>
+            </a:endParaRPr>
+          </a:p>
+        </p:txBody>
+      </p:sp>
+      <p:sp>
+        <p:nvSpPr>
+          <p:cNvPr id="30" name="PlaceHolder 5"/>
           <p:cNvSpPr>
             <a:spLocks noGrp="1"/>
           </p:cNvSpPr>
@@ -323,8 +304,8 @@
         </p:nvSpPr>
         <p:spPr>
           <a:xfrm>
-            <a:off x="6226200" y="4098240"/>
-            <a:ext cx="5131080" cy="2075040"/>
+            <a:off x="6231960" y="3682080"/>
+            <a:ext cx="5354280" cy="1896840"/>
           </a:xfrm>
           <a:prstGeom prst="rect">
             <a:avLst/>
@@ -335,11 +316,8 @@
             <a:normAutofit/>
           </a:bodyPr>
           <a:p>
-            <a:endParaRPr b="0" lang="fr-FR" sz="2800" spc="-1" strike="noStrike">
-              <a:solidFill>
-                <a:srgbClr val="000000"/>
-              </a:solidFill>
-              <a:latin typeface="Calibri"/>
+            <a:endParaRPr b="0" lang="fr-FR" sz="3200" spc="-1" strike="noStrike">
+              <a:latin typeface="Arial"/>
             </a:endParaRPr>
           </a:p>
         </p:txBody>
@@ -368,7 +346,7 @@
       </p:grpSpPr>
       <p:sp>
         <p:nvSpPr>
-          <p:cNvPr id="34" name="PlaceHolder 1"/>
+          <p:cNvPr id="31" name="PlaceHolder 1"/>
           <p:cNvSpPr>
             <a:spLocks noGrp="1"/>
           </p:cNvSpPr>
@@ -378,8 +356,8 @@
         </p:nvSpPr>
         <p:spPr>
           <a:xfrm>
-            <a:off x="838080" y="365040"/>
-            <a:ext cx="10515240" cy="1325160"/>
+            <a:off x="609480" y="273600"/>
+            <a:ext cx="10972440" cy="1144800"/>
           </a:xfrm>
           <a:prstGeom prst="rect">
             <a:avLst/>
@@ -390,18 +368,16 @@
             <a:spAutoFit/>
           </a:bodyPr>
           <a:p>
-            <a:endParaRPr b="0" lang="fr-FR" sz="1800" spc="-1" strike="noStrike">
-              <a:solidFill>
-                <a:srgbClr val="000000"/>
-              </a:solidFill>
-              <a:latin typeface="Calibri"/>
-            </a:endParaRPr>
-          </a:p>
-        </p:txBody>
-      </p:sp>
-      <p:sp>
-        <p:nvSpPr>
-          <p:cNvPr id="35" name="PlaceHolder 2"/>
+            <a:pPr algn="ctr"/>
+            <a:endParaRPr b="0" lang="fr-FR" sz="4400" spc="-1" strike="noStrike">
+              <a:latin typeface="Arial"/>
+            </a:endParaRPr>
+          </a:p>
+        </p:txBody>
+      </p:sp>
+      <p:sp>
+        <p:nvSpPr>
+          <p:cNvPr id="32" name="PlaceHolder 2"/>
           <p:cNvSpPr>
             <a:spLocks noGrp="1"/>
           </p:cNvSpPr>
@@ -411,8 +387,8 @@
         </p:nvSpPr>
         <p:spPr>
           <a:xfrm>
-            <a:off x="838080" y="1825560"/>
-            <a:ext cx="3385800" cy="2075040"/>
+            <a:off x="609480" y="1604520"/>
+            <a:ext cx="3533040" cy="1896840"/>
           </a:xfrm>
           <a:prstGeom prst="rect">
             <a:avLst/>
@@ -423,18 +399,15 @@
             <a:normAutofit/>
           </a:bodyPr>
           <a:p>
-            <a:endParaRPr b="0" lang="fr-FR" sz="2800" spc="-1" strike="noStrike">
-              <a:solidFill>
-                <a:srgbClr val="000000"/>
-              </a:solidFill>
-              <a:latin typeface="Calibri"/>
-            </a:endParaRPr>
-          </a:p>
-        </p:txBody>
-      </p:sp>
-      <p:sp>
-        <p:nvSpPr>
-          <p:cNvPr id="36" name="PlaceHolder 3"/>
+            <a:endParaRPr b="0" lang="fr-FR" sz="3200" spc="-1" strike="noStrike">
+              <a:latin typeface="Arial"/>
+            </a:endParaRPr>
+          </a:p>
+        </p:txBody>
+      </p:sp>
+      <p:sp>
+        <p:nvSpPr>
+          <p:cNvPr id="33" name="PlaceHolder 3"/>
           <p:cNvSpPr>
             <a:spLocks noGrp="1"/>
           </p:cNvSpPr>
@@ -444,8 +417,8 @@
         </p:nvSpPr>
         <p:spPr>
           <a:xfrm>
-            <a:off x="4393440" y="1825560"/>
-            <a:ext cx="3385800" cy="2075040"/>
+            <a:off x="4319640" y="1604520"/>
+            <a:ext cx="3533040" cy="1896840"/>
           </a:xfrm>
           <a:prstGeom prst="rect">
             <a:avLst/>
@@ -456,18 +429,15 @@
             <a:normAutofit/>
           </a:bodyPr>
           <a:p>
-            <a:endParaRPr b="0" lang="fr-FR" sz="2800" spc="-1" strike="noStrike">
-              <a:solidFill>
-                <a:srgbClr val="000000"/>
-              </a:solidFill>
-              <a:latin typeface="Calibri"/>
-            </a:endParaRPr>
-          </a:p>
-        </p:txBody>
-      </p:sp>
-      <p:sp>
-        <p:nvSpPr>
-          <p:cNvPr id="37" name="PlaceHolder 4"/>
+            <a:endParaRPr b="0" lang="fr-FR" sz="3200" spc="-1" strike="noStrike">
+              <a:latin typeface="Arial"/>
+            </a:endParaRPr>
+          </a:p>
+        </p:txBody>
+      </p:sp>
+      <p:sp>
+        <p:nvSpPr>
+          <p:cNvPr id="34" name="PlaceHolder 4"/>
           <p:cNvSpPr>
             <a:spLocks noGrp="1"/>
           </p:cNvSpPr>
@@ -477,8 +447,8 @@
         </p:nvSpPr>
         <p:spPr>
           <a:xfrm>
-            <a:off x="7949160" y="1825560"/>
-            <a:ext cx="3385800" cy="2075040"/>
+            <a:off x="8029800" y="1604520"/>
+            <a:ext cx="3533040" cy="1896840"/>
           </a:xfrm>
           <a:prstGeom prst="rect">
             <a:avLst/>
@@ -489,18 +459,15 @@
             <a:normAutofit/>
           </a:bodyPr>
           <a:p>
-            <a:endParaRPr b="0" lang="fr-FR" sz="2800" spc="-1" strike="noStrike">
-              <a:solidFill>
-                <a:srgbClr val="000000"/>
-              </a:solidFill>
-              <a:latin typeface="Calibri"/>
-            </a:endParaRPr>
-          </a:p>
-        </p:txBody>
-      </p:sp>
-      <p:sp>
-        <p:nvSpPr>
-          <p:cNvPr id="38" name="PlaceHolder 5"/>
+            <a:endParaRPr b="0" lang="fr-FR" sz="3200" spc="-1" strike="noStrike">
+              <a:latin typeface="Arial"/>
+            </a:endParaRPr>
+          </a:p>
+        </p:txBody>
+      </p:sp>
+      <p:sp>
+        <p:nvSpPr>
+          <p:cNvPr id="35" name="PlaceHolder 5"/>
           <p:cNvSpPr>
             <a:spLocks noGrp="1"/>
           </p:cNvSpPr>
@@ -510,8 +477,8 @@
         </p:nvSpPr>
         <p:spPr>
           <a:xfrm>
-            <a:off x="838080" y="4098240"/>
-            <a:ext cx="3385800" cy="2075040"/>
+            <a:off x="609480" y="3682080"/>
+            <a:ext cx="3533040" cy="1896840"/>
           </a:xfrm>
           <a:prstGeom prst="rect">
             <a:avLst/>
@@ -522,18 +489,15 @@
             <a:normAutofit/>
           </a:bodyPr>
           <a:p>
-            <a:endParaRPr b="0" lang="fr-FR" sz="2800" spc="-1" strike="noStrike">
-              <a:solidFill>
-                <a:srgbClr val="000000"/>
-              </a:solidFill>
-              <a:latin typeface="Calibri"/>
-            </a:endParaRPr>
-          </a:p>
-        </p:txBody>
-      </p:sp>
-      <p:sp>
-        <p:nvSpPr>
-          <p:cNvPr id="39" name="PlaceHolder 6"/>
+            <a:endParaRPr b="0" lang="fr-FR" sz="3200" spc="-1" strike="noStrike">
+              <a:latin typeface="Arial"/>
+            </a:endParaRPr>
+          </a:p>
+        </p:txBody>
+      </p:sp>
+      <p:sp>
+        <p:nvSpPr>
+          <p:cNvPr id="36" name="PlaceHolder 6"/>
           <p:cNvSpPr>
             <a:spLocks noGrp="1"/>
           </p:cNvSpPr>
@@ -543,8 +507,8 @@
         </p:nvSpPr>
         <p:spPr>
           <a:xfrm>
-            <a:off x="4393440" y="4098240"/>
-            <a:ext cx="3385800" cy="2075040"/>
+            <a:off x="4319640" y="3682080"/>
+            <a:ext cx="3533040" cy="1896840"/>
           </a:xfrm>
           <a:prstGeom prst="rect">
             <a:avLst/>
@@ -555,18 +519,15 @@
             <a:normAutofit/>
           </a:bodyPr>
           <a:p>
-            <a:endParaRPr b="0" lang="fr-FR" sz="2800" spc="-1" strike="noStrike">
-              <a:solidFill>
-                <a:srgbClr val="000000"/>
-              </a:solidFill>
-              <a:latin typeface="Calibri"/>
-            </a:endParaRPr>
-          </a:p>
-        </p:txBody>
-      </p:sp>
-      <p:sp>
-        <p:nvSpPr>
-          <p:cNvPr id="40" name="PlaceHolder 7"/>
+            <a:endParaRPr b="0" lang="fr-FR" sz="3200" spc="-1" strike="noStrike">
+              <a:latin typeface="Arial"/>
+            </a:endParaRPr>
+          </a:p>
+        </p:txBody>
+      </p:sp>
+      <p:sp>
+        <p:nvSpPr>
+          <p:cNvPr id="37" name="PlaceHolder 7"/>
           <p:cNvSpPr>
             <a:spLocks noGrp="1"/>
           </p:cNvSpPr>
@@ -576,8 +537,8 @@
         </p:nvSpPr>
         <p:spPr>
           <a:xfrm>
-            <a:off x="7949160" y="4098240"/>
-            <a:ext cx="3385800" cy="2075040"/>
+            <a:off x="8029800" y="3682080"/>
+            <a:ext cx="3533040" cy="1896840"/>
           </a:xfrm>
           <a:prstGeom prst="rect">
             <a:avLst/>
@@ -588,11 +549,8 @@
             <a:normAutofit/>
           </a:bodyPr>
           <a:p>
-            <a:endParaRPr b="0" lang="fr-FR" sz="2800" spc="-1" strike="noStrike">
-              <a:solidFill>
-                <a:srgbClr val="000000"/>
-              </a:solidFill>
-              <a:latin typeface="Calibri"/>
+            <a:endParaRPr b="0" lang="fr-FR" sz="3200" spc="-1" strike="noStrike">
+              <a:latin typeface="Arial"/>
             </a:endParaRPr>
           </a:p>
         </p:txBody>
@@ -643,7 +601,7 @@
       </p:grpSpPr>
       <p:sp>
         <p:nvSpPr>
-          <p:cNvPr id="46" name="PlaceHolder 1"/>
+          <p:cNvPr id="40" name="PlaceHolder 1"/>
           <p:cNvSpPr>
             <a:spLocks noGrp="1"/>
           </p:cNvSpPr>
@@ -653,8 +611,8 @@
         </p:nvSpPr>
         <p:spPr>
           <a:xfrm>
-            <a:off x="838080" y="365040"/>
-            <a:ext cx="10515240" cy="1325160"/>
+            <a:off x="609480" y="273600"/>
+            <a:ext cx="10972440" cy="1144800"/>
           </a:xfrm>
           <a:prstGeom prst="rect">
             <a:avLst/>
@@ -665,18 +623,16 @@
             <a:spAutoFit/>
           </a:bodyPr>
           <a:p>
-            <a:endParaRPr b="0" lang="fr-FR" sz="1800" spc="-1" strike="noStrike">
-              <a:solidFill>
-                <a:srgbClr val="000000"/>
-              </a:solidFill>
-              <a:latin typeface="Calibri"/>
-            </a:endParaRPr>
-          </a:p>
-        </p:txBody>
-      </p:sp>
-      <p:sp>
-        <p:nvSpPr>
-          <p:cNvPr id="47" name="PlaceHolder 2"/>
+            <a:pPr algn="ctr"/>
+            <a:endParaRPr b="0" lang="fr-FR" sz="4400" spc="-1" strike="noStrike">
+              <a:latin typeface="Arial"/>
+            </a:endParaRPr>
+          </a:p>
+        </p:txBody>
+      </p:sp>
+      <p:sp>
+        <p:nvSpPr>
+          <p:cNvPr id="41" name="PlaceHolder 2"/>
           <p:cNvSpPr>
             <a:spLocks noGrp="1"/>
           </p:cNvSpPr>
@@ -686,8 +642,8 @@
         </p:nvSpPr>
         <p:spPr>
           <a:xfrm>
-            <a:off x="838080" y="1825560"/>
-            <a:ext cx="10515240" cy="4350960"/>
+            <a:off x="609480" y="1604520"/>
+            <a:ext cx="10972440" cy="3977280"/>
           </a:xfrm>
           <a:prstGeom prst="rect">
             <a:avLst/>
@@ -729,7 +685,7 @@
       </p:grpSpPr>
       <p:sp>
         <p:nvSpPr>
-          <p:cNvPr id="48" name="PlaceHolder 1"/>
+          <p:cNvPr id="42" name="PlaceHolder 1"/>
           <p:cNvSpPr>
             <a:spLocks noGrp="1"/>
           </p:cNvSpPr>
@@ -739,8 +695,8 @@
         </p:nvSpPr>
         <p:spPr>
           <a:xfrm>
-            <a:off x="838080" y="365040"/>
-            <a:ext cx="10515240" cy="1325160"/>
+            <a:off x="609480" y="273600"/>
+            <a:ext cx="10972440" cy="1144800"/>
           </a:xfrm>
           <a:prstGeom prst="rect">
             <a:avLst/>
@@ -751,18 +707,16 @@
             <a:spAutoFit/>
           </a:bodyPr>
           <a:p>
-            <a:endParaRPr b="0" lang="fr-FR" sz="1800" spc="-1" strike="noStrike">
-              <a:solidFill>
-                <a:srgbClr val="000000"/>
-              </a:solidFill>
-              <a:latin typeface="Calibri"/>
-            </a:endParaRPr>
-          </a:p>
-        </p:txBody>
-      </p:sp>
-      <p:sp>
-        <p:nvSpPr>
-          <p:cNvPr id="49" name="PlaceHolder 2"/>
+            <a:pPr algn="ctr"/>
+            <a:endParaRPr b="0" lang="fr-FR" sz="4400" spc="-1" strike="noStrike">
+              <a:latin typeface="Arial"/>
+            </a:endParaRPr>
+          </a:p>
+        </p:txBody>
+      </p:sp>
+      <p:sp>
+        <p:nvSpPr>
+          <p:cNvPr id="43" name="PlaceHolder 2"/>
           <p:cNvSpPr>
             <a:spLocks noGrp="1"/>
           </p:cNvSpPr>
@@ -772,8 +726,8 @@
         </p:nvSpPr>
         <p:spPr>
           <a:xfrm>
-            <a:off x="838080" y="1825560"/>
-            <a:ext cx="10515240" cy="4350960"/>
+            <a:off x="609480" y="1604520"/>
+            <a:ext cx="10972440" cy="3977280"/>
           </a:xfrm>
           <a:prstGeom prst="rect">
             <a:avLst/>
@@ -784,11 +738,8 @@
             <a:normAutofit/>
           </a:bodyPr>
           <a:p>
-            <a:endParaRPr b="0" lang="fr-FR" sz="2800" spc="-1" strike="noStrike">
-              <a:solidFill>
-                <a:srgbClr val="000000"/>
-              </a:solidFill>
-              <a:latin typeface="Calibri"/>
+            <a:endParaRPr b="0" lang="fr-FR" sz="3200" spc="-1" strike="noStrike">
+              <a:latin typeface="Arial"/>
             </a:endParaRPr>
           </a:p>
         </p:txBody>
@@ -817,7 +768,7 @@
       </p:grpSpPr>
       <p:sp>
         <p:nvSpPr>
-          <p:cNvPr id="50" name="PlaceHolder 1"/>
+          <p:cNvPr id="44" name="PlaceHolder 1"/>
           <p:cNvSpPr>
             <a:spLocks noGrp="1"/>
           </p:cNvSpPr>
@@ -827,8 +778,8 @@
         </p:nvSpPr>
         <p:spPr>
           <a:xfrm>
-            <a:off x="838080" y="365040"/>
-            <a:ext cx="10515240" cy="1325160"/>
+            <a:off x="609480" y="273600"/>
+            <a:ext cx="10972440" cy="1144800"/>
           </a:xfrm>
           <a:prstGeom prst="rect">
             <a:avLst/>
@@ -839,18 +790,16 @@
             <a:spAutoFit/>
           </a:bodyPr>
           <a:p>
-            <a:endParaRPr b="0" lang="fr-FR" sz="1800" spc="-1" strike="noStrike">
-              <a:solidFill>
-                <a:srgbClr val="000000"/>
-              </a:solidFill>
-              <a:latin typeface="Calibri"/>
-            </a:endParaRPr>
-          </a:p>
-        </p:txBody>
-      </p:sp>
-      <p:sp>
-        <p:nvSpPr>
-          <p:cNvPr id="51" name="PlaceHolder 2"/>
+            <a:pPr algn="ctr"/>
+            <a:endParaRPr b="0" lang="fr-FR" sz="4400" spc="-1" strike="noStrike">
+              <a:latin typeface="Arial"/>
+            </a:endParaRPr>
+          </a:p>
+        </p:txBody>
+      </p:sp>
+      <p:sp>
+        <p:nvSpPr>
+          <p:cNvPr id="45" name="PlaceHolder 2"/>
           <p:cNvSpPr>
             <a:spLocks noGrp="1"/>
           </p:cNvSpPr>
@@ -860,8 +809,8 @@
         </p:nvSpPr>
         <p:spPr>
           <a:xfrm>
-            <a:off x="838080" y="1825560"/>
-            <a:ext cx="5131080" cy="4350960"/>
+            <a:off x="609480" y="1604520"/>
+            <a:ext cx="5354280" cy="3977280"/>
           </a:xfrm>
           <a:prstGeom prst="rect">
             <a:avLst/>
@@ -872,18 +821,15 @@
             <a:normAutofit/>
           </a:bodyPr>
           <a:p>
-            <a:endParaRPr b="0" lang="fr-FR" sz="2800" spc="-1" strike="noStrike">
-              <a:solidFill>
-                <a:srgbClr val="000000"/>
-              </a:solidFill>
-              <a:latin typeface="Calibri"/>
-            </a:endParaRPr>
-          </a:p>
-        </p:txBody>
-      </p:sp>
-      <p:sp>
-        <p:nvSpPr>
-          <p:cNvPr id="52" name="PlaceHolder 3"/>
+            <a:endParaRPr b="0" lang="fr-FR" sz="3200" spc="-1" strike="noStrike">
+              <a:latin typeface="Arial"/>
+            </a:endParaRPr>
+          </a:p>
+        </p:txBody>
+      </p:sp>
+      <p:sp>
+        <p:nvSpPr>
+          <p:cNvPr id="46" name="PlaceHolder 3"/>
           <p:cNvSpPr>
             <a:spLocks noGrp="1"/>
           </p:cNvSpPr>
@@ -893,8 +839,8 @@
         </p:nvSpPr>
         <p:spPr>
           <a:xfrm>
-            <a:off x="6226200" y="1825560"/>
-            <a:ext cx="5131080" cy="4350960"/>
+            <a:off x="6231960" y="1604520"/>
+            <a:ext cx="5354280" cy="3977280"/>
           </a:xfrm>
           <a:prstGeom prst="rect">
             <a:avLst/>
@@ -905,11 +851,8 @@
             <a:normAutofit/>
           </a:bodyPr>
           <a:p>
-            <a:endParaRPr b="0" lang="fr-FR" sz="2800" spc="-1" strike="noStrike">
-              <a:solidFill>
-                <a:srgbClr val="000000"/>
-              </a:solidFill>
-              <a:latin typeface="Calibri"/>
+            <a:endParaRPr b="0" lang="fr-FR" sz="3200" spc="-1" strike="noStrike">
+              <a:latin typeface="Arial"/>
             </a:endParaRPr>
           </a:p>
         </p:txBody>
@@ -938,7 +881,7 @@
       </p:grpSpPr>
       <p:sp>
         <p:nvSpPr>
-          <p:cNvPr id="53" name="PlaceHolder 1"/>
+          <p:cNvPr id="47" name="PlaceHolder 1"/>
           <p:cNvSpPr>
             <a:spLocks noGrp="1"/>
           </p:cNvSpPr>
@@ -948,8 +891,8 @@
         </p:nvSpPr>
         <p:spPr>
           <a:xfrm>
-            <a:off x="838080" y="365040"/>
-            <a:ext cx="10515240" cy="1325160"/>
+            <a:off x="609480" y="273600"/>
+            <a:ext cx="10972440" cy="1144800"/>
           </a:xfrm>
           <a:prstGeom prst="rect">
             <a:avLst/>
@@ -960,11 +903,9 @@
             <a:spAutoFit/>
           </a:bodyPr>
           <a:p>
-            <a:endParaRPr b="0" lang="fr-FR" sz="1800" spc="-1" strike="noStrike">
-              <a:solidFill>
-                <a:srgbClr val="000000"/>
-              </a:solidFill>
-              <a:latin typeface="Calibri"/>
+            <a:pPr algn="ctr"/>
+            <a:endParaRPr b="0" lang="fr-FR" sz="4400" spc="-1" strike="noStrike">
+              <a:latin typeface="Arial"/>
             </a:endParaRPr>
           </a:p>
         </p:txBody>
@@ -993,7 +934,7 @@
       </p:grpSpPr>
       <p:sp>
         <p:nvSpPr>
-          <p:cNvPr id="54" name="PlaceHolder 1"/>
+          <p:cNvPr id="48" name="PlaceHolder 1"/>
           <p:cNvSpPr>
             <a:spLocks noGrp="1"/>
           </p:cNvSpPr>
@@ -1003,8 +944,8 @@
         </p:nvSpPr>
         <p:spPr>
           <a:xfrm>
-            <a:off x="838080" y="365040"/>
-            <a:ext cx="10515240" cy="6144120"/>
+            <a:off x="609480" y="273600"/>
+            <a:ext cx="10972440" cy="5307840"/>
           </a:xfrm>
           <a:prstGeom prst="rect">
             <a:avLst/>
@@ -1046,7 +987,7 @@
       </p:grpSpPr>
       <p:sp>
         <p:nvSpPr>
-          <p:cNvPr id="55" name="PlaceHolder 1"/>
+          <p:cNvPr id="49" name="PlaceHolder 1"/>
           <p:cNvSpPr>
             <a:spLocks noGrp="1"/>
           </p:cNvSpPr>
@@ -1056,8 +997,8 @@
         </p:nvSpPr>
         <p:spPr>
           <a:xfrm>
-            <a:off x="838080" y="365040"/>
-            <a:ext cx="10515240" cy="1325160"/>
+            <a:off x="609480" y="273600"/>
+            <a:ext cx="10972440" cy="1144800"/>
           </a:xfrm>
           <a:prstGeom prst="rect">
             <a:avLst/>
@@ -1068,18 +1009,16 @@
             <a:spAutoFit/>
           </a:bodyPr>
           <a:p>
-            <a:endParaRPr b="0" lang="fr-FR" sz="1800" spc="-1" strike="noStrike">
-              <a:solidFill>
-                <a:srgbClr val="000000"/>
-              </a:solidFill>
-              <a:latin typeface="Calibri"/>
-            </a:endParaRPr>
-          </a:p>
-        </p:txBody>
-      </p:sp>
-      <p:sp>
-        <p:nvSpPr>
-          <p:cNvPr id="56" name="PlaceHolder 2"/>
+            <a:pPr algn="ctr"/>
+            <a:endParaRPr b="0" lang="fr-FR" sz="4400" spc="-1" strike="noStrike">
+              <a:latin typeface="Arial"/>
+            </a:endParaRPr>
+          </a:p>
+        </p:txBody>
+      </p:sp>
+      <p:sp>
+        <p:nvSpPr>
+          <p:cNvPr id="50" name="PlaceHolder 2"/>
           <p:cNvSpPr>
             <a:spLocks noGrp="1"/>
           </p:cNvSpPr>
@@ -1089,8 +1028,8 @@
         </p:nvSpPr>
         <p:spPr>
           <a:xfrm>
-            <a:off x="838080" y="1825560"/>
-            <a:ext cx="5131080" cy="2075040"/>
+            <a:off x="609480" y="1604520"/>
+            <a:ext cx="5354280" cy="1896840"/>
           </a:xfrm>
           <a:prstGeom prst="rect">
             <a:avLst/>
@@ -1101,18 +1040,15 @@
             <a:normAutofit/>
           </a:bodyPr>
           <a:p>
-            <a:endParaRPr b="0" lang="fr-FR" sz="2800" spc="-1" strike="noStrike">
-              <a:solidFill>
-                <a:srgbClr val="000000"/>
-              </a:solidFill>
-              <a:latin typeface="Calibri"/>
-            </a:endParaRPr>
-          </a:p>
-        </p:txBody>
-      </p:sp>
-      <p:sp>
-        <p:nvSpPr>
-          <p:cNvPr id="57" name="PlaceHolder 3"/>
+            <a:endParaRPr b="0" lang="fr-FR" sz="3200" spc="-1" strike="noStrike">
+              <a:latin typeface="Arial"/>
+            </a:endParaRPr>
+          </a:p>
+        </p:txBody>
+      </p:sp>
+      <p:sp>
+        <p:nvSpPr>
+          <p:cNvPr id="51" name="PlaceHolder 3"/>
           <p:cNvSpPr>
             <a:spLocks noGrp="1"/>
           </p:cNvSpPr>
@@ -1122,8 +1058,8 @@
         </p:nvSpPr>
         <p:spPr>
           <a:xfrm>
-            <a:off x="6226200" y="1825560"/>
-            <a:ext cx="5131080" cy="4350960"/>
+            <a:off x="6231960" y="1604520"/>
+            <a:ext cx="5354280" cy="3977280"/>
           </a:xfrm>
           <a:prstGeom prst="rect">
             <a:avLst/>
@@ -1134,18 +1070,15 @@
             <a:normAutofit/>
           </a:bodyPr>
           <a:p>
-            <a:endParaRPr b="0" lang="fr-FR" sz="2800" spc="-1" strike="noStrike">
-              <a:solidFill>
-                <a:srgbClr val="000000"/>
-              </a:solidFill>
-              <a:latin typeface="Calibri"/>
-            </a:endParaRPr>
-          </a:p>
-        </p:txBody>
-      </p:sp>
-      <p:sp>
-        <p:nvSpPr>
-          <p:cNvPr id="58" name="PlaceHolder 4"/>
+            <a:endParaRPr b="0" lang="fr-FR" sz="3200" spc="-1" strike="noStrike">
+              <a:latin typeface="Arial"/>
+            </a:endParaRPr>
+          </a:p>
+        </p:txBody>
+      </p:sp>
+      <p:sp>
+        <p:nvSpPr>
+          <p:cNvPr id="52" name="PlaceHolder 4"/>
           <p:cNvSpPr>
             <a:spLocks noGrp="1"/>
           </p:cNvSpPr>
@@ -1155,8 +1088,8 @@
         </p:nvSpPr>
         <p:spPr>
           <a:xfrm>
-            <a:off x="838080" y="4098240"/>
-            <a:ext cx="5131080" cy="2075040"/>
+            <a:off x="609480" y="3682080"/>
+            <a:ext cx="5354280" cy="1896840"/>
           </a:xfrm>
           <a:prstGeom prst="rect">
             <a:avLst/>
@@ -1167,11 +1100,8 @@
             <a:normAutofit/>
           </a:bodyPr>
           <a:p>
-            <a:endParaRPr b="0" lang="fr-FR" sz="2800" spc="-1" strike="noStrike">
-              <a:solidFill>
-                <a:srgbClr val="000000"/>
-              </a:solidFill>
-              <a:latin typeface="Calibri"/>
+            <a:endParaRPr b="0" lang="fr-FR" sz="3200" spc="-1" strike="noStrike">
+              <a:latin typeface="Arial"/>
             </a:endParaRPr>
           </a:p>
         </p:txBody>
@@ -1200,7 +1130,7 @@
       </p:grpSpPr>
       <p:sp>
         <p:nvSpPr>
-          <p:cNvPr id="5" name="PlaceHolder 1"/>
+          <p:cNvPr id="2" name="PlaceHolder 1"/>
           <p:cNvSpPr>
             <a:spLocks noGrp="1"/>
           </p:cNvSpPr>
@@ -1210,8 +1140,8 @@
         </p:nvSpPr>
         <p:spPr>
           <a:xfrm>
-            <a:off x="838080" y="365040"/>
-            <a:ext cx="10515240" cy="1325160"/>
+            <a:off x="609480" y="273600"/>
+            <a:ext cx="10972440" cy="1144800"/>
           </a:xfrm>
           <a:prstGeom prst="rect">
             <a:avLst/>
@@ -1222,18 +1152,16 @@
             <a:spAutoFit/>
           </a:bodyPr>
           <a:p>
-            <a:endParaRPr b="0" lang="fr-FR" sz="1800" spc="-1" strike="noStrike">
-              <a:solidFill>
-                <a:srgbClr val="000000"/>
-              </a:solidFill>
-              <a:latin typeface="Calibri"/>
-            </a:endParaRPr>
-          </a:p>
-        </p:txBody>
-      </p:sp>
-      <p:sp>
-        <p:nvSpPr>
-          <p:cNvPr id="6" name="PlaceHolder 2"/>
+            <a:pPr algn="ctr"/>
+            <a:endParaRPr b="0" lang="fr-FR" sz="4400" spc="-1" strike="noStrike">
+              <a:latin typeface="Arial"/>
+            </a:endParaRPr>
+          </a:p>
+        </p:txBody>
+      </p:sp>
+      <p:sp>
+        <p:nvSpPr>
+          <p:cNvPr id="3" name="PlaceHolder 2"/>
           <p:cNvSpPr>
             <a:spLocks noGrp="1"/>
           </p:cNvSpPr>
@@ -1243,8 +1171,8 @@
         </p:nvSpPr>
         <p:spPr>
           <a:xfrm>
-            <a:off x="838080" y="1825560"/>
-            <a:ext cx="10515240" cy="4350960"/>
+            <a:off x="609480" y="1604520"/>
+            <a:ext cx="10972440" cy="3977280"/>
           </a:xfrm>
           <a:prstGeom prst="rect">
             <a:avLst/>
@@ -1286,7 +1214,7 @@
       </p:grpSpPr>
       <p:sp>
         <p:nvSpPr>
-          <p:cNvPr id="59" name="PlaceHolder 1"/>
+          <p:cNvPr id="53" name="PlaceHolder 1"/>
           <p:cNvSpPr>
             <a:spLocks noGrp="1"/>
           </p:cNvSpPr>
@@ -1296,8 +1224,8 @@
         </p:nvSpPr>
         <p:spPr>
           <a:xfrm>
-            <a:off x="838080" y="365040"/>
-            <a:ext cx="10515240" cy="1325160"/>
+            <a:off x="609480" y="273600"/>
+            <a:ext cx="10972440" cy="1144800"/>
           </a:xfrm>
           <a:prstGeom prst="rect">
             <a:avLst/>
@@ -1308,18 +1236,16 @@
             <a:spAutoFit/>
           </a:bodyPr>
           <a:p>
-            <a:endParaRPr b="0" lang="fr-FR" sz="1800" spc="-1" strike="noStrike">
-              <a:solidFill>
-                <a:srgbClr val="000000"/>
-              </a:solidFill>
-              <a:latin typeface="Calibri"/>
-            </a:endParaRPr>
-          </a:p>
-        </p:txBody>
-      </p:sp>
-      <p:sp>
-        <p:nvSpPr>
-          <p:cNvPr id="60" name="PlaceHolder 2"/>
+            <a:pPr algn="ctr"/>
+            <a:endParaRPr b="0" lang="fr-FR" sz="4400" spc="-1" strike="noStrike">
+              <a:latin typeface="Arial"/>
+            </a:endParaRPr>
+          </a:p>
+        </p:txBody>
+      </p:sp>
+      <p:sp>
+        <p:nvSpPr>
+          <p:cNvPr id="54" name="PlaceHolder 2"/>
           <p:cNvSpPr>
             <a:spLocks noGrp="1"/>
           </p:cNvSpPr>
@@ -1329,8 +1255,8 @@
         </p:nvSpPr>
         <p:spPr>
           <a:xfrm>
-            <a:off x="838080" y="1825560"/>
-            <a:ext cx="5131080" cy="4350960"/>
+            <a:off x="609480" y="1604520"/>
+            <a:ext cx="5354280" cy="3977280"/>
           </a:xfrm>
           <a:prstGeom prst="rect">
             <a:avLst/>
@@ -1341,18 +1267,15 @@
             <a:normAutofit/>
           </a:bodyPr>
           <a:p>
-            <a:endParaRPr b="0" lang="fr-FR" sz="2800" spc="-1" strike="noStrike">
-              <a:solidFill>
-                <a:srgbClr val="000000"/>
-              </a:solidFill>
-              <a:latin typeface="Calibri"/>
-            </a:endParaRPr>
-          </a:p>
-        </p:txBody>
-      </p:sp>
-      <p:sp>
-        <p:nvSpPr>
-          <p:cNvPr id="61" name="PlaceHolder 3"/>
+            <a:endParaRPr b="0" lang="fr-FR" sz="3200" spc="-1" strike="noStrike">
+              <a:latin typeface="Arial"/>
+            </a:endParaRPr>
+          </a:p>
+        </p:txBody>
+      </p:sp>
+      <p:sp>
+        <p:nvSpPr>
+          <p:cNvPr id="55" name="PlaceHolder 3"/>
           <p:cNvSpPr>
             <a:spLocks noGrp="1"/>
           </p:cNvSpPr>
@@ -1362,8 +1285,8 @@
         </p:nvSpPr>
         <p:spPr>
           <a:xfrm>
-            <a:off x="6226200" y="1825560"/>
-            <a:ext cx="5131080" cy="2075040"/>
+            <a:off x="6231960" y="1604520"/>
+            <a:ext cx="5354280" cy="1896840"/>
           </a:xfrm>
           <a:prstGeom prst="rect">
             <a:avLst/>
@@ -1374,18 +1297,15 @@
             <a:normAutofit/>
           </a:bodyPr>
           <a:p>
-            <a:endParaRPr b="0" lang="fr-FR" sz="2800" spc="-1" strike="noStrike">
-              <a:solidFill>
-                <a:srgbClr val="000000"/>
-              </a:solidFill>
-              <a:latin typeface="Calibri"/>
-            </a:endParaRPr>
-          </a:p>
-        </p:txBody>
-      </p:sp>
-      <p:sp>
-        <p:nvSpPr>
-          <p:cNvPr id="62" name="PlaceHolder 4"/>
+            <a:endParaRPr b="0" lang="fr-FR" sz="3200" spc="-1" strike="noStrike">
+              <a:latin typeface="Arial"/>
+            </a:endParaRPr>
+          </a:p>
+        </p:txBody>
+      </p:sp>
+      <p:sp>
+        <p:nvSpPr>
+          <p:cNvPr id="56" name="PlaceHolder 4"/>
           <p:cNvSpPr>
             <a:spLocks noGrp="1"/>
           </p:cNvSpPr>
@@ -1395,8 +1315,8 @@
         </p:nvSpPr>
         <p:spPr>
           <a:xfrm>
-            <a:off x="6226200" y="4098240"/>
-            <a:ext cx="5131080" cy="2075040"/>
+            <a:off x="6231960" y="3682080"/>
+            <a:ext cx="5354280" cy="1896840"/>
           </a:xfrm>
           <a:prstGeom prst="rect">
             <a:avLst/>
@@ -1407,11 +1327,8 @@
             <a:normAutofit/>
           </a:bodyPr>
           <a:p>
-            <a:endParaRPr b="0" lang="fr-FR" sz="2800" spc="-1" strike="noStrike">
-              <a:solidFill>
-                <a:srgbClr val="000000"/>
-              </a:solidFill>
-              <a:latin typeface="Calibri"/>
+            <a:endParaRPr b="0" lang="fr-FR" sz="3200" spc="-1" strike="noStrike">
+              <a:latin typeface="Arial"/>
             </a:endParaRPr>
           </a:p>
         </p:txBody>
@@ -1440,7 +1357,7 @@
       </p:grpSpPr>
       <p:sp>
         <p:nvSpPr>
-          <p:cNvPr id="63" name="PlaceHolder 1"/>
+          <p:cNvPr id="57" name="PlaceHolder 1"/>
           <p:cNvSpPr>
             <a:spLocks noGrp="1"/>
           </p:cNvSpPr>
@@ -1450,8 +1367,8 @@
         </p:nvSpPr>
         <p:spPr>
           <a:xfrm>
-            <a:off x="838080" y="365040"/>
-            <a:ext cx="10515240" cy="1325160"/>
+            <a:off x="609480" y="273600"/>
+            <a:ext cx="10972440" cy="1144800"/>
           </a:xfrm>
           <a:prstGeom prst="rect">
             <a:avLst/>
@@ -1462,18 +1379,16 @@
             <a:spAutoFit/>
           </a:bodyPr>
           <a:p>
-            <a:endParaRPr b="0" lang="fr-FR" sz="1800" spc="-1" strike="noStrike">
-              <a:solidFill>
-                <a:srgbClr val="000000"/>
-              </a:solidFill>
-              <a:latin typeface="Calibri"/>
-            </a:endParaRPr>
-          </a:p>
-        </p:txBody>
-      </p:sp>
-      <p:sp>
-        <p:nvSpPr>
-          <p:cNvPr id="64" name="PlaceHolder 2"/>
+            <a:pPr algn="ctr"/>
+            <a:endParaRPr b="0" lang="fr-FR" sz="4400" spc="-1" strike="noStrike">
+              <a:latin typeface="Arial"/>
+            </a:endParaRPr>
+          </a:p>
+        </p:txBody>
+      </p:sp>
+      <p:sp>
+        <p:nvSpPr>
+          <p:cNvPr id="58" name="PlaceHolder 2"/>
           <p:cNvSpPr>
             <a:spLocks noGrp="1"/>
           </p:cNvSpPr>
@@ -1483,8 +1398,8 @@
         </p:nvSpPr>
         <p:spPr>
           <a:xfrm>
-            <a:off x="838080" y="1825560"/>
-            <a:ext cx="5131080" cy="2075040"/>
+            <a:off x="609480" y="1604520"/>
+            <a:ext cx="5354280" cy="1896840"/>
           </a:xfrm>
           <a:prstGeom prst="rect">
             <a:avLst/>
@@ -1495,18 +1410,15 @@
             <a:normAutofit/>
           </a:bodyPr>
           <a:p>
-            <a:endParaRPr b="0" lang="fr-FR" sz="2800" spc="-1" strike="noStrike">
-              <a:solidFill>
-                <a:srgbClr val="000000"/>
-              </a:solidFill>
-              <a:latin typeface="Calibri"/>
-            </a:endParaRPr>
-          </a:p>
-        </p:txBody>
-      </p:sp>
-      <p:sp>
-        <p:nvSpPr>
-          <p:cNvPr id="65" name="PlaceHolder 3"/>
+            <a:endParaRPr b="0" lang="fr-FR" sz="3200" spc="-1" strike="noStrike">
+              <a:latin typeface="Arial"/>
+            </a:endParaRPr>
+          </a:p>
+        </p:txBody>
+      </p:sp>
+      <p:sp>
+        <p:nvSpPr>
+          <p:cNvPr id="59" name="PlaceHolder 3"/>
           <p:cNvSpPr>
             <a:spLocks noGrp="1"/>
           </p:cNvSpPr>
@@ -1516,8 +1428,8 @@
         </p:nvSpPr>
         <p:spPr>
           <a:xfrm>
-            <a:off x="6226200" y="1825560"/>
-            <a:ext cx="5131080" cy="2075040"/>
+            <a:off x="6231960" y="1604520"/>
+            <a:ext cx="5354280" cy="1896840"/>
           </a:xfrm>
           <a:prstGeom prst="rect">
             <a:avLst/>
@@ -1528,18 +1440,15 @@
             <a:normAutofit/>
           </a:bodyPr>
           <a:p>
-            <a:endParaRPr b="0" lang="fr-FR" sz="2800" spc="-1" strike="noStrike">
-              <a:solidFill>
-                <a:srgbClr val="000000"/>
-              </a:solidFill>
-              <a:latin typeface="Calibri"/>
-            </a:endParaRPr>
-          </a:p>
-        </p:txBody>
-      </p:sp>
-      <p:sp>
-        <p:nvSpPr>
-          <p:cNvPr id="66" name="PlaceHolder 4"/>
+            <a:endParaRPr b="0" lang="fr-FR" sz="3200" spc="-1" strike="noStrike">
+              <a:latin typeface="Arial"/>
+            </a:endParaRPr>
+          </a:p>
+        </p:txBody>
+      </p:sp>
+      <p:sp>
+        <p:nvSpPr>
+          <p:cNvPr id="60" name="PlaceHolder 4"/>
           <p:cNvSpPr>
             <a:spLocks noGrp="1"/>
           </p:cNvSpPr>
@@ -1549,8 +1458,8 @@
         </p:nvSpPr>
         <p:spPr>
           <a:xfrm>
-            <a:off x="838080" y="4098240"/>
-            <a:ext cx="10515240" cy="2075040"/>
+            <a:off x="609480" y="3682080"/>
+            <a:ext cx="10972440" cy="1896840"/>
           </a:xfrm>
           <a:prstGeom prst="rect">
             <a:avLst/>
@@ -1561,11 +1470,8 @@
             <a:normAutofit/>
           </a:bodyPr>
           <a:p>
-            <a:endParaRPr b="0" lang="fr-FR" sz="2800" spc="-1" strike="noStrike">
-              <a:solidFill>
-                <a:srgbClr val="000000"/>
-              </a:solidFill>
-              <a:latin typeface="Calibri"/>
+            <a:endParaRPr b="0" lang="fr-FR" sz="3200" spc="-1" strike="noStrike">
+              <a:latin typeface="Arial"/>
             </a:endParaRPr>
           </a:p>
         </p:txBody>
@@ -1594,7 +1500,7 @@
       </p:grpSpPr>
       <p:sp>
         <p:nvSpPr>
-          <p:cNvPr id="67" name="PlaceHolder 1"/>
+          <p:cNvPr id="61" name="PlaceHolder 1"/>
           <p:cNvSpPr>
             <a:spLocks noGrp="1"/>
           </p:cNvSpPr>
@@ -1604,8 +1510,8 @@
         </p:nvSpPr>
         <p:spPr>
           <a:xfrm>
-            <a:off x="838080" y="365040"/>
-            <a:ext cx="10515240" cy="1325160"/>
+            <a:off x="609480" y="273600"/>
+            <a:ext cx="10972440" cy="1144800"/>
           </a:xfrm>
           <a:prstGeom prst="rect">
             <a:avLst/>
@@ -1616,18 +1522,16 @@
             <a:spAutoFit/>
           </a:bodyPr>
           <a:p>
-            <a:endParaRPr b="0" lang="fr-FR" sz="1800" spc="-1" strike="noStrike">
-              <a:solidFill>
-                <a:srgbClr val="000000"/>
-              </a:solidFill>
-              <a:latin typeface="Calibri"/>
-            </a:endParaRPr>
-          </a:p>
-        </p:txBody>
-      </p:sp>
-      <p:sp>
-        <p:nvSpPr>
-          <p:cNvPr id="68" name="PlaceHolder 2"/>
+            <a:pPr algn="ctr"/>
+            <a:endParaRPr b="0" lang="fr-FR" sz="4400" spc="-1" strike="noStrike">
+              <a:latin typeface="Arial"/>
+            </a:endParaRPr>
+          </a:p>
+        </p:txBody>
+      </p:sp>
+      <p:sp>
+        <p:nvSpPr>
+          <p:cNvPr id="62" name="PlaceHolder 2"/>
           <p:cNvSpPr>
             <a:spLocks noGrp="1"/>
           </p:cNvSpPr>
@@ -1637,8 +1541,8 @@
         </p:nvSpPr>
         <p:spPr>
           <a:xfrm>
-            <a:off x="838080" y="1825560"/>
-            <a:ext cx="10515240" cy="2075040"/>
+            <a:off x="609480" y="1604520"/>
+            <a:ext cx="10972440" cy="1896840"/>
           </a:xfrm>
           <a:prstGeom prst="rect">
             <a:avLst/>
@@ -1649,18 +1553,15 @@
             <a:normAutofit/>
           </a:bodyPr>
           <a:p>
-            <a:endParaRPr b="0" lang="fr-FR" sz="2800" spc="-1" strike="noStrike">
-              <a:solidFill>
-                <a:srgbClr val="000000"/>
-              </a:solidFill>
-              <a:latin typeface="Calibri"/>
-            </a:endParaRPr>
-          </a:p>
-        </p:txBody>
-      </p:sp>
-      <p:sp>
-        <p:nvSpPr>
-          <p:cNvPr id="69" name="PlaceHolder 3"/>
+            <a:endParaRPr b="0" lang="fr-FR" sz="3200" spc="-1" strike="noStrike">
+              <a:latin typeface="Arial"/>
+            </a:endParaRPr>
+          </a:p>
+        </p:txBody>
+      </p:sp>
+      <p:sp>
+        <p:nvSpPr>
+          <p:cNvPr id="63" name="PlaceHolder 3"/>
           <p:cNvSpPr>
             <a:spLocks noGrp="1"/>
           </p:cNvSpPr>
@@ -1670,8 +1571,8 @@
         </p:nvSpPr>
         <p:spPr>
           <a:xfrm>
-            <a:off x="838080" y="4098240"/>
-            <a:ext cx="10515240" cy="2075040"/>
+            <a:off x="609480" y="3682080"/>
+            <a:ext cx="10972440" cy="1896840"/>
           </a:xfrm>
           <a:prstGeom prst="rect">
             <a:avLst/>
@@ -1682,11 +1583,8 @@
             <a:normAutofit/>
           </a:bodyPr>
           <a:p>
-            <a:endParaRPr b="0" lang="fr-FR" sz="2800" spc="-1" strike="noStrike">
-              <a:solidFill>
-                <a:srgbClr val="000000"/>
-              </a:solidFill>
-              <a:latin typeface="Calibri"/>
+            <a:endParaRPr b="0" lang="fr-FR" sz="3200" spc="-1" strike="noStrike">
+              <a:latin typeface="Arial"/>
             </a:endParaRPr>
           </a:p>
         </p:txBody>
@@ -1715,7 +1613,7 @@
       </p:grpSpPr>
       <p:sp>
         <p:nvSpPr>
-          <p:cNvPr id="70" name="PlaceHolder 1"/>
+          <p:cNvPr id="64" name="PlaceHolder 1"/>
           <p:cNvSpPr>
             <a:spLocks noGrp="1"/>
           </p:cNvSpPr>
@@ -1725,8 +1623,8 @@
         </p:nvSpPr>
         <p:spPr>
           <a:xfrm>
-            <a:off x="838080" y="365040"/>
-            <a:ext cx="10515240" cy="1325160"/>
+            <a:off x="609480" y="273600"/>
+            <a:ext cx="10972440" cy="1144800"/>
           </a:xfrm>
           <a:prstGeom prst="rect">
             <a:avLst/>
@@ -1737,18 +1635,16 @@
             <a:spAutoFit/>
           </a:bodyPr>
           <a:p>
-            <a:endParaRPr b="0" lang="fr-FR" sz="1800" spc="-1" strike="noStrike">
-              <a:solidFill>
-                <a:srgbClr val="000000"/>
-              </a:solidFill>
-              <a:latin typeface="Calibri"/>
-            </a:endParaRPr>
-          </a:p>
-        </p:txBody>
-      </p:sp>
-      <p:sp>
-        <p:nvSpPr>
-          <p:cNvPr id="71" name="PlaceHolder 2"/>
+            <a:pPr algn="ctr"/>
+            <a:endParaRPr b="0" lang="fr-FR" sz="4400" spc="-1" strike="noStrike">
+              <a:latin typeface="Arial"/>
+            </a:endParaRPr>
+          </a:p>
+        </p:txBody>
+      </p:sp>
+      <p:sp>
+        <p:nvSpPr>
+          <p:cNvPr id="65" name="PlaceHolder 2"/>
           <p:cNvSpPr>
             <a:spLocks noGrp="1"/>
           </p:cNvSpPr>
@@ -1758,8 +1654,8 @@
         </p:nvSpPr>
         <p:spPr>
           <a:xfrm>
-            <a:off x="838080" y="1825560"/>
-            <a:ext cx="5131080" cy="2075040"/>
+            <a:off x="609480" y="1604520"/>
+            <a:ext cx="5354280" cy="1896840"/>
           </a:xfrm>
           <a:prstGeom prst="rect">
             <a:avLst/>
@@ -1770,18 +1666,15 @@
             <a:normAutofit/>
           </a:bodyPr>
           <a:p>
-            <a:endParaRPr b="0" lang="fr-FR" sz="2800" spc="-1" strike="noStrike">
-              <a:solidFill>
-                <a:srgbClr val="000000"/>
-              </a:solidFill>
-              <a:latin typeface="Calibri"/>
-            </a:endParaRPr>
-          </a:p>
-        </p:txBody>
-      </p:sp>
-      <p:sp>
-        <p:nvSpPr>
-          <p:cNvPr id="72" name="PlaceHolder 3"/>
+            <a:endParaRPr b="0" lang="fr-FR" sz="3200" spc="-1" strike="noStrike">
+              <a:latin typeface="Arial"/>
+            </a:endParaRPr>
+          </a:p>
+        </p:txBody>
+      </p:sp>
+      <p:sp>
+        <p:nvSpPr>
+          <p:cNvPr id="66" name="PlaceHolder 3"/>
           <p:cNvSpPr>
             <a:spLocks noGrp="1"/>
           </p:cNvSpPr>
@@ -1791,8 +1684,8 @@
         </p:nvSpPr>
         <p:spPr>
           <a:xfrm>
-            <a:off x="6226200" y="1825560"/>
-            <a:ext cx="5131080" cy="2075040"/>
+            <a:off x="6231960" y="1604520"/>
+            <a:ext cx="5354280" cy="1896840"/>
           </a:xfrm>
           <a:prstGeom prst="rect">
             <a:avLst/>
@@ -1803,18 +1696,15 @@
             <a:normAutofit/>
           </a:bodyPr>
           <a:p>
-            <a:endParaRPr b="0" lang="fr-FR" sz="2800" spc="-1" strike="noStrike">
-              <a:solidFill>
-                <a:srgbClr val="000000"/>
-              </a:solidFill>
-              <a:latin typeface="Calibri"/>
-            </a:endParaRPr>
-          </a:p>
-        </p:txBody>
-      </p:sp>
-      <p:sp>
-        <p:nvSpPr>
-          <p:cNvPr id="73" name="PlaceHolder 4"/>
+            <a:endParaRPr b="0" lang="fr-FR" sz="3200" spc="-1" strike="noStrike">
+              <a:latin typeface="Arial"/>
+            </a:endParaRPr>
+          </a:p>
+        </p:txBody>
+      </p:sp>
+      <p:sp>
+        <p:nvSpPr>
+          <p:cNvPr id="67" name="PlaceHolder 4"/>
           <p:cNvSpPr>
             <a:spLocks noGrp="1"/>
           </p:cNvSpPr>
@@ -1824,8 +1714,8 @@
         </p:nvSpPr>
         <p:spPr>
           <a:xfrm>
-            <a:off x="838080" y="4098240"/>
-            <a:ext cx="5131080" cy="2075040"/>
+            <a:off x="609480" y="3682080"/>
+            <a:ext cx="5354280" cy="1896840"/>
           </a:xfrm>
           <a:prstGeom prst="rect">
             <a:avLst/>
@@ -1836,18 +1726,15 @@
             <a:normAutofit/>
           </a:bodyPr>
           <a:p>
-            <a:endParaRPr b="0" lang="fr-FR" sz="2800" spc="-1" strike="noStrike">
-              <a:solidFill>
-                <a:srgbClr val="000000"/>
-              </a:solidFill>
-              <a:latin typeface="Calibri"/>
-            </a:endParaRPr>
-          </a:p>
-        </p:txBody>
-      </p:sp>
-      <p:sp>
-        <p:nvSpPr>
-          <p:cNvPr id="74" name="PlaceHolder 5"/>
+            <a:endParaRPr b="0" lang="fr-FR" sz="3200" spc="-1" strike="noStrike">
+              <a:latin typeface="Arial"/>
+            </a:endParaRPr>
+          </a:p>
+        </p:txBody>
+      </p:sp>
+      <p:sp>
+        <p:nvSpPr>
+          <p:cNvPr id="68" name="PlaceHolder 5"/>
           <p:cNvSpPr>
             <a:spLocks noGrp="1"/>
           </p:cNvSpPr>
@@ -1857,8 +1744,8 @@
         </p:nvSpPr>
         <p:spPr>
           <a:xfrm>
-            <a:off x="6226200" y="4098240"/>
-            <a:ext cx="5131080" cy="2075040"/>
+            <a:off x="6231960" y="3682080"/>
+            <a:ext cx="5354280" cy="1896840"/>
           </a:xfrm>
           <a:prstGeom prst="rect">
             <a:avLst/>
@@ -1869,11 +1756,8 @@
             <a:normAutofit/>
           </a:bodyPr>
           <a:p>
-            <a:endParaRPr b="0" lang="fr-FR" sz="2800" spc="-1" strike="noStrike">
-              <a:solidFill>
-                <a:srgbClr val="000000"/>
-              </a:solidFill>
-              <a:latin typeface="Calibri"/>
+            <a:endParaRPr b="0" lang="fr-FR" sz="3200" spc="-1" strike="noStrike">
+              <a:latin typeface="Arial"/>
             </a:endParaRPr>
           </a:p>
         </p:txBody>
@@ -1902,7 +1786,7 @@
       </p:grpSpPr>
       <p:sp>
         <p:nvSpPr>
-          <p:cNvPr id="75" name="PlaceHolder 1"/>
+          <p:cNvPr id="69" name="PlaceHolder 1"/>
           <p:cNvSpPr>
             <a:spLocks noGrp="1"/>
           </p:cNvSpPr>
@@ -1912,8 +1796,8 @@
         </p:nvSpPr>
         <p:spPr>
           <a:xfrm>
-            <a:off x="838080" y="365040"/>
-            <a:ext cx="10515240" cy="1325160"/>
+            <a:off x="609480" y="273600"/>
+            <a:ext cx="10972440" cy="1144800"/>
           </a:xfrm>
           <a:prstGeom prst="rect">
             <a:avLst/>
@@ -1924,18 +1808,16 @@
             <a:spAutoFit/>
           </a:bodyPr>
           <a:p>
-            <a:endParaRPr b="0" lang="fr-FR" sz="1800" spc="-1" strike="noStrike">
-              <a:solidFill>
-                <a:srgbClr val="000000"/>
-              </a:solidFill>
-              <a:latin typeface="Calibri"/>
-            </a:endParaRPr>
-          </a:p>
-        </p:txBody>
-      </p:sp>
-      <p:sp>
-        <p:nvSpPr>
-          <p:cNvPr id="76" name="PlaceHolder 2"/>
+            <a:pPr algn="ctr"/>
+            <a:endParaRPr b="0" lang="fr-FR" sz="4400" spc="-1" strike="noStrike">
+              <a:latin typeface="Arial"/>
+            </a:endParaRPr>
+          </a:p>
+        </p:txBody>
+      </p:sp>
+      <p:sp>
+        <p:nvSpPr>
+          <p:cNvPr id="70" name="PlaceHolder 2"/>
           <p:cNvSpPr>
             <a:spLocks noGrp="1"/>
           </p:cNvSpPr>
@@ -1945,8 +1827,8 @@
         </p:nvSpPr>
         <p:spPr>
           <a:xfrm>
-            <a:off x="838080" y="1825560"/>
-            <a:ext cx="3385800" cy="2075040"/>
+            <a:off x="609480" y="1604520"/>
+            <a:ext cx="3533040" cy="1896840"/>
           </a:xfrm>
           <a:prstGeom prst="rect">
             <a:avLst/>
@@ -1957,18 +1839,15 @@
             <a:normAutofit/>
           </a:bodyPr>
           <a:p>
-            <a:endParaRPr b="0" lang="fr-FR" sz="2800" spc="-1" strike="noStrike">
-              <a:solidFill>
-                <a:srgbClr val="000000"/>
-              </a:solidFill>
-              <a:latin typeface="Calibri"/>
-            </a:endParaRPr>
-          </a:p>
-        </p:txBody>
-      </p:sp>
-      <p:sp>
-        <p:nvSpPr>
-          <p:cNvPr id="77" name="PlaceHolder 3"/>
+            <a:endParaRPr b="0" lang="fr-FR" sz="3200" spc="-1" strike="noStrike">
+              <a:latin typeface="Arial"/>
+            </a:endParaRPr>
+          </a:p>
+        </p:txBody>
+      </p:sp>
+      <p:sp>
+        <p:nvSpPr>
+          <p:cNvPr id="71" name="PlaceHolder 3"/>
           <p:cNvSpPr>
             <a:spLocks noGrp="1"/>
           </p:cNvSpPr>
@@ -1978,8 +1857,8 @@
         </p:nvSpPr>
         <p:spPr>
           <a:xfrm>
-            <a:off x="4393440" y="1825560"/>
-            <a:ext cx="3385800" cy="2075040"/>
+            <a:off x="4319640" y="1604520"/>
+            <a:ext cx="3533040" cy="1896840"/>
           </a:xfrm>
           <a:prstGeom prst="rect">
             <a:avLst/>
@@ -1990,18 +1869,15 @@
             <a:normAutofit/>
           </a:bodyPr>
           <a:p>
-            <a:endParaRPr b="0" lang="fr-FR" sz="2800" spc="-1" strike="noStrike">
-              <a:solidFill>
-                <a:srgbClr val="000000"/>
-              </a:solidFill>
-              <a:latin typeface="Calibri"/>
-            </a:endParaRPr>
-          </a:p>
-        </p:txBody>
-      </p:sp>
-      <p:sp>
-        <p:nvSpPr>
-          <p:cNvPr id="78" name="PlaceHolder 4"/>
+            <a:endParaRPr b="0" lang="fr-FR" sz="3200" spc="-1" strike="noStrike">
+              <a:latin typeface="Arial"/>
+            </a:endParaRPr>
+          </a:p>
+        </p:txBody>
+      </p:sp>
+      <p:sp>
+        <p:nvSpPr>
+          <p:cNvPr id="72" name="PlaceHolder 4"/>
           <p:cNvSpPr>
             <a:spLocks noGrp="1"/>
           </p:cNvSpPr>
@@ -2011,8 +1887,8 @@
         </p:nvSpPr>
         <p:spPr>
           <a:xfrm>
-            <a:off x="7949160" y="1825560"/>
-            <a:ext cx="3385800" cy="2075040"/>
+            <a:off x="8029800" y="1604520"/>
+            <a:ext cx="3533040" cy="1896840"/>
           </a:xfrm>
           <a:prstGeom prst="rect">
             <a:avLst/>
@@ -2023,18 +1899,15 @@
             <a:normAutofit/>
           </a:bodyPr>
           <a:p>
-            <a:endParaRPr b="0" lang="fr-FR" sz="2800" spc="-1" strike="noStrike">
-              <a:solidFill>
-                <a:srgbClr val="000000"/>
-              </a:solidFill>
-              <a:latin typeface="Calibri"/>
-            </a:endParaRPr>
-          </a:p>
-        </p:txBody>
-      </p:sp>
-      <p:sp>
-        <p:nvSpPr>
-          <p:cNvPr id="79" name="PlaceHolder 5"/>
+            <a:endParaRPr b="0" lang="fr-FR" sz="3200" spc="-1" strike="noStrike">
+              <a:latin typeface="Arial"/>
+            </a:endParaRPr>
+          </a:p>
+        </p:txBody>
+      </p:sp>
+      <p:sp>
+        <p:nvSpPr>
+          <p:cNvPr id="73" name="PlaceHolder 5"/>
           <p:cNvSpPr>
             <a:spLocks noGrp="1"/>
           </p:cNvSpPr>
@@ -2044,8 +1917,8 @@
         </p:nvSpPr>
         <p:spPr>
           <a:xfrm>
-            <a:off x="838080" y="4098240"/>
-            <a:ext cx="3385800" cy="2075040"/>
+            <a:off x="609480" y="3682080"/>
+            <a:ext cx="3533040" cy="1896840"/>
           </a:xfrm>
           <a:prstGeom prst="rect">
             <a:avLst/>
@@ -2056,18 +1929,15 @@
             <a:normAutofit/>
           </a:bodyPr>
           <a:p>
-            <a:endParaRPr b="0" lang="fr-FR" sz="2800" spc="-1" strike="noStrike">
-              <a:solidFill>
-                <a:srgbClr val="000000"/>
-              </a:solidFill>
-              <a:latin typeface="Calibri"/>
-            </a:endParaRPr>
-          </a:p>
-        </p:txBody>
-      </p:sp>
-      <p:sp>
-        <p:nvSpPr>
-          <p:cNvPr id="80" name="PlaceHolder 6"/>
+            <a:endParaRPr b="0" lang="fr-FR" sz="3200" spc="-1" strike="noStrike">
+              <a:latin typeface="Arial"/>
+            </a:endParaRPr>
+          </a:p>
+        </p:txBody>
+      </p:sp>
+      <p:sp>
+        <p:nvSpPr>
+          <p:cNvPr id="74" name="PlaceHolder 6"/>
           <p:cNvSpPr>
             <a:spLocks noGrp="1"/>
           </p:cNvSpPr>
@@ -2077,8 +1947,8 @@
         </p:nvSpPr>
         <p:spPr>
           <a:xfrm>
-            <a:off x="4393440" y="4098240"/>
-            <a:ext cx="3385800" cy="2075040"/>
+            <a:off x="4319640" y="3682080"/>
+            <a:ext cx="3533040" cy="1896840"/>
           </a:xfrm>
           <a:prstGeom prst="rect">
             <a:avLst/>
@@ -2089,18 +1959,15 @@
             <a:normAutofit/>
           </a:bodyPr>
           <a:p>
-            <a:endParaRPr b="0" lang="fr-FR" sz="2800" spc="-1" strike="noStrike">
-              <a:solidFill>
-                <a:srgbClr val="000000"/>
-              </a:solidFill>
-              <a:latin typeface="Calibri"/>
-            </a:endParaRPr>
-          </a:p>
-        </p:txBody>
-      </p:sp>
-      <p:sp>
-        <p:nvSpPr>
-          <p:cNvPr id="81" name="PlaceHolder 7"/>
+            <a:endParaRPr b="0" lang="fr-FR" sz="3200" spc="-1" strike="noStrike">
+              <a:latin typeface="Arial"/>
+            </a:endParaRPr>
+          </a:p>
+        </p:txBody>
+      </p:sp>
+      <p:sp>
+        <p:nvSpPr>
+          <p:cNvPr id="75" name="PlaceHolder 7"/>
           <p:cNvSpPr>
             <a:spLocks noGrp="1"/>
           </p:cNvSpPr>
@@ -2110,8 +1977,8 @@
         </p:nvSpPr>
         <p:spPr>
           <a:xfrm>
-            <a:off x="7949160" y="4098240"/>
-            <a:ext cx="3385800" cy="2075040"/>
+            <a:off x="8029800" y="3682080"/>
+            <a:ext cx="3533040" cy="1896840"/>
           </a:xfrm>
           <a:prstGeom prst="rect">
             <a:avLst/>
@@ -2122,11 +1989,8 @@
             <a:normAutofit/>
           </a:bodyPr>
           <a:p>
-            <a:endParaRPr b="0" lang="fr-FR" sz="2800" spc="-1" strike="noStrike">
-              <a:solidFill>
-                <a:srgbClr val="000000"/>
-              </a:solidFill>
-              <a:latin typeface="Calibri"/>
+            <a:endParaRPr b="0" lang="fr-FR" sz="3200" spc="-1" strike="noStrike">
+              <a:latin typeface="Arial"/>
             </a:endParaRPr>
           </a:p>
         </p:txBody>
@@ -2155,7 +2019,7 @@
       </p:grpSpPr>
       <p:sp>
         <p:nvSpPr>
-          <p:cNvPr id="7" name="PlaceHolder 1"/>
+          <p:cNvPr id="4" name="PlaceHolder 1"/>
           <p:cNvSpPr>
             <a:spLocks noGrp="1"/>
           </p:cNvSpPr>
@@ -2165,8 +2029,8 @@
         </p:nvSpPr>
         <p:spPr>
           <a:xfrm>
-            <a:off x="838080" y="365040"/>
-            <a:ext cx="10515240" cy="1325160"/>
+            <a:off x="609480" y="273600"/>
+            <a:ext cx="10972440" cy="1144800"/>
           </a:xfrm>
           <a:prstGeom prst="rect">
             <a:avLst/>
@@ -2177,18 +2041,16 @@
             <a:spAutoFit/>
           </a:bodyPr>
           <a:p>
-            <a:endParaRPr b="0" lang="fr-FR" sz="1800" spc="-1" strike="noStrike">
-              <a:solidFill>
-                <a:srgbClr val="000000"/>
-              </a:solidFill>
-              <a:latin typeface="Calibri"/>
-            </a:endParaRPr>
-          </a:p>
-        </p:txBody>
-      </p:sp>
-      <p:sp>
-        <p:nvSpPr>
-          <p:cNvPr id="8" name="PlaceHolder 2"/>
+            <a:pPr algn="ctr"/>
+            <a:endParaRPr b="0" lang="fr-FR" sz="4400" spc="-1" strike="noStrike">
+              <a:latin typeface="Arial"/>
+            </a:endParaRPr>
+          </a:p>
+        </p:txBody>
+      </p:sp>
+      <p:sp>
+        <p:nvSpPr>
+          <p:cNvPr id="5" name="PlaceHolder 2"/>
           <p:cNvSpPr>
             <a:spLocks noGrp="1"/>
           </p:cNvSpPr>
@@ -2198,8 +2060,8 @@
         </p:nvSpPr>
         <p:spPr>
           <a:xfrm>
-            <a:off x="838080" y="1825560"/>
-            <a:ext cx="10515240" cy="4350960"/>
+            <a:off x="609480" y="1604520"/>
+            <a:ext cx="10972440" cy="3977280"/>
           </a:xfrm>
           <a:prstGeom prst="rect">
             <a:avLst/>
@@ -2210,11 +2072,8 @@
             <a:normAutofit/>
           </a:bodyPr>
           <a:p>
-            <a:endParaRPr b="0" lang="fr-FR" sz="2800" spc="-1" strike="noStrike">
-              <a:solidFill>
-                <a:srgbClr val="000000"/>
-              </a:solidFill>
-              <a:latin typeface="Calibri"/>
+            <a:endParaRPr b="0" lang="fr-FR" sz="3200" spc="-1" strike="noStrike">
+              <a:latin typeface="Arial"/>
             </a:endParaRPr>
           </a:p>
         </p:txBody>
@@ -2243,7 +2102,7 @@
       </p:grpSpPr>
       <p:sp>
         <p:nvSpPr>
-          <p:cNvPr id="9" name="PlaceHolder 1"/>
+          <p:cNvPr id="6" name="PlaceHolder 1"/>
           <p:cNvSpPr>
             <a:spLocks noGrp="1"/>
           </p:cNvSpPr>
@@ -2253,8 +2112,8 @@
         </p:nvSpPr>
         <p:spPr>
           <a:xfrm>
-            <a:off x="838080" y="365040"/>
-            <a:ext cx="10515240" cy="1325160"/>
+            <a:off x="609480" y="273600"/>
+            <a:ext cx="10972440" cy="1144800"/>
           </a:xfrm>
           <a:prstGeom prst="rect">
             <a:avLst/>
@@ -2265,18 +2124,16 @@
             <a:spAutoFit/>
           </a:bodyPr>
           <a:p>
-            <a:endParaRPr b="0" lang="fr-FR" sz="1800" spc="-1" strike="noStrike">
-              <a:solidFill>
-                <a:srgbClr val="000000"/>
-              </a:solidFill>
-              <a:latin typeface="Calibri"/>
-            </a:endParaRPr>
-          </a:p>
-        </p:txBody>
-      </p:sp>
-      <p:sp>
-        <p:nvSpPr>
-          <p:cNvPr id="10" name="PlaceHolder 2"/>
+            <a:pPr algn="ctr"/>
+            <a:endParaRPr b="0" lang="fr-FR" sz="4400" spc="-1" strike="noStrike">
+              <a:latin typeface="Arial"/>
+            </a:endParaRPr>
+          </a:p>
+        </p:txBody>
+      </p:sp>
+      <p:sp>
+        <p:nvSpPr>
+          <p:cNvPr id="7" name="PlaceHolder 2"/>
           <p:cNvSpPr>
             <a:spLocks noGrp="1"/>
           </p:cNvSpPr>
@@ -2286,8 +2143,8 @@
         </p:nvSpPr>
         <p:spPr>
           <a:xfrm>
-            <a:off x="838080" y="1825560"/>
-            <a:ext cx="5131080" cy="4350960"/>
+            <a:off x="609480" y="1604520"/>
+            <a:ext cx="5354280" cy="3977280"/>
           </a:xfrm>
           <a:prstGeom prst="rect">
             <a:avLst/>
@@ -2298,18 +2155,15 @@
             <a:normAutofit/>
           </a:bodyPr>
           <a:p>
-            <a:endParaRPr b="0" lang="fr-FR" sz="2800" spc="-1" strike="noStrike">
-              <a:solidFill>
-                <a:srgbClr val="000000"/>
-              </a:solidFill>
-              <a:latin typeface="Calibri"/>
-            </a:endParaRPr>
-          </a:p>
-        </p:txBody>
-      </p:sp>
-      <p:sp>
-        <p:nvSpPr>
-          <p:cNvPr id="11" name="PlaceHolder 3"/>
+            <a:endParaRPr b="0" lang="fr-FR" sz="3200" spc="-1" strike="noStrike">
+              <a:latin typeface="Arial"/>
+            </a:endParaRPr>
+          </a:p>
+        </p:txBody>
+      </p:sp>
+      <p:sp>
+        <p:nvSpPr>
+          <p:cNvPr id="8" name="PlaceHolder 3"/>
           <p:cNvSpPr>
             <a:spLocks noGrp="1"/>
           </p:cNvSpPr>
@@ -2319,8 +2173,8 @@
         </p:nvSpPr>
         <p:spPr>
           <a:xfrm>
-            <a:off x="6226200" y="1825560"/>
-            <a:ext cx="5131080" cy="4350960"/>
+            <a:off x="6231960" y="1604520"/>
+            <a:ext cx="5354280" cy="3977280"/>
           </a:xfrm>
           <a:prstGeom prst="rect">
             <a:avLst/>
@@ -2331,11 +2185,8 @@
             <a:normAutofit/>
           </a:bodyPr>
           <a:p>
-            <a:endParaRPr b="0" lang="fr-FR" sz="2800" spc="-1" strike="noStrike">
-              <a:solidFill>
-                <a:srgbClr val="000000"/>
-              </a:solidFill>
-              <a:latin typeface="Calibri"/>
+            <a:endParaRPr b="0" lang="fr-FR" sz="3200" spc="-1" strike="noStrike">
+              <a:latin typeface="Arial"/>
             </a:endParaRPr>
           </a:p>
         </p:txBody>
@@ -2364,7 +2215,7 @@
       </p:grpSpPr>
       <p:sp>
         <p:nvSpPr>
-          <p:cNvPr id="12" name="PlaceHolder 1"/>
+          <p:cNvPr id="9" name="PlaceHolder 1"/>
           <p:cNvSpPr>
             <a:spLocks noGrp="1"/>
           </p:cNvSpPr>
@@ -2374,8 +2225,8 @@
         </p:nvSpPr>
         <p:spPr>
           <a:xfrm>
-            <a:off x="838080" y="365040"/>
-            <a:ext cx="10515240" cy="1325160"/>
+            <a:off x="609480" y="273600"/>
+            <a:ext cx="10972440" cy="1144800"/>
           </a:xfrm>
           <a:prstGeom prst="rect">
             <a:avLst/>
@@ -2386,11 +2237,9 @@
             <a:spAutoFit/>
           </a:bodyPr>
           <a:p>
-            <a:endParaRPr b="0" lang="fr-FR" sz="1800" spc="-1" strike="noStrike">
-              <a:solidFill>
-                <a:srgbClr val="000000"/>
-              </a:solidFill>
-              <a:latin typeface="Calibri"/>
+            <a:pPr algn="ctr"/>
+            <a:endParaRPr b="0" lang="fr-FR" sz="4400" spc="-1" strike="noStrike">
+              <a:latin typeface="Arial"/>
             </a:endParaRPr>
           </a:p>
         </p:txBody>
@@ -2419,7 +2268,7 @@
       </p:grpSpPr>
       <p:sp>
         <p:nvSpPr>
-          <p:cNvPr id="13" name="PlaceHolder 1"/>
+          <p:cNvPr id="10" name="PlaceHolder 1"/>
           <p:cNvSpPr>
             <a:spLocks noGrp="1"/>
           </p:cNvSpPr>
@@ -2429,8 +2278,8 @@
         </p:nvSpPr>
         <p:spPr>
           <a:xfrm>
-            <a:off x="838080" y="365040"/>
-            <a:ext cx="10515240" cy="6144120"/>
+            <a:off x="609480" y="273600"/>
+            <a:ext cx="10972440" cy="5307840"/>
           </a:xfrm>
           <a:prstGeom prst="rect">
             <a:avLst/>
@@ -2472,7 +2321,7 @@
       </p:grpSpPr>
       <p:sp>
         <p:nvSpPr>
-          <p:cNvPr id="14" name="PlaceHolder 1"/>
+          <p:cNvPr id="11" name="PlaceHolder 1"/>
           <p:cNvSpPr>
             <a:spLocks noGrp="1"/>
           </p:cNvSpPr>
@@ -2482,8 +2331,8 @@
         </p:nvSpPr>
         <p:spPr>
           <a:xfrm>
-            <a:off x="838080" y="365040"/>
-            <a:ext cx="10515240" cy="1325160"/>
+            <a:off x="609480" y="273600"/>
+            <a:ext cx="10972440" cy="1144800"/>
           </a:xfrm>
           <a:prstGeom prst="rect">
             <a:avLst/>
@@ -2494,18 +2343,16 @@
             <a:spAutoFit/>
           </a:bodyPr>
           <a:p>
-            <a:endParaRPr b="0" lang="fr-FR" sz="1800" spc="-1" strike="noStrike">
-              <a:solidFill>
-                <a:srgbClr val="000000"/>
-              </a:solidFill>
-              <a:latin typeface="Calibri"/>
-            </a:endParaRPr>
-          </a:p>
-        </p:txBody>
-      </p:sp>
-      <p:sp>
-        <p:nvSpPr>
-          <p:cNvPr id="15" name="PlaceHolder 2"/>
+            <a:pPr algn="ctr"/>
+            <a:endParaRPr b="0" lang="fr-FR" sz="4400" spc="-1" strike="noStrike">
+              <a:latin typeface="Arial"/>
+            </a:endParaRPr>
+          </a:p>
+        </p:txBody>
+      </p:sp>
+      <p:sp>
+        <p:nvSpPr>
+          <p:cNvPr id="12" name="PlaceHolder 2"/>
           <p:cNvSpPr>
             <a:spLocks noGrp="1"/>
           </p:cNvSpPr>
@@ -2515,8 +2362,8 @@
         </p:nvSpPr>
         <p:spPr>
           <a:xfrm>
-            <a:off x="838080" y="1825560"/>
-            <a:ext cx="5131080" cy="2075040"/>
+            <a:off x="609480" y="1604520"/>
+            <a:ext cx="5354280" cy="1896840"/>
           </a:xfrm>
           <a:prstGeom prst="rect">
             <a:avLst/>
@@ -2527,18 +2374,15 @@
             <a:normAutofit/>
           </a:bodyPr>
           <a:p>
-            <a:endParaRPr b="0" lang="fr-FR" sz="2800" spc="-1" strike="noStrike">
-              <a:solidFill>
-                <a:srgbClr val="000000"/>
-              </a:solidFill>
-              <a:latin typeface="Calibri"/>
-            </a:endParaRPr>
-          </a:p>
-        </p:txBody>
-      </p:sp>
-      <p:sp>
-        <p:nvSpPr>
-          <p:cNvPr id="16" name="PlaceHolder 3"/>
+            <a:endParaRPr b="0" lang="fr-FR" sz="3200" spc="-1" strike="noStrike">
+              <a:latin typeface="Arial"/>
+            </a:endParaRPr>
+          </a:p>
+        </p:txBody>
+      </p:sp>
+      <p:sp>
+        <p:nvSpPr>
+          <p:cNvPr id="13" name="PlaceHolder 3"/>
           <p:cNvSpPr>
             <a:spLocks noGrp="1"/>
           </p:cNvSpPr>
@@ -2548,8 +2392,8 @@
         </p:nvSpPr>
         <p:spPr>
           <a:xfrm>
-            <a:off x="6226200" y="1825560"/>
-            <a:ext cx="5131080" cy="4350960"/>
+            <a:off x="6231960" y="1604520"/>
+            <a:ext cx="5354280" cy="3977280"/>
           </a:xfrm>
           <a:prstGeom prst="rect">
             <a:avLst/>
@@ -2560,18 +2404,15 @@
             <a:normAutofit/>
           </a:bodyPr>
           <a:p>
-            <a:endParaRPr b="0" lang="fr-FR" sz="2800" spc="-1" strike="noStrike">
-              <a:solidFill>
-                <a:srgbClr val="000000"/>
-              </a:solidFill>
-              <a:latin typeface="Calibri"/>
-            </a:endParaRPr>
-          </a:p>
-        </p:txBody>
-      </p:sp>
-      <p:sp>
-        <p:nvSpPr>
-          <p:cNvPr id="17" name="PlaceHolder 4"/>
+            <a:endParaRPr b="0" lang="fr-FR" sz="3200" spc="-1" strike="noStrike">
+              <a:latin typeface="Arial"/>
+            </a:endParaRPr>
+          </a:p>
+        </p:txBody>
+      </p:sp>
+      <p:sp>
+        <p:nvSpPr>
+          <p:cNvPr id="14" name="PlaceHolder 4"/>
           <p:cNvSpPr>
             <a:spLocks noGrp="1"/>
           </p:cNvSpPr>
@@ -2581,8 +2422,8 @@
         </p:nvSpPr>
         <p:spPr>
           <a:xfrm>
-            <a:off x="838080" y="4098240"/>
-            <a:ext cx="5131080" cy="2075040"/>
+            <a:off x="609480" y="3682080"/>
+            <a:ext cx="5354280" cy="1896840"/>
           </a:xfrm>
           <a:prstGeom prst="rect">
             <a:avLst/>
@@ -2593,11 +2434,8 @@
             <a:normAutofit/>
           </a:bodyPr>
           <a:p>
-            <a:endParaRPr b="0" lang="fr-FR" sz="2800" spc="-1" strike="noStrike">
-              <a:solidFill>
-                <a:srgbClr val="000000"/>
-              </a:solidFill>
-              <a:latin typeface="Calibri"/>
+            <a:endParaRPr b="0" lang="fr-FR" sz="3200" spc="-1" strike="noStrike">
+              <a:latin typeface="Arial"/>
             </a:endParaRPr>
           </a:p>
         </p:txBody>
@@ -2626,7 +2464,7 @@
       </p:grpSpPr>
       <p:sp>
         <p:nvSpPr>
-          <p:cNvPr id="18" name="PlaceHolder 1"/>
+          <p:cNvPr id="15" name="PlaceHolder 1"/>
           <p:cNvSpPr>
             <a:spLocks noGrp="1"/>
           </p:cNvSpPr>
@@ -2636,8 +2474,8 @@
         </p:nvSpPr>
         <p:spPr>
           <a:xfrm>
-            <a:off x="838080" y="365040"/>
-            <a:ext cx="10515240" cy="1325160"/>
+            <a:off x="609480" y="273600"/>
+            <a:ext cx="10972440" cy="1144800"/>
           </a:xfrm>
           <a:prstGeom prst="rect">
             <a:avLst/>
@@ -2648,18 +2486,16 @@
             <a:spAutoFit/>
           </a:bodyPr>
           <a:p>
-            <a:endParaRPr b="0" lang="fr-FR" sz="1800" spc="-1" strike="noStrike">
-              <a:solidFill>
-                <a:srgbClr val="000000"/>
-              </a:solidFill>
-              <a:latin typeface="Calibri"/>
-            </a:endParaRPr>
-          </a:p>
-        </p:txBody>
-      </p:sp>
-      <p:sp>
-        <p:nvSpPr>
-          <p:cNvPr id="19" name="PlaceHolder 2"/>
+            <a:pPr algn="ctr"/>
+            <a:endParaRPr b="0" lang="fr-FR" sz="4400" spc="-1" strike="noStrike">
+              <a:latin typeface="Arial"/>
+            </a:endParaRPr>
+          </a:p>
+        </p:txBody>
+      </p:sp>
+      <p:sp>
+        <p:nvSpPr>
+          <p:cNvPr id="16" name="PlaceHolder 2"/>
           <p:cNvSpPr>
             <a:spLocks noGrp="1"/>
           </p:cNvSpPr>
@@ -2669,8 +2505,8 @@
         </p:nvSpPr>
         <p:spPr>
           <a:xfrm>
-            <a:off x="838080" y="1825560"/>
-            <a:ext cx="5131080" cy="4350960"/>
+            <a:off x="609480" y="1604520"/>
+            <a:ext cx="5354280" cy="3977280"/>
           </a:xfrm>
           <a:prstGeom prst="rect">
             <a:avLst/>
@@ -2681,18 +2517,15 @@
             <a:normAutofit/>
           </a:bodyPr>
           <a:p>
-            <a:endParaRPr b="0" lang="fr-FR" sz="2800" spc="-1" strike="noStrike">
-              <a:solidFill>
-                <a:srgbClr val="000000"/>
-              </a:solidFill>
-              <a:latin typeface="Calibri"/>
-            </a:endParaRPr>
-          </a:p>
-        </p:txBody>
-      </p:sp>
-      <p:sp>
-        <p:nvSpPr>
-          <p:cNvPr id="20" name="PlaceHolder 3"/>
+            <a:endParaRPr b="0" lang="fr-FR" sz="3200" spc="-1" strike="noStrike">
+              <a:latin typeface="Arial"/>
+            </a:endParaRPr>
+          </a:p>
+        </p:txBody>
+      </p:sp>
+      <p:sp>
+        <p:nvSpPr>
+          <p:cNvPr id="17" name="PlaceHolder 3"/>
           <p:cNvSpPr>
             <a:spLocks noGrp="1"/>
           </p:cNvSpPr>
@@ -2702,8 +2535,8 @@
         </p:nvSpPr>
         <p:spPr>
           <a:xfrm>
-            <a:off x="6226200" y="1825560"/>
-            <a:ext cx="5131080" cy="2075040"/>
+            <a:off x="6231960" y="1604520"/>
+            <a:ext cx="5354280" cy="1896840"/>
           </a:xfrm>
           <a:prstGeom prst="rect">
             <a:avLst/>
@@ -2714,18 +2547,15 @@
             <a:normAutofit/>
           </a:bodyPr>
           <a:p>
-            <a:endParaRPr b="0" lang="fr-FR" sz="2800" spc="-1" strike="noStrike">
-              <a:solidFill>
-                <a:srgbClr val="000000"/>
-              </a:solidFill>
-              <a:latin typeface="Calibri"/>
-            </a:endParaRPr>
-          </a:p>
-        </p:txBody>
-      </p:sp>
-      <p:sp>
-        <p:nvSpPr>
-          <p:cNvPr id="21" name="PlaceHolder 4"/>
+            <a:endParaRPr b="0" lang="fr-FR" sz="3200" spc="-1" strike="noStrike">
+              <a:latin typeface="Arial"/>
+            </a:endParaRPr>
+          </a:p>
+        </p:txBody>
+      </p:sp>
+      <p:sp>
+        <p:nvSpPr>
+          <p:cNvPr id="18" name="PlaceHolder 4"/>
           <p:cNvSpPr>
             <a:spLocks noGrp="1"/>
           </p:cNvSpPr>
@@ -2735,8 +2565,8 @@
         </p:nvSpPr>
         <p:spPr>
           <a:xfrm>
-            <a:off x="6226200" y="4098240"/>
-            <a:ext cx="5131080" cy="2075040"/>
+            <a:off x="6231960" y="3682080"/>
+            <a:ext cx="5354280" cy="1896840"/>
           </a:xfrm>
           <a:prstGeom prst="rect">
             <a:avLst/>
@@ -2747,11 +2577,8 @@
             <a:normAutofit/>
           </a:bodyPr>
           <a:p>
-            <a:endParaRPr b="0" lang="fr-FR" sz="2800" spc="-1" strike="noStrike">
-              <a:solidFill>
-                <a:srgbClr val="000000"/>
-              </a:solidFill>
-              <a:latin typeface="Calibri"/>
+            <a:endParaRPr b="0" lang="fr-FR" sz="3200" spc="-1" strike="noStrike">
+              <a:latin typeface="Arial"/>
             </a:endParaRPr>
           </a:p>
         </p:txBody>
@@ -2780,7 +2607,7 @@
       </p:grpSpPr>
       <p:sp>
         <p:nvSpPr>
-          <p:cNvPr id="22" name="PlaceHolder 1"/>
+          <p:cNvPr id="19" name="PlaceHolder 1"/>
           <p:cNvSpPr>
             <a:spLocks noGrp="1"/>
           </p:cNvSpPr>
@@ -2790,8 +2617,8 @@
         </p:nvSpPr>
         <p:spPr>
           <a:xfrm>
-            <a:off x="838080" y="365040"/>
-            <a:ext cx="10515240" cy="1325160"/>
+            <a:off x="609480" y="273600"/>
+            <a:ext cx="10972440" cy="1144800"/>
           </a:xfrm>
           <a:prstGeom prst="rect">
             <a:avLst/>
@@ -2802,18 +2629,16 @@
             <a:spAutoFit/>
           </a:bodyPr>
           <a:p>
-            <a:endParaRPr b="0" lang="fr-FR" sz="1800" spc="-1" strike="noStrike">
-              <a:solidFill>
-                <a:srgbClr val="000000"/>
-              </a:solidFill>
-              <a:latin typeface="Calibri"/>
-            </a:endParaRPr>
-          </a:p>
-        </p:txBody>
-      </p:sp>
-      <p:sp>
-        <p:nvSpPr>
-          <p:cNvPr id="23" name="PlaceHolder 2"/>
+            <a:pPr algn="ctr"/>
+            <a:endParaRPr b="0" lang="fr-FR" sz="4400" spc="-1" strike="noStrike">
+              <a:latin typeface="Arial"/>
+            </a:endParaRPr>
+          </a:p>
+        </p:txBody>
+      </p:sp>
+      <p:sp>
+        <p:nvSpPr>
+          <p:cNvPr id="20" name="PlaceHolder 2"/>
           <p:cNvSpPr>
             <a:spLocks noGrp="1"/>
           </p:cNvSpPr>
@@ -2823,8 +2648,8 @@
         </p:nvSpPr>
         <p:spPr>
           <a:xfrm>
-            <a:off x="838080" y="1825560"/>
-            <a:ext cx="5131080" cy="2075040"/>
+            <a:off x="609480" y="1604520"/>
+            <a:ext cx="5354280" cy="1896840"/>
           </a:xfrm>
           <a:prstGeom prst="rect">
             <a:avLst/>
@@ -2835,18 +2660,15 @@
             <a:normAutofit/>
           </a:bodyPr>
           <a:p>
-            <a:endParaRPr b="0" lang="fr-FR" sz="2800" spc="-1" strike="noStrike">
-              <a:solidFill>
-                <a:srgbClr val="000000"/>
-              </a:solidFill>
-              <a:latin typeface="Calibri"/>
-            </a:endParaRPr>
-          </a:p>
-        </p:txBody>
-      </p:sp>
-      <p:sp>
-        <p:nvSpPr>
-          <p:cNvPr id="24" name="PlaceHolder 3"/>
+            <a:endParaRPr b="0" lang="fr-FR" sz="3200" spc="-1" strike="noStrike">
+              <a:latin typeface="Arial"/>
+            </a:endParaRPr>
+          </a:p>
+        </p:txBody>
+      </p:sp>
+      <p:sp>
+        <p:nvSpPr>
+          <p:cNvPr id="21" name="PlaceHolder 3"/>
           <p:cNvSpPr>
             <a:spLocks noGrp="1"/>
           </p:cNvSpPr>
@@ -2856,8 +2678,8 @@
         </p:nvSpPr>
         <p:spPr>
           <a:xfrm>
-            <a:off x="6226200" y="1825560"/>
-            <a:ext cx="5131080" cy="2075040"/>
+            <a:off x="6231960" y="1604520"/>
+            <a:ext cx="5354280" cy="1896840"/>
           </a:xfrm>
           <a:prstGeom prst="rect">
             <a:avLst/>
@@ -2868,18 +2690,15 @@
             <a:normAutofit/>
           </a:bodyPr>
           <a:p>
-            <a:endParaRPr b="0" lang="fr-FR" sz="2800" spc="-1" strike="noStrike">
-              <a:solidFill>
-                <a:srgbClr val="000000"/>
-              </a:solidFill>
-              <a:latin typeface="Calibri"/>
-            </a:endParaRPr>
-          </a:p>
-        </p:txBody>
-      </p:sp>
-      <p:sp>
-        <p:nvSpPr>
-          <p:cNvPr id="25" name="PlaceHolder 4"/>
+            <a:endParaRPr b="0" lang="fr-FR" sz="3200" spc="-1" strike="noStrike">
+              <a:latin typeface="Arial"/>
+            </a:endParaRPr>
+          </a:p>
+        </p:txBody>
+      </p:sp>
+      <p:sp>
+        <p:nvSpPr>
+          <p:cNvPr id="22" name="PlaceHolder 4"/>
           <p:cNvSpPr>
             <a:spLocks noGrp="1"/>
           </p:cNvSpPr>
@@ -2889,8 +2708,8 @@
         </p:nvSpPr>
         <p:spPr>
           <a:xfrm>
-            <a:off x="838080" y="4098240"/>
-            <a:ext cx="10515240" cy="2075040"/>
+            <a:off x="609480" y="3682080"/>
+            <a:ext cx="10972440" cy="1896840"/>
           </a:xfrm>
           <a:prstGeom prst="rect">
             <a:avLst/>
@@ -2901,11 +2720,8 @@
             <a:normAutofit/>
           </a:bodyPr>
           <a:p>
-            <a:endParaRPr b="0" lang="fr-FR" sz="2800" spc="-1" strike="noStrike">
-              <a:solidFill>
-                <a:srgbClr val="000000"/>
-              </a:solidFill>
-              <a:latin typeface="Calibri"/>
+            <a:endParaRPr b="0" lang="fr-FR" sz="3200" spc="-1" strike="noStrike">
+              <a:latin typeface="Arial"/>
             </a:endParaRPr>
           </a:p>
         </p:txBody>
@@ -2951,73 +2767,26 @@
         </p:nvSpPr>
         <p:spPr>
           <a:xfrm>
-            <a:off x="1523880" y="1122480"/>
-            <a:ext cx="9143640" cy="2387160"/>
-          </a:xfrm>
-          <a:prstGeom prst="rect">
-            <a:avLst/>
-          </a:prstGeom>
-        </p:spPr>
-        <p:txBody>
-          <a:bodyPr anchor="b">
-            <a:noAutofit/>
-          </a:bodyPr>
-          <a:p>
-            <a:pPr algn="ctr">
-              <a:lnSpc>
-                <a:spcPct val="90000"/>
-              </a:lnSpc>
-            </a:pPr>
+            <a:off x="838080" y="454680"/>
+            <a:ext cx="10514880" cy="1145160"/>
+          </a:xfrm>
+          <a:prstGeom prst="rect">
+            <a:avLst/>
+          </a:prstGeom>
+        </p:spPr>
+        <p:txBody>
+          <a:bodyPr lIns="0" rIns="0" tIns="0" bIns="0" anchor="ctr">
+            <a:spAutoFit/>
+          </a:bodyPr>
+          <a:p>
             <a:r>
-              <a:rPr b="0" lang="fr-FR" sz="6000" spc="-1" strike="noStrike">
-                <a:solidFill>
-                  <a:srgbClr val="000000"/>
-                </a:solidFill>
-                <a:latin typeface="Calibri Light"/>
+              <a:rPr b="0" lang="fr-FR" sz="1800" spc="-1" strike="noStrike">
+                <a:latin typeface="Arial"/>
               </a:rPr>
-              <a:t>Modifi</a:t>
+              <a:t>Cliquez pour éditer le format du texte-titre</a:t>
             </a:r>
-            <a:r>
-              <a:rPr b="0" lang="fr-FR" sz="6000" spc="-1" strike="noStrike">
-                <a:solidFill>
-                  <a:srgbClr val="000000"/>
-                </a:solidFill>
-                <a:latin typeface="Calibri Light"/>
-              </a:rPr>
-              <a:t>ez le </a:t>
-            </a:r>
-            <a:r>
-              <a:rPr b="0" lang="fr-FR" sz="6000" spc="-1" strike="noStrike">
-                <a:solidFill>
-                  <a:srgbClr val="000000"/>
-                </a:solidFill>
-                <a:latin typeface="Calibri Light"/>
-              </a:rPr>
-              <a:t>style </a:t>
-            </a:r>
-            <a:r>
-              <a:rPr b="0" lang="fr-FR" sz="6000" spc="-1" strike="noStrike">
-                <a:solidFill>
-                  <a:srgbClr val="000000"/>
-                </a:solidFill>
-                <a:latin typeface="Calibri Light"/>
-              </a:rPr>
-              <a:t>du </a:t>
-            </a:r>
-            <a:r>
-              <a:rPr b="0" lang="fr-FR" sz="6000" spc="-1" strike="noStrike">
-                <a:solidFill>
-                  <a:srgbClr val="000000"/>
-                </a:solidFill>
-                <a:latin typeface="Calibri Light"/>
-              </a:rPr>
-              <a:t>titre</a:t>
-            </a:r>
-            <a:endParaRPr b="0" lang="fr-FR" sz="6000" spc="-1" strike="noStrike">
-              <a:solidFill>
-                <a:srgbClr val="000000"/>
-              </a:solidFill>
-              <a:latin typeface="Calibri"/>
+            <a:endParaRPr b="0" lang="fr-FR" sz="1800" spc="-1" strike="noStrike">
+              <a:latin typeface="Arial"/>
             </a:endParaRPr>
           </a:p>
         </p:txBody>
@@ -3025,124 +2794,6 @@
       <p:sp>
         <p:nvSpPr>
           <p:cNvPr id="1" name="PlaceHolder 2"/>
-          <p:cNvSpPr>
-            <a:spLocks noGrp="1"/>
-          </p:cNvSpPr>
-          <p:nvPr>
-            <p:ph type="dt"/>
-          </p:nvPr>
-        </p:nvSpPr>
-        <p:spPr>
-          <a:xfrm>
-            <a:off x="838080" y="6356520"/>
-            <a:ext cx="2742840" cy="364680"/>
-          </a:xfrm>
-          <a:prstGeom prst="rect">
-            <a:avLst/>
-          </a:prstGeom>
-        </p:spPr>
-        <p:txBody>
-          <a:bodyPr anchor="ctr">
-            <a:noAutofit/>
-          </a:bodyPr>
-          <a:p>
-            <a:pPr>
-              <a:lnSpc>
-                <a:spcPct val="100000"/>
-              </a:lnSpc>
-            </a:pPr>
-            <a:fld id="{F67CF2BA-C710-4888-AB8C-8AD0F710422C}" type="datetime">
-              <a:rPr b="0" lang="fr-FR" sz="1200" spc="-1" strike="noStrike">
-                <a:solidFill>
-                  <a:srgbClr val="8b8b8b"/>
-                </a:solidFill>
-                <a:latin typeface="Calibri"/>
-              </a:rPr>
-              <a:t>25/07/2019</a:t>
-            </a:fld>
-            <a:endParaRPr b="0" lang="fr-FR" sz="1200" spc="-1" strike="noStrike">
-              <a:latin typeface="Times New Roman"/>
-            </a:endParaRPr>
-          </a:p>
-        </p:txBody>
-      </p:sp>
-      <p:sp>
-        <p:nvSpPr>
-          <p:cNvPr id="2" name="PlaceHolder 3"/>
-          <p:cNvSpPr>
-            <a:spLocks noGrp="1"/>
-          </p:cNvSpPr>
-          <p:nvPr>
-            <p:ph type="ftr"/>
-          </p:nvPr>
-        </p:nvSpPr>
-        <p:spPr>
-          <a:xfrm>
-            <a:off x="4038480" y="6356520"/>
-            <a:ext cx="4114440" cy="364680"/>
-          </a:xfrm>
-          <a:prstGeom prst="rect">
-            <a:avLst/>
-          </a:prstGeom>
-        </p:spPr>
-        <p:txBody>
-          <a:bodyPr anchor="ctr">
-            <a:noAutofit/>
-          </a:bodyPr>
-          <a:p>
-            <a:endParaRPr b="0" lang="fr-FR" sz="2400" spc="-1" strike="noStrike">
-              <a:latin typeface="Times New Roman"/>
-            </a:endParaRPr>
-          </a:p>
-        </p:txBody>
-      </p:sp>
-      <p:sp>
-        <p:nvSpPr>
-          <p:cNvPr id="3" name="PlaceHolder 4"/>
-          <p:cNvSpPr>
-            <a:spLocks noGrp="1"/>
-          </p:cNvSpPr>
-          <p:nvPr>
-            <p:ph type="sldNum"/>
-          </p:nvPr>
-        </p:nvSpPr>
-        <p:spPr>
-          <a:xfrm>
-            <a:off x="8610480" y="6356520"/>
-            <a:ext cx="2742840" cy="364680"/>
-          </a:xfrm>
-          <a:prstGeom prst="rect">
-            <a:avLst/>
-          </a:prstGeom>
-        </p:spPr>
-        <p:txBody>
-          <a:bodyPr anchor="ctr">
-            <a:noAutofit/>
-          </a:bodyPr>
-          <a:p>
-            <a:pPr algn="r">
-              <a:lnSpc>
-                <a:spcPct val="100000"/>
-              </a:lnSpc>
-            </a:pPr>
-            <a:fld id="{8E10E9DE-5190-47C1-9116-15EABBF496E1}" type="slidenum">
-              <a:rPr b="0" lang="fr-FR" sz="1200" spc="-1" strike="noStrike">
-                <a:solidFill>
-                  <a:srgbClr val="8b8b8b"/>
-                </a:solidFill>
-                <a:latin typeface="Calibri"/>
-              </a:rPr>
-              <a:t>&lt;numéro&gt;</a:t>
-            </a:fld>
-            <a:endParaRPr b="0" lang="fr-FR" sz="1200" spc="-1" strike="noStrike">
-              <a:latin typeface="Times New Roman"/>
-            </a:endParaRPr>
-          </a:p>
-        </p:txBody>
-      </p:sp>
-      <p:sp>
-        <p:nvSpPr>
-          <p:cNvPr id="4" name="PlaceHolder 5"/>
           <p:cNvSpPr>
             <a:spLocks noGrp="1"/>
           </p:cNvSpPr>
@@ -3176,19 +2827,13 @@
               <a:buChar char=""/>
             </a:pPr>
             <a:r>
-              <a:rPr b="0" lang="fr-FR" sz="2800" spc="-1" strike="noStrike">
-                <a:solidFill>
-                  <a:srgbClr val="000000"/>
-                </a:solidFill>
-                <a:latin typeface="Calibri"/>
+              <a:rPr b="0" lang="fr-FR" sz="3200" spc="-1" strike="noStrike">
+                <a:latin typeface="Arial"/>
               </a:rPr>
               <a:t>Cliquez pour éditer le format du plan de texte</a:t>
             </a:r>
-            <a:endParaRPr b="0" lang="fr-FR" sz="2800" spc="-1" strike="noStrike">
-              <a:solidFill>
-                <a:srgbClr val="000000"/>
-              </a:solidFill>
-              <a:latin typeface="Calibri"/>
+            <a:endParaRPr b="0" lang="fr-FR" sz="3200" spc="-1" strike="noStrike">
+              <a:latin typeface="Arial"/>
             </a:endParaRPr>
           </a:p>
           <a:p>
@@ -3204,19 +2849,13 @@
               <a:buChar char=""/>
             </a:pPr>
             <a:r>
-              <a:rPr b="0" lang="fr-FR" sz="2000" spc="-1" strike="noStrike">
-                <a:solidFill>
-                  <a:srgbClr val="000000"/>
-                </a:solidFill>
-                <a:latin typeface="Calibri"/>
+              <a:rPr b="0" lang="fr-FR" sz="2800" spc="-1" strike="noStrike">
+                <a:latin typeface="Arial"/>
               </a:rPr>
               <a:t>Second niveau de plan</a:t>
             </a:r>
-            <a:endParaRPr b="0" lang="fr-FR" sz="2000" spc="-1" strike="noStrike">
-              <a:solidFill>
-                <a:srgbClr val="000000"/>
-              </a:solidFill>
-              <a:latin typeface="Calibri"/>
+            <a:endParaRPr b="0" lang="fr-FR" sz="2800" spc="-1" strike="noStrike">
+              <a:latin typeface="Arial"/>
             </a:endParaRPr>
           </a:p>
           <a:p>
@@ -3232,19 +2871,13 @@
               <a:buChar char=""/>
             </a:pPr>
             <a:r>
-              <a:rPr b="0" lang="fr-FR" sz="1800" spc="-1" strike="noStrike">
-                <a:solidFill>
-                  <a:srgbClr val="000000"/>
-                </a:solidFill>
-                <a:latin typeface="Calibri"/>
+              <a:rPr b="0" lang="fr-FR" sz="2400" spc="-1" strike="noStrike">
+                <a:latin typeface="Arial"/>
               </a:rPr>
               <a:t>Troisième niveau de plan</a:t>
             </a:r>
-            <a:endParaRPr b="0" lang="fr-FR" sz="1800" spc="-1" strike="noStrike">
-              <a:solidFill>
-                <a:srgbClr val="000000"/>
-              </a:solidFill>
-              <a:latin typeface="Calibri"/>
+            <a:endParaRPr b="0" lang="fr-FR" sz="2400" spc="-1" strike="noStrike">
+              <a:latin typeface="Arial"/>
             </a:endParaRPr>
           </a:p>
           <a:p>
@@ -3260,19 +2893,13 @@
               <a:buChar char=""/>
             </a:pPr>
             <a:r>
-              <a:rPr b="0" lang="fr-FR" sz="1800" spc="-1" strike="noStrike">
-                <a:solidFill>
-                  <a:srgbClr val="000000"/>
-                </a:solidFill>
-                <a:latin typeface="Calibri"/>
+              <a:rPr b="0" lang="fr-FR" sz="2000" spc="-1" strike="noStrike">
+                <a:latin typeface="Arial"/>
               </a:rPr>
               <a:t>Quatrième niveau de plan</a:t>
             </a:r>
-            <a:endParaRPr b="0" lang="fr-FR" sz="1800" spc="-1" strike="noStrike">
-              <a:solidFill>
-                <a:srgbClr val="000000"/>
-              </a:solidFill>
-              <a:latin typeface="Calibri"/>
+            <a:endParaRPr b="0" lang="fr-FR" sz="2000" spc="-1" strike="noStrike">
+              <a:latin typeface="Arial"/>
             </a:endParaRPr>
           </a:p>
           <a:p>
@@ -3289,18 +2916,12 @@
             </a:pPr>
             <a:r>
               <a:rPr b="0" lang="fr-FR" sz="2000" spc="-1" strike="noStrike">
-                <a:solidFill>
-                  <a:srgbClr val="000000"/>
-                </a:solidFill>
-                <a:latin typeface="Calibri"/>
+                <a:latin typeface="Arial"/>
               </a:rPr>
               <a:t>Cinquième niveau de plan</a:t>
             </a:r>
             <a:endParaRPr b="0" lang="fr-FR" sz="2000" spc="-1" strike="noStrike">
-              <a:solidFill>
-                <a:srgbClr val="000000"/>
-              </a:solidFill>
-              <a:latin typeface="Calibri"/>
+              <a:latin typeface="Arial"/>
             </a:endParaRPr>
           </a:p>
           <a:p>
@@ -3317,18 +2938,12 @@
             </a:pPr>
             <a:r>
               <a:rPr b="0" lang="fr-FR" sz="2000" spc="-1" strike="noStrike">
-                <a:solidFill>
-                  <a:srgbClr val="000000"/>
-                </a:solidFill>
-                <a:latin typeface="Calibri"/>
+                <a:latin typeface="Arial"/>
               </a:rPr>
               <a:t>Sixième niveau de plan</a:t>
             </a:r>
             <a:endParaRPr b="0" lang="fr-FR" sz="2000" spc="-1" strike="noStrike">
-              <a:solidFill>
-                <a:srgbClr val="000000"/>
-              </a:solidFill>
-              <a:latin typeface="Calibri"/>
+              <a:latin typeface="Arial"/>
             </a:endParaRPr>
           </a:p>
           <a:p>
@@ -3345,18 +2960,12 @@
             </a:pPr>
             <a:r>
               <a:rPr b="0" lang="fr-FR" sz="2000" spc="-1" strike="noStrike">
-                <a:solidFill>
-                  <a:srgbClr val="000000"/>
-                </a:solidFill>
-                <a:latin typeface="Calibri"/>
+                <a:latin typeface="Arial"/>
               </a:rPr>
               <a:t>Septième niveau de plan</a:t>
             </a:r>
             <a:endParaRPr b="0" lang="fr-FR" sz="2000" spc="-1" strike="noStrike">
-              <a:solidFill>
-                <a:srgbClr val="000000"/>
-              </a:solidFill>
-              <a:latin typeface="Calibri"/>
+              <a:latin typeface="Arial"/>
             </a:endParaRPr>
           </a:p>
         </p:txBody>
@@ -3407,7 +3016,7 @@
       </p:grpSpPr>
       <p:sp>
         <p:nvSpPr>
-          <p:cNvPr id="41" name="PlaceHolder 1"/>
+          <p:cNvPr id="38" name="PlaceHolder 1"/>
           <p:cNvSpPr>
             <a:spLocks noGrp="1"/>
           </p:cNvSpPr>
@@ -3417,44 +3026,34 @@
         </p:nvSpPr>
         <p:spPr>
           <a:xfrm>
-            <a:off x="838080" y="365040"/>
-            <a:ext cx="10515240" cy="1325160"/>
-          </a:xfrm>
-          <a:prstGeom prst="rect">
-            <a:avLst/>
-          </a:prstGeom>
-        </p:spPr>
-        <p:txBody>
-          <a:bodyPr anchor="ctr">
+            <a:off x="609480" y="273600"/>
+            <a:ext cx="10972440" cy="1144800"/>
+          </a:xfrm>
+          <a:prstGeom prst="rect">
+            <a:avLst/>
+          </a:prstGeom>
+        </p:spPr>
+        <p:txBody>
+          <a:bodyPr lIns="0" rIns="0" tIns="0" bIns="0" anchor="ctr">
             <a:noAutofit/>
           </a:bodyPr>
           <a:p>
-            <a:pPr>
-              <a:lnSpc>
-                <a:spcPct val="90000"/>
-              </a:lnSpc>
-            </a:pPr>
+            <a:pPr algn="ctr"/>
             <a:r>
               <a:rPr b="0" lang="fr-FR" sz="4400" spc="-1" strike="noStrike">
-                <a:solidFill>
-                  <a:srgbClr val="000000"/>
-                </a:solidFill>
-                <a:latin typeface="Calibri Light"/>
+                <a:latin typeface="Arial"/>
               </a:rPr>
-              <a:t>Modifiez le style du titre</a:t>
+              <a:t>Cliquez pour éditer le format du texte-titre</a:t>
             </a:r>
             <a:endParaRPr b="0" lang="fr-FR" sz="4400" spc="-1" strike="noStrike">
-              <a:solidFill>
-                <a:srgbClr val="000000"/>
-              </a:solidFill>
-              <a:latin typeface="Calibri"/>
-            </a:endParaRPr>
-          </a:p>
-        </p:txBody>
-      </p:sp>
-      <p:sp>
-        <p:nvSpPr>
-          <p:cNvPr id="42" name="PlaceHolder 2"/>
+              <a:latin typeface="Arial"/>
+            </a:endParaRPr>
+          </a:p>
+        </p:txBody>
+      </p:sp>
+      <p:sp>
+        <p:nvSpPr>
+          <p:cNvPr id="39" name="PlaceHolder 2"/>
           <p:cNvSpPr>
             <a:spLocks noGrp="1"/>
           </p:cNvSpPr>
@@ -3464,283 +3063,169 @@
         </p:nvSpPr>
         <p:spPr>
           <a:xfrm>
-            <a:off x="838080" y="1825560"/>
-            <a:ext cx="10515240" cy="4350960"/>
-          </a:xfrm>
-          <a:prstGeom prst="rect">
-            <a:avLst/>
-          </a:prstGeom>
-        </p:spPr>
-        <p:txBody>
-          <a:bodyPr>
-            <a:noAutofit/>
-          </a:bodyPr>
-          <a:p>
-            <a:pPr marL="228600" indent="-228240">
-              <a:lnSpc>
-                <a:spcPct val="90000"/>
-              </a:lnSpc>
+            <a:off x="609480" y="1604520"/>
+            <a:ext cx="10972440" cy="3977280"/>
+          </a:xfrm>
+          <a:prstGeom prst="rect">
+            <a:avLst/>
+          </a:prstGeom>
+        </p:spPr>
+        <p:txBody>
+          <a:bodyPr lIns="0" rIns="0" tIns="0" bIns="0">
+            <a:normAutofit/>
+          </a:bodyPr>
+          <a:p>
+            <a:pPr marL="432000" indent="-324000">
               <a:spcBef>
-                <a:spcPts val="1001"/>
+                <a:spcPts val="1417"/>
               </a:spcBef>
               <a:buClr>
                 <a:srgbClr val="000000"/>
               </a:buClr>
-              <a:buFont typeface="Arial"/>
-              <a:buChar char="•"/>
+              <a:buSzPct val="45000"/>
+              <a:buFont typeface="Wingdings" charset="2"/>
+              <a:buChar char=""/>
             </a:pPr>
             <a:r>
-              <a:rPr b="0" lang="fr-FR" sz="2800" spc="-1" strike="noStrike">
-                <a:solidFill>
-                  <a:srgbClr val="000000"/>
-                </a:solidFill>
-                <a:latin typeface="Calibri"/>
+              <a:rPr b="0" lang="fr-FR" sz="3200" spc="-1" strike="noStrike">
+                <a:latin typeface="Arial"/>
               </a:rPr>
-              <a:t>Cliquez pour modifier les styles du texte du masque</a:t>
+              <a:t>Cliquez pour éditer le format du plan de texte</a:t>
             </a:r>
-            <a:endParaRPr b="0" lang="fr-FR" sz="2800" spc="-1" strike="noStrike">
-              <a:solidFill>
-                <a:srgbClr val="000000"/>
-              </a:solidFill>
-              <a:latin typeface="Calibri"/>
-            </a:endParaRPr>
-          </a:p>
-          <a:p>
-            <a:pPr lvl="1" marL="685800" indent="-228240">
-              <a:lnSpc>
-                <a:spcPct val="90000"/>
-              </a:lnSpc>
+            <a:endParaRPr b="0" lang="fr-FR" sz="3200" spc="-1" strike="noStrike">
+              <a:latin typeface="Arial"/>
+            </a:endParaRPr>
+          </a:p>
+          <a:p>
+            <a:pPr lvl="1" marL="864000" indent="-324000">
               <a:spcBef>
-                <a:spcPts val="499"/>
+                <a:spcPts val="1134"/>
               </a:spcBef>
               <a:buClr>
                 <a:srgbClr val="000000"/>
               </a:buClr>
-              <a:buFont typeface="Arial"/>
-              <a:buChar char="•"/>
+              <a:buSzPct val="75000"/>
+              <a:buFont typeface="Symbol" charset="2"/>
+              <a:buChar char=""/>
             </a:pPr>
             <a:r>
-              <a:rPr b="0" lang="fr-FR" sz="2400" spc="-1" strike="noStrike">
-                <a:solidFill>
-                  <a:srgbClr val="000000"/>
-                </a:solidFill>
-                <a:latin typeface="Calibri"/>
+              <a:rPr b="0" lang="fr-FR" sz="2800" spc="-1" strike="noStrike">
+                <a:latin typeface="Arial"/>
               </a:rPr>
-              <a:t>Deuxième niveau</a:t>
+              <a:t>Second niveau de plan</a:t>
             </a:r>
-            <a:endParaRPr b="0" lang="fr-FR" sz="2400" spc="-1" strike="noStrike">
-              <a:solidFill>
-                <a:srgbClr val="000000"/>
-              </a:solidFill>
-              <a:latin typeface="Calibri"/>
-            </a:endParaRPr>
-          </a:p>
-          <a:p>
-            <a:pPr lvl="2" marL="1143000" indent="-228240">
-              <a:lnSpc>
-                <a:spcPct val="90000"/>
-              </a:lnSpc>
+            <a:endParaRPr b="0" lang="fr-FR" sz="2800" spc="-1" strike="noStrike">
+              <a:latin typeface="Arial"/>
+            </a:endParaRPr>
+          </a:p>
+          <a:p>
+            <a:pPr lvl="2" marL="1296000" indent="-288000">
               <a:spcBef>
-                <a:spcPts val="499"/>
+                <a:spcPts val="850"/>
               </a:spcBef>
               <a:buClr>
                 <a:srgbClr val="000000"/>
               </a:buClr>
-              <a:buFont typeface="Arial"/>
-              <a:buChar char="•"/>
+              <a:buSzPct val="45000"/>
+              <a:buFont typeface="Wingdings" charset="2"/>
+              <a:buChar char=""/>
             </a:pPr>
             <a:r>
-              <a:rPr b="0" lang="fr-FR" sz="2000" spc="-1" strike="noStrike">
-                <a:solidFill>
-                  <a:srgbClr val="000000"/>
-                </a:solidFill>
-                <a:latin typeface="Calibri"/>
+              <a:rPr b="0" lang="fr-FR" sz="2400" spc="-1" strike="noStrike">
+                <a:latin typeface="Arial"/>
               </a:rPr>
-              <a:t>Troisième niveau</a:t>
+              <a:t>Troisième niveau de plan</a:t>
             </a:r>
-            <a:endParaRPr b="0" lang="fr-FR" sz="2000" spc="-1" strike="noStrike">
-              <a:solidFill>
-                <a:srgbClr val="000000"/>
-              </a:solidFill>
-              <a:latin typeface="Calibri"/>
-            </a:endParaRPr>
-          </a:p>
-          <a:p>
-            <a:pPr lvl="3" marL="1600200" indent="-228240">
-              <a:lnSpc>
-                <a:spcPct val="90000"/>
-              </a:lnSpc>
+            <a:endParaRPr b="0" lang="fr-FR" sz="2400" spc="-1" strike="noStrike">
+              <a:latin typeface="Arial"/>
+            </a:endParaRPr>
+          </a:p>
+          <a:p>
+            <a:pPr lvl="3" marL="1728000" indent="-216000">
               <a:spcBef>
-                <a:spcPts val="499"/>
+                <a:spcPts val="567"/>
               </a:spcBef>
               <a:buClr>
                 <a:srgbClr val="000000"/>
               </a:buClr>
-              <a:buFont typeface="Arial"/>
-              <a:buChar char="•"/>
+              <a:buSzPct val="75000"/>
+              <a:buFont typeface="Symbol" charset="2"/>
+              <a:buChar char=""/>
             </a:pPr>
             <a:r>
-              <a:rPr b="0" lang="fr-FR" sz="1800" spc="-1" strike="noStrike">
-                <a:solidFill>
-                  <a:srgbClr val="000000"/>
-                </a:solidFill>
-                <a:latin typeface="Calibri"/>
+              <a:rPr b="0" lang="fr-FR" sz="2000" spc="-1" strike="noStrike">
+                <a:latin typeface="Arial"/>
               </a:rPr>
-              <a:t>Quatrième niveau</a:t>
+              <a:t>Quatrième niveau de plan</a:t>
             </a:r>
-            <a:endParaRPr b="0" lang="fr-FR" sz="1800" spc="-1" strike="noStrike">
-              <a:solidFill>
-                <a:srgbClr val="000000"/>
-              </a:solidFill>
-              <a:latin typeface="Calibri"/>
-            </a:endParaRPr>
-          </a:p>
-          <a:p>
-            <a:pPr lvl="4" marL="2057400" indent="-228240">
-              <a:lnSpc>
-                <a:spcPct val="90000"/>
-              </a:lnSpc>
+            <a:endParaRPr b="0" lang="fr-FR" sz="2000" spc="-1" strike="noStrike">
+              <a:latin typeface="Arial"/>
+            </a:endParaRPr>
+          </a:p>
+          <a:p>
+            <a:pPr lvl="4" marL="2160000" indent="-216000">
               <a:spcBef>
-                <a:spcPts val="499"/>
+                <a:spcPts val="283"/>
               </a:spcBef>
               <a:buClr>
                 <a:srgbClr val="000000"/>
               </a:buClr>
-              <a:buFont typeface="Arial"/>
-              <a:buChar char="•"/>
+              <a:buSzPct val="45000"/>
+              <a:buFont typeface="Wingdings" charset="2"/>
+              <a:buChar char=""/>
             </a:pPr>
             <a:r>
-              <a:rPr b="0" lang="fr-FR" sz="1800" spc="-1" strike="noStrike">
-                <a:solidFill>
-                  <a:srgbClr val="000000"/>
-                </a:solidFill>
-                <a:latin typeface="Calibri"/>
+              <a:rPr b="0" lang="fr-FR" sz="2000" spc="-1" strike="noStrike">
+                <a:latin typeface="Arial"/>
               </a:rPr>
-              <a:t>Cinquième niveau</a:t>
+              <a:t>Cinquième niveau de plan</a:t>
             </a:r>
-            <a:endParaRPr b="0" lang="fr-FR" sz="1800" spc="-1" strike="noStrike">
-              <a:solidFill>
+            <a:endParaRPr b="0" lang="fr-FR" sz="2000" spc="-1" strike="noStrike">
+              <a:latin typeface="Arial"/>
+            </a:endParaRPr>
+          </a:p>
+          <a:p>
+            <a:pPr lvl="5" marL="2592000" indent="-216000">
+              <a:spcBef>
+                <a:spcPts val="283"/>
+              </a:spcBef>
+              <a:buClr>
                 <a:srgbClr val="000000"/>
-              </a:solidFill>
-              <a:latin typeface="Calibri"/>
-            </a:endParaRPr>
-          </a:p>
-        </p:txBody>
-      </p:sp>
-      <p:sp>
-        <p:nvSpPr>
-          <p:cNvPr id="43" name="PlaceHolder 3"/>
-          <p:cNvSpPr>
-            <a:spLocks noGrp="1"/>
-          </p:cNvSpPr>
-          <p:nvPr>
-            <p:ph type="dt"/>
-          </p:nvPr>
-        </p:nvSpPr>
-        <p:spPr>
-          <a:xfrm>
-            <a:off x="838080" y="6356520"/>
-            <a:ext cx="2742840" cy="364680"/>
-          </a:xfrm>
-          <a:prstGeom prst="rect">
-            <a:avLst/>
-          </a:prstGeom>
-        </p:spPr>
-        <p:txBody>
-          <a:bodyPr anchor="ctr">
-            <a:noAutofit/>
-          </a:bodyPr>
-          <a:p>
-            <a:pPr>
-              <a:lnSpc>
-                <a:spcPct val="100000"/>
-              </a:lnSpc>
+              </a:buClr>
+              <a:buSzPct val="45000"/>
+              <a:buFont typeface="Wingdings" charset="2"/>
+              <a:buChar char=""/>
             </a:pPr>
-            <a:fld id="{F9736F52-0784-4C18-91A6-D4AEB47EA4EB}" type="datetime">
-              <a:rPr b="0" lang="fr-FR" sz="1200" spc="-1" strike="noStrike">
-                <a:solidFill>
-                  <a:srgbClr val="8b8b8b"/>
-                </a:solidFill>
-                <a:latin typeface="Calibri"/>
+            <a:r>
+              <a:rPr b="0" lang="fr-FR" sz="2000" spc="-1" strike="noStrike">
+                <a:latin typeface="Arial"/>
               </a:rPr>
-              <a:t>25/07/2019</a:t>
-            </a:fld>
-            <a:endParaRPr b="0" lang="fr-FR" sz="1200" spc="-1" strike="noStrike">
-              <a:latin typeface="Times New Roman"/>
-            </a:endParaRPr>
-          </a:p>
-        </p:txBody>
-      </p:sp>
-      <p:sp>
-        <p:nvSpPr>
-          <p:cNvPr id="44" name="PlaceHolder 4"/>
-          <p:cNvSpPr>
-            <a:spLocks noGrp="1"/>
-          </p:cNvSpPr>
-          <p:nvPr>
-            <p:ph type="ftr"/>
-          </p:nvPr>
-        </p:nvSpPr>
-        <p:spPr>
-          <a:xfrm>
-            <a:off x="4038480" y="6356520"/>
-            <a:ext cx="4114440" cy="364680"/>
-          </a:xfrm>
-          <a:prstGeom prst="rect">
-            <a:avLst/>
-          </a:prstGeom>
-        </p:spPr>
-        <p:txBody>
-          <a:bodyPr anchor="ctr">
-            <a:noAutofit/>
-          </a:bodyPr>
-          <a:p>
-            <a:endParaRPr b="0" lang="fr-FR" sz="2400" spc="-1" strike="noStrike">
-              <a:latin typeface="Times New Roman"/>
-            </a:endParaRPr>
-          </a:p>
-        </p:txBody>
-      </p:sp>
-      <p:sp>
-        <p:nvSpPr>
-          <p:cNvPr id="45" name="PlaceHolder 5"/>
-          <p:cNvSpPr>
-            <a:spLocks noGrp="1"/>
-          </p:cNvSpPr>
-          <p:nvPr>
-            <p:ph type="sldNum"/>
-          </p:nvPr>
-        </p:nvSpPr>
-        <p:spPr>
-          <a:xfrm>
-            <a:off x="8610480" y="6356520"/>
-            <a:ext cx="2742840" cy="364680"/>
-          </a:xfrm>
-          <a:prstGeom prst="rect">
-            <a:avLst/>
-          </a:prstGeom>
-        </p:spPr>
-        <p:txBody>
-          <a:bodyPr anchor="ctr">
-            <a:noAutofit/>
-          </a:bodyPr>
-          <a:p>
-            <a:pPr algn="r">
-              <a:lnSpc>
-                <a:spcPct val="100000"/>
-              </a:lnSpc>
+              <a:t>Sixième niveau de plan</a:t>
+            </a:r>
+            <a:endParaRPr b="0" lang="fr-FR" sz="2000" spc="-1" strike="noStrike">
+              <a:latin typeface="Arial"/>
+            </a:endParaRPr>
+          </a:p>
+          <a:p>
+            <a:pPr lvl="6" marL="3024000" indent="-216000">
+              <a:spcBef>
+                <a:spcPts val="283"/>
+              </a:spcBef>
+              <a:buClr>
+                <a:srgbClr val="000000"/>
+              </a:buClr>
+              <a:buSzPct val="45000"/>
+              <a:buFont typeface="Wingdings" charset="2"/>
+              <a:buChar char=""/>
             </a:pPr>
-            <a:fld id="{DBCE5D6B-4CCD-4772-8844-8C0882FD47F3}" type="slidenum">
-              <a:rPr b="0" lang="fr-FR" sz="1200" spc="-1" strike="noStrike">
-                <a:solidFill>
-                  <a:srgbClr val="8b8b8b"/>
-                </a:solidFill>
-                <a:latin typeface="Calibri"/>
+            <a:r>
+              <a:rPr b="0" lang="fr-FR" sz="2000" spc="-1" strike="noStrike">
+                <a:latin typeface="Arial"/>
               </a:rPr>
-              <a:t>&lt;numéro&gt;</a:t>
-            </a:fld>
-            <a:endParaRPr b="0" lang="fr-FR" sz="1200" spc="-1" strike="noStrike">
-              <a:latin typeface="Times New Roman"/>
+              <a:t>Septième niveau de plan</a:t>
+            </a:r>
+            <a:endParaRPr b="0" lang="fr-FR" sz="2000" spc="-1" strike="noStrike">
+              <a:latin typeface="Arial"/>
             </a:endParaRPr>
           </a:p>
         </p:txBody>
@@ -3791,14 +3276,14 @@
       </p:grpSpPr>
       <p:sp>
         <p:nvSpPr>
-          <p:cNvPr id="82" name="CustomShape 1"/>
+          <p:cNvPr id="76" name="CustomShape 1"/>
           <p:cNvSpPr/>
           <p:nvPr/>
         </p:nvSpPr>
         <p:spPr>
           <a:xfrm>
             <a:off x="0" y="0"/>
-            <a:ext cx="12191760" cy="6857640"/>
+            <a:ext cx="12191400" cy="6857280"/>
           </a:xfrm>
           <a:prstGeom prst="rect">
             <a:avLst/>
@@ -3830,14 +3315,14 @@
       </p:sp>
       <p:sp>
         <p:nvSpPr>
-          <p:cNvPr id="83" name="TextShape 2"/>
-          <p:cNvSpPr txBox="1"/>
+          <p:cNvPr id="77" name="CustomShape 2"/>
+          <p:cNvSpPr/>
           <p:nvPr/>
         </p:nvSpPr>
         <p:spPr>
           <a:xfrm>
             <a:off x="6746760" y="1783800"/>
-            <a:ext cx="4644720" cy="2888640"/>
+            <a:ext cx="4644360" cy="2888280"/>
           </a:xfrm>
           <a:prstGeom prst="rect">
             <a:avLst/>
@@ -3847,8 +3332,14 @@
             <a:noFill/>
           </a:ln>
         </p:spPr>
-        <p:txBody>
-          <a:bodyPr anchor="b">
+        <p:style>
+          <a:lnRef idx="0"/>
+          <a:fillRef idx="0"/>
+          <a:effectRef idx="0"/>
+          <a:fontRef idx="minor"/>
+        </p:style>
+        <p:txBody>
+          <a:bodyPr lIns="90000" rIns="90000" tIns="45000" bIns="45000" anchor="b">
             <a:normAutofit/>
           </a:bodyPr>
           <a:p>
@@ -3867,24 +3358,21 @@
               <a:t>Le projet « Git-moi tout »</a:t>
             </a:r>
             <a:endParaRPr b="0" lang="fr-FR" sz="6000" spc="-1" strike="noStrike">
-              <a:solidFill>
-                <a:srgbClr val="000000"/>
-              </a:solidFill>
-              <a:latin typeface="Calibri"/>
-            </a:endParaRPr>
-          </a:p>
-        </p:txBody>
-      </p:sp>
-      <p:sp>
-        <p:nvSpPr>
-          <p:cNvPr id="84" name="TextShape 3"/>
-          <p:cNvSpPr txBox="1"/>
+              <a:latin typeface="Arial"/>
+            </a:endParaRPr>
+          </a:p>
+        </p:txBody>
+      </p:sp>
+      <p:sp>
+        <p:nvSpPr>
+          <p:cNvPr id="78" name="CustomShape 3"/>
+          <p:cNvSpPr/>
           <p:nvPr/>
         </p:nvSpPr>
         <p:spPr>
           <a:xfrm>
             <a:off x="6746760" y="4750920"/>
-            <a:ext cx="4644720" cy="1147680"/>
+            <a:ext cx="4644360" cy="1147320"/>
           </a:xfrm>
           <a:prstGeom prst="rect">
             <a:avLst/>
@@ -3894,8 +3382,14 @@
             <a:noFill/>
           </a:ln>
         </p:spPr>
-        <p:txBody>
-          <a:bodyPr>
+        <p:style>
+          <a:lnRef idx="0"/>
+          <a:fillRef idx="0"/>
+          <a:effectRef idx="0"/>
+          <a:fontRef idx="minor"/>
+        </p:style>
+        <p:txBody>
+          <a:bodyPr lIns="90000" rIns="90000" tIns="45000" bIns="45000">
             <a:normAutofit/>
           </a:bodyPr>
           <a:p>
@@ -3924,14 +3418,14 @@
       </p:sp>
       <p:sp>
         <p:nvSpPr>
-          <p:cNvPr id="85" name="CustomShape 4"/>
+          <p:cNvPr id="79" name="CustomShape 4"/>
           <p:cNvSpPr/>
           <p:nvPr/>
         </p:nvSpPr>
         <p:spPr>
           <a:xfrm flipH="1">
-            <a:off x="0" y="0"/>
-            <a:ext cx="6172560" cy="6857640"/>
+            <a:off x="-720" y="0"/>
+            <a:ext cx="6172200" cy="6857280"/>
           </a:xfrm>
           <a:custGeom>
             <a:avLst/>
@@ -3995,14 +3489,14 @@
       </p:sp>
       <p:sp>
         <p:nvSpPr>
-          <p:cNvPr id="86" name="CustomShape 5"/>
+          <p:cNvPr id="80" name="CustomShape 5"/>
           <p:cNvSpPr/>
           <p:nvPr/>
         </p:nvSpPr>
         <p:spPr>
           <a:xfrm>
             <a:off x="0" y="0"/>
-            <a:ext cx="6023880" cy="6857640"/>
+            <a:ext cx="6023520" cy="6857280"/>
           </a:xfrm>
           <a:custGeom>
             <a:avLst/>
@@ -4064,7 +3558,7 @@
       </p:sp>
       <p:pic>
         <p:nvPicPr>
-          <p:cNvPr id="87" name="Image 3" descr=""/>
+          <p:cNvPr id="81" name="Image 3" descr=""/>
           <p:cNvPicPr/>
           <p:nvPr/>
         </p:nvPicPr>
@@ -4075,7 +3569,7 @@
         <p:spPr>
           <a:xfrm>
             <a:off x="419400" y="721080"/>
-            <a:ext cx="4047480" cy="4047480"/>
+            <a:ext cx="4047120" cy="4047120"/>
           </a:xfrm>
           <a:prstGeom prst="rect">
             <a:avLst/>
@@ -4124,14 +3618,14 @@
       </p:grpSpPr>
       <p:sp>
         <p:nvSpPr>
-          <p:cNvPr id="88" name="CustomShape 1"/>
+          <p:cNvPr id="82" name="CustomShape 1"/>
           <p:cNvSpPr/>
           <p:nvPr/>
         </p:nvSpPr>
         <p:spPr>
           <a:xfrm>
             <a:off x="0" y="0"/>
-            <a:ext cx="4654080" cy="6857640"/>
+            <a:ext cx="4653720" cy="6857280"/>
           </a:xfrm>
           <a:prstGeom prst="rect">
             <a:avLst/>
@@ -4155,14 +3649,14 @@
       </p:sp>
       <p:sp>
         <p:nvSpPr>
-          <p:cNvPr id="89" name="TextShape 2"/>
-          <p:cNvSpPr txBox="1"/>
+          <p:cNvPr id="83" name="CustomShape 2"/>
+          <p:cNvSpPr/>
           <p:nvPr/>
         </p:nvSpPr>
         <p:spPr>
           <a:xfrm>
             <a:off x="643320" y="643320"/>
-            <a:ext cx="3363480" cy="1596960"/>
+            <a:ext cx="3363120" cy="1596600"/>
           </a:xfrm>
           <a:prstGeom prst="rect">
             <a:avLst/>
@@ -4175,8 +3669,14 @@
             <a:round/>
           </a:ln>
         </p:spPr>
-        <p:txBody>
-          <a:bodyPr anchor="ctr">
+        <p:style>
+          <a:lnRef idx="0"/>
+          <a:fillRef idx="0"/>
+          <a:effectRef idx="0"/>
+          <a:fontRef idx="minor"/>
+        </p:style>
+        <p:txBody>
+          <a:bodyPr lIns="90000" rIns="90000" tIns="45000" bIns="45000" anchor="ctr">
             <a:normAutofit/>
           </a:bodyPr>
           <a:p>
@@ -4195,24 +3695,21 @@
               <a:t>Le but du projet « GIT-moi-tout »</a:t>
             </a:r>
             <a:endParaRPr b="0" lang="fr-FR" sz="2800" spc="-1" strike="noStrike">
-              <a:solidFill>
-                <a:srgbClr val="000000"/>
-              </a:solidFill>
-              <a:latin typeface="Calibri"/>
-            </a:endParaRPr>
-          </a:p>
-        </p:txBody>
-      </p:sp>
-      <p:sp>
-        <p:nvSpPr>
-          <p:cNvPr id="90" name="TextShape 3"/>
-          <p:cNvSpPr txBox="1"/>
+              <a:latin typeface="Arial"/>
+            </a:endParaRPr>
+          </a:p>
+        </p:txBody>
+      </p:sp>
+      <p:sp>
+        <p:nvSpPr>
+          <p:cNvPr id="84" name="CustomShape 3"/>
+          <p:cNvSpPr/>
           <p:nvPr/>
         </p:nvSpPr>
         <p:spPr>
           <a:xfrm>
             <a:off x="643320" y="2638080"/>
-            <a:ext cx="3363480" cy="3415320"/>
+            <a:ext cx="3363120" cy="3414960"/>
           </a:xfrm>
           <a:prstGeom prst="rect">
             <a:avLst/>
@@ -4222,8 +3719,14 @@
             <a:noFill/>
           </a:ln>
         </p:spPr>
-        <p:txBody>
-          <a:bodyPr>
+        <p:style>
+          <a:lnRef idx="0"/>
+          <a:fillRef idx="0"/>
+          <a:effectRef idx="0"/>
+          <a:fontRef idx="minor"/>
+        </p:style>
+        <p:txBody>
+          <a:bodyPr lIns="90000" rIns="90000" tIns="45000" bIns="45000">
             <a:normAutofit/>
           </a:bodyPr>
           <a:p>
@@ -4245,14 +3748,11 @@
               <a:t>Permettre aux novices et au moins novices de comprendre :</a:t>
             </a:r>
             <a:endParaRPr b="0" lang="fr-FR" sz="1700" spc="-1" strike="noStrike">
-              <a:solidFill>
-                <a:srgbClr val="000000"/>
-              </a:solidFill>
-              <a:latin typeface="Calibri"/>
-            </a:endParaRPr>
-          </a:p>
-          <a:p>
-            <a:pPr lvl="1" marL="685800" indent="-228240">
+              <a:latin typeface="Arial"/>
+            </a:endParaRPr>
+          </a:p>
+          <a:p>
+            <a:pPr lvl="1" marL="685800" indent="-227880">
               <a:lnSpc>
                 <a:spcPct val="90000"/>
               </a:lnSpc>
@@ -4275,14 +3775,11 @@
               <a:t>C’est quoi GIT et pour quel usage ?</a:t>
             </a:r>
             <a:endParaRPr b="0" lang="fr-FR" sz="1700" spc="-1" strike="noStrike">
-              <a:solidFill>
-                <a:srgbClr val="000000"/>
-              </a:solidFill>
-              <a:latin typeface="Calibri"/>
-            </a:endParaRPr>
-          </a:p>
-          <a:p>
-            <a:pPr lvl="1" marL="685800" indent="-228240">
+              <a:latin typeface="Arial"/>
+            </a:endParaRPr>
+          </a:p>
+          <a:p>
+            <a:pPr lvl="1" marL="685800" indent="-227880">
               <a:lnSpc>
                 <a:spcPct val="90000"/>
               </a:lnSpc>
@@ -4305,14 +3802,11 @@
               <a:t>Comment fonctionne-t-il?</a:t>
             </a:r>
             <a:endParaRPr b="0" lang="fr-FR" sz="1700" spc="-1" strike="noStrike">
-              <a:solidFill>
-                <a:srgbClr val="000000"/>
-              </a:solidFill>
-              <a:latin typeface="Calibri"/>
-            </a:endParaRPr>
-          </a:p>
-          <a:p>
-            <a:pPr lvl="1" marL="685800" indent="-228240">
+              <a:latin typeface="Arial"/>
+            </a:endParaRPr>
+          </a:p>
+          <a:p>
+            <a:pPr lvl="1" marL="685800" indent="-227880">
               <a:lnSpc>
                 <a:spcPct val="90000"/>
               </a:lnSpc>
@@ -4335,14 +3829,11 @@
               <a:t>Comment bien démarrer avec GIT</a:t>
             </a:r>
             <a:endParaRPr b="0" lang="fr-FR" sz="1700" spc="-1" strike="noStrike">
-              <a:solidFill>
-                <a:srgbClr val="000000"/>
-              </a:solidFill>
-              <a:latin typeface="Calibri"/>
-            </a:endParaRPr>
-          </a:p>
-          <a:p>
-            <a:pPr lvl="1" marL="685800" indent="-228240">
+              <a:latin typeface="Arial"/>
+            </a:endParaRPr>
+          </a:p>
+          <a:p>
+            <a:pPr lvl="1" marL="685800" indent="-227880">
               <a:lnSpc>
                 <a:spcPct val="90000"/>
               </a:lnSpc>
@@ -4365,10 +3856,7 @@
               <a:t>Répondre aux questions et au problèmes que l’ont se poser en utilisant GIT</a:t>
             </a:r>
             <a:endParaRPr b="0" lang="fr-FR" sz="1700" spc="-1" strike="noStrike">
-              <a:solidFill>
-                <a:srgbClr val="000000"/>
-              </a:solidFill>
-              <a:latin typeface="Calibri"/>
+              <a:latin typeface="Arial"/>
             </a:endParaRPr>
           </a:p>
           <a:p>
@@ -4381,25 +3869,24 @@
               </a:spcBef>
             </a:pPr>
             <a:endParaRPr b="0" lang="fr-FR" sz="1700" spc="-1" strike="noStrike">
-              <a:solidFill>
-                <a:srgbClr val="000000"/>
-              </a:solidFill>
-              <a:latin typeface="Calibri"/>
-            </a:endParaRPr>
-          </a:p>
-          <a:p>
+              <a:latin typeface="Arial"/>
+            </a:endParaRPr>
+          </a:p>
+          <a:p>
+            <a:pPr>
+              <a:lnSpc>
+                <a:spcPct val="100000"/>
+              </a:lnSpc>
+            </a:pPr>
             <a:endParaRPr b="0" lang="fr-FR" sz="1700" spc="-1" strike="noStrike">
-              <a:solidFill>
-                <a:srgbClr val="000000"/>
-              </a:solidFill>
-              <a:latin typeface="Calibri"/>
+              <a:latin typeface="Arial"/>
             </a:endParaRPr>
           </a:p>
         </p:txBody>
       </p:sp>
       <p:pic>
         <p:nvPicPr>
-          <p:cNvPr id="91" name="Image 4" descr=""/>
+          <p:cNvPr id="85" name="Image 4" descr=""/>
           <p:cNvPicPr/>
           <p:nvPr/>
         </p:nvPicPr>
@@ -4410,7 +3897,7 @@
         <p:spPr>
           <a:xfrm>
             <a:off x="5198760" y="1295640"/>
-            <a:ext cx="6250320" cy="4687560"/>
+            <a:ext cx="6249960" cy="4687200"/>
           </a:xfrm>
           <a:prstGeom prst="rect">
             <a:avLst/>
@@ -4422,7 +3909,7 @@
       </p:pic>
       <p:pic>
         <p:nvPicPr>
-          <p:cNvPr id="92" name="Image 5" descr=""/>
+          <p:cNvPr id="86" name="Image 5" descr=""/>
           <p:cNvPicPr/>
           <p:nvPr/>
         </p:nvPicPr>
@@ -4433,7 +3920,7 @@
         <p:spPr>
           <a:xfrm>
             <a:off x="11174040" y="137520"/>
-            <a:ext cx="1017720" cy="1011600"/>
+            <a:ext cx="1017360" cy="1011240"/>
           </a:xfrm>
           <a:prstGeom prst="rect">
             <a:avLst/>
@@ -4475,14 +3962,14 @@
       </p:grpSpPr>
       <p:sp>
         <p:nvSpPr>
-          <p:cNvPr id="93" name="TextShape 1"/>
-          <p:cNvSpPr txBox="1"/>
+          <p:cNvPr id="87" name="CustomShape 1"/>
+          <p:cNvSpPr/>
           <p:nvPr/>
         </p:nvSpPr>
         <p:spPr>
           <a:xfrm>
             <a:off x="838080" y="365040"/>
-            <a:ext cx="10515240" cy="1325160"/>
+            <a:ext cx="10514880" cy="1324800"/>
           </a:xfrm>
           <a:prstGeom prst="rect">
             <a:avLst/>
@@ -4492,8 +3979,14 @@
             <a:noFill/>
           </a:ln>
         </p:spPr>
-        <p:txBody>
-          <a:bodyPr anchor="ctr">
+        <p:style>
+          <a:lnRef idx="0"/>
+          <a:fillRef idx="0"/>
+          <a:effectRef idx="0"/>
+          <a:fontRef idx="minor"/>
+        </p:style>
+        <p:txBody>
+          <a:bodyPr lIns="90000" rIns="90000" tIns="45000" bIns="45000" anchor="ctr">
             <a:noAutofit/>
           </a:bodyPr>
           <a:p>
@@ -4512,24 +4005,21 @@
               <a:t>Création d’un wiki : tout savoir sur Git</a:t>
             </a:r>
             <a:endParaRPr b="0" lang="fr-FR" sz="4400" spc="-1" strike="noStrike">
-              <a:solidFill>
-                <a:srgbClr val="000000"/>
-              </a:solidFill>
-              <a:latin typeface="Calibri"/>
-            </a:endParaRPr>
-          </a:p>
-        </p:txBody>
-      </p:sp>
-      <p:sp>
-        <p:nvSpPr>
-          <p:cNvPr id="94" name="TextShape 2"/>
-          <p:cNvSpPr txBox="1"/>
+              <a:latin typeface="Arial"/>
+            </a:endParaRPr>
+          </a:p>
+        </p:txBody>
+      </p:sp>
+      <p:sp>
+        <p:nvSpPr>
+          <p:cNvPr id="88" name="CustomShape 2"/>
+          <p:cNvSpPr/>
           <p:nvPr/>
         </p:nvSpPr>
         <p:spPr>
           <a:xfrm>
             <a:off x="838080" y="1825560"/>
-            <a:ext cx="10515240" cy="4350960"/>
+            <a:ext cx="10514880" cy="4350600"/>
           </a:xfrm>
           <a:prstGeom prst="rect">
             <a:avLst/>
@@ -4539,23 +4029,16 @@
             <a:noFill/>
           </a:ln>
         </p:spPr>
-        <p:txBody>
-          <a:bodyPr>
-            <a:noAutofit/>
-          </a:bodyPr>
-          <a:p>
-            <a:endParaRPr b="0" lang="fr-FR" sz="2800" spc="-1" strike="noStrike">
-              <a:solidFill>
-                <a:srgbClr val="000000"/>
-              </a:solidFill>
-              <a:latin typeface="Calibri"/>
-            </a:endParaRPr>
-          </a:p>
-        </p:txBody>
+        <p:style>
+          <a:lnRef idx="0"/>
+          <a:fillRef idx="0"/>
+          <a:effectRef idx="0"/>
+          <a:fontRef idx="minor"/>
+        </p:style>
       </p:sp>
       <p:pic>
         <p:nvPicPr>
-          <p:cNvPr id="95" name="Image 3" descr=""/>
+          <p:cNvPr id="89" name="Image 3" descr=""/>
           <p:cNvPicPr/>
           <p:nvPr/>
         </p:nvPicPr>
@@ -4566,7 +4049,7 @@
         <p:spPr>
           <a:xfrm>
             <a:off x="10962720" y="174240"/>
-            <a:ext cx="1016640" cy="1013040"/>
+            <a:ext cx="1016280" cy="1012680"/>
           </a:xfrm>
           <a:prstGeom prst="rect">
             <a:avLst/>
@@ -4578,7 +4061,7 @@
       </p:pic>
       <p:pic>
         <p:nvPicPr>
-          <p:cNvPr id="96" name="" descr=""/>
+          <p:cNvPr id="90" name="" descr=""/>
           <p:cNvPicPr/>
           <p:nvPr/>
         </p:nvPicPr>
@@ -4589,7 +4072,7 @@
         <p:spPr>
           <a:xfrm>
             <a:off x="0" y="1690200"/>
-            <a:ext cx="9864000" cy="5167800"/>
+            <a:ext cx="9863640" cy="5167440"/>
           </a:xfrm>
           <a:prstGeom prst="rect">
             <a:avLst/>
@@ -4601,7 +4084,7 @@
       </p:pic>
       <p:pic>
         <p:nvPicPr>
-          <p:cNvPr id="97" name="" descr=""/>
+          <p:cNvPr id="91" name="" descr=""/>
           <p:cNvPicPr/>
           <p:nvPr/>
         </p:nvPicPr>
@@ -4611,8 +4094,8 @@
         </p:blipFill>
         <p:spPr>
           <a:xfrm>
-            <a:off x="7800120" y="1690200"/>
-            <a:ext cx="4392000" cy="5077800"/>
+            <a:off x="7800480" y="1618560"/>
+            <a:ext cx="4391640" cy="5077440"/>
           </a:xfrm>
           <a:prstGeom prst="rect">
             <a:avLst/>
@@ -4624,14 +4107,14 @@
       </p:pic>
       <p:sp>
         <p:nvSpPr>
-          <p:cNvPr id="98" name="TextShape 3"/>
-          <p:cNvSpPr txBox="1"/>
+          <p:cNvPr id="92" name="CustomShape 3"/>
+          <p:cNvSpPr/>
           <p:nvPr/>
         </p:nvSpPr>
         <p:spPr>
           <a:xfrm>
             <a:off x="8352000" y="2664000"/>
-            <a:ext cx="3240000" cy="3240000"/>
+            <a:ext cx="3239640" cy="3017880"/>
           </a:xfrm>
           <a:prstGeom prst="rect">
             <a:avLst/>
@@ -4641,6 +4124,12 @@
             <a:noFill/>
           </a:ln>
         </p:spPr>
+        <p:style>
+          <a:lnRef idx="0"/>
+          <a:fillRef idx="0"/>
+          <a:effectRef idx="0"/>
+          <a:fontRef idx="minor"/>
+        </p:style>
         <p:txBody>
           <a:bodyPr lIns="0" rIns="0" tIns="0" bIns="0">
             <a:spAutoFit/>
@@ -4661,11 +4150,7 @@
               </a:rPr>
               <a:t>Home : Présentation de Git.</a:t>
             </a:r>
-            <a:endParaRPr b="1" lang="fr-FR" sz="1800" spc="-1" strike="noStrike" u="sng">
-              <a:solidFill>
-                <a:srgbClr val="ffffff"/>
-              </a:solidFill>
-              <a:uFillTx/>
+            <a:endParaRPr b="0" lang="fr-FR" sz="1800" spc="-1" strike="noStrike">
               <a:latin typeface="Arial"/>
             </a:endParaRPr>
           </a:p>
@@ -4675,11 +4160,7 @@
                 <a:spcPct val="100000"/>
               </a:lnSpc>
             </a:pPr>
-            <a:endParaRPr b="1" lang="fr-FR" sz="1800" spc="-1" strike="noStrike" u="sng">
-              <a:solidFill>
-                <a:srgbClr val="ffffff"/>
-              </a:solidFill>
-              <a:uFillTx/>
+            <a:endParaRPr b="0" lang="fr-FR" sz="1800" spc="-1" strike="noStrike">
               <a:latin typeface="Arial"/>
             </a:endParaRPr>
           </a:p>
@@ -4699,11 +4180,7 @@
               </a:rPr>
               <a:t>Installation et Configuration.</a:t>
             </a:r>
-            <a:endParaRPr b="1" lang="fr-FR" sz="1800" spc="-1" strike="noStrike" u="sng">
-              <a:solidFill>
-                <a:srgbClr val="ffffff"/>
-              </a:solidFill>
-              <a:uFillTx/>
+            <a:endParaRPr b="0" lang="fr-FR" sz="1800" spc="-1" strike="noStrike">
               <a:latin typeface="Arial"/>
             </a:endParaRPr>
           </a:p>
@@ -4713,11 +4190,7 @@
                 <a:spcPct val="100000"/>
               </a:lnSpc>
             </a:pPr>
-            <a:endParaRPr b="1" lang="fr-FR" sz="1800" spc="-1" strike="noStrike" u="sng">
-              <a:solidFill>
-                <a:srgbClr val="ffffff"/>
-              </a:solidFill>
-              <a:uFillTx/>
+            <a:endParaRPr b="0" lang="fr-FR" sz="1800" spc="-1" strike="noStrike">
               <a:latin typeface="Arial"/>
             </a:endParaRPr>
           </a:p>
@@ -4737,11 +4210,7 @@
               </a:rPr>
               <a:t>Les Fonctionnalités.</a:t>
             </a:r>
-            <a:endParaRPr b="1" lang="fr-FR" sz="1800" spc="-1" strike="noStrike" u="sng">
-              <a:solidFill>
-                <a:srgbClr val="ffffff"/>
-              </a:solidFill>
-              <a:uFillTx/>
+            <a:endParaRPr b="0" lang="fr-FR" sz="1800" spc="-1" strike="noStrike">
               <a:latin typeface="Arial"/>
             </a:endParaRPr>
           </a:p>
@@ -4751,11 +4220,7 @@
                 <a:spcPct val="100000"/>
               </a:lnSpc>
             </a:pPr>
-            <a:endParaRPr b="1" lang="fr-FR" sz="1800" spc="-1" strike="noStrike" u="sng">
-              <a:solidFill>
-                <a:srgbClr val="ffffff"/>
-              </a:solidFill>
-              <a:uFillTx/>
+            <a:endParaRPr b="0" lang="fr-FR" sz="1800" spc="-1" strike="noStrike">
               <a:latin typeface="Arial"/>
             </a:endParaRPr>
           </a:p>
@@ -4775,11 +4240,7 @@
               </a:rPr>
               <a:t>1 Erreur / 1 Solution</a:t>
             </a:r>
-            <a:endParaRPr b="1" lang="fr-FR" sz="1800" spc="-1" strike="noStrike" u="sng">
-              <a:solidFill>
-                <a:srgbClr val="ffffff"/>
-              </a:solidFill>
-              <a:uFillTx/>
+            <a:endParaRPr b="0" lang="fr-FR" sz="1800" spc="-1" strike="noStrike">
               <a:latin typeface="Arial"/>
             </a:endParaRPr>
           </a:p>
@@ -4789,11 +4250,7 @@
                 <a:spcPct val="100000"/>
               </a:lnSpc>
             </a:pPr>
-            <a:endParaRPr b="1" lang="fr-FR" sz="1800" spc="-1" strike="noStrike" u="sng">
-              <a:solidFill>
-                <a:srgbClr val="ffffff"/>
-              </a:solidFill>
-              <a:uFillTx/>
+            <a:endParaRPr b="0" lang="fr-FR" sz="1800" spc="-1" strike="noStrike">
               <a:latin typeface="Arial"/>
             </a:endParaRPr>
           </a:p>
@@ -4813,11 +4270,7 @@
               </a:rPr>
               <a:t>Alimentation du Twitter</a:t>
             </a:r>
-            <a:endParaRPr b="1" lang="fr-FR" sz="1800" spc="-1" strike="noStrike" u="sng">
-              <a:solidFill>
-                <a:srgbClr val="ffffff"/>
-              </a:solidFill>
-              <a:uFillTx/>
+            <a:endParaRPr b="0" lang="fr-FR" sz="1800" spc="-1" strike="noStrike">
               <a:latin typeface="Arial"/>
             </a:endParaRPr>
           </a:p>
@@ -4827,15 +4280,16 @@
                 <a:spcPct val="100000"/>
               </a:lnSpc>
             </a:pPr>
-            <a:endParaRPr b="1" lang="fr-FR" sz="1800" spc="-1" strike="noStrike" u="sng">
-              <a:solidFill>
-                <a:srgbClr val="ffffff"/>
-              </a:solidFill>
-              <a:uFillTx/>
-              <a:latin typeface="Arial"/>
-            </a:endParaRPr>
-          </a:p>
-          <a:p>
+            <a:endParaRPr b="0" lang="fr-FR" sz="1800" spc="-1" strike="noStrike">
+              <a:latin typeface="Arial"/>
+            </a:endParaRPr>
+          </a:p>
+          <a:p>
+            <a:pPr>
+              <a:lnSpc>
+                <a:spcPct val="100000"/>
+              </a:lnSpc>
+            </a:pPr>
             <a:r>
               <a:rPr b="1" lang="fr-FR" sz="1800" spc="-1" strike="noStrike" u="sng">
                 <a:solidFill>
@@ -4846,11 +4300,7 @@
               </a:rPr>
               <a:t>FAQ</a:t>
             </a:r>
-            <a:endParaRPr b="1" lang="fr-FR" sz="1800" spc="-1" strike="noStrike" u="sng">
-              <a:solidFill>
-                <a:srgbClr val="ffffff"/>
-              </a:solidFill>
-              <a:uFillTx/>
+            <a:endParaRPr b="0" lang="fr-FR" sz="1800" spc="-1" strike="noStrike">
               <a:latin typeface="Arial"/>
             </a:endParaRPr>
           </a:p>
@@ -4888,14 +4338,14 @@
       </p:grpSpPr>
       <p:sp>
         <p:nvSpPr>
-          <p:cNvPr id="99" name="TextShape 1"/>
-          <p:cNvSpPr txBox="1"/>
+          <p:cNvPr id="93" name="CustomShape 1"/>
+          <p:cNvSpPr/>
           <p:nvPr/>
         </p:nvSpPr>
         <p:spPr>
           <a:xfrm>
             <a:off x="838080" y="365040"/>
-            <a:ext cx="10515240" cy="1325160"/>
+            <a:ext cx="10514880" cy="1324800"/>
           </a:xfrm>
           <a:prstGeom prst="rect">
             <a:avLst/>
@@ -4905,8 +4355,14 @@
             <a:noFill/>
           </a:ln>
         </p:spPr>
-        <p:txBody>
-          <a:bodyPr anchor="ctr">
+        <p:style>
+          <a:lnRef idx="0"/>
+          <a:fillRef idx="0"/>
+          <a:effectRef idx="0"/>
+          <a:fontRef idx="minor"/>
+        </p:style>
+        <p:txBody>
+          <a:bodyPr lIns="90000" rIns="90000" tIns="45000" bIns="45000" anchor="ctr">
             <a:noAutofit/>
           </a:bodyPr>
           <a:p>
@@ -4922,27 +4378,24 @@
                 </a:solidFill>
                 <a:latin typeface="Calibri Light"/>
               </a:rPr>
-              <a:t>Création de contenus pour le blog</a:t>
+              <a:t>Création de contenus pour FAQ</a:t>
             </a:r>
             <a:endParaRPr b="0" lang="fr-FR" sz="4400" spc="-1" strike="noStrike">
-              <a:solidFill>
-                <a:srgbClr val="000000"/>
-              </a:solidFill>
-              <a:latin typeface="Calibri"/>
-            </a:endParaRPr>
-          </a:p>
-        </p:txBody>
-      </p:sp>
-      <p:sp>
-        <p:nvSpPr>
-          <p:cNvPr id="100" name="TextShape 2"/>
-          <p:cNvSpPr txBox="1"/>
+              <a:latin typeface="Arial"/>
+            </a:endParaRPr>
+          </a:p>
+        </p:txBody>
+      </p:sp>
+      <p:sp>
+        <p:nvSpPr>
+          <p:cNvPr id="94" name="CustomShape 2"/>
+          <p:cNvSpPr/>
           <p:nvPr/>
         </p:nvSpPr>
         <p:spPr>
           <a:xfrm>
             <a:off x="838080" y="1825560"/>
-            <a:ext cx="10515240" cy="4350960"/>
+            <a:ext cx="10514880" cy="4350600"/>
           </a:xfrm>
           <a:prstGeom prst="rect">
             <a:avLst/>
@@ -4952,23 +4405,16 @@
             <a:noFill/>
           </a:ln>
         </p:spPr>
-        <p:txBody>
-          <a:bodyPr>
-            <a:noAutofit/>
-          </a:bodyPr>
-          <a:p>
-            <a:endParaRPr b="0" lang="fr-FR" sz="2800" spc="-1" strike="noStrike">
-              <a:solidFill>
-                <a:srgbClr val="000000"/>
-              </a:solidFill>
-              <a:latin typeface="Calibri"/>
-            </a:endParaRPr>
-          </a:p>
-        </p:txBody>
+        <p:style>
+          <a:lnRef idx="0"/>
+          <a:fillRef idx="0"/>
+          <a:effectRef idx="0"/>
+          <a:fontRef idx="minor"/>
+        </p:style>
       </p:sp>
       <p:pic>
         <p:nvPicPr>
-          <p:cNvPr id="101" name="Image 4" descr=""/>
+          <p:cNvPr id="95" name="Image 4" descr=""/>
           <p:cNvPicPr/>
           <p:nvPr/>
         </p:nvPicPr>
@@ -4979,7 +4425,32 @@
         <p:spPr>
           <a:xfrm>
             <a:off x="10999080" y="174960"/>
-            <a:ext cx="1017720" cy="1011600"/>
+            <a:ext cx="1017360" cy="1011240"/>
+          </a:xfrm>
+          <a:prstGeom prst="rect">
+            <a:avLst/>
+          </a:prstGeom>
+          <a:ln>
+            <a:noFill/>
+          </a:ln>
+        </p:spPr>
+      </p:pic>
+      <p:pic>
+        <p:nvPicPr>
+          <p:cNvPr id="96" name="" descr=""/>
+          <p:cNvPicPr/>
+          <p:nvPr/>
+        </p:nvPicPr>
+        <p:blipFill>
+          <a:blip r:embed="rId2">
+            <a:lum bright="2000"/>
+          </a:blip>
+          <a:stretch/>
+        </p:blipFill>
+        <p:spPr>
+          <a:xfrm>
+            <a:off x="1296000" y="1514880"/>
+            <a:ext cx="7953120" cy="5089680"/>
           </a:xfrm>
           <a:prstGeom prst="rect">
             <a:avLst/>
@@ -5021,14 +4492,14 @@
       </p:grpSpPr>
       <p:sp>
         <p:nvSpPr>
-          <p:cNvPr id="102" name="TextShape 1"/>
-          <p:cNvSpPr txBox="1"/>
+          <p:cNvPr id="97" name="CustomShape 1"/>
+          <p:cNvSpPr/>
           <p:nvPr/>
         </p:nvSpPr>
         <p:spPr>
           <a:xfrm>
             <a:off x="838080" y="365040"/>
-            <a:ext cx="10515240" cy="1325160"/>
+            <a:ext cx="10514880" cy="1324800"/>
           </a:xfrm>
           <a:prstGeom prst="rect">
             <a:avLst/>
@@ -5038,8 +4509,14 @@
             <a:noFill/>
           </a:ln>
         </p:spPr>
-        <p:txBody>
-          <a:bodyPr anchor="ctr">
+        <p:style>
+          <a:lnRef idx="0"/>
+          <a:fillRef idx="0"/>
+          <a:effectRef idx="0"/>
+          <a:fontRef idx="minor"/>
+        </p:style>
+        <p:txBody>
+          <a:bodyPr lIns="90000" rIns="90000" tIns="45000" bIns="45000" anchor="ctr">
             <a:noAutofit/>
           </a:bodyPr>
           <a:p>
@@ -5058,24 +4535,21 @@
               <a:t>Création de contenus pour le Twitter</a:t>
             </a:r>
             <a:endParaRPr b="0" lang="fr-FR" sz="4400" spc="-1" strike="noStrike">
-              <a:solidFill>
-                <a:srgbClr val="000000"/>
-              </a:solidFill>
-              <a:latin typeface="Calibri"/>
-            </a:endParaRPr>
-          </a:p>
-        </p:txBody>
-      </p:sp>
-      <p:sp>
-        <p:nvSpPr>
-          <p:cNvPr id="103" name="TextShape 2"/>
-          <p:cNvSpPr txBox="1"/>
+              <a:latin typeface="Arial"/>
+            </a:endParaRPr>
+          </a:p>
+        </p:txBody>
+      </p:sp>
+      <p:sp>
+        <p:nvSpPr>
+          <p:cNvPr id="98" name="CustomShape 2"/>
+          <p:cNvSpPr/>
           <p:nvPr/>
         </p:nvSpPr>
         <p:spPr>
           <a:xfrm>
             <a:off x="838080" y="1825560"/>
-            <a:ext cx="10515240" cy="4350960"/>
+            <a:ext cx="10514880" cy="4350600"/>
           </a:xfrm>
           <a:prstGeom prst="rect">
             <a:avLst/>
@@ -5085,23 +4559,16 @@
             <a:noFill/>
           </a:ln>
         </p:spPr>
-        <p:txBody>
-          <a:bodyPr>
-            <a:noAutofit/>
-          </a:bodyPr>
-          <a:p>
-            <a:endParaRPr b="0" lang="fr-FR" sz="2800" spc="-1" strike="noStrike">
-              <a:solidFill>
-                <a:srgbClr val="000000"/>
-              </a:solidFill>
-              <a:latin typeface="Calibri"/>
-            </a:endParaRPr>
-          </a:p>
-        </p:txBody>
+        <p:style>
+          <a:lnRef idx="0"/>
+          <a:fillRef idx="0"/>
+          <a:effectRef idx="0"/>
+          <a:fontRef idx="minor"/>
+        </p:style>
       </p:sp>
       <p:pic>
         <p:nvPicPr>
-          <p:cNvPr id="104" name="Image 4" descr=""/>
+          <p:cNvPr id="99" name="Image 4" descr=""/>
           <p:cNvPicPr/>
           <p:nvPr/>
         </p:nvPicPr>
@@ -5112,7 +4579,7 @@
         <p:spPr>
           <a:xfrm>
             <a:off x="11011680" y="15840"/>
-            <a:ext cx="1017720" cy="1011600"/>
+            <a:ext cx="1017360" cy="1011240"/>
           </a:xfrm>
           <a:prstGeom prst="rect">
             <a:avLst/>
@@ -5154,14 +4621,14 @@
       </p:grpSpPr>
       <p:sp>
         <p:nvSpPr>
-          <p:cNvPr id="105" name="TextShape 1"/>
-          <p:cNvSpPr txBox="1"/>
+          <p:cNvPr id="100" name="CustomShape 1"/>
+          <p:cNvSpPr/>
           <p:nvPr/>
         </p:nvSpPr>
         <p:spPr>
           <a:xfrm>
             <a:off x="838080" y="365040"/>
-            <a:ext cx="10515240" cy="1325160"/>
+            <a:ext cx="10514880" cy="1324800"/>
           </a:xfrm>
           <a:prstGeom prst="rect">
             <a:avLst/>
@@ -5171,8 +4638,14 @@
             <a:noFill/>
           </a:ln>
         </p:spPr>
-        <p:txBody>
-          <a:bodyPr anchor="ctr">
+        <p:style>
+          <a:lnRef idx="0"/>
+          <a:fillRef idx="0"/>
+          <a:effectRef idx="0"/>
+          <a:fontRef idx="minor"/>
+        </p:style>
+        <p:txBody>
+          <a:bodyPr lIns="90000" rIns="90000" tIns="45000" bIns="45000" anchor="ctr">
             <a:noAutofit/>
           </a:bodyPr>
           <a:p>
@@ -5191,24 +4664,21 @@
               <a:t>Création de contenus pour le jeu FS Pursuit </a:t>
             </a:r>
             <a:endParaRPr b="0" lang="fr-FR" sz="4400" spc="-1" strike="noStrike">
-              <a:solidFill>
-                <a:srgbClr val="000000"/>
-              </a:solidFill>
-              <a:latin typeface="Calibri"/>
-            </a:endParaRPr>
-          </a:p>
-        </p:txBody>
-      </p:sp>
-      <p:sp>
-        <p:nvSpPr>
-          <p:cNvPr id="106" name="TextShape 2"/>
-          <p:cNvSpPr txBox="1"/>
+              <a:latin typeface="Arial"/>
+            </a:endParaRPr>
+          </a:p>
+        </p:txBody>
+      </p:sp>
+      <p:sp>
+        <p:nvSpPr>
+          <p:cNvPr id="101" name="CustomShape 2"/>
+          <p:cNvSpPr/>
           <p:nvPr/>
         </p:nvSpPr>
         <p:spPr>
           <a:xfrm>
             <a:off x="838080" y="1825560"/>
-            <a:ext cx="10515240" cy="4350960"/>
+            <a:ext cx="10514880" cy="4350600"/>
           </a:xfrm>
           <a:prstGeom prst="rect">
             <a:avLst/>
@@ -5218,23 +4688,16 @@
             <a:noFill/>
           </a:ln>
         </p:spPr>
-        <p:txBody>
-          <a:bodyPr>
-            <a:noAutofit/>
-          </a:bodyPr>
-          <a:p>
-            <a:endParaRPr b="0" lang="fr-FR" sz="2800" spc="-1" strike="noStrike">
-              <a:solidFill>
-                <a:srgbClr val="000000"/>
-              </a:solidFill>
-              <a:latin typeface="Calibri"/>
-            </a:endParaRPr>
-          </a:p>
-        </p:txBody>
+        <p:style>
+          <a:lnRef idx="0"/>
+          <a:fillRef idx="0"/>
+          <a:effectRef idx="0"/>
+          <a:fontRef idx="minor"/>
+        </p:style>
       </p:sp>
       <p:pic>
         <p:nvPicPr>
-          <p:cNvPr id="107" name="Image 4" descr=""/>
+          <p:cNvPr id="102" name="Image 4" descr=""/>
           <p:cNvPicPr/>
           <p:nvPr/>
         </p:nvPicPr>
@@ -5245,7 +4708,7 @@
         <p:spPr>
           <a:xfrm>
             <a:off x="11075040" y="15840"/>
-            <a:ext cx="1017720" cy="1011600"/>
+            <a:ext cx="1017360" cy="1011240"/>
           </a:xfrm>
           <a:prstGeom prst="rect">
             <a:avLst/>
@@ -5287,14 +4750,14 @@
       </p:grpSpPr>
       <p:sp>
         <p:nvSpPr>
-          <p:cNvPr id="108" name="TextShape 1"/>
-          <p:cNvSpPr txBox="1"/>
+          <p:cNvPr id="103" name="CustomShape 1"/>
+          <p:cNvSpPr/>
           <p:nvPr/>
         </p:nvSpPr>
         <p:spPr>
           <a:xfrm>
             <a:off x="838080" y="365040"/>
-            <a:ext cx="10515240" cy="1325160"/>
+            <a:ext cx="10514880" cy="1324800"/>
           </a:xfrm>
           <a:prstGeom prst="rect">
             <a:avLst/>
@@ -5304,8 +4767,14 @@
             <a:noFill/>
           </a:ln>
         </p:spPr>
-        <p:txBody>
-          <a:bodyPr anchor="ctr">
+        <p:style>
+          <a:lnRef idx="0"/>
+          <a:fillRef idx="0"/>
+          <a:effectRef idx="0"/>
+          <a:fontRef idx="minor"/>
+        </p:style>
+        <p:txBody>
+          <a:bodyPr lIns="90000" rIns="90000" tIns="45000" bIns="45000" anchor="ctr">
             <a:noAutofit/>
           </a:bodyPr>
           <a:p>
@@ -5324,24 +4793,21 @@
               <a:t>Création d’un FAQ ( les problèmes fréquemment rencontrés par les utilisateurs)</a:t>
             </a:r>
             <a:endParaRPr b="0" lang="fr-FR" sz="4400" spc="-1" strike="noStrike">
-              <a:solidFill>
-                <a:srgbClr val="000000"/>
-              </a:solidFill>
-              <a:latin typeface="Calibri"/>
-            </a:endParaRPr>
-          </a:p>
-        </p:txBody>
-      </p:sp>
-      <p:sp>
-        <p:nvSpPr>
-          <p:cNvPr id="109" name="TextShape 2"/>
-          <p:cNvSpPr txBox="1"/>
+              <a:latin typeface="Arial"/>
+            </a:endParaRPr>
+          </a:p>
+        </p:txBody>
+      </p:sp>
+      <p:sp>
+        <p:nvSpPr>
+          <p:cNvPr id="104" name="CustomShape 2"/>
+          <p:cNvSpPr/>
           <p:nvPr/>
         </p:nvSpPr>
         <p:spPr>
           <a:xfrm>
             <a:off x="838080" y="1825560"/>
-            <a:ext cx="10515240" cy="4350960"/>
+            <a:ext cx="10514880" cy="4350600"/>
           </a:xfrm>
           <a:prstGeom prst="rect">
             <a:avLst/>
@@ -5351,23 +4817,16 @@
             <a:noFill/>
           </a:ln>
         </p:spPr>
-        <p:txBody>
-          <a:bodyPr>
-            <a:noAutofit/>
-          </a:bodyPr>
-          <a:p>
-            <a:endParaRPr b="0" lang="fr-FR" sz="2800" spc="-1" strike="noStrike">
-              <a:solidFill>
-                <a:srgbClr val="000000"/>
-              </a:solidFill>
-              <a:latin typeface="Calibri"/>
-            </a:endParaRPr>
-          </a:p>
-        </p:txBody>
+        <p:style>
+          <a:lnRef idx="0"/>
+          <a:fillRef idx="0"/>
+          <a:effectRef idx="0"/>
+          <a:fontRef idx="minor"/>
+        </p:style>
       </p:sp>
       <p:pic>
         <p:nvPicPr>
-          <p:cNvPr id="110" name="Image 4" descr=""/>
+          <p:cNvPr id="105" name="Image 4" descr=""/>
           <p:cNvPicPr/>
           <p:nvPr/>
         </p:nvPicPr>
@@ -5378,7 +4837,7 @@
         <p:spPr>
           <a:xfrm>
             <a:off x="11075040" y="15840"/>
-            <a:ext cx="1017720" cy="1011600"/>
+            <a:ext cx="1017360" cy="1011240"/>
           </a:xfrm>
           <a:prstGeom prst="rect">
             <a:avLst/>

--- a/GIT-moi-tout.pptx
+++ b/GIT-moi-tout.pptx
@@ -15,7 +15,7 @@
     <p:sldId id="262" r:id="rId10"/>
   </p:sldIdLst>
   <p:sldSz cx="12192000" cy="6858000"/>
-  <p:notesSz cx="7772400" cy="10058400"/>
+  <p:notesSz cx="7559675" cy="10691812"/>
 </p:presentation>
 </file>
 
@@ -60,7 +60,7 @@
       </p:grpSpPr>
       <p:sp>
         <p:nvSpPr>
-          <p:cNvPr id="26" name="PlaceHolder 1"/>
+          <p:cNvPr id="23" name="PlaceHolder 1"/>
           <p:cNvSpPr>
             <a:spLocks noGrp="1"/>
           </p:cNvSpPr>
@@ -70,8 +70,8 @@
         </p:nvSpPr>
         <p:spPr>
           <a:xfrm>
-            <a:off x="838080" y="365040"/>
-            <a:ext cx="10515240" cy="1325160"/>
+            <a:off x="609480" y="273600"/>
+            <a:ext cx="10972440" cy="1144800"/>
           </a:xfrm>
           <a:prstGeom prst="rect">
             <a:avLst/>
@@ -82,18 +82,16 @@
             <a:spAutoFit/>
           </a:bodyPr>
           <a:p>
-            <a:endParaRPr b="0" lang="fr-FR" sz="1800" spc="-1" strike="noStrike">
-              <a:solidFill>
-                <a:srgbClr val="000000"/>
-              </a:solidFill>
-              <a:latin typeface="Calibri"/>
-            </a:endParaRPr>
-          </a:p>
-        </p:txBody>
-      </p:sp>
-      <p:sp>
-        <p:nvSpPr>
-          <p:cNvPr id="27" name="PlaceHolder 2"/>
+            <a:pPr algn="ctr"/>
+            <a:endParaRPr b="0" lang="fr-FR" sz="4400" spc="-1" strike="noStrike">
+              <a:latin typeface="Arial"/>
+            </a:endParaRPr>
+          </a:p>
+        </p:txBody>
+      </p:sp>
+      <p:sp>
+        <p:nvSpPr>
+          <p:cNvPr id="24" name="PlaceHolder 2"/>
           <p:cNvSpPr>
             <a:spLocks noGrp="1"/>
           </p:cNvSpPr>
@@ -103,8 +101,8 @@
         </p:nvSpPr>
         <p:spPr>
           <a:xfrm>
-            <a:off x="838080" y="1825560"/>
-            <a:ext cx="10515240" cy="2075040"/>
+            <a:off x="609480" y="1604520"/>
+            <a:ext cx="10972440" cy="1896840"/>
           </a:xfrm>
           <a:prstGeom prst="rect">
             <a:avLst/>
@@ -115,18 +113,15 @@
             <a:normAutofit/>
           </a:bodyPr>
           <a:p>
-            <a:endParaRPr b="0" lang="fr-FR" sz="2800" spc="-1" strike="noStrike">
-              <a:solidFill>
-                <a:srgbClr val="000000"/>
-              </a:solidFill>
-              <a:latin typeface="Calibri"/>
-            </a:endParaRPr>
-          </a:p>
-        </p:txBody>
-      </p:sp>
-      <p:sp>
-        <p:nvSpPr>
-          <p:cNvPr id="28" name="PlaceHolder 3"/>
+            <a:endParaRPr b="0" lang="fr-FR" sz="3200" spc="-1" strike="noStrike">
+              <a:latin typeface="Arial"/>
+            </a:endParaRPr>
+          </a:p>
+        </p:txBody>
+      </p:sp>
+      <p:sp>
+        <p:nvSpPr>
+          <p:cNvPr id="25" name="PlaceHolder 3"/>
           <p:cNvSpPr>
             <a:spLocks noGrp="1"/>
           </p:cNvSpPr>
@@ -136,8 +131,8 @@
         </p:nvSpPr>
         <p:spPr>
           <a:xfrm>
-            <a:off x="838080" y="4098240"/>
-            <a:ext cx="10515240" cy="2075040"/>
+            <a:off x="609480" y="3682080"/>
+            <a:ext cx="10972440" cy="1896840"/>
           </a:xfrm>
           <a:prstGeom prst="rect">
             <a:avLst/>
@@ -148,11 +143,8 @@
             <a:normAutofit/>
           </a:bodyPr>
           <a:p>
-            <a:endParaRPr b="0" lang="fr-FR" sz="2800" spc="-1" strike="noStrike">
-              <a:solidFill>
-                <a:srgbClr val="000000"/>
-              </a:solidFill>
-              <a:latin typeface="Calibri"/>
+            <a:endParaRPr b="0" lang="fr-FR" sz="3200" spc="-1" strike="noStrike">
+              <a:latin typeface="Arial"/>
             </a:endParaRPr>
           </a:p>
         </p:txBody>
@@ -181,7 +173,7 @@
       </p:grpSpPr>
       <p:sp>
         <p:nvSpPr>
-          <p:cNvPr id="29" name="PlaceHolder 1"/>
+          <p:cNvPr id="26" name="PlaceHolder 1"/>
           <p:cNvSpPr>
             <a:spLocks noGrp="1"/>
           </p:cNvSpPr>
@@ -191,8 +183,8 @@
         </p:nvSpPr>
         <p:spPr>
           <a:xfrm>
-            <a:off x="838080" y="365040"/>
-            <a:ext cx="10515240" cy="1325160"/>
+            <a:off x="609480" y="273600"/>
+            <a:ext cx="10972440" cy="1144800"/>
           </a:xfrm>
           <a:prstGeom prst="rect">
             <a:avLst/>
@@ -203,18 +195,16 @@
             <a:spAutoFit/>
           </a:bodyPr>
           <a:p>
-            <a:endParaRPr b="0" lang="fr-FR" sz="1800" spc="-1" strike="noStrike">
-              <a:solidFill>
-                <a:srgbClr val="000000"/>
-              </a:solidFill>
-              <a:latin typeface="Calibri"/>
-            </a:endParaRPr>
-          </a:p>
-        </p:txBody>
-      </p:sp>
-      <p:sp>
-        <p:nvSpPr>
-          <p:cNvPr id="30" name="PlaceHolder 2"/>
+            <a:pPr algn="ctr"/>
+            <a:endParaRPr b="0" lang="fr-FR" sz="4400" spc="-1" strike="noStrike">
+              <a:latin typeface="Arial"/>
+            </a:endParaRPr>
+          </a:p>
+        </p:txBody>
+      </p:sp>
+      <p:sp>
+        <p:nvSpPr>
+          <p:cNvPr id="27" name="PlaceHolder 2"/>
           <p:cNvSpPr>
             <a:spLocks noGrp="1"/>
           </p:cNvSpPr>
@@ -224,8 +214,8 @@
         </p:nvSpPr>
         <p:spPr>
           <a:xfrm>
-            <a:off x="838080" y="1825560"/>
-            <a:ext cx="5131080" cy="2075040"/>
+            <a:off x="609480" y="1604520"/>
+            <a:ext cx="5354280" cy="1896840"/>
           </a:xfrm>
           <a:prstGeom prst="rect">
             <a:avLst/>
@@ -236,18 +226,15 @@
             <a:normAutofit/>
           </a:bodyPr>
           <a:p>
-            <a:endParaRPr b="0" lang="fr-FR" sz="2800" spc="-1" strike="noStrike">
-              <a:solidFill>
-                <a:srgbClr val="000000"/>
-              </a:solidFill>
-              <a:latin typeface="Calibri"/>
-            </a:endParaRPr>
-          </a:p>
-        </p:txBody>
-      </p:sp>
-      <p:sp>
-        <p:nvSpPr>
-          <p:cNvPr id="31" name="PlaceHolder 3"/>
+            <a:endParaRPr b="0" lang="fr-FR" sz="3200" spc="-1" strike="noStrike">
+              <a:latin typeface="Arial"/>
+            </a:endParaRPr>
+          </a:p>
+        </p:txBody>
+      </p:sp>
+      <p:sp>
+        <p:nvSpPr>
+          <p:cNvPr id="28" name="PlaceHolder 3"/>
           <p:cNvSpPr>
             <a:spLocks noGrp="1"/>
           </p:cNvSpPr>
@@ -257,8 +244,8 @@
         </p:nvSpPr>
         <p:spPr>
           <a:xfrm>
-            <a:off x="6226200" y="1825560"/>
-            <a:ext cx="5131080" cy="2075040"/>
+            <a:off x="6231960" y="1604520"/>
+            <a:ext cx="5354280" cy="1896840"/>
           </a:xfrm>
           <a:prstGeom prst="rect">
             <a:avLst/>
@@ -269,18 +256,15 @@
             <a:normAutofit/>
           </a:bodyPr>
           <a:p>
-            <a:endParaRPr b="0" lang="fr-FR" sz="2800" spc="-1" strike="noStrike">
-              <a:solidFill>
-                <a:srgbClr val="000000"/>
-              </a:solidFill>
-              <a:latin typeface="Calibri"/>
-            </a:endParaRPr>
-          </a:p>
-        </p:txBody>
-      </p:sp>
-      <p:sp>
-        <p:nvSpPr>
-          <p:cNvPr id="32" name="PlaceHolder 4"/>
+            <a:endParaRPr b="0" lang="fr-FR" sz="3200" spc="-1" strike="noStrike">
+              <a:latin typeface="Arial"/>
+            </a:endParaRPr>
+          </a:p>
+        </p:txBody>
+      </p:sp>
+      <p:sp>
+        <p:nvSpPr>
+          <p:cNvPr id="29" name="PlaceHolder 4"/>
           <p:cNvSpPr>
             <a:spLocks noGrp="1"/>
           </p:cNvSpPr>
@@ -290,8 +274,8 @@
         </p:nvSpPr>
         <p:spPr>
           <a:xfrm>
-            <a:off x="838080" y="4098240"/>
-            <a:ext cx="5131080" cy="2075040"/>
+            <a:off x="609480" y="3682080"/>
+            <a:ext cx="5354280" cy="1896840"/>
           </a:xfrm>
           <a:prstGeom prst="rect">
             <a:avLst/>
@@ -302,18 +286,15 @@
             <a:normAutofit/>
           </a:bodyPr>
           <a:p>
-            <a:endParaRPr b="0" lang="fr-FR" sz="2800" spc="-1" strike="noStrike">
-              <a:solidFill>
-                <a:srgbClr val="000000"/>
-              </a:solidFill>
-              <a:latin typeface="Calibri"/>
-            </a:endParaRPr>
-          </a:p>
-        </p:txBody>
-      </p:sp>
-      <p:sp>
-        <p:nvSpPr>
-          <p:cNvPr id="33" name="PlaceHolder 5"/>
+            <a:endParaRPr b="0" lang="fr-FR" sz="3200" spc="-1" strike="noStrike">
+              <a:latin typeface="Arial"/>
+            </a:endParaRPr>
+          </a:p>
+        </p:txBody>
+      </p:sp>
+      <p:sp>
+        <p:nvSpPr>
+          <p:cNvPr id="30" name="PlaceHolder 5"/>
           <p:cNvSpPr>
             <a:spLocks noGrp="1"/>
           </p:cNvSpPr>
@@ -323,8 +304,8 @@
         </p:nvSpPr>
         <p:spPr>
           <a:xfrm>
-            <a:off x="6226200" y="4098240"/>
-            <a:ext cx="5131080" cy="2075040"/>
+            <a:off x="6231960" y="3682080"/>
+            <a:ext cx="5354280" cy="1896840"/>
           </a:xfrm>
           <a:prstGeom prst="rect">
             <a:avLst/>
@@ -335,11 +316,8 @@
             <a:normAutofit/>
           </a:bodyPr>
           <a:p>
-            <a:endParaRPr b="0" lang="fr-FR" sz="2800" spc="-1" strike="noStrike">
-              <a:solidFill>
-                <a:srgbClr val="000000"/>
-              </a:solidFill>
-              <a:latin typeface="Calibri"/>
+            <a:endParaRPr b="0" lang="fr-FR" sz="3200" spc="-1" strike="noStrike">
+              <a:latin typeface="Arial"/>
             </a:endParaRPr>
           </a:p>
         </p:txBody>
@@ -368,7 +346,7 @@
       </p:grpSpPr>
       <p:sp>
         <p:nvSpPr>
-          <p:cNvPr id="34" name="PlaceHolder 1"/>
+          <p:cNvPr id="31" name="PlaceHolder 1"/>
           <p:cNvSpPr>
             <a:spLocks noGrp="1"/>
           </p:cNvSpPr>
@@ -378,8 +356,8 @@
         </p:nvSpPr>
         <p:spPr>
           <a:xfrm>
-            <a:off x="838080" y="365040"/>
-            <a:ext cx="10515240" cy="1325160"/>
+            <a:off x="609480" y="273600"/>
+            <a:ext cx="10972440" cy="1144800"/>
           </a:xfrm>
           <a:prstGeom prst="rect">
             <a:avLst/>
@@ -390,18 +368,16 @@
             <a:spAutoFit/>
           </a:bodyPr>
           <a:p>
-            <a:endParaRPr b="0" lang="fr-FR" sz="1800" spc="-1" strike="noStrike">
-              <a:solidFill>
-                <a:srgbClr val="000000"/>
-              </a:solidFill>
-              <a:latin typeface="Calibri"/>
-            </a:endParaRPr>
-          </a:p>
-        </p:txBody>
-      </p:sp>
-      <p:sp>
-        <p:nvSpPr>
-          <p:cNvPr id="35" name="PlaceHolder 2"/>
+            <a:pPr algn="ctr"/>
+            <a:endParaRPr b="0" lang="fr-FR" sz="4400" spc="-1" strike="noStrike">
+              <a:latin typeface="Arial"/>
+            </a:endParaRPr>
+          </a:p>
+        </p:txBody>
+      </p:sp>
+      <p:sp>
+        <p:nvSpPr>
+          <p:cNvPr id="32" name="PlaceHolder 2"/>
           <p:cNvSpPr>
             <a:spLocks noGrp="1"/>
           </p:cNvSpPr>
@@ -411,8 +387,8 @@
         </p:nvSpPr>
         <p:spPr>
           <a:xfrm>
-            <a:off x="838080" y="1825560"/>
-            <a:ext cx="3385800" cy="2075040"/>
+            <a:off x="609480" y="1604520"/>
+            <a:ext cx="3533040" cy="1896840"/>
           </a:xfrm>
           <a:prstGeom prst="rect">
             <a:avLst/>
@@ -423,18 +399,15 @@
             <a:normAutofit/>
           </a:bodyPr>
           <a:p>
-            <a:endParaRPr b="0" lang="fr-FR" sz="2800" spc="-1" strike="noStrike">
-              <a:solidFill>
-                <a:srgbClr val="000000"/>
-              </a:solidFill>
-              <a:latin typeface="Calibri"/>
-            </a:endParaRPr>
-          </a:p>
-        </p:txBody>
-      </p:sp>
-      <p:sp>
-        <p:nvSpPr>
-          <p:cNvPr id="36" name="PlaceHolder 3"/>
+            <a:endParaRPr b="0" lang="fr-FR" sz="3200" spc="-1" strike="noStrike">
+              <a:latin typeface="Arial"/>
+            </a:endParaRPr>
+          </a:p>
+        </p:txBody>
+      </p:sp>
+      <p:sp>
+        <p:nvSpPr>
+          <p:cNvPr id="33" name="PlaceHolder 3"/>
           <p:cNvSpPr>
             <a:spLocks noGrp="1"/>
           </p:cNvSpPr>
@@ -444,8 +417,8 @@
         </p:nvSpPr>
         <p:spPr>
           <a:xfrm>
-            <a:off x="4393440" y="1825560"/>
-            <a:ext cx="3385800" cy="2075040"/>
+            <a:off x="4319640" y="1604520"/>
+            <a:ext cx="3533040" cy="1896840"/>
           </a:xfrm>
           <a:prstGeom prst="rect">
             <a:avLst/>
@@ -456,18 +429,15 @@
             <a:normAutofit/>
           </a:bodyPr>
           <a:p>
-            <a:endParaRPr b="0" lang="fr-FR" sz="2800" spc="-1" strike="noStrike">
-              <a:solidFill>
-                <a:srgbClr val="000000"/>
-              </a:solidFill>
-              <a:latin typeface="Calibri"/>
-            </a:endParaRPr>
-          </a:p>
-        </p:txBody>
-      </p:sp>
-      <p:sp>
-        <p:nvSpPr>
-          <p:cNvPr id="37" name="PlaceHolder 4"/>
+            <a:endParaRPr b="0" lang="fr-FR" sz="3200" spc="-1" strike="noStrike">
+              <a:latin typeface="Arial"/>
+            </a:endParaRPr>
+          </a:p>
+        </p:txBody>
+      </p:sp>
+      <p:sp>
+        <p:nvSpPr>
+          <p:cNvPr id="34" name="PlaceHolder 4"/>
           <p:cNvSpPr>
             <a:spLocks noGrp="1"/>
           </p:cNvSpPr>
@@ -477,8 +447,8 @@
         </p:nvSpPr>
         <p:spPr>
           <a:xfrm>
-            <a:off x="7949160" y="1825560"/>
-            <a:ext cx="3385800" cy="2075040"/>
+            <a:off x="8029800" y="1604520"/>
+            <a:ext cx="3533040" cy="1896840"/>
           </a:xfrm>
           <a:prstGeom prst="rect">
             <a:avLst/>
@@ -489,18 +459,15 @@
             <a:normAutofit/>
           </a:bodyPr>
           <a:p>
-            <a:endParaRPr b="0" lang="fr-FR" sz="2800" spc="-1" strike="noStrike">
-              <a:solidFill>
-                <a:srgbClr val="000000"/>
-              </a:solidFill>
-              <a:latin typeface="Calibri"/>
-            </a:endParaRPr>
-          </a:p>
-        </p:txBody>
-      </p:sp>
-      <p:sp>
-        <p:nvSpPr>
-          <p:cNvPr id="38" name="PlaceHolder 5"/>
+            <a:endParaRPr b="0" lang="fr-FR" sz="3200" spc="-1" strike="noStrike">
+              <a:latin typeface="Arial"/>
+            </a:endParaRPr>
+          </a:p>
+        </p:txBody>
+      </p:sp>
+      <p:sp>
+        <p:nvSpPr>
+          <p:cNvPr id="35" name="PlaceHolder 5"/>
           <p:cNvSpPr>
             <a:spLocks noGrp="1"/>
           </p:cNvSpPr>
@@ -510,8 +477,8 @@
         </p:nvSpPr>
         <p:spPr>
           <a:xfrm>
-            <a:off x="838080" y="4098240"/>
-            <a:ext cx="3385800" cy="2075040"/>
+            <a:off x="609480" y="3682080"/>
+            <a:ext cx="3533040" cy="1896840"/>
           </a:xfrm>
           <a:prstGeom prst="rect">
             <a:avLst/>
@@ -522,18 +489,15 @@
             <a:normAutofit/>
           </a:bodyPr>
           <a:p>
-            <a:endParaRPr b="0" lang="fr-FR" sz="2800" spc="-1" strike="noStrike">
-              <a:solidFill>
-                <a:srgbClr val="000000"/>
-              </a:solidFill>
-              <a:latin typeface="Calibri"/>
-            </a:endParaRPr>
-          </a:p>
-        </p:txBody>
-      </p:sp>
-      <p:sp>
-        <p:nvSpPr>
-          <p:cNvPr id="39" name="PlaceHolder 6"/>
+            <a:endParaRPr b="0" lang="fr-FR" sz="3200" spc="-1" strike="noStrike">
+              <a:latin typeface="Arial"/>
+            </a:endParaRPr>
+          </a:p>
+        </p:txBody>
+      </p:sp>
+      <p:sp>
+        <p:nvSpPr>
+          <p:cNvPr id="36" name="PlaceHolder 6"/>
           <p:cNvSpPr>
             <a:spLocks noGrp="1"/>
           </p:cNvSpPr>
@@ -543,8 +507,8 @@
         </p:nvSpPr>
         <p:spPr>
           <a:xfrm>
-            <a:off x="4393440" y="4098240"/>
-            <a:ext cx="3385800" cy="2075040"/>
+            <a:off x="4319640" y="3682080"/>
+            <a:ext cx="3533040" cy="1896840"/>
           </a:xfrm>
           <a:prstGeom prst="rect">
             <a:avLst/>
@@ -555,18 +519,15 @@
             <a:normAutofit/>
           </a:bodyPr>
           <a:p>
-            <a:endParaRPr b="0" lang="fr-FR" sz="2800" spc="-1" strike="noStrike">
-              <a:solidFill>
-                <a:srgbClr val="000000"/>
-              </a:solidFill>
-              <a:latin typeface="Calibri"/>
-            </a:endParaRPr>
-          </a:p>
-        </p:txBody>
-      </p:sp>
-      <p:sp>
-        <p:nvSpPr>
-          <p:cNvPr id="40" name="PlaceHolder 7"/>
+            <a:endParaRPr b="0" lang="fr-FR" sz="3200" spc="-1" strike="noStrike">
+              <a:latin typeface="Arial"/>
+            </a:endParaRPr>
+          </a:p>
+        </p:txBody>
+      </p:sp>
+      <p:sp>
+        <p:nvSpPr>
+          <p:cNvPr id="37" name="PlaceHolder 7"/>
           <p:cNvSpPr>
             <a:spLocks noGrp="1"/>
           </p:cNvSpPr>
@@ -576,8 +537,8 @@
         </p:nvSpPr>
         <p:spPr>
           <a:xfrm>
-            <a:off x="7949160" y="4098240"/>
-            <a:ext cx="3385800" cy="2075040"/>
+            <a:off x="8029800" y="3682080"/>
+            <a:ext cx="3533040" cy="1896840"/>
           </a:xfrm>
           <a:prstGeom prst="rect">
             <a:avLst/>
@@ -588,11 +549,8 @@
             <a:normAutofit/>
           </a:bodyPr>
           <a:p>
-            <a:endParaRPr b="0" lang="fr-FR" sz="2800" spc="-1" strike="noStrike">
-              <a:solidFill>
-                <a:srgbClr val="000000"/>
-              </a:solidFill>
-              <a:latin typeface="Calibri"/>
+            <a:endParaRPr b="0" lang="fr-FR" sz="3200" spc="-1" strike="noStrike">
+              <a:latin typeface="Arial"/>
             </a:endParaRPr>
           </a:p>
         </p:txBody>
@@ -643,7 +601,7 @@
       </p:grpSpPr>
       <p:sp>
         <p:nvSpPr>
-          <p:cNvPr id="46" name="PlaceHolder 1"/>
+          <p:cNvPr id="40" name="PlaceHolder 1"/>
           <p:cNvSpPr>
             <a:spLocks noGrp="1"/>
           </p:cNvSpPr>
@@ -653,8 +611,8 @@
         </p:nvSpPr>
         <p:spPr>
           <a:xfrm>
-            <a:off x="838080" y="365040"/>
-            <a:ext cx="10515240" cy="1325160"/>
+            <a:off x="609480" y="273600"/>
+            <a:ext cx="10972440" cy="1144800"/>
           </a:xfrm>
           <a:prstGeom prst="rect">
             <a:avLst/>
@@ -665,18 +623,16 @@
             <a:spAutoFit/>
           </a:bodyPr>
           <a:p>
-            <a:endParaRPr b="0" lang="fr-FR" sz="1800" spc="-1" strike="noStrike">
-              <a:solidFill>
-                <a:srgbClr val="000000"/>
-              </a:solidFill>
-              <a:latin typeface="Calibri"/>
-            </a:endParaRPr>
-          </a:p>
-        </p:txBody>
-      </p:sp>
-      <p:sp>
-        <p:nvSpPr>
-          <p:cNvPr id="47" name="PlaceHolder 2"/>
+            <a:pPr algn="ctr"/>
+            <a:endParaRPr b="0" lang="fr-FR" sz="4400" spc="-1" strike="noStrike">
+              <a:latin typeface="Arial"/>
+            </a:endParaRPr>
+          </a:p>
+        </p:txBody>
+      </p:sp>
+      <p:sp>
+        <p:nvSpPr>
+          <p:cNvPr id="41" name="PlaceHolder 2"/>
           <p:cNvSpPr>
             <a:spLocks noGrp="1"/>
           </p:cNvSpPr>
@@ -686,8 +642,8 @@
         </p:nvSpPr>
         <p:spPr>
           <a:xfrm>
-            <a:off x="838080" y="1825560"/>
-            <a:ext cx="10515240" cy="4350960"/>
+            <a:off x="609480" y="1604520"/>
+            <a:ext cx="10972440" cy="3977280"/>
           </a:xfrm>
           <a:prstGeom prst="rect">
             <a:avLst/>
@@ -729,7 +685,7 @@
       </p:grpSpPr>
       <p:sp>
         <p:nvSpPr>
-          <p:cNvPr id="48" name="PlaceHolder 1"/>
+          <p:cNvPr id="42" name="PlaceHolder 1"/>
           <p:cNvSpPr>
             <a:spLocks noGrp="1"/>
           </p:cNvSpPr>
@@ -739,8 +695,8 @@
         </p:nvSpPr>
         <p:spPr>
           <a:xfrm>
-            <a:off x="838080" y="365040"/>
-            <a:ext cx="10515240" cy="1325160"/>
+            <a:off x="609480" y="273600"/>
+            <a:ext cx="10972440" cy="1144800"/>
           </a:xfrm>
           <a:prstGeom prst="rect">
             <a:avLst/>
@@ -751,18 +707,16 @@
             <a:spAutoFit/>
           </a:bodyPr>
           <a:p>
-            <a:endParaRPr b="0" lang="fr-FR" sz="1800" spc="-1" strike="noStrike">
-              <a:solidFill>
-                <a:srgbClr val="000000"/>
-              </a:solidFill>
-              <a:latin typeface="Calibri"/>
-            </a:endParaRPr>
-          </a:p>
-        </p:txBody>
-      </p:sp>
-      <p:sp>
-        <p:nvSpPr>
-          <p:cNvPr id="49" name="PlaceHolder 2"/>
+            <a:pPr algn="ctr"/>
+            <a:endParaRPr b="0" lang="fr-FR" sz="4400" spc="-1" strike="noStrike">
+              <a:latin typeface="Arial"/>
+            </a:endParaRPr>
+          </a:p>
+        </p:txBody>
+      </p:sp>
+      <p:sp>
+        <p:nvSpPr>
+          <p:cNvPr id="43" name="PlaceHolder 2"/>
           <p:cNvSpPr>
             <a:spLocks noGrp="1"/>
           </p:cNvSpPr>
@@ -772,8 +726,8 @@
         </p:nvSpPr>
         <p:spPr>
           <a:xfrm>
-            <a:off x="838080" y="1825560"/>
-            <a:ext cx="10515240" cy="4350960"/>
+            <a:off x="609480" y="1604520"/>
+            <a:ext cx="10972440" cy="3977280"/>
           </a:xfrm>
           <a:prstGeom prst="rect">
             <a:avLst/>
@@ -784,11 +738,8 @@
             <a:normAutofit/>
           </a:bodyPr>
           <a:p>
-            <a:endParaRPr b="0" lang="fr-FR" sz="2800" spc="-1" strike="noStrike">
-              <a:solidFill>
-                <a:srgbClr val="000000"/>
-              </a:solidFill>
-              <a:latin typeface="Calibri"/>
+            <a:endParaRPr b="0" lang="fr-FR" sz="3200" spc="-1" strike="noStrike">
+              <a:latin typeface="Arial"/>
             </a:endParaRPr>
           </a:p>
         </p:txBody>
@@ -817,7 +768,7 @@
       </p:grpSpPr>
       <p:sp>
         <p:nvSpPr>
-          <p:cNvPr id="50" name="PlaceHolder 1"/>
+          <p:cNvPr id="44" name="PlaceHolder 1"/>
           <p:cNvSpPr>
             <a:spLocks noGrp="1"/>
           </p:cNvSpPr>
@@ -827,8 +778,8 @@
         </p:nvSpPr>
         <p:spPr>
           <a:xfrm>
-            <a:off x="838080" y="365040"/>
-            <a:ext cx="10515240" cy="1325160"/>
+            <a:off x="609480" y="273600"/>
+            <a:ext cx="10972440" cy="1144800"/>
           </a:xfrm>
           <a:prstGeom prst="rect">
             <a:avLst/>
@@ -839,18 +790,16 @@
             <a:spAutoFit/>
           </a:bodyPr>
           <a:p>
-            <a:endParaRPr b="0" lang="fr-FR" sz="1800" spc="-1" strike="noStrike">
-              <a:solidFill>
-                <a:srgbClr val="000000"/>
-              </a:solidFill>
-              <a:latin typeface="Calibri"/>
-            </a:endParaRPr>
-          </a:p>
-        </p:txBody>
-      </p:sp>
-      <p:sp>
-        <p:nvSpPr>
-          <p:cNvPr id="51" name="PlaceHolder 2"/>
+            <a:pPr algn="ctr"/>
+            <a:endParaRPr b="0" lang="fr-FR" sz="4400" spc="-1" strike="noStrike">
+              <a:latin typeface="Arial"/>
+            </a:endParaRPr>
+          </a:p>
+        </p:txBody>
+      </p:sp>
+      <p:sp>
+        <p:nvSpPr>
+          <p:cNvPr id="45" name="PlaceHolder 2"/>
           <p:cNvSpPr>
             <a:spLocks noGrp="1"/>
           </p:cNvSpPr>
@@ -860,8 +809,8 @@
         </p:nvSpPr>
         <p:spPr>
           <a:xfrm>
-            <a:off x="838080" y="1825560"/>
-            <a:ext cx="5131080" cy="4350960"/>
+            <a:off x="609480" y="1604520"/>
+            <a:ext cx="5354280" cy="3977280"/>
           </a:xfrm>
           <a:prstGeom prst="rect">
             <a:avLst/>
@@ -872,18 +821,15 @@
             <a:normAutofit/>
           </a:bodyPr>
           <a:p>
-            <a:endParaRPr b="0" lang="fr-FR" sz="2800" spc="-1" strike="noStrike">
-              <a:solidFill>
-                <a:srgbClr val="000000"/>
-              </a:solidFill>
-              <a:latin typeface="Calibri"/>
-            </a:endParaRPr>
-          </a:p>
-        </p:txBody>
-      </p:sp>
-      <p:sp>
-        <p:nvSpPr>
-          <p:cNvPr id="52" name="PlaceHolder 3"/>
+            <a:endParaRPr b="0" lang="fr-FR" sz="3200" spc="-1" strike="noStrike">
+              <a:latin typeface="Arial"/>
+            </a:endParaRPr>
+          </a:p>
+        </p:txBody>
+      </p:sp>
+      <p:sp>
+        <p:nvSpPr>
+          <p:cNvPr id="46" name="PlaceHolder 3"/>
           <p:cNvSpPr>
             <a:spLocks noGrp="1"/>
           </p:cNvSpPr>
@@ -893,8 +839,8 @@
         </p:nvSpPr>
         <p:spPr>
           <a:xfrm>
-            <a:off x="6226200" y="1825560"/>
-            <a:ext cx="5131080" cy="4350960"/>
+            <a:off x="6231960" y="1604520"/>
+            <a:ext cx="5354280" cy="3977280"/>
           </a:xfrm>
           <a:prstGeom prst="rect">
             <a:avLst/>
@@ -905,11 +851,8 @@
             <a:normAutofit/>
           </a:bodyPr>
           <a:p>
-            <a:endParaRPr b="0" lang="fr-FR" sz="2800" spc="-1" strike="noStrike">
-              <a:solidFill>
-                <a:srgbClr val="000000"/>
-              </a:solidFill>
-              <a:latin typeface="Calibri"/>
+            <a:endParaRPr b="0" lang="fr-FR" sz="3200" spc="-1" strike="noStrike">
+              <a:latin typeface="Arial"/>
             </a:endParaRPr>
           </a:p>
         </p:txBody>
@@ -938,7 +881,7 @@
       </p:grpSpPr>
       <p:sp>
         <p:nvSpPr>
-          <p:cNvPr id="53" name="PlaceHolder 1"/>
+          <p:cNvPr id="47" name="PlaceHolder 1"/>
           <p:cNvSpPr>
             <a:spLocks noGrp="1"/>
           </p:cNvSpPr>
@@ -948,8 +891,8 @@
         </p:nvSpPr>
         <p:spPr>
           <a:xfrm>
-            <a:off x="838080" y="365040"/>
-            <a:ext cx="10515240" cy="1325160"/>
+            <a:off x="609480" y="273600"/>
+            <a:ext cx="10972440" cy="1144800"/>
           </a:xfrm>
           <a:prstGeom prst="rect">
             <a:avLst/>
@@ -960,11 +903,9 @@
             <a:spAutoFit/>
           </a:bodyPr>
           <a:p>
-            <a:endParaRPr b="0" lang="fr-FR" sz="1800" spc="-1" strike="noStrike">
-              <a:solidFill>
-                <a:srgbClr val="000000"/>
-              </a:solidFill>
-              <a:latin typeface="Calibri"/>
+            <a:pPr algn="ctr"/>
+            <a:endParaRPr b="0" lang="fr-FR" sz="4400" spc="-1" strike="noStrike">
+              <a:latin typeface="Arial"/>
             </a:endParaRPr>
           </a:p>
         </p:txBody>
@@ -993,7 +934,7 @@
       </p:grpSpPr>
       <p:sp>
         <p:nvSpPr>
-          <p:cNvPr id="54" name="PlaceHolder 1"/>
+          <p:cNvPr id="48" name="PlaceHolder 1"/>
           <p:cNvSpPr>
             <a:spLocks noGrp="1"/>
           </p:cNvSpPr>
@@ -1003,8 +944,8 @@
         </p:nvSpPr>
         <p:spPr>
           <a:xfrm>
-            <a:off x="838080" y="365040"/>
-            <a:ext cx="10515240" cy="6144120"/>
+            <a:off x="609480" y="273600"/>
+            <a:ext cx="10972440" cy="5307840"/>
           </a:xfrm>
           <a:prstGeom prst="rect">
             <a:avLst/>
@@ -1046,7 +987,7 @@
       </p:grpSpPr>
       <p:sp>
         <p:nvSpPr>
-          <p:cNvPr id="55" name="PlaceHolder 1"/>
+          <p:cNvPr id="49" name="PlaceHolder 1"/>
           <p:cNvSpPr>
             <a:spLocks noGrp="1"/>
           </p:cNvSpPr>
@@ -1056,8 +997,8 @@
         </p:nvSpPr>
         <p:spPr>
           <a:xfrm>
-            <a:off x="838080" y="365040"/>
-            <a:ext cx="10515240" cy="1325160"/>
+            <a:off x="609480" y="273600"/>
+            <a:ext cx="10972440" cy="1144800"/>
           </a:xfrm>
           <a:prstGeom prst="rect">
             <a:avLst/>
@@ -1068,18 +1009,16 @@
             <a:spAutoFit/>
           </a:bodyPr>
           <a:p>
-            <a:endParaRPr b="0" lang="fr-FR" sz="1800" spc="-1" strike="noStrike">
-              <a:solidFill>
-                <a:srgbClr val="000000"/>
-              </a:solidFill>
-              <a:latin typeface="Calibri"/>
-            </a:endParaRPr>
-          </a:p>
-        </p:txBody>
-      </p:sp>
-      <p:sp>
-        <p:nvSpPr>
-          <p:cNvPr id="56" name="PlaceHolder 2"/>
+            <a:pPr algn="ctr"/>
+            <a:endParaRPr b="0" lang="fr-FR" sz="4400" spc="-1" strike="noStrike">
+              <a:latin typeface="Arial"/>
+            </a:endParaRPr>
+          </a:p>
+        </p:txBody>
+      </p:sp>
+      <p:sp>
+        <p:nvSpPr>
+          <p:cNvPr id="50" name="PlaceHolder 2"/>
           <p:cNvSpPr>
             <a:spLocks noGrp="1"/>
           </p:cNvSpPr>
@@ -1089,8 +1028,8 @@
         </p:nvSpPr>
         <p:spPr>
           <a:xfrm>
-            <a:off x="838080" y="1825560"/>
-            <a:ext cx="5131080" cy="2075040"/>
+            <a:off x="609480" y="1604520"/>
+            <a:ext cx="5354280" cy="1896840"/>
           </a:xfrm>
           <a:prstGeom prst="rect">
             <a:avLst/>
@@ -1101,18 +1040,15 @@
             <a:normAutofit/>
           </a:bodyPr>
           <a:p>
-            <a:endParaRPr b="0" lang="fr-FR" sz="2800" spc="-1" strike="noStrike">
-              <a:solidFill>
-                <a:srgbClr val="000000"/>
-              </a:solidFill>
-              <a:latin typeface="Calibri"/>
-            </a:endParaRPr>
-          </a:p>
-        </p:txBody>
-      </p:sp>
-      <p:sp>
-        <p:nvSpPr>
-          <p:cNvPr id="57" name="PlaceHolder 3"/>
+            <a:endParaRPr b="0" lang="fr-FR" sz="3200" spc="-1" strike="noStrike">
+              <a:latin typeface="Arial"/>
+            </a:endParaRPr>
+          </a:p>
+        </p:txBody>
+      </p:sp>
+      <p:sp>
+        <p:nvSpPr>
+          <p:cNvPr id="51" name="PlaceHolder 3"/>
           <p:cNvSpPr>
             <a:spLocks noGrp="1"/>
           </p:cNvSpPr>
@@ -1122,8 +1058,8 @@
         </p:nvSpPr>
         <p:spPr>
           <a:xfrm>
-            <a:off x="6226200" y="1825560"/>
-            <a:ext cx="5131080" cy="4350960"/>
+            <a:off x="6231960" y="1604520"/>
+            <a:ext cx="5354280" cy="3977280"/>
           </a:xfrm>
           <a:prstGeom prst="rect">
             <a:avLst/>
@@ -1134,18 +1070,15 @@
             <a:normAutofit/>
           </a:bodyPr>
           <a:p>
-            <a:endParaRPr b="0" lang="fr-FR" sz="2800" spc="-1" strike="noStrike">
-              <a:solidFill>
-                <a:srgbClr val="000000"/>
-              </a:solidFill>
-              <a:latin typeface="Calibri"/>
-            </a:endParaRPr>
-          </a:p>
-        </p:txBody>
-      </p:sp>
-      <p:sp>
-        <p:nvSpPr>
-          <p:cNvPr id="58" name="PlaceHolder 4"/>
+            <a:endParaRPr b="0" lang="fr-FR" sz="3200" spc="-1" strike="noStrike">
+              <a:latin typeface="Arial"/>
+            </a:endParaRPr>
+          </a:p>
+        </p:txBody>
+      </p:sp>
+      <p:sp>
+        <p:nvSpPr>
+          <p:cNvPr id="52" name="PlaceHolder 4"/>
           <p:cNvSpPr>
             <a:spLocks noGrp="1"/>
           </p:cNvSpPr>
@@ -1155,8 +1088,8 @@
         </p:nvSpPr>
         <p:spPr>
           <a:xfrm>
-            <a:off x="838080" y="4098240"/>
-            <a:ext cx="5131080" cy="2075040"/>
+            <a:off x="609480" y="3682080"/>
+            <a:ext cx="5354280" cy="1896840"/>
           </a:xfrm>
           <a:prstGeom prst="rect">
             <a:avLst/>
@@ -1167,11 +1100,8 @@
             <a:normAutofit/>
           </a:bodyPr>
           <a:p>
-            <a:endParaRPr b="0" lang="fr-FR" sz="2800" spc="-1" strike="noStrike">
-              <a:solidFill>
-                <a:srgbClr val="000000"/>
-              </a:solidFill>
-              <a:latin typeface="Calibri"/>
+            <a:endParaRPr b="0" lang="fr-FR" sz="3200" spc="-1" strike="noStrike">
+              <a:latin typeface="Arial"/>
             </a:endParaRPr>
           </a:p>
         </p:txBody>
@@ -1200,7 +1130,7 @@
       </p:grpSpPr>
       <p:sp>
         <p:nvSpPr>
-          <p:cNvPr id="5" name="PlaceHolder 1"/>
+          <p:cNvPr id="2" name="PlaceHolder 1"/>
           <p:cNvSpPr>
             <a:spLocks noGrp="1"/>
           </p:cNvSpPr>
@@ -1210,8 +1140,8 @@
         </p:nvSpPr>
         <p:spPr>
           <a:xfrm>
-            <a:off x="838080" y="365040"/>
-            <a:ext cx="10515240" cy="1325160"/>
+            <a:off x="609480" y="273600"/>
+            <a:ext cx="10972440" cy="1144800"/>
           </a:xfrm>
           <a:prstGeom prst="rect">
             <a:avLst/>
@@ -1222,18 +1152,16 @@
             <a:spAutoFit/>
           </a:bodyPr>
           <a:p>
-            <a:endParaRPr b="0" lang="fr-FR" sz="1800" spc="-1" strike="noStrike">
-              <a:solidFill>
-                <a:srgbClr val="000000"/>
-              </a:solidFill>
-              <a:latin typeface="Calibri"/>
-            </a:endParaRPr>
-          </a:p>
-        </p:txBody>
-      </p:sp>
-      <p:sp>
-        <p:nvSpPr>
-          <p:cNvPr id="6" name="PlaceHolder 2"/>
+            <a:pPr algn="ctr"/>
+            <a:endParaRPr b="0" lang="fr-FR" sz="4400" spc="-1" strike="noStrike">
+              <a:latin typeface="Arial"/>
+            </a:endParaRPr>
+          </a:p>
+        </p:txBody>
+      </p:sp>
+      <p:sp>
+        <p:nvSpPr>
+          <p:cNvPr id="3" name="PlaceHolder 2"/>
           <p:cNvSpPr>
             <a:spLocks noGrp="1"/>
           </p:cNvSpPr>
@@ -1243,8 +1171,8 @@
         </p:nvSpPr>
         <p:spPr>
           <a:xfrm>
-            <a:off x="838080" y="1825560"/>
-            <a:ext cx="10515240" cy="4350960"/>
+            <a:off x="609480" y="1604520"/>
+            <a:ext cx="10972440" cy="3977280"/>
           </a:xfrm>
           <a:prstGeom prst="rect">
             <a:avLst/>
@@ -1286,7 +1214,7 @@
       </p:grpSpPr>
       <p:sp>
         <p:nvSpPr>
-          <p:cNvPr id="59" name="PlaceHolder 1"/>
+          <p:cNvPr id="53" name="PlaceHolder 1"/>
           <p:cNvSpPr>
             <a:spLocks noGrp="1"/>
           </p:cNvSpPr>
@@ -1296,8 +1224,8 @@
         </p:nvSpPr>
         <p:spPr>
           <a:xfrm>
-            <a:off x="838080" y="365040"/>
-            <a:ext cx="10515240" cy="1325160"/>
+            <a:off x="609480" y="273600"/>
+            <a:ext cx="10972440" cy="1144800"/>
           </a:xfrm>
           <a:prstGeom prst="rect">
             <a:avLst/>
@@ -1308,18 +1236,16 @@
             <a:spAutoFit/>
           </a:bodyPr>
           <a:p>
-            <a:endParaRPr b="0" lang="fr-FR" sz="1800" spc="-1" strike="noStrike">
-              <a:solidFill>
-                <a:srgbClr val="000000"/>
-              </a:solidFill>
-              <a:latin typeface="Calibri"/>
-            </a:endParaRPr>
-          </a:p>
-        </p:txBody>
-      </p:sp>
-      <p:sp>
-        <p:nvSpPr>
-          <p:cNvPr id="60" name="PlaceHolder 2"/>
+            <a:pPr algn="ctr"/>
+            <a:endParaRPr b="0" lang="fr-FR" sz="4400" spc="-1" strike="noStrike">
+              <a:latin typeface="Arial"/>
+            </a:endParaRPr>
+          </a:p>
+        </p:txBody>
+      </p:sp>
+      <p:sp>
+        <p:nvSpPr>
+          <p:cNvPr id="54" name="PlaceHolder 2"/>
           <p:cNvSpPr>
             <a:spLocks noGrp="1"/>
           </p:cNvSpPr>
@@ -1329,8 +1255,8 @@
         </p:nvSpPr>
         <p:spPr>
           <a:xfrm>
-            <a:off x="838080" y="1825560"/>
-            <a:ext cx="5131080" cy="4350960"/>
+            <a:off x="609480" y="1604520"/>
+            <a:ext cx="5354280" cy="3977280"/>
           </a:xfrm>
           <a:prstGeom prst="rect">
             <a:avLst/>
@@ -1341,18 +1267,15 @@
             <a:normAutofit/>
           </a:bodyPr>
           <a:p>
-            <a:endParaRPr b="0" lang="fr-FR" sz="2800" spc="-1" strike="noStrike">
-              <a:solidFill>
-                <a:srgbClr val="000000"/>
-              </a:solidFill>
-              <a:latin typeface="Calibri"/>
-            </a:endParaRPr>
-          </a:p>
-        </p:txBody>
-      </p:sp>
-      <p:sp>
-        <p:nvSpPr>
-          <p:cNvPr id="61" name="PlaceHolder 3"/>
+            <a:endParaRPr b="0" lang="fr-FR" sz="3200" spc="-1" strike="noStrike">
+              <a:latin typeface="Arial"/>
+            </a:endParaRPr>
+          </a:p>
+        </p:txBody>
+      </p:sp>
+      <p:sp>
+        <p:nvSpPr>
+          <p:cNvPr id="55" name="PlaceHolder 3"/>
           <p:cNvSpPr>
             <a:spLocks noGrp="1"/>
           </p:cNvSpPr>
@@ -1362,8 +1285,8 @@
         </p:nvSpPr>
         <p:spPr>
           <a:xfrm>
-            <a:off x="6226200" y="1825560"/>
-            <a:ext cx="5131080" cy="2075040"/>
+            <a:off x="6231960" y="1604520"/>
+            <a:ext cx="5354280" cy="1896840"/>
           </a:xfrm>
           <a:prstGeom prst="rect">
             <a:avLst/>
@@ -1374,18 +1297,15 @@
             <a:normAutofit/>
           </a:bodyPr>
           <a:p>
-            <a:endParaRPr b="0" lang="fr-FR" sz="2800" spc="-1" strike="noStrike">
-              <a:solidFill>
-                <a:srgbClr val="000000"/>
-              </a:solidFill>
-              <a:latin typeface="Calibri"/>
-            </a:endParaRPr>
-          </a:p>
-        </p:txBody>
-      </p:sp>
-      <p:sp>
-        <p:nvSpPr>
-          <p:cNvPr id="62" name="PlaceHolder 4"/>
+            <a:endParaRPr b="0" lang="fr-FR" sz="3200" spc="-1" strike="noStrike">
+              <a:latin typeface="Arial"/>
+            </a:endParaRPr>
+          </a:p>
+        </p:txBody>
+      </p:sp>
+      <p:sp>
+        <p:nvSpPr>
+          <p:cNvPr id="56" name="PlaceHolder 4"/>
           <p:cNvSpPr>
             <a:spLocks noGrp="1"/>
           </p:cNvSpPr>
@@ -1395,8 +1315,8 @@
         </p:nvSpPr>
         <p:spPr>
           <a:xfrm>
-            <a:off x="6226200" y="4098240"/>
-            <a:ext cx="5131080" cy="2075040"/>
+            <a:off x="6231960" y="3682080"/>
+            <a:ext cx="5354280" cy="1896840"/>
           </a:xfrm>
           <a:prstGeom prst="rect">
             <a:avLst/>
@@ -1407,11 +1327,8 @@
             <a:normAutofit/>
           </a:bodyPr>
           <a:p>
-            <a:endParaRPr b="0" lang="fr-FR" sz="2800" spc="-1" strike="noStrike">
-              <a:solidFill>
-                <a:srgbClr val="000000"/>
-              </a:solidFill>
-              <a:latin typeface="Calibri"/>
+            <a:endParaRPr b="0" lang="fr-FR" sz="3200" spc="-1" strike="noStrike">
+              <a:latin typeface="Arial"/>
             </a:endParaRPr>
           </a:p>
         </p:txBody>
@@ -1440,7 +1357,7 @@
       </p:grpSpPr>
       <p:sp>
         <p:nvSpPr>
-          <p:cNvPr id="63" name="PlaceHolder 1"/>
+          <p:cNvPr id="57" name="PlaceHolder 1"/>
           <p:cNvSpPr>
             <a:spLocks noGrp="1"/>
           </p:cNvSpPr>
@@ -1450,8 +1367,8 @@
         </p:nvSpPr>
         <p:spPr>
           <a:xfrm>
-            <a:off x="838080" y="365040"/>
-            <a:ext cx="10515240" cy="1325160"/>
+            <a:off x="609480" y="273600"/>
+            <a:ext cx="10972440" cy="1144800"/>
           </a:xfrm>
           <a:prstGeom prst="rect">
             <a:avLst/>
@@ -1462,18 +1379,16 @@
             <a:spAutoFit/>
           </a:bodyPr>
           <a:p>
-            <a:endParaRPr b="0" lang="fr-FR" sz="1800" spc="-1" strike="noStrike">
-              <a:solidFill>
-                <a:srgbClr val="000000"/>
-              </a:solidFill>
-              <a:latin typeface="Calibri"/>
-            </a:endParaRPr>
-          </a:p>
-        </p:txBody>
-      </p:sp>
-      <p:sp>
-        <p:nvSpPr>
-          <p:cNvPr id="64" name="PlaceHolder 2"/>
+            <a:pPr algn="ctr"/>
+            <a:endParaRPr b="0" lang="fr-FR" sz="4400" spc="-1" strike="noStrike">
+              <a:latin typeface="Arial"/>
+            </a:endParaRPr>
+          </a:p>
+        </p:txBody>
+      </p:sp>
+      <p:sp>
+        <p:nvSpPr>
+          <p:cNvPr id="58" name="PlaceHolder 2"/>
           <p:cNvSpPr>
             <a:spLocks noGrp="1"/>
           </p:cNvSpPr>
@@ -1483,8 +1398,8 @@
         </p:nvSpPr>
         <p:spPr>
           <a:xfrm>
-            <a:off x="838080" y="1825560"/>
-            <a:ext cx="5131080" cy="2075040"/>
+            <a:off x="609480" y="1604520"/>
+            <a:ext cx="5354280" cy="1896840"/>
           </a:xfrm>
           <a:prstGeom prst="rect">
             <a:avLst/>
@@ -1495,18 +1410,15 @@
             <a:normAutofit/>
           </a:bodyPr>
           <a:p>
-            <a:endParaRPr b="0" lang="fr-FR" sz="2800" spc="-1" strike="noStrike">
-              <a:solidFill>
-                <a:srgbClr val="000000"/>
-              </a:solidFill>
-              <a:latin typeface="Calibri"/>
-            </a:endParaRPr>
-          </a:p>
-        </p:txBody>
-      </p:sp>
-      <p:sp>
-        <p:nvSpPr>
-          <p:cNvPr id="65" name="PlaceHolder 3"/>
+            <a:endParaRPr b="0" lang="fr-FR" sz="3200" spc="-1" strike="noStrike">
+              <a:latin typeface="Arial"/>
+            </a:endParaRPr>
+          </a:p>
+        </p:txBody>
+      </p:sp>
+      <p:sp>
+        <p:nvSpPr>
+          <p:cNvPr id="59" name="PlaceHolder 3"/>
           <p:cNvSpPr>
             <a:spLocks noGrp="1"/>
           </p:cNvSpPr>
@@ -1516,8 +1428,8 @@
         </p:nvSpPr>
         <p:spPr>
           <a:xfrm>
-            <a:off x="6226200" y="1825560"/>
-            <a:ext cx="5131080" cy="2075040"/>
+            <a:off x="6231960" y="1604520"/>
+            <a:ext cx="5354280" cy="1896840"/>
           </a:xfrm>
           <a:prstGeom prst="rect">
             <a:avLst/>
@@ -1528,18 +1440,15 @@
             <a:normAutofit/>
           </a:bodyPr>
           <a:p>
-            <a:endParaRPr b="0" lang="fr-FR" sz="2800" spc="-1" strike="noStrike">
-              <a:solidFill>
-                <a:srgbClr val="000000"/>
-              </a:solidFill>
-              <a:latin typeface="Calibri"/>
-            </a:endParaRPr>
-          </a:p>
-        </p:txBody>
-      </p:sp>
-      <p:sp>
-        <p:nvSpPr>
-          <p:cNvPr id="66" name="PlaceHolder 4"/>
+            <a:endParaRPr b="0" lang="fr-FR" sz="3200" spc="-1" strike="noStrike">
+              <a:latin typeface="Arial"/>
+            </a:endParaRPr>
+          </a:p>
+        </p:txBody>
+      </p:sp>
+      <p:sp>
+        <p:nvSpPr>
+          <p:cNvPr id="60" name="PlaceHolder 4"/>
           <p:cNvSpPr>
             <a:spLocks noGrp="1"/>
           </p:cNvSpPr>
@@ -1549,8 +1458,8 @@
         </p:nvSpPr>
         <p:spPr>
           <a:xfrm>
-            <a:off x="838080" y="4098240"/>
-            <a:ext cx="10515240" cy="2075040"/>
+            <a:off x="609480" y="3682080"/>
+            <a:ext cx="10972440" cy="1896840"/>
           </a:xfrm>
           <a:prstGeom prst="rect">
             <a:avLst/>
@@ -1561,11 +1470,8 @@
             <a:normAutofit/>
           </a:bodyPr>
           <a:p>
-            <a:endParaRPr b="0" lang="fr-FR" sz="2800" spc="-1" strike="noStrike">
-              <a:solidFill>
-                <a:srgbClr val="000000"/>
-              </a:solidFill>
-              <a:latin typeface="Calibri"/>
+            <a:endParaRPr b="0" lang="fr-FR" sz="3200" spc="-1" strike="noStrike">
+              <a:latin typeface="Arial"/>
             </a:endParaRPr>
           </a:p>
         </p:txBody>
@@ -1594,7 +1500,7 @@
       </p:grpSpPr>
       <p:sp>
         <p:nvSpPr>
-          <p:cNvPr id="67" name="PlaceHolder 1"/>
+          <p:cNvPr id="61" name="PlaceHolder 1"/>
           <p:cNvSpPr>
             <a:spLocks noGrp="1"/>
           </p:cNvSpPr>
@@ -1604,8 +1510,8 @@
         </p:nvSpPr>
         <p:spPr>
           <a:xfrm>
-            <a:off x="838080" y="365040"/>
-            <a:ext cx="10515240" cy="1325160"/>
+            <a:off x="609480" y="273600"/>
+            <a:ext cx="10972440" cy="1144800"/>
           </a:xfrm>
           <a:prstGeom prst="rect">
             <a:avLst/>
@@ -1616,18 +1522,16 @@
             <a:spAutoFit/>
           </a:bodyPr>
           <a:p>
-            <a:endParaRPr b="0" lang="fr-FR" sz="1800" spc="-1" strike="noStrike">
-              <a:solidFill>
-                <a:srgbClr val="000000"/>
-              </a:solidFill>
-              <a:latin typeface="Calibri"/>
-            </a:endParaRPr>
-          </a:p>
-        </p:txBody>
-      </p:sp>
-      <p:sp>
-        <p:nvSpPr>
-          <p:cNvPr id="68" name="PlaceHolder 2"/>
+            <a:pPr algn="ctr"/>
+            <a:endParaRPr b="0" lang="fr-FR" sz="4400" spc="-1" strike="noStrike">
+              <a:latin typeface="Arial"/>
+            </a:endParaRPr>
+          </a:p>
+        </p:txBody>
+      </p:sp>
+      <p:sp>
+        <p:nvSpPr>
+          <p:cNvPr id="62" name="PlaceHolder 2"/>
           <p:cNvSpPr>
             <a:spLocks noGrp="1"/>
           </p:cNvSpPr>
@@ -1637,8 +1541,8 @@
         </p:nvSpPr>
         <p:spPr>
           <a:xfrm>
-            <a:off x="838080" y="1825560"/>
-            <a:ext cx="10515240" cy="2075040"/>
+            <a:off x="609480" y="1604520"/>
+            <a:ext cx="10972440" cy="1896840"/>
           </a:xfrm>
           <a:prstGeom prst="rect">
             <a:avLst/>
@@ -1649,18 +1553,15 @@
             <a:normAutofit/>
           </a:bodyPr>
           <a:p>
-            <a:endParaRPr b="0" lang="fr-FR" sz="2800" spc="-1" strike="noStrike">
-              <a:solidFill>
-                <a:srgbClr val="000000"/>
-              </a:solidFill>
-              <a:latin typeface="Calibri"/>
-            </a:endParaRPr>
-          </a:p>
-        </p:txBody>
-      </p:sp>
-      <p:sp>
-        <p:nvSpPr>
-          <p:cNvPr id="69" name="PlaceHolder 3"/>
+            <a:endParaRPr b="0" lang="fr-FR" sz="3200" spc="-1" strike="noStrike">
+              <a:latin typeface="Arial"/>
+            </a:endParaRPr>
+          </a:p>
+        </p:txBody>
+      </p:sp>
+      <p:sp>
+        <p:nvSpPr>
+          <p:cNvPr id="63" name="PlaceHolder 3"/>
           <p:cNvSpPr>
             <a:spLocks noGrp="1"/>
           </p:cNvSpPr>
@@ -1670,8 +1571,8 @@
         </p:nvSpPr>
         <p:spPr>
           <a:xfrm>
-            <a:off x="838080" y="4098240"/>
-            <a:ext cx="10515240" cy="2075040"/>
+            <a:off x="609480" y="3682080"/>
+            <a:ext cx="10972440" cy="1896840"/>
           </a:xfrm>
           <a:prstGeom prst="rect">
             <a:avLst/>
@@ -1682,11 +1583,8 @@
             <a:normAutofit/>
           </a:bodyPr>
           <a:p>
-            <a:endParaRPr b="0" lang="fr-FR" sz="2800" spc="-1" strike="noStrike">
-              <a:solidFill>
-                <a:srgbClr val="000000"/>
-              </a:solidFill>
-              <a:latin typeface="Calibri"/>
+            <a:endParaRPr b="0" lang="fr-FR" sz="3200" spc="-1" strike="noStrike">
+              <a:latin typeface="Arial"/>
             </a:endParaRPr>
           </a:p>
         </p:txBody>
@@ -1715,7 +1613,7 @@
       </p:grpSpPr>
       <p:sp>
         <p:nvSpPr>
-          <p:cNvPr id="70" name="PlaceHolder 1"/>
+          <p:cNvPr id="64" name="PlaceHolder 1"/>
           <p:cNvSpPr>
             <a:spLocks noGrp="1"/>
           </p:cNvSpPr>
@@ -1725,8 +1623,8 @@
         </p:nvSpPr>
         <p:spPr>
           <a:xfrm>
-            <a:off x="838080" y="365040"/>
-            <a:ext cx="10515240" cy="1325160"/>
+            <a:off x="609480" y="273600"/>
+            <a:ext cx="10972440" cy="1144800"/>
           </a:xfrm>
           <a:prstGeom prst="rect">
             <a:avLst/>
@@ -1737,18 +1635,16 @@
             <a:spAutoFit/>
           </a:bodyPr>
           <a:p>
-            <a:endParaRPr b="0" lang="fr-FR" sz="1800" spc="-1" strike="noStrike">
-              <a:solidFill>
-                <a:srgbClr val="000000"/>
-              </a:solidFill>
-              <a:latin typeface="Calibri"/>
-            </a:endParaRPr>
-          </a:p>
-        </p:txBody>
-      </p:sp>
-      <p:sp>
-        <p:nvSpPr>
-          <p:cNvPr id="71" name="PlaceHolder 2"/>
+            <a:pPr algn="ctr"/>
+            <a:endParaRPr b="0" lang="fr-FR" sz="4400" spc="-1" strike="noStrike">
+              <a:latin typeface="Arial"/>
+            </a:endParaRPr>
+          </a:p>
+        </p:txBody>
+      </p:sp>
+      <p:sp>
+        <p:nvSpPr>
+          <p:cNvPr id="65" name="PlaceHolder 2"/>
           <p:cNvSpPr>
             <a:spLocks noGrp="1"/>
           </p:cNvSpPr>
@@ -1758,8 +1654,8 @@
         </p:nvSpPr>
         <p:spPr>
           <a:xfrm>
-            <a:off x="838080" y="1825560"/>
-            <a:ext cx="5131080" cy="2075040"/>
+            <a:off x="609480" y="1604520"/>
+            <a:ext cx="5354280" cy="1896840"/>
           </a:xfrm>
           <a:prstGeom prst="rect">
             <a:avLst/>
@@ -1770,18 +1666,15 @@
             <a:normAutofit/>
           </a:bodyPr>
           <a:p>
-            <a:endParaRPr b="0" lang="fr-FR" sz="2800" spc="-1" strike="noStrike">
-              <a:solidFill>
-                <a:srgbClr val="000000"/>
-              </a:solidFill>
-              <a:latin typeface="Calibri"/>
-            </a:endParaRPr>
-          </a:p>
-        </p:txBody>
-      </p:sp>
-      <p:sp>
-        <p:nvSpPr>
-          <p:cNvPr id="72" name="PlaceHolder 3"/>
+            <a:endParaRPr b="0" lang="fr-FR" sz="3200" spc="-1" strike="noStrike">
+              <a:latin typeface="Arial"/>
+            </a:endParaRPr>
+          </a:p>
+        </p:txBody>
+      </p:sp>
+      <p:sp>
+        <p:nvSpPr>
+          <p:cNvPr id="66" name="PlaceHolder 3"/>
           <p:cNvSpPr>
             <a:spLocks noGrp="1"/>
           </p:cNvSpPr>
@@ -1791,8 +1684,8 @@
         </p:nvSpPr>
         <p:spPr>
           <a:xfrm>
-            <a:off x="6226200" y="1825560"/>
-            <a:ext cx="5131080" cy="2075040"/>
+            <a:off x="6231960" y="1604520"/>
+            <a:ext cx="5354280" cy="1896840"/>
           </a:xfrm>
           <a:prstGeom prst="rect">
             <a:avLst/>
@@ -1803,18 +1696,15 @@
             <a:normAutofit/>
           </a:bodyPr>
           <a:p>
-            <a:endParaRPr b="0" lang="fr-FR" sz="2800" spc="-1" strike="noStrike">
-              <a:solidFill>
-                <a:srgbClr val="000000"/>
-              </a:solidFill>
-              <a:latin typeface="Calibri"/>
-            </a:endParaRPr>
-          </a:p>
-        </p:txBody>
-      </p:sp>
-      <p:sp>
-        <p:nvSpPr>
-          <p:cNvPr id="73" name="PlaceHolder 4"/>
+            <a:endParaRPr b="0" lang="fr-FR" sz="3200" spc="-1" strike="noStrike">
+              <a:latin typeface="Arial"/>
+            </a:endParaRPr>
+          </a:p>
+        </p:txBody>
+      </p:sp>
+      <p:sp>
+        <p:nvSpPr>
+          <p:cNvPr id="67" name="PlaceHolder 4"/>
           <p:cNvSpPr>
             <a:spLocks noGrp="1"/>
           </p:cNvSpPr>
@@ -1824,8 +1714,8 @@
         </p:nvSpPr>
         <p:spPr>
           <a:xfrm>
-            <a:off x="838080" y="4098240"/>
-            <a:ext cx="5131080" cy="2075040"/>
+            <a:off x="609480" y="3682080"/>
+            <a:ext cx="5354280" cy="1896840"/>
           </a:xfrm>
           <a:prstGeom prst="rect">
             <a:avLst/>
@@ -1836,18 +1726,15 @@
             <a:normAutofit/>
           </a:bodyPr>
           <a:p>
-            <a:endParaRPr b="0" lang="fr-FR" sz="2800" spc="-1" strike="noStrike">
-              <a:solidFill>
-                <a:srgbClr val="000000"/>
-              </a:solidFill>
-              <a:latin typeface="Calibri"/>
-            </a:endParaRPr>
-          </a:p>
-        </p:txBody>
-      </p:sp>
-      <p:sp>
-        <p:nvSpPr>
-          <p:cNvPr id="74" name="PlaceHolder 5"/>
+            <a:endParaRPr b="0" lang="fr-FR" sz="3200" spc="-1" strike="noStrike">
+              <a:latin typeface="Arial"/>
+            </a:endParaRPr>
+          </a:p>
+        </p:txBody>
+      </p:sp>
+      <p:sp>
+        <p:nvSpPr>
+          <p:cNvPr id="68" name="PlaceHolder 5"/>
           <p:cNvSpPr>
             <a:spLocks noGrp="1"/>
           </p:cNvSpPr>
@@ -1857,8 +1744,8 @@
         </p:nvSpPr>
         <p:spPr>
           <a:xfrm>
-            <a:off x="6226200" y="4098240"/>
-            <a:ext cx="5131080" cy="2075040"/>
+            <a:off x="6231960" y="3682080"/>
+            <a:ext cx="5354280" cy="1896840"/>
           </a:xfrm>
           <a:prstGeom prst="rect">
             <a:avLst/>
@@ -1869,11 +1756,8 @@
             <a:normAutofit/>
           </a:bodyPr>
           <a:p>
-            <a:endParaRPr b="0" lang="fr-FR" sz="2800" spc="-1" strike="noStrike">
-              <a:solidFill>
-                <a:srgbClr val="000000"/>
-              </a:solidFill>
-              <a:latin typeface="Calibri"/>
+            <a:endParaRPr b="0" lang="fr-FR" sz="3200" spc="-1" strike="noStrike">
+              <a:latin typeface="Arial"/>
             </a:endParaRPr>
           </a:p>
         </p:txBody>
@@ -1902,7 +1786,7 @@
       </p:grpSpPr>
       <p:sp>
         <p:nvSpPr>
-          <p:cNvPr id="75" name="PlaceHolder 1"/>
+          <p:cNvPr id="69" name="PlaceHolder 1"/>
           <p:cNvSpPr>
             <a:spLocks noGrp="1"/>
           </p:cNvSpPr>
@@ -1912,8 +1796,8 @@
         </p:nvSpPr>
         <p:spPr>
           <a:xfrm>
-            <a:off x="838080" y="365040"/>
-            <a:ext cx="10515240" cy="1325160"/>
+            <a:off x="609480" y="273600"/>
+            <a:ext cx="10972440" cy="1144800"/>
           </a:xfrm>
           <a:prstGeom prst="rect">
             <a:avLst/>
@@ -1924,18 +1808,16 @@
             <a:spAutoFit/>
           </a:bodyPr>
           <a:p>
-            <a:endParaRPr b="0" lang="fr-FR" sz="1800" spc="-1" strike="noStrike">
-              <a:solidFill>
-                <a:srgbClr val="000000"/>
-              </a:solidFill>
-              <a:latin typeface="Calibri"/>
-            </a:endParaRPr>
-          </a:p>
-        </p:txBody>
-      </p:sp>
-      <p:sp>
-        <p:nvSpPr>
-          <p:cNvPr id="76" name="PlaceHolder 2"/>
+            <a:pPr algn="ctr"/>
+            <a:endParaRPr b="0" lang="fr-FR" sz="4400" spc="-1" strike="noStrike">
+              <a:latin typeface="Arial"/>
+            </a:endParaRPr>
+          </a:p>
+        </p:txBody>
+      </p:sp>
+      <p:sp>
+        <p:nvSpPr>
+          <p:cNvPr id="70" name="PlaceHolder 2"/>
           <p:cNvSpPr>
             <a:spLocks noGrp="1"/>
           </p:cNvSpPr>
@@ -1945,8 +1827,8 @@
         </p:nvSpPr>
         <p:spPr>
           <a:xfrm>
-            <a:off x="838080" y="1825560"/>
-            <a:ext cx="3385800" cy="2075040"/>
+            <a:off x="609480" y="1604520"/>
+            <a:ext cx="3533040" cy="1896840"/>
           </a:xfrm>
           <a:prstGeom prst="rect">
             <a:avLst/>
@@ -1957,18 +1839,15 @@
             <a:normAutofit/>
           </a:bodyPr>
           <a:p>
-            <a:endParaRPr b="0" lang="fr-FR" sz="2800" spc="-1" strike="noStrike">
-              <a:solidFill>
-                <a:srgbClr val="000000"/>
-              </a:solidFill>
-              <a:latin typeface="Calibri"/>
-            </a:endParaRPr>
-          </a:p>
-        </p:txBody>
-      </p:sp>
-      <p:sp>
-        <p:nvSpPr>
-          <p:cNvPr id="77" name="PlaceHolder 3"/>
+            <a:endParaRPr b="0" lang="fr-FR" sz="3200" spc="-1" strike="noStrike">
+              <a:latin typeface="Arial"/>
+            </a:endParaRPr>
+          </a:p>
+        </p:txBody>
+      </p:sp>
+      <p:sp>
+        <p:nvSpPr>
+          <p:cNvPr id="71" name="PlaceHolder 3"/>
           <p:cNvSpPr>
             <a:spLocks noGrp="1"/>
           </p:cNvSpPr>
@@ -1978,8 +1857,8 @@
         </p:nvSpPr>
         <p:spPr>
           <a:xfrm>
-            <a:off x="4393440" y="1825560"/>
-            <a:ext cx="3385800" cy="2075040"/>
+            <a:off x="4319640" y="1604520"/>
+            <a:ext cx="3533040" cy="1896840"/>
           </a:xfrm>
           <a:prstGeom prst="rect">
             <a:avLst/>
@@ -1990,18 +1869,15 @@
             <a:normAutofit/>
           </a:bodyPr>
           <a:p>
-            <a:endParaRPr b="0" lang="fr-FR" sz="2800" spc="-1" strike="noStrike">
-              <a:solidFill>
-                <a:srgbClr val="000000"/>
-              </a:solidFill>
-              <a:latin typeface="Calibri"/>
-            </a:endParaRPr>
-          </a:p>
-        </p:txBody>
-      </p:sp>
-      <p:sp>
-        <p:nvSpPr>
-          <p:cNvPr id="78" name="PlaceHolder 4"/>
+            <a:endParaRPr b="0" lang="fr-FR" sz="3200" spc="-1" strike="noStrike">
+              <a:latin typeface="Arial"/>
+            </a:endParaRPr>
+          </a:p>
+        </p:txBody>
+      </p:sp>
+      <p:sp>
+        <p:nvSpPr>
+          <p:cNvPr id="72" name="PlaceHolder 4"/>
           <p:cNvSpPr>
             <a:spLocks noGrp="1"/>
           </p:cNvSpPr>
@@ -2011,8 +1887,8 @@
         </p:nvSpPr>
         <p:spPr>
           <a:xfrm>
-            <a:off x="7949160" y="1825560"/>
-            <a:ext cx="3385800" cy="2075040"/>
+            <a:off x="8029800" y="1604520"/>
+            <a:ext cx="3533040" cy="1896840"/>
           </a:xfrm>
           <a:prstGeom prst="rect">
             <a:avLst/>
@@ -2023,18 +1899,15 @@
             <a:normAutofit/>
           </a:bodyPr>
           <a:p>
-            <a:endParaRPr b="0" lang="fr-FR" sz="2800" spc="-1" strike="noStrike">
-              <a:solidFill>
-                <a:srgbClr val="000000"/>
-              </a:solidFill>
-              <a:latin typeface="Calibri"/>
-            </a:endParaRPr>
-          </a:p>
-        </p:txBody>
-      </p:sp>
-      <p:sp>
-        <p:nvSpPr>
-          <p:cNvPr id="79" name="PlaceHolder 5"/>
+            <a:endParaRPr b="0" lang="fr-FR" sz="3200" spc="-1" strike="noStrike">
+              <a:latin typeface="Arial"/>
+            </a:endParaRPr>
+          </a:p>
+        </p:txBody>
+      </p:sp>
+      <p:sp>
+        <p:nvSpPr>
+          <p:cNvPr id="73" name="PlaceHolder 5"/>
           <p:cNvSpPr>
             <a:spLocks noGrp="1"/>
           </p:cNvSpPr>
@@ -2044,8 +1917,8 @@
         </p:nvSpPr>
         <p:spPr>
           <a:xfrm>
-            <a:off x="838080" y="4098240"/>
-            <a:ext cx="3385800" cy="2075040"/>
+            <a:off x="609480" y="3682080"/>
+            <a:ext cx="3533040" cy="1896840"/>
           </a:xfrm>
           <a:prstGeom prst="rect">
             <a:avLst/>
@@ -2056,18 +1929,15 @@
             <a:normAutofit/>
           </a:bodyPr>
           <a:p>
-            <a:endParaRPr b="0" lang="fr-FR" sz="2800" spc="-1" strike="noStrike">
-              <a:solidFill>
-                <a:srgbClr val="000000"/>
-              </a:solidFill>
-              <a:latin typeface="Calibri"/>
-            </a:endParaRPr>
-          </a:p>
-        </p:txBody>
-      </p:sp>
-      <p:sp>
-        <p:nvSpPr>
-          <p:cNvPr id="80" name="PlaceHolder 6"/>
+            <a:endParaRPr b="0" lang="fr-FR" sz="3200" spc="-1" strike="noStrike">
+              <a:latin typeface="Arial"/>
+            </a:endParaRPr>
+          </a:p>
+        </p:txBody>
+      </p:sp>
+      <p:sp>
+        <p:nvSpPr>
+          <p:cNvPr id="74" name="PlaceHolder 6"/>
           <p:cNvSpPr>
             <a:spLocks noGrp="1"/>
           </p:cNvSpPr>
@@ -2077,8 +1947,8 @@
         </p:nvSpPr>
         <p:spPr>
           <a:xfrm>
-            <a:off x="4393440" y="4098240"/>
-            <a:ext cx="3385800" cy="2075040"/>
+            <a:off x="4319640" y="3682080"/>
+            <a:ext cx="3533040" cy="1896840"/>
           </a:xfrm>
           <a:prstGeom prst="rect">
             <a:avLst/>
@@ -2089,18 +1959,15 @@
             <a:normAutofit/>
           </a:bodyPr>
           <a:p>
-            <a:endParaRPr b="0" lang="fr-FR" sz="2800" spc="-1" strike="noStrike">
-              <a:solidFill>
-                <a:srgbClr val="000000"/>
-              </a:solidFill>
-              <a:latin typeface="Calibri"/>
-            </a:endParaRPr>
-          </a:p>
-        </p:txBody>
-      </p:sp>
-      <p:sp>
-        <p:nvSpPr>
-          <p:cNvPr id="81" name="PlaceHolder 7"/>
+            <a:endParaRPr b="0" lang="fr-FR" sz="3200" spc="-1" strike="noStrike">
+              <a:latin typeface="Arial"/>
+            </a:endParaRPr>
+          </a:p>
+        </p:txBody>
+      </p:sp>
+      <p:sp>
+        <p:nvSpPr>
+          <p:cNvPr id="75" name="PlaceHolder 7"/>
           <p:cNvSpPr>
             <a:spLocks noGrp="1"/>
           </p:cNvSpPr>
@@ -2110,8 +1977,8 @@
         </p:nvSpPr>
         <p:spPr>
           <a:xfrm>
-            <a:off x="7949160" y="4098240"/>
-            <a:ext cx="3385800" cy="2075040"/>
+            <a:off x="8029800" y="3682080"/>
+            <a:ext cx="3533040" cy="1896840"/>
           </a:xfrm>
           <a:prstGeom prst="rect">
             <a:avLst/>
@@ -2122,11 +1989,8 @@
             <a:normAutofit/>
           </a:bodyPr>
           <a:p>
-            <a:endParaRPr b="0" lang="fr-FR" sz="2800" spc="-1" strike="noStrike">
-              <a:solidFill>
-                <a:srgbClr val="000000"/>
-              </a:solidFill>
-              <a:latin typeface="Calibri"/>
+            <a:endParaRPr b="0" lang="fr-FR" sz="3200" spc="-1" strike="noStrike">
+              <a:latin typeface="Arial"/>
             </a:endParaRPr>
           </a:p>
         </p:txBody>
@@ -2155,7 +2019,7 @@
       </p:grpSpPr>
       <p:sp>
         <p:nvSpPr>
-          <p:cNvPr id="7" name="PlaceHolder 1"/>
+          <p:cNvPr id="4" name="PlaceHolder 1"/>
           <p:cNvSpPr>
             <a:spLocks noGrp="1"/>
           </p:cNvSpPr>
@@ -2165,8 +2029,8 @@
         </p:nvSpPr>
         <p:spPr>
           <a:xfrm>
-            <a:off x="838080" y="365040"/>
-            <a:ext cx="10515240" cy="1325160"/>
+            <a:off x="609480" y="273600"/>
+            <a:ext cx="10972440" cy="1144800"/>
           </a:xfrm>
           <a:prstGeom prst="rect">
             <a:avLst/>
@@ -2177,18 +2041,16 @@
             <a:spAutoFit/>
           </a:bodyPr>
           <a:p>
-            <a:endParaRPr b="0" lang="fr-FR" sz="1800" spc="-1" strike="noStrike">
-              <a:solidFill>
-                <a:srgbClr val="000000"/>
-              </a:solidFill>
-              <a:latin typeface="Calibri"/>
-            </a:endParaRPr>
-          </a:p>
-        </p:txBody>
-      </p:sp>
-      <p:sp>
-        <p:nvSpPr>
-          <p:cNvPr id="8" name="PlaceHolder 2"/>
+            <a:pPr algn="ctr"/>
+            <a:endParaRPr b="0" lang="fr-FR" sz="4400" spc="-1" strike="noStrike">
+              <a:latin typeface="Arial"/>
+            </a:endParaRPr>
+          </a:p>
+        </p:txBody>
+      </p:sp>
+      <p:sp>
+        <p:nvSpPr>
+          <p:cNvPr id="5" name="PlaceHolder 2"/>
           <p:cNvSpPr>
             <a:spLocks noGrp="1"/>
           </p:cNvSpPr>
@@ -2198,8 +2060,8 @@
         </p:nvSpPr>
         <p:spPr>
           <a:xfrm>
-            <a:off x="838080" y="1825560"/>
-            <a:ext cx="10515240" cy="4350960"/>
+            <a:off x="609480" y="1604520"/>
+            <a:ext cx="10972440" cy="3977280"/>
           </a:xfrm>
           <a:prstGeom prst="rect">
             <a:avLst/>
@@ -2210,11 +2072,8 @@
             <a:normAutofit/>
           </a:bodyPr>
           <a:p>
-            <a:endParaRPr b="0" lang="fr-FR" sz="2800" spc="-1" strike="noStrike">
-              <a:solidFill>
-                <a:srgbClr val="000000"/>
-              </a:solidFill>
-              <a:latin typeface="Calibri"/>
+            <a:endParaRPr b="0" lang="fr-FR" sz="3200" spc="-1" strike="noStrike">
+              <a:latin typeface="Arial"/>
             </a:endParaRPr>
           </a:p>
         </p:txBody>
@@ -2243,7 +2102,7 @@
       </p:grpSpPr>
       <p:sp>
         <p:nvSpPr>
-          <p:cNvPr id="9" name="PlaceHolder 1"/>
+          <p:cNvPr id="6" name="PlaceHolder 1"/>
           <p:cNvSpPr>
             <a:spLocks noGrp="1"/>
           </p:cNvSpPr>
@@ -2253,8 +2112,8 @@
         </p:nvSpPr>
         <p:spPr>
           <a:xfrm>
-            <a:off x="838080" y="365040"/>
-            <a:ext cx="10515240" cy="1325160"/>
+            <a:off x="609480" y="273600"/>
+            <a:ext cx="10972440" cy="1144800"/>
           </a:xfrm>
           <a:prstGeom prst="rect">
             <a:avLst/>
@@ -2265,18 +2124,16 @@
             <a:spAutoFit/>
           </a:bodyPr>
           <a:p>
-            <a:endParaRPr b="0" lang="fr-FR" sz="1800" spc="-1" strike="noStrike">
-              <a:solidFill>
-                <a:srgbClr val="000000"/>
-              </a:solidFill>
-              <a:latin typeface="Calibri"/>
-            </a:endParaRPr>
-          </a:p>
-        </p:txBody>
-      </p:sp>
-      <p:sp>
-        <p:nvSpPr>
-          <p:cNvPr id="10" name="PlaceHolder 2"/>
+            <a:pPr algn="ctr"/>
+            <a:endParaRPr b="0" lang="fr-FR" sz="4400" spc="-1" strike="noStrike">
+              <a:latin typeface="Arial"/>
+            </a:endParaRPr>
+          </a:p>
+        </p:txBody>
+      </p:sp>
+      <p:sp>
+        <p:nvSpPr>
+          <p:cNvPr id="7" name="PlaceHolder 2"/>
           <p:cNvSpPr>
             <a:spLocks noGrp="1"/>
           </p:cNvSpPr>
@@ -2286,8 +2143,8 @@
         </p:nvSpPr>
         <p:spPr>
           <a:xfrm>
-            <a:off x="838080" y="1825560"/>
-            <a:ext cx="5131080" cy="4350960"/>
+            <a:off x="609480" y="1604520"/>
+            <a:ext cx="5354280" cy="3977280"/>
           </a:xfrm>
           <a:prstGeom prst="rect">
             <a:avLst/>
@@ -2298,18 +2155,15 @@
             <a:normAutofit/>
           </a:bodyPr>
           <a:p>
-            <a:endParaRPr b="0" lang="fr-FR" sz="2800" spc="-1" strike="noStrike">
-              <a:solidFill>
-                <a:srgbClr val="000000"/>
-              </a:solidFill>
-              <a:latin typeface="Calibri"/>
-            </a:endParaRPr>
-          </a:p>
-        </p:txBody>
-      </p:sp>
-      <p:sp>
-        <p:nvSpPr>
-          <p:cNvPr id="11" name="PlaceHolder 3"/>
+            <a:endParaRPr b="0" lang="fr-FR" sz="3200" spc="-1" strike="noStrike">
+              <a:latin typeface="Arial"/>
+            </a:endParaRPr>
+          </a:p>
+        </p:txBody>
+      </p:sp>
+      <p:sp>
+        <p:nvSpPr>
+          <p:cNvPr id="8" name="PlaceHolder 3"/>
           <p:cNvSpPr>
             <a:spLocks noGrp="1"/>
           </p:cNvSpPr>
@@ -2319,8 +2173,8 @@
         </p:nvSpPr>
         <p:spPr>
           <a:xfrm>
-            <a:off x="6226200" y="1825560"/>
-            <a:ext cx="5131080" cy="4350960"/>
+            <a:off x="6231960" y="1604520"/>
+            <a:ext cx="5354280" cy="3977280"/>
           </a:xfrm>
           <a:prstGeom prst="rect">
             <a:avLst/>
@@ -2331,11 +2185,8 @@
             <a:normAutofit/>
           </a:bodyPr>
           <a:p>
-            <a:endParaRPr b="0" lang="fr-FR" sz="2800" spc="-1" strike="noStrike">
-              <a:solidFill>
-                <a:srgbClr val="000000"/>
-              </a:solidFill>
-              <a:latin typeface="Calibri"/>
+            <a:endParaRPr b="0" lang="fr-FR" sz="3200" spc="-1" strike="noStrike">
+              <a:latin typeface="Arial"/>
             </a:endParaRPr>
           </a:p>
         </p:txBody>
@@ -2364,7 +2215,7 @@
       </p:grpSpPr>
       <p:sp>
         <p:nvSpPr>
-          <p:cNvPr id="12" name="PlaceHolder 1"/>
+          <p:cNvPr id="9" name="PlaceHolder 1"/>
           <p:cNvSpPr>
             <a:spLocks noGrp="1"/>
           </p:cNvSpPr>
@@ -2374,8 +2225,8 @@
         </p:nvSpPr>
         <p:spPr>
           <a:xfrm>
-            <a:off x="838080" y="365040"/>
-            <a:ext cx="10515240" cy="1325160"/>
+            <a:off x="609480" y="273600"/>
+            <a:ext cx="10972440" cy="1144800"/>
           </a:xfrm>
           <a:prstGeom prst="rect">
             <a:avLst/>
@@ -2386,11 +2237,9 @@
             <a:spAutoFit/>
           </a:bodyPr>
           <a:p>
-            <a:endParaRPr b="0" lang="fr-FR" sz="1800" spc="-1" strike="noStrike">
-              <a:solidFill>
-                <a:srgbClr val="000000"/>
-              </a:solidFill>
-              <a:latin typeface="Calibri"/>
+            <a:pPr algn="ctr"/>
+            <a:endParaRPr b="0" lang="fr-FR" sz="4400" spc="-1" strike="noStrike">
+              <a:latin typeface="Arial"/>
             </a:endParaRPr>
           </a:p>
         </p:txBody>
@@ -2419,7 +2268,7 @@
       </p:grpSpPr>
       <p:sp>
         <p:nvSpPr>
-          <p:cNvPr id="13" name="PlaceHolder 1"/>
+          <p:cNvPr id="10" name="PlaceHolder 1"/>
           <p:cNvSpPr>
             <a:spLocks noGrp="1"/>
           </p:cNvSpPr>
@@ -2429,8 +2278,8 @@
         </p:nvSpPr>
         <p:spPr>
           <a:xfrm>
-            <a:off x="838080" y="365040"/>
-            <a:ext cx="10515240" cy="6144120"/>
+            <a:off x="609480" y="273600"/>
+            <a:ext cx="10972440" cy="5307840"/>
           </a:xfrm>
           <a:prstGeom prst="rect">
             <a:avLst/>
@@ -2472,7 +2321,7 @@
       </p:grpSpPr>
       <p:sp>
         <p:nvSpPr>
-          <p:cNvPr id="14" name="PlaceHolder 1"/>
+          <p:cNvPr id="11" name="PlaceHolder 1"/>
           <p:cNvSpPr>
             <a:spLocks noGrp="1"/>
           </p:cNvSpPr>
@@ -2482,8 +2331,8 @@
         </p:nvSpPr>
         <p:spPr>
           <a:xfrm>
-            <a:off x="838080" y="365040"/>
-            <a:ext cx="10515240" cy="1325160"/>
+            <a:off x="609480" y="273600"/>
+            <a:ext cx="10972440" cy="1144800"/>
           </a:xfrm>
           <a:prstGeom prst="rect">
             <a:avLst/>
@@ -2494,18 +2343,16 @@
             <a:spAutoFit/>
           </a:bodyPr>
           <a:p>
-            <a:endParaRPr b="0" lang="fr-FR" sz="1800" spc="-1" strike="noStrike">
-              <a:solidFill>
-                <a:srgbClr val="000000"/>
-              </a:solidFill>
-              <a:latin typeface="Calibri"/>
-            </a:endParaRPr>
-          </a:p>
-        </p:txBody>
-      </p:sp>
-      <p:sp>
-        <p:nvSpPr>
-          <p:cNvPr id="15" name="PlaceHolder 2"/>
+            <a:pPr algn="ctr"/>
+            <a:endParaRPr b="0" lang="fr-FR" sz="4400" spc="-1" strike="noStrike">
+              <a:latin typeface="Arial"/>
+            </a:endParaRPr>
+          </a:p>
+        </p:txBody>
+      </p:sp>
+      <p:sp>
+        <p:nvSpPr>
+          <p:cNvPr id="12" name="PlaceHolder 2"/>
           <p:cNvSpPr>
             <a:spLocks noGrp="1"/>
           </p:cNvSpPr>
@@ -2515,8 +2362,8 @@
         </p:nvSpPr>
         <p:spPr>
           <a:xfrm>
-            <a:off x="838080" y="1825560"/>
-            <a:ext cx="5131080" cy="2075040"/>
+            <a:off x="609480" y="1604520"/>
+            <a:ext cx="5354280" cy="1896840"/>
           </a:xfrm>
           <a:prstGeom prst="rect">
             <a:avLst/>
@@ -2527,18 +2374,15 @@
             <a:normAutofit/>
           </a:bodyPr>
           <a:p>
-            <a:endParaRPr b="0" lang="fr-FR" sz="2800" spc="-1" strike="noStrike">
-              <a:solidFill>
-                <a:srgbClr val="000000"/>
-              </a:solidFill>
-              <a:latin typeface="Calibri"/>
-            </a:endParaRPr>
-          </a:p>
-        </p:txBody>
-      </p:sp>
-      <p:sp>
-        <p:nvSpPr>
-          <p:cNvPr id="16" name="PlaceHolder 3"/>
+            <a:endParaRPr b="0" lang="fr-FR" sz="3200" spc="-1" strike="noStrike">
+              <a:latin typeface="Arial"/>
+            </a:endParaRPr>
+          </a:p>
+        </p:txBody>
+      </p:sp>
+      <p:sp>
+        <p:nvSpPr>
+          <p:cNvPr id="13" name="PlaceHolder 3"/>
           <p:cNvSpPr>
             <a:spLocks noGrp="1"/>
           </p:cNvSpPr>
@@ -2548,8 +2392,8 @@
         </p:nvSpPr>
         <p:spPr>
           <a:xfrm>
-            <a:off x="6226200" y="1825560"/>
-            <a:ext cx="5131080" cy="4350960"/>
+            <a:off x="6231960" y="1604520"/>
+            <a:ext cx="5354280" cy="3977280"/>
           </a:xfrm>
           <a:prstGeom prst="rect">
             <a:avLst/>
@@ -2560,18 +2404,15 @@
             <a:normAutofit/>
           </a:bodyPr>
           <a:p>
-            <a:endParaRPr b="0" lang="fr-FR" sz="2800" spc="-1" strike="noStrike">
-              <a:solidFill>
-                <a:srgbClr val="000000"/>
-              </a:solidFill>
-              <a:latin typeface="Calibri"/>
-            </a:endParaRPr>
-          </a:p>
-        </p:txBody>
-      </p:sp>
-      <p:sp>
-        <p:nvSpPr>
-          <p:cNvPr id="17" name="PlaceHolder 4"/>
+            <a:endParaRPr b="0" lang="fr-FR" sz="3200" spc="-1" strike="noStrike">
+              <a:latin typeface="Arial"/>
+            </a:endParaRPr>
+          </a:p>
+        </p:txBody>
+      </p:sp>
+      <p:sp>
+        <p:nvSpPr>
+          <p:cNvPr id="14" name="PlaceHolder 4"/>
           <p:cNvSpPr>
             <a:spLocks noGrp="1"/>
           </p:cNvSpPr>
@@ -2581,8 +2422,8 @@
         </p:nvSpPr>
         <p:spPr>
           <a:xfrm>
-            <a:off x="838080" y="4098240"/>
-            <a:ext cx="5131080" cy="2075040"/>
+            <a:off x="609480" y="3682080"/>
+            <a:ext cx="5354280" cy="1896840"/>
           </a:xfrm>
           <a:prstGeom prst="rect">
             <a:avLst/>
@@ -2593,11 +2434,8 @@
             <a:normAutofit/>
           </a:bodyPr>
           <a:p>
-            <a:endParaRPr b="0" lang="fr-FR" sz="2800" spc="-1" strike="noStrike">
-              <a:solidFill>
-                <a:srgbClr val="000000"/>
-              </a:solidFill>
-              <a:latin typeface="Calibri"/>
+            <a:endParaRPr b="0" lang="fr-FR" sz="3200" spc="-1" strike="noStrike">
+              <a:latin typeface="Arial"/>
             </a:endParaRPr>
           </a:p>
         </p:txBody>
@@ -2626,7 +2464,7 @@
       </p:grpSpPr>
       <p:sp>
         <p:nvSpPr>
-          <p:cNvPr id="18" name="PlaceHolder 1"/>
+          <p:cNvPr id="15" name="PlaceHolder 1"/>
           <p:cNvSpPr>
             <a:spLocks noGrp="1"/>
           </p:cNvSpPr>
@@ -2636,8 +2474,8 @@
         </p:nvSpPr>
         <p:spPr>
           <a:xfrm>
-            <a:off x="838080" y="365040"/>
-            <a:ext cx="10515240" cy="1325160"/>
+            <a:off x="609480" y="273600"/>
+            <a:ext cx="10972440" cy="1144800"/>
           </a:xfrm>
           <a:prstGeom prst="rect">
             <a:avLst/>
@@ -2648,18 +2486,16 @@
             <a:spAutoFit/>
           </a:bodyPr>
           <a:p>
-            <a:endParaRPr b="0" lang="fr-FR" sz="1800" spc="-1" strike="noStrike">
-              <a:solidFill>
-                <a:srgbClr val="000000"/>
-              </a:solidFill>
-              <a:latin typeface="Calibri"/>
-            </a:endParaRPr>
-          </a:p>
-        </p:txBody>
-      </p:sp>
-      <p:sp>
-        <p:nvSpPr>
-          <p:cNvPr id="19" name="PlaceHolder 2"/>
+            <a:pPr algn="ctr"/>
+            <a:endParaRPr b="0" lang="fr-FR" sz="4400" spc="-1" strike="noStrike">
+              <a:latin typeface="Arial"/>
+            </a:endParaRPr>
+          </a:p>
+        </p:txBody>
+      </p:sp>
+      <p:sp>
+        <p:nvSpPr>
+          <p:cNvPr id="16" name="PlaceHolder 2"/>
           <p:cNvSpPr>
             <a:spLocks noGrp="1"/>
           </p:cNvSpPr>
@@ -2669,8 +2505,8 @@
         </p:nvSpPr>
         <p:spPr>
           <a:xfrm>
-            <a:off x="838080" y="1825560"/>
-            <a:ext cx="5131080" cy="4350960"/>
+            <a:off x="609480" y="1604520"/>
+            <a:ext cx="5354280" cy="3977280"/>
           </a:xfrm>
           <a:prstGeom prst="rect">
             <a:avLst/>
@@ -2681,18 +2517,15 @@
             <a:normAutofit/>
           </a:bodyPr>
           <a:p>
-            <a:endParaRPr b="0" lang="fr-FR" sz="2800" spc="-1" strike="noStrike">
-              <a:solidFill>
-                <a:srgbClr val="000000"/>
-              </a:solidFill>
-              <a:latin typeface="Calibri"/>
-            </a:endParaRPr>
-          </a:p>
-        </p:txBody>
-      </p:sp>
-      <p:sp>
-        <p:nvSpPr>
-          <p:cNvPr id="20" name="PlaceHolder 3"/>
+            <a:endParaRPr b="0" lang="fr-FR" sz="3200" spc="-1" strike="noStrike">
+              <a:latin typeface="Arial"/>
+            </a:endParaRPr>
+          </a:p>
+        </p:txBody>
+      </p:sp>
+      <p:sp>
+        <p:nvSpPr>
+          <p:cNvPr id="17" name="PlaceHolder 3"/>
           <p:cNvSpPr>
             <a:spLocks noGrp="1"/>
           </p:cNvSpPr>
@@ -2702,8 +2535,8 @@
         </p:nvSpPr>
         <p:spPr>
           <a:xfrm>
-            <a:off x="6226200" y="1825560"/>
-            <a:ext cx="5131080" cy="2075040"/>
+            <a:off x="6231960" y="1604520"/>
+            <a:ext cx="5354280" cy="1896840"/>
           </a:xfrm>
           <a:prstGeom prst="rect">
             <a:avLst/>
@@ -2714,18 +2547,15 @@
             <a:normAutofit/>
           </a:bodyPr>
           <a:p>
-            <a:endParaRPr b="0" lang="fr-FR" sz="2800" spc="-1" strike="noStrike">
-              <a:solidFill>
-                <a:srgbClr val="000000"/>
-              </a:solidFill>
-              <a:latin typeface="Calibri"/>
-            </a:endParaRPr>
-          </a:p>
-        </p:txBody>
-      </p:sp>
-      <p:sp>
-        <p:nvSpPr>
-          <p:cNvPr id="21" name="PlaceHolder 4"/>
+            <a:endParaRPr b="0" lang="fr-FR" sz="3200" spc="-1" strike="noStrike">
+              <a:latin typeface="Arial"/>
+            </a:endParaRPr>
+          </a:p>
+        </p:txBody>
+      </p:sp>
+      <p:sp>
+        <p:nvSpPr>
+          <p:cNvPr id="18" name="PlaceHolder 4"/>
           <p:cNvSpPr>
             <a:spLocks noGrp="1"/>
           </p:cNvSpPr>
@@ -2735,8 +2565,8 @@
         </p:nvSpPr>
         <p:spPr>
           <a:xfrm>
-            <a:off x="6226200" y="4098240"/>
-            <a:ext cx="5131080" cy="2075040"/>
+            <a:off x="6231960" y="3682080"/>
+            <a:ext cx="5354280" cy="1896840"/>
           </a:xfrm>
           <a:prstGeom prst="rect">
             <a:avLst/>
@@ -2747,11 +2577,8 @@
             <a:normAutofit/>
           </a:bodyPr>
           <a:p>
-            <a:endParaRPr b="0" lang="fr-FR" sz="2800" spc="-1" strike="noStrike">
-              <a:solidFill>
-                <a:srgbClr val="000000"/>
-              </a:solidFill>
-              <a:latin typeface="Calibri"/>
+            <a:endParaRPr b="0" lang="fr-FR" sz="3200" spc="-1" strike="noStrike">
+              <a:latin typeface="Arial"/>
             </a:endParaRPr>
           </a:p>
         </p:txBody>
@@ -2780,7 +2607,7 @@
       </p:grpSpPr>
       <p:sp>
         <p:nvSpPr>
-          <p:cNvPr id="22" name="PlaceHolder 1"/>
+          <p:cNvPr id="19" name="PlaceHolder 1"/>
           <p:cNvSpPr>
             <a:spLocks noGrp="1"/>
           </p:cNvSpPr>
@@ -2790,8 +2617,8 @@
         </p:nvSpPr>
         <p:spPr>
           <a:xfrm>
-            <a:off x="838080" y="365040"/>
-            <a:ext cx="10515240" cy="1325160"/>
+            <a:off x="609480" y="273600"/>
+            <a:ext cx="10972440" cy="1144800"/>
           </a:xfrm>
           <a:prstGeom prst="rect">
             <a:avLst/>
@@ -2802,18 +2629,16 @@
             <a:spAutoFit/>
           </a:bodyPr>
           <a:p>
-            <a:endParaRPr b="0" lang="fr-FR" sz="1800" spc="-1" strike="noStrike">
-              <a:solidFill>
-                <a:srgbClr val="000000"/>
-              </a:solidFill>
-              <a:latin typeface="Calibri"/>
-            </a:endParaRPr>
-          </a:p>
-        </p:txBody>
-      </p:sp>
-      <p:sp>
-        <p:nvSpPr>
-          <p:cNvPr id="23" name="PlaceHolder 2"/>
+            <a:pPr algn="ctr"/>
+            <a:endParaRPr b="0" lang="fr-FR" sz="4400" spc="-1" strike="noStrike">
+              <a:latin typeface="Arial"/>
+            </a:endParaRPr>
+          </a:p>
+        </p:txBody>
+      </p:sp>
+      <p:sp>
+        <p:nvSpPr>
+          <p:cNvPr id="20" name="PlaceHolder 2"/>
           <p:cNvSpPr>
             <a:spLocks noGrp="1"/>
           </p:cNvSpPr>
@@ -2823,8 +2648,8 @@
         </p:nvSpPr>
         <p:spPr>
           <a:xfrm>
-            <a:off x="838080" y="1825560"/>
-            <a:ext cx="5131080" cy="2075040"/>
+            <a:off x="609480" y="1604520"/>
+            <a:ext cx="5354280" cy="1896840"/>
           </a:xfrm>
           <a:prstGeom prst="rect">
             <a:avLst/>
@@ -2835,18 +2660,15 @@
             <a:normAutofit/>
           </a:bodyPr>
           <a:p>
-            <a:endParaRPr b="0" lang="fr-FR" sz="2800" spc="-1" strike="noStrike">
-              <a:solidFill>
-                <a:srgbClr val="000000"/>
-              </a:solidFill>
-              <a:latin typeface="Calibri"/>
-            </a:endParaRPr>
-          </a:p>
-        </p:txBody>
-      </p:sp>
-      <p:sp>
-        <p:nvSpPr>
-          <p:cNvPr id="24" name="PlaceHolder 3"/>
+            <a:endParaRPr b="0" lang="fr-FR" sz="3200" spc="-1" strike="noStrike">
+              <a:latin typeface="Arial"/>
+            </a:endParaRPr>
+          </a:p>
+        </p:txBody>
+      </p:sp>
+      <p:sp>
+        <p:nvSpPr>
+          <p:cNvPr id="21" name="PlaceHolder 3"/>
           <p:cNvSpPr>
             <a:spLocks noGrp="1"/>
           </p:cNvSpPr>
@@ -2856,8 +2678,8 @@
         </p:nvSpPr>
         <p:spPr>
           <a:xfrm>
-            <a:off x="6226200" y="1825560"/>
-            <a:ext cx="5131080" cy="2075040"/>
+            <a:off x="6231960" y="1604520"/>
+            <a:ext cx="5354280" cy="1896840"/>
           </a:xfrm>
           <a:prstGeom prst="rect">
             <a:avLst/>
@@ -2868,18 +2690,15 @@
             <a:normAutofit/>
           </a:bodyPr>
           <a:p>
-            <a:endParaRPr b="0" lang="fr-FR" sz="2800" spc="-1" strike="noStrike">
-              <a:solidFill>
-                <a:srgbClr val="000000"/>
-              </a:solidFill>
-              <a:latin typeface="Calibri"/>
-            </a:endParaRPr>
-          </a:p>
-        </p:txBody>
-      </p:sp>
-      <p:sp>
-        <p:nvSpPr>
-          <p:cNvPr id="25" name="PlaceHolder 4"/>
+            <a:endParaRPr b="0" lang="fr-FR" sz="3200" spc="-1" strike="noStrike">
+              <a:latin typeface="Arial"/>
+            </a:endParaRPr>
+          </a:p>
+        </p:txBody>
+      </p:sp>
+      <p:sp>
+        <p:nvSpPr>
+          <p:cNvPr id="22" name="PlaceHolder 4"/>
           <p:cNvSpPr>
             <a:spLocks noGrp="1"/>
           </p:cNvSpPr>
@@ -2889,8 +2708,8 @@
         </p:nvSpPr>
         <p:spPr>
           <a:xfrm>
-            <a:off x="838080" y="4098240"/>
-            <a:ext cx="10515240" cy="2075040"/>
+            <a:off x="609480" y="3682080"/>
+            <a:ext cx="10972440" cy="1896840"/>
           </a:xfrm>
           <a:prstGeom prst="rect">
             <a:avLst/>
@@ -2901,11 +2720,8 @@
             <a:normAutofit/>
           </a:bodyPr>
           <a:p>
-            <a:endParaRPr b="0" lang="fr-FR" sz="2800" spc="-1" strike="noStrike">
-              <a:solidFill>
-                <a:srgbClr val="000000"/>
-              </a:solidFill>
-              <a:latin typeface="Calibri"/>
+            <a:endParaRPr b="0" lang="fr-FR" sz="3200" spc="-1" strike="noStrike">
+              <a:latin typeface="Arial"/>
             </a:endParaRPr>
           </a:p>
         </p:txBody>
@@ -2951,73 +2767,26 @@
         </p:nvSpPr>
         <p:spPr>
           <a:xfrm>
-            <a:off x="1523880" y="1122480"/>
-            <a:ext cx="9143640" cy="2387160"/>
-          </a:xfrm>
-          <a:prstGeom prst="rect">
-            <a:avLst/>
-          </a:prstGeom>
-        </p:spPr>
-        <p:txBody>
-          <a:bodyPr anchor="b">
-            <a:noAutofit/>
-          </a:bodyPr>
-          <a:p>
-            <a:pPr algn="ctr">
-              <a:lnSpc>
-                <a:spcPct val="90000"/>
-              </a:lnSpc>
-            </a:pPr>
+            <a:off x="838080" y="454680"/>
+            <a:ext cx="10514880" cy="1145160"/>
+          </a:xfrm>
+          <a:prstGeom prst="rect">
+            <a:avLst/>
+          </a:prstGeom>
+        </p:spPr>
+        <p:txBody>
+          <a:bodyPr lIns="0" rIns="0" tIns="0" bIns="0" anchor="ctr">
+            <a:spAutoFit/>
+          </a:bodyPr>
+          <a:p>
             <a:r>
-              <a:rPr b="0" lang="fr-FR" sz="6000" spc="-1" strike="noStrike">
-                <a:solidFill>
-                  <a:srgbClr val="000000"/>
-                </a:solidFill>
-                <a:latin typeface="Calibri Light"/>
+              <a:rPr b="0" lang="fr-FR" sz="1800" spc="-1" strike="noStrike">
+                <a:latin typeface="Arial"/>
               </a:rPr>
-              <a:t>Modifi</a:t>
+              <a:t>Click to edit the title text format</a:t>
             </a:r>
-            <a:r>
-              <a:rPr b="0" lang="fr-FR" sz="6000" spc="-1" strike="noStrike">
-                <a:solidFill>
-                  <a:srgbClr val="000000"/>
-                </a:solidFill>
-                <a:latin typeface="Calibri Light"/>
-              </a:rPr>
-              <a:t>ez le </a:t>
-            </a:r>
-            <a:r>
-              <a:rPr b="0" lang="fr-FR" sz="6000" spc="-1" strike="noStrike">
-                <a:solidFill>
-                  <a:srgbClr val="000000"/>
-                </a:solidFill>
-                <a:latin typeface="Calibri Light"/>
-              </a:rPr>
-              <a:t>style </a:t>
-            </a:r>
-            <a:r>
-              <a:rPr b="0" lang="fr-FR" sz="6000" spc="-1" strike="noStrike">
-                <a:solidFill>
-                  <a:srgbClr val="000000"/>
-                </a:solidFill>
-                <a:latin typeface="Calibri Light"/>
-              </a:rPr>
-              <a:t>du </a:t>
-            </a:r>
-            <a:r>
-              <a:rPr b="0" lang="fr-FR" sz="6000" spc="-1" strike="noStrike">
-                <a:solidFill>
-                  <a:srgbClr val="000000"/>
-                </a:solidFill>
-                <a:latin typeface="Calibri Light"/>
-              </a:rPr>
-              <a:t>titre</a:t>
-            </a:r>
-            <a:endParaRPr b="0" lang="fr-FR" sz="6000" spc="-1" strike="noStrike">
-              <a:solidFill>
-                <a:srgbClr val="000000"/>
-              </a:solidFill>
-              <a:latin typeface="Calibri"/>
+            <a:endParaRPr b="0" lang="fr-FR" sz="1800" spc="-1" strike="noStrike">
+              <a:latin typeface="Arial"/>
             </a:endParaRPr>
           </a:p>
         </p:txBody>
@@ -3025,124 +2794,6 @@
       <p:sp>
         <p:nvSpPr>
           <p:cNvPr id="1" name="PlaceHolder 2"/>
-          <p:cNvSpPr>
-            <a:spLocks noGrp="1"/>
-          </p:cNvSpPr>
-          <p:nvPr>
-            <p:ph type="dt"/>
-          </p:nvPr>
-        </p:nvSpPr>
-        <p:spPr>
-          <a:xfrm>
-            <a:off x="838080" y="6356520"/>
-            <a:ext cx="2742840" cy="364680"/>
-          </a:xfrm>
-          <a:prstGeom prst="rect">
-            <a:avLst/>
-          </a:prstGeom>
-        </p:spPr>
-        <p:txBody>
-          <a:bodyPr anchor="ctr">
-            <a:noAutofit/>
-          </a:bodyPr>
-          <a:p>
-            <a:pPr>
-              <a:lnSpc>
-                <a:spcPct val="100000"/>
-              </a:lnSpc>
-            </a:pPr>
-            <a:fld id="{F67CF2BA-C710-4888-AB8C-8AD0F710422C}" type="datetime">
-              <a:rPr b="0" lang="fr-FR" sz="1200" spc="-1" strike="noStrike">
-                <a:solidFill>
-                  <a:srgbClr val="8b8b8b"/>
-                </a:solidFill>
-                <a:latin typeface="Calibri"/>
-              </a:rPr>
-              <a:t>25/07/2019</a:t>
-            </a:fld>
-            <a:endParaRPr b="0" lang="fr-FR" sz="1200" spc="-1" strike="noStrike">
-              <a:latin typeface="Times New Roman"/>
-            </a:endParaRPr>
-          </a:p>
-        </p:txBody>
-      </p:sp>
-      <p:sp>
-        <p:nvSpPr>
-          <p:cNvPr id="2" name="PlaceHolder 3"/>
-          <p:cNvSpPr>
-            <a:spLocks noGrp="1"/>
-          </p:cNvSpPr>
-          <p:nvPr>
-            <p:ph type="ftr"/>
-          </p:nvPr>
-        </p:nvSpPr>
-        <p:spPr>
-          <a:xfrm>
-            <a:off x="4038480" y="6356520"/>
-            <a:ext cx="4114440" cy="364680"/>
-          </a:xfrm>
-          <a:prstGeom prst="rect">
-            <a:avLst/>
-          </a:prstGeom>
-        </p:spPr>
-        <p:txBody>
-          <a:bodyPr anchor="ctr">
-            <a:noAutofit/>
-          </a:bodyPr>
-          <a:p>
-            <a:endParaRPr b="0" lang="fr-FR" sz="2400" spc="-1" strike="noStrike">
-              <a:latin typeface="Times New Roman"/>
-            </a:endParaRPr>
-          </a:p>
-        </p:txBody>
-      </p:sp>
-      <p:sp>
-        <p:nvSpPr>
-          <p:cNvPr id="3" name="PlaceHolder 4"/>
-          <p:cNvSpPr>
-            <a:spLocks noGrp="1"/>
-          </p:cNvSpPr>
-          <p:nvPr>
-            <p:ph type="sldNum"/>
-          </p:nvPr>
-        </p:nvSpPr>
-        <p:spPr>
-          <a:xfrm>
-            <a:off x="8610480" y="6356520"/>
-            <a:ext cx="2742840" cy="364680"/>
-          </a:xfrm>
-          <a:prstGeom prst="rect">
-            <a:avLst/>
-          </a:prstGeom>
-        </p:spPr>
-        <p:txBody>
-          <a:bodyPr anchor="ctr">
-            <a:noAutofit/>
-          </a:bodyPr>
-          <a:p>
-            <a:pPr algn="r">
-              <a:lnSpc>
-                <a:spcPct val="100000"/>
-              </a:lnSpc>
-            </a:pPr>
-            <a:fld id="{8E10E9DE-5190-47C1-9116-15EABBF496E1}" type="slidenum">
-              <a:rPr b="0" lang="fr-FR" sz="1200" spc="-1" strike="noStrike">
-                <a:solidFill>
-                  <a:srgbClr val="8b8b8b"/>
-                </a:solidFill>
-                <a:latin typeface="Calibri"/>
-              </a:rPr>
-              <a:t>&lt;numéro&gt;</a:t>
-            </a:fld>
-            <a:endParaRPr b="0" lang="fr-FR" sz="1200" spc="-1" strike="noStrike">
-              <a:latin typeface="Times New Roman"/>
-            </a:endParaRPr>
-          </a:p>
-        </p:txBody>
-      </p:sp>
-      <p:sp>
-        <p:nvSpPr>
-          <p:cNvPr id="4" name="PlaceHolder 5"/>
           <p:cNvSpPr>
             <a:spLocks noGrp="1"/>
           </p:cNvSpPr>
@@ -3176,19 +2827,13 @@
               <a:buChar char=""/>
             </a:pPr>
             <a:r>
-              <a:rPr b="0" lang="fr-FR" sz="2800" spc="-1" strike="noStrike">
-                <a:solidFill>
-                  <a:srgbClr val="000000"/>
-                </a:solidFill>
-                <a:latin typeface="Calibri"/>
+              <a:rPr b="0" lang="fr-FR" sz="3200" spc="-1" strike="noStrike">
+                <a:latin typeface="Arial"/>
               </a:rPr>
-              <a:t>Cliquez pour éditer le format du plan de texte</a:t>
+              <a:t>Click to edit the outline text format</a:t>
             </a:r>
-            <a:endParaRPr b="0" lang="fr-FR" sz="2800" spc="-1" strike="noStrike">
-              <a:solidFill>
-                <a:srgbClr val="000000"/>
-              </a:solidFill>
-              <a:latin typeface="Calibri"/>
+            <a:endParaRPr b="0" lang="fr-FR" sz="3200" spc="-1" strike="noStrike">
+              <a:latin typeface="Arial"/>
             </a:endParaRPr>
           </a:p>
           <a:p>
@@ -3204,19 +2849,13 @@
               <a:buChar char=""/>
             </a:pPr>
             <a:r>
-              <a:rPr b="0" lang="fr-FR" sz="2000" spc="-1" strike="noStrike">
-                <a:solidFill>
-                  <a:srgbClr val="000000"/>
-                </a:solidFill>
-                <a:latin typeface="Calibri"/>
+              <a:rPr b="0" lang="fr-FR" sz="2800" spc="-1" strike="noStrike">
+                <a:latin typeface="Arial"/>
               </a:rPr>
-              <a:t>Second niveau de plan</a:t>
+              <a:t>Second Outline Level</a:t>
             </a:r>
-            <a:endParaRPr b="0" lang="fr-FR" sz="2000" spc="-1" strike="noStrike">
-              <a:solidFill>
-                <a:srgbClr val="000000"/>
-              </a:solidFill>
-              <a:latin typeface="Calibri"/>
+            <a:endParaRPr b="0" lang="fr-FR" sz="2800" spc="-1" strike="noStrike">
+              <a:latin typeface="Arial"/>
             </a:endParaRPr>
           </a:p>
           <a:p>
@@ -3232,19 +2871,13 @@
               <a:buChar char=""/>
             </a:pPr>
             <a:r>
-              <a:rPr b="0" lang="fr-FR" sz="1800" spc="-1" strike="noStrike">
-                <a:solidFill>
-                  <a:srgbClr val="000000"/>
-                </a:solidFill>
-                <a:latin typeface="Calibri"/>
+              <a:rPr b="0" lang="fr-FR" sz="2400" spc="-1" strike="noStrike">
+                <a:latin typeface="Arial"/>
               </a:rPr>
-              <a:t>Troisième niveau de plan</a:t>
+              <a:t>Third Outline Level</a:t>
             </a:r>
-            <a:endParaRPr b="0" lang="fr-FR" sz="1800" spc="-1" strike="noStrike">
-              <a:solidFill>
-                <a:srgbClr val="000000"/>
-              </a:solidFill>
-              <a:latin typeface="Calibri"/>
+            <a:endParaRPr b="0" lang="fr-FR" sz="2400" spc="-1" strike="noStrike">
+              <a:latin typeface="Arial"/>
             </a:endParaRPr>
           </a:p>
           <a:p>
@@ -3260,19 +2893,13 @@
               <a:buChar char=""/>
             </a:pPr>
             <a:r>
-              <a:rPr b="0" lang="fr-FR" sz="1800" spc="-1" strike="noStrike">
-                <a:solidFill>
-                  <a:srgbClr val="000000"/>
-                </a:solidFill>
-                <a:latin typeface="Calibri"/>
+              <a:rPr b="0" lang="fr-FR" sz="2000" spc="-1" strike="noStrike">
+                <a:latin typeface="Arial"/>
               </a:rPr>
-              <a:t>Quatrième niveau de plan</a:t>
+              <a:t>Fourth Outline Level</a:t>
             </a:r>
-            <a:endParaRPr b="0" lang="fr-FR" sz="1800" spc="-1" strike="noStrike">
-              <a:solidFill>
-                <a:srgbClr val="000000"/>
-              </a:solidFill>
-              <a:latin typeface="Calibri"/>
+            <a:endParaRPr b="0" lang="fr-FR" sz="2000" spc="-1" strike="noStrike">
+              <a:latin typeface="Arial"/>
             </a:endParaRPr>
           </a:p>
           <a:p>
@@ -3289,18 +2916,12 @@
             </a:pPr>
             <a:r>
               <a:rPr b="0" lang="fr-FR" sz="2000" spc="-1" strike="noStrike">
-                <a:solidFill>
-                  <a:srgbClr val="000000"/>
-                </a:solidFill>
-                <a:latin typeface="Calibri"/>
+                <a:latin typeface="Arial"/>
               </a:rPr>
-              <a:t>Cinquième niveau de plan</a:t>
+              <a:t>Fifth Outline Level</a:t>
             </a:r>
             <a:endParaRPr b="0" lang="fr-FR" sz="2000" spc="-1" strike="noStrike">
-              <a:solidFill>
-                <a:srgbClr val="000000"/>
-              </a:solidFill>
-              <a:latin typeface="Calibri"/>
+              <a:latin typeface="Arial"/>
             </a:endParaRPr>
           </a:p>
           <a:p>
@@ -3317,18 +2938,12 @@
             </a:pPr>
             <a:r>
               <a:rPr b="0" lang="fr-FR" sz="2000" spc="-1" strike="noStrike">
-                <a:solidFill>
-                  <a:srgbClr val="000000"/>
-                </a:solidFill>
-                <a:latin typeface="Calibri"/>
+                <a:latin typeface="Arial"/>
               </a:rPr>
-              <a:t>Sixième niveau de plan</a:t>
+              <a:t>Sixth Outline Level</a:t>
             </a:r>
             <a:endParaRPr b="0" lang="fr-FR" sz="2000" spc="-1" strike="noStrike">
-              <a:solidFill>
-                <a:srgbClr val="000000"/>
-              </a:solidFill>
-              <a:latin typeface="Calibri"/>
+              <a:latin typeface="Arial"/>
             </a:endParaRPr>
           </a:p>
           <a:p>
@@ -3345,18 +2960,12 @@
             </a:pPr>
             <a:r>
               <a:rPr b="0" lang="fr-FR" sz="2000" spc="-1" strike="noStrike">
-                <a:solidFill>
-                  <a:srgbClr val="000000"/>
-                </a:solidFill>
-                <a:latin typeface="Calibri"/>
+                <a:latin typeface="Arial"/>
               </a:rPr>
-              <a:t>Septième niveau de plan</a:t>
+              <a:t>Seventh Outline Level</a:t>
             </a:r>
             <a:endParaRPr b="0" lang="fr-FR" sz="2000" spc="-1" strike="noStrike">
-              <a:solidFill>
-                <a:srgbClr val="000000"/>
-              </a:solidFill>
-              <a:latin typeface="Calibri"/>
+              <a:latin typeface="Arial"/>
             </a:endParaRPr>
           </a:p>
         </p:txBody>
@@ -3407,7 +3016,7 @@
       </p:grpSpPr>
       <p:sp>
         <p:nvSpPr>
-          <p:cNvPr id="41" name="PlaceHolder 1"/>
+          <p:cNvPr id="38" name="PlaceHolder 1"/>
           <p:cNvSpPr>
             <a:spLocks noGrp="1"/>
           </p:cNvSpPr>
@@ -3417,44 +3026,34 @@
         </p:nvSpPr>
         <p:spPr>
           <a:xfrm>
-            <a:off x="838080" y="365040"/>
-            <a:ext cx="10515240" cy="1325160"/>
-          </a:xfrm>
-          <a:prstGeom prst="rect">
-            <a:avLst/>
-          </a:prstGeom>
-        </p:spPr>
-        <p:txBody>
-          <a:bodyPr anchor="ctr">
+            <a:off x="609480" y="273600"/>
+            <a:ext cx="10972440" cy="1144800"/>
+          </a:xfrm>
+          <a:prstGeom prst="rect">
+            <a:avLst/>
+          </a:prstGeom>
+        </p:spPr>
+        <p:txBody>
+          <a:bodyPr lIns="0" rIns="0" tIns="0" bIns="0" anchor="ctr">
             <a:noAutofit/>
           </a:bodyPr>
           <a:p>
-            <a:pPr>
-              <a:lnSpc>
-                <a:spcPct val="90000"/>
-              </a:lnSpc>
-            </a:pPr>
+            <a:pPr algn="ctr"/>
             <a:r>
               <a:rPr b="0" lang="fr-FR" sz="4400" spc="-1" strike="noStrike">
-                <a:solidFill>
-                  <a:srgbClr val="000000"/>
-                </a:solidFill>
-                <a:latin typeface="Calibri Light"/>
+                <a:latin typeface="Arial"/>
               </a:rPr>
-              <a:t>Modifiez le style du titre</a:t>
+              <a:t>Click to edit the title text format</a:t>
             </a:r>
             <a:endParaRPr b="0" lang="fr-FR" sz="4400" spc="-1" strike="noStrike">
-              <a:solidFill>
-                <a:srgbClr val="000000"/>
-              </a:solidFill>
-              <a:latin typeface="Calibri"/>
-            </a:endParaRPr>
-          </a:p>
-        </p:txBody>
-      </p:sp>
-      <p:sp>
-        <p:nvSpPr>
-          <p:cNvPr id="42" name="PlaceHolder 2"/>
+              <a:latin typeface="Arial"/>
+            </a:endParaRPr>
+          </a:p>
+        </p:txBody>
+      </p:sp>
+      <p:sp>
+        <p:nvSpPr>
+          <p:cNvPr id="39" name="PlaceHolder 2"/>
           <p:cNvSpPr>
             <a:spLocks noGrp="1"/>
           </p:cNvSpPr>
@@ -3464,283 +3063,169 @@
         </p:nvSpPr>
         <p:spPr>
           <a:xfrm>
-            <a:off x="838080" y="1825560"/>
-            <a:ext cx="10515240" cy="4350960"/>
-          </a:xfrm>
-          <a:prstGeom prst="rect">
-            <a:avLst/>
-          </a:prstGeom>
-        </p:spPr>
-        <p:txBody>
-          <a:bodyPr>
-            <a:noAutofit/>
-          </a:bodyPr>
-          <a:p>
-            <a:pPr marL="228600" indent="-228240">
-              <a:lnSpc>
-                <a:spcPct val="90000"/>
-              </a:lnSpc>
+            <a:off x="609480" y="1604520"/>
+            <a:ext cx="10972440" cy="3977280"/>
+          </a:xfrm>
+          <a:prstGeom prst="rect">
+            <a:avLst/>
+          </a:prstGeom>
+        </p:spPr>
+        <p:txBody>
+          <a:bodyPr lIns="0" rIns="0" tIns="0" bIns="0">
+            <a:normAutofit/>
+          </a:bodyPr>
+          <a:p>
+            <a:pPr marL="432000" indent="-324000">
               <a:spcBef>
-                <a:spcPts val="1001"/>
+                <a:spcPts val="1417"/>
               </a:spcBef>
               <a:buClr>
                 <a:srgbClr val="000000"/>
               </a:buClr>
-              <a:buFont typeface="Arial"/>
-              <a:buChar char="•"/>
+              <a:buSzPct val="45000"/>
+              <a:buFont typeface="Wingdings" charset="2"/>
+              <a:buChar char=""/>
             </a:pPr>
             <a:r>
-              <a:rPr b="0" lang="fr-FR" sz="2800" spc="-1" strike="noStrike">
-                <a:solidFill>
-                  <a:srgbClr val="000000"/>
-                </a:solidFill>
-                <a:latin typeface="Calibri"/>
+              <a:rPr b="0" lang="fr-FR" sz="3200" spc="-1" strike="noStrike">
+                <a:latin typeface="Arial"/>
               </a:rPr>
-              <a:t>Cliquez pour modifier les styles du texte du masque</a:t>
+              <a:t>Click to edit the outline text format</a:t>
             </a:r>
-            <a:endParaRPr b="0" lang="fr-FR" sz="2800" spc="-1" strike="noStrike">
-              <a:solidFill>
-                <a:srgbClr val="000000"/>
-              </a:solidFill>
-              <a:latin typeface="Calibri"/>
-            </a:endParaRPr>
-          </a:p>
-          <a:p>
-            <a:pPr lvl="1" marL="685800" indent="-228240">
-              <a:lnSpc>
-                <a:spcPct val="90000"/>
-              </a:lnSpc>
+            <a:endParaRPr b="0" lang="fr-FR" sz="3200" spc="-1" strike="noStrike">
+              <a:latin typeface="Arial"/>
+            </a:endParaRPr>
+          </a:p>
+          <a:p>
+            <a:pPr lvl="1" marL="864000" indent="-324000">
               <a:spcBef>
-                <a:spcPts val="499"/>
+                <a:spcPts val="1134"/>
               </a:spcBef>
               <a:buClr>
                 <a:srgbClr val="000000"/>
               </a:buClr>
-              <a:buFont typeface="Arial"/>
-              <a:buChar char="•"/>
+              <a:buSzPct val="75000"/>
+              <a:buFont typeface="Symbol" charset="2"/>
+              <a:buChar char=""/>
             </a:pPr>
             <a:r>
-              <a:rPr b="0" lang="fr-FR" sz="2400" spc="-1" strike="noStrike">
-                <a:solidFill>
-                  <a:srgbClr val="000000"/>
-                </a:solidFill>
-                <a:latin typeface="Calibri"/>
+              <a:rPr b="0" lang="fr-FR" sz="2800" spc="-1" strike="noStrike">
+                <a:latin typeface="Arial"/>
               </a:rPr>
-              <a:t>Deuxième niveau</a:t>
+              <a:t>Second Outline Level</a:t>
             </a:r>
-            <a:endParaRPr b="0" lang="fr-FR" sz="2400" spc="-1" strike="noStrike">
-              <a:solidFill>
-                <a:srgbClr val="000000"/>
-              </a:solidFill>
-              <a:latin typeface="Calibri"/>
-            </a:endParaRPr>
-          </a:p>
-          <a:p>
-            <a:pPr lvl="2" marL="1143000" indent="-228240">
-              <a:lnSpc>
-                <a:spcPct val="90000"/>
-              </a:lnSpc>
+            <a:endParaRPr b="0" lang="fr-FR" sz="2800" spc="-1" strike="noStrike">
+              <a:latin typeface="Arial"/>
+            </a:endParaRPr>
+          </a:p>
+          <a:p>
+            <a:pPr lvl="2" marL="1296000" indent="-288000">
               <a:spcBef>
-                <a:spcPts val="499"/>
+                <a:spcPts val="850"/>
               </a:spcBef>
               <a:buClr>
                 <a:srgbClr val="000000"/>
               </a:buClr>
-              <a:buFont typeface="Arial"/>
-              <a:buChar char="•"/>
+              <a:buSzPct val="45000"/>
+              <a:buFont typeface="Wingdings" charset="2"/>
+              <a:buChar char=""/>
             </a:pPr>
             <a:r>
-              <a:rPr b="0" lang="fr-FR" sz="2000" spc="-1" strike="noStrike">
-                <a:solidFill>
-                  <a:srgbClr val="000000"/>
-                </a:solidFill>
-                <a:latin typeface="Calibri"/>
+              <a:rPr b="0" lang="fr-FR" sz="2400" spc="-1" strike="noStrike">
+                <a:latin typeface="Arial"/>
               </a:rPr>
-              <a:t>Troisième niveau</a:t>
+              <a:t>Third Outline Level</a:t>
             </a:r>
-            <a:endParaRPr b="0" lang="fr-FR" sz="2000" spc="-1" strike="noStrike">
-              <a:solidFill>
-                <a:srgbClr val="000000"/>
-              </a:solidFill>
-              <a:latin typeface="Calibri"/>
-            </a:endParaRPr>
-          </a:p>
-          <a:p>
-            <a:pPr lvl="3" marL="1600200" indent="-228240">
-              <a:lnSpc>
-                <a:spcPct val="90000"/>
-              </a:lnSpc>
+            <a:endParaRPr b="0" lang="fr-FR" sz="2400" spc="-1" strike="noStrike">
+              <a:latin typeface="Arial"/>
+            </a:endParaRPr>
+          </a:p>
+          <a:p>
+            <a:pPr lvl="3" marL="1728000" indent="-216000">
               <a:spcBef>
-                <a:spcPts val="499"/>
+                <a:spcPts val="567"/>
               </a:spcBef>
               <a:buClr>
                 <a:srgbClr val="000000"/>
               </a:buClr>
-              <a:buFont typeface="Arial"/>
-              <a:buChar char="•"/>
+              <a:buSzPct val="75000"/>
+              <a:buFont typeface="Symbol" charset="2"/>
+              <a:buChar char=""/>
             </a:pPr>
             <a:r>
-              <a:rPr b="0" lang="fr-FR" sz="1800" spc="-1" strike="noStrike">
-                <a:solidFill>
-                  <a:srgbClr val="000000"/>
-                </a:solidFill>
-                <a:latin typeface="Calibri"/>
+              <a:rPr b="0" lang="fr-FR" sz="2000" spc="-1" strike="noStrike">
+                <a:latin typeface="Arial"/>
               </a:rPr>
-              <a:t>Quatrième niveau</a:t>
+              <a:t>Fourth Outline Level</a:t>
             </a:r>
-            <a:endParaRPr b="0" lang="fr-FR" sz="1800" spc="-1" strike="noStrike">
-              <a:solidFill>
-                <a:srgbClr val="000000"/>
-              </a:solidFill>
-              <a:latin typeface="Calibri"/>
-            </a:endParaRPr>
-          </a:p>
-          <a:p>
-            <a:pPr lvl="4" marL="2057400" indent="-228240">
-              <a:lnSpc>
-                <a:spcPct val="90000"/>
-              </a:lnSpc>
+            <a:endParaRPr b="0" lang="fr-FR" sz="2000" spc="-1" strike="noStrike">
+              <a:latin typeface="Arial"/>
+            </a:endParaRPr>
+          </a:p>
+          <a:p>
+            <a:pPr lvl="4" marL="2160000" indent="-216000">
               <a:spcBef>
-                <a:spcPts val="499"/>
+                <a:spcPts val="283"/>
               </a:spcBef>
               <a:buClr>
                 <a:srgbClr val="000000"/>
               </a:buClr>
-              <a:buFont typeface="Arial"/>
-              <a:buChar char="•"/>
+              <a:buSzPct val="45000"/>
+              <a:buFont typeface="Wingdings" charset="2"/>
+              <a:buChar char=""/>
             </a:pPr>
             <a:r>
-              <a:rPr b="0" lang="fr-FR" sz="1800" spc="-1" strike="noStrike">
-                <a:solidFill>
-                  <a:srgbClr val="000000"/>
-                </a:solidFill>
-                <a:latin typeface="Calibri"/>
+              <a:rPr b="0" lang="fr-FR" sz="2000" spc="-1" strike="noStrike">
+                <a:latin typeface="Arial"/>
               </a:rPr>
-              <a:t>Cinquième niveau</a:t>
+              <a:t>Fifth Outline Level</a:t>
             </a:r>
-            <a:endParaRPr b="0" lang="fr-FR" sz="1800" spc="-1" strike="noStrike">
-              <a:solidFill>
+            <a:endParaRPr b="0" lang="fr-FR" sz="2000" spc="-1" strike="noStrike">
+              <a:latin typeface="Arial"/>
+            </a:endParaRPr>
+          </a:p>
+          <a:p>
+            <a:pPr lvl="5" marL="2592000" indent="-216000">
+              <a:spcBef>
+                <a:spcPts val="283"/>
+              </a:spcBef>
+              <a:buClr>
                 <a:srgbClr val="000000"/>
-              </a:solidFill>
-              <a:latin typeface="Calibri"/>
-            </a:endParaRPr>
-          </a:p>
-        </p:txBody>
-      </p:sp>
-      <p:sp>
-        <p:nvSpPr>
-          <p:cNvPr id="43" name="PlaceHolder 3"/>
-          <p:cNvSpPr>
-            <a:spLocks noGrp="1"/>
-          </p:cNvSpPr>
-          <p:nvPr>
-            <p:ph type="dt"/>
-          </p:nvPr>
-        </p:nvSpPr>
-        <p:spPr>
-          <a:xfrm>
-            <a:off x="838080" y="6356520"/>
-            <a:ext cx="2742840" cy="364680"/>
-          </a:xfrm>
-          <a:prstGeom prst="rect">
-            <a:avLst/>
-          </a:prstGeom>
-        </p:spPr>
-        <p:txBody>
-          <a:bodyPr anchor="ctr">
-            <a:noAutofit/>
-          </a:bodyPr>
-          <a:p>
-            <a:pPr>
-              <a:lnSpc>
-                <a:spcPct val="100000"/>
-              </a:lnSpc>
+              </a:buClr>
+              <a:buSzPct val="45000"/>
+              <a:buFont typeface="Wingdings" charset="2"/>
+              <a:buChar char=""/>
             </a:pPr>
-            <a:fld id="{F9736F52-0784-4C18-91A6-D4AEB47EA4EB}" type="datetime">
-              <a:rPr b="0" lang="fr-FR" sz="1200" spc="-1" strike="noStrike">
-                <a:solidFill>
-                  <a:srgbClr val="8b8b8b"/>
-                </a:solidFill>
-                <a:latin typeface="Calibri"/>
+            <a:r>
+              <a:rPr b="0" lang="fr-FR" sz="2000" spc="-1" strike="noStrike">
+                <a:latin typeface="Arial"/>
               </a:rPr>
-              <a:t>25/07/2019</a:t>
-            </a:fld>
-            <a:endParaRPr b="0" lang="fr-FR" sz="1200" spc="-1" strike="noStrike">
-              <a:latin typeface="Times New Roman"/>
-            </a:endParaRPr>
-          </a:p>
-        </p:txBody>
-      </p:sp>
-      <p:sp>
-        <p:nvSpPr>
-          <p:cNvPr id="44" name="PlaceHolder 4"/>
-          <p:cNvSpPr>
-            <a:spLocks noGrp="1"/>
-          </p:cNvSpPr>
-          <p:nvPr>
-            <p:ph type="ftr"/>
-          </p:nvPr>
-        </p:nvSpPr>
-        <p:spPr>
-          <a:xfrm>
-            <a:off x="4038480" y="6356520"/>
-            <a:ext cx="4114440" cy="364680"/>
-          </a:xfrm>
-          <a:prstGeom prst="rect">
-            <a:avLst/>
-          </a:prstGeom>
-        </p:spPr>
-        <p:txBody>
-          <a:bodyPr anchor="ctr">
-            <a:noAutofit/>
-          </a:bodyPr>
-          <a:p>
-            <a:endParaRPr b="0" lang="fr-FR" sz="2400" spc="-1" strike="noStrike">
-              <a:latin typeface="Times New Roman"/>
-            </a:endParaRPr>
-          </a:p>
-        </p:txBody>
-      </p:sp>
-      <p:sp>
-        <p:nvSpPr>
-          <p:cNvPr id="45" name="PlaceHolder 5"/>
-          <p:cNvSpPr>
-            <a:spLocks noGrp="1"/>
-          </p:cNvSpPr>
-          <p:nvPr>
-            <p:ph type="sldNum"/>
-          </p:nvPr>
-        </p:nvSpPr>
-        <p:spPr>
-          <a:xfrm>
-            <a:off x="8610480" y="6356520"/>
-            <a:ext cx="2742840" cy="364680"/>
-          </a:xfrm>
-          <a:prstGeom prst="rect">
-            <a:avLst/>
-          </a:prstGeom>
-        </p:spPr>
-        <p:txBody>
-          <a:bodyPr anchor="ctr">
-            <a:noAutofit/>
-          </a:bodyPr>
-          <a:p>
-            <a:pPr algn="r">
-              <a:lnSpc>
-                <a:spcPct val="100000"/>
-              </a:lnSpc>
+              <a:t>Sixth Outline Level</a:t>
+            </a:r>
+            <a:endParaRPr b="0" lang="fr-FR" sz="2000" spc="-1" strike="noStrike">
+              <a:latin typeface="Arial"/>
+            </a:endParaRPr>
+          </a:p>
+          <a:p>
+            <a:pPr lvl="6" marL="3024000" indent="-216000">
+              <a:spcBef>
+                <a:spcPts val="283"/>
+              </a:spcBef>
+              <a:buClr>
+                <a:srgbClr val="000000"/>
+              </a:buClr>
+              <a:buSzPct val="45000"/>
+              <a:buFont typeface="Wingdings" charset="2"/>
+              <a:buChar char=""/>
             </a:pPr>
-            <a:fld id="{DBCE5D6B-4CCD-4772-8844-8C0882FD47F3}" type="slidenum">
-              <a:rPr b="0" lang="fr-FR" sz="1200" spc="-1" strike="noStrike">
-                <a:solidFill>
-                  <a:srgbClr val="8b8b8b"/>
-                </a:solidFill>
-                <a:latin typeface="Calibri"/>
+            <a:r>
+              <a:rPr b="0" lang="fr-FR" sz="2000" spc="-1" strike="noStrike">
+                <a:latin typeface="Arial"/>
               </a:rPr>
-              <a:t>&lt;numéro&gt;</a:t>
-            </a:fld>
-            <a:endParaRPr b="0" lang="fr-FR" sz="1200" spc="-1" strike="noStrike">
-              <a:latin typeface="Times New Roman"/>
+              <a:t>Seventh Outline Level</a:t>
+            </a:r>
+            <a:endParaRPr b="0" lang="fr-FR" sz="2000" spc="-1" strike="noStrike">
+              <a:latin typeface="Arial"/>
             </a:endParaRPr>
           </a:p>
         </p:txBody>
@@ -3791,14 +3276,14 @@
       </p:grpSpPr>
       <p:sp>
         <p:nvSpPr>
-          <p:cNvPr id="82" name="CustomShape 1"/>
+          <p:cNvPr id="76" name="CustomShape 1"/>
           <p:cNvSpPr/>
           <p:nvPr/>
         </p:nvSpPr>
         <p:spPr>
           <a:xfrm>
             <a:off x="0" y="0"/>
-            <a:ext cx="12191760" cy="6857640"/>
+            <a:ext cx="12191400" cy="6857280"/>
           </a:xfrm>
           <a:prstGeom prst="rect">
             <a:avLst/>
@@ -3830,14 +3315,14 @@
       </p:sp>
       <p:sp>
         <p:nvSpPr>
-          <p:cNvPr id="83" name="TextShape 2"/>
-          <p:cNvSpPr txBox="1"/>
+          <p:cNvPr id="77" name="CustomShape 2"/>
+          <p:cNvSpPr/>
           <p:nvPr/>
         </p:nvSpPr>
         <p:spPr>
           <a:xfrm>
             <a:off x="6746760" y="1783800"/>
-            <a:ext cx="4644720" cy="2888640"/>
+            <a:ext cx="4644360" cy="2888280"/>
           </a:xfrm>
           <a:prstGeom prst="rect">
             <a:avLst/>
@@ -3847,8 +3332,14 @@
             <a:noFill/>
           </a:ln>
         </p:spPr>
-        <p:txBody>
-          <a:bodyPr anchor="b">
+        <p:style>
+          <a:lnRef idx="0"/>
+          <a:fillRef idx="0"/>
+          <a:effectRef idx="0"/>
+          <a:fontRef idx="minor"/>
+        </p:style>
+        <p:txBody>
+          <a:bodyPr lIns="90000" rIns="90000" tIns="45000" bIns="45000" anchor="b">
             <a:normAutofit/>
           </a:bodyPr>
           <a:p>
@@ -3867,24 +3358,21 @@
               <a:t>Le projet « Git-moi tout »</a:t>
             </a:r>
             <a:endParaRPr b="0" lang="fr-FR" sz="6000" spc="-1" strike="noStrike">
-              <a:solidFill>
-                <a:srgbClr val="000000"/>
-              </a:solidFill>
-              <a:latin typeface="Calibri"/>
-            </a:endParaRPr>
-          </a:p>
-        </p:txBody>
-      </p:sp>
-      <p:sp>
-        <p:nvSpPr>
-          <p:cNvPr id="84" name="TextShape 3"/>
-          <p:cNvSpPr txBox="1"/>
+              <a:latin typeface="Arial"/>
+            </a:endParaRPr>
+          </a:p>
+        </p:txBody>
+      </p:sp>
+      <p:sp>
+        <p:nvSpPr>
+          <p:cNvPr id="78" name="CustomShape 3"/>
+          <p:cNvSpPr/>
           <p:nvPr/>
         </p:nvSpPr>
         <p:spPr>
           <a:xfrm>
             <a:off x="6746760" y="4750920"/>
-            <a:ext cx="4644720" cy="1147680"/>
+            <a:ext cx="4644360" cy="1147320"/>
           </a:xfrm>
           <a:prstGeom prst="rect">
             <a:avLst/>
@@ -3894,8 +3382,14 @@
             <a:noFill/>
           </a:ln>
         </p:spPr>
-        <p:txBody>
-          <a:bodyPr>
+        <p:style>
+          <a:lnRef idx="0"/>
+          <a:fillRef idx="0"/>
+          <a:effectRef idx="0"/>
+          <a:fontRef idx="minor"/>
+        </p:style>
+        <p:txBody>
+          <a:bodyPr lIns="90000" rIns="90000" tIns="45000" bIns="45000">
             <a:normAutofit/>
           </a:bodyPr>
           <a:p>
@@ -3924,14 +3418,14 @@
       </p:sp>
       <p:sp>
         <p:nvSpPr>
-          <p:cNvPr id="85" name="CustomShape 4"/>
+          <p:cNvPr id="79" name="CustomShape 4"/>
           <p:cNvSpPr/>
           <p:nvPr/>
         </p:nvSpPr>
         <p:spPr>
           <a:xfrm flipH="1">
-            <a:off x="0" y="0"/>
-            <a:ext cx="6172560" cy="6857640"/>
+            <a:off x="-720" y="0"/>
+            <a:ext cx="6172200" cy="6857280"/>
           </a:xfrm>
           <a:custGeom>
             <a:avLst/>
@@ -3995,14 +3489,14 @@
       </p:sp>
       <p:sp>
         <p:nvSpPr>
-          <p:cNvPr id="86" name="CustomShape 5"/>
+          <p:cNvPr id="80" name="CustomShape 5"/>
           <p:cNvSpPr/>
           <p:nvPr/>
         </p:nvSpPr>
         <p:spPr>
           <a:xfrm>
             <a:off x="0" y="0"/>
-            <a:ext cx="6023880" cy="6857640"/>
+            <a:ext cx="6023520" cy="6857280"/>
           </a:xfrm>
           <a:custGeom>
             <a:avLst/>
@@ -4064,7 +3558,7 @@
       </p:sp>
       <p:pic>
         <p:nvPicPr>
-          <p:cNvPr id="87" name="Image 3" descr=""/>
+          <p:cNvPr id="81" name="Image 3" descr=""/>
           <p:cNvPicPr/>
           <p:nvPr/>
         </p:nvPicPr>
@@ -4075,7 +3569,7 @@
         <p:spPr>
           <a:xfrm>
             <a:off x="419400" y="721080"/>
-            <a:ext cx="4047480" cy="4047480"/>
+            <a:ext cx="4047120" cy="4047120"/>
           </a:xfrm>
           <a:prstGeom prst="rect">
             <a:avLst/>
@@ -4124,14 +3618,14 @@
       </p:grpSpPr>
       <p:sp>
         <p:nvSpPr>
-          <p:cNvPr id="88" name="CustomShape 1"/>
+          <p:cNvPr id="82" name="CustomShape 1"/>
           <p:cNvSpPr/>
           <p:nvPr/>
         </p:nvSpPr>
         <p:spPr>
           <a:xfrm>
             <a:off x="0" y="0"/>
-            <a:ext cx="4654080" cy="6857640"/>
+            <a:ext cx="4653720" cy="6857280"/>
           </a:xfrm>
           <a:prstGeom prst="rect">
             <a:avLst/>
@@ -4155,14 +3649,14 @@
       </p:sp>
       <p:sp>
         <p:nvSpPr>
-          <p:cNvPr id="89" name="TextShape 2"/>
-          <p:cNvSpPr txBox="1"/>
+          <p:cNvPr id="83" name="CustomShape 2"/>
+          <p:cNvSpPr/>
           <p:nvPr/>
         </p:nvSpPr>
         <p:spPr>
           <a:xfrm>
             <a:off x="643320" y="643320"/>
-            <a:ext cx="3363480" cy="1596960"/>
+            <a:ext cx="3363120" cy="1596600"/>
           </a:xfrm>
           <a:prstGeom prst="rect">
             <a:avLst/>
@@ -4175,8 +3669,14 @@
             <a:round/>
           </a:ln>
         </p:spPr>
-        <p:txBody>
-          <a:bodyPr anchor="ctr">
+        <p:style>
+          <a:lnRef idx="0"/>
+          <a:fillRef idx="0"/>
+          <a:effectRef idx="0"/>
+          <a:fontRef idx="minor"/>
+        </p:style>
+        <p:txBody>
+          <a:bodyPr lIns="90000" rIns="90000" tIns="45000" bIns="45000" anchor="ctr">
             <a:normAutofit/>
           </a:bodyPr>
           <a:p>
@@ -4195,24 +3695,21 @@
               <a:t>Le but du projet « GIT-moi-tout »</a:t>
             </a:r>
             <a:endParaRPr b="0" lang="fr-FR" sz="2800" spc="-1" strike="noStrike">
-              <a:solidFill>
-                <a:srgbClr val="000000"/>
-              </a:solidFill>
-              <a:latin typeface="Calibri"/>
-            </a:endParaRPr>
-          </a:p>
-        </p:txBody>
-      </p:sp>
-      <p:sp>
-        <p:nvSpPr>
-          <p:cNvPr id="90" name="TextShape 3"/>
-          <p:cNvSpPr txBox="1"/>
+              <a:latin typeface="Arial"/>
+            </a:endParaRPr>
+          </a:p>
+        </p:txBody>
+      </p:sp>
+      <p:sp>
+        <p:nvSpPr>
+          <p:cNvPr id="84" name="CustomShape 3"/>
+          <p:cNvSpPr/>
           <p:nvPr/>
         </p:nvSpPr>
         <p:spPr>
           <a:xfrm>
             <a:off x="643320" y="2638080"/>
-            <a:ext cx="3363480" cy="3415320"/>
+            <a:ext cx="3363120" cy="3414960"/>
           </a:xfrm>
           <a:prstGeom prst="rect">
             <a:avLst/>
@@ -4222,8 +3719,14 @@
             <a:noFill/>
           </a:ln>
         </p:spPr>
-        <p:txBody>
-          <a:bodyPr>
+        <p:style>
+          <a:lnRef idx="0"/>
+          <a:fillRef idx="0"/>
+          <a:effectRef idx="0"/>
+          <a:fontRef idx="minor"/>
+        </p:style>
+        <p:txBody>
+          <a:bodyPr lIns="90000" rIns="90000" tIns="45000" bIns="45000">
             <a:normAutofit/>
           </a:bodyPr>
           <a:p>
@@ -4245,14 +3748,11 @@
               <a:t>Permettre aux novices et au moins novices de comprendre :</a:t>
             </a:r>
             <a:endParaRPr b="0" lang="fr-FR" sz="1700" spc="-1" strike="noStrike">
-              <a:solidFill>
-                <a:srgbClr val="000000"/>
-              </a:solidFill>
-              <a:latin typeface="Calibri"/>
-            </a:endParaRPr>
-          </a:p>
-          <a:p>
-            <a:pPr lvl="1" marL="685800" indent="-228240">
+              <a:latin typeface="Arial"/>
+            </a:endParaRPr>
+          </a:p>
+          <a:p>
+            <a:pPr lvl="1" marL="685800" indent="-227880">
               <a:lnSpc>
                 <a:spcPct val="90000"/>
               </a:lnSpc>
@@ -4275,14 +3775,11 @@
               <a:t>C’est quoi GIT et pour quel usage ?</a:t>
             </a:r>
             <a:endParaRPr b="0" lang="fr-FR" sz="1700" spc="-1" strike="noStrike">
-              <a:solidFill>
-                <a:srgbClr val="000000"/>
-              </a:solidFill>
-              <a:latin typeface="Calibri"/>
-            </a:endParaRPr>
-          </a:p>
-          <a:p>
-            <a:pPr lvl="1" marL="685800" indent="-228240">
+              <a:latin typeface="Arial"/>
+            </a:endParaRPr>
+          </a:p>
+          <a:p>
+            <a:pPr lvl="1" marL="685800" indent="-227880">
               <a:lnSpc>
                 <a:spcPct val="90000"/>
               </a:lnSpc>
@@ -4305,14 +3802,11 @@
               <a:t>Comment fonctionne-t-il?</a:t>
             </a:r>
             <a:endParaRPr b="0" lang="fr-FR" sz="1700" spc="-1" strike="noStrike">
-              <a:solidFill>
-                <a:srgbClr val="000000"/>
-              </a:solidFill>
-              <a:latin typeface="Calibri"/>
-            </a:endParaRPr>
-          </a:p>
-          <a:p>
-            <a:pPr lvl="1" marL="685800" indent="-228240">
+              <a:latin typeface="Arial"/>
+            </a:endParaRPr>
+          </a:p>
+          <a:p>
+            <a:pPr lvl="1" marL="685800" indent="-227880">
               <a:lnSpc>
                 <a:spcPct val="90000"/>
               </a:lnSpc>
@@ -4335,14 +3829,11 @@
               <a:t>Comment bien démarrer avec GIT</a:t>
             </a:r>
             <a:endParaRPr b="0" lang="fr-FR" sz="1700" spc="-1" strike="noStrike">
-              <a:solidFill>
-                <a:srgbClr val="000000"/>
-              </a:solidFill>
-              <a:latin typeface="Calibri"/>
-            </a:endParaRPr>
-          </a:p>
-          <a:p>
-            <a:pPr lvl="1" marL="685800" indent="-228240">
+              <a:latin typeface="Arial"/>
+            </a:endParaRPr>
+          </a:p>
+          <a:p>
+            <a:pPr lvl="1" marL="685800" indent="-227880">
               <a:lnSpc>
                 <a:spcPct val="90000"/>
               </a:lnSpc>
@@ -4365,10 +3856,7 @@
               <a:t>Répondre aux questions et au problèmes que l’ont se poser en utilisant GIT</a:t>
             </a:r>
             <a:endParaRPr b="0" lang="fr-FR" sz="1700" spc="-1" strike="noStrike">
-              <a:solidFill>
-                <a:srgbClr val="000000"/>
-              </a:solidFill>
-              <a:latin typeface="Calibri"/>
+              <a:latin typeface="Arial"/>
             </a:endParaRPr>
           </a:p>
           <a:p>
@@ -4381,25 +3869,24 @@
               </a:spcBef>
             </a:pPr>
             <a:endParaRPr b="0" lang="fr-FR" sz="1700" spc="-1" strike="noStrike">
-              <a:solidFill>
-                <a:srgbClr val="000000"/>
-              </a:solidFill>
-              <a:latin typeface="Calibri"/>
-            </a:endParaRPr>
-          </a:p>
-          <a:p>
+              <a:latin typeface="Arial"/>
+            </a:endParaRPr>
+          </a:p>
+          <a:p>
+            <a:pPr>
+              <a:lnSpc>
+                <a:spcPct val="100000"/>
+              </a:lnSpc>
+            </a:pPr>
             <a:endParaRPr b="0" lang="fr-FR" sz="1700" spc="-1" strike="noStrike">
-              <a:solidFill>
-                <a:srgbClr val="000000"/>
-              </a:solidFill>
-              <a:latin typeface="Calibri"/>
+              <a:latin typeface="Arial"/>
             </a:endParaRPr>
           </a:p>
         </p:txBody>
       </p:sp>
       <p:pic>
         <p:nvPicPr>
-          <p:cNvPr id="91" name="Image 4" descr=""/>
+          <p:cNvPr id="85" name="Image 4" descr=""/>
           <p:cNvPicPr/>
           <p:nvPr/>
         </p:nvPicPr>
@@ -4410,7 +3897,7 @@
         <p:spPr>
           <a:xfrm>
             <a:off x="5198760" y="1295640"/>
-            <a:ext cx="6250320" cy="4687560"/>
+            <a:ext cx="6249960" cy="4687200"/>
           </a:xfrm>
           <a:prstGeom prst="rect">
             <a:avLst/>
@@ -4422,7 +3909,7 @@
       </p:pic>
       <p:pic>
         <p:nvPicPr>
-          <p:cNvPr id="92" name="Image 5" descr=""/>
+          <p:cNvPr id="86" name="Image 5" descr=""/>
           <p:cNvPicPr/>
           <p:nvPr/>
         </p:nvPicPr>
@@ -4433,7 +3920,7 @@
         <p:spPr>
           <a:xfrm>
             <a:off x="11174040" y="137520"/>
-            <a:ext cx="1017720" cy="1011600"/>
+            <a:ext cx="1017360" cy="1011240"/>
           </a:xfrm>
           <a:prstGeom prst="rect">
             <a:avLst/>
@@ -4475,14 +3962,14 @@
       </p:grpSpPr>
       <p:sp>
         <p:nvSpPr>
-          <p:cNvPr id="93" name="TextShape 1"/>
-          <p:cNvSpPr txBox="1"/>
+          <p:cNvPr id="87" name="CustomShape 1"/>
+          <p:cNvSpPr/>
           <p:nvPr/>
         </p:nvSpPr>
         <p:spPr>
           <a:xfrm>
             <a:off x="838080" y="365040"/>
-            <a:ext cx="10515240" cy="1325160"/>
+            <a:ext cx="10514880" cy="1324800"/>
           </a:xfrm>
           <a:prstGeom prst="rect">
             <a:avLst/>
@@ -4492,8 +3979,14 @@
             <a:noFill/>
           </a:ln>
         </p:spPr>
-        <p:txBody>
-          <a:bodyPr anchor="ctr">
+        <p:style>
+          <a:lnRef idx="0"/>
+          <a:fillRef idx="0"/>
+          <a:effectRef idx="0"/>
+          <a:fontRef idx="minor"/>
+        </p:style>
+        <p:txBody>
+          <a:bodyPr lIns="90000" rIns="90000" tIns="45000" bIns="45000" anchor="ctr">
             <a:noAutofit/>
           </a:bodyPr>
           <a:p>
@@ -4512,24 +4005,21 @@
               <a:t>Création d’un wiki : tout savoir sur Git</a:t>
             </a:r>
             <a:endParaRPr b="0" lang="fr-FR" sz="4400" spc="-1" strike="noStrike">
-              <a:solidFill>
-                <a:srgbClr val="000000"/>
-              </a:solidFill>
-              <a:latin typeface="Calibri"/>
-            </a:endParaRPr>
-          </a:p>
-        </p:txBody>
-      </p:sp>
-      <p:sp>
-        <p:nvSpPr>
-          <p:cNvPr id="94" name="TextShape 2"/>
-          <p:cNvSpPr txBox="1"/>
+              <a:latin typeface="Arial"/>
+            </a:endParaRPr>
+          </a:p>
+        </p:txBody>
+      </p:sp>
+      <p:sp>
+        <p:nvSpPr>
+          <p:cNvPr id="88" name="CustomShape 2"/>
+          <p:cNvSpPr/>
           <p:nvPr/>
         </p:nvSpPr>
         <p:spPr>
           <a:xfrm>
             <a:off x="838080" y="1825560"/>
-            <a:ext cx="10515240" cy="4350960"/>
+            <a:ext cx="10514880" cy="4350600"/>
           </a:xfrm>
           <a:prstGeom prst="rect">
             <a:avLst/>
@@ -4539,23 +4029,16 @@
             <a:noFill/>
           </a:ln>
         </p:spPr>
-        <p:txBody>
-          <a:bodyPr>
-            <a:noAutofit/>
-          </a:bodyPr>
-          <a:p>
-            <a:endParaRPr b="0" lang="fr-FR" sz="2800" spc="-1" strike="noStrike">
-              <a:solidFill>
-                <a:srgbClr val="000000"/>
-              </a:solidFill>
-              <a:latin typeface="Calibri"/>
-            </a:endParaRPr>
-          </a:p>
-        </p:txBody>
+        <p:style>
+          <a:lnRef idx="0"/>
+          <a:fillRef idx="0"/>
+          <a:effectRef idx="0"/>
+          <a:fontRef idx="minor"/>
+        </p:style>
       </p:sp>
       <p:pic>
         <p:nvPicPr>
-          <p:cNvPr id="95" name="Image 3" descr=""/>
+          <p:cNvPr id="89" name="Image 3" descr=""/>
           <p:cNvPicPr/>
           <p:nvPr/>
         </p:nvPicPr>
@@ -4566,7 +4049,7 @@
         <p:spPr>
           <a:xfrm>
             <a:off x="10962720" y="174240"/>
-            <a:ext cx="1016640" cy="1013040"/>
+            <a:ext cx="1016280" cy="1012680"/>
           </a:xfrm>
           <a:prstGeom prst="rect">
             <a:avLst/>
@@ -4578,7 +4061,7 @@
       </p:pic>
       <p:pic>
         <p:nvPicPr>
-          <p:cNvPr id="96" name="" descr=""/>
+          <p:cNvPr id="90" name="" descr=""/>
           <p:cNvPicPr/>
           <p:nvPr/>
         </p:nvPicPr>
@@ -4589,7 +4072,7 @@
         <p:spPr>
           <a:xfrm>
             <a:off x="0" y="1690200"/>
-            <a:ext cx="9864000" cy="5167800"/>
+            <a:ext cx="9863640" cy="5167440"/>
           </a:xfrm>
           <a:prstGeom prst="rect">
             <a:avLst/>
@@ -4601,7 +4084,7 @@
       </p:pic>
       <p:pic>
         <p:nvPicPr>
-          <p:cNvPr id="97" name="" descr=""/>
+          <p:cNvPr id="91" name="" descr=""/>
           <p:cNvPicPr/>
           <p:nvPr/>
         </p:nvPicPr>
@@ -4612,7 +4095,7 @@
         <p:spPr>
           <a:xfrm>
             <a:off x="7800120" y="1690200"/>
-            <a:ext cx="4392000" cy="5077800"/>
+            <a:ext cx="4391640" cy="5077440"/>
           </a:xfrm>
           <a:prstGeom prst="rect">
             <a:avLst/>
@@ -4624,14 +4107,14 @@
       </p:pic>
       <p:sp>
         <p:nvSpPr>
-          <p:cNvPr id="98" name="TextShape 3"/>
-          <p:cNvSpPr txBox="1"/>
+          <p:cNvPr id="92" name="CustomShape 3"/>
+          <p:cNvSpPr/>
           <p:nvPr/>
         </p:nvSpPr>
         <p:spPr>
           <a:xfrm>
             <a:off x="8352000" y="2664000"/>
-            <a:ext cx="3240000" cy="3240000"/>
+            <a:ext cx="3239640" cy="3017880"/>
           </a:xfrm>
           <a:prstGeom prst="rect">
             <a:avLst/>
@@ -4641,6 +4124,12 @@
             <a:noFill/>
           </a:ln>
         </p:spPr>
+        <p:style>
+          <a:lnRef idx="0"/>
+          <a:fillRef idx="0"/>
+          <a:effectRef idx="0"/>
+          <a:fontRef idx="minor"/>
+        </p:style>
         <p:txBody>
           <a:bodyPr lIns="0" rIns="0" tIns="0" bIns="0">
             <a:spAutoFit/>
@@ -4661,11 +4150,7 @@
               </a:rPr>
               <a:t>Home : Présentation de Git.</a:t>
             </a:r>
-            <a:endParaRPr b="1" lang="fr-FR" sz="1800" spc="-1" strike="noStrike" u="sng">
-              <a:solidFill>
-                <a:srgbClr val="ffffff"/>
-              </a:solidFill>
-              <a:uFillTx/>
+            <a:endParaRPr b="0" lang="fr-FR" sz="1800" spc="-1" strike="noStrike">
               <a:latin typeface="Arial"/>
             </a:endParaRPr>
           </a:p>
@@ -4675,11 +4160,7 @@
                 <a:spcPct val="100000"/>
               </a:lnSpc>
             </a:pPr>
-            <a:endParaRPr b="1" lang="fr-FR" sz="1800" spc="-1" strike="noStrike" u="sng">
-              <a:solidFill>
-                <a:srgbClr val="ffffff"/>
-              </a:solidFill>
-              <a:uFillTx/>
+            <a:endParaRPr b="0" lang="fr-FR" sz="1800" spc="-1" strike="noStrike">
               <a:latin typeface="Arial"/>
             </a:endParaRPr>
           </a:p>
@@ -4699,11 +4180,7 @@
               </a:rPr>
               <a:t>Installation et Configuration.</a:t>
             </a:r>
-            <a:endParaRPr b="1" lang="fr-FR" sz="1800" spc="-1" strike="noStrike" u="sng">
-              <a:solidFill>
-                <a:srgbClr val="ffffff"/>
-              </a:solidFill>
-              <a:uFillTx/>
+            <a:endParaRPr b="0" lang="fr-FR" sz="1800" spc="-1" strike="noStrike">
               <a:latin typeface="Arial"/>
             </a:endParaRPr>
           </a:p>
@@ -4713,11 +4190,7 @@
                 <a:spcPct val="100000"/>
               </a:lnSpc>
             </a:pPr>
-            <a:endParaRPr b="1" lang="fr-FR" sz="1800" spc="-1" strike="noStrike" u="sng">
-              <a:solidFill>
-                <a:srgbClr val="ffffff"/>
-              </a:solidFill>
-              <a:uFillTx/>
+            <a:endParaRPr b="0" lang="fr-FR" sz="1800" spc="-1" strike="noStrike">
               <a:latin typeface="Arial"/>
             </a:endParaRPr>
           </a:p>
@@ -4737,11 +4210,7 @@
               </a:rPr>
               <a:t>Les Fonctionnalités.</a:t>
             </a:r>
-            <a:endParaRPr b="1" lang="fr-FR" sz="1800" spc="-1" strike="noStrike" u="sng">
-              <a:solidFill>
-                <a:srgbClr val="ffffff"/>
-              </a:solidFill>
-              <a:uFillTx/>
+            <a:endParaRPr b="0" lang="fr-FR" sz="1800" spc="-1" strike="noStrike">
               <a:latin typeface="Arial"/>
             </a:endParaRPr>
           </a:p>
@@ -4751,11 +4220,7 @@
                 <a:spcPct val="100000"/>
               </a:lnSpc>
             </a:pPr>
-            <a:endParaRPr b="1" lang="fr-FR" sz="1800" spc="-1" strike="noStrike" u="sng">
-              <a:solidFill>
-                <a:srgbClr val="ffffff"/>
-              </a:solidFill>
-              <a:uFillTx/>
+            <a:endParaRPr b="0" lang="fr-FR" sz="1800" spc="-1" strike="noStrike">
               <a:latin typeface="Arial"/>
             </a:endParaRPr>
           </a:p>
@@ -4775,11 +4240,7 @@
               </a:rPr>
               <a:t>1 Erreur / 1 Solution</a:t>
             </a:r>
-            <a:endParaRPr b="1" lang="fr-FR" sz="1800" spc="-1" strike="noStrike" u="sng">
-              <a:solidFill>
-                <a:srgbClr val="ffffff"/>
-              </a:solidFill>
-              <a:uFillTx/>
+            <a:endParaRPr b="0" lang="fr-FR" sz="1800" spc="-1" strike="noStrike">
               <a:latin typeface="Arial"/>
             </a:endParaRPr>
           </a:p>
@@ -4789,11 +4250,7 @@
                 <a:spcPct val="100000"/>
               </a:lnSpc>
             </a:pPr>
-            <a:endParaRPr b="1" lang="fr-FR" sz="1800" spc="-1" strike="noStrike" u="sng">
-              <a:solidFill>
-                <a:srgbClr val="ffffff"/>
-              </a:solidFill>
-              <a:uFillTx/>
+            <a:endParaRPr b="0" lang="fr-FR" sz="1800" spc="-1" strike="noStrike">
               <a:latin typeface="Arial"/>
             </a:endParaRPr>
           </a:p>
@@ -4813,11 +4270,7 @@
               </a:rPr>
               <a:t>Alimentation du Twitter</a:t>
             </a:r>
-            <a:endParaRPr b="1" lang="fr-FR" sz="1800" spc="-1" strike="noStrike" u="sng">
-              <a:solidFill>
-                <a:srgbClr val="ffffff"/>
-              </a:solidFill>
-              <a:uFillTx/>
+            <a:endParaRPr b="0" lang="fr-FR" sz="1800" spc="-1" strike="noStrike">
               <a:latin typeface="Arial"/>
             </a:endParaRPr>
           </a:p>
@@ -4827,15 +4280,16 @@
                 <a:spcPct val="100000"/>
               </a:lnSpc>
             </a:pPr>
-            <a:endParaRPr b="1" lang="fr-FR" sz="1800" spc="-1" strike="noStrike" u="sng">
-              <a:solidFill>
-                <a:srgbClr val="ffffff"/>
-              </a:solidFill>
-              <a:uFillTx/>
-              <a:latin typeface="Arial"/>
-            </a:endParaRPr>
-          </a:p>
-          <a:p>
+            <a:endParaRPr b="0" lang="fr-FR" sz="1800" spc="-1" strike="noStrike">
+              <a:latin typeface="Arial"/>
+            </a:endParaRPr>
+          </a:p>
+          <a:p>
+            <a:pPr>
+              <a:lnSpc>
+                <a:spcPct val="100000"/>
+              </a:lnSpc>
+            </a:pPr>
             <a:r>
               <a:rPr b="1" lang="fr-FR" sz="1800" spc="-1" strike="noStrike" u="sng">
                 <a:solidFill>
@@ -4846,11 +4300,7 @@
               </a:rPr>
               <a:t>FAQ</a:t>
             </a:r>
-            <a:endParaRPr b="1" lang="fr-FR" sz="1800" spc="-1" strike="noStrike" u="sng">
-              <a:solidFill>
-                <a:srgbClr val="ffffff"/>
-              </a:solidFill>
-              <a:uFillTx/>
+            <a:endParaRPr b="0" lang="fr-FR" sz="1800" spc="-1" strike="noStrike">
               <a:latin typeface="Arial"/>
             </a:endParaRPr>
           </a:p>
@@ -4888,14 +4338,14 @@
       </p:grpSpPr>
       <p:sp>
         <p:nvSpPr>
-          <p:cNvPr id="99" name="TextShape 1"/>
-          <p:cNvSpPr txBox="1"/>
+          <p:cNvPr id="93" name="CustomShape 1"/>
+          <p:cNvSpPr/>
           <p:nvPr/>
         </p:nvSpPr>
         <p:spPr>
           <a:xfrm>
             <a:off x="838080" y="365040"/>
-            <a:ext cx="10515240" cy="1325160"/>
+            <a:ext cx="10514880" cy="1324800"/>
           </a:xfrm>
           <a:prstGeom prst="rect">
             <a:avLst/>
@@ -4905,8 +4355,14 @@
             <a:noFill/>
           </a:ln>
         </p:spPr>
-        <p:txBody>
-          <a:bodyPr anchor="ctr">
+        <p:style>
+          <a:lnRef idx="0"/>
+          <a:fillRef idx="0"/>
+          <a:effectRef idx="0"/>
+          <a:fontRef idx="minor"/>
+        </p:style>
+        <p:txBody>
+          <a:bodyPr lIns="90000" rIns="90000" tIns="45000" bIns="45000" anchor="ctr">
             <a:noAutofit/>
           </a:bodyPr>
           <a:p>
@@ -4925,24 +4381,21 @@
               <a:t>Création de contenus pour le blog</a:t>
             </a:r>
             <a:endParaRPr b="0" lang="fr-FR" sz="4400" spc="-1" strike="noStrike">
-              <a:solidFill>
-                <a:srgbClr val="000000"/>
-              </a:solidFill>
-              <a:latin typeface="Calibri"/>
-            </a:endParaRPr>
-          </a:p>
-        </p:txBody>
-      </p:sp>
-      <p:sp>
-        <p:nvSpPr>
-          <p:cNvPr id="100" name="TextShape 2"/>
-          <p:cNvSpPr txBox="1"/>
+              <a:latin typeface="Arial"/>
+            </a:endParaRPr>
+          </a:p>
+        </p:txBody>
+      </p:sp>
+      <p:sp>
+        <p:nvSpPr>
+          <p:cNvPr id="94" name="CustomShape 2"/>
+          <p:cNvSpPr/>
           <p:nvPr/>
         </p:nvSpPr>
         <p:spPr>
           <a:xfrm>
             <a:off x="838080" y="1825560"/>
-            <a:ext cx="10515240" cy="4350960"/>
+            <a:ext cx="10514880" cy="4350600"/>
           </a:xfrm>
           <a:prstGeom prst="rect">
             <a:avLst/>
@@ -4952,23 +4405,16 @@
             <a:noFill/>
           </a:ln>
         </p:spPr>
-        <p:txBody>
-          <a:bodyPr>
-            <a:noAutofit/>
-          </a:bodyPr>
-          <a:p>
-            <a:endParaRPr b="0" lang="fr-FR" sz="2800" spc="-1" strike="noStrike">
-              <a:solidFill>
-                <a:srgbClr val="000000"/>
-              </a:solidFill>
-              <a:latin typeface="Calibri"/>
-            </a:endParaRPr>
-          </a:p>
-        </p:txBody>
+        <p:style>
+          <a:lnRef idx="0"/>
+          <a:fillRef idx="0"/>
+          <a:effectRef idx="0"/>
+          <a:fontRef idx="minor"/>
+        </p:style>
       </p:sp>
       <p:pic>
         <p:nvPicPr>
-          <p:cNvPr id="101" name="Image 4" descr=""/>
+          <p:cNvPr id="95" name="Image 4" descr=""/>
           <p:cNvPicPr/>
           <p:nvPr/>
         </p:nvPicPr>
@@ -4979,7 +4425,7 @@
         <p:spPr>
           <a:xfrm>
             <a:off x="10999080" y="174960"/>
-            <a:ext cx="1017720" cy="1011600"/>
+            <a:ext cx="1017360" cy="1011240"/>
           </a:xfrm>
           <a:prstGeom prst="rect">
             <a:avLst/>
@@ -5021,14 +4467,14 @@
       </p:grpSpPr>
       <p:sp>
         <p:nvSpPr>
-          <p:cNvPr id="102" name="TextShape 1"/>
-          <p:cNvSpPr txBox="1"/>
+          <p:cNvPr id="96" name="CustomShape 1"/>
+          <p:cNvSpPr/>
           <p:nvPr/>
         </p:nvSpPr>
         <p:spPr>
           <a:xfrm>
             <a:off x="838080" y="365040"/>
-            <a:ext cx="10515240" cy="1325160"/>
+            <a:ext cx="10514880" cy="1324800"/>
           </a:xfrm>
           <a:prstGeom prst="rect">
             <a:avLst/>
@@ -5038,8 +4484,14 @@
             <a:noFill/>
           </a:ln>
         </p:spPr>
-        <p:txBody>
-          <a:bodyPr anchor="ctr">
+        <p:style>
+          <a:lnRef idx="0"/>
+          <a:fillRef idx="0"/>
+          <a:effectRef idx="0"/>
+          <a:fontRef idx="minor"/>
+        </p:style>
+        <p:txBody>
+          <a:bodyPr lIns="90000" rIns="90000" tIns="45000" bIns="45000" anchor="ctr">
             <a:noAutofit/>
           </a:bodyPr>
           <a:p>
@@ -5058,24 +4510,21 @@
               <a:t>Création de contenus pour le Twitter</a:t>
             </a:r>
             <a:endParaRPr b="0" lang="fr-FR" sz="4400" spc="-1" strike="noStrike">
-              <a:solidFill>
-                <a:srgbClr val="000000"/>
-              </a:solidFill>
-              <a:latin typeface="Calibri"/>
-            </a:endParaRPr>
-          </a:p>
-        </p:txBody>
-      </p:sp>
-      <p:sp>
-        <p:nvSpPr>
-          <p:cNvPr id="103" name="TextShape 2"/>
-          <p:cNvSpPr txBox="1"/>
+              <a:latin typeface="Arial"/>
+            </a:endParaRPr>
+          </a:p>
+        </p:txBody>
+      </p:sp>
+      <p:sp>
+        <p:nvSpPr>
+          <p:cNvPr id="97" name="CustomShape 2"/>
+          <p:cNvSpPr/>
           <p:nvPr/>
         </p:nvSpPr>
         <p:spPr>
           <a:xfrm>
             <a:off x="838080" y="1825560"/>
-            <a:ext cx="10515240" cy="4350960"/>
+            <a:ext cx="10514880" cy="4350600"/>
           </a:xfrm>
           <a:prstGeom prst="rect">
             <a:avLst/>
@@ -5085,23 +4534,16 @@
             <a:noFill/>
           </a:ln>
         </p:spPr>
-        <p:txBody>
-          <a:bodyPr>
-            <a:noAutofit/>
-          </a:bodyPr>
-          <a:p>
-            <a:endParaRPr b="0" lang="fr-FR" sz="2800" spc="-1" strike="noStrike">
-              <a:solidFill>
-                <a:srgbClr val="000000"/>
-              </a:solidFill>
-              <a:latin typeface="Calibri"/>
-            </a:endParaRPr>
-          </a:p>
-        </p:txBody>
+        <p:style>
+          <a:lnRef idx="0"/>
+          <a:fillRef idx="0"/>
+          <a:effectRef idx="0"/>
+          <a:fontRef idx="minor"/>
+        </p:style>
       </p:sp>
       <p:pic>
         <p:nvPicPr>
-          <p:cNvPr id="104" name="Image 4" descr=""/>
+          <p:cNvPr id="98" name="Image 4" descr=""/>
           <p:cNvPicPr/>
           <p:nvPr/>
         </p:nvPicPr>
@@ -5112,7 +4554,7 @@
         <p:spPr>
           <a:xfrm>
             <a:off x="11011680" y="15840"/>
-            <a:ext cx="1017720" cy="1011600"/>
+            <a:ext cx="1017360" cy="1011240"/>
           </a:xfrm>
           <a:prstGeom prst="rect">
             <a:avLst/>
@@ -5122,6 +4564,84 @@
           </a:ln>
         </p:spPr>
       </p:pic>
+      <p:pic>
+        <p:nvPicPr>
+          <p:cNvPr id="99" name="" descr=""/>
+          <p:cNvPicPr/>
+          <p:nvPr/>
+        </p:nvPicPr>
+        <p:blipFill>
+          <a:blip r:embed="rId2"/>
+          <a:stretch/>
+        </p:blipFill>
+        <p:spPr>
+          <a:xfrm>
+            <a:off x="360" y="1682640"/>
+            <a:ext cx="7594920" cy="5175720"/>
+          </a:xfrm>
+          <a:prstGeom prst="rect">
+            <a:avLst/>
+          </a:prstGeom>
+          <a:ln>
+            <a:noFill/>
+          </a:ln>
+        </p:spPr>
+      </p:pic>
+      <p:sp>
+        <p:nvSpPr>
+          <p:cNvPr id="100" name="TextShape 3"/>
+          <p:cNvSpPr txBox="1"/>
+          <p:nvPr/>
+        </p:nvSpPr>
+        <p:spPr>
+          <a:xfrm rot="10800">
+            <a:off x="7485840" y="1690560"/>
+            <a:ext cx="4704480" cy="5167800"/>
+          </a:xfrm>
+          <a:prstGeom prst="rect">
+            <a:avLst/>
+          </a:prstGeom>
+          <a:noFill/>
+          <a:ln>
+            <a:noFill/>
+          </a:ln>
+        </p:spPr>
+        <p:txBody>
+          <a:bodyPr lIns="0" rIns="0" tIns="0" bIns="0" anchor="ctr">
+            <a:spAutoFit/>
+          </a:bodyPr>
+          <a:p>
+            <a:pPr algn="ctr"/>
+            <a:r>
+              <a:rPr b="0" lang="fr-FR" sz="3200" spc="-1" strike="noStrike">
+                <a:latin typeface="Arial"/>
+              </a:rPr>
+              <a:t>Alors voilà on à eu l’idée (enfin on a piqué l’idée sur le </a:t>
+            </a:r>
+            <a:r>
+              <a:rPr b="0" lang="fr-FR" sz="3200" spc="-1" strike="noStrike">
+                <a:latin typeface="Arial"/>
+              </a:rPr>
+              <a:t>compte twitter de la photo de gauche), de faire des petits </a:t>
+            </a:r>
+            <a:r>
+              <a:rPr b="0" lang="fr-FR" sz="3200" spc="-1" strike="noStrike">
+                <a:latin typeface="Arial"/>
+              </a:rPr>
+              <a:t>sondage, poser des questions, tweeter des liens du futur </a:t>
+            </a:r>
+            <a:r>
+              <a:rPr b="0" lang="fr-FR" sz="3200" spc="-1" strike="noStrike">
+                <a:latin typeface="Arial"/>
+              </a:rPr>
+              <a:t>blog.</a:t>
+            </a:r>
+            <a:endParaRPr b="0" lang="fr-FR" sz="3200" spc="-1" strike="noStrike">
+              <a:latin typeface="Arial"/>
+            </a:endParaRPr>
+          </a:p>
+        </p:txBody>
+      </p:sp>
     </p:spTree>
   </p:cSld>
   <mc:AlternateContent>
@@ -5154,14 +4674,14 @@
       </p:grpSpPr>
       <p:sp>
         <p:nvSpPr>
-          <p:cNvPr id="105" name="TextShape 1"/>
-          <p:cNvSpPr txBox="1"/>
+          <p:cNvPr id="101" name="CustomShape 1"/>
+          <p:cNvSpPr/>
           <p:nvPr/>
         </p:nvSpPr>
         <p:spPr>
           <a:xfrm>
             <a:off x="838080" y="365040"/>
-            <a:ext cx="10515240" cy="1325160"/>
+            <a:ext cx="10514880" cy="1324800"/>
           </a:xfrm>
           <a:prstGeom prst="rect">
             <a:avLst/>
@@ -5171,8 +4691,14 @@
             <a:noFill/>
           </a:ln>
         </p:spPr>
-        <p:txBody>
-          <a:bodyPr anchor="ctr">
+        <p:style>
+          <a:lnRef idx="0"/>
+          <a:fillRef idx="0"/>
+          <a:effectRef idx="0"/>
+          <a:fontRef idx="minor"/>
+        </p:style>
+        <p:txBody>
+          <a:bodyPr lIns="90000" rIns="90000" tIns="45000" bIns="45000" anchor="ctr">
             <a:noAutofit/>
           </a:bodyPr>
           <a:p>
@@ -5191,24 +4717,21 @@
               <a:t>Création de contenus pour le jeu FS Pursuit </a:t>
             </a:r>
             <a:endParaRPr b="0" lang="fr-FR" sz="4400" spc="-1" strike="noStrike">
-              <a:solidFill>
-                <a:srgbClr val="000000"/>
-              </a:solidFill>
-              <a:latin typeface="Calibri"/>
-            </a:endParaRPr>
-          </a:p>
-        </p:txBody>
-      </p:sp>
-      <p:sp>
-        <p:nvSpPr>
-          <p:cNvPr id="106" name="TextShape 2"/>
-          <p:cNvSpPr txBox="1"/>
+              <a:latin typeface="Arial"/>
+            </a:endParaRPr>
+          </a:p>
+        </p:txBody>
+      </p:sp>
+      <p:sp>
+        <p:nvSpPr>
+          <p:cNvPr id="102" name="CustomShape 2"/>
+          <p:cNvSpPr/>
           <p:nvPr/>
         </p:nvSpPr>
         <p:spPr>
           <a:xfrm>
             <a:off x="838080" y="1825560"/>
-            <a:ext cx="10515240" cy="4350960"/>
+            <a:ext cx="10514880" cy="4350600"/>
           </a:xfrm>
           <a:prstGeom prst="rect">
             <a:avLst/>
@@ -5218,23 +4741,16 @@
             <a:noFill/>
           </a:ln>
         </p:spPr>
-        <p:txBody>
-          <a:bodyPr>
-            <a:noAutofit/>
-          </a:bodyPr>
-          <a:p>
-            <a:endParaRPr b="0" lang="fr-FR" sz="2800" spc="-1" strike="noStrike">
-              <a:solidFill>
-                <a:srgbClr val="000000"/>
-              </a:solidFill>
-              <a:latin typeface="Calibri"/>
-            </a:endParaRPr>
-          </a:p>
-        </p:txBody>
+        <p:style>
+          <a:lnRef idx="0"/>
+          <a:fillRef idx="0"/>
+          <a:effectRef idx="0"/>
+          <a:fontRef idx="minor"/>
+        </p:style>
       </p:sp>
       <p:pic>
         <p:nvPicPr>
-          <p:cNvPr id="107" name="Image 4" descr=""/>
+          <p:cNvPr id="103" name="Image 4" descr=""/>
           <p:cNvPicPr/>
           <p:nvPr/>
         </p:nvPicPr>
@@ -5245,7 +4761,7 @@
         <p:spPr>
           <a:xfrm>
             <a:off x="11075040" y="15840"/>
-            <a:ext cx="1017720" cy="1011600"/>
+            <a:ext cx="1017360" cy="1011240"/>
           </a:xfrm>
           <a:prstGeom prst="rect">
             <a:avLst/>
@@ -5287,14 +4803,14 @@
       </p:grpSpPr>
       <p:sp>
         <p:nvSpPr>
-          <p:cNvPr id="108" name="TextShape 1"/>
-          <p:cNvSpPr txBox="1"/>
+          <p:cNvPr id="104" name="CustomShape 1"/>
+          <p:cNvSpPr/>
           <p:nvPr/>
         </p:nvSpPr>
         <p:spPr>
           <a:xfrm>
             <a:off x="838080" y="365040"/>
-            <a:ext cx="10515240" cy="1325160"/>
+            <a:ext cx="10514880" cy="1324800"/>
           </a:xfrm>
           <a:prstGeom prst="rect">
             <a:avLst/>
@@ -5304,8 +4820,14 @@
             <a:noFill/>
           </a:ln>
         </p:spPr>
-        <p:txBody>
-          <a:bodyPr anchor="ctr">
+        <p:style>
+          <a:lnRef idx="0"/>
+          <a:fillRef idx="0"/>
+          <a:effectRef idx="0"/>
+          <a:fontRef idx="minor"/>
+        </p:style>
+        <p:txBody>
+          <a:bodyPr lIns="90000" rIns="90000" tIns="45000" bIns="45000" anchor="ctr">
             <a:noAutofit/>
           </a:bodyPr>
           <a:p>
@@ -5324,24 +4846,21 @@
               <a:t>Création d’un FAQ ( les problèmes fréquemment rencontrés par les utilisateurs)</a:t>
             </a:r>
             <a:endParaRPr b="0" lang="fr-FR" sz="4400" spc="-1" strike="noStrike">
-              <a:solidFill>
-                <a:srgbClr val="000000"/>
-              </a:solidFill>
-              <a:latin typeface="Calibri"/>
-            </a:endParaRPr>
-          </a:p>
-        </p:txBody>
-      </p:sp>
-      <p:sp>
-        <p:nvSpPr>
-          <p:cNvPr id="109" name="TextShape 2"/>
-          <p:cNvSpPr txBox="1"/>
+              <a:latin typeface="Arial"/>
+            </a:endParaRPr>
+          </a:p>
+        </p:txBody>
+      </p:sp>
+      <p:sp>
+        <p:nvSpPr>
+          <p:cNvPr id="105" name="CustomShape 2"/>
+          <p:cNvSpPr/>
           <p:nvPr/>
         </p:nvSpPr>
         <p:spPr>
           <a:xfrm>
             <a:off x="838080" y="1825560"/>
-            <a:ext cx="10515240" cy="4350960"/>
+            <a:ext cx="10514880" cy="4350600"/>
           </a:xfrm>
           <a:prstGeom prst="rect">
             <a:avLst/>
@@ -5351,23 +4870,16 @@
             <a:noFill/>
           </a:ln>
         </p:spPr>
-        <p:txBody>
-          <a:bodyPr>
-            <a:noAutofit/>
-          </a:bodyPr>
-          <a:p>
-            <a:endParaRPr b="0" lang="fr-FR" sz="2800" spc="-1" strike="noStrike">
-              <a:solidFill>
-                <a:srgbClr val="000000"/>
-              </a:solidFill>
-              <a:latin typeface="Calibri"/>
-            </a:endParaRPr>
-          </a:p>
-        </p:txBody>
+        <p:style>
+          <a:lnRef idx="0"/>
+          <a:fillRef idx="0"/>
+          <a:effectRef idx="0"/>
+          <a:fontRef idx="minor"/>
+        </p:style>
       </p:sp>
       <p:pic>
         <p:nvPicPr>
-          <p:cNvPr id="110" name="Image 4" descr=""/>
+          <p:cNvPr id="106" name="Image 4" descr=""/>
           <p:cNvPicPr/>
           <p:nvPr/>
         </p:nvPicPr>
@@ -5378,7 +4890,7 @@
         <p:spPr>
           <a:xfrm>
             <a:off x="11075040" y="15840"/>
-            <a:ext cx="1017720" cy="1011600"/>
+            <a:ext cx="1017360" cy="1011240"/>
           </a:xfrm>
           <a:prstGeom prst="rect">
             <a:avLst/>

--- a/GIT-moi-tout.pptx
+++ b/GIT-moi-tout.pptx
@@ -4,18 +4,19 @@
   <p:sldMasterIdLst>
     <p:sldMasterId id="2147483648" r:id="rId2"/>
     <p:sldMasterId id="2147483661" r:id="rId3"/>
+    <p:sldMasterId id="2147483674" r:id="rId4"/>
   </p:sldMasterIdLst>
   <p:sldIdLst>
-    <p:sldId id="256" r:id="rId4"/>
-    <p:sldId id="257" r:id="rId5"/>
-    <p:sldId id="258" r:id="rId6"/>
-    <p:sldId id="259" r:id="rId7"/>
-    <p:sldId id="260" r:id="rId8"/>
-    <p:sldId id="261" r:id="rId9"/>
-    <p:sldId id="262" r:id="rId10"/>
+    <p:sldId id="256" r:id="rId5"/>
+    <p:sldId id="257" r:id="rId6"/>
+    <p:sldId id="258" r:id="rId7"/>
+    <p:sldId id="259" r:id="rId8"/>
+    <p:sldId id="260" r:id="rId9"/>
+    <p:sldId id="261" r:id="rId10"/>
+    <p:sldId id="262" r:id="rId11"/>
   </p:sldIdLst>
   <p:sldSz cx="12192000" cy="6858000"/>
-  <p:notesSz cx="7559675" cy="10691812"/>
+  <p:notesSz cx="7772400" cy="10058400"/>
 </p:presentation>
 </file>
 
@@ -2000,6 +2001,361 @@
 </p:sldLayout>
 </file>
 
+<file path=ppt/slideLayouts/slideLayout25.xml><?xml version="1.0" encoding="utf-8"?>
+<p:sldLayout xmlns:a="http://schemas.openxmlformats.org/drawingml/2006/main" xmlns:p="http://schemas.openxmlformats.org/presentationml/2006/main" xmlns:r="http://schemas.openxmlformats.org/officeDocument/2006/relationships" xmlns:p14="http://schemas.microsoft.com/office/powerpoint/2010/main" xmlns:p15="http://schemas.microsoft.com/office/powerpoint/2012/main" xmlns:mc="http://schemas.openxmlformats.org/markup-compatibility/2006" type="blank" preserve="1">
+  <p:cSld name="Blank Slide">
+    <p:spTree>
+      <p:nvGrpSpPr>
+        <p:cNvPr id="1" name=""/>
+        <p:cNvGrpSpPr/>
+        <p:nvPr/>
+      </p:nvGrpSpPr>
+      <p:grpSpPr>
+        <a:xfrm>
+          <a:off x="0" y="0"/>
+          <a:ext cx="0" cy="0"/>
+          <a:chOff x="0" y="0"/>
+          <a:chExt cx="0" cy="0"/>
+        </a:xfrm>
+      </p:grpSpPr>
+    </p:spTree>
+  </p:cSld>
+</p:sldLayout>
+</file>
+
+<file path=ppt/slideLayouts/slideLayout26.xml><?xml version="1.0" encoding="utf-8"?>
+<p:sldLayout xmlns:a="http://schemas.openxmlformats.org/drawingml/2006/main" xmlns:p="http://schemas.openxmlformats.org/presentationml/2006/main" xmlns:r="http://schemas.openxmlformats.org/officeDocument/2006/relationships" xmlns:p14="http://schemas.microsoft.com/office/powerpoint/2010/main" xmlns:p15="http://schemas.microsoft.com/office/powerpoint/2012/main" xmlns:mc="http://schemas.openxmlformats.org/markup-compatibility/2006" type="tx" preserve="1">
+  <p:cSld name="Title Slide">
+    <p:spTree>
+      <p:nvGrpSpPr>
+        <p:cNvPr id="1" name=""/>
+        <p:cNvGrpSpPr/>
+        <p:nvPr/>
+      </p:nvGrpSpPr>
+      <p:grpSpPr>
+        <a:xfrm>
+          <a:off x="0" y="0"/>
+          <a:ext cx="0" cy="0"/>
+          <a:chOff x="0" y="0"/>
+          <a:chExt cx="0" cy="0"/>
+        </a:xfrm>
+      </p:grpSpPr>
+      <p:sp>
+        <p:nvSpPr>
+          <p:cNvPr id="78" name="PlaceHolder 1"/>
+          <p:cNvSpPr>
+            <a:spLocks noGrp="1"/>
+          </p:cNvSpPr>
+          <p:nvPr>
+            <p:ph type="title"/>
+          </p:nvPr>
+        </p:nvSpPr>
+        <p:spPr>
+          <a:xfrm>
+            <a:off x="609480" y="273600"/>
+            <a:ext cx="10972440" cy="1144800"/>
+          </a:xfrm>
+          <a:prstGeom prst="rect">
+            <a:avLst/>
+          </a:prstGeom>
+        </p:spPr>
+        <p:txBody>
+          <a:bodyPr lIns="0" rIns="0" tIns="0" bIns="0" anchor="ctr">
+            <a:spAutoFit/>
+          </a:bodyPr>
+          <a:p>
+            <a:pPr algn="ctr"/>
+            <a:endParaRPr b="0" lang="fr-FR" sz="4400" spc="-1" strike="noStrike">
+              <a:latin typeface="Arial"/>
+            </a:endParaRPr>
+          </a:p>
+        </p:txBody>
+      </p:sp>
+      <p:sp>
+        <p:nvSpPr>
+          <p:cNvPr id="79" name="PlaceHolder 2"/>
+          <p:cNvSpPr>
+            <a:spLocks noGrp="1"/>
+          </p:cNvSpPr>
+          <p:nvPr>
+            <p:ph type="subTitle"/>
+          </p:nvPr>
+        </p:nvSpPr>
+        <p:spPr>
+          <a:xfrm>
+            <a:off x="609480" y="1604520"/>
+            <a:ext cx="10972440" cy="3977280"/>
+          </a:xfrm>
+          <a:prstGeom prst="rect">
+            <a:avLst/>
+          </a:prstGeom>
+        </p:spPr>
+        <p:txBody>
+          <a:bodyPr lIns="0" rIns="0" tIns="0" bIns="0" anchor="ctr">
+            <a:spAutoFit/>
+          </a:bodyPr>
+          <a:p>
+            <a:pPr algn="ctr"/>
+            <a:endParaRPr b="0" lang="fr-FR" sz="3200" spc="-1" strike="noStrike">
+              <a:latin typeface="Arial"/>
+            </a:endParaRPr>
+          </a:p>
+        </p:txBody>
+      </p:sp>
+    </p:spTree>
+  </p:cSld>
+</p:sldLayout>
+</file>
+
+<file path=ppt/slideLayouts/slideLayout27.xml><?xml version="1.0" encoding="utf-8"?>
+<p:sldLayout xmlns:a="http://schemas.openxmlformats.org/drawingml/2006/main" xmlns:p="http://schemas.openxmlformats.org/presentationml/2006/main" xmlns:r="http://schemas.openxmlformats.org/officeDocument/2006/relationships" xmlns:p14="http://schemas.microsoft.com/office/powerpoint/2010/main" xmlns:p15="http://schemas.microsoft.com/office/powerpoint/2012/main" xmlns:mc="http://schemas.openxmlformats.org/markup-compatibility/2006" type="obj" preserve="1">
+  <p:cSld name="Title, Content">
+    <p:spTree>
+      <p:nvGrpSpPr>
+        <p:cNvPr id="1" name=""/>
+        <p:cNvGrpSpPr/>
+        <p:nvPr/>
+      </p:nvGrpSpPr>
+      <p:grpSpPr>
+        <a:xfrm>
+          <a:off x="0" y="0"/>
+          <a:ext cx="0" cy="0"/>
+          <a:chOff x="0" y="0"/>
+          <a:chExt cx="0" cy="0"/>
+        </a:xfrm>
+      </p:grpSpPr>
+      <p:sp>
+        <p:nvSpPr>
+          <p:cNvPr id="80" name="PlaceHolder 1"/>
+          <p:cNvSpPr>
+            <a:spLocks noGrp="1"/>
+          </p:cNvSpPr>
+          <p:nvPr>
+            <p:ph type="title"/>
+          </p:nvPr>
+        </p:nvSpPr>
+        <p:spPr>
+          <a:xfrm>
+            <a:off x="609480" y="273600"/>
+            <a:ext cx="10972440" cy="1144800"/>
+          </a:xfrm>
+          <a:prstGeom prst="rect">
+            <a:avLst/>
+          </a:prstGeom>
+        </p:spPr>
+        <p:txBody>
+          <a:bodyPr lIns="0" rIns="0" tIns="0" bIns="0" anchor="ctr">
+            <a:spAutoFit/>
+          </a:bodyPr>
+          <a:p>
+            <a:pPr algn="ctr"/>
+            <a:endParaRPr b="0" lang="fr-FR" sz="4400" spc="-1" strike="noStrike">
+              <a:latin typeface="Arial"/>
+            </a:endParaRPr>
+          </a:p>
+        </p:txBody>
+      </p:sp>
+      <p:sp>
+        <p:nvSpPr>
+          <p:cNvPr id="81" name="PlaceHolder 2"/>
+          <p:cNvSpPr>
+            <a:spLocks noGrp="1"/>
+          </p:cNvSpPr>
+          <p:nvPr>
+            <p:ph type="body"/>
+          </p:nvPr>
+        </p:nvSpPr>
+        <p:spPr>
+          <a:xfrm>
+            <a:off x="609480" y="1604520"/>
+            <a:ext cx="10972440" cy="3977280"/>
+          </a:xfrm>
+          <a:prstGeom prst="rect">
+            <a:avLst/>
+          </a:prstGeom>
+        </p:spPr>
+        <p:txBody>
+          <a:bodyPr lIns="0" rIns="0" tIns="0" bIns="0">
+            <a:normAutofit/>
+          </a:bodyPr>
+          <a:p>
+            <a:endParaRPr b="0" lang="fr-FR" sz="3200" spc="-1" strike="noStrike">
+              <a:latin typeface="Arial"/>
+            </a:endParaRPr>
+          </a:p>
+        </p:txBody>
+      </p:sp>
+    </p:spTree>
+  </p:cSld>
+</p:sldLayout>
+</file>
+
+<file path=ppt/slideLayouts/slideLayout28.xml><?xml version="1.0" encoding="utf-8"?>
+<p:sldLayout xmlns:a="http://schemas.openxmlformats.org/drawingml/2006/main" xmlns:p="http://schemas.openxmlformats.org/presentationml/2006/main" xmlns:r="http://schemas.openxmlformats.org/officeDocument/2006/relationships" xmlns:p14="http://schemas.microsoft.com/office/powerpoint/2010/main" xmlns:p15="http://schemas.microsoft.com/office/powerpoint/2012/main" xmlns:mc="http://schemas.openxmlformats.org/markup-compatibility/2006" type="twoObj" preserve="1">
+  <p:cSld name="Title, 2 Content">
+    <p:spTree>
+      <p:nvGrpSpPr>
+        <p:cNvPr id="1" name=""/>
+        <p:cNvGrpSpPr/>
+        <p:nvPr/>
+      </p:nvGrpSpPr>
+      <p:grpSpPr>
+        <a:xfrm>
+          <a:off x="0" y="0"/>
+          <a:ext cx="0" cy="0"/>
+          <a:chOff x="0" y="0"/>
+          <a:chExt cx="0" cy="0"/>
+        </a:xfrm>
+      </p:grpSpPr>
+      <p:sp>
+        <p:nvSpPr>
+          <p:cNvPr id="82" name="PlaceHolder 1"/>
+          <p:cNvSpPr>
+            <a:spLocks noGrp="1"/>
+          </p:cNvSpPr>
+          <p:nvPr>
+            <p:ph type="title"/>
+          </p:nvPr>
+        </p:nvSpPr>
+        <p:spPr>
+          <a:xfrm>
+            <a:off x="609480" y="273600"/>
+            <a:ext cx="10972440" cy="1144800"/>
+          </a:xfrm>
+          <a:prstGeom prst="rect">
+            <a:avLst/>
+          </a:prstGeom>
+        </p:spPr>
+        <p:txBody>
+          <a:bodyPr lIns="0" rIns="0" tIns="0" bIns="0" anchor="ctr">
+            <a:spAutoFit/>
+          </a:bodyPr>
+          <a:p>
+            <a:pPr algn="ctr"/>
+            <a:endParaRPr b="0" lang="fr-FR" sz="4400" spc="-1" strike="noStrike">
+              <a:latin typeface="Arial"/>
+            </a:endParaRPr>
+          </a:p>
+        </p:txBody>
+      </p:sp>
+      <p:sp>
+        <p:nvSpPr>
+          <p:cNvPr id="83" name="PlaceHolder 2"/>
+          <p:cNvSpPr>
+            <a:spLocks noGrp="1"/>
+          </p:cNvSpPr>
+          <p:nvPr>
+            <p:ph type="body"/>
+          </p:nvPr>
+        </p:nvSpPr>
+        <p:spPr>
+          <a:xfrm>
+            <a:off x="609480" y="1604520"/>
+            <a:ext cx="5354280" cy="3977280"/>
+          </a:xfrm>
+          <a:prstGeom prst="rect">
+            <a:avLst/>
+          </a:prstGeom>
+        </p:spPr>
+        <p:txBody>
+          <a:bodyPr lIns="0" rIns="0" tIns="0" bIns="0">
+            <a:normAutofit/>
+          </a:bodyPr>
+          <a:p>
+            <a:endParaRPr b="0" lang="fr-FR" sz="3200" spc="-1" strike="noStrike">
+              <a:latin typeface="Arial"/>
+            </a:endParaRPr>
+          </a:p>
+        </p:txBody>
+      </p:sp>
+      <p:sp>
+        <p:nvSpPr>
+          <p:cNvPr id="84" name="PlaceHolder 3"/>
+          <p:cNvSpPr>
+            <a:spLocks noGrp="1"/>
+          </p:cNvSpPr>
+          <p:nvPr>
+            <p:ph type="body"/>
+          </p:nvPr>
+        </p:nvSpPr>
+        <p:spPr>
+          <a:xfrm>
+            <a:off x="6231960" y="1604520"/>
+            <a:ext cx="5354280" cy="3977280"/>
+          </a:xfrm>
+          <a:prstGeom prst="rect">
+            <a:avLst/>
+          </a:prstGeom>
+        </p:spPr>
+        <p:txBody>
+          <a:bodyPr lIns="0" rIns="0" tIns="0" bIns="0">
+            <a:normAutofit/>
+          </a:bodyPr>
+          <a:p>
+            <a:endParaRPr b="0" lang="fr-FR" sz="3200" spc="-1" strike="noStrike">
+              <a:latin typeface="Arial"/>
+            </a:endParaRPr>
+          </a:p>
+        </p:txBody>
+      </p:sp>
+    </p:spTree>
+  </p:cSld>
+</p:sldLayout>
+</file>
+
+<file path=ppt/slideLayouts/slideLayout29.xml><?xml version="1.0" encoding="utf-8"?>
+<p:sldLayout xmlns:a="http://schemas.openxmlformats.org/drawingml/2006/main" xmlns:p="http://schemas.openxmlformats.org/presentationml/2006/main" xmlns:r="http://schemas.openxmlformats.org/officeDocument/2006/relationships" xmlns:p14="http://schemas.microsoft.com/office/powerpoint/2010/main" xmlns:p15="http://schemas.microsoft.com/office/powerpoint/2012/main" xmlns:mc="http://schemas.openxmlformats.org/markup-compatibility/2006" type="titleOnly" preserve="1">
+  <p:cSld name="Title Only">
+    <p:spTree>
+      <p:nvGrpSpPr>
+        <p:cNvPr id="1" name=""/>
+        <p:cNvGrpSpPr/>
+        <p:nvPr/>
+      </p:nvGrpSpPr>
+      <p:grpSpPr>
+        <a:xfrm>
+          <a:off x="0" y="0"/>
+          <a:ext cx="0" cy="0"/>
+          <a:chOff x="0" y="0"/>
+          <a:chExt cx="0" cy="0"/>
+        </a:xfrm>
+      </p:grpSpPr>
+      <p:sp>
+        <p:nvSpPr>
+          <p:cNvPr id="85" name="PlaceHolder 1"/>
+          <p:cNvSpPr>
+            <a:spLocks noGrp="1"/>
+          </p:cNvSpPr>
+          <p:nvPr>
+            <p:ph type="title"/>
+          </p:nvPr>
+        </p:nvSpPr>
+        <p:spPr>
+          <a:xfrm>
+            <a:off x="609480" y="273600"/>
+            <a:ext cx="10972440" cy="1144800"/>
+          </a:xfrm>
+          <a:prstGeom prst="rect">
+            <a:avLst/>
+          </a:prstGeom>
+        </p:spPr>
+        <p:txBody>
+          <a:bodyPr lIns="0" rIns="0" tIns="0" bIns="0" anchor="ctr">
+            <a:spAutoFit/>
+          </a:bodyPr>
+          <a:p>
+            <a:pPr algn="ctr"/>
+            <a:endParaRPr b="0" lang="fr-FR" sz="4400" spc="-1" strike="noStrike">
+              <a:latin typeface="Arial"/>
+            </a:endParaRPr>
+          </a:p>
+        </p:txBody>
+      </p:sp>
+    </p:spTree>
+  </p:cSld>
+</p:sldLayout>
+</file>
+
 <file path=ppt/slideLayouts/slideLayout3.xml><?xml version="1.0" encoding="utf-8"?>
 <p:sldLayout xmlns:a="http://schemas.openxmlformats.org/drawingml/2006/main" xmlns:p="http://schemas.openxmlformats.org/presentationml/2006/main" xmlns:r="http://schemas.openxmlformats.org/officeDocument/2006/relationships" xmlns:p14="http://schemas.microsoft.com/office/powerpoint/2010/main" xmlns:p15="http://schemas.microsoft.com/office/powerpoint/2012/main" xmlns:mc="http://schemas.openxmlformats.org/markup-compatibility/2006" type="obj" preserve="1">
   <p:cSld name="Title, Content">
@@ -2062,6 +2418,1007 @@
           <a:xfrm>
             <a:off x="609480" y="1604520"/>
             <a:ext cx="10972440" cy="3977280"/>
+          </a:xfrm>
+          <a:prstGeom prst="rect">
+            <a:avLst/>
+          </a:prstGeom>
+        </p:spPr>
+        <p:txBody>
+          <a:bodyPr lIns="0" rIns="0" tIns="0" bIns="0">
+            <a:normAutofit/>
+          </a:bodyPr>
+          <a:p>
+            <a:endParaRPr b="0" lang="fr-FR" sz="3200" spc="-1" strike="noStrike">
+              <a:latin typeface="Arial"/>
+            </a:endParaRPr>
+          </a:p>
+        </p:txBody>
+      </p:sp>
+    </p:spTree>
+  </p:cSld>
+</p:sldLayout>
+</file>
+
+<file path=ppt/slideLayouts/slideLayout30.xml><?xml version="1.0" encoding="utf-8"?>
+<p:sldLayout xmlns:a="http://schemas.openxmlformats.org/drawingml/2006/main" xmlns:p="http://schemas.openxmlformats.org/presentationml/2006/main" xmlns:r="http://schemas.openxmlformats.org/officeDocument/2006/relationships" xmlns:p14="http://schemas.microsoft.com/office/powerpoint/2010/main" xmlns:p15="http://schemas.microsoft.com/office/powerpoint/2012/main" xmlns:mc="http://schemas.openxmlformats.org/markup-compatibility/2006" type="objOnly" preserve="1">
+  <p:cSld name="Centered Text">
+    <p:spTree>
+      <p:nvGrpSpPr>
+        <p:cNvPr id="1" name=""/>
+        <p:cNvGrpSpPr/>
+        <p:nvPr/>
+      </p:nvGrpSpPr>
+      <p:grpSpPr>
+        <a:xfrm>
+          <a:off x="0" y="0"/>
+          <a:ext cx="0" cy="0"/>
+          <a:chOff x="0" y="0"/>
+          <a:chExt cx="0" cy="0"/>
+        </a:xfrm>
+      </p:grpSpPr>
+      <p:sp>
+        <p:nvSpPr>
+          <p:cNvPr id="86" name="PlaceHolder 1"/>
+          <p:cNvSpPr>
+            <a:spLocks noGrp="1"/>
+          </p:cNvSpPr>
+          <p:nvPr>
+            <p:ph type="subTitle"/>
+          </p:nvPr>
+        </p:nvSpPr>
+        <p:spPr>
+          <a:xfrm>
+            <a:off x="609480" y="273600"/>
+            <a:ext cx="10972440" cy="5307840"/>
+          </a:xfrm>
+          <a:prstGeom prst="rect">
+            <a:avLst/>
+          </a:prstGeom>
+        </p:spPr>
+        <p:txBody>
+          <a:bodyPr lIns="0" rIns="0" tIns="0" bIns="0" anchor="ctr">
+            <a:spAutoFit/>
+          </a:bodyPr>
+          <a:p>
+            <a:pPr algn="ctr"/>
+            <a:endParaRPr b="0" lang="fr-FR" sz="3200" spc="-1" strike="noStrike">
+              <a:latin typeface="Arial"/>
+            </a:endParaRPr>
+          </a:p>
+        </p:txBody>
+      </p:sp>
+    </p:spTree>
+  </p:cSld>
+</p:sldLayout>
+</file>
+
+<file path=ppt/slideLayouts/slideLayout31.xml><?xml version="1.0" encoding="utf-8"?>
+<p:sldLayout xmlns:a="http://schemas.openxmlformats.org/drawingml/2006/main" xmlns:p="http://schemas.openxmlformats.org/presentationml/2006/main" xmlns:r="http://schemas.openxmlformats.org/officeDocument/2006/relationships" xmlns:p14="http://schemas.microsoft.com/office/powerpoint/2010/main" xmlns:p15="http://schemas.microsoft.com/office/powerpoint/2012/main" xmlns:mc="http://schemas.openxmlformats.org/markup-compatibility/2006" type="twoObjAndObj" preserve="1">
+  <p:cSld name="Title, 2 Content and Content">
+    <p:spTree>
+      <p:nvGrpSpPr>
+        <p:cNvPr id="1" name=""/>
+        <p:cNvGrpSpPr/>
+        <p:nvPr/>
+      </p:nvGrpSpPr>
+      <p:grpSpPr>
+        <a:xfrm>
+          <a:off x="0" y="0"/>
+          <a:ext cx="0" cy="0"/>
+          <a:chOff x="0" y="0"/>
+          <a:chExt cx="0" cy="0"/>
+        </a:xfrm>
+      </p:grpSpPr>
+      <p:sp>
+        <p:nvSpPr>
+          <p:cNvPr id="87" name="PlaceHolder 1"/>
+          <p:cNvSpPr>
+            <a:spLocks noGrp="1"/>
+          </p:cNvSpPr>
+          <p:nvPr>
+            <p:ph type="title"/>
+          </p:nvPr>
+        </p:nvSpPr>
+        <p:spPr>
+          <a:xfrm>
+            <a:off x="609480" y="273600"/>
+            <a:ext cx="10972440" cy="1144800"/>
+          </a:xfrm>
+          <a:prstGeom prst="rect">
+            <a:avLst/>
+          </a:prstGeom>
+        </p:spPr>
+        <p:txBody>
+          <a:bodyPr lIns="0" rIns="0" tIns="0" bIns="0" anchor="ctr">
+            <a:spAutoFit/>
+          </a:bodyPr>
+          <a:p>
+            <a:pPr algn="ctr"/>
+            <a:endParaRPr b="0" lang="fr-FR" sz="4400" spc="-1" strike="noStrike">
+              <a:latin typeface="Arial"/>
+            </a:endParaRPr>
+          </a:p>
+        </p:txBody>
+      </p:sp>
+      <p:sp>
+        <p:nvSpPr>
+          <p:cNvPr id="88" name="PlaceHolder 2"/>
+          <p:cNvSpPr>
+            <a:spLocks noGrp="1"/>
+          </p:cNvSpPr>
+          <p:nvPr>
+            <p:ph type="body"/>
+          </p:nvPr>
+        </p:nvSpPr>
+        <p:spPr>
+          <a:xfrm>
+            <a:off x="609480" y="1604520"/>
+            <a:ext cx="5354280" cy="1896840"/>
+          </a:xfrm>
+          <a:prstGeom prst="rect">
+            <a:avLst/>
+          </a:prstGeom>
+        </p:spPr>
+        <p:txBody>
+          <a:bodyPr lIns="0" rIns="0" tIns="0" bIns="0">
+            <a:normAutofit/>
+          </a:bodyPr>
+          <a:p>
+            <a:endParaRPr b="0" lang="fr-FR" sz="3200" spc="-1" strike="noStrike">
+              <a:latin typeface="Arial"/>
+            </a:endParaRPr>
+          </a:p>
+        </p:txBody>
+      </p:sp>
+      <p:sp>
+        <p:nvSpPr>
+          <p:cNvPr id="89" name="PlaceHolder 3"/>
+          <p:cNvSpPr>
+            <a:spLocks noGrp="1"/>
+          </p:cNvSpPr>
+          <p:nvPr>
+            <p:ph type="body"/>
+          </p:nvPr>
+        </p:nvSpPr>
+        <p:spPr>
+          <a:xfrm>
+            <a:off x="6231960" y="1604520"/>
+            <a:ext cx="5354280" cy="3977280"/>
+          </a:xfrm>
+          <a:prstGeom prst="rect">
+            <a:avLst/>
+          </a:prstGeom>
+        </p:spPr>
+        <p:txBody>
+          <a:bodyPr lIns="0" rIns="0" tIns="0" bIns="0">
+            <a:normAutofit/>
+          </a:bodyPr>
+          <a:p>
+            <a:endParaRPr b="0" lang="fr-FR" sz="3200" spc="-1" strike="noStrike">
+              <a:latin typeface="Arial"/>
+            </a:endParaRPr>
+          </a:p>
+        </p:txBody>
+      </p:sp>
+      <p:sp>
+        <p:nvSpPr>
+          <p:cNvPr id="90" name="PlaceHolder 4"/>
+          <p:cNvSpPr>
+            <a:spLocks noGrp="1"/>
+          </p:cNvSpPr>
+          <p:nvPr>
+            <p:ph type="body"/>
+          </p:nvPr>
+        </p:nvSpPr>
+        <p:spPr>
+          <a:xfrm>
+            <a:off x="609480" y="3682080"/>
+            <a:ext cx="5354280" cy="1896840"/>
+          </a:xfrm>
+          <a:prstGeom prst="rect">
+            <a:avLst/>
+          </a:prstGeom>
+        </p:spPr>
+        <p:txBody>
+          <a:bodyPr lIns="0" rIns="0" tIns="0" bIns="0">
+            <a:normAutofit/>
+          </a:bodyPr>
+          <a:p>
+            <a:endParaRPr b="0" lang="fr-FR" sz="3200" spc="-1" strike="noStrike">
+              <a:latin typeface="Arial"/>
+            </a:endParaRPr>
+          </a:p>
+        </p:txBody>
+      </p:sp>
+    </p:spTree>
+  </p:cSld>
+</p:sldLayout>
+</file>
+
+<file path=ppt/slideLayouts/slideLayout32.xml><?xml version="1.0" encoding="utf-8"?>
+<p:sldLayout xmlns:a="http://schemas.openxmlformats.org/drawingml/2006/main" xmlns:p="http://schemas.openxmlformats.org/presentationml/2006/main" xmlns:r="http://schemas.openxmlformats.org/officeDocument/2006/relationships" xmlns:p14="http://schemas.microsoft.com/office/powerpoint/2010/main" xmlns:p15="http://schemas.microsoft.com/office/powerpoint/2012/main" xmlns:mc="http://schemas.openxmlformats.org/markup-compatibility/2006" type="objAndTwoObj" preserve="1">
+  <p:cSld name="Title Content and 2 Content">
+    <p:spTree>
+      <p:nvGrpSpPr>
+        <p:cNvPr id="1" name=""/>
+        <p:cNvGrpSpPr/>
+        <p:nvPr/>
+      </p:nvGrpSpPr>
+      <p:grpSpPr>
+        <a:xfrm>
+          <a:off x="0" y="0"/>
+          <a:ext cx="0" cy="0"/>
+          <a:chOff x="0" y="0"/>
+          <a:chExt cx="0" cy="0"/>
+        </a:xfrm>
+      </p:grpSpPr>
+      <p:sp>
+        <p:nvSpPr>
+          <p:cNvPr id="91" name="PlaceHolder 1"/>
+          <p:cNvSpPr>
+            <a:spLocks noGrp="1"/>
+          </p:cNvSpPr>
+          <p:nvPr>
+            <p:ph type="title"/>
+          </p:nvPr>
+        </p:nvSpPr>
+        <p:spPr>
+          <a:xfrm>
+            <a:off x="609480" y="273600"/>
+            <a:ext cx="10972440" cy="1144800"/>
+          </a:xfrm>
+          <a:prstGeom prst="rect">
+            <a:avLst/>
+          </a:prstGeom>
+        </p:spPr>
+        <p:txBody>
+          <a:bodyPr lIns="0" rIns="0" tIns="0" bIns="0" anchor="ctr">
+            <a:spAutoFit/>
+          </a:bodyPr>
+          <a:p>
+            <a:pPr algn="ctr"/>
+            <a:endParaRPr b="0" lang="fr-FR" sz="4400" spc="-1" strike="noStrike">
+              <a:latin typeface="Arial"/>
+            </a:endParaRPr>
+          </a:p>
+        </p:txBody>
+      </p:sp>
+      <p:sp>
+        <p:nvSpPr>
+          <p:cNvPr id="92" name="PlaceHolder 2"/>
+          <p:cNvSpPr>
+            <a:spLocks noGrp="1"/>
+          </p:cNvSpPr>
+          <p:nvPr>
+            <p:ph type="body"/>
+          </p:nvPr>
+        </p:nvSpPr>
+        <p:spPr>
+          <a:xfrm>
+            <a:off x="609480" y="1604520"/>
+            <a:ext cx="5354280" cy="3977280"/>
+          </a:xfrm>
+          <a:prstGeom prst="rect">
+            <a:avLst/>
+          </a:prstGeom>
+        </p:spPr>
+        <p:txBody>
+          <a:bodyPr lIns="0" rIns="0" tIns="0" bIns="0">
+            <a:normAutofit/>
+          </a:bodyPr>
+          <a:p>
+            <a:endParaRPr b="0" lang="fr-FR" sz="3200" spc="-1" strike="noStrike">
+              <a:latin typeface="Arial"/>
+            </a:endParaRPr>
+          </a:p>
+        </p:txBody>
+      </p:sp>
+      <p:sp>
+        <p:nvSpPr>
+          <p:cNvPr id="93" name="PlaceHolder 3"/>
+          <p:cNvSpPr>
+            <a:spLocks noGrp="1"/>
+          </p:cNvSpPr>
+          <p:nvPr>
+            <p:ph type="body"/>
+          </p:nvPr>
+        </p:nvSpPr>
+        <p:spPr>
+          <a:xfrm>
+            <a:off x="6231960" y="1604520"/>
+            <a:ext cx="5354280" cy="1896840"/>
+          </a:xfrm>
+          <a:prstGeom prst="rect">
+            <a:avLst/>
+          </a:prstGeom>
+        </p:spPr>
+        <p:txBody>
+          <a:bodyPr lIns="0" rIns="0" tIns="0" bIns="0">
+            <a:normAutofit/>
+          </a:bodyPr>
+          <a:p>
+            <a:endParaRPr b="0" lang="fr-FR" sz="3200" spc="-1" strike="noStrike">
+              <a:latin typeface="Arial"/>
+            </a:endParaRPr>
+          </a:p>
+        </p:txBody>
+      </p:sp>
+      <p:sp>
+        <p:nvSpPr>
+          <p:cNvPr id="94" name="PlaceHolder 4"/>
+          <p:cNvSpPr>
+            <a:spLocks noGrp="1"/>
+          </p:cNvSpPr>
+          <p:nvPr>
+            <p:ph type="body"/>
+          </p:nvPr>
+        </p:nvSpPr>
+        <p:spPr>
+          <a:xfrm>
+            <a:off x="6231960" y="3682080"/>
+            <a:ext cx="5354280" cy="1896840"/>
+          </a:xfrm>
+          <a:prstGeom prst="rect">
+            <a:avLst/>
+          </a:prstGeom>
+        </p:spPr>
+        <p:txBody>
+          <a:bodyPr lIns="0" rIns="0" tIns="0" bIns="0">
+            <a:normAutofit/>
+          </a:bodyPr>
+          <a:p>
+            <a:endParaRPr b="0" lang="fr-FR" sz="3200" spc="-1" strike="noStrike">
+              <a:latin typeface="Arial"/>
+            </a:endParaRPr>
+          </a:p>
+        </p:txBody>
+      </p:sp>
+    </p:spTree>
+  </p:cSld>
+</p:sldLayout>
+</file>
+
+<file path=ppt/slideLayouts/slideLayout33.xml><?xml version="1.0" encoding="utf-8"?>
+<p:sldLayout xmlns:a="http://schemas.openxmlformats.org/drawingml/2006/main" xmlns:p="http://schemas.openxmlformats.org/presentationml/2006/main" xmlns:r="http://schemas.openxmlformats.org/officeDocument/2006/relationships" xmlns:p14="http://schemas.microsoft.com/office/powerpoint/2010/main" xmlns:p15="http://schemas.microsoft.com/office/powerpoint/2012/main" xmlns:mc="http://schemas.openxmlformats.org/markup-compatibility/2006" type="twoObjOverTx" preserve="1">
+  <p:cSld name="Title, 2 Content over Content">
+    <p:spTree>
+      <p:nvGrpSpPr>
+        <p:cNvPr id="1" name=""/>
+        <p:cNvGrpSpPr/>
+        <p:nvPr/>
+      </p:nvGrpSpPr>
+      <p:grpSpPr>
+        <a:xfrm>
+          <a:off x="0" y="0"/>
+          <a:ext cx="0" cy="0"/>
+          <a:chOff x="0" y="0"/>
+          <a:chExt cx="0" cy="0"/>
+        </a:xfrm>
+      </p:grpSpPr>
+      <p:sp>
+        <p:nvSpPr>
+          <p:cNvPr id="95" name="PlaceHolder 1"/>
+          <p:cNvSpPr>
+            <a:spLocks noGrp="1"/>
+          </p:cNvSpPr>
+          <p:nvPr>
+            <p:ph type="title"/>
+          </p:nvPr>
+        </p:nvSpPr>
+        <p:spPr>
+          <a:xfrm>
+            <a:off x="609480" y="273600"/>
+            <a:ext cx="10972440" cy="1144800"/>
+          </a:xfrm>
+          <a:prstGeom prst="rect">
+            <a:avLst/>
+          </a:prstGeom>
+        </p:spPr>
+        <p:txBody>
+          <a:bodyPr lIns="0" rIns="0" tIns="0" bIns="0" anchor="ctr">
+            <a:spAutoFit/>
+          </a:bodyPr>
+          <a:p>
+            <a:pPr algn="ctr"/>
+            <a:endParaRPr b="0" lang="fr-FR" sz="4400" spc="-1" strike="noStrike">
+              <a:latin typeface="Arial"/>
+            </a:endParaRPr>
+          </a:p>
+        </p:txBody>
+      </p:sp>
+      <p:sp>
+        <p:nvSpPr>
+          <p:cNvPr id="96" name="PlaceHolder 2"/>
+          <p:cNvSpPr>
+            <a:spLocks noGrp="1"/>
+          </p:cNvSpPr>
+          <p:nvPr>
+            <p:ph type="body"/>
+          </p:nvPr>
+        </p:nvSpPr>
+        <p:spPr>
+          <a:xfrm>
+            <a:off x="609480" y="1604520"/>
+            <a:ext cx="5354280" cy="1896840"/>
+          </a:xfrm>
+          <a:prstGeom prst="rect">
+            <a:avLst/>
+          </a:prstGeom>
+        </p:spPr>
+        <p:txBody>
+          <a:bodyPr lIns="0" rIns="0" tIns="0" bIns="0">
+            <a:normAutofit/>
+          </a:bodyPr>
+          <a:p>
+            <a:endParaRPr b="0" lang="fr-FR" sz="3200" spc="-1" strike="noStrike">
+              <a:latin typeface="Arial"/>
+            </a:endParaRPr>
+          </a:p>
+        </p:txBody>
+      </p:sp>
+      <p:sp>
+        <p:nvSpPr>
+          <p:cNvPr id="97" name="PlaceHolder 3"/>
+          <p:cNvSpPr>
+            <a:spLocks noGrp="1"/>
+          </p:cNvSpPr>
+          <p:nvPr>
+            <p:ph type="body"/>
+          </p:nvPr>
+        </p:nvSpPr>
+        <p:spPr>
+          <a:xfrm>
+            <a:off x="6231960" y="1604520"/>
+            <a:ext cx="5354280" cy="1896840"/>
+          </a:xfrm>
+          <a:prstGeom prst="rect">
+            <a:avLst/>
+          </a:prstGeom>
+        </p:spPr>
+        <p:txBody>
+          <a:bodyPr lIns="0" rIns="0" tIns="0" bIns="0">
+            <a:normAutofit/>
+          </a:bodyPr>
+          <a:p>
+            <a:endParaRPr b="0" lang="fr-FR" sz="3200" spc="-1" strike="noStrike">
+              <a:latin typeface="Arial"/>
+            </a:endParaRPr>
+          </a:p>
+        </p:txBody>
+      </p:sp>
+      <p:sp>
+        <p:nvSpPr>
+          <p:cNvPr id="98" name="PlaceHolder 4"/>
+          <p:cNvSpPr>
+            <a:spLocks noGrp="1"/>
+          </p:cNvSpPr>
+          <p:nvPr>
+            <p:ph type="body"/>
+          </p:nvPr>
+        </p:nvSpPr>
+        <p:spPr>
+          <a:xfrm>
+            <a:off x="609480" y="3682080"/>
+            <a:ext cx="10972440" cy="1896840"/>
+          </a:xfrm>
+          <a:prstGeom prst="rect">
+            <a:avLst/>
+          </a:prstGeom>
+        </p:spPr>
+        <p:txBody>
+          <a:bodyPr lIns="0" rIns="0" tIns="0" bIns="0">
+            <a:normAutofit/>
+          </a:bodyPr>
+          <a:p>
+            <a:endParaRPr b="0" lang="fr-FR" sz="3200" spc="-1" strike="noStrike">
+              <a:latin typeface="Arial"/>
+            </a:endParaRPr>
+          </a:p>
+        </p:txBody>
+      </p:sp>
+    </p:spTree>
+  </p:cSld>
+</p:sldLayout>
+</file>
+
+<file path=ppt/slideLayouts/slideLayout34.xml><?xml version="1.0" encoding="utf-8"?>
+<p:sldLayout xmlns:a="http://schemas.openxmlformats.org/drawingml/2006/main" xmlns:p="http://schemas.openxmlformats.org/presentationml/2006/main" xmlns:r="http://schemas.openxmlformats.org/officeDocument/2006/relationships" xmlns:p14="http://schemas.microsoft.com/office/powerpoint/2010/main" xmlns:p15="http://schemas.microsoft.com/office/powerpoint/2012/main" xmlns:mc="http://schemas.openxmlformats.org/markup-compatibility/2006" type="objOverTx" preserve="1">
+  <p:cSld name="Title, Content over Content">
+    <p:spTree>
+      <p:nvGrpSpPr>
+        <p:cNvPr id="1" name=""/>
+        <p:cNvGrpSpPr/>
+        <p:nvPr/>
+      </p:nvGrpSpPr>
+      <p:grpSpPr>
+        <a:xfrm>
+          <a:off x="0" y="0"/>
+          <a:ext cx="0" cy="0"/>
+          <a:chOff x="0" y="0"/>
+          <a:chExt cx="0" cy="0"/>
+        </a:xfrm>
+      </p:grpSpPr>
+      <p:sp>
+        <p:nvSpPr>
+          <p:cNvPr id="99" name="PlaceHolder 1"/>
+          <p:cNvSpPr>
+            <a:spLocks noGrp="1"/>
+          </p:cNvSpPr>
+          <p:nvPr>
+            <p:ph type="title"/>
+          </p:nvPr>
+        </p:nvSpPr>
+        <p:spPr>
+          <a:xfrm>
+            <a:off x="609480" y="273600"/>
+            <a:ext cx="10972440" cy="1144800"/>
+          </a:xfrm>
+          <a:prstGeom prst="rect">
+            <a:avLst/>
+          </a:prstGeom>
+        </p:spPr>
+        <p:txBody>
+          <a:bodyPr lIns="0" rIns="0" tIns="0" bIns="0" anchor="ctr">
+            <a:spAutoFit/>
+          </a:bodyPr>
+          <a:p>
+            <a:pPr algn="ctr"/>
+            <a:endParaRPr b="0" lang="fr-FR" sz="4400" spc="-1" strike="noStrike">
+              <a:latin typeface="Arial"/>
+            </a:endParaRPr>
+          </a:p>
+        </p:txBody>
+      </p:sp>
+      <p:sp>
+        <p:nvSpPr>
+          <p:cNvPr id="100" name="PlaceHolder 2"/>
+          <p:cNvSpPr>
+            <a:spLocks noGrp="1"/>
+          </p:cNvSpPr>
+          <p:nvPr>
+            <p:ph type="body"/>
+          </p:nvPr>
+        </p:nvSpPr>
+        <p:spPr>
+          <a:xfrm>
+            <a:off x="609480" y="1604520"/>
+            <a:ext cx="10972440" cy="1896840"/>
+          </a:xfrm>
+          <a:prstGeom prst="rect">
+            <a:avLst/>
+          </a:prstGeom>
+        </p:spPr>
+        <p:txBody>
+          <a:bodyPr lIns="0" rIns="0" tIns="0" bIns="0">
+            <a:normAutofit/>
+          </a:bodyPr>
+          <a:p>
+            <a:endParaRPr b="0" lang="fr-FR" sz="3200" spc="-1" strike="noStrike">
+              <a:latin typeface="Arial"/>
+            </a:endParaRPr>
+          </a:p>
+        </p:txBody>
+      </p:sp>
+      <p:sp>
+        <p:nvSpPr>
+          <p:cNvPr id="101" name="PlaceHolder 3"/>
+          <p:cNvSpPr>
+            <a:spLocks noGrp="1"/>
+          </p:cNvSpPr>
+          <p:nvPr>
+            <p:ph type="body"/>
+          </p:nvPr>
+        </p:nvSpPr>
+        <p:spPr>
+          <a:xfrm>
+            <a:off x="609480" y="3682080"/>
+            <a:ext cx="10972440" cy="1896840"/>
+          </a:xfrm>
+          <a:prstGeom prst="rect">
+            <a:avLst/>
+          </a:prstGeom>
+        </p:spPr>
+        <p:txBody>
+          <a:bodyPr lIns="0" rIns="0" tIns="0" bIns="0">
+            <a:normAutofit/>
+          </a:bodyPr>
+          <a:p>
+            <a:endParaRPr b="0" lang="fr-FR" sz="3200" spc="-1" strike="noStrike">
+              <a:latin typeface="Arial"/>
+            </a:endParaRPr>
+          </a:p>
+        </p:txBody>
+      </p:sp>
+    </p:spTree>
+  </p:cSld>
+</p:sldLayout>
+</file>
+
+<file path=ppt/slideLayouts/slideLayout35.xml><?xml version="1.0" encoding="utf-8"?>
+<p:sldLayout xmlns:a="http://schemas.openxmlformats.org/drawingml/2006/main" xmlns:p="http://schemas.openxmlformats.org/presentationml/2006/main" xmlns:r="http://schemas.openxmlformats.org/officeDocument/2006/relationships" xmlns:p14="http://schemas.microsoft.com/office/powerpoint/2010/main" xmlns:p15="http://schemas.microsoft.com/office/powerpoint/2012/main" xmlns:mc="http://schemas.openxmlformats.org/markup-compatibility/2006" type="fourObj" preserve="1">
+  <p:cSld name="Title, 4 Content">
+    <p:spTree>
+      <p:nvGrpSpPr>
+        <p:cNvPr id="1" name=""/>
+        <p:cNvGrpSpPr/>
+        <p:nvPr/>
+      </p:nvGrpSpPr>
+      <p:grpSpPr>
+        <a:xfrm>
+          <a:off x="0" y="0"/>
+          <a:ext cx="0" cy="0"/>
+          <a:chOff x="0" y="0"/>
+          <a:chExt cx="0" cy="0"/>
+        </a:xfrm>
+      </p:grpSpPr>
+      <p:sp>
+        <p:nvSpPr>
+          <p:cNvPr id="102" name="PlaceHolder 1"/>
+          <p:cNvSpPr>
+            <a:spLocks noGrp="1"/>
+          </p:cNvSpPr>
+          <p:nvPr>
+            <p:ph type="title"/>
+          </p:nvPr>
+        </p:nvSpPr>
+        <p:spPr>
+          <a:xfrm>
+            <a:off x="609480" y="273600"/>
+            <a:ext cx="10972440" cy="1144800"/>
+          </a:xfrm>
+          <a:prstGeom prst="rect">
+            <a:avLst/>
+          </a:prstGeom>
+        </p:spPr>
+        <p:txBody>
+          <a:bodyPr lIns="0" rIns="0" tIns="0" bIns="0" anchor="ctr">
+            <a:spAutoFit/>
+          </a:bodyPr>
+          <a:p>
+            <a:pPr algn="ctr"/>
+            <a:endParaRPr b="0" lang="fr-FR" sz="4400" spc="-1" strike="noStrike">
+              <a:latin typeface="Arial"/>
+            </a:endParaRPr>
+          </a:p>
+        </p:txBody>
+      </p:sp>
+      <p:sp>
+        <p:nvSpPr>
+          <p:cNvPr id="103" name="PlaceHolder 2"/>
+          <p:cNvSpPr>
+            <a:spLocks noGrp="1"/>
+          </p:cNvSpPr>
+          <p:nvPr>
+            <p:ph type="body"/>
+          </p:nvPr>
+        </p:nvSpPr>
+        <p:spPr>
+          <a:xfrm>
+            <a:off x="609480" y="1604520"/>
+            <a:ext cx="5354280" cy="1896840"/>
+          </a:xfrm>
+          <a:prstGeom prst="rect">
+            <a:avLst/>
+          </a:prstGeom>
+        </p:spPr>
+        <p:txBody>
+          <a:bodyPr lIns="0" rIns="0" tIns="0" bIns="0">
+            <a:normAutofit/>
+          </a:bodyPr>
+          <a:p>
+            <a:endParaRPr b="0" lang="fr-FR" sz="3200" spc="-1" strike="noStrike">
+              <a:latin typeface="Arial"/>
+            </a:endParaRPr>
+          </a:p>
+        </p:txBody>
+      </p:sp>
+      <p:sp>
+        <p:nvSpPr>
+          <p:cNvPr id="104" name="PlaceHolder 3"/>
+          <p:cNvSpPr>
+            <a:spLocks noGrp="1"/>
+          </p:cNvSpPr>
+          <p:nvPr>
+            <p:ph type="body"/>
+          </p:nvPr>
+        </p:nvSpPr>
+        <p:spPr>
+          <a:xfrm>
+            <a:off x="6231960" y="1604520"/>
+            <a:ext cx="5354280" cy="1896840"/>
+          </a:xfrm>
+          <a:prstGeom prst="rect">
+            <a:avLst/>
+          </a:prstGeom>
+        </p:spPr>
+        <p:txBody>
+          <a:bodyPr lIns="0" rIns="0" tIns="0" bIns="0">
+            <a:normAutofit/>
+          </a:bodyPr>
+          <a:p>
+            <a:endParaRPr b="0" lang="fr-FR" sz="3200" spc="-1" strike="noStrike">
+              <a:latin typeface="Arial"/>
+            </a:endParaRPr>
+          </a:p>
+        </p:txBody>
+      </p:sp>
+      <p:sp>
+        <p:nvSpPr>
+          <p:cNvPr id="105" name="PlaceHolder 4"/>
+          <p:cNvSpPr>
+            <a:spLocks noGrp="1"/>
+          </p:cNvSpPr>
+          <p:nvPr>
+            <p:ph type="body"/>
+          </p:nvPr>
+        </p:nvSpPr>
+        <p:spPr>
+          <a:xfrm>
+            <a:off x="609480" y="3682080"/>
+            <a:ext cx="5354280" cy="1896840"/>
+          </a:xfrm>
+          <a:prstGeom prst="rect">
+            <a:avLst/>
+          </a:prstGeom>
+        </p:spPr>
+        <p:txBody>
+          <a:bodyPr lIns="0" rIns="0" tIns="0" bIns="0">
+            <a:normAutofit/>
+          </a:bodyPr>
+          <a:p>
+            <a:endParaRPr b="0" lang="fr-FR" sz="3200" spc="-1" strike="noStrike">
+              <a:latin typeface="Arial"/>
+            </a:endParaRPr>
+          </a:p>
+        </p:txBody>
+      </p:sp>
+      <p:sp>
+        <p:nvSpPr>
+          <p:cNvPr id="106" name="PlaceHolder 5"/>
+          <p:cNvSpPr>
+            <a:spLocks noGrp="1"/>
+          </p:cNvSpPr>
+          <p:nvPr>
+            <p:ph type="body"/>
+          </p:nvPr>
+        </p:nvSpPr>
+        <p:spPr>
+          <a:xfrm>
+            <a:off x="6231960" y="3682080"/>
+            <a:ext cx="5354280" cy="1896840"/>
+          </a:xfrm>
+          <a:prstGeom prst="rect">
+            <a:avLst/>
+          </a:prstGeom>
+        </p:spPr>
+        <p:txBody>
+          <a:bodyPr lIns="0" rIns="0" tIns="0" bIns="0">
+            <a:normAutofit/>
+          </a:bodyPr>
+          <a:p>
+            <a:endParaRPr b="0" lang="fr-FR" sz="3200" spc="-1" strike="noStrike">
+              <a:latin typeface="Arial"/>
+            </a:endParaRPr>
+          </a:p>
+        </p:txBody>
+      </p:sp>
+    </p:spTree>
+  </p:cSld>
+</p:sldLayout>
+</file>
+
+<file path=ppt/slideLayouts/slideLayout36.xml><?xml version="1.0" encoding="utf-8"?>
+<p:sldLayout xmlns:a="http://schemas.openxmlformats.org/drawingml/2006/main" xmlns:p="http://schemas.openxmlformats.org/presentationml/2006/main" xmlns:r="http://schemas.openxmlformats.org/officeDocument/2006/relationships" xmlns:p14="http://schemas.microsoft.com/office/powerpoint/2010/main" xmlns:p15="http://schemas.microsoft.com/office/powerpoint/2012/main" xmlns:mc="http://schemas.openxmlformats.org/markup-compatibility/2006" type="blank" preserve="1">
+  <p:cSld name="Title, 6 Content">
+    <p:spTree>
+      <p:nvGrpSpPr>
+        <p:cNvPr id="1" name=""/>
+        <p:cNvGrpSpPr/>
+        <p:nvPr/>
+      </p:nvGrpSpPr>
+      <p:grpSpPr>
+        <a:xfrm>
+          <a:off x="0" y="0"/>
+          <a:ext cx="0" cy="0"/>
+          <a:chOff x="0" y="0"/>
+          <a:chExt cx="0" cy="0"/>
+        </a:xfrm>
+      </p:grpSpPr>
+      <p:sp>
+        <p:nvSpPr>
+          <p:cNvPr id="107" name="PlaceHolder 1"/>
+          <p:cNvSpPr>
+            <a:spLocks noGrp="1"/>
+          </p:cNvSpPr>
+          <p:nvPr>
+            <p:ph type="title"/>
+          </p:nvPr>
+        </p:nvSpPr>
+        <p:spPr>
+          <a:xfrm>
+            <a:off x="609480" y="273600"/>
+            <a:ext cx="10972440" cy="1144800"/>
+          </a:xfrm>
+          <a:prstGeom prst="rect">
+            <a:avLst/>
+          </a:prstGeom>
+        </p:spPr>
+        <p:txBody>
+          <a:bodyPr lIns="0" rIns="0" tIns="0" bIns="0" anchor="ctr">
+            <a:spAutoFit/>
+          </a:bodyPr>
+          <a:p>
+            <a:pPr algn="ctr"/>
+            <a:endParaRPr b="0" lang="fr-FR" sz="4400" spc="-1" strike="noStrike">
+              <a:latin typeface="Arial"/>
+            </a:endParaRPr>
+          </a:p>
+        </p:txBody>
+      </p:sp>
+      <p:sp>
+        <p:nvSpPr>
+          <p:cNvPr id="108" name="PlaceHolder 2"/>
+          <p:cNvSpPr>
+            <a:spLocks noGrp="1"/>
+          </p:cNvSpPr>
+          <p:nvPr>
+            <p:ph type="body"/>
+          </p:nvPr>
+        </p:nvSpPr>
+        <p:spPr>
+          <a:xfrm>
+            <a:off x="609480" y="1604520"/>
+            <a:ext cx="3533040" cy="1896840"/>
+          </a:xfrm>
+          <a:prstGeom prst="rect">
+            <a:avLst/>
+          </a:prstGeom>
+        </p:spPr>
+        <p:txBody>
+          <a:bodyPr lIns="0" rIns="0" tIns="0" bIns="0">
+            <a:normAutofit/>
+          </a:bodyPr>
+          <a:p>
+            <a:endParaRPr b="0" lang="fr-FR" sz="3200" spc="-1" strike="noStrike">
+              <a:latin typeface="Arial"/>
+            </a:endParaRPr>
+          </a:p>
+        </p:txBody>
+      </p:sp>
+      <p:sp>
+        <p:nvSpPr>
+          <p:cNvPr id="109" name="PlaceHolder 3"/>
+          <p:cNvSpPr>
+            <a:spLocks noGrp="1"/>
+          </p:cNvSpPr>
+          <p:nvPr>
+            <p:ph type="body"/>
+          </p:nvPr>
+        </p:nvSpPr>
+        <p:spPr>
+          <a:xfrm>
+            <a:off x="4319640" y="1604520"/>
+            <a:ext cx="3533040" cy="1896840"/>
+          </a:xfrm>
+          <a:prstGeom prst="rect">
+            <a:avLst/>
+          </a:prstGeom>
+        </p:spPr>
+        <p:txBody>
+          <a:bodyPr lIns="0" rIns="0" tIns="0" bIns="0">
+            <a:normAutofit/>
+          </a:bodyPr>
+          <a:p>
+            <a:endParaRPr b="0" lang="fr-FR" sz="3200" spc="-1" strike="noStrike">
+              <a:latin typeface="Arial"/>
+            </a:endParaRPr>
+          </a:p>
+        </p:txBody>
+      </p:sp>
+      <p:sp>
+        <p:nvSpPr>
+          <p:cNvPr id="110" name="PlaceHolder 4"/>
+          <p:cNvSpPr>
+            <a:spLocks noGrp="1"/>
+          </p:cNvSpPr>
+          <p:nvPr>
+            <p:ph type="body"/>
+          </p:nvPr>
+        </p:nvSpPr>
+        <p:spPr>
+          <a:xfrm>
+            <a:off x="8029800" y="1604520"/>
+            <a:ext cx="3533040" cy="1896840"/>
+          </a:xfrm>
+          <a:prstGeom prst="rect">
+            <a:avLst/>
+          </a:prstGeom>
+        </p:spPr>
+        <p:txBody>
+          <a:bodyPr lIns="0" rIns="0" tIns="0" bIns="0">
+            <a:normAutofit/>
+          </a:bodyPr>
+          <a:p>
+            <a:endParaRPr b="0" lang="fr-FR" sz="3200" spc="-1" strike="noStrike">
+              <a:latin typeface="Arial"/>
+            </a:endParaRPr>
+          </a:p>
+        </p:txBody>
+      </p:sp>
+      <p:sp>
+        <p:nvSpPr>
+          <p:cNvPr id="111" name="PlaceHolder 5"/>
+          <p:cNvSpPr>
+            <a:spLocks noGrp="1"/>
+          </p:cNvSpPr>
+          <p:nvPr>
+            <p:ph type="body"/>
+          </p:nvPr>
+        </p:nvSpPr>
+        <p:spPr>
+          <a:xfrm>
+            <a:off x="609480" y="3682080"/>
+            <a:ext cx="3533040" cy="1896840"/>
+          </a:xfrm>
+          <a:prstGeom prst="rect">
+            <a:avLst/>
+          </a:prstGeom>
+        </p:spPr>
+        <p:txBody>
+          <a:bodyPr lIns="0" rIns="0" tIns="0" bIns="0">
+            <a:normAutofit/>
+          </a:bodyPr>
+          <a:p>
+            <a:endParaRPr b="0" lang="fr-FR" sz="3200" spc="-1" strike="noStrike">
+              <a:latin typeface="Arial"/>
+            </a:endParaRPr>
+          </a:p>
+        </p:txBody>
+      </p:sp>
+      <p:sp>
+        <p:nvSpPr>
+          <p:cNvPr id="112" name="PlaceHolder 6"/>
+          <p:cNvSpPr>
+            <a:spLocks noGrp="1"/>
+          </p:cNvSpPr>
+          <p:nvPr>
+            <p:ph type="body"/>
+          </p:nvPr>
+        </p:nvSpPr>
+        <p:spPr>
+          <a:xfrm>
+            <a:off x="4319640" y="3682080"/>
+            <a:ext cx="3533040" cy="1896840"/>
+          </a:xfrm>
+          <a:prstGeom prst="rect">
+            <a:avLst/>
+          </a:prstGeom>
+        </p:spPr>
+        <p:txBody>
+          <a:bodyPr lIns="0" rIns="0" tIns="0" bIns="0">
+            <a:normAutofit/>
+          </a:bodyPr>
+          <a:p>
+            <a:endParaRPr b="0" lang="fr-FR" sz="3200" spc="-1" strike="noStrike">
+              <a:latin typeface="Arial"/>
+            </a:endParaRPr>
+          </a:p>
+        </p:txBody>
+      </p:sp>
+      <p:sp>
+        <p:nvSpPr>
+          <p:cNvPr id="113" name="PlaceHolder 7"/>
+          <p:cNvSpPr>
+            <a:spLocks noGrp="1"/>
+          </p:cNvSpPr>
+          <p:nvPr>
+            <p:ph type="body"/>
+          </p:nvPr>
+        </p:nvSpPr>
+        <p:spPr>
+          <a:xfrm>
+            <a:off x="8029800" y="3682080"/>
+            <a:ext cx="3533040" cy="1896840"/>
           </a:xfrm>
           <a:prstGeom prst="rect">
             <a:avLst/>
@@ -2767,8 +4124,8 @@
         </p:nvSpPr>
         <p:spPr>
           <a:xfrm>
-            <a:off x="838080" y="454680"/>
-            <a:ext cx="10514880" cy="1145160"/>
+            <a:off x="609480" y="273240"/>
+            <a:ext cx="10972080" cy="1145160"/>
           </a:xfrm>
           <a:prstGeom prst="rect">
             <a:avLst/>
@@ -2783,7 +4140,265 @@
               <a:rPr b="0" lang="fr-FR" sz="1800" spc="-1" strike="noStrike">
                 <a:latin typeface="Arial"/>
               </a:rPr>
-              <a:t>Click to edit the title text format</a:t>
+              <a:t>C</a:t>
+            </a:r>
+            <a:r>
+              <a:rPr b="0" lang="fr-FR" sz="1800" spc="-1" strike="noStrike">
+                <a:latin typeface="Arial"/>
+              </a:rPr>
+              <a:t>l</a:t>
+            </a:r>
+            <a:r>
+              <a:rPr b="0" lang="fr-FR" sz="1800" spc="-1" strike="noStrike">
+                <a:latin typeface="Arial"/>
+              </a:rPr>
+              <a:t>i</a:t>
+            </a:r>
+            <a:r>
+              <a:rPr b="0" lang="fr-FR" sz="1800" spc="-1" strike="noStrike">
+                <a:latin typeface="Arial"/>
+              </a:rPr>
+              <a:t>q</a:t>
+            </a:r>
+            <a:r>
+              <a:rPr b="0" lang="fr-FR" sz="1800" spc="-1" strike="noStrike">
+                <a:latin typeface="Arial"/>
+              </a:rPr>
+              <a:t>u</a:t>
+            </a:r>
+            <a:r>
+              <a:rPr b="0" lang="fr-FR" sz="1800" spc="-1" strike="noStrike">
+                <a:latin typeface="Arial"/>
+              </a:rPr>
+              <a:t>e</a:t>
+            </a:r>
+            <a:r>
+              <a:rPr b="0" lang="fr-FR" sz="1800" spc="-1" strike="noStrike">
+                <a:latin typeface="Arial"/>
+              </a:rPr>
+              <a:t>z</a:t>
+            </a:r>
+            <a:r>
+              <a:rPr b="0" lang="fr-FR" sz="1800" spc="-1" strike="noStrike">
+                <a:latin typeface="Arial"/>
+              </a:rPr>
+              <a:t> </a:t>
+            </a:r>
+            <a:r>
+              <a:rPr b="0" lang="fr-FR" sz="1800" spc="-1" strike="noStrike">
+                <a:latin typeface="Arial"/>
+              </a:rPr>
+              <a:t>p</a:t>
+            </a:r>
+            <a:r>
+              <a:rPr b="0" lang="fr-FR" sz="1800" spc="-1" strike="noStrike">
+                <a:latin typeface="Arial"/>
+              </a:rPr>
+              <a:t>o</a:t>
+            </a:r>
+            <a:r>
+              <a:rPr b="0" lang="fr-FR" sz="1800" spc="-1" strike="noStrike">
+                <a:latin typeface="Arial"/>
+              </a:rPr>
+              <a:t>u</a:t>
+            </a:r>
+            <a:r>
+              <a:rPr b="0" lang="fr-FR" sz="1800" spc="-1" strike="noStrike">
+                <a:latin typeface="Arial"/>
+              </a:rPr>
+              <a:t>r</a:t>
+            </a:r>
+            <a:r>
+              <a:rPr b="0" lang="fr-FR" sz="1800" spc="-1" strike="noStrike">
+                <a:latin typeface="Arial"/>
+              </a:rPr>
+              <a:t> </a:t>
+            </a:r>
+            <a:r>
+              <a:rPr b="0" lang="fr-FR" sz="1800" spc="-1" strike="noStrike">
+                <a:latin typeface="Arial"/>
+              </a:rPr>
+              <a:t>é</a:t>
+            </a:r>
+            <a:r>
+              <a:rPr b="0" lang="fr-FR" sz="1800" spc="-1" strike="noStrike">
+                <a:latin typeface="Arial"/>
+              </a:rPr>
+              <a:t>d</a:t>
+            </a:r>
+            <a:r>
+              <a:rPr b="0" lang="fr-FR" sz="1800" spc="-1" strike="noStrike">
+                <a:latin typeface="Arial"/>
+              </a:rPr>
+              <a:t>i</a:t>
+            </a:r>
+            <a:r>
+              <a:rPr b="0" lang="fr-FR" sz="1800" spc="-1" strike="noStrike">
+                <a:latin typeface="Arial"/>
+              </a:rPr>
+              <a:t>t</a:t>
+            </a:r>
+            <a:r>
+              <a:rPr b="0" lang="fr-FR" sz="1800" spc="-1" strike="noStrike">
+                <a:latin typeface="Arial"/>
+              </a:rPr>
+              <a:t>e</a:t>
+            </a:r>
+            <a:r>
+              <a:rPr b="0" lang="fr-FR" sz="1800" spc="-1" strike="noStrike">
+                <a:latin typeface="Arial"/>
+              </a:rPr>
+              <a:t>r</a:t>
+            </a:r>
+            <a:r>
+              <a:rPr b="0" lang="fr-FR" sz="1800" spc="-1" strike="noStrike">
+                <a:latin typeface="Arial"/>
+              </a:rPr>
+              <a:t> </a:t>
+            </a:r>
+            <a:r>
+              <a:rPr b="0" lang="fr-FR" sz="1800" spc="-1" strike="noStrike">
+                <a:latin typeface="Arial"/>
+              </a:rPr>
+              <a:t>l</a:t>
+            </a:r>
+            <a:r>
+              <a:rPr b="0" lang="fr-FR" sz="1800" spc="-1" strike="noStrike">
+                <a:latin typeface="Arial"/>
+              </a:rPr>
+              <a:t>e</a:t>
+            </a:r>
+            <a:r>
+              <a:rPr b="0" lang="fr-FR" sz="1800" spc="-1" strike="noStrike">
+                <a:latin typeface="Arial"/>
+              </a:rPr>
+              <a:t> </a:t>
+            </a:r>
+            <a:r>
+              <a:rPr b="0" lang="fr-FR" sz="1800" spc="-1" strike="noStrike">
+                <a:latin typeface="Arial"/>
+              </a:rPr>
+              <a:t>f</a:t>
+            </a:r>
+            <a:r>
+              <a:rPr b="0" lang="fr-FR" sz="1800" spc="-1" strike="noStrike">
+                <a:latin typeface="Arial"/>
+              </a:rPr>
+              <a:t>o</a:t>
+            </a:r>
+            <a:r>
+              <a:rPr b="0" lang="fr-FR" sz="1800" spc="-1" strike="noStrike">
+                <a:latin typeface="Arial"/>
+              </a:rPr>
+              <a:t>r</a:t>
+            </a:r>
+            <a:r>
+              <a:rPr b="0" lang="fr-FR" sz="1800" spc="-1" strike="noStrike">
+                <a:latin typeface="Arial"/>
+              </a:rPr>
+              <a:t>m</a:t>
+            </a:r>
+            <a:r>
+              <a:rPr b="0" lang="fr-FR" sz="1800" spc="-1" strike="noStrike">
+                <a:latin typeface="Arial"/>
+              </a:rPr>
+              <a:t>a</a:t>
+            </a:r>
+            <a:r>
+              <a:rPr b="0" lang="fr-FR" sz="1800" spc="-1" strike="noStrike">
+                <a:latin typeface="Arial"/>
+              </a:rPr>
+              <a:t>t</a:t>
+            </a:r>
+            <a:r>
+              <a:rPr b="0" lang="fr-FR" sz="1800" spc="-1" strike="noStrike">
+                <a:latin typeface="Arial"/>
+              </a:rPr>
+              <a:t> </a:t>
+            </a:r>
+            <a:r>
+              <a:rPr b="0" lang="fr-FR" sz="1800" spc="-1" strike="noStrike">
+                <a:latin typeface="Arial"/>
+              </a:rPr>
+              <a:t>d</a:t>
+            </a:r>
+            <a:r>
+              <a:rPr b="0" lang="fr-FR" sz="1800" spc="-1" strike="noStrike">
+                <a:latin typeface="Arial"/>
+              </a:rPr>
+              <a:t>u</a:t>
+            </a:r>
+            <a:r>
+              <a:rPr b="0" lang="fr-FR" sz="1800" spc="-1" strike="noStrike">
+                <a:latin typeface="Arial"/>
+              </a:rPr>
+              <a:t> </a:t>
+            </a:r>
+            <a:r>
+              <a:rPr b="0" lang="fr-FR" sz="1800" spc="-1" strike="noStrike">
+                <a:latin typeface="Arial"/>
+              </a:rPr>
+              <a:t>t</a:t>
+            </a:r>
+            <a:r>
+              <a:rPr b="0" lang="fr-FR" sz="1800" spc="-1" strike="noStrike">
+                <a:latin typeface="Arial"/>
+              </a:rPr>
+              <a:t>e</a:t>
+            </a:r>
+            <a:r>
+              <a:rPr b="0" lang="fr-FR" sz="1800" spc="-1" strike="noStrike">
+                <a:latin typeface="Arial"/>
+              </a:rPr>
+              <a:t>x</a:t>
+            </a:r>
+            <a:r>
+              <a:rPr b="0" lang="fr-FR" sz="1800" spc="-1" strike="noStrike">
+                <a:latin typeface="Arial"/>
+              </a:rPr>
+              <a:t>t</a:t>
+            </a:r>
+            <a:r>
+              <a:rPr b="0" lang="fr-FR" sz="1800" spc="-1" strike="noStrike">
+                <a:latin typeface="Arial"/>
+              </a:rPr>
+              <a:t>e</a:t>
+            </a:r>
+            <a:r>
+              <a:rPr b="0" lang="fr-FR" sz="1800" spc="-1" strike="noStrike">
+                <a:latin typeface="Arial"/>
+              </a:rPr>
+              <a:t>-</a:t>
+            </a:r>
+            <a:r>
+              <a:rPr b="0" lang="fr-FR" sz="1800" spc="-1" strike="noStrike">
+                <a:latin typeface="Arial"/>
+              </a:rPr>
+              <a:t>t</a:t>
+            </a:r>
+            <a:r>
+              <a:rPr b="0" lang="fr-FR" sz="1800" spc="-1" strike="noStrike">
+                <a:latin typeface="Arial"/>
+              </a:rPr>
+              <a:t>i</a:t>
+            </a:r>
+            <a:r>
+              <a:rPr b="0" lang="fr-FR" sz="1800" spc="-1" strike="noStrike">
+                <a:latin typeface="Arial"/>
+              </a:rPr>
+              <a:t>t</a:t>
+            </a:r>
+            <a:r>
+              <a:rPr b="0" lang="fr-FR" sz="1800" spc="-1" strike="noStrike">
+                <a:latin typeface="Arial"/>
+              </a:rPr>
+              <a:t>r</a:t>
+            </a:r>
+            <a:r>
+              <a:rPr b="0" lang="fr-FR" sz="1800" spc="-1" strike="noStrike">
+                <a:latin typeface="Arial"/>
+              </a:rPr>
+              <a:t>e</a:t>
             </a:r>
             <a:endParaRPr b="0" lang="fr-FR" sz="1800" spc="-1" strike="noStrike">
               <a:latin typeface="Arial"/>
@@ -2804,7 +4419,7 @@
         <p:spPr>
           <a:xfrm>
             <a:off x="609480" y="1604520"/>
-            <a:ext cx="10972440" cy="3977280"/>
+            <a:ext cx="10972080" cy="3976920"/>
           </a:xfrm>
           <a:prstGeom prst="rect">
             <a:avLst/>
@@ -2827,12 +4442,12 @@
               <a:buChar char=""/>
             </a:pPr>
             <a:r>
-              <a:rPr b="0" lang="fr-FR" sz="3200" spc="-1" strike="noStrike">
+              <a:rPr b="0" lang="fr-FR" sz="1800" spc="-1" strike="noStrike">
                 <a:latin typeface="Arial"/>
               </a:rPr>
-              <a:t>Click to edit the outline text format</a:t>
-            </a:r>
-            <a:endParaRPr b="0" lang="fr-FR" sz="3200" spc="-1" strike="noStrike">
+              <a:t>Cliquez pour éditer le format du plan de texte</a:t>
+            </a:r>
+            <a:endParaRPr b="0" lang="fr-FR" sz="1800" spc="-1" strike="noStrike">
               <a:latin typeface="Arial"/>
             </a:endParaRPr>
           </a:p>
@@ -2849,12 +4464,12 @@
               <a:buChar char=""/>
             </a:pPr>
             <a:r>
-              <a:rPr b="0" lang="fr-FR" sz="2800" spc="-1" strike="noStrike">
+              <a:rPr b="0" lang="fr-FR" sz="1800" spc="-1" strike="noStrike">
                 <a:latin typeface="Arial"/>
               </a:rPr>
-              <a:t>Second Outline Level</a:t>
-            </a:r>
-            <a:endParaRPr b="0" lang="fr-FR" sz="2800" spc="-1" strike="noStrike">
+              <a:t>Second niveau de plan</a:t>
+            </a:r>
+            <a:endParaRPr b="0" lang="fr-FR" sz="1800" spc="-1" strike="noStrike">
               <a:latin typeface="Arial"/>
             </a:endParaRPr>
           </a:p>
@@ -2871,12 +4486,12 @@
               <a:buChar char=""/>
             </a:pPr>
             <a:r>
-              <a:rPr b="0" lang="fr-FR" sz="2400" spc="-1" strike="noStrike">
+              <a:rPr b="0" lang="fr-FR" sz="1800" spc="-1" strike="noStrike">
                 <a:latin typeface="Arial"/>
               </a:rPr>
-              <a:t>Third Outline Level</a:t>
-            </a:r>
-            <a:endParaRPr b="0" lang="fr-FR" sz="2400" spc="-1" strike="noStrike">
+              <a:t>Troisième niveau de plan</a:t>
+            </a:r>
+            <a:endParaRPr b="0" lang="fr-FR" sz="1800" spc="-1" strike="noStrike">
               <a:latin typeface="Arial"/>
             </a:endParaRPr>
           </a:p>
@@ -2893,12 +4508,12 @@
               <a:buChar char=""/>
             </a:pPr>
             <a:r>
-              <a:rPr b="0" lang="fr-FR" sz="2000" spc="-1" strike="noStrike">
+              <a:rPr b="0" lang="fr-FR" sz="1800" spc="-1" strike="noStrike">
                 <a:latin typeface="Arial"/>
               </a:rPr>
-              <a:t>Fourth Outline Level</a:t>
-            </a:r>
-            <a:endParaRPr b="0" lang="fr-FR" sz="2000" spc="-1" strike="noStrike">
+              <a:t>Quatrième niveau de plan</a:t>
+            </a:r>
+            <a:endParaRPr b="0" lang="fr-FR" sz="1800" spc="-1" strike="noStrike">
               <a:latin typeface="Arial"/>
             </a:endParaRPr>
           </a:p>
@@ -2915,12 +4530,12 @@
               <a:buChar char=""/>
             </a:pPr>
             <a:r>
-              <a:rPr b="0" lang="fr-FR" sz="2000" spc="-1" strike="noStrike">
+              <a:rPr b="0" lang="fr-FR" sz="1800" spc="-1" strike="noStrike">
                 <a:latin typeface="Arial"/>
               </a:rPr>
-              <a:t>Fifth Outline Level</a:t>
-            </a:r>
-            <a:endParaRPr b="0" lang="fr-FR" sz="2000" spc="-1" strike="noStrike">
+              <a:t>Cinquième niveau de plan</a:t>
+            </a:r>
+            <a:endParaRPr b="0" lang="fr-FR" sz="1800" spc="-1" strike="noStrike">
               <a:latin typeface="Arial"/>
             </a:endParaRPr>
           </a:p>
@@ -2937,12 +4552,12 @@
               <a:buChar char=""/>
             </a:pPr>
             <a:r>
-              <a:rPr b="0" lang="fr-FR" sz="2000" spc="-1" strike="noStrike">
+              <a:rPr b="0" lang="fr-FR" sz="1800" spc="-1" strike="noStrike">
                 <a:latin typeface="Arial"/>
               </a:rPr>
-              <a:t>Sixth Outline Level</a:t>
-            </a:r>
-            <a:endParaRPr b="0" lang="fr-FR" sz="2000" spc="-1" strike="noStrike">
+              <a:t>Sixième niveau de plan</a:t>
+            </a:r>
+            <a:endParaRPr b="0" lang="fr-FR" sz="1800" spc="-1" strike="noStrike">
               <a:latin typeface="Arial"/>
             </a:endParaRPr>
           </a:p>
@@ -2959,12 +4574,12 @@
               <a:buChar char=""/>
             </a:pPr>
             <a:r>
-              <a:rPr b="0" lang="fr-FR" sz="2000" spc="-1" strike="noStrike">
+              <a:rPr b="0" lang="fr-FR" sz="1800" spc="-1" strike="noStrike">
                 <a:latin typeface="Arial"/>
               </a:rPr>
-              <a:t>Seventh Outline Level</a:t>
-            </a:r>
-            <a:endParaRPr b="0" lang="fr-FR" sz="2000" spc="-1" strike="noStrike">
+              <a:t>Septième niveau de plan</a:t>
+            </a:r>
+            <a:endParaRPr b="0" lang="fr-FR" sz="1800" spc="-1" strike="noStrike">
               <a:latin typeface="Arial"/>
             </a:endParaRPr>
           </a:p>
@@ -3043,7 +4658,7 @@
               <a:rPr b="0" lang="fr-FR" sz="4400" spc="-1" strike="noStrike">
                 <a:latin typeface="Arial"/>
               </a:rPr>
-              <a:t>Click to edit the title text format</a:t>
+              <a:t>Cliquez pour éditer le format du texte-titre</a:t>
             </a:r>
             <a:endParaRPr b="0" lang="fr-FR" sz="4400" spc="-1" strike="noStrike">
               <a:latin typeface="Arial"/>
@@ -3090,7 +4705,7 @@
               <a:rPr b="0" lang="fr-FR" sz="3200" spc="-1" strike="noStrike">
                 <a:latin typeface="Arial"/>
               </a:rPr>
-              <a:t>Click to edit the outline text format</a:t>
+              <a:t>Cliquez pour éditer le format du plan de texte</a:t>
             </a:r>
             <a:endParaRPr b="0" lang="fr-FR" sz="3200" spc="-1" strike="noStrike">
               <a:latin typeface="Arial"/>
@@ -3112,7 +4727,7 @@
               <a:rPr b="0" lang="fr-FR" sz="2800" spc="-1" strike="noStrike">
                 <a:latin typeface="Arial"/>
               </a:rPr>
-              <a:t>Second Outline Level</a:t>
+              <a:t>Second niveau de plan</a:t>
             </a:r>
             <a:endParaRPr b="0" lang="fr-FR" sz="2800" spc="-1" strike="noStrike">
               <a:latin typeface="Arial"/>
@@ -3134,7 +4749,7 @@
               <a:rPr b="0" lang="fr-FR" sz="2400" spc="-1" strike="noStrike">
                 <a:latin typeface="Arial"/>
               </a:rPr>
-              <a:t>Third Outline Level</a:t>
+              <a:t>Troisième niveau de plan</a:t>
             </a:r>
             <a:endParaRPr b="0" lang="fr-FR" sz="2400" spc="-1" strike="noStrike">
               <a:latin typeface="Arial"/>
@@ -3156,7 +4771,7 @@
               <a:rPr b="0" lang="fr-FR" sz="2000" spc="-1" strike="noStrike">
                 <a:latin typeface="Arial"/>
               </a:rPr>
-              <a:t>Fourth Outline Level</a:t>
+              <a:t>Quatrième niveau de plan</a:t>
             </a:r>
             <a:endParaRPr b="0" lang="fr-FR" sz="2000" spc="-1" strike="noStrike">
               <a:latin typeface="Arial"/>
@@ -3178,7 +4793,7 @@
               <a:rPr b="0" lang="fr-FR" sz="2000" spc="-1" strike="noStrike">
                 <a:latin typeface="Arial"/>
               </a:rPr>
-              <a:t>Fifth Outline Level</a:t>
+              <a:t>Cinquième niveau de plan</a:t>
             </a:r>
             <a:endParaRPr b="0" lang="fr-FR" sz="2000" spc="-1" strike="noStrike">
               <a:latin typeface="Arial"/>
@@ -3200,7 +4815,7 @@
               <a:rPr b="0" lang="fr-FR" sz="2000" spc="-1" strike="noStrike">
                 <a:latin typeface="Arial"/>
               </a:rPr>
-              <a:t>Sixth Outline Level</a:t>
+              <a:t>Sixième niveau de plan</a:t>
             </a:r>
             <a:endParaRPr b="0" lang="fr-FR" sz="2000" spc="-1" strike="noStrike">
               <a:latin typeface="Arial"/>
@@ -3222,7 +4837,7 @@
               <a:rPr b="0" lang="fr-FR" sz="2000" spc="-1" strike="noStrike">
                 <a:latin typeface="Arial"/>
               </a:rPr>
-              <a:t>Seventh Outline Level</a:t>
+              <a:t>Septième niveau de plan</a:t>
             </a:r>
             <a:endParaRPr b="0" lang="fr-FR" sz="2000" spc="-1" strike="noStrike">
               <a:latin typeface="Arial"/>
@@ -3246,6 +4861,266 @@
     <p:sldLayoutId id="2147483671" r:id="rId11"/>
     <p:sldLayoutId id="2147483672" r:id="rId12"/>
     <p:sldLayoutId id="2147483673" r:id="rId13"/>
+  </p:sldLayoutIdLst>
+</p:sldMaster>
+</file>
+
+<file path=ppt/slideMasters/slideMaster3.xml><?xml version="1.0" encoding="utf-8"?>
+<p:sldMaster xmlns:a="http://schemas.openxmlformats.org/drawingml/2006/main" xmlns:p="http://schemas.openxmlformats.org/presentationml/2006/main" xmlns:r="http://schemas.openxmlformats.org/officeDocument/2006/relationships" xmlns:p14="http://schemas.microsoft.com/office/powerpoint/2010/main" xmlns:p15="http://schemas.microsoft.com/office/powerpoint/2012/main" xmlns:mc="http://schemas.openxmlformats.org/markup-compatibility/2006">
+  <p:cSld>
+    <p:bg>
+      <p:bgPr>
+        <a:solidFill>
+          <a:srgbClr val="ffffff"/>
+        </a:solidFill>
+      </p:bgPr>
+    </p:bg>
+    <p:spTree>
+      <p:nvGrpSpPr>
+        <p:cNvPr id="1" name=""/>
+        <p:cNvGrpSpPr/>
+        <p:nvPr/>
+      </p:nvGrpSpPr>
+      <p:grpSpPr>
+        <a:xfrm>
+          <a:off x="0" y="0"/>
+          <a:ext cx="0" cy="0"/>
+          <a:chOff x="0" y="0"/>
+          <a:chExt cx="0" cy="0"/>
+        </a:xfrm>
+      </p:grpSpPr>
+      <p:sp>
+        <p:nvSpPr>
+          <p:cNvPr id="76" name="PlaceHolder 1"/>
+          <p:cNvSpPr>
+            <a:spLocks noGrp="1"/>
+          </p:cNvSpPr>
+          <p:nvPr>
+            <p:ph type="title"/>
+          </p:nvPr>
+        </p:nvSpPr>
+        <p:spPr>
+          <a:xfrm>
+            <a:off x="609480" y="273600"/>
+            <a:ext cx="10972440" cy="1144800"/>
+          </a:xfrm>
+          <a:prstGeom prst="rect">
+            <a:avLst/>
+          </a:prstGeom>
+        </p:spPr>
+        <p:txBody>
+          <a:bodyPr lIns="0" rIns="0" tIns="0" bIns="0" anchor="ctr">
+            <a:noAutofit/>
+          </a:bodyPr>
+          <a:p>
+            <a:pPr algn="ctr"/>
+            <a:r>
+              <a:rPr b="0" lang="fr-FR" sz="4400" spc="-1" strike="noStrike">
+                <a:latin typeface="Arial"/>
+              </a:rPr>
+              <a:t>Cliquez pour éditer le format du texte-titre</a:t>
+            </a:r>
+            <a:endParaRPr b="0" lang="fr-FR" sz="4400" spc="-1" strike="noStrike">
+              <a:latin typeface="Arial"/>
+            </a:endParaRPr>
+          </a:p>
+        </p:txBody>
+      </p:sp>
+      <p:sp>
+        <p:nvSpPr>
+          <p:cNvPr id="77" name="PlaceHolder 2"/>
+          <p:cNvSpPr>
+            <a:spLocks noGrp="1"/>
+          </p:cNvSpPr>
+          <p:nvPr>
+            <p:ph type="body"/>
+          </p:nvPr>
+        </p:nvSpPr>
+        <p:spPr>
+          <a:xfrm>
+            <a:off x="609480" y="1604520"/>
+            <a:ext cx="10972440" cy="3977280"/>
+          </a:xfrm>
+          <a:prstGeom prst="rect">
+            <a:avLst/>
+          </a:prstGeom>
+        </p:spPr>
+        <p:txBody>
+          <a:bodyPr lIns="0" rIns="0" tIns="0" bIns="0">
+            <a:normAutofit/>
+          </a:bodyPr>
+          <a:p>
+            <a:pPr marL="432000" indent="-324000">
+              <a:spcBef>
+                <a:spcPts val="1417"/>
+              </a:spcBef>
+              <a:buClr>
+                <a:srgbClr val="000000"/>
+              </a:buClr>
+              <a:buSzPct val="45000"/>
+              <a:buFont typeface="Wingdings" charset="2"/>
+              <a:buChar char=""/>
+            </a:pPr>
+            <a:r>
+              <a:rPr b="0" lang="fr-FR" sz="3200" spc="-1" strike="noStrike">
+                <a:latin typeface="Arial"/>
+              </a:rPr>
+              <a:t>Cliquez pour éditer le format du plan de texte</a:t>
+            </a:r>
+            <a:endParaRPr b="0" lang="fr-FR" sz="3200" spc="-1" strike="noStrike">
+              <a:latin typeface="Arial"/>
+            </a:endParaRPr>
+          </a:p>
+          <a:p>
+            <a:pPr lvl="1" marL="864000" indent="-324000">
+              <a:spcBef>
+                <a:spcPts val="1134"/>
+              </a:spcBef>
+              <a:buClr>
+                <a:srgbClr val="000000"/>
+              </a:buClr>
+              <a:buSzPct val="75000"/>
+              <a:buFont typeface="Symbol" charset="2"/>
+              <a:buChar char=""/>
+            </a:pPr>
+            <a:r>
+              <a:rPr b="0" lang="fr-FR" sz="2800" spc="-1" strike="noStrike">
+                <a:latin typeface="Arial"/>
+              </a:rPr>
+              <a:t>Second niveau de plan</a:t>
+            </a:r>
+            <a:endParaRPr b="0" lang="fr-FR" sz="2800" spc="-1" strike="noStrike">
+              <a:latin typeface="Arial"/>
+            </a:endParaRPr>
+          </a:p>
+          <a:p>
+            <a:pPr lvl="2" marL="1296000" indent="-288000">
+              <a:spcBef>
+                <a:spcPts val="850"/>
+              </a:spcBef>
+              <a:buClr>
+                <a:srgbClr val="000000"/>
+              </a:buClr>
+              <a:buSzPct val="45000"/>
+              <a:buFont typeface="Wingdings" charset="2"/>
+              <a:buChar char=""/>
+            </a:pPr>
+            <a:r>
+              <a:rPr b="0" lang="fr-FR" sz="2400" spc="-1" strike="noStrike">
+                <a:latin typeface="Arial"/>
+              </a:rPr>
+              <a:t>Troisième niveau de plan</a:t>
+            </a:r>
+            <a:endParaRPr b="0" lang="fr-FR" sz="2400" spc="-1" strike="noStrike">
+              <a:latin typeface="Arial"/>
+            </a:endParaRPr>
+          </a:p>
+          <a:p>
+            <a:pPr lvl="3" marL="1728000" indent="-216000">
+              <a:spcBef>
+                <a:spcPts val="567"/>
+              </a:spcBef>
+              <a:buClr>
+                <a:srgbClr val="000000"/>
+              </a:buClr>
+              <a:buSzPct val="75000"/>
+              <a:buFont typeface="Symbol" charset="2"/>
+              <a:buChar char=""/>
+            </a:pPr>
+            <a:r>
+              <a:rPr b="0" lang="fr-FR" sz="2000" spc="-1" strike="noStrike">
+                <a:latin typeface="Arial"/>
+              </a:rPr>
+              <a:t>Quatrième niveau de plan</a:t>
+            </a:r>
+            <a:endParaRPr b="0" lang="fr-FR" sz="2000" spc="-1" strike="noStrike">
+              <a:latin typeface="Arial"/>
+            </a:endParaRPr>
+          </a:p>
+          <a:p>
+            <a:pPr lvl="4" marL="2160000" indent="-216000">
+              <a:spcBef>
+                <a:spcPts val="283"/>
+              </a:spcBef>
+              <a:buClr>
+                <a:srgbClr val="000000"/>
+              </a:buClr>
+              <a:buSzPct val="45000"/>
+              <a:buFont typeface="Wingdings" charset="2"/>
+              <a:buChar char=""/>
+            </a:pPr>
+            <a:r>
+              <a:rPr b="0" lang="fr-FR" sz="2000" spc="-1" strike="noStrike">
+                <a:latin typeface="Arial"/>
+              </a:rPr>
+              <a:t>Cinquième niveau de plan</a:t>
+            </a:r>
+            <a:endParaRPr b="0" lang="fr-FR" sz="2000" spc="-1" strike="noStrike">
+              <a:latin typeface="Arial"/>
+            </a:endParaRPr>
+          </a:p>
+          <a:p>
+            <a:pPr lvl="5" marL="2592000" indent="-216000">
+              <a:spcBef>
+                <a:spcPts val="283"/>
+              </a:spcBef>
+              <a:buClr>
+                <a:srgbClr val="000000"/>
+              </a:buClr>
+              <a:buSzPct val="45000"/>
+              <a:buFont typeface="Wingdings" charset="2"/>
+              <a:buChar char=""/>
+            </a:pPr>
+            <a:r>
+              <a:rPr b="0" lang="fr-FR" sz="2000" spc="-1" strike="noStrike">
+                <a:latin typeface="Arial"/>
+              </a:rPr>
+              <a:t>Sixième niveau de plan</a:t>
+            </a:r>
+            <a:endParaRPr b="0" lang="fr-FR" sz="2000" spc="-1" strike="noStrike">
+              <a:latin typeface="Arial"/>
+            </a:endParaRPr>
+          </a:p>
+          <a:p>
+            <a:pPr lvl="6" marL="3024000" indent="-216000">
+              <a:spcBef>
+                <a:spcPts val="283"/>
+              </a:spcBef>
+              <a:buClr>
+                <a:srgbClr val="000000"/>
+              </a:buClr>
+              <a:buSzPct val="45000"/>
+              <a:buFont typeface="Wingdings" charset="2"/>
+              <a:buChar char=""/>
+            </a:pPr>
+            <a:r>
+              <a:rPr b="0" lang="fr-FR" sz="2000" spc="-1" strike="noStrike">
+                <a:latin typeface="Arial"/>
+              </a:rPr>
+              <a:t>Septième niveau de plan</a:t>
+            </a:r>
+            <a:endParaRPr b="0" lang="fr-FR" sz="2000" spc="-1" strike="noStrike">
+              <a:latin typeface="Arial"/>
+            </a:endParaRPr>
+          </a:p>
+        </p:txBody>
+      </p:sp>
+    </p:spTree>
+  </p:cSld>
+  <p:clrMap bg1="lt1" bg2="lt2" tx1="dk1" tx2="dk2" accent1="accent1" accent2="accent2" accent3="accent3" accent4="accent4" accent5="accent5" accent6="accent6" hlink="hlink" folHlink="folHlink"/>
+  <p:sldLayoutIdLst>
+    <p:sldLayoutId id="2147483675" r:id="rId2"/>
+    <p:sldLayoutId id="2147483676" r:id="rId3"/>
+    <p:sldLayoutId id="2147483677" r:id="rId4"/>
+    <p:sldLayoutId id="2147483678" r:id="rId5"/>
+    <p:sldLayoutId id="2147483679" r:id="rId6"/>
+    <p:sldLayoutId id="2147483680" r:id="rId7"/>
+    <p:sldLayoutId id="2147483681" r:id="rId8"/>
+    <p:sldLayoutId id="2147483682" r:id="rId9"/>
+    <p:sldLayoutId id="2147483683" r:id="rId10"/>
+    <p:sldLayoutId id="2147483684" r:id="rId11"/>
+    <p:sldLayoutId id="2147483685" r:id="rId12"/>
+    <p:sldLayoutId id="2147483686" r:id="rId13"/>
   </p:sldLayoutIdLst>
 </p:sldMaster>
 </file>
@@ -3276,14 +5151,14 @@
       </p:grpSpPr>
       <p:sp>
         <p:nvSpPr>
-          <p:cNvPr id="76" name="CustomShape 1"/>
+          <p:cNvPr id="114" name="CustomShape 1"/>
           <p:cNvSpPr/>
           <p:nvPr/>
         </p:nvSpPr>
         <p:spPr>
           <a:xfrm>
             <a:off x="0" y="0"/>
-            <a:ext cx="12191400" cy="6857280"/>
+            <a:ext cx="12191040" cy="6856920"/>
           </a:xfrm>
           <a:prstGeom prst="rect">
             <a:avLst/>
@@ -3315,14 +5190,14 @@
       </p:sp>
       <p:sp>
         <p:nvSpPr>
-          <p:cNvPr id="77" name="CustomShape 2"/>
+          <p:cNvPr id="115" name="CustomShape 2"/>
           <p:cNvSpPr/>
           <p:nvPr/>
         </p:nvSpPr>
         <p:spPr>
           <a:xfrm>
             <a:off x="6746760" y="1783800"/>
-            <a:ext cx="4644360" cy="2888280"/>
+            <a:ext cx="4644000" cy="2887920"/>
           </a:xfrm>
           <a:prstGeom prst="rect">
             <a:avLst/>
@@ -3354,6 +5229,7 @@
                   <a:srgbClr val="ffffff"/>
                 </a:solidFill>
                 <a:latin typeface="Calibri Light"/>
+                <a:ea typeface="DejaVu Sans"/>
               </a:rPr>
               <a:t>Le projet « Git-moi tout »</a:t>
             </a:r>
@@ -3365,14 +5241,14 @@
       </p:sp>
       <p:sp>
         <p:nvSpPr>
-          <p:cNvPr id="78" name="CustomShape 3"/>
+          <p:cNvPr id="116" name="CustomShape 3"/>
           <p:cNvSpPr/>
           <p:nvPr/>
         </p:nvSpPr>
         <p:spPr>
           <a:xfrm>
             <a:off x="6746760" y="4750920"/>
-            <a:ext cx="4644360" cy="1147320"/>
+            <a:ext cx="4644000" cy="1146960"/>
           </a:xfrm>
           <a:prstGeom prst="rect">
             <a:avLst/>
@@ -3407,6 +5283,7 @@
                   <a:srgbClr val="ffffff"/>
                 </a:solidFill>
                 <a:latin typeface="Calibri"/>
+                <a:ea typeface="DejaVu Sans"/>
               </a:rPr>
               <a:t>Le répertoire pour tout savoir sur GIT</a:t>
             </a:r>
@@ -3418,14 +5295,14 @@
       </p:sp>
       <p:sp>
         <p:nvSpPr>
-          <p:cNvPr id="79" name="CustomShape 4"/>
+          <p:cNvPr id="117" name="CustomShape 4"/>
           <p:cNvSpPr/>
           <p:nvPr/>
         </p:nvSpPr>
         <p:spPr>
           <a:xfrm flipH="1">
             <a:off x="-720" y="0"/>
-            <a:ext cx="6172200" cy="6857280"/>
+            <a:ext cx="6171840" cy="6856920"/>
           </a:xfrm>
           <a:custGeom>
             <a:avLst/>
@@ -3489,14 +5366,14 @@
       </p:sp>
       <p:sp>
         <p:nvSpPr>
-          <p:cNvPr id="80" name="CustomShape 5"/>
+          <p:cNvPr id="118" name="CustomShape 5"/>
           <p:cNvSpPr/>
           <p:nvPr/>
         </p:nvSpPr>
         <p:spPr>
           <a:xfrm>
             <a:off x="0" y="0"/>
-            <a:ext cx="6023520" cy="6857280"/>
+            <a:ext cx="6023160" cy="6856920"/>
           </a:xfrm>
           <a:custGeom>
             <a:avLst/>
@@ -3558,7 +5435,7 @@
       </p:sp>
       <p:pic>
         <p:nvPicPr>
-          <p:cNvPr id="81" name="Image 3" descr=""/>
+          <p:cNvPr id="119" name="Image 3" descr=""/>
           <p:cNvPicPr/>
           <p:nvPr/>
         </p:nvPicPr>
@@ -3569,7 +5446,7 @@
         <p:spPr>
           <a:xfrm>
             <a:off x="419400" y="721080"/>
-            <a:ext cx="4047120" cy="4047120"/>
+            <a:ext cx="4046760" cy="4046760"/>
           </a:xfrm>
           <a:prstGeom prst="rect">
             <a:avLst/>
@@ -3618,14 +5495,14 @@
       </p:grpSpPr>
       <p:sp>
         <p:nvSpPr>
-          <p:cNvPr id="82" name="CustomShape 1"/>
+          <p:cNvPr id="120" name="CustomShape 1"/>
           <p:cNvSpPr/>
           <p:nvPr/>
         </p:nvSpPr>
         <p:spPr>
           <a:xfrm>
             <a:off x="0" y="0"/>
-            <a:ext cx="4653720" cy="6857280"/>
+            <a:ext cx="4653360" cy="6856920"/>
           </a:xfrm>
           <a:prstGeom prst="rect">
             <a:avLst/>
@@ -3649,14 +5526,14 @@
       </p:sp>
       <p:sp>
         <p:nvSpPr>
-          <p:cNvPr id="83" name="CustomShape 2"/>
+          <p:cNvPr id="121" name="CustomShape 2"/>
           <p:cNvSpPr/>
           <p:nvPr/>
         </p:nvSpPr>
         <p:spPr>
           <a:xfrm>
             <a:off x="643320" y="643320"/>
-            <a:ext cx="3363120" cy="1596600"/>
+            <a:ext cx="3362760" cy="1596240"/>
           </a:xfrm>
           <a:prstGeom prst="rect">
             <a:avLst/>
@@ -3691,6 +5568,7 @@
                   <a:srgbClr val="ffffff"/>
                 </a:solidFill>
                 <a:latin typeface="Calibri Light"/>
+                <a:ea typeface="DejaVu Sans"/>
               </a:rPr>
               <a:t>Le but du projet « GIT-moi-tout »</a:t>
             </a:r>
@@ -3702,14 +5580,14 @@
       </p:sp>
       <p:sp>
         <p:nvSpPr>
-          <p:cNvPr id="84" name="CustomShape 3"/>
+          <p:cNvPr id="122" name="CustomShape 3"/>
           <p:cNvSpPr/>
           <p:nvPr/>
         </p:nvSpPr>
         <p:spPr>
           <a:xfrm>
             <a:off x="643320" y="2638080"/>
-            <a:ext cx="3363120" cy="3414960"/>
+            <a:ext cx="3362760" cy="3414600"/>
           </a:xfrm>
           <a:prstGeom prst="rect">
             <a:avLst/>
@@ -3744,6 +5622,7 @@
                   <a:srgbClr val="ffffff"/>
                 </a:solidFill>
                 <a:latin typeface="Calibri"/>
+                <a:ea typeface="DejaVu Sans"/>
               </a:rPr>
               <a:t>Permettre aux novices et au moins novices de comprendre :</a:t>
             </a:r>
@@ -3752,7 +5631,7 @@
             </a:endParaRPr>
           </a:p>
           <a:p>
-            <a:pPr lvl="1" marL="685800" indent="-227880">
+            <a:pPr lvl="1" marL="685800" indent="-227520">
               <a:lnSpc>
                 <a:spcPct val="90000"/>
               </a:lnSpc>
@@ -3771,6 +5650,7 @@
                   <a:srgbClr val="ffffff"/>
                 </a:solidFill>
                 <a:latin typeface="Calibri"/>
+                <a:ea typeface="DejaVu Sans"/>
               </a:rPr>
               <a:t>C’est quoi GIT et pour quel usage ?</a:t>
             </a:r>
@@ -3779,7 +5659,7 @@
             </a:endParaRPr>
           </a:p>
           <a:p>
-            <a:pPr lvl="1" marL="685800" indent="-227880">
+            <a:pPr lvl="1" marL="685800" indent="-227520">
               <a:lnSpc>
                 <a:spcPct val="90000"/>
               </a:lnSpc>
@@ -3798,6 +5678,7 @@
                   <a:srgbClr val="ffffff"/>
                 </a:solidFill>
                 <a:latin typeface="Calibri"/>
+                <a:ea typeface="DejaVu Sans"/>
               </a:rPr>
               <a:t>Comment fonctionne-t-il?</a:t>
             </a:r>
@@ -3806,7 +5687,7 @@
             </a:endParaRPr>
           </a:p>
           <a:p>
-            <a:pPr lvl="1" marL="685800" indent="-227880">
+            <a:pPr lvl="1" marL="685800" indent="-227520">
               <a:lnSpc>
                 <a:spcPct val="90000"/>
               </a:lnSpc>
@@ -3825,6 +5706,7 @@
                   <a:srgbClr val="ffffff"/>
                 </a:solidFill>
                 <a:latin typeface="Calibri"/>
+                <a:ea typeface="DejaVu Sans"/>
               </a:rPr>
               <a:t>Comment bien démarrer avec GIT</a:t>
             </a:r>
@@ -3833,7 +5715,7 @@
             </a:endParaRPr>
           </a:p>
           <a:p>
-            <a:pPr lvl="1" marL="685800" indent="-227880">
+            <a:pPr lvl="1" marL="685800" indent="-227520">
               <a:lnSpc>
                 <a:spcPct val="90000"/>
               </a:lnSpc>
@@ -3852,6 +5734,7 @@
                   <a:srgbClr val="ffffff"/>
                 </a:solidFill>
                 <a:latin typeface="Calibri"/>
+                <a:ea typeface="DejaVu Sans"/>
               </a:rPr>
               <a:t>Répondre aux questions et au problèmes que l’ont se poser en utilisant GIT</a:t>
             </a:r>
@@ -3886,7 +5769,7 @@
       </p:sp>
       <p:pic>
         <p:nvPicPr>
-          <p:cNvPr id="85" name="Image 4" descr=""/>
+          <p:cNvPr id="123" name="Image 4" descr=""/>
           <p:cNvPicPr/>
           <p:nvPr/>
         </p:nvPicPr>
@@ -3897,7 +5780,7 @@
         <p:spPr>
           <a:xfrm>
             <a:off x="5198760" y="1295640"/>
-            <a:ext cx="6249960" cy="4687200"/>
+            <a:ext cx="6249600" cy="4686840"/>
           </a:xfrm>
           <a:prstGeom prst="rect">
             <a:avLst/>
@@ -3909,7 +5792,7 @@
       </p:pic>
       <p:pic>
         <p:nvPicPr>
-          <p:cNvPr id="86" name="Image 5" descr=""/>
+          <p:cNvPr id="124" name="Image 5" descr=""/>
           <p:cNvPicPr/>
           <p:nvPr/>
         </p:nvPicPr>
@@ -3920,7 +5803,7 @@
         <p:spPr>
           <a:xfrm>
             <a:off x="11174040" y="137520"/>
-            <a:ext cx="1017360" cy="1011240"/>
+            <a:ext cx="1017000" cy="1010880"/>
           </a:xfrm>
           <a:prstGeom prst="rect">
             <a:avLst/>
@@ -3962,14 +5845,14 @@
       </p:grpSpPr>
       <p:sp>
         <p:nvSpPr>
-          <p:cNvPr id="87" name="CustomShape 1"/>
+          <p:cNvPr id="125" name="CustomShape 1"/>
           <p:cNvSpPr/>
           <p:nvPr/>
         </p:nvSpPr>
         <p:spPr>
           <a:xfrm>
-            <a:off x="838080" y="365040"/>
-            <a:ext cx="10514880" cy="1324800"/>
+            <a:off x="838080" y="1825560"/>
+            <a:ext cx="10514520" cy="4350240"/>
           </a:xfrm>
           <a:prstGeom prst="rect">
             <a:avLst/>
@@ -3985,41 +5868,17 @@
           <a:effectRef idx="0"/>
           <a:fontRef idx="minor"/>
         </p:style>
-        <p:txBody>
-          <a:bodyPr lIns="90000" rIns="90000" tIns="45000" bIns="45000" anchor="ctr">
-            <a:noAutofit/>
-          </a:bodyPr>
-          <a:p>
-            <a:pPr>
-              <a:lnSpc>
-                <a:spcPct val="90000"/>
-              </a:lnSpc>
-            </a:pPr>
-            <a:r>
-              <a:rPr b="0" lang="fr-FR" sz="4400" spc="-1" strike="noStrike">
-                <a:solidFill>
-                  <a:srgbClr val="000000"/>
-                </a:solidFill>
-                <a:latin typeface="Calibri Light"/>
-              </a:rPr>
-              <a:t>Création d’un wiki : tout savoir sur Git</a:t>
-            </a:r>
-            <a:endParaRPr b="0" lang="fr-FR" sz="4400" spc="-1" strike="noStrike">
-              <a:latin typeface="Arial"/>
-            </a:endParaRPr>
-          </a:p>
-        </p:txBody>
-      </p:sp>
-      <p:sp>
-        <p:nvSpPr>
-          <p:cNvPr id="88" name="CustomShape 2"/>
+      </p:sp>
+      <p:sp>
+        <p:nvSpPr>
+          <p:cNvPr id="126" name="CustomShape 2"/>
           <p:cNvSpPr/>
           <p:nvPr/>
         </p:nvSpPr>
         <p:spPr>
           <a:xfrm>
-            <a:off x="838080" y="1825560"/>
-            <a:ext cx="10514880" cy="4350600"/>
+            <a:off x="8352000" y="2664000"/>
+            <a:ext cx="3239280" cy="3017520"/>
           </a:xfrm>
           <a:prstGeom prst="rect">
             <a:avLst/>
@@ -4035,10 +5894,191 @@
           <a:effectRef idx="0"/>
           <a:fontRef idx="minor"/>
         </p:style>
+        <p:txBody>
+          <a:bodyPr lIns="0" rIns="0" tIns="0" bIns="0">
+            <a:spAutoFit/>
+          </a:bodyPr>
+          <a:p>
+            <a:pPr>
+              <a:lnSpc>
+                <a:spcPct val="100000"/>
+              </a:lnSpc>
+            </a:pPr>
+            <a:r>
+              <a:rPr b="1" lang="fr-FR" sz="1800" spc="-1" strike="noStrike" u="sng">
+                <a:solidFill>
+                  <a:srgbClr val="ffffff"/>
+                </a:solidFill>
+                <a:uFillTx/>
+                <a:latin typeface="Arial"/>
+                <a:ea typeface="DejaVu Sans"/>
+              </a:rPr>
+              <a:t>Home : Présentation de Git.</a:t>
+            </a:r>
+            <a:endParaRPr b="0" lang="fr-FR" sz="1800" spc="-1" strike="noStrike">
+              <a:latin typeface="Arial"/>
+            </a:endParaRPr>
+          </a:p>
+          <a:p>
+            <a:pPr>
+              <a:lnSpc>
+                <a:spcPct val="100000"/>
+              </a:lnSpc>
+            </a:pPr>
+            <a:endParaRPr b="0" lang="fr-FR" sz="1800" spc="-1" strike="noStrike">
+              <a:latin typeface="Arial"/>
+            </a:endParaRPr>
+          </a:p>
+          <a:p>
+            <a:pPr>
+              <a:lnSpc>
+                <a:spcPct val="100000"/>
+              </a:lnSpc>
+            </a:pPr>
+            <a:r>
+              <a:rPr b="1" lang="fr-FR" sz="1800" spc="-1" strike="noStrike" u="sng">
+                <a:solidFill>
+                  <a:srgbClr val="ffffff"/>
+                </a:solidFill>
+                <a:uFillTx/>
+                <a:latin typeface="Arial"/>
+                <a:ea typeface="DejaVu Sans"/>
+              </a:rPr>
+              <a:t>Installation et Configuration.</a:t>
+            </a:r>
+            <a:endParaRPr b="0" lang="fr-FR" sz="1800" spc="-1" strike="noStrike">
+              <a:latin typeface="Arial"/>
+            </a:endParaRPr>
+          </a:p>
+          <a:p>
+            <a:pPr>
+              <a:lnSpc>
+                <a:spcPct val="100000"/>
+              </a:lnSpc>
+            </a:pPr>
+            <a:endParaRPr b="0" lang="fr-FR" sz="1800" spc="-1" strike="noStrike">
+              <a:latin typeface="Arial"/>
+            </a:endParaRPr>
+          </a:p>
+          <a:p>
+            <a:pPr>
+              <a:lnSpc>
+                <a:spcPct val="100000"/>
+              </a:lnSpc>
+            </a:pPr>
+            <a:r>
+              <a:rPr b="1" lang="fr-FR" sz="1800" spc="-1" strike="noStrike" u="sng">
+                <a:solidFill>
+                  <a:srgbClr val="ffffff"/>
+                </a:solidFill>
+                <a:uFillTx/>
+                <a:latin typeface="Arial"/>
+                <a:ea typeface="DejaVu Sans"/>
+              </a:rPr>
+              <a:t>Les Fonctionnalités.</a:t>
+            </a:r>
+            <a:endParaRPr b="0" lang="fr-FR" sz="1800" spc="-1" strike="noStrike">
+              <a:latin typeface="Arial"/>
+            </a:endParaRPr>
+          </a:p>
+          <a:p>
+            <a:pPr>
+              <a:lnSpc>
+                <a:spcPct val="100000"/>
+              </a:lnSpc>
+            </a:pPr>
+            <a:endParaRPr b="0" lang="fr-FR" sz="1800" spc="-1" strike="noStrike">
+              <a:latin typeface="Arial"/>
+            </a:endParaRPr>
+          </a:p>
+          <a:p>
+            <a:pPr>
+              <a:lnSpc>
+                <a:spcPct val="100000"/>
+              </a:lnSpc>
+            </a:pPr>
+            <a:r>
+              <a:rPr b="1" lang="fr-FR" sz="1800" spc="-1" strike="noStrike" u="sng">
+                <a:solidFill>
+                  <a:srgbClr val="ffffff"/>
+                </a:solidFill>
+                <a:uFillTx/>
+                <a:latin typeface="Arial"/>
+                <a:ea typeface="DejaVu Sans"/>
+              </a:rPr>
+              <a:t>1 Erreur / 1 Solution</a:t>
+            </a:r>
+            <a:endParaRPr b="0" lang="fr-FR" sz="1800" spc="-1" strike="noStrike">
+              <a:latin typeface="Arial"/>
+            </a:endParaRPr>
+          </a:p>
+          <a:p>
+            <a:pPr>
+              <a:lnSpc>
+                <a:spcPct val="100000"/>
+              </a:lnSpc>
+            </a:pPr>
+            <a:endParaRPr b="0" lang="fr-FR" sz="1800" spc="-1" strike="noStrike">
+              <a:latin typeface="Arial"/>
+            </a:endParaRPr>
+          </a:p>
+          <a:p>
+            <a:pPr>
+              <a:lnSpc>
+                <a:spcPct val="100000"/>
+              </a:lnSpc>
+            </a:pPr>
+            <a:r>
+              <a:rPr b="1" lang="fr-FR" sz="1800" spc="-1" strike="noStrike" u="sng">
+                <a:solidFill>
+                  <a:srgbClr val="ffffff"/>
+                </a:solidFill>
+                <a:uFillTx/>
+                <a:latin typeface="Arial"/>
+                <a:ea typeface="DejaVu Sans"/>
+              </a:rPr>
+              <a:t>Alimentation du Twitter</a:t>
+            </a:r>
+            <a:endParaRPr b="0" lang="fr-FR" sz="1800" spc="-1" strike="noStrike">
+              <a:latin typeface="Arial"/>
+            </a:endParaRPr>
+          </a:p>
+          <a:p>
+            <a:pPr>
+              <a:lnSpc>
+                <a:spcPct val="100000"/>
+              </a:lnSpc>
+            </a:pPr>
+            <a:endParaRPr b="0" lang="fr-FR" sz="1800" spc="-1" strike="noStrike">
+              <a:latin typeface="Arial"/>
+            </a:endParaRPr>
+          </a:p>
+          <a:p>
+            <a:pPr>
+              <a:lnSpc>
+                <a:spcPct val="100000"/>
+              </a:lnSpc>
+            </a:pPr>
+            <a:r>
+              <a:rPr b="1" lang="fr-FR" sz="1800" spc="-1" strike="noStrike" u="sng">
+                <a:solidFill>
+                  <a:srgbClr val="ffffff"/>
+                </a:solidFill>
+                <a:uFillTx/>
+                <a:latin typeface="Arial"/>
+                <a:ea typeface="DejaVu Sans"/>
+              </a:rPr>
+              <a:t>FAQ</a:t>
+            </a:r>
+            <a:endParaRPr b="0" lang="fr-FR" sz="1800" spc="-1" strike="noStrike">
+              <a:latin typeface="Arial"/>
+            </a:endParaRPr>
+          </a:p>
+        </p:txBody>
       </p:sp>
       <p:pic>
         <p:nvPicPr>
-          <p:cNvPr id="89" name="Image 3" descr=""/>
+          <p:cNvPr id="127" name="" descr=""/>
           <p:cNvPicPr/>
           <p:nvPr/>
         </p:nvPicPr>
@@ -4048,8 +6088,8 @@
         </p:blipFill>
         <p:spPr>
           <a:xfrm>
-            <a:off x="10962720" y="174240"/>
-            <a:ext cx="1016280" cy="1012680"/>
+            <a:off x="0" y="-4680"/>
+            <a:ext cx="12192120" cy="6862680"/>
           </a:xfrm>
           <a:prstGeom prst="rect">
             <a:avLst/>
@@ -4059,253 +6099,6 @@
           </a:ln>
         </p:spPr>
       </p:pic>
-      <p:pic>
-        <p:nvPicPr>
-          <p:cNvPr id="90" name="" descr=""/>
-          <p:cNvPicPr/>
-          <p:nvPr/>
-        </p:nvPicPr>
-        <p:blipFill>
-          <a:blip r:embed="rId2"/>
-          <a:stretch/>
-        </p:blipFill>
-        <p:spPr>
-          <a:xfrm>
-            <a:off x="0" y="1690200"/>
-            <a:ext cx="9863640" cy="5167440"/>
-          </a:xfrm>
-          <a:prstGeom prst="rect">
-            <a:avLst/>
-          </a:prstGeom>
-          <a:ln>
-            <a:noFill/>
-          </a:ln>
-        </p:spPr>
-      </p:pic>
-      <p:pic>
-        <p:nvPicPr>
-          <p:cNvPr id="91" name="" descr=""/>
-          <p:cNvPicPr/>
-          <p:nvPr/>
-        </p:nvPicPr>
-        <p:blipFill>
-          <a:blip r:embed="rId3"/>
-          <a:stretch/>
-        </p:blipFill>
-        <p:spPr>
-          <a:xfrm>
-            <a:off x="7800120" y="1690200"/>
-            <a:ext cx="4391640" cy="5077440"/>
-          </a:xfrm>
-          <a:prstGeom prst="rect">
-            <a:avLst/>
-          </a:prstGeom>
-          <a:ln>
-            <a:noFill/>
-          </a:ln>
-        </p:spPr>
-      </p:pic>
-      <p:sp>
-        <p:nvSpPr>
-          <p:cNvPr id="92" name="CustomShape 3"/>
-          <p:cNvSpPr/>
-          <p:nvPr/>
-        </p:nvSpPr>
-        <p:spPr>
-          <a:xfrm>
-            <a:off x="8352000" y="2664000"/>
-            <a:ext cx="3239640" cy="3017880"/>
-          </a:xfrm>
-          <a:prstGeom prst="rect">
-            <a:avLst/>
-          </a:prstGeom>
-          <a:noFill/>
-          <a:ln>
-            <a:noFill/>
-          </a:ln>
-        </p:spPr>
-        <p:style>
-          <a:lnRef idx="0"/>
-          <a:fillRef idx="0"/>
-          <a:effectRef idx="0"/>
-          <a:fontRef idx="minor"/>
-        </p:style>
-        <p:txBody>
-          <a:bodyPr lIns="0" rIns="0" tIns="0" bIns="0">
-            <a:spAutoFit/>
-          </a:bodyPr>
-          <a:p>
-            <a:pPr>
-              <a:lnSpc>
-                <a:spcPct val="100000"/>
-              </a:lnSpc>
-            </a:pPr>
-            <a:r>
-              <a:rPr b="1" lang="fr-FR" sz="1800" spc="-1" strike="noStrike" u="sng">
-                <a:solidFill>
-                  <a:srgbClr val="ffffff"/>
-                </a:solidFill>
-                <a:uFillTx/>
-                <a:latin typeface="Arial"/>
-              </a:rPr>
-              <a:t>Home : Présentation de Git.</a:t>
-            </a:r>
-            <a:endParaRPr b="0" lang="fr-FR" sz="1800" spc="-1" strike="noStrike">
-              <a:latin typeface="Arial"/>
-            </a:endParaRPr>
-          </a:p>
-          <a:p>
-            <a:pPr>
-              <a:lnSpc>
-                <a:spcPct val="100000"/>
-              </a:lnSpc>
-            </a:pPr>
-            <a:endParaRPr b="0" lang="fr-FR" sz="1800" spc="-1" strike="noStrike">
-              <a:latin typeface="Arial"/>
-            </a:endParaRPr>
-          </a:p>
-          <a:p>
-            <a:pPr>
-              <a:lnSpc>
-                <a:spcPct val="100000"/>
-              </a:lnSpc>
-            </a:pPr>
-            <a:r>
-              <a:rPr b="1" lang="fr-FR" sz="1800" spc="-1" strike="noStrike" u="sng">
-                <a:solidFill>
-                  <a:srgbClr val="ffffff"/>
-                </a:solidFill>
-                <a:uFillTx/>
-                <a:latin typeface="Arial"/>
-              </a:rPr>
-              <a:t>Installation et Configuration.</a:t>
-            </a:r>
-            <a:endParaRPr b="0" lang="fr-FR" sz="1800" spc="-1" strike="noStrike">
-              <a:latin typeface="Arial"/>
-            </a:endParaRPr>
-          </a:p>
-          <a:p>
-            <a:pPr>
-              <a:lnSpc>
-                <a:spcPct val="100000"/>
-              </a:lnSpc>
-            </a:pPr>
-            <a:endParaRPr b="0" lang="fr-FR" sz="1800" spc="-1" strike="noStrike">
-              <a:latin typeface="Arial"/>
-            </a:endParaRPr>
-          </a:p>
-          <a:p>
-            <a:pPr>
-              <a:lnSpc>
-                <a:spcPct val="100000"/>
-              </a:lnSpc>
-            </a:pPr>
-            <a:r>
-              <a:rPr b="1" lang="fr-FR" sz="1800" spc="-1" strike="noStrike" u="sng">
-                <a:solidFill>
-                  <a:srgbClr val="ffffff"/>
-                </a:solidFill>
-                <a:uFillTx/>
-                <a:latin typeface="Arial"/>
-              </a:rPr>
-              <a:t>Les Fonctionnalités.</a:t>
-            </a:r>
-            <a:endParaRPr b="0" lang="fr-FR" sz="1800" spc="-1" strike="noStrike">
-              <a:latin typeface="Arial"/>
-            </a:endParaRPr>
-          </a:p>
-          <a:p>
-            <a:pPr>
-              <a:lnSpc>
-                <a:spcPct val="100000"/>
-              </a:lnSpc>
-            </a:pPr>
-            <a:endParaRPr b="0" lang="fr-FR" sz="1800" spc="-1" strike="noStrike">
-              <a:latin typeface="Arial"/>
-            </a:endParaRPr>
-          </a:p>
-          <a:p>
-            <a:pPr>
-              <a:lnSpc>
-                <a:spcPct val="100000"/>
-              </a:lnSpc>
-            </a:pPr>
-            <a:r>
-              <a:rPr b="1" lang="fr-FR" sz="1800" spc="-1" strike="noStrike" u="sng">
-                <a:solidFill>
-                  <a:srgbClr val="ffffff"/>
-                </a:solidFill>
-                <a:uFillTx/>
-                <a:latin typeface="Arial"/>
-              </a:rPr>
-              <a:t>1 Erreur / 1 Solution</a:t>
-            </a:r>
-            <a:endParaRPr b="0" lang="fr-FR" sz="1800" spc="-1" strike="noStrike">
-              <a:latin typeface="Arial"/>
-            </a:endParaRPr>
-          </a:p>
-          <a:p>
-            <a:pPr>
-              <a:lnSpc>
-                <a:spcPct val="100000"/>
-              </a:lnSpc>
-            </a:pPr>
-            <a:endParaRPr b="0" lang="fr-FR" sz="1800" spc="-1" strike="noStrike">
-              <a:latin typeface="Arial"/>
-            </a:endParaRPr>
-          </a:p>
-          <a:p>
-            <a:pPr>
-              <a:lnSpc>
-                <a:spcPct val="100000"/>
-              </a:lnSpc>
-            </a:pPr>
-            <a:r>
-              <a:rPr b="1" lang="fr-FR" sz="1800" spc="-1" strike="noStrike" u="sng">
-                <a:solidFill>
-                  <a:srgbClr val="ffffff"/>
-                </a:solidFill>
-                <a:uFillTx/>
-                <a:latin typeface="Arial"/>
-              </a:rPr>
-              <a:t>Alimentation du Twitter</a:t>
-            </a:r>
-            <a:endParaRPr b="0" lang="fr-FR" sz="1800" spc="-1" strike="noStrike">
-              <a:latin typeface="Arial"/>
-            </a:endParaRPr>
-          </a:p>
-          <a:p>
-            <a:pPr>
-              <a:lnSpc>
-                <a:spcPct val="100000"/>
-              </a:lnSpc>
-            </a:pPr>
-            <a:endParaRPr b="0" lang="fr-FR" sz="1800" spc="-1" strike="noStrike">
-              <a:latin typeface="Arial"/>
-            </a:endParaRPr>
-          </a:p>
-          <a:p>
-            <a:pPr>
-              <a:lnSpc>
-                <a:spcPct val="100000"/>
-              </a:lnSpc>
-            </a:pPr>
-            <a:r>
-              <a:rPr b="1" lang="fr-FR" sz="1800" spc="-1" strike="noStrike" u="sng">
-                <a:solidFill>
-                  <a:srgbClr val="ffffff"/>
-                </a:solidFill>
-                <a:uFillTx/>
-                <a:latin typeface="Arial"/>
-              </a:rPr>
-              <a:t>FAQ</a:t>
-            </a:r>
-            <a:endParaRPr b="0" lang="fr-FR" sz="1800" spc="-1" strike="noStrike">
-              <a:latin typeface="Arial"/>
-            </a:endParaRPr>
-          </a:p>
-        </p:txBody>
-      </p:sp>
     </p:spTree>
   </p:cSld>
   <mc:AlternateContent>
@@ -4338,14 +6131,14 @@
       </p:grpSpPr>
       <p:sp>
         <p:nvSpPr>
-          <p:cNvPr id="93" name="CustomShape 1"/>
+          <p:cNvPr id="128" name="CustomShape 1"/>
           <p:cNvSpPr/>
           <p:nvPr/>
         </p:nvSpPr>
         <p:spPr>
           <a:xfrm>
             <a:off x="838080" y="365040"/>
-            <a:ext cx="10514880" cy="1324800"/>
+            <a:ext cx="10514520" cy="1324440"/>
           </a:xfrm>
           <a:prstGeom prst="rect">
             <a:avLst/>
@@ -4377,6 +6170,7 @@
                   <a:srgbClr val="000000"/>
                 </a:solidFill>
                 <a:latin typeface="Calibri Light"/>
+                <a:ea typeface="DejaVu Sans"/>
               </a:rPr>
               <a:t>Création de contenus pour le blog</a:t>
             </a:r>
@@ -4388,14 +6182,14 @@
       </p:sp>
       <p:sp>
         <p:nvSpPr>
-          <p:cNvPr id="94" name="CustomShape 2"/>
+          <p:cNvPr id="129" name="CustomShape 2"/>
           <p:cNvSpPr/>
           <p:nvPr/>
         </p:nvSpPr>
         <p:spPr>
           <a:xfrm>
             <a:off x="838080" y="1825560"/>
-            <a:ext cx="10514880" cy="4350600"/>
+            <a:ext cx="10514520" cy="4350240"/>
           </a:xfrm>
           <a:prstGeom prst="rect">
             <a:avLst/>
@@ -4414,7 +6208,7 @@
       </p:sp>
       <p:pic>
         <p:nvPicPr>
-          <p:cNvPr id="95" name="Image 4" descr=""/>
+          <p:cNvPr id="130" name="Image 4" descr=""/>
           <p:cNvPicPr/>
           <p:nvPr/>
         </p:nvPicPr>
@@ -4425,7 +6219,7 @@
         <p:spPr>
           <a:xfrm>
             <a:off x="10999080" y="174960"/>
-            <a:ext cx="1017360" cy="1011240"/>
+            <a:ext cx="1017000" cy="1010880"/>
           </a:xfrm>
           <a:prstGeom prst="rect">
             <a:avLst/>
@@ -4467,14 +6261,14 @@
       </p:grpSpPr>
       <p:sp>
         <p:nvSpPr>
-          <p:cNvPr id="96" name="CustomShape 1"/>
+          <p:cNvPr id="131" name="CustomShape 1"/>
           <p:cNvSpPr/>
           <p:nvPr/>
         </p:nvSpPr>
         <p:spPr>
           <a:xfrm>
             <a:off x="838080" y="365040"/>
-            <a:ext cx="10514880" cy="1324800"/>
+            <a:ext cx="10514520" cy="1324440"/>
           </a:xfrm>
           <a:prstGeom prst="rect">
             <a:avLst/>
@@ -4506,6 +6300,7 @@
                   <a:srgbClr val="000000"/>
                 </a:solidFill>
                 <a:latin typeface="Calibri Light"/>
+                <a:ea typeface="DejaVu Sans"/>
               </a:rPr>
               <a:t>Création de contenus pour le Twitter</a:t>
             </a:r>
@@ -4517,14 +6312,14 @@
       </p:sp>
       <p:sp>
         <p:nvSpPr>
-          <p:cNvPr id="97" name="CustomShape 2"/>
+          <p:cNvPr id="132" name="CustomShape 2"/>
           <p:cNvSpPr/>
           <p:nvPr/>
         </p:nvSpPr>
         <p:spPr>
           <a:xfrm>
             <a:off x="838080" y="1825560"/>
-            <a:ext cx="10514880" cy="4350600"/>
+            <a:ext cx="10514520" cy="4350240"/>
           </a:xfrm>
           <a:prstGeom prst="rect">
             <a:avLst/>
@@ -4543,7 +6338,7 @@
       </p:sp>
       <p:pic>
         <p:nvPicPr>
-          <p:cNvPr id="98" name="Image 4" descr=""/>
+          <p:cNvPr id="133" name="Image 4" descr=""/>
           <p:cNvPicPr/>
           <p:nvPr/>
         </p:nvPicPr>
@@ -4554,7 +6349,7 @@
         <p:spPr>
           <a:xfrm>
             <a:off x="11011680" y="15840"/>
-            <a:ext cx="1017360" cy="1011240"/>
+            <a:ext cx="1017000" cy="1010880"/>
           </a:xfrm>
           <a:prstGeom prst="rect">
             <a:avLst/>
@@ -4566,7 +6361,7 @@
       </p:pic>
       <p:pic>
         <p:nvPicPr>
-          <p:cNvPr id="99" name="" descr=""/>
+          <p:cNvPr id="134" name="" descr=""/>
           <p:cNvPicPr/>
           <p:nvPr/>
         </p:nvPicPr>
@@ -4577,7 +6372,7 @@
         <p:spPr>
           <a:xfrm>
             <a:off x="360" y="1682640"/>
-            <a:ext cx="7594920" cy="5175720"/>
+            <a:ext cx="7594560" cy="5175360"/>
           </a:xfrm>
           <a:prstGeom prst="rect">
             <a:avLst/>
@@ -4589,14 +6384,14 @@
       </p:pic>
       <p:sp>
         <p:nvSpPr>
-          <p:cNvPr id="100" name="TextShape 3"/>
-          <p:cNvSpPr txBox="1"/>
+          <p:cNvPr id="135" name="CustomShape 3"/>
+          <p:cNvSpPr/>
           <p:nvPr/>
         </p:nvSpPr>
         <p:spPr>
           <a:xfrm rot="10800">
-            <a:off x="7485840" y="1690560"/>
-            <a:ext cx="4704480" cy="5167800"/>
+            <a:off x="7485840" y="2324160"/>
+            <a:ext cx="4704120" cy="3900240"/>
           </a:xfrm>
           <a:prstGeom prst="rect">
             <a:avLst/>
@@ -4606,35 +6401,27 @@
             <a:noFill/>
           </a:ln>
         </p:spPr>
+        <p:style>
+          <a:lnRef idx="0"/>
+          <a:fillRef idx="0"/>
+          <a:effectRef idx="0"/>
+          <a:fontRef idx="minor"/>
+        </p:style>
         <p:txBody>
           <a:bodyPr lIns="0" rIns="0" tIns="0" bIns="0" anchor="ctr">
             <a:spAutoFit/>
           </a:bodyPr>
           <a:p>
-            <a:pPr algn="ctr"/>
+            <a:pPr algn="ctr">
+              <a:lnSpc>
+                <a:spcPct val="100000"/>
+              </a:lnSpc>
+            </a:pPr>
             <a:r>
               <a:rPr b="0" lang="fr-FR" sz="3200" spc="-1" strike="noStrike">
                 <a:latin typeface="Arial"/>
               </a:rPr>
-              <a:t>Alors voilà on à eu l’idée (enfin on a piqué l’idée sur le </a:t>
-            </a:r>
-            <a:r>
-              <a:rPr b="0" lang="fr-FR" sz="3200" spc="-1" strike="noStrike">
-                <a:latin typeface="Arial"/>
-              </a:rPr>
-              <a:t>compte twitter de la photo de gauche), de faire des petits </a:t>
-            </a:r>
-            <a:r>
-              <a:rPr b="0" lang="fr-FR" sz="3200" spc="-1" strike="noStrike">
-                <a:latin typeface="Arial"/>
-              </a:rPr>
-              <a:t>sondage, poser des questions, tweeter des liens du futur </a:t>
-            </a:r>
-            <a:r>
-              <a:rPr b="0" lang="fr-FR" sz="3200" spc="-1" strike="noStrike">
-                <a:latin typeface="Arial"/>
-              </a:rPr>
-              <a:t>blog.</a:t>
+              <a:t>Alors voilà on à eu l’idée (enfin on a piqué l’idée sur le compte twitter de la photo de gauche), de faire des petits sondage, poser des questions, tweeter des liens du futur blog.</a:t>
             </a:r>
             <a:endParaRPr b="0" lang="fr-FR" sz="3200" spc="-1" strike="noStrike">
               <a:latin typeface="Arial"/>
@@ -4674,14 +6461,14 @@
       </p:grpSpPr>
       <p:sp>
         <p:nvSpPr>
-          <p:cNvPr id="101" name="CustomShape 1"/>
+          <p:cNvPr id="136" name="CustomShape 1"/>
           <p:cNvSpPr/>
           <p:nvPr/>
         </p:nvSpPr>
         <p:spPr>
           <a:xfrm>
             <a:off x="838080" y="365040"/>
-            <a:ext cx="10514880" cy="1324800"/>
+            <a:ext cx="10514520" cy="1324440"/>
           </a:xfrm>
           <a:prstGeom prst="rect">
             <a:avLst/>
@@ -4713,6 +6500,7 @@
                   <a:srgbClr val="000000"/>
                 </a:solidFill>
                 <a:latin typeface="Calibri Light"/>
+                <a:ea typeface="DejaVu Sans"/>
               </a:rPr>
               <a:t>Création de contenus pour le jeu FS Pursuit </a:t>
             </a:r>
@@ -4724,14 +6512,14 @@
       </p:sp>
       <p:sp>
         <p:nvSpPr>
-          <p:cNvPr id="102" name="CustomShape 2"/>
+          <p:cNvPr id="137" name="CustomShape 2"/>
           <p:cNvSpPr/>
           <p:nvPr/>
         </p:nvSpPr>
         <p:spPr>
           <a:xfrm>
             <a:off x="838080" y="1825560"/>
-            <a:ext cx="10514880" cy="4350600"/>
+            <a:ext cx="10514520" cy="4350240"/>
           </a:xfrm>
           <a:prstGeom prst="rect">
             <a:avLst/>
@@ -4750,7 +6538,7 @@
       </p:sp>
       <p:pic>
         <p:nvPicPr>
-          <p:cNvPr id="103" name="Image 4" descr=""/>
+          <p:cNvPr id="138" name="Image 4" descr=""/>
           <p:cNvPicPr/>
           <p:nvPr/>
         </p:nvPicPr>
@@ -4761,7 +6549,7 @@
         <p:spPr>
           <a:xfrm>
             <a:off x="11075040" y="15840"/>
-            <a:ext cx="1017360" cy="1011240"/>
+            <a:ext cx="1017000" cy="1010880"/>
           </a:xfrm>
           <a:prstGeom prst="rect">
             <a:avLst/>
@@ -4803,14 +6591,14 @@
       </p:grpSpPr>
       <p:sp>
         <p:nvSpPr>
-          <p:cNvPr id="104" name="CustomShape 1"/>
+          <p:cNvPr id="139" name="CustomShape 1"/>
           <p:cNvSpPr/>
           <p:nvPr/>
         </p:nvSpPr>
         <p:spPr>
           <a:xfrm>
             <a:off x="838080" y="365040"/>
-            <a:ext cx="10514880" cy="1324800"/>
+            <a:ext cx="10514520" cy="1324440"/>
           </a:xfrm>
           <a:prstGeom prst="rect">
             <a:avLst/>
@@ -4842,6 +6630,7 @@
                   <a:srgbClr val="000000"/>
                 </a:solidFill>
                 <a:latin typeface="Calibri Light"/>
+                <a:ea typeface="DejaVu Sans"/>
               </a:rPr>
               <a:t>Création d’un FAQ ( les problèmes fréquemment rencontrés par les utilisateurs)</a:t>
             </a:r>
@@ -4853,14 +6642,14 @@
       </p:sp>
       <p:sp>
         <p:nvSpPr>
-          <p:cNvPr id="105" name="CustomShape 2"/>
+          <p:cNvPr id="140" name="CustomShape 2"/>
           <p:cNvSpPr/>
           <p:nvPr/>
         </p:nvSpPr>
         <p:spPr>
           <a:xfrm>
             <a:off x="838080" y="1825560"/>
-            <a:ext cx="10514880" cy="4350600"/>
+            <a:ext cx="10514520" cy="4350240"/>
           </a:xfrm>
           <a:prstGeom prst="rect">
             <a:avLst/>
@@ -4879,7 +6668,7 @@
       </p:sp>
       <p:pic>
         <p:nvPicPr>
-          <p:cNvPr id="106" name="Image 4" descr=""/>
+          <p:cNvPr id="141" name="Image 4" descr=""/>
           <p:cNvPicPr/>
           <p:nvPr/>
         </p:nvPicPr>
@@ -4890,7 +6679,7 @@
         <p:spPr>
           <a:xfrm>
             <a:off x="11075040" y="15840"/>
-            <a:ext cx="1017360" cy="1011240"/>
+            <a:ext cx="1017000" cy="1010880"/>
           </a:xfrm>
           <a:prstGeom prst="rect">
             <a:avLst/>
@@ -5357,4 +7146,227 @@
     </a:fmtScheme>
   </a:themeElements>
 </a:theme>
+</file>
+
+<file path=ppt/theme/theme3.xml><?xml version="1.0" encoding="utf-8"?>
+<a:theme xmlns:a="http://schemas.openxmlformats.org/drawingml/2006/main" name="Office Theme">
+  <a:themeElements>
+    <a:clrScheme name="Office">
+      <a:dk1>
+        <a:sysClr val="windowText" lastClr="000000"/>
+      </a:dk1>
+      <a:lt1>
+        <a:sysClr val="window" lastClr="FFFFFF"/>
+      </a:lt1>
+      <a:dk2>
+        <a:srgbClr val="44546a"/>
+      </a:dk2>
+      <a:lt2>
+        <a:srgbClr val="e7e6e6"/>
+      </a:lt2>
+      <a:accent1>
+        <a:srgbClr val="4472c4"/>
+      </a:accent1>
+      <a:accent2>
+        <a:srgbClr val="ed7d31"/>
+      </a:accent2>
+      <a:accent3>
+        <a:srgbClr val="a5a5a5"/>
+      </a:accent3>
+      <a:accent4>
+        <a:srgbClr val="ffc000"/>
+      </a:accent4>
+      <a:accent5>
+        <a:srgbClr val="5b9bd5"/>
+      </a:accent5>
+      <a:accent6>
+        <a:srgbClr val="70ad47"/>
+      </a:accent6>
+      <a:hlink>
+        <a:srgbClr val="0563c1"/>
+      </a:hlink>
+      <a:folHlink>
+        <a:srgbClr val="954f72"/>
+      </a:folHlink>
+    </a:clrScheme>
+    <a:fontScheme name="Office">
+      <a:majorFont>
+        <a:latin typeface="Arial"/>
+        <a:ea typeface="DejaVu Sans"/>
+        <a:cs typeface="DejaVu Sans"/>
+      </a:majorFont>
+      <a:minorFont>
+        <a:latin typeface="Arial"/>
+        <a:ea typeface="DejaVu Sans"/>
+        <a:cs typeface="DejaVu Sans"/>
+      </a:minorFont>
+    </a:fontScheme>
+    <a:fmtScheme name="Office">
+      <a:fillStyleLst>
+        <a:solidFill>
+          <a:schemeClr val="phClr"/>
+        </a:solidFill>
+        <a:gradFill rotWithShape="1">
+          <a:gsLst>
+            <a:gs pos="0">
+              <a:schemeClr val="phClr">
+                <a:tint val="50000"/>
+                <a:satMod val="300000"/>
+              </a:schemeClr>
+            </a:gs>
+            <a:gs pos="35000">
+              <a:schemeClr val="phClr">
+                <a:tint val="37000"/>
+                <a:satMod val="300000"/>
+              </a:schemeClr>
+            </a:gs>
+            <a:gs pos="100000">
+              <a:schemeClr val="phClr">
+                <a:tint val="15000"/>
+                <a:satMod val="350000"/>
+              </a:schemeClr>
+            </a:gs>
+          </a:gsLst>
+          <a:lin ang="16200000" scaled="1"/>
+        </a:gradFill>
+        <a:gradFill rotWithShape="1">
+          <a:gsLst>
+            <a:gs pos="0">
+              <a:schemeClr val="phClr">
+                <a:shade val="51000"/>
+                <a:satMod val="130000"/>
+              </a:schemeClr>
+            </a:gs>
+            <a:gs pos="80000">
+              <a:schemeClr val="phClr">
+                <a:shade val="93000"/>
+                <a:satMod val="130000"/>
+              </a:schemeClr>
+            </a:gs>
+            <a:gs pos="100000">
+              <a:schemeClr val="phClr">
+                <a:shade val="94000"/>
+                <a:satMod val="135000"/>
+              </a:schemeClr>
+            </a:gs>
+          </a:gsLst>
+          <a:lin ang="16200000" scaled="0"/>
+        </a:gradFill>
+      </a:fillStyleLst>
+      <a:lnStyleLst>
+        <a:ln w="9525" cap="flat" cmpd="sng" algn="ctr">
+          <a:solidFill>
+            <a:schemeClr val="phClr">
+              <a:shade val="95000"/>
+              <a:satMod val="105000"/>
+            </a:schemeClr>
+          </a:solidFill>
+          <a:prstDash val="solid"/>
+        </a:ln>
+        <a:ln w="25400" cap="flat" cmpd="sng" algn="ctr">
+          <a:solidFill>
+            <a:schemeClr val="phClr"/>
+          </a:solidFill>
+          <a:prstDash val="solid"/>
+        </a:ln>
+        <a:ln w="38100" cap="flat" cmpd="sng" algn="ctr">
+          <a:solidFill>
+            <a:schemeClr val="phClr"/>
+          </a:solidFill>
+          <a:prstDash val="solid"/>
+        </a:ln>
+      </a:lnStyleLst>
+      <a:effectStyleLst>
+        <a:effectStyle>
+          <a:effectLst>
+            <a:outerShdw blurRad="40000" dist="20000" dir="5400000" rotWithShape="0">
+              <a:srgbClr val="000000">
+                <a:alpha val="38000"/>
+              </a:srgbClr>
+            </a:outerShdw>
+          </a:effectLst>
+        </a:effectStyle>
+        <a:effectStyle>
+          <a:effectLst>
+            <a:outerShdw blurRad="40000" dist="23000" dir="5400000" rotWithShape="0">
+              <a:srgbClr val="000000">
+                <a:alpha val="35000"/>
+              </a:srgbClr>
+            </a:outerShdw>
+          </a:effectLst>
+        </a:effectStyle>
+        <a:effectStyle>
+          <a:effectLst>
+            <a:outerShdw blurRad="40000" dist="23000" dir="5400000" rotWithShape="0">
+              <a:srgbClr val="000000">
+                <a:alpha val="35000"/>
+              </a:srgbClr>
+            </a:outerShdw>
+          </a:effectLst>
+          <a:scene3d>
+            <a:camera prst="orthographicFront">
+              <a:rot lat="0" lon="0" rev="0"/>
+            </a:camera>
+            <a:lightRig rig="threePt" dir="t">
+              <a:rot lat="0" lon="0" rev="1200000"/>
+            </a:lightRig>
+          </a:scene3d>
+          <a:sp3d>
+            <a:bevelT w="63500" h="25400"/>
+          </a:sp3d>
+        </a:effectStyle>
+      </a:effectStyleLst>
+      <a:bgFillStyleLst>
+        <a:solidFill>
+          <a:schemeClr val="phClr"/>
+        </a:solidFill>
+        <a:gradFill rotWithShape="1">
+          <a:gsLst>
+            <a:gs pos="0">
+              <a:schemeClr val="phClr">
+                <a:tint val="40000"/>
+                <a:satMod val="350000"/>
+              </a:schemeClr>
+            </a:gs>
+            <a:gs pos="40000">
+              <a:schemeClr val="phClr">
+                <a:tint val="45000"/>
+                <a:shade val="99000"/>
+                <a:satMod val="350000"/>
+              </a:schemeClr>
+            </a:gs>
+            <a:gs pos="100000">
+              <a:schemeClr val="phClr">
+                <a:shade val="20000"/>
+                <a:satMod val="255000"/>
+              </a:schemeClr>
+            </a:gs>
+          </a:gsLst>
+          <a:path path="circle">
+            <a:fillToRect l="50000" t="-80000" r="50000" b="180000"/>
+          </a:path>
+        </a:gradFill>
+        <a:gradFill rotWithShape="1">
+          <a:gsLst>
+            <a:gs pos="0">
+              <a:schemeClr val="phClr">
+                <a:tint val="80000"/>
+                <a:satMod val="300000"/>
+              </a:schemeClr>
+            </a:gs>
+            <a:gs pos="100000">
+              <a:schemeClr val="phClr">
+                <a:shade val="30000"/>
+                <a:satMod val="200000"/>
+              </a:schemeClr>
+            </a:gs>
+          </a:gsLst>
+          <a:path path="circle">
+            <a:fillToRect l="50000" t="50000" r="50000" b="50000"/>
+          </a:path>
+        </a:gradFill>
+      </a:bgFillStyleLst>
+    </a:fmtScheme>
+  </a:themeElements>
+</a:theme>
 </file>
--- a/GIT-moi-tout.pptx
+++ b/GIT-moi-tout.pptx
@@ -14,6 +14,7 @@
     <p:sldId id="260" r:id="rId9"/>
     <p:sldId id="261" r:id="rId10"/>
     <p:sldId id="262" r:id="rId11"/>
+    <p:sldId id="263" r:id="rId12"/>
   </p:sldIdLst>
   <p:sldSz cx="12192000" cy="6858000"/>
   <p:notesSz cx="7772400" cy="10058400"/>
@@ -4124,8 +4125,8 @@
         </p:nvSpPr>
         <p:spPr>
           <a:xfrm>
-            <a:off x="609480" y="273240"/>
-            <a:ext cx="10972080" cy="1145160"/>
+            <a:off x="609480" y="273600"/>
+            <a:ext cx="10972440" cy="1144800"/>
           </a:xfrm>
           <a:prstGeom prst="rect">
             <a:avLst/>
@@ -4133,274 +4134,23 @@
         </p:spPr>
         <p:txBody>
           <a:bodyPr lIns="0" rIns="0" tIns="0" bIns="0" anchor="ctr">
-            <a:spAutoFit/>
-          </a:bodyPr>
-          <a:p>
+            <a:noAutofit/>
+          </a:bodyPr>
+          <a:p>
+            <a:pPr algn="ctr"/>
             <a:r>
-              <a:rPr b="0" lang="fr-FR" sz="1800" spc="-1" strike="noStrike">
+              <a:rPr b="0" lang="fr-FR" sz="4400" spc="-1" strike="noStrike">
                 <a:latin typeface="Arial"/>
               </a:rPr>
-              <a:t>C</a:t>
+              <a:t>Cliquez pour éditer le format du texte-</a:t>
             </a:r>
             <a:r>
-              <a:rPr b="0" lang="fr-FR" sz="1800" spc="-1" strike="noStrike">
+              <a:rPr b="0" lang="fr-FR" sz="4400" spc="-1" strike="noStrike">
                 <a:latin typeface="Arial"/>
               </a:rPr>
-              <a:t>l</a:t>
+              <a:t>titre</a:t>
             </a:r>
-            <a:r>
-              <a:rPr b="0" lang="fr-FR" sz="1800" spc="-1" strike="noStrike">
-                <a:latin typeface="Arial"/>
-              </a:rPr>
-              <a:t>i</a:t>
-            </a:r>
-            <a:r>
-              <a:rPr b="0" lang="fr-FR" sz="1800" spc="-1" strike="noStrike">
-                <a:latin typeface="Arial"/>
-              </a:rPr>
-              <a:t>q</a:t>
-            </a:r>
-            <a:r>
-              <a:rPr b="0" lang="fr-FR" sz="1800" spc="-1" strike="noStrike">
-                <a:latin typeface="Arial"/>
-              </a:rPr>
-              <a:t>u</a:t>
-            </a:r>
-            <a:r>
-              <a:rPr b="0" lang="fr-FR" sz="1800" spc="-1" strike="noStrike">
-                <a:latin typeface="Arial"/>
-              </a:rPr>
-              <a:t>e</a:t>
-            </a:r>
-            <a:r>
-              <a:rPr b="0" lang="fr-FR" sz="1800" spc="-1" strike="noStrike">
-                <a:latin typeface="Arial"/>
-              </a:rPr>
-              <a:t>z</a:t>
-            </a:r>
-            <a:r>
-              <a:rPr b="0" lang="fr-FR" sz="1800" spc="-1" strike="noStrike">
-                <a:latin typeface="Arial"/>
-              </a:rPr>
-              <a:t> </a:t>
-            </a:r>
-            <a:r>
-              <a:rPr b="0" lang="fr-FR" sz="1800" spc="-1" strike="noStrike">
-                <a:latin typeface="Arial"/>
-              </a:rPr>
-              <a:t>p</a:t>
-            </a:r>
-            <a:r>
-              <a:rPr b="0" lang="fr-FR" sz="1800" spc="-1" strike="noStrike">
-                <a:latin typeface="Arial"/>
-              </a:rPr>
-              <a:t>o</a:t>
-            </a:r>
-            <a:r>
-              <a:rPr b="0" lang="fr-FR" sz="1800" spc="-1" strike="noStrike">
-                <a:latin typeface="Arial"/>
-              </a:rPr>
-              <a:t>u</a:t>
-            </a:r>
-            <a:r>
-              <a:rPr b="0" lang="fr-FR" sz="1800" spc="-1" strike="noStrike">
-                <a:latin typeface="Arial"/>
-              </a:rPr>
-              <a:t>r</a:t>
-            </a:r>
-            <a:r>
-              <a:rPr b="0" lang="fr-FR" sz="1800" spc="-1" strike="noStrike">
-                <a:latin typeface="Arial"/>
-              </a:rPr>
-              <a:t> </a:t>
-            </a:r>
-            <a:r>
-              <a:rPr b="0" lang="fr-FR" sz="1800" spc="-1" strike="noStrike">
-                <a:latin typeface="Arial"/>
-              </a:rPr>
-              <a:t>é</a:t>
-            </a:r>
-            <a:r>
-              <a:rPr b="0" lang="fr-FR" sz="1800" spc="-1" strike="noStrike">
-                <a:latin typeface="Arial"/>
-              </a:rPr>
-              <a:t>d</a:t>
-            </a:r>
-            <a:r>
-              <a:rPr b="0" lang="fr-FR" sz="1800" spc="-1" strike="noStrike">
-                <a:latin typeface="Arial"/>
-              </a:rPr>
-              <a:t>i</a:t>
-            </a:r>
-            <a:r>
-              <a:rPr b="0" lang="fr-FR" sz="1800" spc="-1" strike="noStrike">
-                <a:latin typeface="Arial"/>
-              </a:rPr>
-              <a:t>t</a:t>
-            </a:r>
-            <a:r>
-              <a:rPr b="0" lang="fr-FR" sz="1800" spc="-1" strike="noStrike">
-                <a:latin typeface="Arial"/>
-              </a:rPr>
-              <a:t>e</a:t>
-            </a:r>
-            <a:r>
-              <a:rPr b="0" lang="fr-FR" sz="1800" spc="-1" strike="noStrike">
-                <a:latin typeface="Arial"/>
-              </a:rPr>
-              <a:t>r</a:t>
-            </a:r>
-            <a:r>
-              <a:rPr b="0" lang="fr-FR" sz="1800" spc="-1" strike="noStrike">
-                <a:latin typeface="Arial"/>
-              </a:rPr>
-              <a:t> </a:t>
-            </a:r>
-            <a:r>
-              <a:rPr b="0" lang="fr-FR" sz="1800" spc="-1" strike="noStrike">
-                <a:latin typeface="Arial"/>
-              </a:rPr>
-              <a:t>l</a:t>
-            </a:r>
-            <a:r>
-              <a:rPr b="0" lang="fr-FR" sz="1800" spc="-1" strike="noStrike">
-                <a:latin typeface="Arial"/>
-              </a:rPr>
-              <a:t>e</a:t>
-            </a:r>
-            <a:r>
-              <a:rPr b="0" lang="fr-FR" sz="1800" spc="-1" strike="noStrike">
-                <a:latin typeface="Arial"/>
-              </a:rPr>
-              <a:t> </a:t>
-            </a:r>
-            <a:r>
-              <a:rPr b="0" lang="fr-FR" sz="1800" spc="-1" strike="noStrike">
-                <a:latin typeface="Arial"/>
-              </a:rPr>
-              <a:t>f</a:t>
-            </a:r>
-            <a:r>
-              <a:rPr b="0" lang="fr-FR" sz="1800" spc="-1" strike="noStrike">
-                <a:latin typeface="Arial"/>
-              </a:rPr>
-              <a:t>o</a:t>
-            </a:r>
-            <a:r>
-              <a:rPr b="0" lang="fr-FR" sz="1800" spc="-1" strike="noStrike">
-                <a:latin typeface="Arial"/>
-              </a:rPr>
-              <a:t>r</a:t>
-            </a:r>
-            <a:r>
-              <a:rPr b="0" lang="fr-FR" sz="1800" spc="-1" strike="noStrike">
-                <a:latin typeface="Arial"/>
-              </a:rPr>
-              <a:t>m</a:t>
-            </a:r>
-            <a:r>
-              <a:rPr b="0" lang="fr-FR" sz="1800" spc="-1" strike="noStrike">
-                <a:latin typeface="Arial"/>
-              </a:rPr>
-              <a:t>a</a:t>
-            </a:r>
-            <a:r>
-              <a:rPr b="0" lang="fr-FR" sz="1800" spc="-1" strike="noStrike">
-                <a:latin typeface="Arial"/>
-              </a:rPr>
-              <a:t>t</a:t>
-            </a:r>
-            <a:r>
-              <a:rPr b="0" lang="fr-FR" sz="1800" spc="-1" strike="noStrike">
-                <a:latin typeface="Arial"/>
-              </a:rPr>
-              <a:t> </a:t>
-            </a:r>
-            <a:r>
-              <a:rPr b="0" lang="fr-FR" sz="1800" spc="-1" strike="noStrike">
-                <a:latin typeface="Arial"/>
-              </a:rPr>
-              <a:t>d</a:t>
-            </a:r>
-            <a:r>
-              <a:rPr b="0" lang="fr-FR" sz="1800" spc="-1" strike="noStrike">
-                <a:latin typeface="Arial"/>
-              </a:rPr>
-              <a:t>u</a:t>
-            </a:r>
-            <a:r>
-              <a:rPr b="0" lang="fr-FR" sz="1800" spc="-1" strike="noStrike">
-                <a:latin typeface="Arial"/>
-              </a:rPr>
-              <a:t> </a:t>
-            </a:r>
-            <a:r>
-              <a:rPr b="0" lang="fr-FR" sz="1800" spc="-1" strike="noStrike">
-                <a:latin typeface="Arial"/>
-              </a:rPr>
-              <a:t>t</a:t>
-            </a:r>
-            <a:r>
-              <a:rPr b="0" lang="fr-FR" sz="1800" spc="-1" strike="noStrike">
-                <a:latin typeface="Arial"/>
-              </a:rPr>
-              <a:t>e</a:t>
-            </a:r>
-            <a:r>
-              <a:rPr b="0" lang="fr-FR" sz="1800" spc="-1" strike="noStrike">
-                <a:latin typeface="Arial"/>
-              </a:rPr>
-              <a:t>x</a:t>
-            </a:r>
-            <a:r>
-              <a:rPr b="0" lang="fr-FR" sz="1800" spc="-1" strike="noStrike">
-                <a:latin typeface="Arial"/>
-              </a:rPr>
-              <a:t>t</a:t>
-            </a:r>
-            <a:r>
-              <a:rPr b="0" lang="fr-FR" sz="1800" spc="-1" strike="noStrike">
-                <a:latin typeface="Arial"/>
-              </a:rPr>
-              <a:t>e</a:t>
-            </a:r>
-            <a:r>
-              <a:rPr b="0" lang="fr-FR" sz="1800" spc="-1" strike="noStrike">
-                <a:latin typeface="Arial"/>
-              </a:rPr>
-              <a:t>-</a:t>
-            </a:r>
-            <a:r>
-              <a:rPr b="0" lang="fr-FR" sz="1800" spc="-1" strike="noStrike">
-                <a:latin typeface="Arial"/>
-              </a:rPr>
-              <a:t>t</a:t>
-            </a:r>
-            <a:r>
-              <a:rPr b="0" lang="fr-FR" sz="1800" spc="-1" strike="noStrike">
-                <a:latin typeface="Arial"/>
-              </a:rPr>
-              <a:t>i</a:t>
-            </a:r>
-            <a:r>
-              <a:rPr b="0" lang="fr-FR" sz="1800" spc="-1" strike="noStrike">
-                <a:latin typeface="Arial"/>
-              </a:rPr>
-              <a:t>t</a:t>
-            </a:r>
-            <a:r>
-              <a:rPr b="0" lang="fr-FR" sz="1800" spc="-1" strike="noStrike">
-                <a:latin typeface="Arial"/>
-              </a:rPr>
-              <a:t>r</a:t>
-            </a:r>
-            <a:r>
-              <a:rPr b="0" lang="fr-FR" sz="1800" spc="-1" strike="noStrike">
-                <a:latin typeface="Arial"/>
-              </a:rPr>
-              <a:t>e</a:t>
-            </a:r>
-            <a:endParaRPr b="0" lang="fr-FR" sz="1800" spc="-1" strike="noStrike">
+            <a:endParaRPr b="0" lang="fr-FR" sz="4400" spc="-1" strike="noStrike">
               <a:latin typeface="Arial"/>
             </a:endParaRPr>
           </a:p>
@@ -4419,7 +4169,7 @@
         <p:spPr>
           <a:xfrm>
             <a:off x="609480" y="1604520"/>
-            <a:ext cx="10972080" cy="3976920"/>
+            <a:ext cx="10972440" cy="3977280"/>
           </a:xfrm>
           <a:prstGeom prst="rect">
             <a:avLst/>
@@ -4442,12 +4192,12 @@
               <a:buChar char=""/>
             </a:pPr>
             <a:r>
-              <a:rPr b="0" lang="fr-FR" sz="1800" spc="-1" strike="noStrike">
+              <a:rPr b="0" lang="fr-FR" sz="3200" spc="-1" strike="noStrike">
                 <a:latin typeface="Arial"/>
               </a:rPr>
               <a:t>Cliquez pour éditer le format du plan de texte</a:t>
             </a:r>
-            <a:endParaRPr b="0" lang="fr-FR" sz="1800" spc="-1" strike="noStrike">
+            <a:endParaRPr b="0" lang="fr-FR" sz="3200" spc="-1" strike="noStrike">
               <a:latin typeface="Arial"/>
             </a:endParaRPr>
           </a:p>
@@ -4464,12 +4214,12 @@
               <a:buChar char=""/>
             </a:pPr>
             <a:r>
-              <a:rPr b="0" lang="fr-FR" sz="1800" spc="-1" strike="noStrike">
+              <a:rPr b="0" lang="fr-FR" sz="2800" spc="-1" strike="noStrike">
                 <a:latin typeface="Arial"/>
               </a:rPr>
               <a:t>Second niveau de plan</a:t>
             </a:r>
-            <a:endParaRPr b="0" lang="fr-FR" sz="1800" spc="-1" strike="noStrike">
+            <a:endParaRPr b="0" lang="fr-FR" sz="2800" spc="-1" strike="noStrike">
               <a:latin typeface="Arial"/>
             </a:endParaRPr>
           </a:p>
@@ -4486,12 +4236,12 @@
               <a:buChar char=""/>
             </a:pPr>
             <a:r>
-              <a:rPr b="0" lang="fr-FR" sz="1800" spc="-1" strike="noStrike">
+              <a:rPr b="0" lang="fr-FR" sz="2400" spc="-1" strike="noStrike">
                 <a:latin typeface="Arial"/>
               </a:rPr>
               <a:t>Troisième niveau de plan</a:t>
             </a:r>
-            <a:endParaRPr b="0" lang="fr-FR" sz="1800" spc="-1" strike="noStrike">
+            <a:endParaRPr b="0" lang="fr-FR" sz="2400" spc="-1" strike="noStrike">
               <a:latin typeface="Arial"/>
             </a:endParaRPr>
           </a:p>
@@ -4508,12 +4258,12 @@
               <a:buChar char=""/>
             </a:pPr>
             <a:r>
-              <a:rPr b="0" lang="fr-FR" sz="1800" spc="-1" strike="noStrike">
+              <a:rPr b="0" lang="fr-FR" sz="2000" spc="-1" strike="noStrike">
                 <a:latin typeface="Arial"/>
               </a:rPr>
               <a:t>Quatrième niveau de plan</a:t>
             </a:r>
-            <a:endParaRPr b="0" lang="fr-FR" sz="1800" spc="-1" strike="noStrike">
+            <a:endParaRPr b="0" lang="fr-FR" sz="2000" spc="-1" strike="noStrike">
               <a:latin typeface="Arial"/>
             </a:endParaRPr>
           </a:p>
@@ -4530,12 +4280,12 @@
               <a:buChar char=""/>
             </a:pPr>
             <a:r>
-              <a:rPr b="0" lang="fr-FR" sz="1800" spc="-1" strike="noStrike">
+              <a:rPr b="0" lang="fr-FR" sz="2000" spc="-1" strike="noStrike">
                 <a:latin typeface="Arial"/>
               </a:rPr>
               <a:t>Cinquième niveau de plan</a:t>
             </a:r>
-            <a:endParaRPr b="0" lang="fr-FR" sz="1800" spc="-1" strike="noStrike">
+            <a:endParaRPr b="0" lang="fr-FR" sz="2000" spc="-1" strike="noStrike">
               <a:latin typeface="Arial"/>
             </a:endParaRPr>
           </a:p>
@@ -4552,12 +4302,12 @@
               <a:buChar char=""/>
             </a:pPr>
             <a:r>
-              <a:rPr b="0" lang="fr-FR" sz="1800" spc="-1" strike="noStrike">
+              <a:rPr b="0" lang="fr-FR" sz="2000" spc="-1" strike="noStrike">
                 <a:latin typeface="Arial"/>
               </a:rPr>
               <a:t>Sixième niveau de plan</a:t>
             </a:r>
-            <a:endParaRPr b="0" lang="fr-FR" sz="1800" spc="-1" strike="noStrike">
+            <a:endParaRPr b="0" lang="fr-FR" sz="2000" spc="-1" strike="noStrike">
               <a:latin typeface="Arial"/>
             </a:endParaRPr>
           </a:p>
@@ -4574,12 +4324,12 @@
               <a:buChar char=""/>
             </a:pPr>
             <a:r>
-              <a:rPr b="0" lang="fr-FR" sz="1800" spc="-1" strike="noStrike">
+              <a:rPr b="0" lang="fr-FR" sz="2000" spc="-1" strike="noStrike">
                 <a:latin typeface="Arial"/>
               </a:rPr>
               <a:t>Septième niveau de plan</a:t>
             </a:r>
-            <a:endParaRPr b="0" lang="fr-FR" sz="1800" spc="-1" strike="noStrike">
+            <a:endParaRPr b="0" lang="fr-FR" sz="2000" spc="-1" strike="noStrike">
               <a:latin typeface="Arial"/>
             </a:endParaRPr>
           </a:p>
@@ -5158,7 +4908,7 @@
         <p:spPr>
           <a:xfrm>
             <a:off x="0" y="0"/>
-            <a:ext cx="12191040" cy="6856920"/>
+            <a:ext cx="12190680" cy="6856560"/>
           </a:xfrm>
           <a:prstGeom prst="rect">
             <a:avLst/>
@@ -5197,7 +4947,7 @@
         <p:spPr>
           <a:xfrm>
             <a:off x="6746760" y="1783800"/>
-            <a:ext cx="4644000" cy="2887920"/>
+            <a:ext cx="4643640" cy="2887560"/>
           </a:xfrm>
           <a:prstGeom prst="rect">
             <a:avLst/>
@@ -5248,7 +4998,7 @@
         <p:spPr>
           <a:xfrm>
             <a:off x="6746760" y="4750920"/>
-            <a:ext cx="4644000" cy="1146960"/>
+            <a:ext cx="4643640" cy="1146600"/>
           </a:xfrm>
           <a:prstGeom prst="rect">
             <a:avLst/>
@@ -5301,8 +5051,8 @@
         </p:nvSpPr>
         <p:spPr>
           <a:xfrm flipH="1">
-            <a:off x="-720" y="0"/>
-            <a:ext cx="6171840" cy="6856920"/>
+            <a:off x="-1440" y="0"/>
+            <a:ext cx="6171480" cy="6856560"/>
           </a:xfrm>
           <a:custGeom>
             <a:avLst/>
@@ -5373,7 +5123,7 @@
         <p:spPr>
           <a:xfrm>
             <a:off x="0" y="0"/>
-            <a:ext cx="6023160" cy="6856920"/>
+            <a:ext cx="6022800" cy="6856560"/>
           </a:xfrm>
           <a:custGeom>
             <a:avLst/>
@@ -5446,7 +5196,7 @@
         <p:spPr>
           <a:xfrm>
             <a:off x="419400" y="721080"/>
-            <a:ext cx="4046760" cy="4046760"/>
+            <a:ext cx="4046400" cy="4046400"/>
           </a:xfrm>
           <a:prstGeom prst="rect">
             <a:avLst/>
@@ -5502,7 +5252,7 @@
         <p:spPr>
           <a:xfrm>
             <a:off x="0" y="0"/>
-            <a:ext cx="4653360" cy="6856920"/>
+            <a:ext cx="4653000" cy="6856560"/>
           </a:xfrm>
           <a:prstGeom prst="rect">
             <a:avLst/>
@@ -5533,7 +5283,7 @@
         <p:spPr>
           <a:xfrm>
             <a:off x="643320" y="643320"/>
-            <a:ext cx="3362760" cy="1596240"/>
+            <a:ext cx="3362400" cy="1595880"/>
           </a:xfrm>
           <a:prstGeom prst="rect">
             <a:avLst/>
@@ -5587,7 +5337,7 @@
         <p:spPr>
           <a:xfrm>
             <a:off x="643320" y="2638080"/>
-            <a:ext cx="3362760" cy="3414600"/>
+            <a:ext cx="3362400" cy="3414240"/>
           </a:xfrm>
           <a:prstGeom prst="rect">
             <a:avLst/>
@@ -5631,7 +5381,7 @@
             </a:endParaRPr>
           </a:p>
           <a:p>
-            <a:pPr lvl="1" marL="685800" indent="-227520">
+            <a:pPr lvl="1" marL="685800" indent="-227160">
               <a:lnSpc>
                 <a:spcPct val="90000"/>
               </a:lnSpc>
@@ -5659,7 +5409,7 @@
             </a:endParaRPr>
           </a:p>
           <a:p>
-            <a:pPr lvl="1" marL="685800" indent="-227520">
+            <a:pPr lvl="1" marL="685800" indent="-227160">
               <a:lnSpc>
                 <a:spcPct val="90000"/>
               </a:lnSpc>
@@ -5687,7 +5437,7 @@
             </a:endParaRPr>
           </a:p>
           <a:p>
-            <a:pPr lvl="1" marL="685800" indent="-227520">
+            <a:pPr lvl="1" marL="685800" indent="-227160">
               <a:lnSpc>
                 <a:spcPct val="90000"/>
               </a:lnSpc>
@@ -5715,7 +5465,7 @@
             </a:endParaRPr>
           </a:p>
           <a:p>
-            <a:pPr lvl="1" marL="685800" indent="-227520">
+            <a:pPr lvl="1" marL="685800" indent="-227160">
               <a:lnSpc>
                 <a:spcPct val="90000"/>
               </a:lnSpc>
@@ -5780,7 +5530,7 @@
         <p:spPr>
           <a:xfrm>
             <a:off x="5198760" y="1295640"/>
-            <a:ext cx="6249600" cy="4686840"/>
+            <a:ext cx="6249240" cy="4686480"/>
           </a:xfrm>
           <a:prstGeom prst="rect">
             <a:avLst/>
@@ -5803,7 +5553,7 @@
         <p:spPr>
           <a:xfrm>
             <a:off x="11174040" y="137520"/>
-            <a:ext cx="1017000" cy="1010880"/>
+            <a:ext cx="1016640" cy="1010520"/>
           </a:xfrm>
           <a:prstGeom prst="rect">
             <a:avLst/>
@@ -5852,7 +5602,7 @@
         <p:spPr>
           <a:xfrm>
             <a:off x="838080" y="1825560"/>
-            <a:ext cx="10514520" cy="4350240"/>
+            <a:ext cx="10514160" cy="4349880"/>
           </a:xfrm>
           <a:prstGeom prst="rect">
             <a:avLst/>
@@ -5878,7 +5628,7 @@
         <p:spPr>
           <a:xfrm>
             <a:off x="8352000" y="2664000"/>
-            <a:ext cx="3239280" cy="3017520"/>
+            <a:ext cx="3238920" cy="3017160"/>
           </a:xfrm>
           <a:prstGeom prst="rect">
             <a:avLst/>
@@ -6089,7 +5839,7 @@
         <p:spPr>
           <a:xfrm>
             <a:off x="0" y="-4680"/>
-            <a:ext cx="12192120" cy="6862680"/>
+            <a:ext cx="12191760" cy="6862320"/>
           </a:xfrm>
           <a:prstGeom prst="rect">
             <a:avLst/>
@@ -6138,7 +5888,7 @@
         <p:spPr>
           <a:xfrm>
             <a:off x="838080" y="365040"/>
-            <a:ext cx="10514520" cy="1324440"/>
+            <a:ext cx="10514160" cy="1324080"/>
           </a:xfrm>
           <a:prstGeom prst="rect">
             <a:avLst/>
@@ -6172,7 +5922,7 @@
                 <a:latin typeface="Calibri Light"/>
                 <a:ea typeface="DejaVu Sans"/>
               </a:rPr>
-              <a:t>Création de contenus pour le blog</a:t>
+              <a:t>Création de contenus  « Installation/Configuration »</a:t>
             </a:r>
             <a:endParaRPr b="0" lang="fr-FR" sz="4400" spc="-1" strike="noStrike">
               <a:latin typeface="Arial"/>
@@ -6189,7 +5939,7 @@
         <p:spPr>
           <a:xfrm>
             <a:off x="838080" y="1825560"/>
-            <a:ext cx="10514520" cy="4350240"/>
+            <a:ext cx="10514160" cy="4349880"/>
           </a:xfrm>
           <a:prstGeom prst="rect">
             <a:avLst/>
@@ -6219,7 +5969,7 @@
         <p:spPr>
           <a:xfrm>
             <a:off x="10999080" y="174960"/>
-            <a:ext cx="1017000" cy="1010880"/>
+            <a:ext cx="1016640" cy="1010520"/>
           </a:xfrm>
           <a:prstGeom prst="rect">
             <a:avLst/>
@@ -6268,7 +6018,7 @@
         <p:spPr>
           <a:xfrm>
             <a:off x="838080" y="365040"/>
-            <a:ext cx="10514520" cy="1324440"/>
+            <a:ext cx="10514160" cy="1324080"/>
           </a:xfrm>
           <a:prstGeom prst="rect">
             <a:avLst/>
@@ -6302,7 +6052,7 @@
                 <a:latin typeface="Calibri Light"/>
                 <a:ea typeface="DejaVu Sans"/>
               </a:rPr>
-              <a:t>Création de contenus pour le Twitter</a:t>
+              <a:t>Création de contenus « Les fonctionnalités »</a:t>
             </a:r>
             <a:endParaRPr b="0" lang="fr-FR" sz="4400" spc="-1" strike="noStrike">
               <a:latin typeface="Arial"/>
@@ -6319,7 +6069,7 @@
         <p:spPr>
           <a:xfrm>
             <a:off x="838080" y="1825560"/>
-            <a:ext cx="10514520" cy="4350240"/>
+            <a:ext cx="10514160" cy="4349880"/>
           </a:xfrm>
           <a:prstGeom prst="rect">
             <a:avLst/>
@@ -6348,8 +6098,8 @@
         </p:blipFill>
         <p:spPr>
           <a:xfrm>
-            <a:off x="11011680" y="15840"/>
-            <a:ext cx="1017000" cy="1010880"/>
+            <a:off x="10999080" y="174960"/>
+            <a:ext cx="1016640" cy="1010520"/>
           </a:xfrm>
           <a:prstGeom prst="rect">
             <a:avLst/>
@@ -6359,76 +6109,6 @@
           </a:ln>
         </p:spPr>
       </p:pic>
-      <p:pic>
-        <p:nvPicPr>
-          <p:cNvPr id="134" name="" descr=""/>
-          <p:cNvPicPr/>
-          <p:nvPr/>
-        </p:nvPicPr>
-        <p:blipFill>
-          <a:blip r:embed="rId2"/>
-          <a:stretch/>
-        </p:blipFill>
-        <p:spPr>
-          <a:xfrm>
-            <a:off x="360" y="1682640"/>
-            <a:ext cx="7594560" cy="5175360"/>
-          </a:xfrm>
-          <a:prstGeom prst="rect">
-            <a:avLst/>
-          </a:prstGeom>
-          <a:ln>
-            <a:noFill/>
-          </a:ln>
-        </p:spPr>
-      </p:pic>
-      <p:sp>
-        <p:nvSpPr>
-          <p:cNvPr id="135" name="CustomShape 3"/>
-          <p:cNvSpPr/>
-          <p:nvPr/>
-        </p:nvSpPr>
-        <p:spPr>
-          <a:xfrm rot="10800">
-            <a:off x="7485840" y="2324160"/>
-            <a:ext cx="4704120" cy="3900240"/>
-          </a:xfrm>
-          <a:prstGeom prst="rect">
-            <a:avLst/>
-          </a:prstGeom>
-          <a:noFill/>
-          <a:ln>
-            <a:noFill/>
-          </a:ln>
-        </p:spPr>
-        <p:style>
-          <a:lnRef idx="0"/>
-          <a:fillRef idx="0"/>
-          <a:effectRef idx="0"/>
-          <a:fontRef idx="minor"/>
-        </p:style>
-        <p:txBody>
-          <a:bodyPr lIns="0" rIns="0" tIns="0" bIns="0" anchor="ctr">
-            <a:spAutoFit/>
-          </a:bodyPr>
-          <a:p>
-            <a:pPr algn="ctr">
-              <a:lnSpc>
-                <a:spcPct val="100000"/>
-              </a:lnSpc>
-            </a:pPr>
-            <a:r>
-              <a:rPr b="0" lang="fr-FR" sz="3200" spc="-1" strike="noStrike">
-                <a:latin typeface="Arial"/>
-              </a:rPr>
-              <a:t>Alors voilà on à eu l’idée (enfin on a piqué l’idée sur le compte twitter de la photo de gauche), de faire des petits sondage, poser des questions, tweeter des liens du futur blog.</a:t>
-            </a:r>
-            <a:endParaRPr b="0" lang="fr-FR" sz="3200" spc="-1" strike="noStrike">
-              <a:latin typeface="Arial"/>
-            </a:endParaRPr>
-          </a:p>
-        </p:txBody>
-      </p:sp>
     </p:spTree>
   </p:cSld>
   <mc:AlternateContent>
@@ -6461,14 +6141,14 @@
       </p:grpSpPr>
       <p:sp>
         <p:nvSpPr>
-          <p:cNvPr id="136" name="CustomShape 1"/>
+          <p:cNvPr id="134" name="CustomShape 1"/>
           <p:cNvSpPr/>
           <p:nvPr/>
         </p:nvSpPr>
         <p:spPr>
           <a:xfrm>
             <a:off x="838080" y="365040"/>
-            <a:ext cx="10514520" cy="1324440"/>
+            <a:ext cx="10514160" cy="1324080"/>
           </a:xfrm>
           <a:prstGeom prst="rect">
             <a:avLst/>
@@ -6502,7 +6182,7 @@
                 <a:latin typeface="Calibri Light"/>
                 <a:ea typeface="DejaVu Sans"/>
               </a:rPr>
-              <a:t>Création de contenus pour le jeu FS Pursuit </a:t>
+              <a:t>Création de contenus pour « Alimentation Twitter »</a:t>
             </a:r>
             <a:endParaRPr b="0" lang="fr-FR" sz="4400" spc="-1" strike="noStrike">
               <a:latin typeface="Arial"/>
@@ -6512,14 +6192,14 @@
       </p:sp>
       <p:sp>
         <p:nvSpPr>
-          <p:cNvPr id="137" name="CustomShape 2"/>
+          <p:cNvPr id="135" name="CustomShape 2"/>
           <p:cNvSpPr/>
           <p:nvPr/>
         </p:nvSpPr>
         <p:spPr>
           <a:xfrm>
             <a:off x="838080" y="1825560"/>
-            <a:ext cx="10514520" cy="4350240"/>
+            <a:ext cx="10514160" cy="4349880"/>
           </a:xfrm>
           <a:prstGeom prst="rect">
             <a:avLst/>
@@ -6538,7 +6218,7 @@
       </p:sp>
       <p:pic>
         <p:nvPicPr>
-          <p:cNvPr id="138" name="Image 4" descr=""/>
+          <p:cNvPr id="136" name="Image 4" descr=""/>
           <p:cNvPicPr/>
           <p:nvPr/>
         </p:nvPicPr>
@@ -6548,8 +6228,8 @@
         </p:blipFill>
         <p:spPr>
           <a:xfrm>
-            <a:off x="11075040" y="15840"/>
-            <a:ext cx="1017000" cy="1010880"/>
+            <a:off x="11011680" y="15840"/>
+            <a:ext cx="1016640" cy="1010520"/>
           </a:xfrm>
           <a:prstGeom prst="rect">
             <a:avLst/>
@@ -6559,6 +6239,80 @@
           </a:ln>
         </p:spPr>
       </p:pic>
+      <p:pic>
+        <p:nvPicPr>
+          <p:cNvPr id="137" name="" descr=""/>
+          <p:cNvPicPr/>
+          <p:nvPr/>
+        </p:nvPicPr>
+        <p:blipFill>
+          <a:blip r:embed="rId2"/>
+          <a:stretch/>
+        </p:blipFill>
+        <p:spPr>
+          <a:xfrm>
+            <a:off x="360" y="1682640"/>
+            <a:ext cx="7594200" cy="5175000"/>
+          </a:xfrm>
+          <a:prstGeom prst="rect">
+            <a:avLst/>
+          </a:prstGeom>
+          <a:ln>
+            <a:noFill/>
+          </a:ln>
+        </p:spPr>
+      </p:pic>
+      <p:sp>
+        <p:nvSpPr>
+          <p:cNvPr id="138" name="CustomShape 3"/>
+          <p:cNvSpPr/>
+          <p:nvPr/>
+        </p:nvSpPr>
+        <p:spPr>
+          <a:xfrm rot="10800">
+            <a:off x="7485480" y="2324160"/>
+            <a:ext cx="4703760" cy="3899880"/>
+          </a:xfrm>
+          <a:prstGeom prst="rect">
+            <a:avLst/>
+          </a:prstGeom>
+          <a:noFill/>
+          <a:ln>
+            <a:noFill/>
+          </a:ln>
+        </p:spPr>
+        <p:style>
+          <a:lnRef idx="0"/>
+          <a:fillRef idx="0"/>
+          <a:effectRef idx="0"/>
+          <a:fontRef idx="minor"/>
+        </p:style>
+        <p:txBody>
+          <a:bodyPr lIns="0" rIns="0" tIns="0" bIns="0" anchor="ctr">
+            <a:spAutoFit/>
+          </a:bodyPr>
+          <a:p>
+            <a:pPr algn="ctr">
+              <a:lnSpc>
+                <a:spcPct val="100000"/>
+              </a:lnSpc>
+            </a:pPr>
+            <a:r>
+              <a:rPr b="0" lang="fr-FR" sz="3200" spc="-1" strike="noStrike">
+                <a:solidFill>
+                  <a:srgbClr val="000000"/>
+                </a:solidFill>
+                <a:latin typeface="Arial"/>
+                <a:ea typeface="DejaVu Sans"/>
+              </a:rPr>
+              <a:t>Alors voilà on à eu l’idée (enfin on a piqué l’idée sur le compte twitter de la photo de gauche), de faire des petits sondage, poser des questions, tweeter des liens du futur blog.</a:t>
+            </a:r>
+            <a:endParaRPr b="0" lang="fr-FR" sz="3200" spc="-1" strike="noStrike">
+              <a:latin typeface="Arial"/>
+            </a:endParaRPr>
+          </a:p>
+        </p:txBody>
+      </p:sp>
     </p:spTree>
   </p:cSld>
   <mc:AlternateContent>
@@ -6598,7 +6352,7 @@
         <p:spPr>
           <a:xfrm>
             <a:off x="838080" y="365040"/>
-            <a:ext cx="10514520" cy="1324440"/>
+            <a:ext cx="10514160" cy="1324080"/>
           </a:xfrm>
           <a:prstGeom prst="rect">
             <a:avLst/>
@@ -6632,7 +6386,7 @@
                 <a:latin typeface="Calibri Light"/>
                 <a:ea typeface="DejaVu Sans"/>
               </a:rPr>
-              <a:t>Création d’un FAQ ( les problèmes fréquemment rencontrés par les utilisateurs)</a:t>
+              <a:t>Création de contenus « 1 Erreur / 1 Solution »</a:t>
             </a:r>
             <a:endParaRPr b="0" lang="fr-FR" sz="4400" spc="-1" strike="noStrike">
               <a:latin typeface="Arial"/>
@@ -6649,7 +6403,7 @@
         <p:spPr>
           <a:xfrm>
             <a:off x="838080" y="1825560"/>
-            <a:ext cx="10514520" cy="4350240"/>
+            <a:ext cx="10514160" cy="4349880"/>
           </a:xfrm>
           <a:prstGeom prst="rect">
             <a:avLst/>
@@ -6679,7 +6433,137 @@
         <p:spPr>
           <a:xfrm>
             <a:off x="11075040" y="15840"/>
-            <a:ext cx="1017000" cy="1010880"/>
+            <a:ext cx="1016640" cy="1010520"/>
+          </a:xfrm>
+          <a:prstGeom prst="rect">
+            <a:avLst/>
+          </a:prstGeom>
+          <a:ln>
+            <a:noFill/>
+          </a:ln>
+        </p:spPr>
+      </p:pic>
+    </p:spTree>
+  </p:cSld>
+  <mc:AlternateContent>
+    <mc:Choice Requires="p14">
+      <p:transition spd="slow" p14:dur="2000"/>
+    </mc:Choice>
+    <mc:Fallback>
+      <p:transition spd="slow"/>
+    </mc:Fallback>
+  </mc:AlternateContent>
+</p:sld>
+</file>
+
+<file path=ppt/slides/slide8.xml><?xml version="1.0" encoding="utf-8"?>
+<p:sld xmlns:a="http://schemas.openxmlformats.org/drawingml/2006/main" xmlns:p="http://schemas.openxmlformats.org/presentationml/2006/main" xmlns:r="http://schemas.openxmlformats.org/officeDocument/2006/relationships" xmlns:p14="http://schemas.microsoft.com/office/powerpoint/2010/main" xmlns:p15="http://schemas.microsoft.com/office/powerpoint/2012/main" xmlns:mc="http://schemas.openxmlformats.org/markup-compatibility/2006">
+  <p:cSld>
+    <p:spTree>
+      <p:nvGrpSpPr>
+        <p:cNvPr id="1" name=""/>
+        <p:cNvGrpSpPr/>
+        <p:nvPr/>
+      </p:nvGrpSpPr>
+      <p:grpSpPr>
+        <a:xfrm>
+          <a:off x="0" y="0"/>
+          <a:ext cx="0" cy="0"/>
+          <a:chOff x="0" y="0"/>
+          <a:chExt cx="0" cy="0"/>
+        </a:xfrm>
+      </p:grpSpPr>
+      <p:sp>
+        <p:nvSpPr>
+          <p:cNvPr id="142" name="CustomShape 1"/>
+          <p:cNvSpPr/>
+          <p:nvPr/>
+        </p:nvSpPr>
+        <p:spPr>
+          <a:xfrm>
+            <a:off x="838080" y="365040"/>
+            <a:ext cx="10514160" cy="1324080"/>
+          </a:xfrm>
+          <a:prstGeom prst="rect">
+            <a:avLst/>
+          </a:prstGeom>
+          <a:noFill/>
+          <a:ln>
+            <a:noFill/>
+          </a:ln>
+        </p:spPr>
+        <p:style>
+          <a:lnRef idx="0"/>
+          <a:fillRef idx="0"/>
+          <a:effectRef idx="0"/>
+          <a:fontRef idx="minor"/>
+        </p:style>
+        <p:txBody>
+          <a:bodyPr lIns="90000" rIns="90000" tIns="45000" bIns="45000" anchor="ctr">
+            <a:noAutofit/>
+          </a:bodyPr>
+          <a:p>
+            <a:pPr>
+              <a:lnSpc>
+                <a:spcPct val="90000"/>
+              </a:lnSpc>
+            </a:pPr>
+            <a:r>
+              <a:rPr b="0" lang="fr-FR" sz="4400" spc="-1" strike="noStrike">
+                <a:solidFill>
+                  <a:srgbClr val="000000"/>
+                </a:solidFill>
+                <a:latin typeface="Calibri Light"/>
+                <a:ea typeface="DejaVu Sans"/>
+              </a:rPr>
+              <a:t>Création d’un contenue « FAQ »</a:t>
+            </a:r>
+            <a:endParaRPr b="0" lang="fr-FR" sz="4400" spc="-1" strike="noStrike">
+              <a:latin typeface="Arial"/>
+            </a:endParaRPr>
+          </a:p>
+        </p:txBody>
+      </p:sp>
+      <p:sp>
+        <p:nvSpPr>
+          <p:cNvPr id="143" name="CustomShape 2"/>
+          <p:cNvSpPr/>
+          <p:nvPr/>
+        </p:nvSpPr>
+        <p:spPr>
+          <a:xfrm>
+            <a:off x="838080" y="1825560"/>
+            <a:ext cx="10514160" cy="4349880"/>
+          </a:xfrm>
+          <a:prstGeom prst="rect">
+            <a:avLst/>
+          </a:prstGeom>
+          <a:noFill/>
+          <a:ln>
+            <a:noFill/>
+          </a:ln>
+        </p:spPr>
+        <p:style>
+          <a:lnRef idx="0"/>
+          <a:fillRef idx="0"/>
+          <a:effectRef idx="0"/>
+          <a:fontRef idx="minor"/>
+        </p:style>
+      </p:sp>
+      <p:pic>
+        <p:nvPicPr>
+          <p:cNvPr id="144" name="Image 4" descr=""/>
+          <p:cNvPicPr/>
+          <p:nvPr/>
+        </p:nvPicPr>
+        <p:blipFill>
+          <a:blip r:embed="rId1"/>
+          <a:stretch/>
+        </p:blipFill>
+        <p:spPr>
+          <a:xfrm>
+            <a:off x="11075040" y="15840"/>
+            <a:ext cx="1016640" cy="1010520"/>
           </a:xfrm>
           <a:prstGeom prst="rect">
             <a:avLst/>

--- a/GIT-moi-tout.pptx
+++ b/GIT-moi-tout.pptx
@@ -4142,13 +4142,19 @@
               <a:rPr b="0" lang="fr-FR" sz="4400" spc="-1" strike="noStrike">
                 <a:latin typeface="Arial"/>
               </a:rPr>
-              <a:t>Cliquez pour éditer le format du texte-</a:t>
+              <a:t>Cliquez pour </a:t>
             </a:r>
             <a:r>
               <a:rPr b="0" lang="fr-FR" sz="4400" spc="-1" strike="noStrike">
                 <a:latin typeface="Arial"/>
               </a:rPr>
-              <a:t>titre</a:t>
+              <a:t>éditer le format </a:t>
+            </a:r>
+            <a:r>
+              <a:rPr b="0" lang="fr-FR" sz="4400" spc="-1" strike="noStrike">
+                <a:latin typeface="Arial"/>
+              </a:rPr>
+              <a:t>du texte-titre</a:t>
             </a:r>
             <a:endParaRPr b="0" lang="fr-FR" sz="4400" spc="-1" strike="noStrike">
               <a:latin typeface="Arial"/>
@@ -4908,7 +4914,7 @@
         <p:spPr>
           <a:xfrm>
             <a:off x="0" y="0"/>
-            <a:ext cx="12190680" cy="6856560"/>
+            <a:ext cx="12190320" cy="6856200"/>
           </a:xfrm>
           <a:prstGeom prst="rect">
             <a:avLst/>
@@ -4947,7 +4953,7 @@
         <p:spPr>
           <a:xfrm>
             <a:off x="6746760" y="1783800"/>
-            <a:ext cx="4643640" cy="2887560"/>
+            <a:ext cx="4643280" cy="2887200"/>
           </a:xfrm>
           <a:prstGeom prst="rect">
             <a:avLst/>
@@ -4998,7 +5004,7 @@
         <p:spPr>
           <a:xfrm>
             <a:off x="6746760" y="4750920"/>
-            <a:ext cx="4643640" cy="1146600"/>
+            <a:ext cx="4643280" cy="1146240"/>
           </a:xfrm>
           <a:prstGeom prst="rect">
             <a:avLst/>
@@ -5052,7 +5058,7 @@
         <p:spPr>
           <a:xfrm flipH="1">
             <a:off x="-1440" y="0"/>
-            <a:ext cx="6171480" cy="6856560"/>
+            <a:ext cx="6171120" cy="6856200"/>
           </a:xfrm>
           <a:custGeom>
             <a:avLst/>
@@ -5123,7 +5129,7 @@
         <p:spPr>
           <a:xfrm>
             <a:off x="0" y="0"/>
-            <a:ext cx="6022800" cy="6856560"/>
+            <a:ext cx="6022440" cy="6856200"/>
           </a:xfrm>
           <a:custGeom>
             <a:avLst/>
@@ -5196,7 +5202,7 @@
         <p:spPr>
           <a:xfrm>
             <a:off x="419400" y="721080"/>
-            <a:ext cx="4046400" cy="4046400"/>
+            <a:ext cx="4046040" cy="4046040"/>
           </a:xfrm>
           <a:prstGeom prst="rect">
             <a:avLst/>
@@ -5252,7 +5258,7 @@
         <p:spPr>
           <a:xfrm>
             <a:off x="0" y="0"/>
-            <a:ext cx="4653000" cy="6856560"/>
+            <a:ext cx="4652640" cy="6856200"/>
           </a:xfrm>
           <a:prstGeom prst="rect">
             <a:avLst/>
@@ -5283,7 +5289,7 @@
         <p:spPr>
           <a:xfrm>
             <a:off x="643320" y="643320"/>
-            <a:ext cx="3362400" cy="1595880"/>
+            <a:ext cx="3362040" cy="1595520"/>
           </a:xfrm>
           <a:prstGeom prst="rect">
             <a:avLst/>
@@ -5337,7 +5343,7 @@
         <p:spPr>
           <a:xfrm>
             <a:off x="643320" y="2638080"/>
-            <a:ext cx="3362400" cy="3414240"/>
+            <a:ext cx="3362040" cy="3413880"/>
           </a:xfrm>
           <a:prstGeom prst="rect">
             <a:avLst/>
@@ -5381,7 +5387,7 @@
             </a:endParaRPr>
           </a:p>
           <a:p>
-            <a:pPr lvl="1" marL="685800" indent="-227160">
+            <a:pPr lvl="1" marL="685800" indent="-226800">
               <a:lnSpc>
                 <a:spcPct val="90000"/>
               </a:lnSpc>
@@ -5409,7 +5415,7 @@
             </a:endParaRPr>
           </a:p>
           <a:p>
-            <a:pPr lvl="1" marL="685800" indent="-227160">
+            <a:pPr lvl="1" marL="685800" indent="-226800">
               <a:lnSpc>
                 <a:spcPct val="90000"/>
               </a:lnSpc>
@@ -5437,7 +5443,7 @@
             </a:endParaRPr>
           </a:p>
           <a:p>
-            <a:pPr lvl="1" marL="685800" indent="-227160">
+            <a:pPr lvl="1" marL="685800" indent="-226800">
               <a:lnSpc>
                 <a:spcPct val="90000"/>
               </a:lnSpc>
@@ -5465,7 +5471,7 @@
             </a:endParaRPr>
           </a:p>
           <a:p>
-            <a:pPr lvl="1" marL="685800" indent="-227160">
+            <a:pPr lvl="1" marL="685800" indent="-226800">
               <a:lnSpc>
                 <a:spcPct val="90000"/>
               </a:lnSpc>
@@ -5530,7 +5536,7 @@
         <p:spPr>
           <a:xfrm>
             <a:off x="5198760" y="1295640"/>
-            <a:ext cx="6249240" cy="4686480"/>
+            <a:ext cx="6248880" cy="4686120"/>
           </a:xfrm>
           <a:prstGeom prst="rect">
             <a:avLst/>
@@ -5553,7 +5559,7 @@
         <p:spPr>
           <a:xfrm>
             <a:off x="11174040" y="137520"/>
-            <a:ext cx="1016640" cy="1010520"/>
+            <a:ext cx="1016280" cy="1010160"/>
           </a:xfrm>
           <a:prstGeom prst="rect">
             <a:avLst/>
@@ -5602,7 +5608,7 @@
         <p:spPr>
           <a:xfrm>
             <a:off x="838080" y="1825560"/>
-            <a:ext cx="10514160" cy="4349880"/>
+            <a:ext cx="10513800" cy="4349520"/>
           </a:xfrm>
           <a:prstGeom prst="rect">
             <a:avLst/>
@@ -5628,7 +5634,7 @@
         <p:spPr>
           <a:xfrm>
             <a:off x="8352000" y="2664000"/>
-            <a:ext cx="3238920" cy="3017160"/>
+            <a:ext cx="3238560" cy="3017160"/>
           </a:xfrm>
           <a:prstGeom prst="rect">
             <a:avLst/>
@@ -5839,7 +5845,7 @@
         <p:spPr>
           <a:xfrm>
             <a:off x="0" y="-4680"/>
-            <a:ext cx="12191760" cy="6862320"/>
+            <a:ext cx="12191400" cy="6861960"/>
           </a:xfrm>
           <a:prstGeom prst="rect">
             <a:avLst/>
@@ -5888,7 +5894,7 @@
         <p:spPr>
           <a:xfrm>
             <a:off x="838080" y="365040"/>
-            <a:ext cx="10514160" cy="1324080"/>
+            <a:ext cx="10513800" cy="1323720"/>
           </a:xfrm>
           <a:prstGeom prst="rect">
             <a:avLst/>
@@ -5939,7 +5945,7 @@
         <p:spPr>
           <a:xfrm>
             <a:off x="838080" y="1825560"/>
-            <a:ext cx="10514160" cy="4349880"/>
+            <a:ext cx="10513800" cy="4349520"/>
           </a:xfrm>
           <a:prstGeom prst="rect">
             <a:avLst/>
@@ -5969,7 +5975,7 @@
         <p:spPr>
           <a:xfrm>
             <a:off x="10999080" y="174960"/>
-            <a:ext cx="1016640" cy="1010520"/>
+            <a:ext cx="1016280" cy="1010160"/>
           </a:xfrm>
           <a:prstGeom prst="rect">
             <a:avLst/>
@@ -6018,7 +6024,7 @@
         <p:spPr>
           <a:xfrm>
             <a:off x="838080" y="365040"/>
-            <a:ext cx="10514160" cy="1324080"/>
+            <a:ext cx="10513800" cy="1323720"/>
           </a:xfrm>
           <a:prstGeom prst="rect">
             <a:avLst/>
@@ -6069,7 +6075,7 @@
         <p:spPr>
           <a:xfrm>
             <a:off x="838080" y="1825560"/>
-            <a:ext cx="10514160" cy="4349880"/>
+            <a:ext cx="10513800" cy="4349520"/>
           </a:xfrm>
           <a:prstGeom prst="rect">
             <a:avLst/>
@@ -6099,7 +6105,7 @@
         <p:spPr>
           <a:xfrm>
             <a:off x="10999080" y="174960"/>
-            <a:ext cx="1016640" cy="1010520"/>
+            <a:ext cx="1016280" cy="1010160"/>
           </a:xfrm>
           <a:prstGeom prst="rect">
             <a:avLst/>
@@ -6148,7 +6154,7 @@
         <p:spPr>
           <a:xfrm>
             <a:off x="838080" y="365040"/>
-            <a:ext cx="10514160" cy="1324080"/>
+            <a:ext cx="10513800" cy="1323720"/>
           </a:xfrm>
           <a:prstGeom prst="rect">
             <a:avLst/>
@@ -6199,7 +6205,7 @@
         <p:spPr>
           <a:xfrm>
             <a:off x="838080" y="1825560"/>
-            <a:ext cx="10514160" cy="4349880"/>
+            <a:ext cx="10513800" cy="4349520"/>
           </a:xfrm>
           <a:prstGeom prst="rect">
             <a:avLst/>
@@ -6229,7 +6235,7 @@
         <p:spPr>
           <a:xfrm>
             <a:off x="11011680" y="15840"/>
-            <a:ext cx="1016640" cy="1010520"/>
+            <a:ext cx="1016280" cy="1010160"/>
           </a:xfrm>
           <a:prstGeom prst="rect">
             <a:avLst/>
@@ -6252,7 +6258,7 @@
         <p:spPr>
           <a:xfrm>
             <a:off x="360" y="1682640"/>
-            <a:ext cx="7594200" cy="5175000"/>
+            <a:ext cx="7593840" cy="5174640"/>
           </a:xfrm>
           <a:prstGeom prst="rect">
             <a:avLst/>
@@ -6270,8 +6276,8 @@
         </p:nvSpPr>
         <p:spPr>
           <a:xfrm rot="10800">
-            <a:off x="7485480" y="2324160"/>
-            <a:ext cx="4703760" cy="3899880"/>
+            <a:off x="7485120" y="2324160"/>
+            <a:ext cx="4703400" cy="3899520"/>
           </a:xfrm>
           <a:prstGeom prst="rect">
             <a:avLst/>
@@ -6352,7 +6358,7 @@
         <p:spPr>
           <a:xfrm>
             <a:off x="838080" y="365040"/>
-            <a:ext cx="10514160" cy="1324080"/>
+            <a:ext cx="10513800" cy="1323720"/>
           </a:xfrm>
           <a:prstGeom prst="rect">
             <a:avLst/>
@@ -6403,7 +6409,7 @@
         <p:spPr>
           <a:xfrm>
             <a:off x="838080" y="1825560"/>
-            <a:ext cx="10514160" cy="4349880"/>
+            <a:ext cx="10513800" cy="4349520"/>
           </a:xfrm>
           <a:prstGeom prst="rect">
             <a:avLst/>
@@ -6433,7 +6439,7 @@
         <p:spPr>
           <a:xfrm>
             <a:off x="11075040" y="15840"/>
-            <a:ext cx="1016640" cy="1010520"/>
+            <a:ext cx="1016280" cy="1010160"/>
           </a:xfrm>
           <a:prstGeom prst="rect">
             <a:avLst/>
@@ -6482,7 +6488,7 @@
         <p:spPr>
           <a:xfrm>
             <a:off x="838080" y="365040"/>
-            <a:ext cx="10514160" cy="1324080"/>
+            <a:ext cx="10513800" cy="1323720"/>
           </a:xfrm>
           <a:prstGeom prst="rect">
             <a:avLst/>
@@ -6533,7 +6539,7 @@
         <p:spPr>
           <a:xfrm>
             <a:off x="838080" y="1825560"/>
-            <a:ext cx="10514160" cy="4349880"/>
+            <a:ext cx="10513800" cy="4349520"/>
           </a:xfrm>
           <a:prstGeom prst="rect">
             <a:avLst/>
@@ -6563,7 +6569,30 @@
         <p:spPr>
           <a:xfrm>
             <a:off x="11075040" y="15840"/>
-            <a:ext cx="1016640" cy="1010520"/>
+            <a:ext cx="1016280" cy="1010160"/>
+          </a:xfrm>
+          <a:prstGeom prst="rect">
+            <a:avLst/>
+          </a:prstGeom>
+          <a:ln>
+            <a:noFill/>
+          </a:ln>
+        </p:spPr>
+      </p:pic>
+      <p:pic>
+        <p:nvPicPr>
+          <p:cNvPr id="145" name="" descr=""/>
+          <p:cNvPicPr/>
+          <p:nvPr/>
+        </p:nvPicPr>
+        <p:blipFill>
+          <a:blip r:embed="rId2"/>
+          <a:stretch/>
+        </p:blipFill>
+        <p:spPr>
+          <a:xfrm>
+            <a:off x="1512000" y="1465200"/>
+            <a:ext cx="7953120" cy="5086800"/>
           </a:xfrm>
           <a:prstGeom prst="rect">
             <a:avLst/>

--- a/GIT-moi-tout.pptx
+++ b/GIT-moi-tout.pptx
@@ -85,7 +85,7 @@
           </a:bodyPr>
           <a:p>
             <a:pPr algn="ctr"/>
-            <a:endParaRPr b="0" lang="fr-FR" sz="4400" spc="-1" strike="noStrike">
+            <a:endParaRPr b="0" lang="en-US" sz="4400" spc="-1" strike="noStrike">
               <a:latin typeface="Arial"/>
             </a:endParaRPr>
           </a:p>
@@ -115,7 +115,7 @@
             <a:normAutofit/>
           </a:bodyPr>
           <a:p>
-            <a:endParaRPr b="0" lang="fr-FR" sz="3200" spc="-1" strike="noStrike">
+            <a:endParaRPr b="0" lang="en-US" sz="3200" spc="-1" strike="noStrike">
               <a:latin typeface="Arial"/>
             </a:endParaRPr>
           </a:p>
@@ -145,7 +145,7 @@
             <a:normAutofit/>
           </a:bodyPr>
           <a:p>
-            <a:endParaRPr b="0" lang="fr-FR" sz="3200" spc="-1" strike="noStrike">
+            <a:endParaRPr b="0" lang="en-US" sz="3200" spc="-1" strike="noStrike">
               <a:latin typeface="Arial"/>
             </a:endParaRPr>
           </a:p>
@@ -198,7 +198,7 @@
           </a:bodyPr>
           <a:p>
             <a:pPr algn="ctr"/>
-            <a:endParaRPr b="0" lang="fr-FR" sz="4400" spc="-1" strike="noStrike">
+            <a:endParaRPr b="0" lang="en-US" sz="4400" spc="-1" strike="noStrike">
               <a:latin typeface="Arial"/>
             </a:endParaRPr>
           </a:p>
@@ -228,7 +228,7 @@
             <a:normAutofit/>
           </a:bodyPr>
           <a:p>
-            <a:endParaRPr b="0" lang="fr-FR" sz="3200" spc="-1" strike="noStrike">
+            <a:endParaRPr b="0" lang="en-US" sz="3200" spc="-1" strike="noStrike">
               <a:latin typeface="Arial"/>
             </a:endParaRPr>
           </a:p>
@@ -258,7 +258,7 @@
             <a:normAutofit/>
           </a:bodyPr>
           <a:p>
-            <a:endParaRPr b="0" lang="fr-FR" sz="3200" spc="-1" strike="noStrike">
+            <a:endParaRPr b="0" lang="en-US" sz="3200" spc="-1" strike="noStrike">
               <a:latin typeface="Arial"/>
             </a:endParaRPr>
           </a:p>
@@ -288,7 +288,7 @@
             <a:normAutofit/>
           </a:bodyPr>
           <a:p>
-            <a:endParaRPr b="0" lang="fr-FR" sz="3200" spc="-1" strike="noStrike">
+            <a:endParaRPr b="0" lang="en-US" sz="3200" spc="-1" strike="noStrike">
               <a:latin typeface="Arial"/>
             </a:endParaRPr>
           </a:p>
@@ -318,7 +318,7 @@
             <a:normAutofit/>
           </a:bodyPr>
           <a:p>
-            <a:endParaRPr b="0" lang="fr-FR" sz="3200" spc="-1" strike="noStrike">
+            <a:endParaRPr b="0" lang="en-US" sz="3200" spc="-1" strike="noStrike">
               <a:latin typeface="Arial"/>
             </a:endParaRPr>
           </a:p>
@@ -371,7 +371,7 @@
           </a:bodyPr>
           <a:p>
             <a:pPr algn="ctr"/>
-            <a:endParaRPr b="0" lang="fr-FR" sz="4400" spc="-1" strike="noStrike">
+            <a:endParaRPr b="0" lang="en-US" sz="4400" spc="-1" strike="noStrike">
               <a:latin typeface="Arial"/>
             </a:endParaRPr>
           </a:p>
@@ -401,7 +401,7 @@
             <a:normAutofit/>
           </a:bodyPr>
           <a:p>
-            <a:endParaRPr b="0" lang="fr-FR" sz="3200" spc="-1" strike="noStrike">
+            <a:endParaRPr b="0" lang="en-US" sz="3200" spc="-1" strike="noStrike">
               <a:latin typeface="Arial"/>
             </a:endParaRPr>
           </a:p>
@@ -431,7 +431,7 @@
             <a:normAutofit/>
           </a:bodyPr>
           <a:p>
-            <a:endParaRPr b="0" lang="fr-FR" sz="3200" spc="-1" strike="noStrike">
+            <a:endParaRPr b="0" lang="en-US" sz="3200" spc="-1" strike="noStrike">
               <a:latin typeface="Arial"/>
             </a:endParaRPr>
           </a:p>
@@ -461,7 +461,7 @@
             <a:normAutofit/>
           </a:bodyPr>
           <a:p>
-            <a:endParaRPr b="0" lang="fr-FR" sz="3200" spc="-1" strike="noStrike">
+            <a:endParaRPr b="0" lang="en-US" sz="3200" spc="-1" strike="noStrike">
               <a:latin typeface="Arial"/>
             </a:endParaRPr>
           </a:p>
@@ -491,7 +491,7 @@
             <a:normAutofit/>
           </a:bodyPr>
           <a:p>
-            <a:endParaRPr b="0" lang="fr-FR" sz="3200" spc="-1" strike="noStrike">
+            <a:endParaRPr b="0" lang="en-US" sz="3200" spc="-1" strike="noStrike">
               <a:latin typeface="Arial"/>
             </a:endParaRPr>
           </a:p>
@@ -521,7 +521,7 @@
             <a:normAutofit/>
           </a:bodyPr>
           <a:p>
-            <a:endParaRPr b="0" lang="fr-FR" sz="3200" spc="-1" strike="noStrike">
+            <a:endParaRPr b="0" lang="en-US" sz="3200" spc="-1" strike="noStrike">
               <a:latin typeface="Arial"/>
             </a:endParaRPr>
           </a:p>
@@ -551,7 +551,7 @@
             <a:normAutofit/>
           </a:bodyPr>
           <a:p>
-            <a:endParaRPr b="0" lang="fr-FR" sz="3200" spc="-1" strike="noStrike">
+            <a:endParaRPr b="0" lang="en-US" sz="3200" spc="-1" strike="noStrike">
               <a:latin typeface="Arial"/>
             </a:endParaRPr>
           </a:p>
@@ -626,7 +626,7 @@
           </a:bodyPr>
           <a:p>
             <a:pPr algn="ctr"/>
-            <a:endParaRPr b="0" lang="fr-FR" sz="4400" spc="-1" strike="noStrike">
+            <a:endParaRPr b="0" lang="en-US" sz="4400" spc="-1" strike="noStrike">
               <a:latin typeface="Arial"/>
             </a:endParaRPr>
           </a:p>
@@ -657,7 +657,7 @@
           </a:bodyPr>
           <a:p>
             <a:pPr algn="ctr"/>
-            <a:endParaRPr b="0" lang="fr-FR" sz="3200" spc="-1" strike="noStrike">
+            <a:endParaRPr b="0" lang="en-US" sz="3200" spc="-1" strike="noStrike">
               <a:latin typeface="Arial"/>
             </a:endParaRPr>
           </a:p>
@@ -710,7 +710,7 @@
           </a:bodyPr>
           <a:p>
             <a:pPr algn="ctr"/>
-            <a:endParaRPr b="0" lang="fr-FR" sz="4400" spc="-1" strike="noStrike">
+            <a:endParaRPr b="0" lang="en-US" sz="4400" spc="-1" strike="noStrike">
               <a:latin typeface="Arial"/>
             </a:endParaRPr>
           </a:p>
@@ -740,7 +740,7 @@
             <a:normAutofit/>
           </a:bodyPr>
           <a:p>
-            <a:endParaRPr b="0" lang="fr-FR" sz="3200" spc="-1" strike="noStrike">
+            <a:endParaRPr b="0" lang="en-US" sz="3200" spc="-1" strike="noStrike">
               <a:latin typeface="Arial"/>
             </a:endParaRPr>
           </a:p>
@@ -793,7 +793,7 @@
           </a:bodyPr>
           <a:p>
             <a:pPr algn="ctr"/>
-            <a:endParaRPr b="0" lang="fr-FR" sz="4400" spc="-1" strike="noStrike">
+            <a:endParaRPr b="0" lang="en-US" sz="4400" spc="-1" strike="noStrike">
               <a:latin typeface="Arial"/>
             </a:endParaRPr>
           </a:p>
@@ -823,7 +823,7 @@
             <a:normAutofit/>
           </a:bodyPr>
           <a:p>
-            <a:endParaRPr b="0" lang="fr-FR" sz="3200" spc="-1" strike="noStrike">
+            <a:endParaRPr b="0" lang="en-US" sz="3200" spc="-1" strike="noStrike">
               <a:latin typeface="Arial"/>
             </a:endParaRPr>
           </a:p>
@@ -853,7 +853,7 @@
             <a:normAutofit/>
           </a:bodyPr>
           <a:p>
-            <a:endParaRPr b="0" lang="fr-FR" sz="3200" spc="-1" strike="noStrike">
+            <a:endParaRPr b="0" lang="en-US" sz="3200" spc="-1" strike="noStrike">
               <a:latin typeface="Arial"/>
             </a:endParaRPr>
           </a:p>
@@ -906,7 +906,7 @@
           </a:bodyPr>
           <a:p>
             <a:pPr algn="ctr"/>
-            <a:endParaRPr b="0" lang="fr-FR" sz="4400" spc="-1" strike="noStrike">
+            <a:endParaRPr b="0" lang="en-US" sz="4400" spc="-1" strike="noStrike">
               <a:latin typeface="Arial"/>
             </a:endParaRPr>
           </a:p>
@@ -959,7 +959,7 @@
           </a:bodyPr>
           <a:p>
             <a:pPr algn="ctr"/>
-            <a:endParaRPr b="0" lang="fr-FR" sz="3200" spc="-1" strike="noStrike">
+            <a:endParaRPr b="0" lang="en-US" sz="3200" spc="-1" strike="noStrike">
               <a:latin typeface="Arial"/>
             </a:endParaRPr>
           </a:p>
@@ -1012,7 +1012,7 @@
           </a:bodyPr>
           <a:p>
             <a:pPr algn="ctr"/>
-            <a:endParaRPr b="0" lang="fr-FR" sz="4400" spc="-1" strike="noStrike">
+            <a:endParaRPr b="0" lang="en-US" sz="4400" spc="-1" strike="noStrike">
               <a:latin typeface="Arial"/>
             </a:endParaRPr>
           </a:p>
@@ -1042,7 +1042,7 @@
             <a:normAutofit/>
           </a:bodyPr>
           <a:p>
-            <a:endParaRPr b="0" lang="fr-FR" sz="3200" spc="-1" strike="noStrike">
+            <a:endParaRPr b="0" lang="en-US" sz="3200" spc="-1" strike="noStrike">
               <a:latin typeface="Arial"/>
             </a:endParaRPr>
           </a:p>
@@ -1072,7 +1072,7 @@
             <a:normAutofit/>
           </a:bodyPr>
           <a:p>
-            <a:endParaRPr b="0" lang="fr-FR" sz="3200" spc="-1" strike="noStrike">
+            <a:endParaRPr b="0" lang="en-US" sz="3200" spc="-1" strike="noStrike">
               <a:latin typeface="Arial"/>
             </a:endParaRPr>
           </a:p>
@@ -1102,7 +1102,7 @@
             <a:normAutofit/>
           </a:bodyPr>
           <a:p>
-            <a:endParaRPr b="0" lang="fr-FR" sz="3200" spc="-1" strike="noStrike">
+            <a:endParaRPr b="0" lang="en-US" sz="3200" spc="-1" strike="noStrike">
               <a:latin typeface="Arial"/>
             </a:endParaRPr>
           </a:p>
@@ -1155,7 +1155,7 @@
           </a:bodyPr>
           <a:p>
             <a:pPr algn="ctr"/>
-            <a:endParaRPr b="0" lang="fr-FR" sz="4400" spc="-1" strike="noStrike">
+            <a:endParaRPr b="0" lang="en-US" sz="4400" spc="-1" strike="noStrike">
               <a:latin typeface="Arial"/>
             </a:endParaRPr>
           </a:p>
@@ -1186,7 +1186,7 @@
           </a:bodyPr>
           <a:p>
             <a:pPr algn="ctr"/>
-            <a:endParaRPr b="0" lang="fr-FR" sz="3200" spc="-1" strike="noStrike">
+            <a:endParaRPr b="0" lang="en-US" sz="3200" spc="-1" strike="noStrike">
               <a:latin typeface="Arial"/>
             </a:endParaRPr>
           </a:p>
@@ -1239,7 +1239,7 @@
           </a:bodyPr>
           <a:p>
             <a:pPr algn="ctr"/>
-            <a:endParaRPr b="0" lang="fr-FR" sz="4400" spc="-1" strike="noStrike">
+            <a:endParaRPr b="0" lang="en-US" sz="4400" spc="-1" strike="noStrike">
               <a:latin typeface="Arial"/>
             </a:endParaRPr>
           </a:p>
@@ -1269,7 +1269,7 @@
             <a:normAutofit/>
           </a:bodyPr>
           <a:p>
-            <a:endParaRPr b="0" lang="fr-FR" sz="3200" spc="-1" strike="noStrike">
+            <a:endParaRPr b="0" lang="en-US" sz="3200" spc="-1" strike="noStrike">
               <a:latin typeface="Arial"/>
             </a:endParaRPr>
           </a:p>
@@ -1299,7 +1299,7 @@
             <a:normAutofit/>
           </a:bodyPr>
           <a:p>
-            <a:endParaRPr b="0" lang="fr-FR" sz="3200" spc="-1" strike="noStrike">
+            <a:endParaRPr b="0" lang="en-US" sz="3200" spc="-1" strike="noStrike">
               <a:latin typeface="Arial"/>
             </a:endParaRPr>
           </a:p>
@@ -1329,7 +1329,7 @@
             <a:normAutofit/>
           </a:bodyPr>
           <a:p>
-            <a:endParaRPr b="0" lang="fr-FR" sz="3200" spc="-1" strike="noStrike">
+            <a:endParaRPr b="0" lang="en-US" sz="3200" spc="-1" strike="noStrike">
               <a:latin typeface="Arial"/>
             </a:endParaRPr>
           </a:p>
@@ -1382,7 +1382,7 @@
           </a:bodyPr>
           <a:p>
             <a:pPr algn="ctr"/>
-            <a:endParaRPr b="0" lang="fr-FR" sz="4400" spc="-1" strike="noStrike">
+            <a:endParaRPr b="0" lang="en-US" sz="4400" spc="-1" strike="noStrike">
               <a:latin typeface="Arial"/>
             </a:endParaRPr>
           </a:p>
@@ -1412,7 +1412,7 @@
             <a:normAutofit/>
           </a:bodyPr>
           <a:p>
-            <a:endParaRPr b="0" lang="fr-FR" sz="3200" spc="-1" strike="noStrike">
+            <a:endParaRPr b="0" lang="en-US" sz="3200" spc="-1" strike="noStrike">
               <a:latin typeface="Arial"/>
             </a:endParaRPr>
           </a:p>
@@ -1442,7 +1442,7 @@
             <a:normAutofit/>
           </a:bodyPr>
           <a:p>
-            <a:endParaRPr b="0" lang="fr-FR" sz="3200" spc="-1" strike="noStrike">
+            <a:endParaRPr b="0" lang="en-US" sz="3200" spc="-1" strike="noStrike">
               <a:latin typeface="Arial"/>
             </a:endParaRPr>
           </a:p>
@@ -1472,7 +1472,7 @@
             <a:normAutofit/>
           </a:bodyPr>
           <a:p>
-            <a:endParaRPr b="0" lang="fr-FR" sz="3200" spc="-1" strike="noStrike">
+            <a:endParaRPr b="0" lang="en-US" sz="3200" spc="-1" strike="noStrike">
               <a:latin typeface="Arial"/>
             </a:endParaRPr>
           </a:p>
@@ -1525,7 +1525,7 @@
           </a:bodyPr>
           <a:p>
             <a:pPr algn="ctr"/>
-            <a:endParaRPr b="0" lang="fr-FR" sz="4400" spc="-1" strike="noStrike">
+            <a:endParaRPr b="0" lang="en-US" sz="4400" spc="-1" strike="noStrike">
               <a:latin typeface="Arial"/>
             </a:endParaRPr>
           </a:p>
@@ -1555,7 +1555,7 @@
             <a:normAutofit/>
           </a:bodyPr>
           <a:p>
-            <a:endParaRPr b="0" lang="fr-FR" sz="3200" spc="-1" strike="noStrike">
+            <a:endParaRPr b="0" lang="en-US" sz="3200" spc="-1" strike="noStrike">
               <a:latin typeface="Arial"/>
             </a:endParaRPr>
           </a:p>
@@ -1585,7 +1585,7 @@
             <a:normAutofit/>
           </a:bodyPr>
           <a:p>
-            <a:endParaRPr b="0" lang="fr-FR" sz="3200" spc="-1" strike="noStrike">
+            <a:endParaRPr b="0" lang="en-US" sz="3200" spc="-1" strike="noStrike">
               <a:latin typeface="Arial"/>
             </a:endParaRPr>
           </a:p>
@@ -1638,7 +1638,7 @@
           </a:bodyPr>
           <a:p>
             <a:pPr algn="ctr"/>
-            <a:endParaRPr b="0" lang="fr-FR" sz="4400" spc="-1" strike="noStrike">
+            <a:endParaRPr b="0" lang="en-US" sz="4400" spc="-1" strike="noStrike">
               <a:latin typeface="Arial"/>
             </a:endParaRPr>
           </a:p>
@@ -1668,7 +1668,7 @@
             <a:normAutofit/>
           </a:bodyPr>
           <a:p>
-            <a:endParaRPr b="0" lang="fr-FR" sz="3200" spc="-1" strike="noStrike">
+            <a:endParaRPr b="0" lang="en-US" sz="3200" spc="-1" strike="noStrike">
               <a:latin typeface="Arial"/>
             </a:endParaRPr>
           </a:p>
@@ -1698,7 +1698,7 @@
             <a:normAutofit/>
           </a:bodyPr>
           <a:p>
-            <a:endParaRPr b="0" lang="fr-FR" sz="3200" spc="-1" strike="noStrike">
+            <a:endParaRPr b="0" lang="en-US" sz="3200" spc="-1" strike="noStrike">
               <a:latin typeface="Arial"/>
             </a:endParaRPr>
           </a:p>
@@ -1728,7 +1728,7 @@
             <a:normAutofit/>
           </a:bodyPr>
           <a:p>
-            <a:endParaRPr b="0" lang="fr-FR" sz="3200" spc="-1" strike="noStrike">
+            <a:endParaRPr b="0" lang="en-US" sz="3200" spc="-1" strike="noStrike">
               <a:latin typeface="Arial"/>
             </a:endParaRPr>
           </a:p>
@@ -1758,7 +1758,7 @@
             <a:normAutofit/>
           </a:bodyPr>
           <a:p>
-            <a:endParaRPr b="0" lang="fr-FR" sz="3200" spc="-1" strike="noStrike">
+            <a:endParaRPr b="0" lang="en-US" sz="3200" spc="-1" strike="noStrike">
               <a:latin typeface="Arial"/>
             </a:endParaRPr>
           </a:p>
@@ -1811,7 +1811,7 @@
           </a:bodyPr>
           <a:p>
             <a:pPr algn="ctr"/>
-            <a:endParaRPr b="0" lang="fr-FR" sz="4400" spc="-1" strike="noStrike">
+            <a:endParaRPr b="0" lang="en-US" sz="4400" spc="-1" strike="noStrike">
               <a:latin typeface="Arial"/>
             </a:endParaRPr>
           </a:p>
@@ -1841,7 +1841,7 @@
             <a:normAutofit/>
           </a:bodyPr>
           <a:p>
-            <a:endParaRPr b="0" lang="fr-FR" sz="3200" spc="-1" strike="noStrike">
+            <a:endParaRPr b="0" lang="en-US" sz="3200" spc="-1" strike="noStrike">
               <a:latin typeface="Arial"/>
             </a:endParaRPr>
           </a:p>
@@ -1871,7 +1871,7 @@
             <a:normAutofit/>
           </a:bodyPr>
           <a:p>
-            <a:endParaRPr b="0" lang="fr-FR" sz="3200" spc="-1" strike="noStrike">
+            <a:endParaRPr b="0" lang="en-US" sz="3200" spc="-1" strike="noStrike">
               <a:latin typeface="Arial"/>
             </a:endParaRPr>
           </a:p>
@@ -1901,7 +1901,7 @@
             <a:normAutofit/>
           </a:bodyPr>
           <a:p>
-            <a:endParaRPr b="0" lang="fr-FR" sz="3200" spc="-1" strike="noStrike">
+            <a:endParaRPr b="0" lang="en-US" sz="3200" spc="-1" strike="noStrike">
               <a:latin typeface="Arial"/>
             </a:endParaRPr>
           </a:p>
@@ -1931,7 +1931,7 @@
             <a:normAutofit/>
           </a:bodyPr>
           <a:p>
-            <a:endParaRPr b="0" lang="fr-FR" sz="3200" spc="-1" strike="noStrike">
+            <a:endParaRPr b="0" lang="en-US" sz="3200" spc="-1" strike="noStrike">
               <a:latin typeface="Arial"/>
             </a:endParaRPr>
           </a:p>
@@ -1961,7 +1961,7 @@
             <a:normAutofit/>
           </a:bodyPr>
           <a:p>
-            <a:endParaRPr b="0" lang="fr-FR" sz="3200" spc="-1" strike="noStrike">
+            <a:endParaRPr b="0" lang="en-US" sz="3200" spc="-1" strike="noStrike">
               <a:latin typeface="Arial"/>
             </a:endParaRPr>
           </a:p>
@@ -1991,7 +1991,7 @@
             <a:normAutofit/>
           </a:bodyPr>
           <a:p>
-            <a:endParaRPr b="0" lang="fr-FR" sz="3200" spc="-1" strike="noStrike">
+            <a:endParaRPr b="0" lang="en-US" sz="3200" spc="-1" strike="noStrike">
               <a:latin typeface="Arial"/>
             </a:endParaRPr>
           </a:p>
@@ -2066,7 +2066,7 @@
           </a:bodyPr>
           <a:p>
             <a:pPr algn="ctr"/>
-            <a:endParaRPr b="0" lang="fr-FR" sz="4400" spc="-1" strike="noStrike">
+            <a:endParaRPr b="0" lang="en-US" sz="4400" spc="-1" strike="noStrike">
               <a:latin typeface="Arial"/>
             </a:endParaRPr>
           </a:p>
@@ -2097,7 +2097,7 @@
           </a:bodyPr>
           <a:p>
             <a:pPr algn="ctr"/>
-            <a:endParaRPr b="0" lang="fr-FR" sz="3200" spc="-1" strike="noStrike">
+            <a:endParaRPr b="0" lang="en-US" sz="3200" spc="-1" strike="noStrike">
               <a:latin typeface="Arial"/>
             </a:endParaRPr>
           </a:p>
@@ -2150,7 +2150,7 @@
           </a:bodyPr>
           <a:p>
             <a:pPr algn="ctr"/>
-            <a:endParaRPr b="0" lang="fr-FR" sz="4400" spc="-1" strike="noStrike">
+            <a:endParaRPr b="0" lang="en-US" sz="4400" spc="-1" strike="noStrike">
               <a:latin typeface="Arial"/>
             </a:endParaRPr>
           </a:p>
@@ -2180,7 +2180,7 @@
             <a:normAutofit/>
           </a:bodyPr>
           <a:p>
-            <a:endParaRPr b="0" lang="fr-FR" sz="3200" spc="-1" strike="noStrike">
+            <a:endParaRPr b="0" lang="en-US" sz="3200" spc="-1" strike="noStrike">
               <a:latin typeface="Arial"/>
             </a:endParaRPr>
           </a:p>
@@ -2233,7 +2233,7 @@
           </a:bodyPr>
           <a:p>
             <a:pPr algn="ctr"/>
-            <a:endParaRPr b="0" lang="fr-FR" sz="4400" spc="-1" strike="noStrike">
+            <a:endParaRPr b="0" lang="en-US" sz="4400" spc="-1" strike="noStrike">
               <a:latin typeface="Arial"/>
             </a:endParaRPr>
           </a:p>
@@ -2263,7 +2263,7 @@
             <a:normAutofit/>
           </a:bodyPr>
           <a:p>
-            <a:endParaRPr b="0" lang="fr-FR" sz="3200" spc="-1" strike="noStrike">
+            <a:endParaRPr b="0" lang="en-US" sz="3200" spc="-1" strike="noStrike">
               <a:latin typeface="Arial"/>
             </a:endParaRPr>
           </a:p>
@@ -2293,7 +2293,7 @@
             <a:normAutofit/>
           </a:bodyPr>
           <a:p>
-            <a:endParaRPr b="0" lang="fr-FR" sz="3200" spc="-1" strike="noStrike">
+            <a:endParaRPr b="0" lang="en-US" sz="3200" spc="-1" strike="noStrike">
               <a:latin typeface="Arial"/>
             </a:endParaRPr>
           </a:p>
@@ -2346,7 +2346,7 @@
           </a:bodyPr>
           <a:p>
             <a:pPr algn="ctr"/>
-            <a:endParaRPr b="0" lang="fr-FR" sz="4400" spc="-1" strike="noStrike">
+            <a:endParaRPr b="0" lang="en-US" sz="4400" spc="-1" strike="noStrike">
               <a:latin typeface="Arial"/>
             </a:endParaRPr>
           </a:p>
@@ -2399,7 +2399,7 @@
           </a:bodyPr>
           <a:p>
             <a:pPr algn="ctr"/>
-            <a:endParaRPr b="0" lang="fr-FR" sz="4400" spc="-1" strike="noStrike">
+            <a:endParaRPr b="0" lang="en-US" sz="4400" spc="-1" strike="noStrike">
               <a:latin typeface="Arial"/>
             </a:endParaRPr>
           </a:p>
@@ -2429,7 +2429,7 @@
             <a:normAutofit/>
           </a:bodyPr>
           <a:p>
-            <a:endParaRPr b="0" lang="fr-FR" sz="3200" spc="-1" strike="noStrike">
+            <a:endParaRPr b="0" lang="en-US" sz="3200" spc="-1" strike="noStrike">
               <a:latin typeface="Arial"/>
             </a:endParaRPr>
           </a:p>
@@ -2482,7 +2482,7 @@
           </a:bodyPr>
           <a:p>
             <a:pPr algn="ctr"/>
-            <a:endParaRPr b="0" lang="fr-FR" sz="3200" spc="-1" strike="noStrike">
+            <a:endParaRPr b="0" lang="en-US" sz="3200" spc="-1" strike="noStrike">
               <a:latin typeface="Arial"/>
             </a:endParaRPr>
           </a:p>
@@ -2535,7 +2535,7 @@
           </a:bodyPr>
           <a:p>
             <a:pPr algn="ctr"/>
-            <a:endParaRPr b="0" lang="fr-FR" sz="4400" spc="-1" strike="noStrike">
+            <a:endParaRPr b="0" lang="en-US" sz="4400" spc="-1" strike="noStrike">
               <a:latin typeface="Arial"/>
             </a:endParaRPr>
           </a:p>
@@ -2565,7 +2565,7 @@
             <a:normAutofit/>
           </a:bodyPr>
           <a:p>
-            <a:endParaRPr b="0" lang="fr-FR" sz="3200" spc="-1" strike="noStrike">
+            <a:endParaRPr b="0" lang="en-US" sz="3200" spc="-1" strike="noStrike">
               <a:latin typeface="Arial"/>
             </a:endParaRPr>
           </a:p>
@@ -2595,7 +2595,7 @@
             <a:normAutofit/>
           </a:bodyPr>
           <a:p>
-            <a:endParaRPr b="0" lang="fr-FR" sz="3200" spc="-1" strike="noStrike">
+            <a:endParaRPr b="0" lang="en-US" sz="3200" spc="-1" strike="noStrike">
               <a:latin typeface="Arial"/>
             </a:endParaRPr>
           </a:p>
@@ -2625,7 +2625,7 @@
             <a:normAutofit/>
           </a:bodyPr>
           <a:p>
-            <a:endParaRPr b="0" lang="fr-FR" sz="3200" spc="-1" strike="noStrike">
+            <a:endParaRPr b="0" lang="en-US" sz="3200" spc="-1" strike="noStrike">
               <a:latin typeface="Arial"/>
             </a:endParaRPr>
           </a:p>
@@ -2678,7 +2678,7 @@
           </a:bodyPr>
           <a:p>
             <a:pPr algn="ctr"/>
-            <a:endParaRPr b="0" lang="fr-FR" sz="4400" spc="-1" strike="noStrike">
+            <a:endParaRPr b="0" lang="en-US" sz="4400" spc="-1" strike="noStrike">
               <a:latin typeface="Arial"/>
             </a:endParaRPr>
           </a:p>
@@ -2708,7 +2708,7 @@
             <a:normAutofit/>
           </a:bodyPr>
           <a:p>
-            <a:endParaRPr b="0" lang="fr-FR" sz="3200" spc="-1" strike="noStrike">
+            <a:endParaRPr b="0" lang="en-US" sz="3200" spc="-1" strike="noStrike">
               <a:latin typeface="Arial"/>
             </a:endParaRPr>
           </a:p>
@@ -2738,7 +2738,7 @@
             <a:normAutofit/>
           </a:bodyPr>
           <a:p>
-            <a:endParaRPr b="0" lang="fr-FR" sz="3200" spc="-1" strike="noStrike">
+            <a:endParaRPr b="0" lang="en-US" sz="3200" spc="-1" strike="noStrike">
               <a:latin typeface="Arial"/>
             </a:endParaRPr>
           </a:p>
@@ -2768,7 +2768,7 @@
             <a:normAutofit/>
           </a:bodyPr>
           <a:p>
-            <a:endParaRPr b="0" lang="fr-FR" sz="3200" spc="-1" strike="noStrike">
+            <a:endParaRPr b="0" lang="en-US" sz="3200" spc="-1" strike="noStrike">
               <a:latin typeface="Arial"/>
             </a:endParaRPr>
           </a:p>
@@ -2821,7 +2821,7 @@
           </a:bodyPr>
           <a:p>
             <a:pPr algn="ctr"/>
-            <a:endParaRPr b="0" lang="fr-FR" sz="4400" spc="-1" strike="noStrike">
+            <a:endParaRPr b="0" lang="en-US" sz="4400" spc="-1" strike="noStrike">
               <a:latin typeface="Arial"/>
             </a:endParaRPr>
           </a:p>
@@ -2851,7 +2851,7 @@
             <a:normAutofit/>
           </a:bodyPr>
           <a:p>
-            <a:endParaRPr b="0" lang="fr-FR" sz="3200" spc="-1" strike="noStrike">
+            <a:endParaRPr b="0" lang="en-US" sz="3200" spc="-1" strike="noStrike">
               <a:latin typeface="Arial"/>
             </a:endParaRPr>
           </a:p>
@@ -2881,7 +2881,7 @@
             <a:normAutofit/>
           </a:bodyPr>
           <a:p>
-            <a:endParaRPr b="0" lang="fr-FR" sz="3200" spc="-1" strike="noStrike">
+            <a:endParaRPr b="0" lang="en-US" sz="3200" spc="-1" strike="noStrike">
               <a:latin typeface="Arial"/>
             </a:endParaRPr>
           </a:p>
@@ -2911,7 +2911,7 @@
             <a:normAutofit/>
           </a:bodyPr>
           <a:p>
-            <a:endParaRPr b="0" lang="fr-FR" sz="3200" spc="-1" strike="noStrike">
+            <a:endParaRPr b="0" lang="en-US" sz="3200" spc="-1" strike="noStrike">
               <a:latin typeface="Arial"/>
             </a:endParaRPr>
           </a:p>
@@ -2964,7 +2964,7 @@
           </a:bodyPr>
           <a:p>
             <a:pPr algn="ctr"/>
-            <a:endParaRPr b="0" lang="fr-FR" sz="4400" spc="-1" strike="noStrike">
+            <a:endParaRPr b="0" lang="en-US" sz="4400" spc="-1" strike="noStrike">
               <a:latin typeface="Arial"/>
             </a:endParaRPr>
           </a:p>
@@ -2994,7 +2994,7 @@
             <a:normAutofit/>
           </a:bodyPr>
           <a:p>
-            <a:endParaRPr b="0" lang="fr-FR" sz="3200" spc="-1" strike="noStrike">
+            <a:endParaRPr b="0" lang="en-US" sz="3200" spc="-1" strike="noStrike">
               <a:latin typeface="Arial"/>
             </a:endParaRPr>
           </a:p>
@@ -3024,7 +3024,7 @@
             <a:normAutofit/>
           </a:bodyPr>
           <a:p>
-            <a:endParaRPr b="0" lang="fr-FR" sz="3200" spc="-1" strike="noStrike">
+            <a:endParaRPr b="0" lang="en-US" sz="3200" spc="-1" strike="noStrike">
               <a:latin typeface="Arial"/>
             </a:endParaRPr>
           </a:p>
@@ -3077,7 +3077,7 @@
           </a:bodyPr>
           <a:p>
             <a:pPr algn="ctr"/>
-            <a:endParaRPr b="0" lang="fr-FR" sz="4400" spc="-1" strike="noStrike">
+            <a:endParaRPr b="0" lang="en-US" sz="4400" spc="-1" strike="noStrike">
               <a:latin typeface="Arial"/>
             </a:endParaRPr>
           </a:p>
@@ -3107,7 +3107,7 @@
             <a:normAutofit/>
           </a:bodyPr>
           <a:p>
-            <a:endParaRPr b="0" lang="fr-FR" sz="3200" spc="-1" strike="noStrike">
+            <a:endParaRPr b="0" lang="en-US" sz="3200" spc="-1" strike="noStrike">
               <a:latin typeface="Arial"/>
             </a:endParaRPr>
           </a:p>
@@ -3137,7 +3137,7 @@
             <a:normAutofit/>
           </a:bodyPr>
           <a:p>
-            <a:endParaRPr b="0" lang="fr-FR" sz="3200" spc="-1" strike="noStrike">
+            <a:endParaRPr b="0" lang="en-US" sz="3200" spc="-1" strike="noStrike">
               <a:latin typeface="Arial"/>
             </a:endParaRPr>
           </a:p>
@@ -3167,7 +3167,7 @@
             <a:normAutofit/>
           </a:bodyPr>
           <a:p>
-            <a:endParaRPr b="0" lang="fr-FR" sz="3200" spc="-1" strike="noStrike">
+            <a:endParaRPr b="0" lang="en-US" sz="3200" spc="-1" strike="noStrike">
               <a:latin typeface="Arial"/>
             </a:endParaRPr>
           </a:p>
@@ -3197,7 +3197,7 @@
             <a:normAutofit/>
           </a:bodyPr>
           <a:p>
-            <a:endParaRPr b="0" lang="fr-FR" sz="3200" spc="-1" strike="noStrike">
+            <a:endParaRPr b="0" lang="en-US" sz="3200" spc="-1" strike="noStrike">
               <a:latin typeface="Arial"/>
             </a:endParaRPr>
           </a:p>
@@ -3250,7 +3250,7 @@
           </a:bodyPr>
           <a:p>
             <a:pPr algn="ctr"/>
-            <a:endParaRPr b="0" lang="fr-FR" sz="4400" spc="-1" strike="noStrike">
+            <a:endParaRPr b="0" lang="en-US" sz="4400" spc="-1" strike="noStrike">
               <a:latin typeface="Arial"/>
             </a:endParaRPr>
           </a:p>
@@ -3280,7 +3280,7 @@
             <a:normAutofit/>
           </a:bodyPr>
           <a:p>
-            <a:endParaRPr b="0" lang="fr-FR" sz="3200" spc="-1" strike="noStrike">
+            <a:endParaRPr b="0" lang="en-US" sz="3200" spc="-1" strike="noStrike">
               <a:latin typeface="Arial"/>
             </a:endParaRPr>
           </a:p>
@@ -3310,7 +3310,7 @@
             <a:normAutofit/>
           </a:bodyPr>
           <a:p>
-            <a:endParaRPr b="0" lang="fr-FR" sz="3200" spc="-1" strike="noStrike">
+            <a:endParaRPr b="0" lang="en-US" sz="3200" spc="-1" strike="noStrike">
               <a:latin typeface="Arial"/>
             </a:endParaRPr>
           </a:p>
@@ -3340,7 +3340,7 @@
             <a:normAutofit/>
           </a:bodyPr>
           <a:p>
-            <a:endParaRPr b="0" lang="fr-FR" sz="3200" spc="-1" strike="noStrike">
+            <a:endParaRPr b="0" lang="en-US" sz="3200" spc="-1" strike="noStrike">
               <a:latin typeface="Arial"/>
             </a:endParaRPr>
           </a:p>
@@ -3370,7 +3370,7 @@
             <a:normAutofit/>
           </a:bodyPr>
           <a:p>
-            <a:endParaRPr b="0" lang="fr-FR" sz="3200" spc="-1" strike="noStrike">
+            <a:endParaRPr b="0" lang="en-US" sz="3200" spc="-1" strike="noStrike">
               <a:latin typeface="Arial"/>
             </a:endParaRPr>
           </a:p>
@@ -3400,7 +3400,7 @@
             <a:normAutofit/>
           </a:bodyPr>
           <a:p>
-            <a:endParaRPr b="0" lang="fr-FR" sz="3200" spc="-1" strike="noStrike">
+            <a:endParaRPr b="0" lang="en-US" sz="3200" spc="-1" strike="noStrike">
               <a:latin typeface="Arial"/>
             </a:endParaRPr>
           </a:p>
@@ -3430,7 +3430,7 @@
             <a:normAutofit/>
           </a:bodyPr>
           <a:p>
-            <a:endParaRPr b="0" lang="fr-FR" sz="3200" spc="-1" strike="noStrike">
+            <a:endParaRPr b="0" lang="en-US" sz="3200" spc="-1" strike="noStrike">
               <a:latin typeface="Arial"/>
             </a:endParaRPr>
           </a:p>
@@ -3483,7 +3483,7 @@
           </a:bodyPr>
           <a:p>
             <a:pPr algn="ctr"/>
-            <a:endParaRPr b="0" lang="fr-FR" sz="4400" spc="-1" strike="noStrike">
+            <a:endParaRPr b="0" lang="en-US" sz="4400" spc="-1" strike="noStrike">
               <a:latin typeface="Arial"/>
             </a:endParaRPr>
           </a:p>
@@ -3513,7 +3513,7 @@
             <a:normAutofit/>
           </a:bodyPr>
           <a:p>
-            <a:endParaRPr b="0" lang="fr-FR" sz="3200" spc="-1" strike="noStrike">
+            <a:endParaRPr b="0" lang="en-US" sz="3200" spc="-1" strike="noStrike">
               <a:latin typeface="Arial"/>
             </a:endParaRPr>
           </a:p>
@@ -3543,7 +3543,7 @@
             <a:normAutofit/>
           </a:bodyPr>
           <a:p>
-            <a:endParaRPr b="0" lang="fr-FR" sz="3200" spc="-1" strike="noStrike">
+            <a:endParaRPr b="0" lang="en-US" sz="3200" spc="-1" strike="noStrike">
               <a:latin typeface="Arial"/>
             </a:endParaRPr>
           </a:p>
@@ -3596,7 +3596,7 @@
           </a:bodyPr>
           <a:p>
             <a:pPr algn="ctr"/>
-            <a:endParaRPr b="0" lang="fr-FR" sz="4400" spc="-1" strike="noStrike">
+            <a:endParaRPr b="0" lang="en-US" sz="4400" spc="-1" strike="noStrike">
               <a:latin typeface="Arial"/>
             </a:endParaRPr>
           </a:p>
@@ -3649,7 +3649,7 @@
           </a:bodyPr>
           <a:p>
             <a:pPr algn="ctr"/>
-            <a:endParaRPr b="0" lang="fr-FR" sz="3200" spc="-1" strike="noStrike">
+            <a:endParaRPr b="0" lang="en-US" sz="3200" spc="-1" strike="noStrike">
               <a:latin typeface="Arial"/>
             </a:endParaRPr>
           </a:p>
@@ -3702,7 +3702,7 @@
           </a:bodyPr>
           <a:p>
             <a:pPr algn="ctr"/>
-            <a:endParaRPr b="0" lang="fr-FR" sz="4400" spc="-1" strike="noStrike">
+            <a:endParaRPr b="0" lang="en-US" sz="4400" spc="-1" strike="noStrike">
               <a:latin typeface="Arial"/>
             </a:endParaRPr>
           </a:p>
@@ -3732,7 +3732,7 @@
             <a:normAutofit/>
           </a:bodyPr>
           <a:p>
-            <a:endParaRPr b="0" lang="fr-FR" sz="3200" spc="-1" strike="noStrike">
+            <a:endParaRPr b="0" lang="en-US" sz="3200" spc="-1" strike="noStrike">
               <a:latin typeface="Arial"/>
             </a:endParaRPr>
           </a:p>
@@ -3762,7 +3762,7 @@
             <a:normAutofit/>
           </a:bodyPr>
           <a:p>
-            <a:endParaRPr b="0" lang="fr-FR" sz="3200" spc="-1" strike="noStrike">
+            <a:endParaRPr b="0" lang="en-US" sz="3200" spc="-1" strike="noStrike">
               <a:latin typeface="Arial"/>
             </a:endParaRPr>
           </a:p>
@@ -3792,7 +3792,7 @@
             <a:normAutofit/>
           </a:bodyPr>
           <a:p>
-            <a:endParaRPr b="0" lang="fr-FR" sz="3200" spc="-1" strike="noStrike">
+            <a:endParaRPr b="0" lang="en-US" sz="3200" spc="-1" strike="noStrike">
               <a:latin typeface="Arial"/>
             </a:endParaRPr>
           </a:p>
@@ -3845,7 +3845,7 @@
           </a:bodyPr>
           <a:p>
             <a:pPr algn="ctr"/>
-            <a:endParaRPr b="0" lang="fr-FR" sz="4400" spc="-1" strike="noStrike">
+            <a:endParaRPr b="0" lang="en-US" sz="4400" spc="-1" strike="noStrike">
               <a:latin typeface="Arial"/>
             </a:endParaRPr>
           </a:p>
@@ -3875,7 +3875,7 @@
             <a:normAutofit/>
           </a:bodyPr>
           <a:p>
-            <a:endParaRPr b="0" lang="fr-FR" sz="3200" spc="-1" strike="noStrike">
+            <a:endParaRPr b="0" lang="en-US" sz="3200" spc="-1" strike="noStrike">
               <a:latin typeface="Arial"/>
             </a:endParaRPr>
           </a:p>
@@ -3905,7 +3905,7 @@
             <a:normAutofit/>
           </a:bodyPr>
           <a:p>
-            <a:endParaRPr b="0" lang="fr-FR" sz="3200" spc="-1" strike="noStrike">
+            <a:endParaRPr b="0" lang="en-US" sz="3200" spc="-1" strike="noStrike">
               <a:latin typeface="Arial"/>
             </a:endParaRPr>
           </a:p>
@@ -3935,7 +3935,7 @@
             <a:normAutofit/>
           </a:bodyPr>
           <a:p>
-            <a:endParaRPr b="0" lang="fr-FR" sz="3200" spc="-1" strike="noStrike">
+            <a:endParaRPr b="0" lang="en-US" sz="3200" spc="-1" strike="noStrike">
               <a:latin typeface="Arial"/>
             </a:endParaRPr>
           </a:p>
@@ -3988,7 +3988,7 @@
           </a:bodyPr>
           <a:p>
             <a:pPr algn="ctr"/>
-            <a:endParaRPr b="0" lang="fr-FR" sz="4400" spc="-1" strike="noStrike">
+            <a:endParaRPr b="0" lang="en-US" sz="4400" spc="-1" strike="noStrike">
               <a:latin typeface="Arial"/>
             </a:endParaRPr>
           </a:p>
@@ -4018,7 +4018,7 @@
             <a:normAutofit/>
           </a:bodyPr>
           <a:p>
-            <a:endParaRPr b="0" lang="fr-FR" sz="3200" spc="-1" strike="noStrike">
+            <a:endParaRPr b="0" lang="en-US" sz="3200" spc="-1" strike="noStrike">
               <a:latin typeface="Arial"/>
             </a:endParaRPr>
           </a:p>
@@ -4048,7 +4048,7 @@
             <a:normAutofit/>
           </a:bodyPr>
           <a:p>
-            <a:endParaRPr b="0" lang="fr-FR" sz="3200" spc="-1" strike="noStrike">
+            <a:endParaRPr b="0" lang="en-US" sz="3200" spc="-1" strike="noStrike">
               <a:latin typeface="Arial"/>
             </a:endParaRPr>
           </a:p>
@@ -4078,7 +4078,7 @@
             <a:normAutofit/>
           </a:bodyPr>
           <a:p>
-            <a:endParaRPr b="0" lang="fr-FR" sz="3200" spc="-1" strike="noStrike">
+            <a:endParaRPr b="0" lang="en-US" sz="3200" spc="-1" strike="noStrike">
               <a:latin typeface="Arial"/>
             </a:endParaRPr>
           </a:p>
@@ -4139,24 +4139,18 @@
           <a:p>
             <a:pPr algn="ctr"/>
             <a:r>
-              <a:rPr b="0" lang="fr-FR" sz="4400" spc="-1" strike="noStrike">
+              <a:rPr b="0" lang="en-US" sz="4400" spc="-1" strike="noStrike">
                 <a:latin typeface="Arial"/>
               </a:rPr>
-              <a:t>Cliquez pour </a:t>
+              <a:t>Click to edit the </a:t>
             </a:r>
             <a:r>
-              <a:rPr b="0" lang="fr-FR" sz="4400" spc="-1" strike="noStrike">
+              <a:rPr b="0" lang="en-US" sz="4400" spc="-1" strike="noStrike">
                 <a:latin typeface="Arial"/>
               </a:rPr>
-              <a:t>éditer le format </a:t>
+              <a:t>title text format</a:t>
             </a:r>
-            <a:r>
-              <a:rPr b="0" lang="fr-FR" sz="4400" spc="-1" strike="noStrike">
-                <a:latin typeface="Arial"/>
-              </a:rPr>
-              <a:t>du texte-titre</a:t>
-            </a:r>
-            <a:endParaRPr b="0" lang="fr-FR" sz="4400" spc="-1" strike="noStrike">
+            <a:endParaRPr b="0" lang="en-US" sz="4400" spc="-1" strike="noStrike">
               <a:latin typeface="Arial"/>
             </a:endParaRPr>
           </a:p>
@@ -4198,12 +4192,12 @@
               <a:buChar char=""/>
             </a:pPr>
             <a:r>
-              <a:rPr b="0" lang="fr-FR" sz="3200" spc="-1" strike="noStrike">
+              <a:rPr b="0" lang="en-US" sz="3200" spc="-1" strike="noStrike">
                 <a:latin typeface="Arial"/>
               </a:rPr>
-              <a:t>Cliquez pour éditer le format du plan de texte</a:t>
+              <a:t>Click to edit the outline text format</a:t>
             </a:r>
-            <a:endParaRPr b="0" lang="fr-FR" sz="3200" spc="-1" strike="noStrike">
+            <a:endParaRPr b="0" lang="en-US" sz="3200" spc="-1" strike="noStrike">
               <a:latin typeface="Arial"/>
             </a:endParaRPr>
           </a:p>
@@ -4220,12 +4214,12 @@
               <a:buChar char=""/>
             </a:pPr>
             <a:r>
-              <a:rPr b="0" lang="fr-FR" sz="2800" spc="-1" strike="noStrike">
+              <a:rPr b="0" lang="en-US" sz="2800" spc="-1" strike="noStrike">
                 <a:latin typeface="Arial"/>
               </a:rPr>
-              <a:t>Second niveau de plan</a:t>
+              <a:t>Second Outline Level</a:t>
             </a:r>
-            <a:endParaRPr b="0" lang="fr-FR" sz="2800" spc="-1" strike="noStrike">
+            <a:endParaRPr b="0" lang="en-US" sz="2800" spc="-1" strike="noStrike">
               <a:latin typeface="Arial"/>
             </a:endParaRPr>
           </a:p>
@@ -4242,12 +4236,12 @@
               <a:buChar char=""/>
             </a:pPr>
             <a:r>
-              <a:rPr b="0" lang="fr-FR" sz="2400" spc="-1" strike="noStrike">
+              <a:rPr b="0" lang="en-US" sz="2400" spc="-1" strike="noStrike">
                 <a:latin typeface="Arial"/>
               </a:rPr>
-              <a:t>Troisième niveau de plan</a:t>
+              <a:t>Third Outline Level</a:t>
             </a:r>
-            <a:endParaRPr b="0" lang="fr-FR" sz="2400" spc="-1" strike="noStrike">
+            <a:endParaRPr b="0" lang="en-US" sz="2400" spc="-1" strike="noStrike">
               <a:latin typeface="Arial"/>
             </a:endParaRPr>
           </a:p>
@@ -4264,12 +4258,12 @@
               <a:buChar char=""/>
             </a:pPr>
             <a:r>
-              <a:rPr b="0" lang="fr-FR" sz="2000" spc="-1" strike="noStrike">
+              <a:rPr b="0" lang="en-US" sz="2000" spc="-1" strike="noStrike">
                 <a:latin typeface="Arial"/>
               </a:rPr>
-              <a:t>Quatrième niveau de plan</a:t>
+              <a:t>Fourth Outline Level</a:t>
             </a:r>
-            <a:endParaRPr b="0" lang="fr-FR" sz="2000" spc="-1" strike="noStrike">
+            <a:endParaRPr b="0" lang="en-US" sz="2000" spc="-1" strike="noStrike">
               <a:latin typeface="Arial"/>
             </a:endParaRPr>
           </a:p>
@@ -4286,12 +4280,12 @@
               <a:buChar char=""/>
             </a:pPr>
             <a:r>
-              <a:rPr b="0" lang="fr-FR" sz="2000" spc="-1" strike="noStrike">
+              <a:rPr b="0" lang="en-US" sz="2000" spc="-1" strike="noStrike">
                 <a:latin typeface="Arial"/>
               </a:rPr>
-              <a:t>Cinquième niveau de plan</a:t>
+              <a:t>Fifth Outline Level</a:t>
             </a:r>
-            <a:endParaRPr b="0" lang="fr-FR" sz="2000" spc="-1" strike="noStrike">
+            <a:endParaRPr b="0" lang="en-US" sz="2000" spc="-1" strike="noStrike">
               <a:latin typeface="Arial"/>
             </a:endParaRPr>
           </a:p>
@@ -4308,12 +4302,12 @@
               <a:buChar char=""/>
             </a:pPr>
             <a:r>
-              <a:rPr b="0" lang="fr-FR" sz="2000" spc="-1" strike="noStrike">
+              <a:rPr b="0" lang="en-US" sz="2000" spc="-1" strike="noStrike">
                 <a:latin typeface="Arial"/>
               </a:rPr>
-              <a:t>Sixième niveau de plan</a:t>
+              <a:t>Sixth Outline Level</a:t>
             </a:r>
-            <a:endParaRPr b="0" lang="fr-FR" sz="2000" spc="-1" strike="noStrike">
+            <a:endParaRPr b="0" lang="en-US" sz="2000" spc="-1" strike="noStrike">
               <a:latin typeface="Arial"/>
             </a:endParaRPr>
           </a:p>
@@ -4330,12 +4324,12 @@
               <a:buChar char=""/>
             </a:pPr>
             <a:r>
-              <a:rPr b="0" lang="fr-FR" sz="2000" spc="-1" strike="noStrike">
+              <a:rPr b="0" lang="en-US" sz="2000" spc="-1" strike="noStrike">
                 <a:latin typeface="Arial"/>
               </a:rPr>
-              <a:t>Septième niveau de plan</a:t>
+              <a:t>Seventh Outline Level</a:t>
             </a:r>
-            <a:endParaRPr b="0" lang="fr-FR" sz="2000" spc="-1" strike="noStrike">
+            <a:endParaRPr b="0" lang="en-US" sz="2000" spc="-1" strike="noStrike">
               <a:latin typeface="Arial"/>
             </a:endParaRPr>
           </a:p>
@@ -4411,12 +4405,12 @@
           <a:p>
             <a:pPr algn="ctr"/>
             <a:r>
-              <a:rPr b="0" lang="fr-FR" sz="4400" spc="-1" strike="noStrike">
+              <a:rPr b="0" lang="en-US" sz="4400" spc="-1" strike="noStrike">
                 <a:latin typeface="Arial"/>
               </a:rPr>
-              <a:t>Cliquez pour éditer le format du texte-titre</a:t>
+              <a:t>Click to edit the title text format</a:t>
             </a:r>
-            <a:endParaRPr b="0" lang="fr-FR" sz="4400" spc="-1" strike="noStrike">
+            <a:endParaRPr b="0" lang="en-US" sz="4400" spc="-1" strike="noStrike">
               <a:latin typeface="Arial"/>
             </a:endParaRPr>
           </a:p>
@@ -4458,12 +4452,12 @@
               <a:buChar char=""/>
             </a:pPr>
             <a:r>
-              <a:rPr b="0" lang="fr-FR" sz="3200" spc="-1" strike="noStrike">
+              <a:rPr b="0" lang="en-US" sz="3200" spc="-1" strike="noStrike">
                 <a:latin typeface="Arial"/>
               </a:rPr>
-              <a:t>Cliquez pour éditer le format du plan de texte</a:t>
+              <a:t>Click to edit the outline text format</a:t>
             </a:r>
-            <a:endParaRPr b="0" lang="fr-FR" sz="3200" spc="-1" strike="noStrike">
+            <a:endParaRPr b="0" lang="en-US" sz="3200" spc="-1" strike="noStrike">
               <a:latin typeface="Arial"/>
             </a:endParaRPr>
           </a:p>
@@ -4480,12 +4474,12 @@
               <a:buChar char=""/>
             </a:pPr>
             <a:r>
-              <a:rPr b="0" lang="fr-FR" sz="2800" spc="-1" strike="noStrike">
+              <a:rPr b="0" lang="en-US" sz="2800" spc="-1" strike="noStrike">
                 <a:latin typeface="Arial"/>
               </a:rPr>
-              <a:t>Second niveau de plan</a:t>
+              <a:t>Second Outline Level</a:t>
             </a:r>
-            <a:endParaRPr b="0" lang="fr-FR" sz="2800" spc="-1" strike="noStrike">
+            <a:endParaRPr b="0" lang="en-US" sz="2800" spc="-1" strike="noStrike">
               <a:latin typeface="Arial"/>
             </a:endParaRPr>
           </a:p>
@@ -4502,12 +4496,12 @@
               <a:buChar char=""/>
             </a:pPr>
             <a:r>
-              <a:rPr b="0" lang="fr-FR" sz="2400" spc="-1" strike="noStrike">
+              <a:rPr b="0" lang="en-US" sz="2400" spc="-1" strike="noStrike">
                 <a:latin typeface="Arial"/>
               </a:rPr>
-              <a:t>Troisième niveau de plan</a:t>
+              <a:t>Third Outline Level</a:t>
             </a:r>
-            <a:endParaRPr b="0" lang="fr-FR" sz="2400" spc="-1" strike="noStrike">
+            <a:endParaRPr b="0" lang="en-US" sz="2400" spc="-1" strike="noStrike">
               <a:latin typeface="Arial"/>
             </a:endParaRPr>
           </a:p>
@@ -4524,12 +4518,12 @@
               <a:buChar char=""/>
             </a:pPr>
             <a:r>
-              <a:rPr b="0" lang="fr-FR" sz="2000" spc="-1" strike="noStrike">
+              <a:rPr b="0" lang="en-US" sz="2000" spc="-1" strike="noStrike">
                 <a:latin typeface="Arial"/>
               </a:rPr>
-              <a:t>Quatrième niveau de plan</a:t>
+              <a:t>Fourth Outline Level</a:t>
             </a:r>
-            <a:endParaRPr b="0" lang="fr-FR" sz="2000" spc="-1" strike="noStrike">
+            <a:endParaRPr b="0" lang="en-US" sz="2000" spc="-1" strike="noStrike">
               <a:latin typeface="Arial"/>
             </a:endParaRPr>
           </a:p>
@@ -4546,12 +4540,12 @@
               <a:buChar char=""/>
             </a:pPr>
             <a:r>
-              <a:rPr b="0" lang="fr-FR" sz="2000" spc="-1" strike="noStrike">
+              <a:rPr b="0" lang="en-US" sz="2000" spc="-1" strike="noStrike">
                 <a:latin typeface="Arial"/>
               </a:rPr>
-              <a:t>Cinquième niveau de plan</a:t>
+              <a:t>Fifth Outline Level</a:t>
             </a:r>
-            <a:endParaRPr b="0" lang="fr-FR" sz="2000" spc="-1" strike="noStrike">
+            <a:endParaRPr b="0" lang="en-US" sz="2000" spc="-1" strike="noStrike">
               <a:latin typeface="Arial"/>
             </a:endParaRPr>
           </a:p>
@@ -4568,12 +4562,12 @@
               <a:buChar char=""/>
             </a:pPr>
             <a:r>
-              <a:rPr b="0" lang="fr-FR" sz="2000" spc="-1" strike="noStrike">
+              <a:rPr b="0" lang="en-US" sz="2000" spc="-1" strike="noStrike">
                 <a:latin typeface="Arial"/>
               </a:rPr>
-              <a:t>Sixième niveau de plan</a:t>
+              <a:t>Sixth Outline Level</a:t>
             </a:r>
-            <a:endParaRPr b="0" lang="fr-FR" sz="2000" spc="-1" strike="noStrike">
+            <a:endParaRPr b="0" lang="en-US" sz="2000" spc="-1" strike="noStrike">
               <a:latin typeface="Arial"/>
             </a:endParaRPr>
           </a:p>
@@ -4590,12 +4584,12 @@
               <a:buChar char=""/>
             </a:pPr>
             <a:r>
-              <a:rPr b="0" lang="fr-FR" sz="2000" spc="-1" strike="noStrike">
+              <a:rPr b="0" lang="en-US" sz="2000" spc="-1" strike="noStrike">
                 <a:latin typeface="Arial"/>
               </a:rPr>
-              <a:t>Septième niveau de plan</a:t>
+              <a:t>Seventh Outline Level</a:t>
             </a:r>
-            <a:endParaRPr b="0" lang="fr-FR" sz="2000" spc="-1" strike="noStrike">
+            <a:endParaRPr b="0" lang="en-US" sz="2000" spc="-1" strike="noStrike">
               <a:latin typeface="Arial"/>
             </a:endParaRPr>
           </a:p>
@@ -4671,12 +4665,12 @@
           <a:p>
             <a:pPr algn="ctr"/>
             <a:r>
-              <a:rPr b="0" lang="fr-FR" sz="4400" spc="-1" strike="noStrike">
+              <a:rPr b="0" lang="en-US" sz="4400" spc="-1" strike="noStrike">
                 <a:latin typeface="Arial"/>
               </a:rPr>
-              <a:t>Cliquez pour éditer le format du texte-titre</a:t>
+              <a:t>Click to edit the title text format</a:t>
             </a:r>
-            <a:endParaRPr b="0" lang="fr-FR" sz="4400" spc="-1" strike="noStrike">
+            <a:endParaRPr b="0" lang="en-US" sz="4400" spc="-1" strike="noStrike">
               <a:latin typeface="Arial"/>
             </a:endParaRPr>
           </a:p>
@@ -4718,12 +4712,12 @@
               <a:buChar char=""/>
             </a:pPr>
             <a:r>
-              <a:rPr b="0" lang="fr-FR" sz="3200" spc="-1" strike="noStrike">
+              <a:rPr b="0" lang="en-US" sz="3200" spc="-1" strike="noStrike">
                 <a:latin typeface="Arial"/>
               </a:rPr>
-              <a:t>Cliquez pour éditer le format du plan de texte</a:t>
+              <a:t>Click to edit the outline text format</a:t>
             </a:r>
-            <a:endParaRPr b="0" lang="fr-FR" sz="3200" spc="-1" strike="noStrike">
+            <a:endParaRPr b="0" lang="en-US" sz="3200" spc="-1" strike="noStrike">
               <a:latin typeface="Arial"/>
             </a:endParaRPr>
           </a:p>
@@ -4740,12 +4734,12 @@
               <a:buChar char=""/>
             </a:pPr>
             <a:r>
-              <a:rPr b="0" lang="fr-FR" sz="2800" spc="-1" strike="noStrike">
+              <a:rPr b="0" lang="en-US" sz="2800" spc="-1" strike="noStrike">
                 <a:latin typeface="Arial"/>
               </a:rPr>
-              <a:t>Second niveau de plan</a:t>
+              <a:t>Second Outline Level</a:t>
             </a:r>
-            <a:endParaRPr b="0" lang="fr-FR" sz="2800" spc="-1" strike="noStrike">
+            <a:endParaRPr b="0" lang="en-US" sz="2800" spc="-1" strike="noStrike">
               <a:latin typeface="Arial"/>
             </a:endParaRPr>
           </a:p>
@@ -4762,12 +4756,12 @@
               <a:buChar char=""/>
             </a:pPr>
             <a:r>
-              <a:rPr b="0" lang="fr-FR" sz="2400" spc="-1" strike="noStrike">
+              <a:rPr b="0" lang="en-US" sz="2400" spc="-1" strike="noStrike">
                 <a:latin typeface="Arial"/>
               </a:rPr>
-              <a:t>Troisième niveau de plan</a:t>
+              <a:t>Third Outline Level</a:t>
             </a:r>
-            <a:endParaRPr b="0" lang="fr-FR" sz="2400" spc="-1" strike="noStrike">
+            <a:endParaRPr b="0" lang="en-US" sz="2400" spc="-1" strike="noStrike">
               <a:latin typeface="Arial"/>
             </a:endParaRPr>
           </a:p>
@@ -4784,12 +4778,12 @@
               <a:buChar char=""/>
             </a:pPr>
             <a:r>
-              <a:rPr b="0" lang="fr-FR" sz="2000" spc="-1" strike="noStrike">
+              <a:rPr b="0" lang="en-US" sz="2000" spc="-1" strike="noStrike">
                 <a:latin typeface="Arial"/>
               </a:rPr>
-              <a:t>Quatrième niveau de plan</a:t>
+              <a:t>Fourth Outline Level</a:t>
             </a:r>
-            <a:endParaRPr b="0" lang="fr-FR" sz="2000" spc="-1" strike="noStrike">
+            <a:endParaRPr b="0" lang="en-US" sz="2000" spc="-1" strike="noStrike">
               <a:latin typeface="Arial"/>
             </a:endParaRPr>
           </a:p>
@@ -4806,12 +4800,12 @@
               <a:buChar char=""/>
             </a:pPr>
             <a:r>
-              <a:rPr b="0" lang="fr-FR" sz="2000" spc="-1" strike="noStrike">
+              <a:rPr b="0" lang="en-US" sz="2000" spc="-1" strike="noStrike">
                 <a:latin typeface="Arial"/>
               </a:rPr>
-              <a:t>Cinquième niveau de plan</a:t>
+              <a:t>Fifth Outline Level</a:t>
             </a:r>
-            <a:endParaRPr b="0" lang="fr-FR" sz="2000" spc="-1" strike="noStrike">
+            <a:endParaRPr b="0" lang="en-US" sz="2000" spc="-1" strike="noStrike">
               <a:latin typeface="Arial"/>
             </a:endParaRPr>
           </a:p>
@@ -4828,12 +4822,12 @@
               <a:buChar char=""/>
             </a:pPr>
             <a:r>
-              <a:rPr b="0" lang="fr-FR" sz="2000" spc="-1" strike="noStrike">
+              <a:rPr b="0" lang="en-US" sz="2000" spc="-1" strike="noStrike">
                 <a:latin typeface="Arial"/>
               </a:rPr>
-              <a:t>Sixième niveau de plan</a:t>
+              <a:t>Sixth Outline Level</a:t>
             </a:r>
-            <a:endParaRPr b="0" lang="fr-FR" sz="2000" spc="-1" strike="noStrike">
+            <a:endParaRPr b="0" lang="en-US" sz="2000" spc="-1" strike="noStrike">
               <a:latin typeface="Arial"/>
             </a:endParaRPr>
           </a:p>
@@ -4850,12 +4844,12 @@
               <a:buChar char=""/>
             </a:pPr>
             <a:r>
-              <a:rPr b="0" lang="fr-FR" sz="2000" spc="-1" strike="noStrike">
+              <a:rPr b="0" lang="en-US" sz="2000" spc="-1" strike="noStrike">
                 <a:latin typeface="Arial"/>
               </a:rPr>
-              <a:t>Septième niveau de plan</a:t>
+              <a:t>Seventh Outline Level</a:t>
             </a:r>
-            <a:endParaRPr b="0" lang="fr-FR" sz="2000" spc="-1" strike="noStrike">
+            <a:endParaRPr b="0" lang="en-US" sz="2000" spc="-1" strike="noStrike">
               <a:latin typeface="Arial"/>
             </a:endParaRPr>
           </a:p>
@@ -4914,7 +4908,7 @@
         <p:spPr>
           <a:xfrm>
             <a:off x="0" y="0"/>
-            <a:ext cx="12190320" cy="6856200"/>
+            <a:ext cx="12189960" cy="6855840"/>
           </a:xfrm>
           <a:prstGeom prst="rect">
             <a:avLst/>
@@ -4953,7 +4947,7 @@
         <p:spPr>
           <a:xfrm>
             <a:off x="6746760" y="1783800"/>
-            <a:ext cx="4643280" cy="2887200"/>
+            <a:ext cx="4642920" cy="2886840"/>
           </a:xfrm>
           <a:prstGeom prst="rect">
             <a:avLst/>
@@ -4980,7 +4974,7 @@
               </a:lnSpc>
             </a:pPr>
             <a:r>
-              <a:rPr b="0" lang="fr-FR" sz="6000" spc="-1" strike="noStrike">
+              <a:rPr b="0" lang="en-US" sz="6000" spc="-1" strike="noStrike">
                 <a:solidFill>
                   <a:srgbClr val="ffffff"/>
                 </a:solidFill>
@@ -4989,7 +4983,7 @@
               </a:rPr>
               <a:t>Le projet « Git-moi tout »</a:t>
             </a:r>
-            <a:endParaRPr b="0" lang="fr-FR" sz="6000" spc="-1" strike="noStrike">
+            <a:endParaRPr b="0" lang="en-US" sz="6000" spc="-1" strike="noStrike">
               <a:latin typeface="Arial"/>
             </a:endParaRPr>
           </a:p>
@@ -5004,7 +4998,7 @@
         <p:spPr>
           <a:xfrm>
             <a:off x="6746760" y="4750920"/>
-            <a:ext cx="4643280" cy="1146240"/>
+            <a:ext cx="4642920" cy="1145880"/>
           </a:xfrm>
           <a:prstGeom prst="rect">
             <a:avLst/>
@@ -5034,7 +5028,7 @@
               </a:spcBef>
             </a:pPr>
             <a:r>
-              <a:rPr b="0" lang="fr-FR" sz="2000" spc="-1" strike="noStrike">
+              <a:rPr b="0" lang="en-US" sz="2000" spc="-1" strike="noStrike">
                 <a:solidFill>
                   <a:srgbClr val="ffffff"/>
                 </a:solidFill>
@@ -5043,7 +5037,7 @@
               </a:rPr>
               <a:t>Le répertoire pour tout savoir sur GIT</a:t>
             </a:r>
-            <a:endParaRPr b="0" lang="fr-FR" sz="2000" spc="-1" strike="noStrike">
+            <a:endParaRPr b="0" lang="en-US" sz="2000" spc="-1" strike="noStrike">
               <a:latin typeface="Arial"/>
             </a:endParaRPr>
           </a:p>
@@ -5057,8 +5051,8 @@
         </p:nvSpPr>
         <p:spPr>
           <a:xfrm flipH="1">
-            <a:off x="-1440" y="0"/>
-            <a:ext cx="6171120" cy="6856200"/>
+            <a:off x="-2160" y="0"/>
+            <a:ext cx="6170760" cy="6855840"/>
           </a:xfrm>
           <a:custGeom>
             <a:avLst/>
@@ -5129,7 +5123,7 @@
         <p:spPr>
           <a:xfrm>
             <a:off x="0" y="0"/>
-            <a:ext cx="6022440" cy="6856200"/>
+            <a:ext cx="6022080" cy="6855840"/>
           </a:xfrm>
           <a:custGeom>
             <a:avLst/>
@@ -5202,7 +5196,7 @@
         <p:spPr>
           <a:xfrm>
             <a:off x="419400" y="721080"/>
-            <a:ext cx="4046040" cy="4046040"/>
+            <a:ext cx="4045680" cy="4045680"/>
           </a:xfrm>
           <a:prstGeom prst="rect">
             <a:avLst/>
@@ -5258,7 +5252,7 @@
         <p:spPr>
           <a:xfrm>
             <a:off x="0" y="0"/>
-            <a:ext cx="4652640" cy="6856200"/>
+            <a:ext cx="4652280" cy="6855840"/>
           </a:xfrm>
           <a:prstGeom prst="rect">
             <a:avLst/>
@@ -5289,7 +5283,7 @@
         <p:spPr>
           <a:xfrm>
             <a:off x="643320" y="643320"/>
-            <a:ext cx="3362040" cy="1595520"/>
+            <a:ext cx="3361680" cy="1595160"/>
           </a:xfrm>
           <a:prstGeom prst="rect">
             <a:avLst/>
@@ -5319,7 +5313,7 @@
               </a:lnSpc>
             </a:pPr>
             <a:r>
-              <a:rPr b="0" lang="fr-FR" sz="2800" spc="-1" strike="noStrike">
+              <a:rPr b="0" lang="en-US" sz="2800" spc="-1" strike="noStrike">
                 <a:solidFill>
                   <a:srgbClr val="ffffff"/>
                 </a:solidFill>
@@ -5328,7 +5322,7 @@
               </a:rPr>
               <a:t>Le but du projet « GIT-moi-tout »</a:t>
             </a:r>
-            <a:endParaRPr b="0" lang="fr-FR" sz="2800" spc="-1" strike="noStrike">
+            <a:endParaRPr b="0" lang="en-US" sz="2800" spc="-1" strike="noStrike">
               <a:latin typeface="Arial"/>
             </a:endParaRPr>
           </a:p>
@@ -5343,7 +5337,7 @@
         <p:spPr>
           <a:xfrm>
             <a:off x="643320" y="2638080"/>
-            <a:ext cx="3362040" cy="3413880"/>
+            <a:ext cx="3361680" cy="3413520"/>
           </a:xfrm>
           <a:prstGeom prst="rect">
             <a:avLst/>
@@ -5373,7 +5367,7 @@
               </a:spcBef>
             </a:pPr>
             <a:r>
-              <a:rPr b="0" lang="fr-FR" sz="1700" spc="-1" strike="noStrike">
+              <a:rPr b="0" lang="en-US" sz="1700" spc="-1" strike="noStrike">
                 <a:solidFill>
                   <a:srgbClr val="ffffff"/>
                 </a:solidFill>
@@ -5382,12 +5376,12 @@
               </a:rPr>
               <a:t>Permettre aux novices et au moins novices de comprendre :</a:t>
             </a:r>
-            <a:endParaRPr b="0" lang="fr-FR" sz="1700" spc="-1" strike="noStrike">
-              <a:latin typeface="Arial"/>
-            </a:endParaRPr>
-          </a:p>
-          <a:p>
-            <a:pPr lvl="1" marL="685800" indent="-226800">
+            <a:endParaRPr b="0" lang="en-US" sz="1700" spc="-1" strike="noStrike">
+              <a:latin typeface="Arial"/>
+            </a:endParaRPr>
+          </a:p>
+          <a:p>
+            <a:pPr lvl="1" marL="685800" indent="-226440">
               <a:lnSpc>
                 <a:spcPct val="90000"/>
               </a:lnSpc>
@@ -5401,7 +5395,7 @@
               <a:buChar char="•"/>
             </a:pPr>
             <a:r>
-              <a:rPr b="0" lang="fr-FR" sz="1700" spc="-1" strike="noStrike">
+              <a:rPr b="0" lang="en-US" sz="1700" spc="-1" strike="noStrike">
                 <a:solidFill>
                   <a:srgbClr val="ffffff"/>
                 </a:solidFill>
@@ -5410,12 +5404,12 @@
               </a:rPr>
               <a:t>C’est quoi GIT et pour quel usage ?</a:t>
             </a:r>
-            <a:endParaRPr b="0" lang="fr-FR" sz="1700" spc="-1" strike="noStrike">
-              <a:latin typeface="Arial"/>
-            </a:endParaRPr>
-          </a:p>
-          <a:p>
-            <a:pPr lvl="1" marL="685800" indent="-226800">
+            <a:endParaRPr b="0" lang="en-US" sz="1700" spc="-1" strike="noStrike">
+              <a:latin typeface="Arial"/>
+            </a:endParaRPr>
+          </a:p>
+          <a:p>
+            <a:pPr lvl="1" marL="685800" indent="-226440">
               <a:lnSpc>
                 <a:spcPct val="90000"/>
               </a:lnSpc>
@@ -5429,7 +5423,7 @@
               <a:buChar char="•"/>
             </a:pPr>
             <a:r>
-              <a:rPr b="0" lang="fr-FR" sz="1700" spc="-1" strike="noStrike">
+              <a:rPr b="0" lang="en-US" sz="1700" spc="-1" strike="noStrike">
                 <a:solidFill>
                   <a:srgbClr val="ffffff"/>
                 </a:solidFill>
@@ -5438,12 +5432,12 @@
               </a:rPr>
               <a:t>Comment fonctionne-t-il?</a:t>
             </a:r>
-            <a:endParaRPr b="0" lang="fr-FR" sz="1700" spc="-1" strike="noStrike">
-              <a:latin typeface="Arial"/>
-            </a:endParaRPr>
-          </a:p>
-          <a:p>
-            <a:pPr lvl="1" marL="685800" indent="-226800">
+            <a:endParaRPr b="0" lang="en-US" sz="1700" spc="-1" strike="noStrike">
+              <a:latin typeface="Arial"/>
+            </a:endParaRPr>
+          </a:p>
+          <a:p>
+            <a:pPr lvl="1" marL="685800" indent="-226440">
               <a:lnSpc>
                 <a:spcPct val="90000"/>
               </a:lnSpc>
@@ -5457,7 +5451,7 @@
               <a:buChar char="•"/>
             </a:pPr>
             <a:r>
-              <a:rPr b="0" lang="fr-FR" sz="1700" spc="-1" strike="noStrike">
+              <a:rPr b="0" lang="en-US" sz="1700" spc="-1" strike="noStrike">
                 <a:solidFill>
                   <a:srgbClr val="ffffff"/>
                 </a:solidFill>
@@ -5466,12 +5460,12 @@
               </a:rPr>
               <a:t>Comment bien démarrer avec GIT</a:t>
             </a:r>
-            <a:endParaRPr b="0" lang="fr-FR" sz="1700" spc="-1" strike="noStrike">
-              <a:latin typeface="Arial"/>
-            </a:endParaRPr>
-          </a:p>
-          <a:p>
-            <a:pPr lvl="1" marL="685800" indent="-226800">
+            <a:endParaRPr b="0" lang="en-US" sz="1700" spc="-1" strike="noStrike">
+              <a:latin typeface="Arial"/>
+            </a:endParaRPr>
+          </a:p>
+          <a:p>
+            <a:pPr lvl="1" marL="685800" indent="-226440">
               <a:lnSpc>
                 <a:spcPct val="90000"/>
               </a:lnSpc>
@@ -5485,7 +5479,7 @@
               <a:buChar char="•"/>
             </a:pPr>
             <a:r>
-              <a:rPr b="0" lang="fr-FR" sz="1700" spc="-1" strike="noStrike">
+              <a:rPr b="0" lang="en-US" sz="1700" spc="-1" strike="noStrike">
                 <a:solidFill>
                   <a:srgbClr val="ffffff"/>
                 </a:solidFill>
@@ -5494,7 +5488,7 @@
               </a:rPr>
               <a:t>Répondre aux questions et au problèmes que l’ont se poser en utilisant GIT</a:t>
             </a:r>
-            <a:endParaRPr b="0" lang="fr-FR" sz="1700" spc="-1" strike="noStrike">
+            <a:endParaRPr b="0" lang="en-US" sz="1700" spc="-1" strike="noStrike">
               <a:latin typeface="Arial"/>
             </a:endParaRPr>
           </a:p>
@@ -5507,7 +5501,7 @@
                 <a:spcPts val="1001"/>
               </a:spcBef>
             </a:pPr>
-            <a:endParaRPr b="0" lang="fr-FR" sz="1700" spc="-1" strike="noStrike">
+            <a:endParaRPr b="0" lang="en-US" sz="1700" spc="-1" strike="noStrike">
               <a:latin typeface="Arial"/>
             </a:endParaRPr>
           </a:p>
@@ -5517,7 +5511,7 @@
                 <a:spcPct val="100000"/>
               </a:lnSpc>
             </a:pPr>
-            <a:endParaRPr b="0" lang="fr-FR" sz="1700" spc="-1" strike="noStrike">
+            <a:endParaRPr b="0" lang="en-US" sz="1700" spc="-1" strike="noStrike">
               <a:latin typeface="Arial"/>
             </a:endParaRPr>
           </a:p>
@@ -5536,7 +5530,7 @@
         <p:spPr>
           <a:xfrm>
             <a:off x="5198760" y="1295640"/>
-            <a:ext cx="6248880" cy="4686120"/>
+            <a:ext cx="6248520" cy="4685760"/>
           </a:xfrm>
           <a:prstGeom prst="rect">
             <a:avLst/>
@@ -5559,7 +5553,7 @@
         <p:spPr>
           <a:xfrm>
             <a:off x="11174040" y="137520"/>
-            <a:ext cx="1016280" cy="1010160"/>
+            <a:ext cx="1015920" cy="1009800"/>
           </a:xfrm>
           <a:prstGeom prst="rect">
             <a:avLst/>
@@ -5608,7 +5602,7 @@
         <p:spPr>
           <a:xfrm>
             <a:off x="838080" y="1825560"/>
-            <a:ext cx="10513800" cy="4349520"/>
+            <a:ext cx="10513440" cy="4349160"/>
           </a:xfrm>
           <a:prstGeom prst="rect">
             <a:avLst/>
@@ -5634,7 +5628,7 @@
         <p:spPr>
           <a:xfrm>
             <a:off x="8352000" y="2664000"/>
-            <a:ext cx="3238560" cy="3017160"/>
+            <a:ext cx="3238200" cy="3017160"/>
           </a:xfrm>
           <a:prstGeom prst="rect">
             <a:avLst/>
@@ -5661,7 +5655,7 @@
               </a:lnSpc>
             </a:pPr>
             <a:r>
-              <a:rPr b="1" lang="fr-FR" sz="1800" spc="-1" strike="noStrike" u="sng">
+              <a:rPr b="1" lang="en-US" sz="1800" spc="-1" strike="noStrike" u="sng">
                 <a:solidFill>
                   <a:srgbClr val="ffffff"/>
                 </a:solidFill>
@@ -5671,7 +5665,7 @@
               </a:rPr>
               <a:t>Home : Présentation de Git.</a:t>
             </a:r>
-            <a:endParaRPr b="0" lang="fr-FR" sz="1800" spc="-1" strike="noStrike">
+            <a:endParaRPr b="0" lang="en-US" sz="1800" spc="-1" strike="noStrike">
               <a:latin typeface="Arial"/>
             </a:endParaRPr>
           </a:p>
@@ -5681,7 +5675,7 @@
                 <a:spcPct val="100000"/>
               </a:lnSpc>
             </a:pPr>
-            <a:endParaRPr b="0" lang="fr-FR" sz="1800" spc="-1" strike="noStrike">
+            <a:endParaRPr b="0" lang="en-US" sz="1800" spc="-1" strike="noStrike">
               <a:latin typeface="Arial"/>
             </a:endParaRPr>
           </a:p>
@@ -5692,7 +5686,7 @@
               </a:lnSpc>
             </a:pPr>
             <a:r>
-              <a:rPr b="1" lang="fr-FR" sz="1800" spc="-1" strike="noStrike" u="sng">
+              <a:rPr b="1" lang="en-US" sz="1800" spc="-1" strike="noStrike" u="sng">
                 <a:solidFill>
                   <a:srgbClr val="ffffff"/>
                 </a:solidFill>
@@ -5702,7 +5696,7 @@
               </a:rPr>
               <a:t>Installation et Configuration.</a:t>
             </a:r>
-            <a:endParaRPr b="0" lang="fr-FR" sz="1800" spc="-1" strike="noStrike">
+            <a:endParaRPr b="0" lang="en-US" sz="1800" spc="-1" strike="noStrike">
               <a:latin typeface="Arial"/>
             </a:endParaRPr>
           </a:p>
@@ -5712,7 +5706,7 @@
                 <a:spcPct val="100000"/>
               </a:lnSpc>
             </a:pPr>
-            <a:endParaRPr b="0" lang="fr-FR" sz="1800" spc="-1" strike="noStrike">
+            <a:endParaRPr b="0" lang="en-US" sz="1800" spc="-1" strike="noStrike">
               <a:latin typeface="Arial"/>
             </a:endParaRPr>
           </a:p>
@@ -5723,7 +5717,7 @@
               </a:lnSpc>
             </a:pPr>
             <a:r>
-              <a:rPr b="1" lang="fr-FR" sz="1800" spc="-1" strike="noStrike" u="sng">
+              <a:rPr b="1" lang="en-US" sz="1800" spc="-1" strike="noStrike" u="sng">
                 <a:solidFill>
                   <a:srgbClr val="ffffff"/>
                 </a:solidFill>
@@ -5733,7 +5727,7 @@
               </a:rPr>
               <a:t>Les Fonctionnalités.</a:t>
             </a:r>
-            <a:endParaRPr b="0" lang="fr-FR" sz="1800" spc="-1" strike="noStrike">
+            <a:endParaRPr b="0" lang="en-US" sz="1800" spc="-1" strike="noStrike">
               <a:latin typeface="Arial"/>
             </a:endParaRPr>
           </a:p>
@@ -5743,7 +5737,7 @@
                 <a:spcPct val="100000"/>
               </a:lnSpc>
             </a:pPr>
-            <a:endParaRPr b="0" lang="fr-FR" sz="1800" spc="-1" strike="noStrike">
+            <a:endParaRPr b="0" lang="en-US" sz="1800" spc="-1" strike="noStrike">
               <a:latin typeface="Arial"/>
             </a:endParaRPr>
           </a:p>
@@ -5754,7 +5748,7 @@
               </a:lnSpc>
             </a:pPr>
             <a:r>
-              <a:rPr b="1" lang="fr-FR" sz="1800" spc="-1" strike="noStrike" u="sng">
+              <a:rPr b="1" lang="en-US" sz="1800" spc="-1" strike="noStrike" u="sng">
                 <a:solidFill>
                   <a:srgbClr val="ffffff"/>
                 </a:solidFill>
@@ -5764,7 +5758,7 @@
               </a:rPr>
               <a:t>1 Erreur / 1 Solution</a:t>
             </a:r>
-            <a:endParaRPr b="0" lang="fr-FR" sz="1800" spc="-1" strike="noStrike">
+            <a:endParaRPr b="0" lang="en-US" sz="1800" spc="-1" strike="noStrike">
               <a:latin typeface="Arial"/>
             </a:endParaRPr>
           </a:p>
@@ -5774,7 +5768,7 @@
                 <a:spcPct val="100000"/>
               </a:lnSpc>
             </a:pPr>
-            <a:endParaRPr b="0" lang="fr-FR" sz="1800" spc="-1" strike="noStrike">
+            <a:endParaRPr b="0" lang="en-US" sz="1800" spc="-1" strike="noStrike">
               <a:latin typeface="Arial"/>
             </a:endParaRPr>
           </a:p>
@@ -5785,7 +5779,7 @@
               </a:lnSpc>
             </a:pPr>
             <a:r>
-              <a:rPr b="1" lang="fr-FR" sz="1800" spc="-1" strike="noStrike" u="sng">
+              <a:rPr b="1" lang="en-US" sz="1800" spc="-1" strike="noStrike" u="sng">
                 <a:solidFill>
                   <a:srgbClr val="ffffff"/>
                 </a:solidFill>
@@ -5795,7 +5789,7 @@
               </a:rPr>
               <a:t>Alimentation du Twitter</a:t>
             </a:r>
-            <a:endParaRPr b="0" lang="fr-FR" sz="1800" spc="-1" strike="noStrike">
+            <a:endParaRPr b="0" lang="en-US" sz="1800" spc="-1" strike="noStrike">
               <a:latin typeface="Arial"/>
             </a:endParaRPr>
           </a:p>
@@ -5805,7 +5799,7 @@
                 <a:spcPct val="100000"/>
               </a:lnSpc>
             </a:pPr>
-            <a:endParaRPr b="0" lang="fr-FR" sz="1800" spc="-1" strike="noStrike">
+            <a:endParaRPr b="0" lang="en-US" sz="1800" spc="-1" strike="noStrike">
               <a:latin typeface="Arial"/>
             </a:endParaRPr>
           </a:p>
@@ -5816,7 +5810,7 @@
               </a:lnSpc>
             </a:pPr>
             <a:r>
-              <a:rPr b="1" lang="fr-FR" sz="1800" spc="-1" strike="noStrike" u="sng">
+              <a:rPr b="1" lang="en-US" sz="1800" spc="-1" strike="noStrike" u="sng">
                 <a:solidFill>
                   <a:srgbClr val="ffffff"/>
                 </a:solidFill>
@@ -5826,7 +5820,7 @@
               </a:rPr>
               <a:t>FAQ</a:t>
             </a:r>
-            <a:endParaRPr b="0" lang="fr-FR" sz="1800" spc="-1" strike="noStrike">
+            <a:endParaRPr b="0" lang="en-US" sz="1800" spc="-1" strike="noStrike">
               <a:latin typeface="Arial"/>
             </a:endParaRPr>
           </a:p>
@@ -5845,7 +5839,7 @@
         <p:spPr>
           <a:xfrm>
             <a:off x="0" y="-4680"/>
-            <a:ext cx="12191400" cy="6861960"/>
+            <a:ext cx="12191040" cy="6861600"/>
           </a:xfrm>
           <a:prstGeom prst="rect">
             <a:avLst/>
@@ -5894,7 +5888,7 @@
         <p:spPr>
           <a:xfrm>
             <a:off x="838080" y="365040"/>
-            <a:ext cx="10513800" cy="1323720"/>
+            <a:ext cx="10513440" cy="1323360"/>
           </a:xfrm>
           <a:prstGeom prst="rect">
             <a:avLst/>
@@ -5921,7 +5915,7 @@
               </a:lnSpc>
             </a:pPr>
             <a:r>
-              <a:rPr b="0" lang="fr-FR" sz="4400" spc="-1" strike="noStrike">
+              <a:rPr b="0" lang="en-US" sz="4400" spc="-1" strike="noStrike">
                 <a:solidFill>
                   <a:srgbClr val="000000"/>
                 </a:solidFill>
@@ -5930,7 +5924,7 @@
               </a:rPr>
               <a:t>Création de contenus  « Installation/Configuration »</a:t>
             </a:r>
-            <a:endParaRPr b="0" lang="fr-FR" sz="4400" spc="-1" strike="noStrike">
+            <a:endParaRPr b="0" lang="en-US" sz="4400" spc="-1" strike="noStrike">
               <a:latin typeface="Arial"/>
             </a:endParaRPr>
           </a:p>
@@ -5945,7 +5939,7 @@
         <p:spPr>
           <a:xfrm>
             <a:off x="838080" y="1825560"/>
-            <a:ext cx="10513800" cy="4349520"/>
+            <a:ext cx="10513440" cy="4349160"/>
           </a:xfrm>
           <a:prstGeom prst="rect">
             <a:avLst/>
@@ -5975,7 +5969,7 @@
         <p:spPr>
           <a:xfrm>
             <a:off x="10999080" y="174960"/>
-            <a:ext cx="1016280" cy="1010160"/>
+            <a:ext cx="1015920" cy="1009800"/>
           </a:xfrm>
           <a:prstGeom prst="rect">
             <a:avLst/>
@@ -6024,7 +6018,7 @@
         <p:spPr>
           <a:xfrm>
             <a:off x="838080" y="365040"/>
-            <a:ext cx="10513800" cy="1323720"/>
+            <a:ext cx="10513440" cy="1323360"/>
           </a:xfrm>
           <a:prstGeom prst="rect">
             <a:avLst/>
@@ -6051,7 +6045,7 @@
               </a:lnSpc>
             </a:pPr>
             <a:r>
-              <a:rPr b="0" lang="fr-FR" sz="4400" spc="-1" strike="noStrike">
+              <a:rPr b="0" lang="en-US" sz="4400" spc="-1" strike="noStrike">
                 <a:solidFill>
                   <a:srgbClr val="000000"/>
                 </a:solidFill>
@@ -6060,7 +6054,7 @@
               </a:rPr>
               <a:t>Création de contenus « Les fonctionnalités »</a:t>
             </a:r>
-            <a:endParaRPr b="0" lang="fr-FR" sz="4400" spc="-1" strike="noStrike">
+            <a:endParaRPr b="0" lang="en-US" sz="4400" spc="-1" strike="noStrike">
               <a:latin typeface="Arial"/>
             </a:endParaRPr>
           </a:p>
@@ -6075,7 +6069,7 @@
         <p:spPr>
           <a:xfrm>
             <a:off x="838080" y="1825560"/>
-            <a:ext cx="10513800" cy="4349520"/>
+            <a:ext cx="10513440" cy="4349160"/>
           </a:xfrm>
           <a:prstGeom prst="rect">
             <a:avLst/>
@@ -6105,7 +6099,7 @@
         <p:spPr>
           <a:xfrm>
             <a:off x="10999080" y="174960"/>
-            <a:ext cx="1016280" cy="1010160"/>
+            <a:ext cx="1015920" cy="1009800"/>
           </a:xfrm>
           <a:prstGeom prst="rect">
             <a:avLst/>
@@ -6154,7 +6148,7 @@
         <p:spPr>
           <a:xfrm>
             <a:off x="838080" y="365040"/>
-            <a:ext cx="10513800" cy="1323720"/>
+            <a:ext cx="10513440" cy="1323360"/>
           </a:xfrm>
           <a:prstGeom prst="rect">
             <a:avLst/>
@@ -6181,7 +6175,7 @@
               </a:lnSpc>
             </a:pPr>
             <a:r>
-              <a:rPr b="0" lang="fr-FR" sz="4400" spc="-1" strike="noStrike">
+              <a:rPr b="0" lang="en-US" sz="4400" spc="-1" strike="noStrike">
                 <a:solidFill>
                   <a:srgbClr val="000000"/>
                 </a:solidFill>
@@ -6190,7 +6184,7 @@
               </a:rPr>
               <a:t>Création de contenus pour « Alimentation Twitter »</a:t>
             </a:r>
-            <a:endParaRPr b="0" lang="fr-FR" sz="4400" spc="-1" strike="noStrike">
+            <a:endParaRPr b="0" lang="en-US" sz="4400" spc="-1" strike="noStrike">
               <a:latin typeface="Arial"/>
             </a:endParaRPr>
           </a:p>
@@ -6205,7 +6199,7 @@
         <p:spPr>
           <a:xfrm>
             <a:off x="838080" y="1825560"/>
-            <a:ext cx="10513800" cy="4349520"/>
+            <a:ext cx="10513440" cy="4349160"/>
           </a:xfrm>
           <a:prstGeom prst="rect">
             <a:avLst/>
@@ -6235,7 +6229,7 @@
         <p:spPr>
           <a:xfrm>
             <a:off x="11011680" y="15840"/>
-            <a:ext cx="1016280" cy="1010160"/>
+            <a:ext cx="1015920" cy="1009800"/>
           </a:xfrm>
           <a:prstGeom prst="rect">
             <a:avLst/>
@@ -6258,7 +6252,7 @@
         <p:spPr>
           <a:xfrm>
             <a:off x="360" y="1682640"/>
-            <a:ext cx="7593840" cy="5174640"/>
+            <a:ext cx="7593480" cy="5174280"/>
           </a:xfrm>
           <a:prstGeom prst="rect">
             <a:avLst/>
@@ -6276,8 +6270,8 @@
         </p:nvSpPr>
         <p:spPr>
           <a:xfrm rot="10800">
-            <a:off x="7485120" y="2324160"/>
-            <a:ext cx="4703400" cy="3899520"/>
+            <a:off x="7484760" y="2324160"/>
+            <a:ext cx="4703040" cy="3899160"/>
           </a:xfrm>
           <a:prstGeom prst="rect">
             <a:avLst/>
@@ -6304,7 +6298,7 @@
               </a:lnSpc>
             </a:pPr>
             <a:r>
-              <a:rPr b="0" lang="fr-FR" sz="3200" spc="-1" strike="noStrike">
+              <a:rPr b="0" lang="en-US" sz="3200" spc="-1" strike="noStrike">
                 <a:solidFill>
                   <a:srgbClr val="000000"/>
                 </a:solidFill>
@@ -6313,7 +6307,7 @@
               </a:rPr>
               <a:t>Alors voilà on à eu l’idée (enfin on a piqué l’idée sur le compte twitter de la photo de gauche), de faire des petits sondage, poser des questions, tweeter des liens du futur blog.</a:t>
             </a:r>
-            <a:endParaRPr b="0" lang="fr-FR" sz="3200" spc="-1" strike="noStrike">
+            <a:endParaRPr b="0" lang="en-US" sz="3200" spc="-1" strike="noStrike">
               <a:latin typeface="Arial"/>
             </a:endParaRPr>
           </a:p>
@@ -6358,7 +6352,7 @@
         <p:spPr>
           <a:xfrm>
             <a:off x="838080" y="365040"/>
-            <a:ext cx="10513800" cy="1323720"/>
+            <a:ext cx="10513440" cy="1323360"/>
           </a:xfrm>
           <a:prstGeom prst="rect">
             <a:avLst/>
@@ -6385,7 +6379,7 @@
               </a:lnSpc>
             </a:pPr>
             <a:r>
-              <a:rPr b="0" lang="fr-FR" sz="4400" spc="-1" strike="noStrike">
+              <a:rPr b="0" lang="en-US" sz="4400" spc="-1" strike="noStrike">
                 <a:solidFill>
                   <a:srgbClr val="000000"/>
                 </a:solidFill>
@@ -6394,7 +6388,7 @@
               </a:rPr>
               <a:t>Création de contenus « 1 Erreur / 1 Solution »</a:t>
             </a:r>
-            <a:endParaRPr b="0" lang="fr-FR" sz="4400" spc="-1" strike="noStrike">
+            <a:endParaRPr b="0" lang="en-US" sz="4400" spc="-1" strike="noStrike">
               <a:latin typeface="Arial"/>
             </a:endParaRPr>
           </a:p>
@@ -6409,7 +6403,7 @@
         <p:spPr>
           <a:xfrm>
             <a:off x="838080" y="1825560"/>
-            <a:ext cx="10513800" cy="4349520"/>
+            <a:ext cx="10513440" cy="4349160"/>
           </a:xfrm>
           <a:prstGeom prst="rect">
             <a:avLst/>
@@ -6439,7 +6433,30 @@
         <p:spPr>
           <a:xfrm>
             <a:off x="11075040" y="15840"/>
-            <a:ext cx="1016280" cy="1010160"/>
+            <a:ext cx="1015920" cy="1009800"/>
+          </a:xfrm>
+          <a:prstGeom prst="rect">
+            <a:avLst/>
+          </a:prstGeom>
+          <a:ln>
+            <a:noFill/>
+          </a:ln>
+        </p:spPr>
+      </p:pic>
+      <p:pic>
+        <p:nvPicPr>
+          <p:cNvPr id="142" name="" descr=""/>
+          <p:cNvPicPr/>
+          <p:nvPr/>
+        </p:nvPicPr>
+        <p:blipFill>
+          <a:blip r:embed="rId2"/>
+          <a:stretch/>
+        </p:blipFill>
+        <p:spPr>
+          <a:xfrm>
+            <a:off x="2800440" y="1653480"/>
+            <a:ext cx="6800400" cy="5133600"/>
           </a:xfrm>
           <a:prstGeom prst="rect">
             <a:avLst/>
@@ -6481,14 +6498,14 @@
       </p:grpSpPr>
       <p:sp>
         <p:nvSpPr>
-          <p:cNvPr id="142" name="CustomShape 1"/>
+          <p:cNvPr id="143" name="CustomShape 1"/>
           <p:cNvSpPr/>
           <p:nvPr/>
         </p:nvSpPr>
         <p:spPr>
           <a:xfrm>
             <a:off x="838080" y="365040"/>
-            <a:ext cx="10513800" cy="1323720"/>
+            <a:ext cx="10513440" cy="1323360"/>
           </a:xfrm>
           <a:prstGeom prst="rect">
             <a:avLst/>
@@ -6515,7 +6532,7 @@
               </a:lnSpc>
             </a:pPr>
             <a:r>
-              <a:rPr b="0" lang="fr-FR" sz="4400" spc="-1" strike="noStrike">
+              <a:rPr b="0" lang="en-US" sz="4400" spc="-1" strike="noStrike">
                 <a:solidFill>
                   <a:srgbClr val="000000"/>
                 </a:solidFill>
@@ -6524,22 +6541,22 @@
               </a:rPr>
               <a:t>Création d’un contenue « FAQ »</a:t>
             </a:r>
-            <a:endParaRPr b="0" lang="fr-FR" sz="4400" spc="-1" strike="noStrike">
-              <a:latin typeface="Arial"/>
-            </a:endParaRPr>
-          </a:p>
-        </p:txBody>
-      </p:sp>
-      <p:sp>
-        <p:nvSpPr>
-          <p:cNvPr id="143" name="CustomShape 2"/>
+            <a:endParaRPr b="0" lang="en-US" sz="4400" spc="-1" strike="noStrike">
+              <a:latin typeface="Arial"/>
+            </a:endParaRPr>
+          </a:p>
+        </p:txBody>
+      </p:sp>
+      <p:sp>
+        <p:nvSpPr>
+          <p:cNvPr id="144" name="CustomShape 2"/>
           <p:cNvSpPr/>
           <p:nvPr/>
         </p:nvSpPr>
         <p:spPr>
           <a:xfrm>
             <a:off x="838080" y="1825560"/>
-            <a:ext cx="10513800" cy="4349520"/>
+            <a:ext cx="10513440" cy="4349160"/>
           </a:xfrm>
           <a:prstGeom prst="rect">
             <a:avLst/>
@@ -6558,7 +6575,7 @@
       </p:sp>
       <p:pic>
         <p:nvPicPr>
-          <p:cNvPr id="144" name="Image 4" descr=""/>
+          <p:cNvPr id="145" name="Image 4" descr=""/>
           <p:cNvPicPr/>
           <p:nvPr/>
         </p:nvPicPr>
@@ -6569,7 +6586,7 @@
         <p:spPr>
           <a:xfrm>
             <a:off x="11075040" y="15840"/>
-            <a:ext cx="1016280" cy="1010160"/>
+            <a:ext cx="1015920" cy="1009800"/>
           </a:xfrm>
           <a:prstGeom prst="rect">
             <a:avLst/>
@@ -6581,7 +6598,7 @@
       </p:pic>
       <p:pic>
         <p:nvPicPr>
-          <p:cNvPr id="145" name="" descr=""/>
+          <p:cNvPr id="146" name="" descr=""/>
           <p:cNvPicPr/>
           <p:nvPr/>
         </p:nvPicPr>
@@ -6592,7 +6609,7 @@
         <p:spPr>
           <a:xfrm>
             <a:off x="1512000" y="1465200"/>
-            <a:ext cx="7953120" cy="5086800"/>
+            <a:ext cx="7952760" cy="5086440"/>
           </a:xfrm>
           <a:prstGeom prst="rect">
             <a:avLst/>

--- a/GIT-moi-tout.pptx
+++ b/GIT-moi-tout.pptx
@@ -85,7 +85,7 @@
           </a:bodyPr>
           <a:p>
             <a:pPr algn="ctr"/>
-            <a:endParaRPr b="0" lang="en-US" sz="4400" spc="-1" strike="noStrike">
+            <a:endParaRPr b="0" lang="fr-FR" sz="4400" spc="-1" strike="noStrike">
               <a:latin typeface="Arial"/>
             </a:endParaRPr>
           </a:p>
@@ -115,7 +115,7 @@
             <a:normAutofit/>
           </a:bodyPr>
           <a:p>
-            <a:endParaRPr b="0" lang="en-US" sz="3200" spc="-1" strike="noStrike">
+            <a:endParaRPr b="0" lang="fr-FR" sz="3200" spc="-1" strike="noStrike">
               <a:latin typeface="Arial"/>
             </a:endParaRPr>
           </a:p>
@@ -145,7 +145,7 @@
             <a:normAutofit/>
           </a:bodyPr>
           <a:p>
-            <a:endParaRPr b="0" lang="en-US" sz="3200" spc="-1" strike="noStrike">
+            <a:endParaRPr b="0" lang="fr-FR" sz="3200" spc="-1" strike="noStrike">
               <a:latin typeface="Arial"/>
             </a:endParaRPr>
           </a:p>
@@ -198,7 +198,7 @@
           </a:bodyPr>
           <a:p>
             <a:pPr algn="ctr"/>
-            <a:endParaRPr b="0" lang="en-US" sz="4400" spc="-1" strike="noStrike">
+            <a:endParaRPr b="0" lang="fr-FR" sz="4400" spc="-1" strike="noStrike">
               <a:latin typeface="Arial"/>
             </a:endParaRPr>
           </a:p>
@@ -228,7 +228,7 @@
             <a:normAutofit/>
           </a:bodyPr>
           <a:p>
-            <a:endParaRPr b="0" lang="en-US" sz="3200" spc="-1" strike="noStrike">
+            <a:endParaRPr b="0" lang="fr-FR" sz="3200" spc="-1" strike="noStrike">
               <a:latin typeface="Arial"/>
             </a:endParaRPr>
           </a:p>
@@ -258,7 +258,7 @@
             <a:normAutofit/>
           </a:bodyPr>
           <a:p>
-            <a:endParaRPr b="0" lang="en-US" sz="3200" spc="-1" strike="noStrike">
+            <a:endParaRPr b="0" lang="fr-FR" sz="3200" spc="-1" strike="noStrike">
               <a:latin typeface="Arial"/>
             </a:endParaRPr>
           </a:p>
@@ -288,7 +288,7 @@
             <a:normAutofit/>
           </a:bodyPr>
           <a:p>
-            <a:endParaRPr b="0" lang="en-US" sz="3200" spc="-1" strike="noStrike">
+            <a:endParaRPr b="0" lang="fr-FR" sz="3200" spc="-1" strike="noStrike">
               <a:latin typeface="Arial"/>
             </a:endParaRPr>
           </a:p>
@@ -318,7 +318,7 @@
             <a:normAutofit/>
           </a:bodyPr>
           <a:p>
-            <a:endParaRPr b="0" lang="en-US" sz="3200" spc="-1" strike="noStrike">
+            <a:endParaRPr b="0" lang="fr-FR" sz="3200" spc="-1" strike="noStrike">
               <a:latin typeface="Arial"/>
             </a:endParaRPr>
           </a:p>
@@ -371,7 +371,7 @@
           </a:bodyPr>
           <a:p>
             <a:pPr algn="ctr"/>
-            <a:endParaRPr b="0" lang="en-US" sz="4400" spc="-1" strike="noStrike">
+            <a:endParaRPr b="0" lang="fr-FR" sz="4400" spc="-1" strike="noStrike">
               <a:latin typeface="Arial"/>
             </a:endParaRPr>
           </a:p>
@@ -401,7 +401,7 @@
             <a:normAutofit/>
           </a:bodyPr>
           <a:p>
-            <a:endParaRPr b="0" lang="en-US" sz="3200" spc="-1" strike="noStrike">
+            <a:endParaRPr b="0" lang="fr-FR" sz="3200" spc="-1" strike="noStrike">
               <a:latin typeface="Arial"/>
             </a:endParaRPr>
           </a:p>
@@ -431,7 +431,7 @@
             <a:normAutofit/>
           </a:bodyPr>
           <a:p>
-            <a:endParaRPr b="0" lang="en-US" sz="3200" spc="-1" strike="noStrike">
+            <a:endParaRPr b="0" lang="fr-FR" sz="3200" spc="-1" strike="noStrike">
               <a:latin typeface="Arial"/>
             </a:endParaRPr>
           </a:p>
@@ -461,7 +461,7 @@
             <a:normAutofit/>
           </a:bodyPr>
           <a:p>
-            <a:endParaRPr b="0" lang="en-US" sz="3200" spc="-1" strike="noStrike">
+            <a:endParaRPr b="0" lang="fr-FR" sz="3200" spc="-1" strike="noStrike">
               <a:latin typeface="Arial"/>
             </a:endParaRPr>
           </a:p>
@@ -491,7 +491,7 @@
             <a:normAutofit/>
           </a:bodyPr>
           <a:p>
-            <a:endParaRPr b="0" lang="en-US" sz="3200" spc="-1" strike="noStrike">
+            <a:endParaRPr b="0" lang="fr-FR" sz="3200" spc="-1" strike="noStrike">
               <a:latin typeface="Arial"/>
             </a:endParaRPr>
           </a:p>
@@ -521,7 +521,7 @@
             <a:normAutofit/>
           </a:bodyPr>
           <a:p>
-            <a:endParaRPr b="0" lang="en-US" sz="3200" spc="-1" strike="noStrike">
+            <a:endParaRPr b="0" lang="fr-FR" sz="3200" spc="-1" strike="noStrike">
               <a:latin typeface="Arial"/>
             </a:endParaRPr>
           </a:p>
@@ -551,7 +551,7 @@
             <a:normAutofit/>
           </a:bodyPr>
           <a:p>
-            <a:endParaRPr b="0" lang="en-US" sz="3200" spc="-1" strike="noStrike">
+            <a:endParaRPr b="0" lang="fr-FR" sz="3200" spc="-1" strike="noStrike">
               <a:latin typeface="Arial"/>
             </a:endParaRPr>
           </a:p>
@@ -626,7 +626,7 @@
           </a:bodyPr>
           <a:p>
             <a:pPr algn="ctr"/>
-            <a:endParaRPr b="0" lang="en-US" sz="4400" spc="-1" strike="noStrike">
+            <a:endParaRPr b="0" lang="fr-FR" sz="4400" spc="-1" strike="noStrike">
               <a:latin typeface="Arial"/>
             </a:endParaRPr>
           </a:p>
@@ -657,7 +657,7 @@
           </a:bodyPr>
           <a:p>
             <a:pPr algn="ctr"/>
-            <a:endParaRPr b="0" lang="en-US" sz="3200" spc="-1" strike="noStrike">
+            <a:endParaRPr b="0" lang="fr-FR" sz="3200" spc="-1" strike="noStrike">
               <a:latin typeface="Arial"/>
             </a:endParaRPr>
           </a:p>
@@ -710,7 +710,7 @@
           </a:bodyPr>
           <a:p>
             <a:pPr algn="ctr"/>
-            <a:endParaRPr b="0" lang="en-US" sz="4400" spc="-1" strike="noStrike">
+            <a:endParaRPr b="0" lang="fr-FR" sz="4400" spc="-1" strike="noStrike">
               <a:latin typeface="Arial"/>
             </a:endParaRPr>
           </a:p>
@@ -740,7 +740,7 @@
             <a:normAutofit/>
           </a:bodyPr>
           <a:p>
-            <a:endParaRPr b="0" lang="en-US" sz="3200" spc="-1" strike="noStrike">
+            <a:endParaRPr b="0" lang="fr-FR" sz="3200" spc="-1" strike="noStrike">
               <a:latin typeface="Arial"/>
             </a:endParaRPr>
           </a:p>
@@ -793,7 +793,7 @@
           </a:bodyPr>
           <a:p>
             <a:pPr algn="ctr"/>
-            <a:endParaRPr b="0" lang="en-US" sz="4400" spc="-1" strike="noStrike">
+            <a:endParaRPr b="0" lang="fr-FR" sz="4400" spc="-1" strike="noStrike">
               <a:latin typeface="Arial"/>
             </a:endParaRPr>
           </a:p>
@@ -823,7 +823,7 @@
             <a:normAutofit/>
           </a:bodyPr>
           <a:p>
-            <a:endParaRPr b="0" lang="en-US" sz="3200" spc="-1" strike="noStrike">
+            <a:endParaRPr b="0" lang="fr-FR" sz="3200" spc="-1" strike="noStrike">
               <a:latin typeface="Arial"/>
             </a:endParaRPr>
           </a:p>
@@ -853,7 +853,7 @@
             <a:normAutofit/>
           </a:bodyPr>
           <a:p>
-            <a:endParaRPr b="0" lang="en-US" sz="3200" spc="-1" strike="noStrike">
+            <a:endParaRPr b="0" lang="fr-FR" sz="3200" spc="-1" strike="noStrike">
               <a:latin typeface="Arial"/>
             </a:endParaRPr>
           </a:p>
@@ -906,7 +906,7 @@
           </a:bodyPr>
           <a:p>
             <a:pPr algn="ctr"/>
-            <a:endParaRPr b="0" lang="en-US" sz="4400" spc="-1" strike="noStrike">
+            <a:endParaRPr b="0" lang="fr-FR" sz="4400" spc="-1" strike="noStrike">
               <a:latin typeface="Arial"/>
             </a:endParaRPr>
           </a:p>
@@ -959,7 +959,7 @@
           </a:bodyPr>
           <a:p>
             <a:pPr algn="ctr"/>
-            <a:endParaRPr b="0" lang="en-US" sz="3200" spc="-1" strike="noStrike">
+            <a:endParaRPr b="0" lang="fr-FR" sz="3200" spc="-1" strike="noStrike">
               <a:latin typeface="Arial"/>
             </a:endParaRPr>
           </a:p>
@@ -1012,7 +1012,7 @@
           </a:bodyPr>
           <a:p>
             <a:pPr algn="ctr"/>
-            <a:endParaRPr b="0" lang="en-US" sz="4400" spc="-1" strike="noStrike">
+            <a:endParaRPr b="0" lang="fr-FR" sz="4400" spc="-1" strike="noStrike">
               <a:latin typeface="Arial"/>
             </a:endParaRPr>
           </a:p>
@@ -1042,7 +1042,7 @@
             <a:normAutofit/>
           </a:bodyPr>
           <a:p>
-            <a:endParaRPr b="0" lang="en-US" sz="3200" spc="-1" strike="noStrike">
+            <a:endParaRPr b="0" lang="fr-FR" sz="3200" spc="-1" strike="noStrike">
               <a:latin typeface="Arial"/>
             </a:endParaRPr>
           </a:p>
@@ -1072,7 +1072,7 @@
             <a:normAutofit/>
           </a:bodyPr>
           <a:p>
-            <a:endParaRPr b="0" lang="en-US" sz="3200" spc="-1" strike="noStrike">
+            <a:endParaRPr b="0" lang="fr-FR" sz="3200" spc="-1" strike="noStrike">
               <a:latin typeface="Arial"/>
             </a:endParaRPr>
           </a:p>
@@ -1102,7 +1102,7 @@
             <a:normAutofit/>
           </a:bodyPr>
           <a:p>
-            <a:endParaRPr b="0" lang="en-US" sz="3200" spc="-1" strike="noStrike">
+            <a:endParaRPr b="0" lang="fr-FR" sz="3200" spc="-1" strike="noStrike">
               <a:latin typeface="Arial"/>
             </a:endParaRPr>
           </a:p>
@@ -1155,7 +1155,7 @@
           </a:bodyPr>
           <a:p>
             <a:pPr algn="ctr"/>
-            <a:endParaRPr b="0" lang="en-US" sz="4400" spc="-1" strike="noStrike">
+            <a:endParaRPr b="0" lang="fr-FR" sz="4400" spc="-1" strike="noStrike">
               <a:latin typeface="Arial"/>
             </a:endParaRPr>
           </a:p>
@@ -1186,7 +1186,7 @@
           </a:bodyPr>
           <a:p>
             <a:pPr algn="ctr"/>
-            <a:endParaRPr b="0" lang="en-US" sz="3200" spc="-1" strike="noStrike">
+            <a:endParaRPr b="0" lang="fr-FR" sz="3200" spc="-1" strike="noStrike">
               <a:latin typeface="Arial"/>
             </a:endParaRPr>
           </a:p>
@@ -1239,7 +1239,7 @@
           </a:bodyPr>
           <a:p>
             <a:pPr algn="ctr"/>
-            <a:endParaRPr b="0" lang="en-US" sz="4400" spc="-1" strike="noStrike">
+            <a:endParaRPr b="0" lang="fr-FR" sz="4400" spc="-1" strike="noStrike">
               <a:latin typeface="Arial"/>
             </a:endParaRPr>
           </a:p>
@@ -1269,7 +1269,7 @@
             <a:normAutofit/>
           </a:bodyPr>
           <a:p>
-            <a:endParaRPr b="0" lang="en-US" sz="3200" spc="-1" strike="noStrike">
+            <a:endParaRPr b="0" lang="fr-FR" sz="3200" spc="-1" strike="noStrike">
               <a:latin typeface="Arial"/>
             </a:endParaRPr>
           </a:p>
@@ -1299,7 +1299,7 @@
             <a:normAutofit/>
           </a:bodyPr>
           <a:p>
-            <a:endParaRPr b="0" lang="en-US" sz="3200" spc="-1" strike="noStrike">
+            <a:endParaRPr b="0" lang="fr-FR" sz="3200" spc="-1" strike="noStrike">
               <a:latin typeface="Arial"/>
             </a:endParaRPr>
           </a:p>
@@ -1329,7 +1329,7 @@
             <a:normAutofit/>
           </a:bodyPr>
           <a:p>
-            <a:endParaRPr b="0" lang="en-US" sz="3200" spc="-1" strike="noStrike">
+            <a:endParaRPr b="0" lang="fr-FR" sz="3200" spc="-1" strike="noStrike">
               <a:latin typeface="Arial"/>
             </a:endParaRPr>
           </a:p>
@@ -1382,7 +1382,7 @@
           </a:bodyPr>
           <a:p>
             <a:pPr algn="ctr"/>
-            <a:endParaRPr b="0" lang="en-US" sz="4400" spc="-1" strike="noStrike">
+            <a:endParaRPr b="0" lang="fr-FR" sz="4400" spc="-1" strike="noStrike">
               <a:latin typeface="Arial"/>
             </a:endParaRPr>
           </a:p>
@@ -1412,7 +1412,7 @@
             <a:normAutofit/>
           </a:bodyPr>
           <a:p>
-            <a:endParaRPr b="0" lang="en-US" sz="3200" spc="-1" strike="noStrike">
+            <a:endParaRPr b="0" lang="fr-FR" sz="3200" spc="-1" strike="noStrike">
               <a:latin typeface="Arial"/>
             </a:endParaRPr>
           </a:p>
@@ -1442,7 +1442,7 @@
             <a:normAutofit/>
           </a:bodyPr>
           <a:p>
-            <a:endParaRPr b="0" lang="en-US" sz="3200" spc="-1" strike="noStrike">
+            <a:endParaRPr b="0" lang="fr-FR" sz="3200" spc="-1" strike="noStrike">
               <a:latin typeface="Arial"/>
             </a:endParaRPr>
           </a:p>
@@ -1472,7 +1472,7 @@
             <a:normAutofit/>
           </a:bodyPr>
           <a:p>
-            <a:endParaRPr b="0" lang="en-US" sz="3200" spc="-1" strike="noStrike">
+            <a:endParaRPr b="0" lang="fr-FR" sz="3200" spc="-1" strike="noStrike">
               <a:latin typeface="Arial"/>
             </a:endParaRPr>
           </a:p>
@@ -1525,7 +1525,7 @@
           </a:bodyPr>
           <a:p>
             <a:pPr algn="ctr"/>
-            <a:endParaRPr b="0" lang="en-US" sz="4400" spc="-1" strike="noStrike">
+            <a:endParaRPr b="0" lang="fr-FR" sz="4400" spc="-1" strike="noStrike">
               <a:latin typeface="Arial"/>
             </a:endParaRPr>
           </a:p>
@@ -1555,7 +1555,7 @@
             <a:normAutofit/>
           </a:bodyPr>
           <a:p>
-            <a:endParaRPr b="0" lang="en-US" sz="3200" spc="-1" strike="noStrike">
+            <a:endParaRPr b="0" lang="fr-FR" sz="3200" spc="-1" strike="noStrike">
               <a:latin typeface="Arial"/>
             </a:endParaRPr>
           </a:p>
@@ -1585,7 +1585,7 @@
             <a:normAutofit/>
           </a:bodyPr>
           <a:p>
-            <a:endParaRPr b="0" lang="en-US" sz="3200" spc="-1" strike="noStrike">
+            <a:endParaRPr b="0" lang="fr-FR" sz="3200" spc="-1" strike="noStrike">
               <a:latin typeface="Arial"/>
             </a:endParaRPr>
           </a:p>
@@ -1638,7 +1638,7 @@
           </a:bodyPr>
           <a:p>
             <a:pPr algn="ctr"/>
-            <a:endParaRPr b="0" lang="en-US" sz="4400" spc="-1" strike="noStrike">
+            <a:endParaRPr b="0" lang="fr-FR" sz="4400" spc="-1" strike="noStrike">
               <a:latin typeface="Arial"/>
             </a:endParaRPr>
           </a:p>
@@ -1668,7 +1668,7 @@
             <a:normAutofit/>
           </a:bodyPr>
           <a:p>
-            <a:endParaRPr b="0" lang="en-US" sz="3200" spc="-1" strike="noStrike">
+            <a:endParaRPr b="0" lang="fr-FR" sz="3200" spc="-1" strike="noStrike">
               <a:latin typeface="Arial"/>
             </a:endParaRPr>
           </a:p>
@@ -1698,7 +1698,7 @@
             <a:normAutofit/>
           </a:bodyPr>
           <a:p>
-            <a:endParaRPr b="0" lang="en-US" sz="3200" spc="-1" strike="noStrike">
+            <a:endParaRPr b="0" lang="fr-FR" sz="3200" spc="-1" strike="noStrike">
               <a:latin typeface="Arial"/>
             </a:endParaRPr>
           </a:p>
@@ -1728,7 +1728,7 @@
             <a:normAutofit/>
           </a:bodyPr>
           <a:p>
-            <a:endParaRPr b="0" lang="en-US" sz="3200" spc="-1" strike="noStrike">
+            <a:endParaRPr b="0" lang="fr-FR" sz="3200" spc="-1" strike="noStrike">
               <a:latin typeface="Arial"/>
             </a:endParaRPr>
           </a:p>
@@ -1758,7 +1758,7 @@
             <a:normAutofit/>
           </a:bodyPr>
           <a:p>
-            <a:endParaRPr b="0" lang="en-US" sz="3200" spc="-1" strike="noStrike">
+            <a:endParaRPr b="0" lang="fr-FR" sz="3200" spc="-1" strike="noStrike">
               <a:latin typeface="Arial"/>
             </a:endParaRPr>
           </a:p>
@@ -1811,7 +1811,7 @@
           </a:bodyPr>
           <a:p>
             <a:pPr algn="ctr"/>
-            <a:endParaRPr b="0" lang="en-US" sz="4400" spc="-1" strike="noStrike">
+            <a:endParaRPr b="0" lang="fr-FR" sz="4400" spc="-1" strike="noStrike">
               <a:latin typeface="Arial"/>
             </a:endParaRPr>
           </a:p>
@@ -1841,7 +1841,7 @@
             <a:normAutofit/>
           </a:bodyPr>
           <a:p>
-            <a:endParaRPr b="0" lang="en-US" sz="3200" spc="-1" strike="noStrike">
+            <a:endParaRPr b="0" lang="fr-FR" sz="3200" spc="-1" strike="noStrike">
               <a:latin typeface="Arial"/>
             </a:endParaRPr>
           </a:p>
@@ -1871,7 +1871,7 @@
             <a:normAutofit/>
           </a:bodyPr>
           <a:p>
-            <a:endParaRPr b="0" lang="en-US" sz="3200" spc="-1" strike="noStrike">
+            <a:endParaRPr b="0" lang="fr-FR" sz="3200" spc="-1" strike="noStrike">
               <a:latin typeface="Arial"/>
             </a:endParaRPr>
           </a:p>
@@ -1901,7 +1901,7 @@
             <a:normAutofit/>
           </a:bodyPr>
           <a:p>
-            <a:endParaRPr b="0" lang="en-US" sz="3200" spc="-1" strike="noStrike">
+            <a:endParaRPr b="0" lang="fr-FR" sz="3200" spc="-1" strike="noStrike">
               <a:latin typeface="Arial"/>
             </a:endParaRPr>
           </a:p>
@@ -1931,7 +1931,7 @@
             <a:normAutofit/>
           </a:bodyPr>
           <a:p>
-            <a:endParaRPr b="0" lang="en-US" sz="3200" spc="-1" strike="noStrike">
+            <a:endParaRPr b="0" lang="fr-FR" sz="3200" spc="-1" strike="noStrike">
               <a:latin typeface="Arial"/>
             </a:endParaRPr>
           </a:p>
@@ -1961,7 +1961,7 @@
             <a:normAutofit/>
           </a:bodyPr>
           <a:p>
-            <a:endParaRPr b="0" lang="en-US" sz="3200" spc="-1" strike="noStrike">
+            <a:endParaRPr b="0" lang="fr-FR" sz="3200" spc="-1" strike="noStrike">
               <a:latin typeface="Arial"/>
             </a:endParaRPr>
           </a:p>
@@ -1991,7 +1991,7 @@
             <a:normAutofit/>
           </a:bodyPr>
           <a:p>
-            <a:endParaRPr b="0" lang="en-US" sz="3200" spc="-1" strike="noStrike">
+            <a:endParaRPr b="0" lang="fr-FR" sz="3200" spc="-1" strike="noStrike">
               <a:latin typeface="Arial"/>
             </a:endParaRPr>
           </a:p>
@@ -2066,7 +2066,7 @@
           </a:bodyPr>
           <a:p>
             <a:pPr algn="ctr"/>
-            <a:endParaRPr b="0" lang="en-US" sz="4400" spc="-1" strike="noStrike">
+            <a:endParaRPr b="0" lang="fr-FR" sz="4400" spc="-1" strike="noStrike">
               <a:latin typeface="Arial"/>
             </a:endParaRPr>
           </a:p>
@@ -2097,7 +2097,7 @@
           </a:bodyPr>
           <a:p>
             <a:pPr algn="ctr"/>
-            <a:endParaRPr b="0" lang="en-US" sz="3200" spc="-1" strike="noStrike">
+            <a:endParaRPr b="0" lang="fr-FR" sz="3200" spc="-1" strike="noStrike">
               <a:latin typeface="Arial"/>
             </a:endParaRPr>
           </a:p>
@@ -2150,7 +2150,7 @@
           </a:bodyPr>
           <a:p>
             <a:pPr algn="ctr"/>
-            <a:endParaRPr b="0" lang="en-US" sz="4400" spc="-1" strike="noStrike">
+            <a:endParaRPr b="0" lang="fr-FR" sz="4400" spc="-1" strike="noStrike">
               <a:latin typeface="Arial"/>
             </a:endParaRPr>
           </a:p>
@@ -2180,7 +2180,7 @@
             <a:normAutofit/>
           </a:bodyPr>
           <a:p>
-            <a:endParaRPr b="0" lang="en-US" sz="3200" spc="-1" strike="noStrike">
+            <a:endParaRPr b="0" lang="fr-FR" sz="3200" spc="-1" strike="noStrike">
               <a:latin typeface="Arial"/>
             </a:endParaRPr>
           </a:p>
@@ -2233,7 +2233,7 @@
           </a:bodyPr>
           <a:p>
             <a:pPr algn="ctr"/>
-            <a:endParaRPr b="0" lang="en-US" sz="4400" spc="-1" strike="noStrike">
+            <a:endParaRPr b="0" lang="fr-FR" sz="4400" spc="-1" strike="noStrike">
               <a:latin typeface="Arial"/>
             </a:endParaRPr>
           </a:p>
@@ -2263,7 +2263,7 @@
             <a:normAutofit/>
           </a:bodyPr>
           <a:p>
-            <a:endParaRPr b="0" lang="en-US" sz="3200" spc="-1" strike="noStrike">
+            <a:endParaRPr b="0" lang="fr-FR" sz="3200" spc="-1" strike="noStrike">
               <a:latin typeface="Arial"/>
             </a:endParaRPr>
           </a:p>
@@ -2293,7 +2293,7 @@
             <a:normAutofit/>
           </a:bodyPr>
           <a:p>
-            <a:endParaRPr b="0" lang="en-US" sz="3200" spc="-1" strike="noStrike">
+            <a:endParaRPr b="0" lang="fr-FR" sz="3200" spc="-1" strike="noStrike">
               <a:latin typeface="Arial"/>
             </a:endParaRPr>
           </a:p>
@@ -2346,7 +2346,7 @@
           </a:bodyPr>
           <a:p>
             <a:pPr algn="ctr"/>
-            <a:endParaRPr b="0" lang="en-US" sz="4400" spc="-1" strike="noStrike">
+            <a:endParaRPr b="0" lang="fr-FR" sz="4400" spc="-1" strike="noStrike">
               <a:latin typeface="Arial"/>
             </a:endParaRPr>
           </a:p>
@@ -2399,7 +2399,7 @@
           </a:bodyPr>
           <a:p>
             <a:pPr algn="ctr"/>
-            <a:endParaRPr b="0" lang="en-US" sz="4400" spc="-1" strike="noStrike">
+            <a:endParaRPr b="0" lang="fr-FR" sz="4400" spc="-1" strike="noStrike">
               <a:latin typeface="Arial"/>
             </a:endParaRPr>
           </a:p>
@@ -2429,7 +2429,7 @@
             <a:normAutofit/>
           </a:bodyPr>
           <a:p>
-            <a:endParaRPr b="0" lang="en-US" sz="3200" spc="-1" strike="noStrike">
+            <a:endParaRPr b="0" lang="fr-FR" sz="3200" spc="-1" strike="noStrike">
               <a:latin typeface="Arial"/>
             </a:endParaRPr>
           </a:p>
@@ -2482,7 +2482,7 @@
           </a:bodyPr>
           <a:p>
             <a:pPr algn="ctr"/>
-            <a:endParaRPr b="0" lang="en-US" sz="3200" spc="-1" strike="noStrike">
+            <a:endParaRPr b="0" lang="fr-FR" sz="3200" spc="-1" strike="noStrike">
               <a:latin typeface="Arial"/>
             </a:endParaRPr>
           </a:p>
@@ -2535,7 +2535,7 @@
           </a:bodyPr>
           <a:p>
             <a:pPr algn="ctr"/>
-            <a:endParaRPr b="0" lang="en-US" sz="4400" spc="-1" strike="noStrike">
+            <a:endParaRPr b="0" lang="fr-FR" sz="4400" spc="-1" strike="noStrike">
               <a:latin typeface="Arial"/>
             </a:endParaRPr>
           </a:p>
@@ -2565,7 +2565,7 @@
             <a:normAutofit/>
           </a:bodyPr>
           <a:p>
-            <a:endParaRPr b="0" lang="en-US" sz="3200" spc="-1" strike="noStrike">
+            <a:endParaRPr b="0" lang="fr-FR" sz="3200" spc="-1" strike="noStrike">
               <a:latin typeface="Arial"/>
             </a:endParaRPr>
           </a:p>
@@ -2595,7 +2595,7 @@
             <a:normAutofit/>
           </a:bodyPr>
           <a:p>
-            <a:endParaRPr b="0" lang="en-US" sz="3200" spc="-1" strike="noStrike">
+            <a:endParaRPr b="0" lang="fr-FR" sz="3200" spc="-1" strike="noStrike">
               <a:latin typeface="Arial"/>
             </a:endParaRPr>
           </a:p>
@@ -2625,7 +2625,7 @@
             <a:normAutofit/>
           </a:bodyPr>
           <a:p>
-            <a:endParaRPr b="0" lang="en-US" sz="3200" spc="-1" strike="noStrike">
+            <a:endParaRPr b="0" lang="fr-FR" sz="3200" spc="-1" strike="noStrike">
               <a:latin typeface="Arial"/>
             </a:endParaRPr>
           </a:p>
@@ -2678,7 +2678,7 @@
           </a:bodyPr>
           <a:p>
             <a:pPr algn="ctr"/>
-            <a:endParaRPr b="0" lang="en-US" sz="4400" spc="-1" strike="noStrike">
+            <a:endParaRPr b="0" lang="fr-FR" sz="4400" spc="-1" strike="noStrike">
               <a:latin typeface="Arial"/>
             </a:endParaRPr>
           </a:p>
@@ -2708,7 +2708,7 @@
             <a:normAutofit/>
           </a:bodyPr>
           <a:p>
-            <a:endParaRPr b="0" lang="en-US" sz="3200" spc="-1" strike="noStrike">
+            <a:endParaRPr b="0" lang="fr-FR" sz="3200" spc="-1" strike="noStrike">
               <a:latin typeface="Arial"/>
             </a:endParaRPr>
           </a:p>
@@ -2738,7 +2738,7 @@
             <a:normAutofit/>
           </a:bodyPr>
           <a:p>
-            <a:endParaRPr b="0" lang="en-US" sz="3200" spc="-1" strike="noStrike">
+            <a:endParaRPr b="0" lang="fr-FR" sz="3200" spc="-1" strike="noStrike">
               <a:latin typeface="Arial"/>
             </a:endParaRPr>
           </a:p>
@@ -2768,7 +2768,7 @@
             <a:normAutofit/>
           </a:bodyPr>
           <a:p>
-            <a:endParaRPr b="0" lang="en-US" sz="3200" spc="-1" strike="noStrike">
+            <a:endParaRPr b="0" lang="fr-FR" sz="3200" spc="-1" strike="noStrike">
               <a:latin typeface="Arial"/>
             </a:endParaRPr>
           </a:p>
@@ -2821,7 +2821,7 @@
           </a:bodyPr>
           <a:p>
             <a:pPr algn="ctr"/>
-            <a:endParaRPr b="0" lang="en-US" sz="4400" spc="-1" strike="noStrike">
+            <a:endParaRPr b="0" lang="fr-FR" sz="4400" spc="-1" strike="noStrike">
               <a:latin typeface="Arial"/>
             </a:endParaRPr>
           </a:p>
@@ -2851,7 +2851,7 @@
             <a:normAutofit/>
           </a:bodyPr>
           <a:p>
-            <a:endParaRPr b="0" lang="en-US" sz="3200" spc="-1" strike="noStrike">
+            <a:endParaRPr b="0" lang="fr-FR" sz="3200" spc="-1" strike="noStrike">
               <a:latin typeface="Arial"/>
             </a:endParaRPr>
           </a:p>
@@ -2881,7 +2881,7 @@
             <a:normAutofit/>
           </a:bodyPr>
           <a:p>
-            <a:endParaRPr b="0" lang="en-US" sz="3200" spc="-1" strike="noStrike">
+            <a:endParaRPr b="0" lang="fr-FR" sz="3200" spc="-1" strike="noStrike">
               <a:latin typeface="Arial"/>
             </a:endParaRPr>
           </a:p>
@@ -2911,7 +2911,7 @@
             <a:normAutofit/>
           </a:bodyPr>
           <a:p>
-            <a:endParaRPr b="0" lang="en-US" sz="3200" spc="-1" strike="noStrike">
+            <a:endParaRPr b="0" lang="fr-FR" sz="3200" spc="-1" strike="noStrike">
               <a:latin typeface="Arial"/>
             </a:endParaRPr>
           </a:p>
@@ -2964,7 +2964,7 @@
           </a:bodyPr>
           <a:p>
             <a:pPr algn="ctr"/>
-            <a:endParaRPr b="0" lang="en-US" sz="4400" spc="-1" strike="noStrike">
+            <a:endParaRPr b="0" lang="fr-FR" sz="4400" spc="-1" strike="noStrike">
               <a:latin typeface="Arial"/>
             </a:endParaRPr>
           </a:p>
@@ -2994,7 +2994,7 @@
             <a:normAutofit/>
           </a:bodyPr>
           <a:p>
-            <a:endParaRPr b="0" lang="en-US" sz="3200" spc="-1" strike="noStrike">
+            <a:endParaRPr b="0" lang="fr-FR" sz="3200" spc="-1" strike="noStrike">
               <a:latin typeface="Arial"/>
             </a:endParaRPr>
           </a:p>
@@ -3024,7 +3024,7 @@
             <a:normAutofit/>
           </a:bodyPr>
           <a:p>
-            <a:endParaRPr b="0" lang="en-US" sz="3200" spc="-1" strike="noStrike">
+            <a:endParaRPr b="0" lang="fr-FR" sz="3200" spc="-1" strike="noStrike">
               <a:latin typeface="Arial"/>
             </a:endParaRPr>
           </a:p>
@@ -3077,7 +3077,7 @@
           </a:bodyPr>
           <a:p>
             <a:pPr algn="ctr"/>
-            <a:endParaRPr b="0" lang="en-US" sz="4400" spc="-1" strike="noStrike">
+            <a:endParaRPr b="0" lang="fr-FR" sz="4400" spc="-1" strike="noStrike">
               <a:latin typeface="Arial"/>
             </a:endParaRPr>
           </a:p>
@@ -3107,7 +3107,7 @@
             <a:normAutofit/>
           </a:bodyPr>
           <a:p>
-            <a:endParaRPr b="0" lang="en-US" sz="3200" spc="-1" strike="noStrike">
+            <a:endParaRPr b="0" lang="fr-FR" sz="3200" spc="-1" strike="noStrike">
               <a:latin typeface="Arial"/>
             </a:endParaRPr>
           </a:p>
@@ -3137,7 +3137,7 @@
             <a:normAutofit/>
           </a:bodyPr>
           <a:p>
-            <a:endParaRPr b="0" lang="en-US" sz="3200" spc="-1" strike="noStrike">
+            <a:endParaRPr b="0" lang="fr-FR" sz="3200" spc="-1" strike="noStrike">
               <a:latin typeface="Arial"/>
             </a:endParaRPr>
           </a:p>
@@ -3167,7 +3167,7 @@
             <a:normAutofit/>
           </a:bodyPr>
           <a:p>
-            <a:endParaRPr b="0" lang="en-US" sz="3200" spc="-1" strike="noStrike">
+            <a:endParaRPr b="0" lang="fr-FR" sz="3200" spc="-1" strike="noStrike">
               <a:latin typeface="Arial"/>
             </a:endParaRPr>
           </a:p>
@@ -3197,7 +3197,7 @@
             <a:normAutofit/>
           </a:bodyPr>
           <a:p>
-            <a:endParaRPr b="0" lang="en-US" sz="3200" spc="-1" strike="noStrike">
+            <a:endParaRPr b="0" lang="fr-FR" sz="3200" spc="-1" strike="noStrike">
               <a:latin typeface="Arial"/>
             </a:endParaRPr>
           </a:p>
@@ -3250,7 +3250,7 @@
           </a:bodyPr>
           <a:p>
             <a:pPr algn="ctr"/>
-            <a:endParaRPr b="0" lang="en-US" sz="4400" spc="-1" strike="noStrike">
+            <a:endParaRPr b="0" lang="fr-FR" sz="4400" spc="-1" strike="noStrike">
               <a:latin typeface="Arial"/>
             </a:endParaRPr>
           </a:p>
@@ -3280,7 +3280,7 @@
             <a:normAutofit/>
           </a:bodyPr>
           <a:p>
-            <a:endParaRPr b="0" lang="en-US" sz="3200" spc="-1" strike="noStrike">
+            <a:endParaRPr b="0" lang="fr-FR" sz="3200" spc="-1" strike="noStrike">
               <a:latin typeface="Arial"/>
             </a:endParaRPr>
           </a:p>
@@ -3310,7 +3310,7 @@
             <a:normAutofit/>
           </a:bodyPr>
           <a:p>
-            <a:endParaRPr b="0" lang="en-US" sz="3200" spc="-1" strike="noStrike">
+            <a:endParaRPr b="0" lang="fr-FR" sz="3200" spc="-1" strike="noStrike">
               <a:latin typeface="Arial"/>
             </a:endParaRPr>
           </a:p>
@@ -3340,7 +3340,7 @@
             <a:normAutofit/>
           </a:bodyPr>
           <a:p>
-            <a:endParaRPr b="0" lang="en-US" sz="3200" spc="-1" strike="noStrike">
+            <a:endParaRPr b="0" lang="fr-FR" sz="3200" spc="-1" strike="noStrike">
               <a:latin typeface="Arial"/>
             </a:endParaRPr>
           </a:p>
@@ -3370,7 +3370,7 @@
             <a:normAutofit/>
           </a:bodyPr>
           <a:p>
-            <a:endParaRPr b="0" lang="en-US" sz="3200" spc="-1" strike="noStrike">
+            <a:endParaRPr b="0" lang="fr-FR" sz="3200" spc="-1" strike="noStrike">
               <a:latin typeface="Arial"/>
             </a:endParaRPr>
           </a:p>
@@ -3400,7 +3400,7 @@
             <a:normAutofit/>
           </a:bodyPr>
           <a:p>
-            <a:endParaRPr b="0" lang="en-US" sz="3200" spc="-1" strike="noStrike">
+            <a:endParaRPr b="0" lang="fr-FR" sz="3200" spc="-1" strike="noStrike">
               <a:latin typeface="Arial"/>
             </a:endParaRPr>
           </a:p>
@@ -3430,7 +3430,7 @@
             <a:normAutofit/>
           </a:bodyPr>
           <a:p>
-            <a:endParaRPr b="0" lang="en-US" sz="3200" spc="-1" strike="noStrike">
+            <a:endParaRPr b="0" lang="fr-FR" sz="3200" spc="-1" strike="noStrike">
               <a:latin typeface="Arial"/>
             </a:endParaRPr>
           </a:p>
@@ -3483,7 +3483,7 @@
           </a:bodyPr>
           <a:p>
             <a:pPr algn="ctr"/>
-            <a:endParaRPr b="0" lang="en-US" sz="4400" spc="-1" strike="noStrike">
+            <a:endParaRPr b="0" lang="fr-FR" sz="4400" spc="-1" strike="noStrike">
               <a:latin typeface="Arial"/>
             </a:endParaRPr>
           </a:p>
@@ -3513,7 +3513,7 @@
             <a:normAutofit/>
           </a:bodyPr>
           <a:p>
-            <a:endParaRPr b="0" lang="en-US" sz="3200" spc="-1" strike="noStrike">
+            <a:endParaRPr b="0" lang="fr-FR" sz="3200" spc="-1" strike="noStrike">
               <a:latin typeface="Arial"/>
             </a:endParaRPr>
           </a:p>
@@ -3543,7 +3543,7 @@
             <a:normAutofit/>
           </a:bodyPr>
           <a:p>
-            <a:endParaRPr b="0" lang="en-US" sz="3200" spc="-1" strike="noStrike">
+            <a:endParaRPr b="0" lang="fr-FR" sz="3200" spc="-1" strike="noStrike">
               <a:latin typeface="Arial"/>
             </a:endParaRPr>
           </a:p>
@@ -3596,7 +3596,7 @@
           </a:bodyPr>
           <a:p>
             <a:pPr algn="ctr"/>
-            <a:endParaRPr b="0" lang="en-US" sz="4400" spc="-1" strike="noStrike">
+            <a:endParaRPr b="0" lang="fr-FR" sz="4400" spc="-1" strike="noStrike">
               <a:latin typeface="Arial"/>
             </a:endParaRPr>
           </a:p>
@@ -3649,7 +3649,7 @@
           </a:bodyPr>
           <a:p>
             <a:pPr algn="ctr"/>
-            <a:endParaRPr b="0" lang="en-US" sz="3200" spc="-1" strike="noStrike">
+            <a:endParaRPr b="0" lang="fr-FR" sz="3200" spc="-1" strike="noStrike">
               <a:latin typeface="Arial"/>
             </a:endParaRPr>
           </a:p>
@@ -3702,7 +3702,7 @@
           </a:bodyPr>
           <a:p>
             <a:pPr algn="ctr"/>
-            <a:endParaRPr b="0" lang="en-US" sz="4400" spc="-1" strike="noStrike">
+            <a:endParaRPr b="0" lang="fr-FR" sz="4400" spc="-1" strike="noStrike">
               <a:latin typeface="Arial"/>
             </a:endParaRPr>
           </a:p>
@@ -3732,7 +3732,7 @@
             <a:normAutofit/>
           </a:bodyPr>
           <a:p>
-            <a:endParaRPr b="0" lang="en-US" sz="3200" spc="-1" strike="noStrike">
+            <a:endParaRPr b="0" lang="fr-FR" sz="3200" spc="-1" strike="noStrike">
               <a:latin typeface="Arial"/>
             </a:endParaRPr>
           </a:p>
@@ -3762,7 +3762,7 @@
             <a:normAutofit/>
           </a:bodyPr>
           <a:p>
-            <a:endParaRPr b="0" lang="en-US" sz="3200" spc="-1" strike="noStrike">
+            <a:endParaRPr b="0" lang="fr-FR" sz="3200" spc="-1" strike="noStrike">
               <a:latin typeface="Arial"/>
             </a:endParaRPr>
           </a:p>
@@ -3792,7 +3792,7 @@
             <a:normAutofit/>
           </a:bodyPr>
           <a:p>
-            <a:endParaRPr b="0" lang="en-US" sz="3200" spc="-1" strike="noStrike">
+            <a:endParaRPr b="0" lang="fr-FR" sz="3200" spc="-1" strike="noStrike">
               <a:latin typeface="Arial"/>
             </a:endParaRPr>
           </a:p>
@@ -3845,7 +3845,7 @@
           </a:bodyPr>
           <a:p>
             <a:pPr algn="ctr"/>
-            <a:endParaRPr b="0" lang="en-US" sz="4400" spc="-1" strike="noStrike">
+            <a:endParaRPr b="0" lang="fr-FR" sz="4400" spc="-1" strike="noStrike">
               <a:latin typeface="Arial"/>
             </a:endParaRPr>
           </a:p>
@@ -3875,7 +3875,7 @@
             <a:normAutofit/>
           </a:bodyPr>
           <a:p>
-            <a:endParaRPr b="0" lang="en-US" sz="3200" spc="-1" strike="noStrike">
+            <a:endParaRPr b="0" lang="fr-FR" sz="3200" spc="-1" strike="noStrike">
               <a:latin typeface="Arial"/>
             </a:endParaRPr>
           </a:p>
@@ -3905,7 +3905,7 @@
             <a:normAutofit/>
           </a:bodyPr>
           <a:p>
-            <a:endParaRPr b="0" lang="en-US" sz="3200" spc="-1" strike="noStrike">
+            <a:endParaRPr b="0" lang="fr-FR" sz="3200" spc="-1" strike="noStrike">
               <a:latin typeface="Arial"/>
             </a:endParaRPr>
           </a:p>
@@ -3935,7 +3935,7 @@
             <a:normAutofit/>
           </a:bodyPr>
           <a:p>
-            <a:endParaRPr b="0" lang="en-US" sz="3200" spc="-1" strike="noStrike">
+            <a:endParaRPr b="0" lang="fr-FR" sz="3200" spc="-1" strike="noStrike">
               <a:latin typeface="Arial"/>
             </a:endParaRPr>
           </a:p>
@@ -3988,7 +3988,7 @@
           </a:bodyPr>
           <a:p>
             <a:pPr algn="ctr"/>
-            <a:endParaRPr b="0" lang="en-US" sz="4400" spc="-1" strike="noStrike">
+            <a:endParaRPr b="0" lang="fr-FR" sz="4400" spc="-1" strike="noStrike">
               <a:latin typeface="Arial"/>
             </a:endParaRPr>
           </a:p>
@@ -4018,7 +4018,7 @@
             <a:normAutofit/>
           </a:bodyPr>
           <a:p>
-            <a:endParaRPr b="0" lang="en-US" sz="3200" spc="-1" strike="noStrike">
+            <a:endParaRPr b="0" lang="fr-FR" sz="3200" spc="-1" strike="noStrike">
               <a:latin typeface="Arial"/>
             </a:endParaRPr>
           </a:p>
@@ -4048,7 +4048,7 @@
             <a:normAutofit/>
           </a:bodyPr>
           <a:p>
-            <a:endParaRPr b="0" lang="en-US" sz="3200" spc="-1" strike="noStrike">
+            <a:endParaRPr b="0" lang="fr-FR" sz="3200" spc="-1" strike="noStrike">
               <a:latin typeface="Arial"/>
             </a:endParaRPr>
           </a:p>
@@ -4078,7 +4078,7 @@
             <a:normAutofit/>
           </a:bodyPr>
           <a:p>
-            <a:endParaRPr b="0" lang="en-US" sz="3200" spc="-1" strike="noStrike">
+            <a:endParaRPr b="0" lang="fr-FR" sz="3200" spc="-1" strike="noStrike">
               <a:latin typeface="Arial"/>
             </a:endParaRPr>
           </a:p>
@@ -4139,18 +4139,12 @@
           <a:p>
             <a:pPr algn="ctr"/>
             <a:r>
-              <a:rPr b="0" lang="en-US" sz="4400" spc="-1" strike="noStrike">
+              <a:rPr b="0" lang="fr-FR" sz="4400" spc="-1" strike="noStrike">
                 <a:latin typeface="Arial"/>
               </a:rPr>
-              <a:t>Click to edit the </a:t>
+              <a:t>Cliquez pour éditer le format du texte-titre</a:t>
             </a:r>
-            <a:r>
-              <a:rPr b="0" lang="en-US" sz="4400" spc="-1" strike="noStrike">
-                <a:latin typeface="Arial"/>
-              </a:rPr>
-              <a:t>title text format</a:t>
-            </a:r>
-            <a:endParaRPr b="0" lang="en-US" sz="4400" spc="-1" strike="noStrike">
+            <a:endParaRPr b="0" lang="fr-FR" sz="4400" spc="-1" strike="noStrike">
               <a:latin typeface="Arial"/>
             </a:endParaRPr>
           </a:p>
@@ -4192,12 +4186,12 @@
               <a:buChar char=""/>
             </a:pPr>
             <a:r>
-              <a:rPr b="0" lang="en-US" sz="3200" spc="-1" strike="noStrike">
+              <a:rPr b="0" lang="fr-FR" sz="3200" spc="-1" strike="noStrike">
                 <a:latin typeface="Arial"/>
               </a:rPr>
-              <a:t>Click to edit the outline text format</a:t>
+              <a:t>Cliquez pour éditer le format du plan de texte</a:t>
             </a:r>
-            <a:endParaRPr b="0" lang="en-US" sz="3200" spc="-1" strike="noStrike">
+            <a:endParaRPr b="0" lang="fr-FR" sz="3200" spc="-1" strike="noStrike">
               <a:latin typeface="Arial"/>
             </a:endParaRPr>
           </a:p>
@@ -4214,12 +4208,12 @@
               <a:buChar char=""/>
             </a:pPr>
             <a:r>
-              <a:rPr b="0" lang="en-US" sz="2800" spc="-1" strike="noStrike">
+              <a:rPr b="0" lang="fr-FR" sz="2800" spc="-1" strike="noStrike">
                 <a:latin typeface="Arial"/>
               </a:rPr>
-              <a:t>Second Outline Level</a:t>
+              <a:t>Second niveau de plan</a:t>
             </a:r>
-            <a:endParaRPr b="0" lang="en-US" sz="2800" spc="-1" strike="noStrike">
+            <a:endParaRPr b="0" lang="fr-FR" sz="2800" spc="-1" strike="noStrike">
               <a:latin typeface="Arial"/>
             </a:endParaRPr>
           </a:p>
@@ -4236,12 +4230,12 @@
               <a:buChar char=""/>
             </a:pPr>
             <a:r>
-              <a:rPr b="0" lang="en-US" sz="2400" spc="-1" strike="noStrike">
+              <a:rPr b="0" lang="fr-FR" sz="2400" spc="-1" strike="noStrike">
                 <a:latin typeface="Arial"/>
               </a:rPr>
-              <a:t>Third Outline Level</a:t>
+              <a:t>Troisième niveau de plan</a:t>
             </a:r>
-            <a:endParaRPr b="0" lang="en-US" sz="2400" spc="-1" strike="noStrike">
+            <a:endParaRPr b="0" lang="fr-FR" sz="2400" spc="-1" strike="noStrike">
               <a:latin typeface="Arial"/>
             </a:endParaRPr>
           </a:p>
@@ -4258,12 +4252,12 @@
               <a:buChar char=""/>
             </a:pPr>
             <a:r>
-              <a:rPr b="0" lang="en-US" sz="2000" spc="-1" strike="noStrike">
+              <a:rPr b="0" lang="fr-FR" sz="2000" spc="-1" strike="noStrike">
                 <a:latin typeface="Arial"/>
               </a:rPr>
-              <a:t>Fourth Outline Level</a:t>
+              <a:t>Quatrième niveau de plan</a:t>
             </a:r>
-            <a:endParaRPr b="0" lang="en-US" sz="2000" spc="-1" strike="noStrike">
+            <a:endParaRPr b="0" lang="fr-FR" sz="2000" spc="-1" strike="noStrike">
               <a:latin typeface="Arial"/>
             </a:endParaRPr>
           </a:p>
@@ -4280,12 +4274,12 @@
               <a:buChar char=""/>
             </a:pPr>
             <a:r>
-              <a:rPr b="0" lang="en-US" sz="2000" spc="-1" strike="noStrike">
+              <a:rPr b="0" lang="fr-FR" sz="2000" spc="-1" strike="noStrike">
                 <a:latin typeface="Arial"/>
               </a:rPr>
-              <a:t>Fifth Outline Level</a:t>
+              <a:t>Cinquième niveau de plan</a:t>
             </a:r>
-            <a:endParaRPr b="0" lang="en-US" sz="2000" spc="-1" strike="noStrike">
+            <a:endParaRPr b="0" lang="fr-FR" sz="2000" spc="-1" strike="noStrike">
               <a:latin typeface="Arial"/>
             </a:endParaRPr>
           </a:p>
@@ -4302,12 +4296,12 @@
               <a:buChar char=""/>
             </a:pPr>
             <a:r>
-              <a:rPr b="0" lang="en-US" sz="2000" spc="-1" strike="noStrike">
+              <a:rPr b="0" lang="fr-FR" sz="2000" spc="-1" strike="noStrike">
                 <a:latin typeface="Arial"/>
               </a:rPr>
-              <a:t>Sixth Outline Level</a:t>
+              <a:t>Sixième niveau de plan</a:t>
             </a:r>
-            <a:endParaRPr b="0" lang="en-US" sz="2000" spc="-1" strike="noStrike">
+            <a:endParaRPr b="0" lang="fr-FR" sz="2000" spc="-1" strike="noStrike">
               <a:latin typeface="Arial"/>
             </a:endParaRPr>
           </a:p>
@@ -4324,12 +4318,12 @@
               <a:buChar char=""/>
             </a:pPr>
             <a:r>
-              <a:rPr b="0" lang="en-US" sz="2000" spc="-1" strike="noStrike">
+              <a:rPr b="0" lang="fr-FR" sz="2000" spc="-1" strike="noStrike">
                 <a:latin typeface="Arial"/>
               </a:rPr>
-              <a:t>Seventh Outline Level</a:t>
+              <a:t>Septième niveau de plan</a:t>
             </a:r>
-            <a:endParaRPr b="0" lang="en-US" sz="2000" spc="-1" strike="noStrike">
+            <a:endParaRPr b="0" lang="fr-FR" sz="2000" spc="-1" strike="noStrike">
               <a:latin typeface="Arial"/>
             </a:endParaRPr>
           </a:p>
@@ -4405,12 +4399,12 @@
           <a:p>
             <a:pPr algn="ctr"/>
             <a:r>
-              <a:rPr b="0" lang="en-US" sz="4400" spc="-1" strike="noStrike">
+              <a:rPr b="0" lang="fr-FR" sz="4400" spc="-1" strike="noStrike">
                 <a:latin typeface="Arial"/>
               </a:rPr>
-              <a:t>Click to edit the title text format</a:t>
+              <a:t>Cliquez pour éditer le format du texte-titre</a:t>
             </a:r>
-            <a:endParaRPr b="0" lang="en-US" sz="4400" spc="-1" strike="noStrike">
+            <a:endParaRPr b="0" lang="fr-FR" sz="4400" spc="-1" strike="noStrike">
               <a:latin typeface="Arial"/>
             </a:endParaRPr>
           </a:p>
@@ -4452,12 +4446,12 @@
               <a:buChar char=""/>
             </a:pPr>
             <a:r>
-              <a:rPr b="0" lang="en-US" sz="3200" spc="-1" strike="noStrike">
+              <a:rPr b="0" lang="fr-FR" sz="3200" spc="-1" strike="noStrike">
                 <a:latin typeface="Arial"/>
               </a:rPr>
-              <a:t>Click to edit the outline text format</a:t>
+              <a:t>Cliquez pour éditer le format du plan de texte</a:t>
             </a:r>
-            <a:endParaRPr b="0" lang="en-US" sz="3200" spc="-1" strike="noStrike">
+            <a:endParaRPr b="0" lang="fr-FR" sz="3200" spc="-1" strike="noStrike">
               <a:latin typeface="Arial"/>
             </a:endParaRPr>
           </a:p>
@@ -4474,12 +4468,12 @@
               <a:buChar char=""/>
             </a:pPr>
             <a:r>
-              <a:rPr b="0" lang="en-US" sz="2800" spc="-1" strike="noStrike">
+              <a:rPr b="0" lang="fr-FR" sz="2800" spc="-1" strike="noStrike">
                 <a:latin typeface="Arial"/>
               </a:rPr>
-              <a:t>Second Outline Level</a:t>
+              <a:t>Second niveau de plan</a:t>
             </a:r>
-            <a:endParaRPr b="0" lang="en-US" sz="2800" spc="-1" strike="noStrike">
+            <a:endParaRPr b="0" lang="fr-FR" sz="2800" spc="-1" strike="noStrike">
               <a:latin typeface="Arial"/>
             </a:endParaRPr>
           </a:p>
@@ -4496,12 +4490,12 @@
               <a:buChar char=""/>
             </a:pPr>
             <a:r>
-              <a:rPr b="0" lang="en-US" sz="2400" spc="-1" strike="noStrike">
+              <a:rPr b="0" lang="fr-FR" sz="2400" spc="-1" strike="noStrike">
                 <a:latin typeface="Arial"/>
               </a:rPr>
-              <a:t>Third Outline Level</a:t>
+              <a:t>Troisième niveau de plan</a:t>
             </a:r>
-            <a:endParaRPr b="0" lang="en-US" sz="2400" spc="-1" strike="noStrike">
+            <a:endParaRPr b="0" lang="fr-FR" sz="2400" spc="-1" strike="noStrike">
               <a:latin typeface="Arial"/>
             </a:endParaRPr>
           </a:p>
@@ -4518,12 +4512,12 @@
               <a:buChar char=""/>
             </a:pPr>
             <a:r>
-              <a:rPr b="0" lang="en-US" sz="2000" spc="-1" strike="noStrike">
+              <a:rPr b="0" lang="fr-FR" sz="2000" spc="-1" strike="noStrike">
                 <a:latin typeface="Arial"/>
               </a:rPr>
-              <a:t>Fourth Outline Level</a:t>
+              <a:t>Quatrième niveau de plan</a:t>
             </a:r>
-            <a:endParaRPr b="0" lang="en-US" sz="2000" spc="-1" strike="noStrike">
+            <a:endParaRPr b="0" lang="fr-FR" sz="2000" spc="-1" strike="noStrike">
               <a:latin typeface="Arial"/>
             </a:endParaRPr>
           </a:p>
@@ -4540,12 +4534,12 @@
               <a:buChar char=""/>
             </a:pPr>
             <a:r>
-              <a:rPr b="0" lang="en-US" sz="2000" spc="-1" strike="noStrike">
+              <a:rPr b="0" lang="fr-FR" sz="2000" spc="-1" strike="noStrike">
                 <a:latin typeface="Arial"/>
               </a:rPr>
-              <a:t>Fifth Outline Level</a:t>
+              <a:t>Cinquième niveau de plan</a:t>
             </a:r>
-            <a:endParaRPr b="0" lang="en-US" sz="2000" spc="-1" strike="noStrike">
+            <a:endParaRPr b="0" lang="fr-FR" sz="2000" spc="-1" strike="noStrike">
               <a:latin typeface="Arial"/>
             </a:endParaRPr>
           </a:p>
@@ -4562,12 +4556,12 @@
               <a:buChar char=""/>
             </a:pPr>
             <a:r>
-              <a:rPr b="0" lang="en-US" sz="2000" spc="-1" strike="noStrike">
+              <a:rPr b="0" lang="fr-FR" sz="2000" spc="-1" strike="noStrike">
                 <a:latin typeface="Arial"/>
               </a:rPr>
-              <a:t>Sixth Outline Level</a:t>
+              <a:t>Sixième niveau de plan</a:t>
             </a:r>
-            <a:endParaRPr b="0" lang="en-US" sz="2000" spc="-1" strike="noStrike">
+            <a:endParaRPr b="0" lang="fr-FR" sz="2000" spc="-1" strike="noStrike">
               <a:latin typeface="Arial"/>
             </a:endParaRPr>
           </a:p>
@@ -4584,12 +4578,12 @@
               <a:buChar char=""/>
             </a:pPr>
             <a:r>
-              <a:rPr b="0" lang="en-US" sz="2000" spc="-1" strike="noStrike">
+              <a:rPr b="0" lang="fr-FR" sz="2000" spc="-1" strike="noStrike">
                 <a:latin typeface="Arial"/>
               </a:rPr>
-              <a:t>Seventh Outline Level</a:t>
+              <a:t>Septième niveau de plan</a:t>
             </a:r>
-            <a:endParaRPr b="0" lang="en-US" sz="2000" spc="-1" strike="noStrike">
+            <a:endParaRPr b="0" lang="fr-FR" sz="2000" spc="-1" strike="noStrike">
               <a:latin typeface="Arial"/>
             </a:endParaRPr>
           </a:p>
@@ -4665,12 +4659,12 @@
           <a:p>
             <a:pPr algn="ctr"/>
             <a:r>
-              <a:rPr b="0" lang="en-US" sz="4400" spc="-1" strike="noStrike">
+              <a:rPr b="0" lang="fr-FR" sz="4400" spc="-1" strike="noStrike">
                 <a:latin typeface="Arial"/>
               </a:rPr>
-              <a:t>Click to edit the title text format</a:t>
+              <a:t>Cliquez pour éditer le format du texte-titre</a:t>
             </a:r>
-            <a:endParaRPr b="0" lang="en-US" sz="4400" spc="-1" strike="noStrike">
+            <a:endParaRPr b="0" lang="fr-FR" sz="4400" spc="-1" strike="noStrike">
               <a:latin typeface="Arial"/>
             </a:endParaRPr>
           </a:p>
@@ -4712,12 +4706,12 @@
               <a:buChar char=""/>
             </a:pPr>
             <a:r>
-              <a:rPr b="0" lang="en-US" sz="3200" spc="-1" strike="noStrike">
+              <a:rPr b="0" lang="fr-FR" sz="3200" spc="-1" strike="noStrike">
                 <a:latin typeface="Arial"/>
               </a:rPr>
-              <a:t>Click to edit the outline text format</a:t>
+              <a:t>Cliquez pour éditer le format du plan de texte</a:t>
             </a:r>
-            <a:endParaRPr b="0" lang="en-US" sz="3200" spc="-1" strike="noStrike">
+            <a:endParaRPr b="0" lang="fr-FR" sz="3200" spc="-1" strike="noStrike">
               <a:latin typeface="Arial"/>
             </a:endParaRPr>
           </a:p>
@@ -4734,12 +4728,12 @@
               <a:buChar char=""/>
             </a:pPr>
             <a:r>
-              <a:rPr b="0" lang="en-US" sz="2800" spc="-1" strike="noStrike">
+              <a:rPr b="0" lang="fr-FR" sz="2800" spc="-1" strike="noStrike">
                 <a:latin typeface="Arial"/>
               </a:rPr>
-              <a:t>Second Outline Level</a:t>
+              <a:t>Second niveau de plan</a:t>
             </a:r>
-            <a:endParaRPr b="0" lang="en-US" sz="2800" spc="-1" strike="noStrike">
+            <a:endParaRPr b="0" lang="fr-FR" sz="2800" spc="-1" strike="noStrike">
               <a:latin typeface="Arial"/>
             </a:endParaRPr>
           </a:p>
@@ -4756,12 +4750,12 @@
               <a:buChar char=""/>
             </a:pPr>
             <a:r>
-              <a:rPr b="0" lang="en-US" sz="2400" spc="-1" strike="noStrike">
+              <a:rPr b="0" lang="fr-FR" sz="2400" spc="-1" strike="noStrike">
                 <a:latin typeface="Arial"/>
               </a:rPr>
-              <a:t>Third Outline Level</a:t>
+              <a:t>Troisième niveau de plan</a:t>
             </a:r>
-            <a:endParaRPr b="0" lang="en-US" sz="2400" spc="-1" strike="noStrike">
+            <a:endParaRPr b="0" lang="fr-FR" sz="2400" spc="-1" strike="noStrike">
               <a:latin typeface="Arial"/>
             </a:endParaRPr>
           </a:p>
@@ -4778,12 +4772,12 @@
               <a:buChar char=""/>
             </a:pPr>
             <a:r>
-              <a:rPr b="0" lang="en-US" sz="2000" spc="-1" strike="noStrike">
+              <a:rPr b="0" lang="fr-FR" sz="2000" spc="-1" strike="noStrike">
                 <a:latin typeface="Arial"/>
               </a:rPr>
-              <a:t>Fourth Outline Level</a:t>
+              <a:t>Quatrième niveau de plan</a:t>
             </a:r>
-            <a:endParaRPr b="0" lang="en-US" sz="2000" spc="-1" strike="noStrike">
+            <a:endParaRPr b="0" lang="fr-FR" sz="2000" spc="-1" strike="noStrike">
               <a:latin typeface="Arial"/>
             </a:endParaRPr>
           </a:p>
@@ -4800,12 +4794,12 @@
               <a:buChar char=""/>
             </a:pPr>
             <a:r>
-              <a:rPr b="0" lang="en-US" sz="2000" spc="-1" strike="noStrike">
+              <a:rPr b="0" lang="fr-FR" sz="2000" spc="-1" strike="noStrike">
                 <a:latin typeface="Arial"/>
               </a:rPr>
-              <a:t>Fifth Outline Level</a:t>
+              <a:t>Cinquième niveau de plan</a:t>
             </a:r>
-            <a:endParaRPr b="0" lang="en-US" sz="2000" spc="-1" strike="noStrike">
+            <a:endParaRPr b="0" lang="fr-FR" sz="2000" spc="-1" strike="noStrike">
               <a:latin typeface="Arial"/>
             </a:endParaRPr>
           </a:p>
@@ -4822,12 +4816,12 @@
               <a:buChar char=""/>
             </a:pPr>
             <a:r>
-              <a:rPr b="0" lang="en-US" sz="2000" spc="-1" strike="noStrike">
+              <a:rPr b="0" lang="fr-FR" sz="2000" spc="-1" strike="noStrike">
                 <a:latin typeface="Arial"/>
               </a:rPr>
-              <a:t>Sixth Outline Level</a:t>
+              <a:t>Sixième niveau de plan</a:t>
             </a:r>
-            <a:endParaRPr b="0" lang="en-US" sz="2000" spc="-1" strike="noStrike">
+            <a:endParaRPr b="0" lang="fr-FR" sz="2000" spc="-1" strike="noStrike">
               <a:latin typeface="Arial"/>
             </a:endParaRPr>
           </a:p>
@@ -4844,12 +4838,12 @@
               <a:buChar char=""/>
             </a:pPr>
             <a:r>
-              <a:rPr b="0" lang="en-US" sz="2000" spc="-1" strike="noStrike">
+              <a:rPr b="0" lang="fr-FR" sz="2000" spc="-1" strike="noStrike">
                 <a:latin typeface="Arial"/>
               </a:rPr>
-              <a:t>Seventh Outline Level</a:t>
+              <a:t>Septième niveau de plan</a:t>
             </a:r>
-            <a:endParaRPr b="0" lang="en-US" sz="2000" spc="-1" strike="noStrike">
+            <a:endParaRPr b="0" lang="fr-FR" sz="2000" spc="-1" strike="noStrike">
               <a:latin typeface="Arial"/>
             </a:endParaRPr>
           </a:p>
@@ -4908,7 +4902,7 @@
         <p:spPr>
           <a:xfrm>
             <a:off x="0" y="0"/>
-            <a:ext cx="12189960" cy="6855840"/>
+            <a:ext cx="12189600" cy="6855480"/>
           </a:xfrm>
           <a:prstGeom prst="rect">
             <a:avLst/>
@@ -4947,7 +4941,7 @@
         <p:spPr>
           <a:xfrm>
             <a:off x="6746760" y="1783800"/>
-            <a:ext cx="4642920" cy="2886840"/>
+            <a:ext cx="4642560" cy="2886480"/>
           </a:xfrm>
           <a:prstGeom prst="rect">
             <a:avLst/>
@@ -4974,7 +4968,7 @@
               </a:lnSpc>
             </a:pPr>
             <a:r>
-              <a:rPr b="0" lang="en-US" sz="6000" spc="-1" strike="noStrike">
+              <a:rPr b="0" lang="fr-FR" sz="6000" spc="-1" strike="noStrike">
                 <a:solidFill>
                   <a:srgbClr val="ffffff"/>
                 </a:solidFill>
@@ -4983,7 +4977,7 @@
               </a:rPr>
               <a:t>Le projet « Git-moi tout »</a:t>
             </a:r>
-            <a:endParaRPr b="0" lang="en-US" sz="6000" spc="-1" strike="noStrike">
+            <a:endParaRPr b="0" lang="fr-FR" sz="6000" spc="-1" strike="noStrike">
               <a:latin typeface="Arial"/>
             </a:endParaRPr>
           </a:p>
@@ -4998,7 +4992,7 @@
         <p:spPr>
           <a:xfrm>
             <a:off x="6746760" y="4750920"/>
-            <a:ext cx="4642920" cy="1145880"/>
+            <a:ext cx="4642560" cy="1145520"/>
           </a:xfrm>
           <a:prstGeom prst="rect">
             <a:avLst/>
@@ -5028,7 +5022,7 @@
               </a:spcBef>
             </a:pPr>
             <a:r>
-              <a:rPr b="0" lang="en-US" sz="2000" spc="-1" strike="noStrike">
+              <a:rPr b="0" lang="fr-FR" sz="2000" spc="-1" strike="noStrike">
                 <a:solidFill>
                   <a:srgbClr val="ffffff"/>
                 </a:solidFill>
@@ -5037,7 +5031,7 @@
               </a:rPr>
               <a:t>Le répertoire pour tout savoir sur GIT</a:t>
             </a:r>
-            <a:endParaRPr b="0" lang="en-US" sz="2000" spc="-1" strike="noStrike">
+            <a:endParaRPr b="0" lang="fr-FR" sz="2000" spc="-1" strike="noStrike">
               <a:latin typeface="Arial"/>
             </a:endParaRPr>
           </a:p>
@@ -5052,7 +5046,7 @@
         <p:spPr>
           <a:xfrm flipH="1">
             <a:off x="-2160" y="0"/>
-            <a:ext cx="6170760" cy="6855840"/>
+            <a:ext cx="6170400" cy="6855480"/>
           </a:xfrm>
           <a:custGeom>
             <a:avLst/>
@@ -5123,7 +5117,7 @@
         <p:spPr>
           <a:xfrm>
             <a:off x="0" y="0"/>
-            <a:ext cx="6022080" cy="6855840"/>
+            <a:ext cx="6021720" cy="6855480"/>
           </a:xfrm>
           <a:custGeom>
             <a:avLst/>
@@ -5196,7 +5190,7 @@
         <p:spPr>
           <a:xfrm>
             <a:off x="419400" y="721080"/>
-            <a:ext cx="4045680" cy="4045680"/>
+            <a:ext cx="4045320" cy="4045320"/>
           </a:xfrm>
           <a:prstGeom prst="rect">
             <a:avLst/>
@@ -5252,7 +5246,7 @@
         <p:spPr>
           <a:xfrm>
             <a:off x="0" y="0"/>
-            <a:ext cx="4652280" cy="6855840"/>
+            <a:ext cx="4651920" cy="6855480"/>
           </a:xfrm>
           <a:prstGeom prst="rect">
             <a:avLst/>
@@ -5283,7 +5277,7 @@
         <p:spPr>
           <a:xfrm>
             <a:off x="643320" y="643320"/>
-            <a:ext cx="3361680" cy="1595160"/>
+            <a:ext cx="3361320" cy="1594800"/>
           </a:xfrm>
           <a:prstGeom prst="rect">
             <a:avLst/>
@@ -5313,7 +5307,7 @@
               </a:lnSpc>
             </a:pPr>
             <a:r>
-              <a:rPr b="0" lang="en-US" sz="2800" spc="-1" strike="noStrike">
+              <a:rPr b="0" lang="fr-FR" sz="2800" spc="-1" strike="noStrike">
                 <a:solidFill>
                   <a:srgbClr val="ffffff"/>
                 </a:solidFill>
@@ -5322,7 +5316,7 @@
               </a:rPr>
               <a:t>Le but du projet « GIT-moi-tout »</a:t>
             </a:r>
-            <a:endParaRPr b="0" lang="en-US" sz="2800" spc="-1" strike="noStrike">
+            <a:endParaRPr b="0" lang="fr-FR" sz="2800" spc="-1" strike="noStrike">
               <a:latin typeface="Arial"/>
             </a:endParaRPr>
           </a:p>
@@ -5337,7 +5331,7 @@
         <p:spPr>
           <a:xfrm>
             <a:off x="643320" y="2638080"/>
-            <a:ext cx="3361680" cy="3413520"/>
+            <a:ext cx="3361320" cy="3413160"/>
           </a:xfrm>
           <a:prstGeom prst="rect">
             <a:avLst/>
@@ -5367,7 +5361,7 @@
               </a:spcBef>
             </a:pPr>
             <a:r>
-              <a:rPr b="0" lang="en-US" sz="1700" spc="-1" strike="noStrike">
+              <a:rPr b="0" lang="fr-FR" sz="1700" spc="-1" strike="noStrike">
                 <a:solidFill>
                   <a:srgbClr val="ffffff"/>
                 </a:solidFill>
@@ -5376,12 +5370,12 @@
               </a:rPr>
               <a:t>Permettre aux novices et au moins novices de comprendre :</a:t>
             </a:r>
-            <a:endParaRPr b="0" lang="en-US" sz="1700" spc="-1" strike="noStrike">
-              <a:latin typeface="Arial"/>
-            </a:endParaRPr>
-          </a:p>
-          <a:p>
-            <a:pPr lvl="1" marL="685800" indent="-226440">
+            <a:endParaRPr b="0" lang="fr-FR" sz="1700" spc="-1" strike="noStrike">
+              <a:latin typeface="Arial"/>
+            </a:endParaRPr>
+          </a:p>
+          <a:p>
+            <a:pPr lvl="1" marL="685800" indent="-226080">
               <a:lnSpc>
                 <a:spcPct val="90000"/>
               </a:lnSpc>
@@ -5395,7 +5389,7 @@
               <a:buChar char="•"/>
             </a:pPr>
             <a:r>
-              <a:rPr b="0" lang="en-US" sz="1700" spc="-1" strike="noStrike">
+              <a:rPr b="0" lang="fr-FR" sz="1700" spc="-1" strike="noStrike">
                 <a:solidFill>
                   <a:srgbClr val="ffffff"/>
                 </a:solidFill>
@@ -5404,12 +5398,12 @@
               </a:rPr>
               <a:t>C’est quoi GIT et pour quel usage ?</a:t>
             </a:r>
-            <a:endParaRPr b="0" lang="en-US" sz="1700" spc="-1" strike="noStrike">
-              <a:latin typeface="Arial"/>
-            </a:endParaRPr>
-          </a:p>
-          <a:p>
-            <a:pPr lvl="1" marL="685800" indent="-226440">
+            <a:endParaRPr b="0" lang="fr-FR" sz="1700" spc="-1" strike="noStrike">
+              <a:latin typeface="Arial"/>
+            </a:endParaRPr>
+          </a:p>
+          <a:p>
+            <a:pPr lvl="1" marL="685800" indent="-226080">
               <a:lnSpc>
                 <a:spcPct val="90000"/>
               </a:lnSpc>
@@ -5423,7 +5417,7 @@
               <a:buChar char="•"/>
             </a:pPr>
             <a:r>
-              <a:rPr b="0" lang="en-US" sz="1700" spc="-1" strike="noStrike">
+              <a:rPr b="0" lang="fr-FR" sz="1700" spc="-1" strike="noStrike">
                 <a:solidFill>
                   <a:srgbClr val="ffffff"/>
                 </a:solidFill>
@@ -5432,12 +5426,12 @@
               </a:rPr>
               <a:t>Comment fonctionne-t-il?</a:t>
             </a:r>
-            <a:endParaRPr b="0" lang="en-US" sz="1700" spc="-1" strike="noStrike">
-              <a:latin typeface="Arial"/>
-            </a:endParaRPr>
-          </a:p>
-          <a:p>
-            <a:pPr lvl="1" marL="685800" indent="-226440">
+            <a:endParaRPr b="0" lang="fr-FR" sz="1700" spc="-1" strike="noStrike">
+              <a:latin typeface="Arial"/>
+            </a:endParaRPr>
+          </a:p>
+          <a:p>
+            <a:pPr lvl="1" marL="685800" indent="-226080">
               <a:lnSpc>
                 <a:spcPct val="90000"/>
               </a:lnSpc>
@@ -5451,7 +5445,7 @@
               <a:buChar char="•"/>
             </a:pPr>
             <a:r>
-              <a:rPr b="0" lang="en-US" sz="1700" spc="-1" strike="noStrike">
+              <a:rPr b="0" lang="fr-FR" sz="1700" spc="-1" strike="noStrike">
                 <a:solidFill>
                   <a:srgbClr val="ffffff"/>
                 </a:solidFill>
@@ -5460,12 +5454,12 @@
               </a:rPr>
               <a:t>Comment bien démarrer avec GIT</a:t>
             </a:r>
-            <a:endParaRPr b="0" lang="en-US" sz="1700" spc="-1" strike="noStrike">
-              <a:latin typeface="Arial"/>
-            </a:endParaRPr>
-          </a:p>
-          <a:p>
-            <a:pPr lvl="1" marL="685800" indent="-226440">
+            <a:endParaRPr b="0" lang="fr-FR" sz="1700" spc="-1" strike="noStrike">
+              <a:latin typeface="Arial"/>
+            </a:endParaRPr>
+          </a:p>
+          <a:p>
+            <a:pPr lvl="1" marL="685800" indent="-226080">
               <a:lnSpc>
                 <a:spcPct val="90000"/>
               </a:lnSpc>
@@ -5479,7 +5473,7 @@
               <a:buChar char="•"/>
             </a:pPr>
             <a:r>
-              <a:rPr b="0" lang="en-US" sz="1700" spc="-1" strike="noStrike">
+              <a:rPr b="0" lang="fr-FR" sz="1700" spc="-1" strike="noStrike">
                 <a:solidFill>
                   <a:srgbClr val="ffffff"/>
                 </a:solidFill>
@@ -5488,7 +5482,7 @@
               </a:rPr>
               <a:t>Répondre aux questions et au problèmes que l’ont se poser en utilisant GIT</a:t>
             </a:r>
-            <a:endParaRPr b="0" lang="en-US" sz="1700" spc="-1" strike="noStrike">
+            <a:endParaRPr b="0" lang="fr-FR" sz="1700" spc="-1" strike="noStrike">
               <a:latin typeface="Arial"/>
             </a:endParaRPr>
           </a:p>
@@ -5501,7 +5495,7 @@
                 <a:spcPts val="1001"/>
               </a:spcBef>
             </a:pPr>
-            <a:endParaRPr b="0" lang="en-US" sz="1700" spc="-1" strike="noStrike">
+            <a:endParaRPr b="0" lang="fr-FR" sz="1700" spc="-1" strike="noStrike">
               <a:latin typeface="Arial"/>
             </a:endParaRPr>
           </a:p>
@@ -5511,7 +5505,7 @@
                 <a:spcPct val="100000"/>
               </a:lnSpc>
             </a:pPr>
-            <a:endParaRPr b="0" lang="en-US" sz="1700" spc="-1" strike="noStrike">
+            <a:endParaRPr b="0" lang="fr-FR" sz="1700" spc="-1" strike="noStrike">
               <a:latin typeface="Arial"/>
             </a:endParaRPr>
           </a:p>
@@ -5530,7 +5524,7 @@
         <p:spPr>
           <a:xfrm>
             <a:off x="5198760" y="1295640"/>
-            <a:ext cx="6248520" cy="4685760"/>
+            <a:ext cx="6248160" cy="4685400"/>
           </a:xfrm>
           <a:prstGeom prst="rect">
             <a:avLst/>
@@ -5553,7 +5547,7 @@
         <p:spPr>
           <a:xfrm>
             <a:off x="11174040" y="137520"/>
-            <a:ext cx="1015920" cy="1009800"/>
+            <a:ext cx="1015560" cy="1009440"/>
           </a:xfrm>
           <a:prstGeom prst="rect">
             <a:avLst/>
@@ -5602,7 +5596,7 @@
         <p:spPr>
           <a:xfrm>
             <a:off x="838080" y="1825560"/>
-            <a:ext cx="10513440" cy="4349160"/>
+            <a:ext cx="10513080" cy="4348800"/>
           </a:xfrm>
           <a:prstGeom prst="rect">
             <a:avLst/>
@@ -5628,7 +5622,7 @@
         <p:spPr>
           <a:xfrm>
             <a:off x="8352000" y="2664000"/>
-            <a:ext cx="3238200" cy="3017160"/>
+            <a:ext cx="3237840" cy="3017160"/>
           </a:xfrm>
           <a:prstGeom prst="rect">
             <a:avLst/>
@@ -5655,7 +5649,7 @@
               </a:lnSpc>
             </a:pPr>
             <a:r>
-              <a:rPr b="1" lang="en-US" sz="1800" spc="-1" strike="noStrike" u="sng">
+              <a:rPr b="1" lang="fr-FR" sz="1800" spc="-1" strike="noStrike" u="sng">
                 <a:solidFill>
                   <a:srgbClr val="ffffff"/>
                 </a:solidFill>
@@ -5665,7 +5659,7 @@
               </a:rPr>
               <a:t>Home : Présentation de Git.</a:t>
             </a:r>
-            <a:endParaRPr b="0" lang="en-US" sz="1800" spc="-1" strike="noStrike">
+            <a:endParaRPr b="0" lang="fr-FR" sz="1800" spc="-1" strike="noStrike">
               <a:latin typeface="Arial"/>
             </a:endParaRPr>
           </a:p>
@@ -5675,7 +5669,7 @@
                 <a:spcPct val="100000"/>
               </a:lnSpc>
             </a:pPr>
-            <a:endParaRPr b="0" lang="en-US" sz="1800" spc="-1" strike="noStrike">
+            <a:endParaRPr b="0" lang="fr-FR" sz="1800" spc="-1" strike="noStrike">
               <a:latin typeface="Arial"/>
             </a:endParaRPr>
           </a:p>
@@ -5686,7 +5680,7 @@
               </a:lnSpc>
             </a:pPr>
             <a:r>
-              <a:rPr b="1" lang="en-US" sz="1800" spc="-1" strike="noStrike" u="sng">
+              <a:rPr b="1" lang="fr-FR" sz="1800" spc="-1" strike="noStrike" u="sng">
                 <a:solidFill>
                   <a:srgbClr val="ffffff"/>
                 </a:solidFill>
@@ -5696,7 +5690,7 @@
               </a:rPr>
               <a:t>Installation et Configuration.</a:t>
             </a:r>
-            <a:endParaRPr b="0" lang="en-US" sz="1800" spc="-1" strike="noStrike">
+            <a:endParaRPr b="0" lang="fr-FR" sz="1800" spc="-1" strike="noStrike">
               <a:latin typeface="Arial"/>
             </a:endParaRPr>
           </a:p>
@@ -5706,7 +5700,7 @@
                 <a:spcPct val="100000"/>
               </a:lnSpc>
             </a:pPr>
-            <a:endParaRPr b="0" lang="en-US" sz="1800" spc="-1" strike="noStrike">
+            <a:endParaRPr b="0" lang="fr-FR" sz="1800" spc="-1" strike="noStrike">
               <a:latin typeface="Arial"/>
             </a:endParaRPr>
           </a:p>
@@ -5717,7 +5711,7 @@
               </a:lnSpc>
             </a:pPr>
             <a:r>
-              <a:rPr b="1" lang="en-US" sz="1800" spc="-1" strike="noStrike" u="sng">
+              <a:rPr b="1" lang="fr-FR" sz="1800" spc="-1" strike="noStrike" u="sng">
                 <a:solidFill>
                   <a:srgbClr val="ffffff"/>
                 </a:solidFill>
@@ -5727,7 +5721,7 @@
               </a:rPr>
               <a:t>Les Fonctionnalités.</a:t>
             </a:r>
-            <a:endParaRPr b="0" lang="en-US" sz="1800" spc="-1" strike="noStrike">
+            <a:endParaRPr b="0" lang="fr-FR" sz="1800" spc="-1" strike="noStrike">
               <a:latin typeface="Arial"/>
             </a:endParaRPr>
           </a:p>
@@ -5737,7 +5731,7 @@
                 <a:spcPct val="100000"/>
               </a:lnSpc>
             </a:pPr>
-            <a:endParaRPr b="0" lang="en-US" sz="1800" spc="-1" strike="noStrike">
+            <a:endParaRPr b="0" lang="fr-FR" sz="1800" spc="-1" strike="noStrike">
               <a:latin typeface="Arial"/>
             </a:endParaRPr>
           </a:p>
@@ -5748,7 +5742,7 @@
               </a:lnSpc>
             </a:pPr>
             <a:r>
-              <a:rPr b="1" lang="en-US" sz="1800" spc="-1" strike="noStrike" u="sng">
+              <a:rPr b="1" lang="fr-FR" sz="1800" spc="-1" strike="noStrike" u="sng">
                 <a:solidFill>
                   <a:srgbClr val="ffffff"/>
                 </a:solidFill>
@@ -5758,7 +5752,7 @@
               </a:rPr>
               <a:t>1 Erreur / 1 Solution</a:t>
             </a:r>
-            <a:endParaRPr b="0" lang="en-US" sz="1800" spc="-1" strike="noStrike">
+            <a:endParaRPr b="0" lang="fr-FR" sz="1800" spc="-1" strike="noStrike">
               <a:latin typeface="Arial"/>
             </a:endParaRPr>
           </a:p>
@@ -5768,7 +5762,7 @@
                 <a:spcPct val="100000"/>
               </a:lnSpc>
             </a:pPr>
-            <a:endParaRPr b="0" lang="en-US" sz="1800" spc="-1" strike="noStrike">
+            <a:endParaRPr b="0" lang="fr-FR" sz="1800" spc="-1" strike="noStrike">
               <a:latin typeface="Arial"/>
             </a:endParaRPr>
           </a:p>
@@ -5779,7 +5773,7 @@
               </a:lnSpc>
             </a:pPr>
             <a:r>
-              <a:rPr b="1" lang="en-US" sz="1800" spc="-1" strike="noStrike" u="sng">
+              <a:rPr b="1" lang="fr-FR" sz="1800" spc="-1" strike="noStrike" u="sng">
                 <a:solidFill>
                   <a:srgbClr val="ffffff"/>
                 </a:solidFill>
@@ -5789,7 +5783,7 @@
               </a:rPr>
               <a:t>Alimentation du Twitter</a:t>
             </a:r>
-            <a:endParaRPr b="0" lang="en-US" sz="1800" spc="-1" strike="noStrike">
+            <a:endParaRPr b="0" lang="fr-FR" sz="1800" spc="-1" strike="noStrike">
               <a:latin typeface="Arial"/>
             </a:endParaRPr>
           </a:p>
@@ -5799,7 +5793,7 @@
                 <a:spcPct val="100000"/>
               </a:lnSpc>
             </a:pPr>
-            <a:endParaRPr b="0" lang="en-US" sz="1800" spc="-1" strike="noStrike">
+            <a:endParaRPr b="0" lang="fr-FR" sz="1800" spc="-1" strike="noStrike">
               <a:latin typeface="Arial"/>
             </a:endParaRPr>
           </a:p>
@@ -5810,7 +5804,7 @@
               </a:lnSpc>
             </a:pPr>
             <a:r>
-              <a:rPr b="1" lang="en-US" sz="1800" spc="-1" strike="noStrike" u="sng">
+              <a:rPr b="1" lang="fr-FR" sz="1800" spc="-1" strike="noStrike" u="sng">
                 <a:solidFill>
                   <a:srgbClr val="ffffff"/>
                 </a:solidFill>
@@ -5820,7 +5814,7 @@
               </a:rPr>
               <a:t>FAQ</a:t>
             </a:r>
-            <a:endParaRPr b="0" lang="en-US" sz="1800" spc="-1" strike="noStrike">
+            <a:endParaRPr b="0" lang="fr-FR" sz="1800" spc="-1" strike="noStrike">
               <a:latin typeface="Arial"/>
             </a:endParaRPr>
           </a:p>
@@ -5839,7 +5833,7 @@
         <p:spPr>
           <a:xfrm>
             <a:off x="0" y="-4680"/>
-            <a:ext cx="12191040" cy="6861600"/>
+            <a:ext cx="12190680" cy="6861240"/>
           </a:xfrm>
           <a:prstGeom prst="rect">
             <a:avLst/>
@@ -5888,7 +5882,7 @@
         <p:spPr>
           <a:xfrm>
             <a:off x="838080" y="365040"/>
-            <a:ext cx="10513440" cy="1323360"/>
+            <a:ext cx="10513080" cy="1323000"/>
           </a:xfrm>
           <a:prstGeom prst="rect">
             <a:avLst/>
@@ -5915,7 +5909,7 @@
               </a:lnSpc>
             </a:pPr>
             <a:r>
-              <a:rPr b="0" lang="en-US" sz="4400" spc="-1" strike="noStrike">
+              <a:rPr b="0" lang="fr-FR" sz="4400" spc="-1" strike="noStrike">
                 <a:solidFill>
                   <a:srgbClr val="000000"/>
                 </a:solidFill>
@@ -5924,7 +5918,7 @@
               </a:rPr>
               <a:t>Création de contenus  « Installation/Configuration »</a:t>
             </a:r>
-            <a:endParaRPr b="0" lang="en-US" sz="4400" spc="-1" strike="noStrike">
+            <a:endParaRPr b="0" lang="fr-FR" sz="4400" spc="-1" strike="noStrike">
               <a:latin typeface="Arial"/>
             </a:endParaRPr>
           </a:p>
@@ -5939,7 +5933,7 @@
         <p:spPr>
           <a:xfrm>
             <a:off x="838080" y="1825560"/>
-            <a:ext cx="10513440" cy="4349160"/>
+            <a:ext cx="10513080" cy="4348800"/>
           </a:xfrm>
           <a:prstGeom prst="rect">
             <a:avLst/>
@@ -5969,7 +5963,7 @@
         <p:spPr>
           <a:xfrm>
             <a:off x="10999080" y="174960"/>
-            <a:ext cx="1015920" cy="1009800"/>
+            <a:ext cx="1015560" cy="1009440"/>
           </a:xfrm>
           <a:prstGeom prst="rect">
             <a:avLst/>
@@ -6018,7 +6012,7 @@
         <p:spPr>
           <a:xfrm>
             <a:off x="838080" y="365040"/>
-            <a:ext cx="10513440" cy="1323360"/>
+            <a:ext cx="10513080" cy="1323000"/>
           </a:xfrm>
           <a:prstGeom prst="rect">
             <a:avLst/>
@@ -6045,7 +6039,7 @@
               </a:lnSpc>
             </a:pPr>
             <a:r>
-              <a:rPr b="0" lang="en-US" sz="4400" spc="-1" strike="noStrike">
+              <a:rPr b="0" lang="fr-FR" sz="4400" spc="-1" strike="noStrike">
                 <a:solidFill>
                   <a:srgbClr val="000000"/>
                 </a:solidFill>
@@ -6054,7 +6048,7 @@
               </a:rPr>
               <a:t>Création de contenus « Les fonctionnalités »</a:t>
             </a:r>
-            <a:endParaRPr b="0" lang="en-US" sz="4400" spc="-1" strike="noStrike">
+            <a:endParaRPr b="0" lang="fr-FR" sz="4400" spc="-1" strike="noStrike">
               <a:latin typeface="Arial"/>
             </a:endParaRPr>
           </a:p>
@@ -6069,7 +6063,7 @@
         <p:spPr>
           <a:xfrm>
             <a:off x="838080" y="1825560"/>
-            <a:ext cx="10513440" cy="4349160"/>
+            <a:ext cx="10513080" cy="4348800"/>
           </a:xfrm>
           <a:prstGeom prst="rect">
             <a:avLst/>
@@ -6099,7 +6093,30 @@
         <p:spPr>
           <a:xfrm>
             <a:off x="10999080" y="174960"/>
-            <a:ext cx="1015920" cy="1009800"/>
+            <a:ext cx="1015560" cy="1009440"/>
+          </a:xfrm>
+          <a:prstGeom prst="rect">
+            <a:avLst/>
+          </a:prstGeom>
+          <a:ln>
+            <a:noFill/>
+          </a:ln>
+        </p:spPr>
+      </p:pic>
+      <p:pic>
+        <p:nvPicPr>
+          <p:cNvPr id="134" name="" descr=""/>
+          <p:cNvPicPr/>
+          <p:nvPr/>
+        </p:nvPicPr>
+        <p:blipFill>
+          <a:blip r:embed="rId2"/>
+          <a:stretch/>
+        </p:blipFill>
+        <p:spPr>
+          <a:xfrm>
+            <a:off x="1008000" y="2245680"/>
+            <a:ext cx="7895880" cy="3514320"/>
           </a:xfrm>
           <a:prstGeom prst="rect">
             <a:avLst/>
@@ -6141,14 +6158,14 @@
       </p:grpSpPr>
       <p:sp>
         <p:nvSpPr>
-          <p:cNvPr id="134" name="CustomShape 1"/>
+          <p:cNvPr id="135" name="CustomShape 1"/>
           <p:cNvSpPr/>
           <p:nvPr/>
         </p:nvSpPr>
         <p:spPr>
           <a:xfrm>
             <a:off x="838080" y="365040"/>
-            <a:ext cx="10513440" cy="1323360"/>
+            <a:ext cx="10513080" cy="1323000"/>
           </a:xfrm>
           <a:prstGeom prst="rect">
             <a:avLst/>
@@ -6175,7 +6192,7 @@
               </a:lnSpc>
             </a:pPr>
             <a:r>
-              <a:rPr b="0" lang="en-US" sz="4400" spc="-1" strike="noStrike">
+              <a:rPr b="0" lang="fr-FR" sz="4400" spc="-1" strike="noStrike">
                 <a:solidFill>
                   <a:srgbClr val="000000"/>
                 </a:solidFill>
@@ -6184,22 +6201,22 @@
               </a:rPr>
               <a:t>Création de contenus pour « Alimentation Twitter »</a:t>
             </a:r>
-            <a:endParaRPr b="0" lang="en-US" sz="4400" spc="-1" strike="noStrike">
-              <a:latin typeface="Arial"/>
-            </a:endParaRPr>
-          </a:p>
-        </p:txBody>
-      </p:sp>
-      <p:sp>
-        <p:nvSpPr>
-          <p:cNvPr id="135" name="CustomShape 2"/>
+            <a:endParaRPr b="0" lang="fr-FR" sz="4400" spc="-1" strike="noStrike">
+              <a:latin typeface="Arial"/>
+            </a:endParaRPr>
+          </a:p>
+        </p:txBody>
+      </p:sp>
+      <p:sp>
+        <p:nvSpPr>
+          <p:cNvPr id="136" name="CustomShape 2"/>
           <p:cNvSpPr/>
           <p:nvPr/>
         </p:nvSpPr>
         <p:spPr>
           <a:xfrm>
             <a:off x="838080" y="1825560"/>
-            <a:ext cx="10513440" cy="4349160"/>
+            <a:ext cx="10513080" cy="4348800"/>
           </a:xfrm>
           <a:prstGeom prst="rect">
             <a:avLst/>
@@ -6218,7 +6235,7 @@
       </p:sp>
       <p:pic>
         <p:nvPicPr>
-          <p:cNvPr id="136" name="Image 4" descr=""/>
+          <p:cNvPr id="137" name="Image 4" descr=""/>
           <p:cNvPicPr/>
           <p:nvPr/>
         </p:nvPicPr>
@@ -6229,7 +6246,7 @@
         <p:spPr>
           <a:xfrm>
             <a:off x="11011680" y="15840"/>
-            <a:ext cx="1015920" cy="1009800"/>
+            <a:ext cx="1015560" cy="1009440"/>
           </a:xfrm>
           <a:prstGeom prst="rect">
             <a:avLst/>
@@ -6241,7 +6258,7 @@
       </p:pic>
       <p:pic>
         <p:nvPicPr>
-          <p:cNvPr id="137" name="" descr=""/>
+          <p:cNvPr id="138" name="" descr=""/>
           <p:cNvPicPr/>
           <p:nvPr/>
         </p:nvPicPr>
@@ -6252,7 +6269,7 @@
         <p:spPr>
           <a:xfrm>
             <a:off x="360" y="1682640"/>
-            <a:ext cx="7593480" cy="5174280"/>
+            <a:ext cx="7593120" cy="5173920"/>
           </a:xfrm>
           <a:prstGeom prst="rect">
             <a:avLst/>
@@ -6264,14 +6281,14 @@
       </p:pic>
       <p:sp>
         <p:nvSpPr>
-          <p:cNvPr id="138" name="CustomShape 3"/>
+          <p:cNvPr id="139" name="CustomShape 3"/>
           <p:cNvSpPr/>
           <p:nvPr/>
         </p:nvSpPr>
         <p:spPr>
           <a:xfrm rot="10800">
-            <a:off x="7484760" y="2324160"/>
-            <a:ext cx="4703040" cy="3899160"/>
+            <a:off x="7484400" y="2324160"/>
+            <a:ext cx="4702680" cy="3898800"/>
           </a:xfrm>
           <a:prstGeom prst="rect">
             <a:avLst/>
@@ -6298,7 +6315,7 @@
               </a:lnSpc>
             </a:pPr>
             <a:r>
-              <a:rPr b="0" lang="en-US" sz="3200" spc="-1" strike="noStrike">
+              <a:rPr b="0" lang="fr-FR" sz="3200" spc="-1" strike="noStrike">
                 <a:solidFill>
                   <a:srgbClr val="000000"/>
                 </a:solidFill>
@@ -6307,7 +6324,7 @@
               </a:rPr>
               <a:t>Alors voilà on à eu l’idée (enfin on a piqué l’idée sur le compte twitter de la photo de gauche), de faire des petits sondage, poser des questions, tweeter des liens du futur blog.</a:t>
             </a:r>
-            <a:endParaRPr b="0" lang="en-US" sz="3200" spc="-1" strike="noStrike">
+            <a:endParaRPr b="0" lang="fr-FR" sz="3200" spc="-1" strike="noStrike">
               <a:latin typeface="Arial"/>
             </a:endParaRPr>
           </a:p>
@@ -6345,14 +6362,14 @@
       </p:grpSpPr>
       <p:sp>
         <p:nvSpPr>
-          <p:cNvPr id="139" name="CustomShape 1"/>
+          <p:cNvPr id="140" name="CustomShape 1"/>
           <p:cNvSpPr/>
           <p:nvPr/>
         </p:nvSpPr>
         <p:spPr>
           <a:xfrm>
             <a:off x="838080" y="365040"/>
-            <a:ext cx="10513440" cy="1323360"/>
+            <a:ext cx="10513080" cy="1323000"/>
           </a:xfrm>
           <a:prstGeom prst="rect">
             <a:avLst/>
@@ -6379,7 +6396,7 @@
               </a:lnSpc>
             </a:pPr>
             <a:r>
-              <a:rPr b="0" lang="en-US" sz="4400" spc="-1" strike="noStrike">
+              <a:rPr b="0" lang="fr-FR" sz="4400" spc="-1" strike="noStrike">
                 <a:solidFill>
                   <a:srgbClr val="000000"/>
                 </a:solidFill>
@@ -6388,22 +6405,22 @@
               </a:rPr>
               <a:t>Création de contenus « 1 Erreur / 1 Solution »</a:t>
             </a:r>
-            <a:endParaRPr b="0" lang="en-US" sz="4400" spc="-1" strike="noStrike">
-              <a:latin typeface="Arial"/>
-            </a:endParaRPr>
-          </a:p>
-        </p:txBody>
-      </p:sp>
-      <p:sp>
-        <p:nvSpPr>
-          <p:cNvPr id="140" name="CustomShape 2"/>
+            <a:endParaRPr b="0" lang="fr-FR" sz="4400" spc="-1" strike="noStrike">
+              <a:latin typeface="Arial"/>
+            </a:endParaRPr>
+          </a:p>
+        </p:txBody>
+      </p:sp>
+      <p:sp>
+        <p:nvSpPr>
+          <p:cNvPr id="141" name="CustomShape 2"/>
           <p:cNvSpPr/>
           <p:nvPr/>
         </p:nvSpPr>
         <p:spPr>
           <a:xfrm>
             <a:off x="838080" y="1825560"/>
-            <a:ext cx="10513440" cy="4349160"/>
+            <a:ext cx="10513080" cy="4348800"/>
           </a:xfrm>
           <a:prstGeom prst="rect">
             <a:avLst/>
@@ -6422,7 +6439,7 @@
       </p:sp>
       <p:pic>
         <p:nvPicPr>
-          <p:cNvPr id="141" name="Image 4" descr=""/>
+          <p:cNvPr id="142" name="Image 4" descr=""/>
           <p:cNvPicPr/>
           <p:nvPr/>
         </p:nvPicPr>
@@ -6433,7 +6450,7 @@
         <p:spPr>
           <a:xfrm>
             <a:off x="11075040" y="15840"/>
-            <a:ext cx="1015920" cy="1009800"/>
+            <a:ext cx="1015560" cy="1009440"/>
           </a:xfrm>
           <a:prstGeom prst="rect">
             <a:avLst/>
@@ -6445,7 +6462,7 @@
       </p:pic>
       <p:pic>
         <p:nvPicPr>
-          <p:cNvPr id="142" name="" descr=""/>
+          <p:cNvPr id="143" name="" descr=""/>
           <p:cNvPicPr/>
           <p:nvPr/>
         </p:nvPicPr>
@@ -6456,7 +6473,7 @@
         <p:spPr>
           <a:xfrm>
             <a:off x="2800440" y="1653480"/>
-            <a:ext cx="6800400" cy="5133600"/>
+            <a:ext cx="6800040" cy="5133240"/>
           </a:xfrm>
           <a:prstGeom prst="rect">
             <a:avLst/>
@@ -6498,14 +6515,14 @@
       </p:grpSpPr>
       <p:sp>
         <p:nvSpPr>
-          <p:cNvPr id="143" name="CustomShape 1"/>
+          <p:cNvPr id="144" name="CustomShape 1"/>
           <p:cNvSpPr/>
           <p:nvPr/>
         </p:nvSpPr>
         <p:spPr>
           <a:xfrm>
             <a:off x="838080" y="365040"/>
-            <a:ext cx="10513440" cy="1323360"/>
+            <a:ext cx="10513080" cy="1323000"/>
           </a:xfrm>
           <a:prstGeom prst="rect">
             <a:avLst/>
@@ -6532,7 +6549,7 @@
               </a:lnSpc>
             </a:pPr>
             <a:r>
-              <a:rPr b="0" lang="en-US" sz="4400" spc="-1" strike="noStrike">
+              <a:rPr b="0" lang="fr-FR" sz="4400" spc="-1" strike="noStrike">
                 <a:solidFill>
                   <a:srgbClr val="000000"/>
                 </a:solidFill>
@@ -6541,22 +6558,22 @@
               </a:rPr>
               <a:t>Création d’un contenue « FAQ »</a:t>
             </a:r>
-            <a:endParaRPr b="0" lang="en-US" sz="4400" spc="-1" strike="noStrike">
-              <a:latin typeface="Arial"/>
-            </a:endParaRPr>
-          </a:p>
-        </p:txBody>
-      </p:sp>
-      <p:sp>
-        <p:nvSpPr>
-          <p:cNvPr id="144" name="CustomShape 2"/>
+            <a:endParaRPr b="0" lang="fr-FR" sz="4400" spc="-1" strike="noStrike">
+              <a:latin typeface="Arial"/>
+            </a:endParaRPr>
+          </a:p>
+        </p:txBody>
+      </p:sp>
+      <p:sp>
+        <p:nvSpPr>
+          <p:cNvPr id="145" name="CustomShape 2"/>
           <p:cNvSpPr/>
           <p:nvPr/>
         </p:nvSpPr>
         <p:spPr>
           <a:xfrm>
             <a:off x="838080" y="1825560"/>
-            <a:ext cx="10513440" cy="4349160"/>
+            <a:ext cx="10513080" cy="4348800"/>
           </a:xfrm>
           <a:prstGeom prst="rect">
             <a:avLst/>
@@ -6575,7 +6592,7 @@
       </p:sp>
       <p:pic>
         <p:nvPicPr>
-          <p:cNvPr id="145" name="Image 4" descr=""/>
+          <p:cNvPr id="146" name="Image 4" descr=""/>
           <p:cNvPicPr/>
           <p:nvPr/>
         </p:nvPicPr>
@@ -6586,7 +6603,7 @@
         <p:spPr>
           <a:xfrm>
             <a:off x="11075040" y="15840"/>
-            <a:ext cx="1015920" cy="1009800"/>
+            <a:ext cx="1015560" cy="1009440"/>
           </a:xfrm>
           <a:prstGeom prst="rect">
             <a:avLst/>
@@ -6598,7 +6615,7 @@
       </p:pic>
       <p:pic>
         <p:nvPicPr>
-          <p:cNvPr id="146" name="" descr=""/>
+          <p:cNvPr id="147" name="" descr=""/>
           <p:cNvPicPr/>
           <p:nvPr/>
         </p:nvPicPr>
@@ -6609,7 +6626,7 @@
         <p:spPr>
           <a:xfrm>
             <a:off x="1512000" y="1465200"/>
-            <a:ext cx="7952760" cy="5086440"/>
+            <a:ext cx="7952400" cy="5086080"/>
           </a:xfrm>
           <a:prstGeom prst="rect">
             <a:avLst/>

--- a/GIT-moi-tout.pptx
+++ b/GIT-moi-tout.pptx
@@ -85,7 +85,7 @@
           </a:bodyPr>
           <a:p>
             <a:pPr algn="ctr"/>
-            <a:endParaRPr b="0" lang="fr-FR" sz="4400" spc="-1" strike="noStrike">
+            <a:endParaRPr b="0" lang="en-US" sz="4400" spc="-1" strike="noStrike">
               <a:latin typeface="Arial"/>
             </a:endParaRPr>
           </a:p>
@@ -115,7 +115,7 @@
             <a:normAutofit/>
           </a:bodyPr>
           <a:p>
-            <a:endParaRPr b="0" lang="fr-FR" sz="3200" spc="-1" strike="noStrike">
+            <a:endParaRPr b="0" lang="en-US" sz="3200" spc="-1" strike="noStrike">
               <a:latin typeface="Arial"/>
             </a:endParaRPr>
           </a:p>
@@ -145,7 +145,7 @@
             <a:normAutofit/>
           </a:bodyPr>
           <a:p>
-            <a:endParaRPr b="0" lang="fr-FR" sz="3200" spc="-1" strike="noStrike">
+            <a:endParaRPr b="0" lang="en-US" sz="3200" spc="-1" strike="noStrike">
               <a:latin typeface="Arial"/>
             </a:endParaRPr>
           </a:p>
@@ -198,7 +198,7 @@
           </a:bodyPr>
           <a:p>
             <a:pPr algn="ctr"/>
-            <a:endParaRPr b="0" lang="fr-FR" sz="4400" spc="-1" strike="noStrike">
+            <a:endParaRPr b="0" lang="en-US" sz="4400" spc="-1" strike="noStrike">
               <a:latin typeface="Arial"/>
             </a:endParaRPr>
           </a:p>
@@ -228,7 +228,7 @@
             <a:normAutofit/>
           </a:bodyPr>
           <a:p>
-            <a:endParaRPr b="0" lang="fr-FR" sz="3200" spc="-1" strike="noStrike">
+            <a:endParaRPr b="0" lang="en-US" sz="3200" spc="-1" strike="noStrike">
               <a:latin typeface="Arial"/>
             </a:endParaRPr>
           </a:p>
@@ -258,7 +258,7 @@
             <a:normAutofit/>
           </a:bodyPr>
           <a:p>
-            <a:endParaRPr b="0" lang="fr-FR" sz="3200" spc="-1" strike="noStrike">
+            <a:endParaRPr b="0" lang="en-US" sz="3200" spc="-1" strike="noStrike">
               <a:latin typeface="Arial"/>
             </a:endParaRPr>
           </a:p>
@@ -288,7 +288,7 @@
             <a:normAutofit/>
           </a:bodyPr>
           <a:p>
-            <a:endParaRPr b="0" lang="fr-FR" sz="3200" spc="-1" strike="noStrike">
+            <a:endParaRPr b="0" lang="en-US" sz="3200" spc="-1" strike="noStrike">
               <a:latin typeface="Arial"/>
             </a:endParaRPr>
           </a:p>
@@ -318,7 +318,7 @@
             <a:normAutofit/>
           </a:bodyPr>
           <a:p>
-            <a:endParaRPr b="0" lang="fr-FR" sz="3200" spc="-1" strike="noStrike">
+            <a:endParaRPr b="0" lang="en-US" sz="3200" spc="-1" strike="noStrike">
               <a:latin typeface="Arial"/>
             </a:endParaRPr>
           </a:p>
@@ -371,7 +371,7 @@
           </a:bodyPr>
           <a:p>
             <a:pPr algn="ctr"/>
-            <a:endParaRPr b="0" lang="fr-FR" sz="4400" spc="-1" strike="noStrike">
+            <a:endParaRPr b="0" lang="en-US" sz="4400" spc="-1" strike="noStrike">
               <a:latin typeface="Arial"/>
             </a:endParaRPr>
           </a:p>
@@ -401,7 +401,7 @@
             <a:normAutofit/>
           </a:bodyPr>
           <a:p>
-            <a:endParaRPr b="0" lang="fr-FR" sz="3200" spc="-1" strike="noStrike">
+            <a:endParaRPr b="0" lang="en-US" sz="3200" spc="-1" strike="noStrike">
               <a:latin typeface="Arial"/>
             </a:endParaRPr>
           </a:p>
@@ -431,7 +431,7 @@
             <a:normAutofit/>
           </a:bodyPr>
           <a:p>
-            <a:endParaRPr b="0" lang="fr-FR" sz="3200" spc="-1" strike="noStrike">
+            <a:endParaRPr b="0" lang="en-US" sz="3200" spc="-1" strike="noStrike">
               <a:latin typeface="Arial"/>
             </a:endParaRPr>
           </a:p>
@@ -461,7 +461,7 @@
             <a:normAutofit/>
           </a:bodyPr>
           <a:p>
-            <a:endParaRPr b="0" lang="fr-FR" sz="3200" spc="-1" strike="noStrike">
+            <a:endParaRPr b="0" lang="en-US" sz="3200" spc="-1" strike="noStrike">
               <a:latin typeface="Arial"/>
             </a:endParaRPr>
           </a:p>
@@ -491,7 +491,7 @@
             <a:normAutofit/>
           </a:bodyPr>
           <a:p>
-            <a:endParaRPr b="0" lang="fr-FR" sz="3200" spc="-1" strike="noStrike">
+            <a:endParaRPr b="0" lang="en-US" sz="3200" spc="-1" strike="noStrike">
               <a:latin typeface="Arial"/>
             </a:endParaRPr>
           </a:p>
@@ -521,7 +521,7 @@
             <a:normAutofit/>
           </a:bodyPr>
           <a:p>
-            <a:endParaRPr b="0" lang="fr-FR" sz="3200" spc="-1" strike="noStrike">
+            <a:endParaRPr b="0" lang="en-US" sz="3200" spc="-1" strike="noStrike">
               <a:latin typeface="Arial"/>
             </a:endParaRPr>
           </a:p>
@@ -551,7 +551,7 @@
             <a:normAutofit/>
           </a:bodyPr>
           <a:p>
-            <a:endParaRPr b="0" lang="fr-FR" sz="3200" spc="-1" strike="noStrike">
+            <a:endParaRPr b="0" lang="en-US" sz="3200" spc="-1" strike="noStrike">
               <a:latin typeface="Arial"/>
             </a:endParaRPr>
           </a:p>
@@ -626,7 +626,7 @@
           </a:bodyPr>
           <a:p>
             <a:pPr algn="ctr"/>
-            <a:endParaRPr b="0" lang="fr-FR" sz="4400" spc="-1" strike="noStrike">
+            <a:endParaRPr b="0" lang="en-US" sz="4400" spc="-1" strike="noStrike">
               <a:latin typeface="Arial"/>
             </a:endParaRPr>
           </a:p>
@@ -657,7 +657,7 @@
           </a:bodyPr>
           <a:p>
             <a:pPr algn="ctr"/>
-            <a:endParaRPr b="0" lang="fr-FR" sz="3200" spc="-1" strike="noStrike">
+            <a:endParaRPr b="0" lang="en-US" sz="3200" spc="-1" strike="noStrike">
               <a:latin typeface="Arial"/>
             </a:endParaRPr>
           </a:p>
@@ -710,7 +710,7 @@
           </a:bodyPr>
           <a:p>
             <a:pPr algn="ctr"/>
-            <a:endParaRPr b="0" lang="fr-FR" sz="4400" spc="-1" strike="noStrike">
+            <a:endParaRPr b="0" lang="en-US" sz="4400" spc="-1" strike="noStrike">
               <a:latin typeface="Arial"/>
             </a:endParaRPr>
           </a:p>
@@ -740,7 +740,7 @@
             <a:normAutofit/>
           </a:bodyPr>
           <a:p>
-            <a:endParaRPr b="0" lang="fr-FR" sz="3200" spc="-1" strike="noStrike">
+            <a:endParaRPr b="0" lang="en-US" sz="3200" spc="-1" strike="noStrike">
               <a:latin typeface="Arial"/>
             </a:endParaRPr>
           </a:p>
@@ -793,7 +793,7 @@
           </a:bodyPr>
           <a:p>
             <a:pPr algn="ctr"/>
-            <a:endParaRPr b="0" lang="fr-FR" sz="4400" spc="-1" strike="noStrike">
+            <a:endParaRPr b="0" lang="en-US" sz="4400" spc="-1" strike="noStrike">
               <a:latin typeface="Arial"/>
             </a:endParaRPr>
           </a:p>
@@ -823,7 +823,7 @@
             <a:normAutofit/>
           </a:bodyPr>
           <a:p>
-            <a:endParaRPr b="0" lang="fr-FR" sz="3200" spc="-1" strike="noStrike">
+            <a:endParaRPr b="0" lang="en-US" sz="3200" spc="-1" strike="noStrike">
               <a:latin typeface="Arial"/>
             </a:endParaRPr>
           </a:p>
@@ -853,7 +853,7 @@
             <a:normAutofit/>
           </a:bodyPr>
           <a:p>
-            <a:endParaRPr b="0" lang="fr-FR" sz="3200" spc="-1" strike="noStrike">
+            <a:endParaRPr b="0" lang="en-US" sz="3200" spc="-1" strike="noStrike">
               <a:latin typeface="Arial"/>
             </a:endParaRPr>
           </a:p>
@@ -906,7 +906,7 @@
           </a:bodyPr>
           <a:p>
             <a:pPr algn="ctr"/>
-            <a:endParaRPr b="0" lang="fr-FR" sz="4400" spc="-1" strike="noStrike">
+            <a:endParaRPr b="0" lang="en-US" sz="4400" spc="-1" strike="noStrike">
               <a:latin typeface="Arial"/>
             </a:endParaRPr>
           </a:p>
@@ -959,7 +959,7 @@
           </a:bodyPr>
           <a:p>
             <a:pPr algn="ctr"/>
-            <a:endParaRPr b="0" lang="fr-FR" sz="3200" spc="-1" strike="noStrike">
+            <a:endParaRPr b="0" lang="en-US" sz="3200" spc="-1" strike="noStrike">
               <a:latin typeface="Arial"/>
             </a:endParaRPr>
           </a:p>
@@ -1012,7 +1012,7 @@
           </a:bodyPr>
           <a:p>
             <a:pPr algn="ctr"/>
-            <a:endParaRPr b="0" lang="fr-FR" sz="4400" spc="-1" strike="noStrike">
+            <a:endParaRPr b="0" lang="en-US" sz="4400" spc="-1" strike="noStrike">
               <a:latin typeface="Arial"/>
             </a:endParaRPr>
           </a:p>
@@ -1042,7 +1042,7 @@
             <a:normAutofit/>
           </a:bodyPr>
           <a:p>
-            <a:endParaRPr b="0" lang="fr-FR" sz="3200" spc="-1" strike="noStrike">
+            <a:endParaRPr b="0" lang="en-US" sz="3200" spc="-1" strike="noStrike">
               <a:latin typeface="Arial"/>
             </a:endParaRPr>
           </a:p>
@@ -1072,7 +1072,7 @@
             <a:normAutofit/>
           </a:bodyPr>
           <a:p>
-            <a:endParaRPr b="0" lang="fr-FR" sz="3200" spc="-1" strike="noStrike">
+            <a:endParaRPr b="0" lang="en-US" sz="3200" spc="-1" strike="noStrike">
               <a:latin typeface="Arial"/>
             </a:endParaRPr>
           </a:p>
@@ -1102,7 +1102,7 @@
             <a:normAutofit/>
           </a:bodyPr>
           <a:p>
-            <a:endParaRPr b="0" lang="fr-FR" sz="3200" spc="-1" strike="noStrike">
+            <a:endParaRPr b="0" lang="en-US" sz="3200" spc="-1" strike="noStrike">
               <a:latin typeface="Arial"/>
             </a:endParaRPr>
           </a:p>
@@ -1155,7 +1155,7 @@
           </a:bodyPr>
           <a:p>
             <a:pPr algn="ctr"/>
-            <a:endParaRPr b="0" lang="fr-FR" sz="4400" spc="-1" strike="noStrike">
+            <a:endParaRPr b="0" lang="en-US" sz="4400" spc="-1" strike="noStrike">
               <a:latin typeface="Arial"/>
             </a:endParaRPr>
           </a:p>
@@ -1186,7 +1186,7 @@
           </a:bodyPr>
           <a:p>
             <a:pPr algn="ctr"/>
-            <a:endParaRPr b="0" lang="fr-FR" sz="3200" spc="-1" strike="noStrike">
+            <a:endParaRPr b="0" lang="en-US" sz="3200" spc="-1" strike="noStrike">
               <a:latin typeface="Arial"/>
             </a:endParaRPr>
           </a:p>
@@ -1239,7 +1239,7 @@
           </a:bodyPr>
           <a:p>
             <a:pPr algn="ctr"/>
-            <a:endParaRPr b="0" lang="fr-FR" sz="4400" spc="-1" strike="noStrike">
+            <a:endParaRPr b="0" lang="en-US" sz="4400" spc="-1" strike="noStrike">
               <a:latin typeface="Arial"/>
             </a:endParaRPr>
           </a:p>
@@ -1269,7 +1269,7 @@
             <a:normAutofit/>
           </a:bodyPr>
           <a:p>
-            <a:endParaRPr b="0" lang="fr-FR" sz="3200" spc="-1" strike="noStrike">
+            <a:endParaRPr b="0" lang="en-US" sz="3200" spc="-1" strike="noStrike">
               <a:latin typeface="Arial"/>
             </a:endParaRPr>
           </a:p>
@@ -1299,7 +1299,7 @@
             <a:normAutofit/>
           </a:bodyPr>
           <a:p>
-            <a:endParaRPr b="0" lang="fr-FR" sz="3200" spc="-1" strike="noStrike">
+            <a:endParaRPr b="0" lang="en-US" sz="3200" spc="-1" strike="noStrike">
               <a:latin typeface="Arial"/>
             </a:endParaRPr>
           </a:p>
@@ -1329,7 +1329,7 @@
             <a:normAutofit/>
           </a:bodyPr>
           <a:p>
-            <a:endParaRPr b="0" lang="fr-FR" sz="3200" spc="-1" strike="noStrike">
+            <a:endParaRPr b="0" lang="en-US" sz="3200" spc="-1" strike="noStrike">
               <a:latin typeface="Arial"/>
             </a:endParaRPr>
           </a:p>
@@ -1382,7 +1382,7 @@
           </a:bodyPr>
           <a:p>
             <a:pPr algn="ctr"/>
-            <a:endParaRPr b="0" lang="fr-FR" sz="4400" spc="-1" strike="noStrike">
+            <a:endParaRPr b="0" lang="en-US" sz="4400" spc="-1" strike="noStrike">
               <a:latin typeface="Arial"/>
             </a:endParaRPr>
           </a:p>
@@ -1412,7 +1412,7 @@
             <a:normAutofit/>
           </a:bodyPr>
           <a:p>
-            <a:endParaRPr b="0" lang="fr-FR" sz="3200" spc="-1" strike="noStrike">
+            <a:endParaRPr b="0" lang="en-US" sz="3200" spc="-1" strike="noStrike">
               <a:latin typeface="Arial"/>
             </a:endParaRPr>
           </a:p>
@@ -1442,7 +1442,7 @@
             <a:normAutofit/>
           </a:bodyPr>
           <a:p>
-            <a:endParaRPr b="0" lang="fr-FR" sz="3200" spc="-1" strike="noStrike">
+            <a:endParaRPr b="0" lang="en-US" sz="3200" spc="-1" strike="noStrike">
               <a:latin typeface="Arial"/>
             </a:endParaRPr>
           </a:p>
@@ -1472,7 +1472,7 @@
             <a:normAutofit/>
           </a:bodyPr>
           <a:p>
-            <a:endParaRPr b="0" lang="fr-FR" sz="3200" spc="-1" strike="noStrike">
+            <a:endParaRPr b="0" lang="en-US" sz="3200" spc="-1" strike="noStrike">
               <a:latin typeface="Arial"/>
             </a:endParaRPr>
           </a:p>
@@ -1525,7 +1525,7 @@
           </a:bodyPr>
           <a:p>
             <a:pPr algn="ctr"/>
-            <a:endParaRPr b="0" lang="fr-FR" sz="4400" spc="-1" strike="noStrike">
+            <a:endParaRPr b="0" lang="en-US" sz="4400" spc="-1" strike="noStrike">
               <a:latin typeface="Arial"/>
             </a:endParaRPr>
           </a:p>
@@ -1555,7 +1555,7 @@
             <a:normAutofit/>
           </a:bodyPr>
           <a:p>
-            <a:endParaRPr b="0" lang="fr-FR" sz="3200" spc="-1" strike="noStrike">
+            <a:endParaRPr b="0" lang="en-US" sz="3200" spc="-1" strike="noStrike">
               <a:latin typeface="Arial"/>
             </a:endParaRPr>
           </a:p>
@@ -1585,7 +1585,7 @@
             <a:normAutofit/>
           </a:bodyPr>
           <a:p>
-            <a:endParaRPr b="0" lang="fr-FR" sz="3200" spc="-1" strike="noStrike">
+            <a:endParaRPr b="0" lang="en-US" sz="3200" spc="-1" strike="noStrike">
               <a:latin typeface="Arial"/>
             </a:endParaRPr>
           </a:p>
@@ -1638,7 +1638,7 @@
           </a:bodyPr>
           <a:p>
             <a:pPr algn="ctr"/>
-            <a:endParaRPr b="0" lang="fr-FR" sz="4400" spc="-1" strike="noStrike">
+            <a:endParaRPr b="0" lang="en-US" sz="4400" spc="-1" strike="noStrike">
               <a:latin typeface="Arial"/>
             </a:endParaRPr>
           </a:p>
@@ -1668,7 +1668,7 @@
             <a:normAutofit/>
           </a:bodyPr>
           <a:p>
-            <a:endParaRPr b="0" lang="fr-FR" sz="3200" spc="-1" strike="noStrike">
+            <a:endParaRPr b="0" lang="en-US" sz="3200" spc="-1" strike="noStrike">
               <a:latin typeface="Arial"/>
             </a:endParaRPr>
           </a:p>
@@ -1698,7 +1698,7 @@
             <a:normAutofit/>
           </a:bodyPr>
           <a:p>
-            <a:endParaRPr b="0" lang="fr-FR" sz="3200" spc="-1" strike="noStrike">
+            <a:endParaRPr b="0" lang="en-US" sz="3200" spc="-1" strike="noStrike">
               <a:latin typeface="Arial"/>
             </a:endParaRPr>
           </a:p>
@@ -1728,7 +1728,7 @@
             <a:normAutofit/>
           </a:bodyPr>
           <a:p>
-            <a:endParaRPr b="0" lang="fr-FR" sz="3200" spc="-1" strike="noStrike">
+            <a:endParaRPr b="0" lang="en-US" sz="3200" spc="-1" strike="noStrike">
               <a:latin typeface="Arial"/>
             </a:endParaRPr>
           </a:p>
@@ -1758,7 +1758,7 @@
             <a:normAutofit/>
           </a:bodyPr>
           <a:p>
-            <a:endParaRPr b="0" lang="fr-FR" sz="3200" spc="-1" strike="noStrike">
+            <a:endParaRPr b="0" lang="en-US" sz="3200" spc="-1" strike="noStrike">
               <a:latin typeface="Arial"/>
             </a:endParaRPr>
           </a:p>
@@ -1811,7 +1811,7 @@
           </a:bodyPr>
           <a:p>
             <a:pPr algn="ctr"/>
-            <a:endParaRPr b="0" lang="fr-FR" sz="4400" spc="-1" strike="noStrike">
+            <a:endParaRPr b="0" lang="en-US" sz="4400" spc="-1" strike="noStrike">
               <a:latin typeface="Arial"/>
             </a:endParaRPr>
           </a:p>
@@ -1841,7 +1841,7 @@
             <a:normAutofit/>
           </a:bodyPr>
           <a:p>
-            <a:endParaRPr b="0" lang="fr-FR" sz="3200" spc="-1" strike="noStrike">
+            <a:endParaRPr b="0" lang="en-US" sz="3200" spc="-1" strike="noStrike">
               <a:latin typeface="Arial"/>
             </a:endParaRPr>
           </a:p>
@@ -1871,7 +1871,7 @@
             <a:normAutofit/>
           </a:bodyPr>
           <a:p>
-            <a:endParaRPr b="0" lang="fr-FR" sz="3200" spc="-1" strike="noStrike">
+            <a:endParaRPr b="0" lang="en-US" sz="3200" spc="-1" strike="noStrike">
               <a:latin typeface="Arial"/>
             </a:endParaRPr>
           </a:p>
@@ -1901,7 +1901,7 @@
             <a:normAutofit/>
           </a:bodyPr>
           <a:p>
-            <a:endParaRPr b="0" lang="fr-FR" sz="3200" spc="-1" strike="noStrike">
+            <a:endParaRPr b="0" lang="en-US" sz="3200" spc="-1" strike="noStrike">
               <a:latin typeface="Arial"/>
             </a:endParaRPr>
           </a:p>
@@ -1931,7 +1931,7 @@
             <a:normAutofit/>
           </a:bodyPr>
           <a:p>
-            <a:endParaRPr b="0" lang="fr-FR" sz="3200" spc="-1" strike="noStrike">
+            <a:endParaRPr b="0" lang="en-US" sz="3200" spc="-1" strike="noStrike">
               <a:latin typeface="Arial"/>
             </a:endParaRPr>
           </a:p>
@@ -1961,7 +1961,7 @@
             <a:normAutofit/>
           </a:bodyPr>
           <a:p>
-            <a:endParaRPr b="0" lang="fr-FR" sz="3200" spc="-1" strike="noStrike">
+            <a:endParaRPr b="0" lang="en-US" sz="3200" spc="-1" strike="noStrike">
               <a:latin typeface="Arial"/>
             </a:endParaRPr>
           </a:p>
@@ -1991,7 +1991,7 @@
             <a:normAutofit/>
           </a:bodyPr>
           <a:p>
-            <a:endParaRPr b="0" lang="fr-FR" sz="3200" spc="-1" strike="noStrike">
+            <a:endParaRPr b="0" lang="en-US" sz="3200" spc="-1" strike="noStrike">
               <a:latin typeface="Arial"/>
             </a:endParaRPr>
           </a:p>
@@ -2066,7 +2066,7 @@
           </a:bodyPr>
           <a:p>
             <a:pPr algn="ctr"/>
-            <a:endParaRPr b="0" lang="fr-FR" sz="4400" spc="-1" strike="noStrike">
+            <a:endParaRPr b="0" lang="en-US" sz="4400" spc="-1" strike="noStrike">
               <a:latin typeface="Arial"/>
             </a:endParaRPr>
           </a:p>
@@ -2097,7 +2097,7 @@
           </a:bodyPr>
           <a:p>
             <a:pPr algn="ctr"/>
-            <a:endParaRPr b="0" lang="fr-FR" sz="3200" spc="-1" strike="noStrike">
+            <a:endParaRPr b="0" lang="en-US" sz="3200" spc="-1" strike="noStrike">
               <a:latin typeface="Arial"/>
             </a:endParaRPr>
           </a:p>
@@ -2150,7 +2150,7 @@
           </a:bodyPr>
           <a:p>
             <a:pPr algn="ctr"/>
-            <a:endParaRPr b="0" lang="fr-FR" sz="4400" spc="-1" strike="noStrike">
+            <a:endParaRPr b="0" lang="en-US" sz="4400" spc="-1" strike="noStrike">
               <a:latin typeface="Arial"/>
             </a:endParaRPr>
           </a:p>
@@ -2180,7 +2180,7 @@
             <a:normAutofit/>
           </a:bodyPr>
           <a:p>
-            <a:endParaRPr b="0" lang="fr-FR" sz="3200" spc="-1" strike="noStrike">
+            <a:endParaRPr b="0" lang="en-US" sz="3200" spc="-1" strike="noStrike">
               <a:latin typeface="Arial"/>
             </a:endParaRPr>
           </a:p>
@@ -2233,7 +2233,7 @@
           </a:bodyPr>
           <a:p>
             <a:pPr algn="ctr"/>
-            <a:endParaRPr b="0" lang="fr-FR" sz="4400" spc="-1" strike="noStrike">
+            <a:endParaRPr b="0" lang="en-US" sz="4400" spc="-1" strike="noStrike">
               <a:latin typeface="Arial"/>
             </a:endParaRPr>
           </a:p>
@@ -2263,7 +2263,7 @@
             <a:normAutofit/>
           </a:bodyPr>
           <a:p>
-            <a:endParaRPr b="0" lang="fr-FR" sz="3200" spc="-1" strike="noStrike">
+            <a:endParaRPr b="0" lang="en-US" sz="3200" spc="-1" strike="noStrike">
               <a:latin typeface="Arial"/>
             </a:endParaRPr>
           </a:p>
@@ -2293,7 +2293,7 @@
             <a:normAutofit/>
           </a:bodyPr>
           <a:p>
-            <a:endParaRPr b="0" lang="fr-FR" sz="3200" spc="-1" strike="noStrike">
+            <a:endParaRPr b="0" lang="en-US" sz="3200" spc="-1" strike="noStrike">
               <a:latin typeface="Arial"/>
             </a:endParaRPr>
           </a:p>
@@ -2346,7 +2346,7 @@
           </a:bodyPr>
           <a:p>
             <a:pPr algn="ctr"/>
-            <a:endParaRPr b="0" lang="fr-FR" sz="4400" spc="-1" strike="noStrike">
+            <a:endParaRPr b="0" lang="en-US" sz="4400" spc="-1" strike="noStrike">
               <a:latin typeface="Arial"/>
             </a:endParaRPr>
           </a:p>
@@ -2399,7 +2399,7 @@
           </a:bodyPr>
           <a:p>
             <a:pPr algn="ctr"/>
-            <a:endParaRPr b="0" lang="fr-FR" sz="4400" spc="-1" strike="noStrike">
+            <a:endParaRPr b="0" lang="en-US" sz="4400" spc="-1" strike="noStrike">
               <a:latin typeface="Arial"/>
             </a:endParaRPr>
           </a:p>
@@ -2429,7 +2429,7 @@
             <a:normAutofit/>
           </a:bodyPr>
           <a:p>
-            <a:endParaRPr b="0" lang="fr-FR" sz="3200" spc="-1" strike="noStrike">
+            <a:endParaRPr b="0" lang="en-US" sz="3200" spc="-1" strike="noStrike">
               <a:latin typeface="Arial"/>
             </a:endParaRPr>
           </a:p>
@@ -2482,7 +2482,7 @@
           </a:bodyPr>
           <a:p>
             <a:pPr algn="ctr"/>
-            <a:endParaRPr b="0" lang="fr-FR" sz="3200" spc="-1" strike="noStrike">
+            <a:endParaRPr b="0" lang="en-US" sz="3200" spc="-1" strike="noStrike">
               <a:latin typeface="Arial"/>
             </a:endParaRPr>
           </a:p>
@@ -2535,7 +2535,7 @@
           </a:bodyPr>
           <a:p>
             <a:pPr algn="ctr"/>
-            <a:endParaRPr b="0" lang="fr-FR" sz="4400" spc="-1" strike="noStrike">
+            <a:endParaRPr b="0" lang="en-US" sz="4400" spc="-1" strike="noStrike">
               <a:latin typeface="Arial"/>
             </a:endParaRPr>
           </a:p>
@@ -2565,7 +2565,7 @@
             <a:normAutofit/>
           </a:bodyPr>
           <a:p>
-            <a:endParaRPr b="0" lang="fr-FR" sz="3200" spc="-1" strike="noStrike">
+            <a:endParaRPr b="0" lang="en-US" sz="3200" spc="-1" strike="noStrike">
               <a:latin typeface="Arial"/>
             </a:endParaRPr>
           </a:p>
@@ -2595,7 +2595,7 @@
             <a:normAutofit/>
           </a:bodyPr>
           <a:p>
-            <a:endParaRPr b="0" lang="fr-FR" sz="3200" spc="-1" strike="noStrike">
+            <a:endParaRPr b="0" lang="en-US" sz="3200" spc="-1" strike="noStrike">
               <a:latin typeface="Arial"/>
             </a:endParaRPr>
           </a:p>
@@ -2625,7 +2625,7 @@
             <a:normAutofit/>
           </a:bodyPr>
           <a:p>
-            <a:endParaRPr b="0" lang="fr-FR" sz="3200" spc="-1" strike="noStrike">
+            <a:endParaRPr b="0" lang="en-US" sz="3200" spc="-1" strike="noStrike">
               <a:latin typeface="Arial"/>
             </a:endParaRPr>
           </a:p>
@@ -2678,7 +2678,7 @@
           </a:bodyPr>
           <a:p>
             <a:pPr algn="ctr"/>
-            <a:endParaRPr b="0" lang="fr-FR" sz="4400" spc="-1" strike="noStrike">
+            <a:endParaRPr b="0" lang="en-US" sz="4400" spc="-1" strike="noStrike">
               <a:latin typeface="Arial"/>
             </a:endParaRPr>
           </a:p>
@@ -2708,7 +2708,7 @@
             <a:normAutofit/>
           </a:bodyPr>
           <a:p>
-            <a:endParaRPr b="0" lang="fr-FR" sz="3200" spc="-1" strike="noStrike">
+            <a:endParaRPr b="0" lang="en-US" sz="3200" spc="-1" strike="noStrike">
               <a:latin typeface="Arial"/>
             </a:endParaRPr>
           </a:p>
@@ -2738,7 +2738,7 @@
             <a:normAutofit/>
           </a:bodyPr>
           <a:p>
-            <a:endParaRPr b="0" lang="fr-FR" sz="3200" spc="-1" strike="noStrike">
+            <a:endParaRPr b="0" lang="en-US" sz="3200" spc="-1" strike="noStrike">
               <a:latin typeface="Arial"/>
             </a:endParaRPr>
           </a:p>
@@ -2768,7 +2768,7 @@
             <a:normAutofit/>
           </a:bodyPr>
           <a:p>
-            <a:endParaRPr b="0" lang="fr-FR" sz="3200" spc="-1" strike="noStrike">
+            <a:endParaRPr b="0" lang="en-US" sz="3200" spc="-1" strike="noStrike">
               <a:latin typeface="Arial"/>
             </a:endParaRPr>
           </a:p>
@@ -2821,7 +2821,7 @@
           </a:bodyPr>
           <a:p>
             <a:pPr algn="ctr"/>
-            <a:endParaRPr b="0" lang="fr-FR" sz="4400" spc="-1" strike="noStrike">
+            <a:endParaRPr b="0" lang="en-US" sz="4400" spc="-1" strike="noStrike">
               <a:latin typeface="Arial"/>
             </a:endParaRPr>
           </a:p>
@@ -2851,7 +2851,7 @@
             <a:normAutofit/>
           </a:bodyPr>
           <a:p>
-            <a:endParaRPr b="0" lang="fr-FR" sz="3200" spc="-1" strike="noStrike">
+            <a:endParaRPr b="0" lang="en-US" sz="3200" spc="-1" strike="noStrike">
               <a:latin typeface="Arial"/>
             </a:endParaRPr>
           </a:p>
@@ -2881,7 +2881,7 @@
             <a:normAutofit/>
           </a:bodyPr>
           <a:p>
-            <a:endParaRPr b="0" lang="fr-FR" sz="3200" spc="-1" strike="noStrike">
+            <a:endParaRPr b="0" lang="en-US" sz="3200" spc="-1" strike="noStrike">
               <a:latin typeface="Arial"/>
             </a:endParaRPr>
           </a:p>
@@ -2911,7 +2911,7 @@
             <a:normAutofit/>
           </a:bodyPr>
           <a:p>
-            <a:endParaRPr b="0" lang="fr-FR" sz="3200" spc="-1" strike="noStrike">
+            <a:endParaRPr b="0" lang="en-US" sz="3200" spc="-1" strike="noStrike">
               <a:latin typeface="Arial"/>
             </a:endParaRPr>
           </a:p>
@@ -2964,7 +2964,7 @@
           </a:bodyPr>
           <a:p>
             <a:pPr algn="ctr"/>
-            <a:endParaRPr b="0" lang="fr-FR" sz="4400" spc="-1" strike="noStrike">
+            <a:endParaRPr b="0" lang="en-US" sz="4400" spc="-1" strike="noStrike">
               <a:latin typeface="Arial"/>
             </a:endParaRPr>
           </a:p>
@@ -2994,7 +2994,7 @@
             <a:normAutofit/>
           </a:bodyPr>
           <a:p>
-            <a:endParaRPr b="0" lang="fr-FR" sz="3200" spc="-1" strike="noStrike">
+            <a:endParaRPr b="0" lang="en-US" sz="3200" spc="-1" strike="noStrike">
               <a:latin typeface="Arial"/>
             </a:endParaRPr>
           </a:p>
@@ -3024,7 +3024,7 @@
             <a:normAutofit/>
           </a:bodyPr>
           <a:p>
-            <a:endParaRPr b="0" lang="fr-FR" sz="3200" spc="-1" strike="noStrike">
+            <a:endParaRPr b="0" lang="en-US" sz="3200" spc="-1" strike="noStrike">
               <a:latin typeface="Arial"/>
             </a:endParaRPr>
           </a:p>
@@ -3077,7 +3077,7 @@
           </a:bodyPr>
           <a:p>
             <a:pPr algn="ctr"/>
-            <a:endParaRPr b="0" lang="fr-FR" sz="4400" spc="-1" strike="noStrike">
+            <a:endParaRPr b="0" lang="en-US" sz="4400" spc="-1" strike="noStrike">
               <a:latin typeface="Arial"/>
             </a:endParaRPr>
           </a:p>
@@ -3107,7 +3107,7 @@
             <a:normAutofit/>
           </a:bodyPr>
           <a:p>
-            <a:endParaRPr b="0" lang="fr-FR" sz="3200" spc="-1" strike="noStrike">
+            <a:endParaRPr b="0" lang="en-US" sz="3200" spc="-1" strike="noStrike">
               <a:latin typeface="Arial"/>
             </a:endParaRPr>
           </a:p>
@@ -3137,7 +3137,7 @@
             <a:normAutofit/>
           </a:bodyPr>
           <a:p>
-            <a:endParaRPr b="0" lang="fr-FR" sz="3200" spc="-1" strike="noStrike">
+            <a:endParaRPr b="0" lang="en-US" sz="3200" spc="-1" strike="noStrike">
               <a:latin typeface="Arial"/>
             </a:endParaRPr>
           </a:p>
@@ -3167,7 +3167,7 @@
             <a:normAutofit/>
           </a:bodyPr>
           <a:p>
-            <a:endParaRPr b="0" lang="fr-FR" sz="3200" spc="-1" strike="noStrike">
+            <a:endParaRPr b="0" lang="en-US" sz="3200" spc="-1" strike="noStrike">
               <a:latin typeface="Arial"/>
             </a:endParaRPr>
           </a:p>
@@ -3197,7 +3197,7 @@
             <a:normAutofit/>
           </a:bodyPr>
           <a:p>
-            <a:endParaRPr b="0" lang="fr-FR" sz="3200" spc="-1" strike="noStrike">
+            <a:endParaRPr b="0" lang="en-US" sz="3200" spc="-1" strike="noStrike">
               <a:latin typeface="Arial"/>
             </a:endParaRPr>
           </a:p>
@@ -3250,7 +3250,7 @@
           </a:bodyPr>
           <a:p>
             <a:pPr algn="ctr"/>
-            <a:endParaRPr b="0" lang="fr-FR" sz="4400" spc="-1" strike="noStrike">
+            <a:endParaRPr b="0" lang="en-US" sz="4400" spc="-1" strike="noStrike">
               <a:latin typeface="Arial"/>
             </a:endParaRPr>
           </a:p>
@@ -3280,7 +3280,7 @@
             <a:normAutofit/>
           </a:bodyPr>
           <a:p>
-            <a:endParaRPr b="0" lang="fr-FR" sz="3200" spc="-1" strike="noStrike">
+            <a:endParaRPr b="0" lang="en-US" sz="3200" spc="-1" strike="noStrike">
               <a:latin typeface="Arial"/>
             </a:endParaRPr>
           </a:p>
@@ -3310,7 +3310,7 @@
             <a:normAutofit/>
           </a:bodyPr>
           <a:p>
-            <a:endParaRPr b="0" lang="fr-FR" sz="3200" spc="-1" strike="noStrike">
+            <a:endParaRPr b="0" lang="en-US" sz="3200" spc="-1" strike="noStrike">
               <a:latin typeface="Arial"/>
             </a:endParaRPr>
           </a:p>
@@ -3340,7 +3340,7 @@
             <a:normAutofit/>
           </a:bodyPr>
           <a:p>
-            <a:endParaRPr b="0" lang="fr-FR" sz="3200" spc="-1" strike="noStrike">
+            <a:endParaRPr b="0" lang="en-US" sz="3200" spc="-1" strike="noStrike">
               <a:latin typeface="Arial"/>
             </a:endParaRPr>
           </a:p>
@@ -3370,7 +3370,7 @@
             <a:normAutofit/>
           </a:bodyPr>
           <a:p>
-            <a:endParaRPr b="0" lang="fr-FR" sz="3200" spc="-1" strike="noStrike">
+            <a:endParaRPr b="0" lang="en-US" sz="3200" spc="-1" strike="noStrike">
               <a:latin typeface="Arial"/>
             </a:endParaRPr>
           </a:p>
@@ -3400,7 +3400,7 @@
             <a:normAutofit/>
           </a:bodyPr>
           <a:p>
-            <a:endParaRPr b="0" lang="fr-FR" sz="3200" spc="-1" strike="noStrike">
+            <a:endParaRPr b="0" lang="en-US" sz="3200" spc="-1" strike="noStrike">
               <a:latin typeface="Arial"/>
             </a:endParaRPr>
           </a:p>
@@ -3430,7 +3430,7 @@
             <a:normAutofit/>
           </a:bodyPr>
           <a:p>
-            <a:endParaRPr b="0" lang="fr-FR" sz="3200" spc="-1" strike="noStrike">
+            <a:endParaRPr b="0" lang="en-US" sz="3200" spc="-1" strike="noStrike">
               <a:latin typeface="Arial"/>
             </a:endParaRPr>
           </a:p>
@@ -3483,7 +3483,7 @@
           </a:bodyPr>
           <a:p>
             <a:pPr algn="ctr"/>
-            <a:endParaRPr b="0" lang="fr-FR" sz="4400" spc="-1" strike="noStrike">
+            <a:endParaRPr b="0" lang="en-US" sz="4400" spc="-1" strike="noStrike">
               <a:latin typeface="Arial"/>
             </a:endParaRPr>
           </a:p>
@@ -3513,7 +3513,7 @@
             <a:normAutofit/>
           </a:bodyPr>
           <a:p>
-            <a:endParaRPr b="0" lang="fr-FR" sz="3200" spc="-1" strike="noStrike">
+            <a:endParaRPr b="0" lang="en-US" sz="3200" spc="-1" strike="noStrike">
               <a:latin typeface="Arial"/>
             </a:endParaRPr>
           </a:p>
@@ -3543,7 +3543,7 @@
             <a:normAutofit/>
           </a:bodyPr>
           <a:p>
-            <a:endParaRPr b="0" lang="fr-FR" sz="3200" spc="-1" strike="noStrike">
+            <a:endParaRPr b="0" lang="en-US" sz="3200" spc="-1" strike="noStrike">
               <a:latin typeface="Arial"/>
             </a:endParaRPr>
           </a:p>
@@ -3596,7 +3596,7 @@
           </a:bodyPr>
           <a:p>
             <a:pPr algn="ctr"/>
-            <a:endParaRPr b="0" lang="fr-FR" sz="4400" spc="-1" strike="noStrike">
+            <a:endParaRPr b="0" lang="en-US" sz="4400" spc="-1" strike="noStrike">
               <a:latin typeface="Arial"/>
             </a:endParaRPr>
           </a:p>
@@ -3649,7 +3649,7 @@
           </a:bodyPr>
           <a:p>
             <a:pPr algn="ctr"/>
-            <a:endParaRPr b="0" lang="fr-FR" sz="3200" spc="-1" strike="noStrike">
+            <a:endParaRPr b="0" lang="en-US" sz="3200" spc="-1" strike="noStrike">
               <a:latin typeface="Arial"/>
             </a:endParaRPr>
           </a:p>
@@ -3702,7 +3702,7 @@
           </a:bodyPr>
           <a:p>
             <a:pPr algn="ctr"/>
-            <a:endParaRPr b="0" lang="fr-FR" sz="4400" spc="-1" strike="noStrike">
+            <a:endParaRPr b="0" lang="en-US" sz="4400" spc="-1" strike="noStrike">
               <a:latin typeface="Arial"/>
             </a:endParaRPr>
           </a:p>
@@ -3732,7 +3732,7 @@
             <a:normAutofit/>
           </a:bodyPr>
           <a:p>
-            <a:endParaRPr b="0" lang="fr-FR" sz="3200" spc="-1" strike="noStrike">
+            <a:endParaRPr b="0" lang="en-US" sz="3200" spc="-1" strike="noStrike">
               <a:latin typeface="Arial"/>
             </a:endParaRPr>
           </a:p>
@@ -3762,7 +3762,7 @@
             <a:normAutofit/>
           </a:bodyPr>
           <a:p>
-            <a:endParaRPr b="0" lang="fr-FR" sz="3200" spc="-1" strike="noStrike">
+            <a:endParaRPr b="0" lang="en-US" sz="3200" spc="-1" strike="noStrike">
               <a:latin typeface="Arial"/>
             </a:endParaRPr>
           </a:p>
@@ -3792,7 +3792,7 @@
             <a:normAutofit/>
           </a:bodyPr>
           <a:p>
-            <a:endParaRPr b="0" lang="fr-FR" sz="3200" spc="-1" strike="noStrike">
+            <a:endParaRPr b="0" lang="en-US" sz="3200" spc="-1" strike="noStrike">
               <a:latin typeface="Arial"/>
             </a:endParaRPr>
           </a:p>
@@ -3845,7 +3845,7 @@
           </a:bodyPr>
           <a:p>
             <a:pPr algn="ctr"/>
-            <a:endParaRPr b="0" lang="fr-FR" sz="4400" spc="-1" strike="noStrike">
+            <a:endParaRPr b="0" lang="en-US" sz="4400" spc="-1" strike="noStrike">
               <a:latin typeface="Arial"/>
             </a:endParaRPr>
           </a:p>
@@ -3875,7 +3875,7 @@
             <a:normAutofit/>
           </a:bodyPr>
           <a:p>
-            <a:endParaRPr b="0" lang="fr-FR" sz="3200" spc="-1" strike="noStrike">
+            <a:endParaRPr b="0" lang="en-US" sz="3200" spc="-1" strike="noStrike">
               <a:latin typeface="Arial"/>
             </a:endParaRPr>
           </a:p>
@@ -3905,7 +3905,7 @@
             <a:normAutofit/>
           </a:bodyPr>
           <a:p>
-            <a:endParaRPr b="0" lang="fr-FR" sz="3200" spc="-1" strike="noStrike">
+            <a:endParaRPr b="0" lang="en-US" sz="3200" spc="-1" strike="noStrike">
               <a:latin typeface="Arial"/>
             </a:endParaRPr>
           </a:p>
@@ -3935,7 +3935,7 @@
             <a:normAutofit/>
           </a:bodyPr>
           <a:p>
-            <a:endParaRPr b="0" lang="fr-FR" sz="3200" spc="-1" strike="noStrike">
+            <a:endParaRPr b="0" lang="en-US" sz="3200" spc="-1" strike="noStrike">
               <a:latin typeface="Arial"/>
             </a:endParaRPr>
           </a:p>
@@ -3988,7 +3988,7 @@
           </a:bodyPr>
           <a:p>
             <a:pPr algn="ctr"/>
-            <a:endParaRPr b="0" lang="fr-FR" sz="4400" spc="-1" strike="noStrike">
+            <a:endParaRPr b="0" lang="en-US" sz="4400" spc="-1" strike="noStrike">
               <a:latin typeface="Arial"/>
             </a:endParaRPr>
           </a:p>
@@ -4018,7 +4018,7 @@
             <a:normAutofit/>
           </a:bodyPr>
           <a:p>
-            <a:endParaRPr b="0" lang="fr-FR" sz="3200" spc="-1" strike="noStrike">
+            <a:endParaRPr b="0" lang="en-US" sz="3200" spc="-1" strike="noStrike">
               <a:latin typeface="Arial"/>
             </a:endParaRPr>
           </a:p>
@@ -4048,7 +4048,7 @@
             <a:normAutofit/>
           </a:bodyPr>
           <a:p>
-            <a:endParaRPr b="0" lang="fr-FR" sz="3200" spc="-1" strike="noStrike">
+            <a:endParaRPr b="0" lang="en-US" sz="3200" spc="-1" strike="noStrike">
               <a:latin typeface="Arial"/>
             </a:endParaRPr>
           </a:p>
@@ -4078,7 +4078,7 @@
             <a:normAutofit/>
           </a:bodyPr>
           <a:p>
-            <a:endParaRPr b="0" lang="fr-FR" sz="3200" spc="-1" strike="noStrike">
+            <a:endParaRPr b="0" lang="en-US" sz="3200" spc="-1" strike="noStrike">
               <a:latin typeface="Arial"/>
             </a:endParaRPr>
           </a:p>
@@ -4139,12 +4139,12 @@
           <a:p>
             <a:pPr algn="ctr"/>
             <a:r>
-              <a:rPr b="0" lang="fr-FR" sz="4400" spc="-1" strike="noStrike">
+              <a:rPr b="0" lang="en-US" sz="4400" spc="-1" strike="noStrike">
                 <a:latin typeface="Arial"/>
               </a:rPr>
-              <a:t>Cliquez pour éditer le format du texte-titre</a:t>
+              <a:t>Click to edit the title text format</a:t>
             </a:r>
-            <a:endParaRPr b="0" lang="fr-FR" sz="4400" spc="-1" strike="noStrike">
+            <a:endParaRPr b="0" lang="en-US" sz="4400" spc="-1" strike="noStrike">
               <a:latin typeface="Arial"/>
             </a:endParaRPr>
           </a:p>
@@ -4186,12 +4186,12 @@
               <a:buChar char=""/>
             </a:pPr>
             <a:r>
-              <a:rPr b="0" lang="fr-FR" sz="3200" spc="-1" strike="noStrike">
+              <a:rPr b="0" lang="en-US" sz="3200" spc="-1" strike="noStrike">
                 <a:latin typeface="Arial"/>
               </a:rPr>
-              <a:t>Cliquez pour éditer le format du plan de texte</a:t>
+              <a:t>Click to edit the outline text format</a:t>
             </a:r>
-            <a:endParaRPr b="0" lang="fr-FR" sz="3200" spc="-1" strike="noStrike">
+            <a:endParaRPr b="0" lang="en-US" sz="3200" spc="-1" strike="noStrike">
               <a:latin typeface="Arial"/>
             </a:endParaRPr>
           </a:p>
@@ -4208,12 +4208,12 @@
               <a:buChar char=""/>
             </a:pPr>
             <a:r>
-              <a:rPr b="0" lang="fr-FR" sz="2800" spc="-1" strike="noStrike">
+              <a:rPr b="0" lang="en-US" sz="2800" spc="-1" strike="noStrike">
                 <a:latin typeface="Arial"/>
               </a:rPr>
-              <a:t>Second niveau de plan</a:t>
+              <a:t>Second Outline Level</a:t>
             </a:r>
-            <a:endParaRPr b="0" lang="fr-FR" sz="2800" spc="-1" strike="noStrike">
+            <a:endParaRPr b="0" lang="en-US" sz="2800" spc="-1" strike="noStrike">
               <a:latin typeface="Arial"/>
             </a:endParaRPr>
           </a:p>
@@ -4230,12 +4230,12 @@
               <a:buChar char=""/>
             </a:pPr>
             <a:r>
-              <a:rPr b="0" lang="fr-FR" sz="2400" spc="-1" strike="noStrike">
+              <a:rPr b="0" lang="en-US" sz="2400" spc="-1" strike="noStrike">
                 <a:latin typeface="Arial"/>
               </a:rPr>
-              <a:t>Troisième niveau de plan</a:t>
+              <a:t>Third Outline Level</a:t>
             </a:r>
-            <a:endParaRPr b="0" lang="fr-FR" sz="2400" spc="-1" strike="noStrike">
+            <a:endParaRPr b="0" lang="en-US" sz="2400" spc="-1" strike="noStrike">
               <a:latin typeface="Arial"/>
             </a:endParaRPr>
           </a:p>
@@ -4252,12 +4252,12 @@
               <a:buChar char=""/>
             </a:pPr>
             <a:r>
-              <a:rPr b="0" lang="fr-FR" sz="2000" spc="-1" strike="noStrike">
+              <a:rPr b="0" lang="en-US" sz="2000" spc="-1" strike="noStrike">
                 <a:latin typeface="Arial"/>
               </a:rPr>
-              <a:t>Quatrième niveau de plan</a:t>
+              <a:t>Fourth Outline Level</a:t>
             </a:r>
-            <a:endParaRPr b="0" lang="fr-FR" sz="2000" spc="-1" strike="noStrike">
+            <a:endParaRPr b="0" lang="en-US" sz="2000" spc="-1" strike="noStrike">
               <a:latin typeface="Arial"/>
             </a:endParaRPr>
           </a:p>
@@ -4274,12 +4274,12 @@
               <a:buChar char=""/>
             </a:pPr>
             <a:r>
-              <a:rPr b="0" lang="fr-FR" sz="2000" spc="-1" strike="noStrike">
+              <a:rPr b="0" lang="en-US" sz="2000" spc="-1" strike="noStrike">
                 <a:latin typeface="Arial"/>
               </a:rPr>
-              <a:t>Cinquième niveau de plan</a:t>
+              <a:t>Fifth Outline Level</a:t>
             </a:r>
-            <a:endParaRPr b="0" lang="fr-FR" sz="2000" spc="-1" strike="noStrike">
+            <a:endParaRPr b="0" lang="en-US" sz="2000" spc="-1" strike="noStrike">
               <a:latin typeface="Arial"/>
             </a:endParaRPr>
           </a:p>
@@ -4296,12 +4296,12 @@
               <a:buChar char=""/>
             </a:pPr>
             <a:r>
-              <a:rPr b="0" lang="fr-FR" sz="2000" spc="-1" strike="noStrike">
+              <a:rPr b="0" lang="en-US" sz="2000" spc="-1" strike="noStrike">
                 <a:latin typeface="Arial"/>
               </a:rPr>
-              <a:t>Sixième niveau de plan</a:t>
+              <a:t>Sixth Outline Level</a:t>
             </a:r>
-            <a:endParaRPr b="0" lang="fr-FR" sz="2000" spc="-1" strike="noStrike">
+            <a:endParaRPr b="0" lang="en-US" sz="2000" spc="-1" strike="noStrike">
               <a:latin typeface="Arial"/>
             </a:endParaRPr>
           </a:p>
@@ -4318,12 +4318,12 @@
               <a:buChar char=""/>
             </a:pPr>
             <a:r>
-              <a:rPr b="0" lang="fr-FR" sz="2000" spc="-1" strike="noStrike">
+              <a:rPr b="0" lang="en-US" sz="2000" spc="-1" strike="noStrike">
                 <a:latin typeface="Arial"/>
               </a:rPr>
-              <a:t>Septième niveau de plan</a:t>
+              <a:t>Seventh Outline Level</a:t>
             </a:r>
-            <a:endParaRPr b="0" lang="fr-FR" sz="2000" spc="-1" strike="noStrike">
+            <a:endParaRPr b="0" lang="en-US" sz="2000" spc="-1" strike="noStrike">
               <a:latin typeface="Arial"/>
             </a:endParaRPr>
           </a:p>
@@ -4399,12 +4399,12 @@
           <a:p>
             <a:pPr algn="ctr"/>
             <a:r>
-              <a:rPr b="0" lang="fr-FR" sz="4400" spc="-1" strike="noStrike">
+              <a:rPr b="0" lang="en-US" sz="4400" spc="-1" strike="noStrike">
                 <a:latin typeface="Arial"/>
               </a:rPr>
-              <a:t>Cliquez pour éditer le format du texte-titre</a:t>
+              <a:t>Click to edit the title text format</a:t>
             </a:r>
-            <a:endParaRPr b="0" lang="fr-FR" sz="4400" spc="-1" strike="noStrike">
+            <a:endParaRPr b="0" lang="en-US" sz="4400" spc="-1" strike="noStrike">
               <a:latin typeface="Arial"/>
             </a:endParaRPr>
           </a:p>
@@ -4446,12 +4446,12 @@
               <a:buChar char=""/>
             </a:pPr>
             <a:r>
-              <a:rPr b="0" lang="fr-FR" sz="3200" spc="-1" strike="noStrike">
+              <a:rPr b="0" lang="en-US" sz="3200" spc="-1" strike="noStrike">
                 <a:latin typeface="Arial"/>
               </a:rPr>
-              <a:t>Cliquez pour éditer le format du plan de texte</a:t>
+              <a:t>Click to edit the outline text format</a:t>
             </a:r>
-            <a:endParaRPr b="0" lang="fr-FR" sz="3200" spc="-1" strike="noStrike">
+            <a:endParaRPr b="0" lang="en-US" sz="3200" spc="-1" strike="noStrike">
               <a:latin typeface="Arial"/>
             </a:endParaRPr>
           </a:p>
@@ -4468,12 +4468,12 @@
               <a:buChar char=""/>
             </a:pPr>
             <a:r>
-              <a:rPr b="0" lang="fr-FR" sz="2800" spc="-1" strike="noStrike">
+              <a:rPr b="0" lang="en-US" sz="2800" spc="-1" strike="noStrike">
                 <a:latin typeface="Arial"/>
               </a:rPr>
-              <a:t>Second niveau de plan</a:t>
+              <a:t>Second Outline Level</a:t>
             </a:r>
-            <a:endParaRPr b="0" lang="fr-FR" sz="2800" spc="-1" strike="noStrike">
+            <a:endParaRPr b="0" lang="en-US" sz="2800" spc="-1" strike="noStrike">
               <a:latin typeface="Arial"/>
             </a:endParaRPr>
           </a:p>
@@ -4490,12 +4490,12 @@
               <a:buChar char=""/>
             </a:pPr>
             <a:r>
-              <a:rPr b="0" lang="fr-FR" sz="2400" spc="-1" strike="noStrike">
+              <a:rPr b="0" lang="en-US" sz="2400" spc="-1" strike="noStrike">
                 <a:latin typeface="Arial"/>
               </a:rPr>
-              <a:t>Troisième niveau de plan</a:t>
+              <a:t>Third Outline Level</a:t>
             </a:r>
-            <a:endParaRPr b="0" lang="fr-FR" sz="2400" spc="-1" strike="noStrike">
+            <a:endParaRPr b="0" lang="en-US" sz="2400" spc="-1" strike="noStrike">
               <a:latin typeface="Arial"/>
             </a:endParaRPr>
           </a:p>
@@ -4512,12 +4512,12 @@
               <a:buChar char=""/>
             </a:pPr>
             <a:r>
-              <a:rPr b="0" lang="fr-FR" sz="2000" spc="-1" strike="noStrike">
+              <a:rPr b="0" lang="en-US" sz="2000" spc="-1" strike="noStrike">
                 <a:latin typeface="Arial"/>
               </a:rPr>
-              <a:t>Quatrième niveau de plan</a:t>
+              <a:t>Fourth Outline Level</a:t>
             </a:r>
-            <a:endParaRPr b="0" lang="fr-FR" sz="2000" spc="-1" strike="noStrike">
+            <a:endParaRPr b="0" lang="en-US" sz="2000" spc="-1" strike="noStrike">
               <a:latin typeface="Arial"/>
             </a:endParaRPr>
           </a:p>
@@ -4534,12 +4534,12 @@
               <a:buChar char=""/>
             </a:pPr>
             <a:r>
-              <a:rPr b="0" lang="fr-FR" sz="2000" spc="-1" strike="noStrike">
+              <a:rPr b="0" lang="en-US" sz="2000" spc="-1" strike="noStrike">
                 <a:latin typeface="Arial"/>
               </a:rPr>
-              <a:t>Cinquième niveau de plan</a:t>
+              <a:t>Fifth Outline Level</a:t>
             </a:r>
-            <a:endParaRPr b="0" lang="fr-FR" sz="2000" spc="-1" strike="noStrike">
+            <a:endParaRPr b="0" lang="en-US" sz="2000" spc="-1" strike="noStrike">
               <a:latin typeface="Arial"/>
             </a:endParaRPr>
           </a:p>
@@ -4556,12 +4556,12 @@
               <a:buChar char=""/>
             </a:pPr>
             <a:r>
-              <a:rPr b="0" lang="fr-FR" sz="2000" spc="-1" strike="noStrike">
+              <a:rPr b="0" lang="en-US" sz="2000" spc="-1" strike="noStrike">
                 <a:latin typeface="Arial"/>
               </a:rPr>
-              <a:t>Sixième niveau de plan</a:t>
+              <a:t>Sixth Outline Level</a:t>
             </a:r>
-            <a:endParaRPr b="0" lang="fr-FR" sz="2000" spc="-1" strike="noStrike">
+            <a:endParaRPr b="0" lang="en-US" sz="2000" spc="-1" strike="noStrike">
               <a:latin typeface="Arial"/>
             </a:endParaRPr>
           </a:p>
@@ -4578,12 +4578,12 @@
               <a:buChar char=""/>
             </a:pPr>
             <a:r>
-              <a:rPr b="0" lang="fr-FR" sz="2000" spc="-1" strike="noStrike">
+              <a:rPr b="0" lang="en-US" sz="2000" spc="-1" strike="noStrike">
                 <a:latin typeface="Arial"/>
               </a:rPr>
-              <a:t>Septième niveau de plan</a:t>
+              <a:t>Seventh Outline Level</a:t>
             </a:r>
-            <a:endParaRPr b="0" lang="fr-FR" sz="2000" spc="-1" strike="noStrike">
+            <a:endParaRPr b="0" lang="en-US" sz="2000" spc="-1" strike="noStrike">
               <a:latin typeface="Arial"/>
             </a:endParaRPr>
           </a:p>
@@ -4659,12 +4659,12 @@
           <a:p>
             <a:pPr algn="ctr"/>
             <a:r>
-              <a:rPr b="0" lang="fr-FR" sz="4400" spc="-1" strike="noStrike">
+              <a:rPr b="0" lang="en-US" sz="4400" spc="-1" strike="noStrike">
                 <a:latin typeface="Arial"/>
               </a:rPr>
-              <a:t>Cliquez pour éditer le format du texte-titre</a:t>
+              <a:t>Click to edit the title text format</a:t>
             </a:r>
-            <a:endParaRPr b="0" lang="fr-FR" sz="4400" spc="-1" strike="noStrike">
+            <a:endParaRPr b="0" lang="en-US" sz="4400" spc="-1" strike="noStrike">
               <a:latin typeface="Arial"/>
             </a:endParaRPr>
           </a:p>
@@ -4706,12 +4706,12 @@
               <a:buChar char=""/>
             </a:pPr>
             <a:r>
-              <a:rPr b="0" lang="fr-FR" sz="3200" spc="-1" strike="noStrike">
+              <a:rPr b="0" lang="en-US" sz="3200" spc="-1" strike="noStrike">
                 <a:latin typeface="Arial"/>
               </a:rPr>
-              <a:t>Cliquez pour éditer le format du plan de texte</a:t>
+              <a:t>Click to edit the outline text format</a:t>
             </a:r>
-            <a:endParaRPr b="0" lang="fr-FR" sz="3200" spc="-1" strike="noStrike">
+            <a:endParaRPr b="0" lang="en-US" sz="3200" spc="-1" strike="noStrike">
               <a:latin typeface="Arial"/>
             </a:endParaRPr>
           </a:p>
@@ -4728,12 +4728,12 @@
               <a:buChar char=""/>
             </a:pPr>
             <a:r>
-              <a:rPr b="0" lang="fr-FR" sz="2800" spc="-1" strike="noStrike">
+              <a:rPr b="0" lang="en-US" sz="2800" spc="-1" strike="noStrike">
                 <a:latin typeface="Arial"/>
               </a:rPr>
-              <a:t>Second niveau de plan</a:t>
+              <a:t>Second Outline Level</a:t>
             </a:r>
-            <a:endParaRPr b="0" lang="fr-FR" sz="2800" spc="-1" strike="noStrike">
+            <a:endParaRPr b="0" lang="en-US" sz="2800" spc="-1" strike="noStrike">
               <a:latin typeface="Arial"/>
             </a:endParaRPr>
           </a:p>
@@ -4750,12 +4750,12 @@
               <a:buChar char=""/>
             </a:pPr>
             <a:r>
-              <a:rPr b="0" lang="fr-FR" sz="2400" spc="-1" strike="noStrike">
+              <a:rPr b="0" lang="en-US" sz="2400" spc="-1" strike="noStrike">
                 <a:latin typeface="Arial"/>
               </a:rPr>
-              <a:t>Troisième niveau de plan</a:t>
+              <a:t>Third Outline Level</a:t>
             </a:r>
-            <a:endParaRPr b="0" lang="fr-FR" sz="2400" spc="-1" strike="noStrike">
+            <a:endParaRPr b="0" lang="en-US" sz="2400" spc="-1" strike="noStrike">
               <a:latin typeface="Arial"/>
             </a:endParaRPr>
           </a:p>
@@ -4772,12 +4772,12 @@
               <a:buChar char=""/>
             </a:pPr>
             <a:r>
-              <a:rPr b="0" lang="fr-FR" sz="2000" spc="-1" strike="noStrike">
+              <a:rPr b="0" lang="en-US" sz="2000" spc="-1" strike="noStrike">
                 <a:latin typeface="Arial"/>
               </a:rPr>
-              <a:t>Quatrième niveau de plan</a:t>
+              <a:t>Fourth Outline Level</a:t>
             </a:r>
-            <a:endParaRPr b="0" lang="fr-FR" sz="2000" spc="-1" strike="noStrike">
+            <a:endParaRPr b="0" lang="en-US" sz="2000" spc="-1" strike="noStrike">
               <a:latin typeface="Arial"/>
             </a:endParaRPr>
           </a:p>
@@ -4794,12 +4794,12 @@
               <a:buChar char=""/>
             </a:pPr>
             <a:r>
-              <a:rPr b="0" lang="fr-FR" sz="2000" spc="-1" strike="noStrike">
+              <a:rPr b="0" lang="en-US" sz="2000" spc="-1" strike="noStrike">
                 <a:latin typeface="Arial"/>
               </a:rPr>
-              <a:t>Cinquième niveau de plan</a:t>
+              <a:t>Fifth Outline Level</a:t>
             </a:r>
-            <a:endParaRPr b="0" lang="fr-FR" sz="2000" spc="-1" strike="noStrike">
+            <a:endParaRPr b="0" lang="en-US" sz="2000" spc="-1" strike="noStrike">
               <a:latin typeface="Arial"/>
             </a:endParaRPr>
           </a:p>
@@ -4816,12 +4816,12 @@
               <a:buChar char=""/>
             </a:pPr>
             <a:r>
-              <a:rPr b="0" lang="fr-FR" sz="2000" spc="-1" strike="noStrike">
+              <a:rPr b="0" lang="en-US" sz="2000" spc="-1" strike="noStrike">
                 <a:latin typeface="Arial"/>
               </a:rPr>
-              <a:t>Sixième niveau de plan</a:t>
+              <a:t>Sixth Outline Level</a:t>
             </a:r>
-            <a:endParaRPr b="0" lang="fr-FR" sz="2000" spc="-1" strike="noStrike">
+            <a:endParaRPr b="0" lang="en-US" sz="2000" spc="-1" strike="noStrike">
               <a:latin typeface="Arial"/>
             </a:endParaRPr>
           </a:p>
@@ -4838,12 +4838,12 @@
               <a:buChar char=""/>
             </a:pPr>
             <a:r>
-              <a:rPr b="0" lang="fr-FR" sz="2000" spc="-1" strike="noStrike">
+              <a:rPr b="0" lang="en-US" sz="2000" spc="-1" strike="noStrike">
                 <a:latin typeface="Arial"/>
               </a:rPr>
-              <a:t>Septième niveau de plan</a:t>
+              <a:t>Seventh Outline Level</a:t>
             </a:r>
-            <a:endParaRPr b="0" lang="fr-FR" sz="2000" spc="-1" strike="noStrike">
+            <a:endParaRPr b="0" lang="en-US" sz="2000" spc="-1" strike="noStrike">
               <a:latin typeface="Arial"/>
             </a:endParaRPr>
           </a:p>
@@ -4902,7 +4902,7 @@
         <p:spPr>
           <a:xfrm>
             <a:off x="0" y="0"/>
-            <a:ext cx="12189600" cy="6855480"/>
+            <a:ext cx="12189240" cy="6855120"/>
           </a:xfrm>
           <a:prstGeom prst="rect">
             <a:avLst/>
@@ -4941,7 +4941,7 @@
         <p:spPr>
           <a:xfrm>
             <a:off x="6746760" y="1783800"/>
-            <a:ext cx="4642560" cy="2886480"/>
+            <a:ext cx="4642200" cy="2886120"/>
           </a:xfrm>
           <a:prstGeom prst="rect">
             <a:avLst/>
@@ -4968,7 +4968,7 @@
               </a:lnSpc>
             </a:pPr>
             <a:r>
-              <a:rPr b="0" lang="fr-FR" sz="6000" spc="-1" strike="noStrike">
+              <a:rPr b="0" lang="en-US" sz="6000" spc="-1" strike="noStrike">
                 <a:solidFill>
                   <a:srgbClr val="ffffff"/>
                 </a:solidFill>
@@ -4977,7 +4977,7 @@
               </a:rPr>
               <a:t>Le projet « Git-moi tout »</a:t>
             </a:r>
-            <a:endParaRPr b="0" lang="fr-FR" sz="6000" spc="-1" strike="noStrike">
+            <a:endParaRPr b="0" lang="en-US" sz="6000" spc="-1" strike="noStrike">
               <a:latin typeface="Arial"/>
             </a:endParaRPr>
           </a:p>
@@ -4992,7 +4992,7 @@
         <p:spPr>
           <a:xfrm>
             <a:off x="6746760" y="4750920"/>
-            <a:ext cx="4642560" cy="1145520"/>
+            <a:ext cx="4642200" cy="1145160"/>
           </a:xfrm>
           <a:prstGeom prst="rect">
             <a:avLst/>
@@ -5022,7 +5022,7 @@
               </a:spcBef>
             </a:pPr>
             <a:r>
-              <a:rPr b="0" lang="fr-FR" sz="2000" spc="-1" strike="noStrike">
+              <a:rPr b="0" lang="en-US" sz="2000" spc="-1" strike="noStrike">
                 <a:solidFill>
                   <a:srgbClr val="ffffff"/>
                 </a:solidFill>
@@ -5031,7 +5031,7 @@
               </a:rPr>
               <a:t>Le répertoire pour tout savoir sur GIT</a:t>
             </a:r>
-            <a:endParaRPr b="0" lang="fr-FR" sz="2000" spc="-1" strike="noStrike">
+            <a:endParaRPr b="0" lang="en-US" sz="2000" spc="-1" strike="noStrike">
               <a:latin typeface="Arial"/>
             </a:endParaRPr>
           </a:p>
@@ -5045,8 +5045,8 @@
         </p:nvSpPr>
         <p:spPr>
           <a:xfrm flipH="1">
-            <a:off x="-2160" y="0"/>
-            <a:ext cx="6170400" cy="6855480"/>
+            <a:off x="-2880" y="0"/>
+            <a:ext cx="6170040" cy="6855120"/>
           </a:xfrm>
           <a:custGeom>
             <a:avLst/>
@@ -5117,7 +5117,7 @@
         <p:spPr>
           <a:xfrm>
             <a:off x="0" y="0"/>
-            <a:ext cx="6021720" cy="6855480"/>
+            <a:ext cx="6021360" cy="6855120"/>
           </a:xfrm>
           <a:custGeom>
             <a:avLst/>
@@ -5190,7 +5190,7 @@
         <p:spPr>
           <a:xfrm>
             <a:off x="419400" y="721080"/>
-            <a:ext cx="4045320" cy="4045320"/>
+            <a:ext cx="4044960" cy="4044960"/>
           </a:xfrm>
           <a:prstGeom prst="rect">
             <a:avLst/>
@@ -5246,7 +5246,7 @@
         <p:spPr>
           <a:xfrm>
             <a:off x="0" y="0"/>
-            <a:ext cx="4651920" cy="6855480"/>
+            <a:ext cx="4651560" cy="6855120"/>
           </a:xfrm>
           <a:prstGeom prst="rect">
             <a:avLst/>
@@ -5277,7 +5277,7 @@
         <p:spPr>
           <a:xfrm>
             <a:off x="643320" y="643320"/>
-            <a:ext cx="3361320" cy="1594800"/>
+            <a:ext cx="3360960" cy="1594440"/>
           </a:xfrm>
           <a:prstGeom prst="rect">
             <a:avLst/>
@@ -5307,7 +5307,7 @@
               </a:lnSpc>
             </a:pPr>
             <a:r>
-              <a:rPr b="0" lang="fr-FR" sz="2800" spc="-1" strike="noStrike">
+              <a:rPr b="0" lang="en-US" sz="2800" spc="-1" strike="noStrike">
                 <a:solidFill>
                   <a:srgbClr val="ffffff"/>
                 </a:solidFill>
@@ -5316,7 +5316,7 @@
               </a:rPr>
               <a:t>Le but du projet « GIT-moi-tout »</a:t>
             </a:r>
-            <a:endParaRPr b="0" lang="fr-FR" sz="2800" spc="-1" strike="noStrike">
+            <a:endParaRPr b="0" lang="en-US" sz="2800" spc="-1" strike="noStrike">
               <a:latin typeface="Arial"/>
             </a:endParaRPr>
           </a:p>
@@ -5331,7 +5331,7 @@
         <p:spPr>
           <a:xfrm>
             <a:off x="643320" y="2638080"/>
-            <a:ext cx="3361320" cy="3413160"/>
+            <a:ext cx="3360960" cy="3412800"/>
           </a:xfrm>
           <a:prstGeom prst="rect">
             <a:avLst/>
@@ -5361,7 +5361,7 @@
               </a:spcBef>
             </a:pPr>
             <a:r>
-              <a:rPr b="0" lang="fr-FR" sz="1700" spc="-1" strike="noStrike">
+              <a:rPr b="0" lang="en-US" sz="1700" spc="-1" strike="noStrike">
                 <a:solidFill>
                   <a:srgbClr val="ffffff"/>
                 </a:solidFill>
@@ -5370,12 +5370,12 @@
               </a:rPr>
               <a:t>Permettre aux novices et au moins novices de comprendre :</a:t>
             </a:r>
-            <a:endParaRPr b="0" lang="fr-FR" sz="1700" spc="-1" strike="noStrike">
-              <a:latin typeface="Arial"/>
-            </a:endParaRPr>
-          </a:p>
-          <a:p>
-            <a:pPr lvl="1" marL="685800" indent="-226080">
+            <a:endParaRPr b="0" lang="en-US" sz="1700" spc="-1" strike="noStrike">
+              <a:latin typeface="Arial"/>
+            </a:endParaRPr>
+          </a:p>
+          <a:p>
+            <a:pPr lvl="1" marL="685800" indent="-225720">
               <a:lnSpc>
                 <a:spcPct val="90000"/>
               </a:lnSpc>
@@ -5389,7 +5389,7 @@
               <a:buChar char="•"/>
             </a:pPr>
             <a:r>
-              <a:rPr b="0" lang="fr-FR" sz="1700" spc="-1" strike="noStrike">
+              <a:rPr b="0" lang="en-US" sz="1700" spc="-1" strike="noStrike">
                 <a:solidFill>
                   <a:srgbClr val="ffffff"/>
                 </a:solidFill>
@@ -5398,12 +5398,12 @@
               </a:rPr>
               <a:t>C’est quoi GIT et pour quel usage ?</a:t>
             </a:r>
-            <a:endParaRPr b="0" lang="fr-FR" sz="1700" spc="-1" strike="noStrike">
-              <a:latin typeface="Arial"/>
-            </a:endParaRPr>
-          </a:p>
-          <a:p>
-            <a:pPr lvl="1" marL="685800" indent="-226080">
+            <a:endParaRPr b="0" lang="en-US" sz="1700" spc="-1" strike="noStrike">
+              <a:latin typeface="Arial"/>
+            </a:endParaRPr>
+          </a:p>
+          <a:p>
+            <a:pPr lvl="1" marL="685800" indent="-225720">
               <a:lnSpc>
                 <a:spcPct val="90000"/>
               </a:lnSpc>
@@ -5417,7 +5417,7 @@
               <a:buChar char="•"/>
             </a:pPr>
             <a:r>
-              <a:rPr b="0" lang="fr-FR" sz="1700" spc="-1" strike="noStrike">
+              <a:rPr b="0" lang="en-US" sz="1700" spc="-1" strike="noStrike">
                 <a:solidFill>
                   <a:srgbClr val="ffffff"/>
                 </a:solidFill>
@@ -5426,12 +5426,12 @@
               </a:rPr>
               <a:t>Comment fonctionne-t-il?</a:t>
             </a:r>
-            <a:endParaRPr b="0" lang="fr-FR" sz="1700" spc="-1" strike="noStrike">
-              <a:latin typeface="Arial"/>
-            </a:endParaRPr>
-          </a:p>
-          <a:p>
-            <a:pPr lvl="1" marL="685800" indent="-226080">
+            <a:endParaRPr b="0" lang="en-US" sz="1700" spc="-1" strike="noStrike">
+              <a:latin typeface="Arial"/>
+            </a:endParaRPr>
+          </a:p>
+          <a:p>
+            <a:pPr lvl="1" marL="685800" indent="-225720">
               <a:lnSpc>
                 <a:spcPct val="90000"/>
               </a:lnSpc>
@@ -5445,7 +5445,7 @@
               <a:buChar char="•"/>
             </a:pPr>
             <a:r>
-              <a:rPr b="0" lang="fr-FR" sz="1700" spc="-1" strike="noStrike">
+              <a:rPr b="0" lang="en-US" sz="1700" spc="-1" strike="noStrike">
                 <a:solidFill>
                   <a:srgbClr val="ffffff"/>
                 </a:solidFill>
@@ -5454,12 +5454,12 @@
               </a:rPr>
               <a:t>Comment bien démarrer avec GIT</a:t>
             </a:r>
-            <a:endParaRPr b="0" lang="fr-FR" sz="1700" spc="-1" strike="noStrike">
-              <a:latin typeface="Arial"/>
-            </a:endParaRPr>
-          </a:p>
-          <a:p>
-            <a:pPr lvl="1" marL="685800" indent="-226080">
+            <a:endParaRPr b="0" lang="en-US" sz="1700" spc="-1" strike="noStrike">
+              <a:latin typeface="Arial"/>
+            </a:endParaRPr>
+          </a:p>
+          <a:p>
+            <a:pPr lvl="1" marL="685800" indent="-225720">
               <a:lnSpc>
                 <a:spcPct val="90000"/>
               </a:lnSpc>
@@ -5473,7 +5473,7 @@
               <a:buChar char="•"/>
             </a:pPr>
             <a:r>
-              <a:rPr b="0" lang="fr-FR" sz="1700" spc="-1" strike="noStrike">
+              <a:rPr b="0" lang="en-US" sz="1700" spc="-1" strike="noStrike">
                 <a:solidFill>
                   <a:srgbClr val="ffffff"/>
                 </a:solidFill>
@@ -5482,7 +5482,7 @@
               </a:rPr>
               <a:t>Répondre aux questions et au problèmes que l’ont se poser en utilisant GIT</a:t>
             </a:r>
-            <a:endParaRPr b="0" lang="fr-FR" sz="1700" spc="-1" strike="noStrike">
+            <a:endParaRPr b="0" lang="en-US" sz="1700" spc="-1" strike="noStrike">
               <a:latin typeface="Arial"/>
             </a:endParaRPr>
           </a:p>
@@ -5495,7 +5495,7 @@
                 <a:spcPts val="1001"/>
               </a:spcBef>
             </a:pPr>
-            <a:endParaRPr b="0" lang="fr-FR" sz="1700" spc="-1" strike="noStrike">
+            <a:endParaRPr b="0" lang="en-US" sz="1700" spc="-1" strike="noStrike">
               <a:latin typeface="Arial"/>
             </a:endParaRPr>
           </a:p>
@@ -5505,7 +5505,7 @@
                 <a:spcPct val="100000"/>
               </a:lnSpc>
             </a:pPr>
-            <a:endParaRPr b="0" lang="fr-FR" sz="1700" spc="-1" strike="noStrike">
+            <a:endParaRPr b="0" lang="en-US" sz="1700" spc="-1" strike="noStrike">
               <a:latin typeface="Arial"/>
             </a:endParaRPr>
           </a:p>
@@ -5524,7 +5524,7 @@
         <p:spPr>
           <a:xfrm>
             <a:off x="5198760" y="1295640"/>
-            <a:ext cx="6248160" cy="4685400"/>
+            <a:ext cx="6247800" cy="4685040"/>
           </a:xfrm>
           <a:prstGeom prst="rect">
             <a:avLst/>
@@ -5547,7 +5547,7 @@
         <p:spPr>
           <a:xfrm>
             <a:off x="11174040" y="137520"/>
-            <a:ext cx="1015560" cy="1009440"/>
+            <a:ext cx="1015200" cy="1009080"/>
           </a:xfrm>
           <a:prstGeom prst="rect">
             <a:avLst/>
@@ -5596,7 +5596,7 @@
         <p:spPr>
           <a:xfrm>
             <a:off x="838080" y="1825560"/>
-            <a:ext cx="10513080" cy="4348800"/>
+            <a:ext cx="10512720" cy="4348440"/>
           </a:xfrm>
           <a:prstGeom prst="rect">
             <a:avLst/>
@@ -5622,7 +5622,7 @@
         <p:spPr>
           <a:xfrm>
             <a:off x="8352000" y="2664000"/>
-            <a:ext cx="3237840" cy="3017160"/>
+            <a:ext cx="3237480" cy="3017160"/>
           </a:xfrm>
           <a:prstGeom prst="rect">
             <a:avLst/>
@@ -5649,7 +5649,7 @@
               </a:lnSpc>
             </a:pPr>
             <a:r>
-              <a:rPr b="1" lang="fr-FR" sz="1800" spc="-1" strike="noStrike" u="sng">
+              <a:rPr b="1" lang="en-US" sz="1800" spc="-1" strike="noStrike" u="sng">
                 <a:solidFill>
                   <a:srgbClr val="ffffff"/>
                 </a:solidFill>
@@ -5659,7 +5659,7 @@
               </a:rPr>
               <a:t>Home : Présentation de Git.</a:t>
             </a:r>
-            <a:endParaRPr b="0" lang="fr-FR" sz="1800" spc="-1" strike="noStrike">
+            <a:endParaRPr b="0" lang="en-US" sz="1800" spc="-1" strike="noStrike">
               <a:latin typeface="Arial"/>
             </a:endParaRPr>
           </a:p>
@@ -5669,7 +5669,7 @@
                 <a:spcPct val="100000"/>
               </a:lnSpc>
             </a:pPr>
-            <a:endParaRPr b="0" lang="fr-FR" sz="1800" spc="-1" strike="noStrike">
+            <a:endParaRPr b="0" lang="en-US" sz="1800" spc="-1" strike="noStrike">
               <a:latin typeface="Arial"/>
             </a:endParaRPr>
           </a:p>
@@ -5680,7 +5680,7 @@
               </a:lnSpc>
             </a:pPr>
             <a:r>
-              <a:rPr b="1" lang="fr-FR" sz="1800" spc="-1" strike="noStrike" u="sng">
+              <a:rPr b="1" lang="en-US" sz="1800" spc="-1" strike="noStrike" u="sng">
                 <a:solidFill>
                   <a:srgbClr val="ffffff"/>
                 </a:solidFill>
@@ -5690,7 +5690,7 @@
               </a:rPr>
               <a:t>Installation et Configuration.</a:t>
             </a:r>
-            <a:endParaRPr b="0" lang="fr-FR" sz="1800" spc="-1" strike="noStrike">
+            <a:endParaRPr b="0" lang="en-US" sz="1800" spc="-1" strike="noStrike">
               <a:latin typeface="Arial"/>
             </a:endParaRPr>
           </a:p>
@@ -5700,7 +5700,7 @@
                 <a:spcPct val="100000"/>
               </a:lnSpc>
             </a:pPr>
-            <a:endParaRPr b="0" lang="fr-FR" sz="1800" spc="-1" strike="noStrike">
+            <a:endParaRPr b="0" lang="en-US" sz="1800" spc="-1" strike="noStrike">
               <a:latin typeface="Arial"/>
             </a:endParaRPr>
           </a:p>
@@ -5711,7 +5711,7 @@
               </a:lnSpc>
             </a:pPr>
             <a:r>
-              <a:rPr b="1" lang="fr-FR" sz="1800" spc="-1" strike="noStrike" u="sng">
+              <a:rPr b="1" lang="en-US" sz="1800" spc="-1" strike="noStrike" u="sng">
                 <a:solidFill>
                   <a:srgbClr val="ffffff"/>
                 </a:solidFill>
@@ -5721,7 +5721,7 @@
               </a:rPr>
               <a:t>Les Fonctionnalités.</a:t>
             </a:r>
-            <a:endParaRPr b="0" lang="fr-FR" sz="1800" spc="-1" strike="noStrike">
+            <a:endParaRPr b="0" lang="en-US" sz="1800" spc="-1" strike="noStrike">
               <a:latin typeface="Arial"/>
             </a:endParaRPr>
           </a:p>
@@ -5731,7 +5731,7 @@
                 <a:spcPct val="100000"/>
               </a:lnSpc>
             </a:pPr>
-            <a:endParaRPr b="0" lang="fr-FR" sz="1800" spc="-1" strike="noStrike">
+            <a:endParaRPr b="0" lang="en-US" sz="1800" spc="-1" strike="noStrike">
               <a:latin typeface="Arial"/>
             </a:endParaRPr>
           </a:p>
@@ -5742,7 +5742,7 @@
               </a:lnSpc>
             </a:pPr>
             <a:r>
-              <a:rPr b="1" lang="fr-FR" sz="1800" spc="-1" strike="noStrike" u="sng">
+              <a:rPr b="1" lang="en-US" sz="1800" spc="-1" strike="noStrike" u="sng">
                 <a:solidFill>
                   <a:srgbClr val="ffffff"/>
                 </a:solidFill>
@@ -5752,7 +5752,7 @@
               </a:rPr>
               <a:t>1 Erreur / 1 Solution</a:t>
             </a:r>
-            <a:endParaRPr b="0" lang="fr-FR" sz="1800" spc="-1" strike="noStrike">
+            <a:endParaRPr b="0" lang="en-US" sz="1800" spc="-1" strike="noStrike">
               <a:latin typeface="Arial"/>
             </a:endParaRPr>
           </a:p>
@@ -5762,7 +5762,7 @@
                 <a:spcPct val="100000"/>
               </a:lnSpc>
             </a:pPr>
-            <a:endParaRPr b="0" lang="fr-FR" sz="1800" spc="-1" strike="noStrike">
+            <a:endParaRPr b="0" lang="en-US" sz="1800" spc="-1" strike="noStrike">
               <a:latin typeface="Arial"/>
             </a:endParaRPr>
           </a:p>
@@ -5773,7 +5773,7 @@
               </a:lnSpc>
             </a:pPr>
             <a:r>
-              <a:rPr b="1" lang="fr-FR" sz="1800" spc="-1" strike="noStrike" u="sng">
+              <a:rPr b="1" lang="en-US" sz="1800" spc="-1" strike="noStrike" u="sng">
                 <a:solidFill>
                   <a:srgbClr val="ffffff"/>
                 </a:solidFill>
@@ -5783,7 +5783,7 @@
               </a:rPr>
               <a:t>Alimentation du Twitter</a:t>
             </a:r>
-            <a:endParaRPr b="0" lang="fr-FR" sz="1800" spc="-1" strike="noStrike">
+            <a:endParaRPr b="0" lang="en-US" sz="1800" spc="-1" strike="noStrike">
               <a:latin typeface="Arial"/>
             </a:endParaRPr>
           </a:p>
@@ -5793,7 +5793,7 @@
                 <a:spcPct val="100000"/>
               </a:lnSpc>
             </a:pPr>
-            <a:endParaRPr b="0" lang="fr-FR" sz="1800" spc="-1" strike="noStrike">
+            <a:endParaRPr b="0" lang="en-US" sz="1800" spc="-1" strike="noStrike">
               <a:latin typeface="Arial"/>
             </a:endParaRPr>
           </a:p>
@@ -5804,7 +5804,7 @@
               </a:lnSpc>
             </a:pPr>
             <a:r>
-              <a:rPr b="1" lang="fr-FR" sz="1800" spc="-1" strike="noStrike" u="sng">
+              <a:rPr b="1" lang="en-US" sz="1800" spc="-1" strike="noStrike" u="sng">
                 <a:solidFill>
                   <a:srgbClr val="ffffff"/>
                 </a:solidFill>
@@ -5814,7 +5814,7 @@
               </a:rPr>
               <a:t>FAQ</a:t>
             </a:r>
-            <a:endParaRPr b="0" lang="fr-FR" sz="1800" spc="-1" strike="noStrike">
+            <a:endParaRPr b="0" lang="en-US" sz="1800" spc="-1" strike="noStrike">
               <a:latin typeface="Arial"/>
             </a:endParaRPr>
           </a:p>
@@ -5833,7 +5833,7 @@
         <p:spPr>
           <a:xfrm>
             <a:off x="0" y="-4680"/>
-            <a:ext cx="12190680" cy="6861240"/>
+            <a:ext cx="12190320" cy="6860880"/>
           </a:xfrm>
           <a:prstGeom prst="rect">
             <a:avLst/>
@@ -5882,7 +5882,7 @@
         <p:spPr>
           <a:xfrm>
             <a:off x="838080" y="365040"/>
-            <a:ext cx="10513080" cy="1323000"/>
+            <a:ext cx="10512720" cy="1322640"/>
           </a:xfrm>
           <a:prstGeom prst="rect">
             <a:avLst/>
@@ -5909,7 +5909,7 @@
               </a:lnSpc>
             </a:pPr>
             <a:r>
-              <a:rPr b="0" lang="fr-FR" sz="4400" spc="-1" strike="noStrike">
+              <a:rPr b="0" lang="en-US" sz="4400" spc="-1" strike="noStrike">
                 <a:solidFill>
                   <a:srgbClr val="000000"/>
                 </a:solidFill>
@@ -5918,7 +5918,7 @@
               </a:rPr>
               <a:t>Création de contenus  « Installation/Configuration »</a:t>
             </a:r>
-            <a:endParaRPr b="0" lang="fr-FR" sz="4400" spc="-1" strike="noStrike">
+            <a:endParaRPr b="0" lang="en-US" sz="4400" spc="-1" strike="noStrike">
               <a:latin typeface="Arial"/>
             </a:endParaRPr>
           </a:p>
@@ -5933,7 +5933,7 @@
         <p:spPr>
           <a:xfrm>
             <a:off x="838080" y="1825560"/>
-            <a:ext cx="10513080" cy="4348800"/>
+            <a:ext cx="10512720" cy="4348440"/>
           </a:xfrm>
           <a:prstGeom prst="rect">
             <a:avLst/>
@@ -5963,7 +5963,30 @@
         <p:spPr>
           <a:xfrm>
             <a:off x="10999080" y="174960"/>
-            <a:ext cx="1015560" cy="1009440"/>
+            <a:ext cx="1015200" cy="1009080"/>
+          </a:xfrm>
+          <a:prstGeom prst="rect">
+            <a:avLst/>
+          </a:prstGeom>
+          <a:ln>
+            <a:noFill/>
+          </a:ln>
+        </p:spPr>
+      </p:pic>
+      <p:pic>
+        <p:nvPicPr>
+          <p:cNvPr id="131" name="" descr=""/>
+          <p:cNvPicPr/>
+          <p:nvPr/>
+        </p:nvPicPr>
+        <p:blipFill>
+          <a:blip r:embed="rId2"/>
+          <a:stretch/>
+        </p:blipFill>
+        <p:spPr>
+          <a:xfrm>
+            <a:off x="1000440" y="1687680"/>
+            <a:ext cx="10063800" cy="4804560"/>
           </a:xfrm>
           <a:prstGeom prst="rect">
             <a:avLst/>
@@ -6005,14 +6028,14 @@
       </p:grpSpPr>
       <p:sp>
         <p:nvSpPr>
-          <p:cNvPr id="131" name="CustomShape 1"/>
+          <p:cNvPr id="132" name="CustomShape 1"/>
           <p:cNvSpPr/>
           <p:nvPr/>
         </p:nvSpPr>
         <p:spPr>
           <a:xfrm>
             <a:off x="838080" y="365040"/>
-            <a:ext cx="10513080" cy="1323000"/>
+            <a:ext cx="10512720" cy="1322640"/>
           </a:xfrm>
           <a:prstGeom prst="rect">
             <a:avLst/>
@@ -6039,7 +6062,7 @@
               </a:lnSpc>
             </a:pPr>
             <a:r>
-              <a:rPr b="0" lang="fr-FR" sz="4400" spc="-1" strike="noStrike">
+              <a:rPr b="0" lang="en-US" sz="4400" spc="-1" strike="noStrike">
                 <a:solidFill>
                   <a:srgbClr val="000000"/>
                 </a:solidFill>
@@ -6048,22 +6071,22 @@
               </a:rPr>
               <a:t>Création de contenus « Les fonctionnalités »</a:t>
             </a:r>
-            <a:endParaRPr b="0" lang="fr-FR" sz="4400" spc="-1" strike="noStrike">
-              <a:latin typeface="Arial"/>
-            </a:endParaRPr>
-          </a:p>
-        </p:txBody>
-      </p:sp>
-      <p:sp>
-        <p:nvSpPr>
-          <p:cNvPr id="132" name="CustomShape 2"/>
+            <a:endParaRPr b="0" lang="en-US" sz="4400" spc="-1" strike="noStrike">
+              <a:latin typeface="Arial"/>
+            </a:endParaRPr>
+          </a:p>
+        </p:txBody>
+      </p:sp>
+      <p:sp>
+        <p:nvSpPr>
+          <p:cNvPr id="133" name="CustomShape 2"/>
           <p:cNvSpPr/>
           <p:nvPr/>
         </p:nvSpPr>
         <p:spPr>
           <a:xfrm>
             <a:off x="838080" y="1825560"/>
-            <a:ext cx="10513080" cy="4348800"/>
+            <a:ext cx="10512720" cy="4348440"/>
           </a:xfrm>
           <a:prstGeom prst="rect">
             <a:avLst/>
@@ -6082,7 +6105,7 @@
       </p:sp>
       <p:pic>
         <p:nvPicPr>
-          <p:cNvPr id="133" name="Image 4" descr=""/>
+          <p:cNvPr id="134" name="Image 4" descr=""/>
           <p:cNvPicPr/>
           <p:nvPr/>
         </p:nvPicPr>
@@ -6093,7 +6116,7 @@
         <p:spPr>
           <a:xfrm>
             <a:off x="10999080" y="174960"/>
-            <a:ext cx="1015560" cy="1009440"/>
+            <a:ext cx="1015200" cy="1009080"/>
           </a:xfrm>
           <a:prstGeom prst="rect">
             <a:avLst/>
@@ -6105,7 +6128,7 @@
       </p:pic>
       <p:pic>
         <p:nvPicPr>
-          <p:cNvPr id="134" name="" descr=""/>
+          <p:cNvPr id="135" name="" descr=""/>
           <p:cNvPicPr/>
           <p:nvPr/>
         </p:nvPicPr>
@@ -6116,7 +6139,7 @@
         <p:spPr>
           <a:xfrm>
             <a:off x="1008000" y="2245680"/>
-            <a:ext cx="7895880" cy="3514320"/>
+            <a:ext cx="7895520" cy="3513960"/>
           </a:xfrm>
           <a:prstGeom prst="rect">
             <a:avLst/>
@@ -6158,14 +6181,14 @@
       </p:grpSpPr>
       <p:sp>
         <p:nvSpPr>
-          <p:cNvPr id="135" name="CustomShape 1"/>
+          <p:cNvPr id="136" name="CustomShape 1"/>
           <p:cNvSpPr/>
           <p:nvPr/>
         </p:nvSpPr>
         <p:spPr>
           <a:xfrm>
             <a:off x="838080" y="365040"/>
-            <a:ext cx="10513080" cy="1323000"/>
+            <a:ext cx="10512720" cy="1322640"/>
           </a:xfrm>
           <a:prstGeom prst="rect">
             <a:avLst/>
@@ -6192,7 +6215,7 @@
               </a:lnSpc>
             </a:pPr>
             <a:r>
-              <a:rPr b="0" lang="fr-FR" sz="4400" spc="-1" strike="noStrike">
+              <a:rPr b="0" lang="en-US" sz="4400" spc="-1" strike="noStrike">
                 <a:solidFill>
                   <a:srgbClr val="000000"/>
                 </a:solidFill>
@@ -6201,22 +6224,22 @@
               </a:rPr>
               <a:t>Création de contenus pour « Alimentation Twitter »</a:t>
             </a:r>
-            <a:endParaRPr b="0" lang="fr-FR" sz="4400" spc="-1" strike="noStrike">
-              <a:latin typeface="Arial"/>
-            </a:endParaRPr>
-          </a:p>
-        </p:txBody>
-      </p:sp>
-      <p:sp>
-        <p:nvSpPr>
-          <p:cNvPr id="136" name="CustomShape 2"/>
+            <a:endParaRPr b="0" lang="en-US" sz="4400" spc="-1" strike="noStrike">
+              <a:latin typeface="Arial"/>
+            </a:endParaRPr>
+          </a:p>
+        </p:txBody>
+      </p:sp>
+      <p:sp>
+        <p:nvSpPr>
+          <p:cNvPr id="137" name="CustomShape 2"/>
           <p:cNvSpPr/>
           <p:nvPr/>
         </p:nvSpPr>
         <p:spPr>
           <a:xfrm>
             <a:off x="838080" y="1825560"/>
-            <a:ext cx="10513080" cy="4348800"/>
+            <a:ext cx="10512720" cy="4348440"/>
           </a:xfrm>
           <a:prstGeom prst="rect">
             <a:avLst/>
@@ -6235,7 +6258,7 @@
       </p:sp>
       <p:pic>
         <p:nvPicPr>
-          <p:cNvPr id="137" name="Image 4" descr=""/>
+          <p:cNvPr id="138" name="Image 4" descr=""/>
           <p:cNvPicPr/>
           <p:nvPr/>
         </p:nvPicPr>
@@ -6246,7 +6269,7 @@
         <p:spPr>
           <a:xfrm>
             <a:off x="11011680" y="15840"/>
-            <a:ext cx="1015560" cy="1009440"/>
+            <a:ext cx="1015200" cy="1009080"/>
           </a:xfrm>
           <a:prstGeom prst="rect">
             <a:avLst/>
@@ -6258,7 +6281,7 @@
       </p:pic>
       <p:pic>
         <p:nvPicPr>
-          <p:cNvPr id="138" name="" descr=""/>
+          <p:cNvPr id="139" name="" descr=""/>
           <p:cNvPicPr/>
           <p:nvPr/>
         </p:nvPicPr>
@@ -6269,7 +6292,7 @@
         <p:spPr>
           <a:xfrm>
             <a:off x="360" y="1682640"/>
-            <a:ext cx="7593120" cy="5173920"/>
+            <a:ext cx="7592760" cy="5173560"/>
           </a:xfrm>
           <a:prstGeom prst="rect">
             <a:avLst/>
@@ -6281,14 +6304,14 @@
       </p:pic>
       <p:sp>
         <p:nvSpPr>
-          <p:cNvPr id="139" name="CustomShape 3"/>
+          <p:cNvPr id="140" name="CustomShape 3"/>
           <p:cNvSpPr/>
           <p:nvPr/>
         </p:nvSpPr>
         <p:spPr>
           <a:xfrm rot="10800">
-            <a:off x="7484400" y="2324160"/>
-            <a:ext cx="4702680" cy="3898800"/>
+            <a:off x="7484040" y="2324160"/>
+            <a:ext cx="4702320" cy="3898800"/>
           </a:xfrm>
           <a:prstGeom prst="rect">
             <a:avLst/>
@@ -6315,7 +6338,7 @@
               </a:lnSpc>
             </a:pPr>
             <a:r>
-              <a:rPr b="0" lang="fr-FR" sz="3200" spc="-1" strike="noStrike">
+              <a:rPr b="0" lang="en-US" sz="3200" spc="-1" strike="noStrike">
                 <a:solidFill>
                   <a:srgbClr val="000000"/>
                 </a:solidFill>
@@ -6324,7 +6347,7 @@
               </a:rPr>
               <a:t>Alors voilà on à eu l’idée (enfin on a piqué l’idée sur le compte twitter de la photo de gauche), de faire des petits sondage, poser des questions, tweeter des liens du futur blog.</a:t>
             </a:r>
-            <a:endParaRPr b="0" lang="fr-FR" sz="3200" spc="-1" strike="noStrike">
+            <a:endParaRPr b="0" lang="en-US" sz="3200" spc="-1" strike="noStrike">
               <a:latin typeface="Arial"/>
             </a:endParaRPr>
           </a:p>
@@ -6362,14 +6385,14 @@
       </p:grpSpPr>
       <p:sp>
         <p:nvSpPr>
-          <p:cNvPr id="140" name="CustomShape 1"/>
+          <p:cNvPr id="141" name="CustomShape 1"/>
           <p:cNvSpPr/>
           <p:nvPr/>
         </p:nvSpPr>
         <p:spPr>
           <a:xfrm>
             <a:off x="838080" y="365040"/>
-            <a:ext cx="10513080" cy="1323000"/>
+            <a:ext cx="10512720" cy="1322640"/>
           </a:xfrm>
           <a:prstGeom prst="rect">
             <a:avLst/>
@@ -6396,7 +6419,7 @@
               </a:lnSpc>
             </a:pPr>
             <a:r>
-              <a:rPr b="0" lang="fr-FR" sz="4400" spc="-1" strike="noStrike">
+              <a:rPr b="0" lang="en-US" sz="4400" spc="-1" strike="noStrike">
                 <a:solidFill>
                   <a:srgbClr val="000000"/>
                 </a:solidFill>
@@ -6405,22 +6428,22 @@
               </a:rPr>
               <a:t>Création de contenus « 1 Erreur / 1 Solution »</a:t>
             </a:r>
-            <a:endParaRPr b="0" lang="fr-FR" sz="4400" spc="-1" strike="noStrike">
-              <a:latin typeface="Arial"/>
-            </a:endParaRPr>
-          </a:p>
-        </p:txBody>
-      </p:sp>
-      <p:sp>
-        <p:nvSpPr>
-          <p:cNvPr id="141" name="CustomShape 2"/>
+            <a:endParaRPr b="0" lang="en-US" sz="4400" spc="-1" strike="noStrike">
+              <a:latin typeface="Arial"/>
+            </a:endParaRPr>
+          </a:p>
+        </p:txBody>
+      </p:sp>
+      <p:sp>
+        <p:nvSpPr>
+          <p:cNvPr id="142" name="CustomShape 2"/>
           <p:cNvSpPr/>
           <p:nvPr/>
         </p:nvSpPr>
         <p:spPr>
           <a:xfrm>
             <a:off x="838080" y="1825560"/>
-            <a:ext cx="10513080" cy="4348800"/>
+            <a:ext cx="10512720" cy="4348440"/>
           </a:xfrm>
           <a:prstGeom prst="rect">
             <a:avLst/>
@@ -6439,7 +6462,7 @@
       </p:sp>
       <p:pic>
         <p:nvPicPr>
-          <p:cNvPr id="142" name="Image 4" descr=""/>
+          <p:cNvPr id="143" name="Image 4" descr=""/>
           <p:cNvPicPr/>
           <p:nvPr/>
         </p:nvPicPr>
@@ -6450,7 +6473,7 @@
         <p:spPr>
           <a:xfrm>
             <a:off x="11075040" y="15840"/>
-            <a:ext cx="1015560" cy="1009440"/>
+            <a:ext cx="1015200" cy="1009080"/>
           </a:xfrm>
           <a:prstGeom prst="rect">
             <a:avLst/>
@@ -6462,7 +6485,7 @@
       </p:pic>
       <p:pic>
         <p:nvPicPr>
-          <p:cNvPr id="143" name="" descr=""/>
+          <p:cNvPr id="144" name="" descr=""/>
           <p:cNvPicPr/>
           <p:nvPr/>
         </p:nvPicPr>
@@ -6473,7 +6496,7 @@
         <p:spPr>
           <a:xfrm>
             <a:off x="2800440" y="1653480"/>
-            <a:ext cx="6800040" cy="5133240"/>
+            <a:ext cx="6799680" cy="5132880"/>
           </a:xfrm>
           <a:prstGeom prst="rect">
             <a:avLst/>
@@ -6515,14 +6538,14 @@
       </p:grpSpPr>
       <p:sp>
         <p:nvSpPr>
-          <p:cNvPr id="144" name="CustomShape 1"/>
+          <p:cNvPr id="145" name="CustomShape 1"/>
           <p:cNvSpPr/>
           <p:nvPr/>
         </p:nvSpPr>
         <p:spPr>
           <a:xfrm>
             <a:off x="838080" y="365040"/>
-            <a:ext cx="10513080" cy="1323000"/>
+            <a:ext cx="10512720" cy="1322640"/>
           </a:xfrm>
           <a:prstGeom prst="rect">
             <a:avLst/>
@@ -6549,7 +6572,7 @@
               </a:lnSpc>
             </a:pPr>
             <a:r>
-              <a:rPr b="0" lang="fr-FR" sz="4400" spc="-1" strike="noStrike">
+              <a:rPr b="0" lang="en-US" sz="4400" spc="-1" strike="noStrike">
                 <a:solidFill>
                   <a:srgbClr val="000000"/>
                 </a:solidFill>
@@ -6558,22 +6581,22 @@
               </a:rPr>
               <a:t>Création d’un contenue « FAQ »</a:t>
             </a:r>
-            <a:endParaRPr b="0" lang="fr-FR" sz="4400" spc="-1" strike="noStrike">
-              <a:latin typeface="Arial"/>
-            </a:endParaRPr>
-          </a:p>
-        </p:txBody>
-      </p:sp>
-      <p:sp>
-        <p:nvSpPr>
-          <p:cNvPr id="145" name="CustomShape 2"/>
+            <a:endParaRPr b="0" lang="en-US" sz="4400" spc="-1" strike="noStrike">
+              <a:latin typeface="Arial"/>
+            </a:endParaRPr>
+          </a:p>
+        </p:txBody>
+      </p:sp>
+      <p:sp>
+        <p:nvSpPr>
+          <p:cNvPr id="146" name="CustomShape 2"/>
           <p:cNvSpPr/>
           <p:nvPr/>
         </p:nvSpPr>
         <p:spPr>
           <a:xfrm>
             <a:off x="838080" y="1825560"/>
-            <a:ext cx="10513080" cy="4348800"/>
+            <a:ext cx="10512720" cy="4348440"/>
           </a:xfrm>
           <a:prstGeom prst="rect">
             <a:avLst/>
@@ -6592,7 +6615,7 @@
       </p:sp>
       <p:pic>
         <p:nvPicPr>
-          <p:cNvPr id="146" name="Image 4" descr=""/>
+          <p:cNvPr id="147" name="Image 4" descr=""/>
           <p:cNvPicPr/>
           <p:nvPr/>
         </p:nvPicPr>
@@ -6603,7 +6626,7 @@
         <p:spPr>
           <a:xfrm>
             <a:off x="11075040" y="15840"/>
-            <a:ext cx="1015560" cy="1009440"/>
+            <a:ext cx="1015200" cy="1009080"/>
           </a:xfrm>
           <a:prstGeom prst="rect">
             <a:avLst/>
@@ -6615,7 +6638,7 @@
       </p:pic>
       <p:pic>
         <p:nvPicPr>
-          <p:cNvPr id="147" name="" descr=""/>
+          <p:cNvPr id="148" name="" descr=""/>
           <p:cNvPicPr/>
           <p:nvPr/>
         </p:nvPicPr>
@@ -6626,7 +6649,7 @@
         <p:spPr>
           <a:xfrm>
             <a:off x="1512000" y="1465200"/>
-            <a:ext cx="7952400" cy="5086080"/>
+            <a:ext cx="7952040" cy="5085720"/>
           </a:xfrm>
           <a:prstGeom prst="rect">
             <a:avLst/>
